--- a/Утечки памяти.pptx
+++ b/Утечки памяти.pptx
@@ -8,14 +8,13 @@
     <p:sldId id="256" r:id="rId2"/>
     <p:sldId id="257" r:id="rId3"/>
     <p:sldId id="258" r:id="rId4"/>
-    <p:sldId id="259" r:id="rId5"/>
-    <p:sldId id="260" r:id="rId6"/>
-    <p:sldId id="266" r:id="rId7"/>
-    <p:sldId id="263" r:id="rId8"/>
-    <p:sldId id="262" r:id="rId9"/>
-    <p:sldId id="261" r:id="rId10"/>
-    <p:sldId id="264" r:id="rId11"/>
-    <p:sldId id="265" r:id="rId12"/>
+    <p:sldId id="267" r:id="rId5"/>
+    <p:sldId id="268" r:id="rId6"/>
+    <p:sldId id="269" r:id="rId7"/>
+    <p:sldId id="266" r:id="rId8"/>
+    <p:sldId id="271" r:id="rId9"/>
+    <p:sldId id="265" r:id="rId10"/>
+    <p:sldId id="270" r:id="rId11"/>
   </p:sldIdLst>
   <p:sldSz cx="12192000" cy="6858000"/>
   <p:notesSz cx="6858000" cy="9144000"/>
@@ -253,7 +252,7 @@
           <a:p>
             <a:fld id="{B135BF1F-B804-4CD0-938B-7D4FA6201AD4}" type="datetimeFigureOut">
               <a:rPr lang="ru-RU" smtClean="0"/>
-              <a:t>02.12.2018</a:t>
+              <a:t>03.12.2018</a:t>
             </a:fld>
             <a:endParaRPr lang="ru-RU"/>
           </a:p>
@@ -423,7 +422,7 @@
           <a:p>
             <a:fld id="{B135BF1F-B804-4CD0-938B-7D4FA6201AD4}" type="datetimeFigureOut">
               <a:rPr lang="ru-RU" smtClean="0"/>
-              <a:t>02.12.2018</a:t>
+              <a:t>03.12.2018</a:t>
             </a:fld>
             <a:endParaRPr lang="ru-RU"/>
           </a:p>
@@ -603,7 +602,7 @@
           <a:p>
             <a:fld id="{B135BF1F-B804-4CD0-938B-7D4FA6201AD4}" type="datetimeFigureOut">
               <a:rPr lang="ru-RU" smtClean="0"/>
-              <a:t>02.12.2018</a:t>
+              <a:t>03.12.2018</a:t>
             </a:fld>
             <a:endParaRPr lang="ru-RU"/>
           </a:p>
@@ -773,7 +772,7 @@
           <a:p>
             <a:fld id="{B135BF1F-B804-4CD0-938B-7D4FA6201AD4}" type="datetimeFigureOut">
               <a:rPr lang="ru-RU" smtClean="0"/>
-              <a:t>02.12.2018</a:t>
+              <a:t>03.12.2018</a:t>
             </a:fld>
             <a:endParaRPr lang="ru-RU"/>
           </a:p>
@@ -1019,7 +1018,7 @@
           <a:p>
             <a:fld id="{B135BF1F-B804-4CD0-938B-7D4FA6201AD4}" type="datetimeFigureOut">
               <a:rPr lang="ru-RU" smtClean="0"/>
-              <a:t>02.12.2018</a:t>
+              <a:t>03.12.2018</a:t>
             </a:fld>
             <a:endParaRPr lang="ru-RU"/>
           </a:p>
@@ -1251,7 +1250,7 @@
           <a:p>
             <a:fld id="{B135BF1F-B804-4CD0-938B-7D4FA6201AD4}" type="datetimeFigureOut">
               <a:rPr lang="ru-RU" smtClean="0"/>
-              <a:t>02.12.2018</a:t>
+              <a:t>03.12.2018</a:t>
             </a:fld>
             <a:endParaRPr lang="ru-RU"/>
           </a:p>
@@ -1618,7 +1617,7 @@
           <a:p>
             <a:fld id="{B135BF1F-B804-4CD0-938B-7D4FA6201AD4}" type="datetimeFigureOut">
               <a:rPr lang="ru-RU" smtClean="0"/>
-              <a:t>02.12.2018</a:t>
+              <a:t>03.12.2018</a:t>
             </a:fld>
             <a:endParaRPr lang="ru-RU"/>
           </a:p>
@@ -1736,7 +1735,7 @@
           <a:p>
             <a:fld id="{B135BF1F-B804-4CD0-938B-7D4FA6201AD4}" type="datetimeFigureOut">
               <a:rPr lang="ru-RU" smtClean="0"/>
-              <a:t>02.12.2018</a:t>
+              <a:t>03.12.2018</a:t>
             </a:fld>
             <a:endParaRPr lang="ru-RU"/>
           </a:p>
@@ -1831,7 +1830,7 @@
           <a:p>
             <a:fld id="{B135BF1F-B804-4CD0-938B-7D4FA6201AD4}" type="datetimeFigureOut">
               <a:rPr lang="ru-RU" smtClean="0"/>
-              <a:t>02.12.2018</a:t>
+              <a:t>03.12.2018</a:t>
             </a:fld>
             <a:endParaRPr lang="ru-RU"/>
           </a:p>
@@ -2108,7 +2107,7 @@
           <a:p>
             <a:fld id="{B135BF1F-B804-4CD0-938B-7D4FA6201AD4}" type="datetimeFigureOut">
               <a:rPr lang="ru-RU" smtClean="0"/>
-              <a:t>02.12.2018</a:t>
+              <a:t>03.12.2018</a:t>
             </a:fld>
             <a:endParaRPr lang="ru-RU"/>
           </a:p>
@@ -2361,7 +2360,7 @@
           <a:p>
             <a:fld id="{B135BF1F-B804-4CD0-938B-7D4FA6201AD4}" type="datetimeFigureOut">
               <a:rPr lang="ru-RU" smtClean="0"/>
-              <a:t>02.12.2018</a:t>
+              <a:t>03.12.2018</a:t>
             </a:fld>
             <a:endParaRPr lang="ru-RU"/>
           </a:p>
@@ -2574,7 +2573,7 @@
           <a:p>
             <a:fld id="{B135BF1F-B804-4CD0-938B-7D4FA6201AD4}" type="datetimeFigureOut">
               <a:rPr lang="ru-RU" smtClean="0"/>
-              <a:t>02.12.2018</a:t>
+              <a:t>03.12.2018</a:t>
             </a:fld>
             <a:endParaRPr lang="ru-RU"/>
           </a:p>
@@ -3154,179 +3153,119 @@
           <a:lstStyle/>
           <a:p>
             <a:r>
-              <a:rPr lang="ru-RU" dirty="0" smtClean="0"/>
-              <a:t>Основные причины утечек памяти</a:t>
-            </a:r>
-            <a:endParaRPr lang="ru-RU" dirty="0"/>
-          </a:p>
-        </p:txBody>
-      </p:sp>
-      <p:sp>
-        <p:nvSpPr>
-          <p:cNvPr id="3" name="Объект 2"/>
-          <p:cNvSpPr>
-            <a:spLocks noGrp="1"/>
-          </p:cNvSpPr>
-          <p:nvPr>
-            <p:ph idx="1"/>
-          </p:nvPr>
-        </p:nvSpPr>
-        <p:spPr/>
-        <p:txBody>
-          <a:bodyPr/>
-          <a:lstStyle/>
-          <a:p>
-            <a:r>
-              <a:rPr lang="en-US" dirty="0" smtClean="0"/>
-              <a:t>Binding </a:t>
-            </a:r>
-            <a:r>
-              <a:rPr lang="ru-RU" dirty="0" smtClean="0"/>
-              <a:t>без </a:t>
-            </a:r>
-            <a:r>
-              <a:rPr lang="en-US" dirty="0" err="1" smtClean="0"/>
-              <a:t>INotifyPropertyChanged</a:t>
-            </a:r>
-            <a:endParaRPr lang="en-US" dirty="0" smtClean="0"/>
-          </a:p>
-          <a:p>
-            <a:r>
-              <a:rPr lang="en-US" dirty="0" smtClean="0"/>
-              <a:t>Collection binding </a:t>
-            </a:r>
-            <a:r>
-              <a:rPr lang="ru-RU" dirty="0" smtClean="0"/>
-              <a:t>без </a:t>
-            </a:r>
-            <a:r>
-              <a:rPr lang="en-US" dirty="0" err="1" smtClean="0"/>
-              <a:t>INotifyCollectionChanged</a:t>
-            </a:r>
-            <a:endParaRPr lang="en-US" dirty="0" smtClean="0"/>
-          </a:p>
-          <a:p>
-            <a:r>
-              <a:rPr lang="en-US" dirty="0" smtClean="0"/>
-              <a:t>x:Name</a:t>
-            </a:r>
-          </a:p>
-          <a:p>
-            <a:r>
               <a:rPr lang="en-US" dirty="0" smtClean="0"/>
               <a:t>Textbox undo</a:t>
             </a:r>
-          </a:p>
-          <a:p>
+            <a:endParaRPr lang="ru-RU" dirty="0"/>
+          </a:p>
+        </p:txBody>
+      </p:sp>
+      <p:sp>
+        <p:nvSpPr>
+          <p:cNvPr id="3" name="Объект 2"/>
+          <p:cNvSpPr>
+            <a:spLocks noGrp="1"/>
+          </p:cNvSpPr>
+          <p:nvPr>
+            <p:ph idx="1"/>
+          </p:nvPr>
+        </p:nvSpPr>
+        <p:spPr/>
+        <p:txBody>
+          <a:bodyPr/>
+          <a:lstStyle/>
+          <a:p>
+            <a:pPr>
+              <a:lnSpc>
+                <a:spcPct val="150000"/>
+              </a:lnSpc>
+            </a:pPr>
+            <a:r>
+              <a:rPr lang="en-US" dirty="0" err="1" smtClean="0"/>
+              <a:t>UndoManager</a:t>
+            </a:r>
+            <a:r>
+              <a:rPr lang="ru-RU" dirty="0"/>
+              <a:t> </a:t>
+            </a:r>
+            <a:r>
+              <a:rPr lang="ru-RU" dirty="0" smtClean="0"/>
+              <a:t>– корень всех зол</a:t>
+            </a:r>
+          </a:p>
+          <a:p>
+            <a:pPr>
+              <a:lnSpc>
+                <a:spcPct val="150000"/>
+              </a:lnSpc>
+            </a:pPr>
+            <a:r>
+              <a:rPr lang="ru-RU" dirty="0" smtClean="0"/>
+              <a:t>Отмена ввода – не баг, а </a:t>
+            </a:r>
+            <a:r>
+              <a:rPr lang="ru-RU" dirty="0" err="1" smtClean="0"/>
+              <a:t>фича</a:t>
+            </a:r>
+            <a:r>
+              <a:rPr lang="ru-RU" dirty="0" smtClean="0"/>
+              <a:t>?</a:t>
+            </a:r>
+          </a:p>
+          <a:p>
+            <a:pPr>
+              <a:lnSpc>
+                <a:spcPct val="150000"/>
+              </a:lnSpc>
+            </a:pPr>
+            <a:r>
+              <a:rPr lang="ru-RU" dirty="0" smtClean="0"/>
+              <a:t>Лечение – ограничить или отключить операцию </a:t>
+            </a:r>
             <a:r>
               <a:rPr lang="en-US" dirty="0" smtClean="0"/>
-              <a:t>Static events</a:t>
-            </a:r>
-          </a:p>
-          <a:p>
+              <a:t>Undo</a:t>
+            </a:r>
+          </a:p>
+          <a:p>
+            <a:pPr marL="457200" lvl="1" indent="0">
+              <a:lnSpc>
+                <a:spcPct val="150000"/>
+              </a:lnSpc>
+              <a:buNone/>
+            </a:pPr>
             <a:r>
               <a:rPr lang="en-US" dirty="0" err="1" smtClean="0"/>
-              <a:t>CommandBinding</a:t>
-            </a:r>
-            <a:endParaRPr lang="en-US" dirty="0" smtClean="0"/>
-          </a:p>
-          <a:p>
-            <a:r>
-              <a:rPr lang="en-US" b="1" dirty="0" err="1" smtClean="0"/>
-              <a:t>DispatcherTimer</a:t>
-            </a:r>
-            <a:endParaRPr lang="ru-RU" b="1" dirty="0"/>
+              <a:t>IsUndoEnabled</a:t>
+            </a:r>
+            <a:r>
+              <a:rPr lang="en-US" dirty="0" smtClean="0"/>
+              <a:t>=“False”</a:t>
+            </a:r>
+          </a:p>
+          <a:p>
+            <a:pPr marL="457200" lvl="1" indent="0">
+              <a:lnSpc>
+                <a:spcPct val="150000"/>
+              </a:lnSpc>
+              <a:buNone/>
+            </a:pPr>
+            <a:r>
+              <a:rPr lang="en-US" dirty="0" err="1" smtClean="0"/>
+              <a:t>UndoLimit</a:t>
+            </a:r>
+            <a:r>
+              <a:rPr lang="en-US" dirty="0" smtClean="0"/>
+              <a:t>=“10”</a:t>
+            </a:r>
+            <a:endParaRPr lang="ru-RU" dirty="0"/>
           </a:p>
         </p:txBody>
       </p:sp>
     </p:spTree>
     <p:extLst>
       <p:ext uri="{BB962C8B-B14F-4D97-AF65-F5344CB8AC3E}">
-        <p14:creationId xmlns:p14="http://schemas.microsoft.com/office/powerpoint/2010/main" val="3491050079"/>
-      </p:ext>
-    </p:extLst>
-  </p:cSld>
-  <p:clrMapOvr>
-    <a:masterClrMapping/>
-  </p:clrMapOvr>
-</p:sld>
-</file>
-
-<file path=ppt/slides/slide11.xml><?xml version="1.0" encoding="utf-8"?>
-<p:sld xmlns:a="http://schemas.openxmlformats.org/drawingml/2006/main" xmlns:r="http://schemas.openxmlformats.org/officeDocument/2006/relationships" xmlns:p="http://schemas.openxmlformats.org/presentationml/2006/main">
-  <p:cSld>
-    <p:spTree>
-      <p:nvGrpSpPr>
-        <p:cNvPr id="1" name=""/>
-        <p:cNvGrpSpPr/>
-        <p:nvPr/>
-      </p:nvGrpSpPr>
-      <p:grpSpPr>
-        <a:xfrm>
-          <a:off x="0" y="0"/>
-          <a:ext cx="0" cy="0"/>
-          <a:chOff x="0" y="0"/>
-          <a:chExt cx="0" cy="0"/>
-        </a:xfrm>
-      </p:grpSpPr>
-      <p:sp>
-        <p:nvSpPr>
-          <p:cNvPr id="2" name="Заголовок 1"/>
-          <p:cNvSpPr>
-            <a:spLocks noGrp="1"/>
-          </p:cNvSpPr>
-          <p:nvPr>
-            <p:ph type="title"/>
-          </p:nvPr>
-        </p:nvSpPr>
-        <p:spPr/>
-        <p:txBody>
-          <a:bodyPr/>
-          <a:lstStyle/>
-          <a:p>
-            <a:r>
-              <a:rPr lang="en-US" dirty="0" err="1" smtClean="0"/>
-              <a:t>DispatcherTimer</a:t>
-            </a:r>
-            <a:endParaRPr lang="ru-RU" dirty="0"/>
-          </a:p>
-        </p:txBody>
-      </p:sp>
-      <p:sp>
-        <p:nvSpPr>
-          <p:cNvPr id="3" name="Объект 2"/>
-          <p:cNvSpPr>
-            <a:spLocks noGrp="1"/>
-          </p:cNvSpPr>
-          <p:nvPr>
-            <p:ph idx="1"/>
-          </p:nvPr>
-        </p:nvSpPr>
-        <p:spPr/>
-        <p:txBody>
-          <a:bodyPr/>
-          <a:lstStyle/>
-          <a:p>
-            <a:r>
-              <a:rPr lang="en-US" dirty="0" smtClean="0"/>
-              <a:t>Dispatcher </a:t>
-            </a:r>
-            <a:r>
-              <a:rPr lang="ru-RU" dirty="0" smtClean="0"/>
-              <a:t>ссылается на коллекцию </a:t>
-            </a:r>
-            <a:r>
-              <a:rPr lang="en-US" smtClean="0"/>
-              <a:t>DispatcherTimers</a:t>
-            </a:r>
-            <a:endParaRPr lang="ru-RU" dirty="0"/>
-          </a:p>
-        </p:txBody>
-      </p:sp>
-    </p:spTree>
-    <p:extLst>
-      <p:ext uri="{BB962C8B-B14F-4D97-AF65-F5344CB8AC3E}">
-        <p14:creationId xmlns:p14="http://schemas.microsoft.com/office/powerpoint/2010/main" val="791737739"/>
+        <p14:creationId xmlns:p14="http://schemas.microsoft.com/office/powerpoint/2010/main" val="3782083779"/>
       </p:ext>
     </p:extLst>
   </p:cSld>
@@ -3558,6 +3497,13 @@
               <a:rPr lang="en-US" dirty="0" err="1" smtClean="0"/>
               <a:t>DispatcherTimer</a:t>
             </a:r>
+            <a:endParaRPr lang="en-US" dirty="0" smtClean="0"/>
+          </a:p>
+          <a:p>
+            <a:r>
+              <a:rPr lang="en-US" dirty="0" smtClean="0"/>
+              <a:t>Unregistered events</a:t>
+            </a:r>
             <a:endParaRPr lang="ru-RU" dirty="0"/>
           </a:p>
         </p:txBody>
@@ -3609,7 +3555,11 @@
           <a:p>
             <a:r>
               <a:rPr lang="ru-RU" dirty="0" smtClean="0"/>
-              <a:t>Основные причины утечек памяти</a:t>
+              <a:t>Неправильный </a:t>
+            </a:r>
+            <a:r>
+              <a:rPr lang="en-US" dirty="0" smtClean="0"/>
+              <a:t>Binding</a:t>
             </a:r>
             <a:endParaRPr lang="ru-RU" dirty="0"/>
           </a:p>
@@ -3625,70 +3575,98 @@
             <p:ph idx="1"/>
           </p:nvPr>
         </p:nvSpPr>
-        <p:spPr/>
-        <p:txBody>
-          <a:bodyPr/>
-          <a:lstStyle/>
-          <a:p>
+        <p:spPr>
+          <a:xfrm>
+            <a:off x="838199" y="1825625"/>
+            <a:ext cx="10600113" cy="4351338"/>
+          </a:xfrm>
+        </p:spPr>
+        <p:txBody>
+          <a:bodyPr>
+            <a:normAutofit/>
+          </a:bodyPr>
+          <a:lstStyle/>
+          <a:p>
+            <a:pPr>
+              <a:lnSpc>
+                <a:spcPct val="150000"/>
+              </a:lnSpc>
+            </a:pPr>
+            <a:r>
+              <a:rPr lang="ru-RU" dirty="0" smtClean="0"/>
+              <a:t>Класс не реализует </a:t>
+            </a:r>
+            <a:r>
+              <a:rPr lang="en-US" dirty="0" err="1" smtClean="0"/>
+              <a:t>INotifyPropertyChanged</a:t>
+            </a:r>
+            <a:endParaRPr lang="en-US" dirty="0" smtClean="0"/>
+          </a:p>
+          <a:p>
+            <a:pPr>
+              <a:lnSpc>
+                <a:spcPct val="150000"/>
+              </a:lnSpc>
+            </a:pPr>
+            <a:r>
+              <a:rPr lang="ru-RU" dirty="0" smtClean="0"/>
+              <a:t>Объект привязки можно изменять</a:t>
+            </a:r>
+          </a:p>
+          <a:p>
+            <a:pPr>
+              <a:lnSpc>
+                <a:spcPct val="150000"/>
+              </a:lnSpc>
+            </a:pPr>
+            <a:r>
+              <a:rPr lang="en-US" dirty="0" err="1" smtClean="0"/>
+              <a:t>System.ComponentModel.PropertyDesctiptor</a:t>
+            </a:r>
+            <a:r>
+              <a:rPr lang="ru-RU" dirty="0" smtClean="0"/>
+              <a:t> – </a:t>
+            </a:r>
+            <a:r>
+              <a:rPr lang="en-US" dirty="0" err="1" smtClean="0"/>
+              <a:t>ValueChanged</a:t>
+            </a:r>
+            <a:r>
+              <a:rPr lang="ru-RU" dirty="0" smtClean="0"/>
+              <a:t> </a:t>
+            </a:r>
+            <a:r>
+              <a:rPr lang="en-US" dirty="0" smtClean="0"/>
+              <a:t>event</a:t>
+            </a:r>
+          </a:p>
+          <a:p>
+            <a:pPr>
+              <a:lnSpc>
+                <a:spcPct val="150000"/>
+              </a:lnSpc>
+            </a:pPr>
             <a:r>
               <a:rPr lang="en-US" dirty="0" smtClean="0"/>
               <a:t>Binding </a:t>
             </a:r>
             <a:r>
-              <a:rPr lang="ru-RU" dirty="0" smtClean="0"/>
-              <a:t>без </a:t>
-            </a:r>
-            <a:r>
-              <a:rPr lang="en-US" dirty="0" err="1" smtClean="0"/>
-              <a:t>INotifyPropertyChanged</a:t>
-            </a:r>
-            <a:endParaRPr lang="en-US" dirty="0" smtClean="0"/>
-          </a:p>
-          <a:p>
-            <a:r>
-              <a:rPr lang="en-US" b="1" dirty="0" smtClean="0"/>
-              <a:t>Collection binding </a:t>
-            </a:r>
-            <a:r>
-              <a:rPr lang="ru-RU" b="1" dirty="0" smtClean="0"/>
-              <a:t>без </a:t>
-            </a:r>
-            <a:r>
-              <a:rPr lang="en-US" b="1" dirty="0" err="1" smtClean="0"/>
+              <a:rPr lang="ru-RU" dirty="0"/>
+              <a:t>коллекции без </a:t>
+            </a:r>
+            <a:r>
+              <a:rPr lang="en-US" dirty="0" err="1"/>
               <a:t>INotifyCollectionChanged</a:t>
             </a:r>
-            <a:endParaRPr lang="en-US" b="1" dirty="0" smtClean="0"/>
-          </a:p>
-          <a:p>
-            <a:r>
-              <a:rPr lang="en-US" dirty="0" smtClean="0"/>
-              <a:t>x:Name</a:t>
-            </a:r>
-          </a:p>
-          <a:p>
-            <a:r>
-              <a:rPr lang="en-US" dirty="0" smtClean="0"/>
-              <a:t>Textbox undo</a:t>
-            </a:r>
-          </a:p>
-          <a:p>
-            <a:r>
-              <a:rPr lang="en-US" dirty="0" smtClean="0"/>
-              <a:t>Static events</a:t>
-            </a:r>
-          </a:p>
-          <a:p>
-            <a:r>
-              <a:rPr lang="en-US" dirty="0" err="1" smtClean="0"/>
-              <a:t>CommandBinding</a:t>
-            </a:r>
-            <a:endParaRPr lang="en-US" dirty="0" smtClean="0"/>
-          </a:p>
-          <a:p>
-            <a:r>
-              <a:rPr lang="en-US" dirty="0" err="1" smtClean="0"/>
-              <a:t>DispatcherTimer</a:t>
-            </a:r>
+            <a:endParaRPr lang="en-US" dirty="0"/>
+          </a:p>
+          <a:p>
+            <a:pPr marL="0" indent="0">
+              <a:lnSpc>
+                <a:spcPct val="150000"/>
+              </a:lnSpc>
+              <a:buNone/>
+            </a:pPr>
             <a:endParaRPr lang="ru-RU" dirty="0"/>
           </a:p>
         </p:txBody>
@@ -3696,7 +3674,7 @@
     </p:spTree>
     <p:extLst>
       <p:ext uri="{BB962C8B-B14F-4D97-AF65-F5344CB8AC3E}">
-        <p14:creationId xmlns:p14="http://schemas.microsoft.com/office/powerpoint/2010/main" val="2359697314"/>
+        <p14:creationId xmlns:p14="http://schemas.microsoft.com/office/powerpoint/2010/main" val="119885656"/>
       </p:ext>
     </p:extLst>
   </p:cSld>
@@ -3740,9 +3718,24 @@
           <a:p>
             <a:r>
               <a:rPr lang="ru-RU" dirty="0" smtClean="0"/>
-              <a:t>Основные причины утечек памяти</a:t>
-            </a:r>
-            <a:endParaRPr lang="ru-RU" dirty="0"/>
+              <a:t>Как лечить </a:t>
+            </a:r>
+            <a:r>
+              <a:rPr lang="ru-RU" dirty="0"/>
+              <a:t>н</a:t>
+            </a:r>
+            <a:r>
+              <a:rPr lang="ru-RU" dirty="0" smtClean="0"/>
+              <a:t>еправильный </a:t>
+            </a:r>
+            <a:r>
+              <a:rPr lang="en-US" dirty="0" smtClean="0"/>
+              <a:t>Binding</a:t>
+            </a:r>
+            <a:r>
+              <a:rPr lang="ru-RU" dirty="0"/>
+              <a:t>?</a:t>
+            </a:r>
           </a:p>
         </p:txBody>
       </p:sp>
@@ -3761,64 +3754,84 @@
           <a:bodyPr/>
           <a:lstStyle/>
           <a:p>
-            <a:r>
-              <a:rPr lang="en-US" dirty="0" smtClean="0"/>
-              <a:t>Binding </a:t>
-            </a:r>
-            <a:r>
-              <a:rPr lang="ru-RU" dirty="0" smtClean="0"/>
-              <a:t>без </a:t>
-            </a:r>
             <a:r>
               <a:rPr lang="en-US" dirty="0" err="1" smtClean="0"/>
               <a:t>INotifyPropertyChanged</a:t>
             </a:r>
+            <a:r>
+              <a:rPr lang="en-US" dirty="0" smtClean="0"/>
+              <a:t> </a:t>
+            </a:r>
+            <a:r>
+              <a:rPr lang="ru-RU" dirty="0" smtClean="0"/>
+              <a:t>или </a:t>
+            </a:r>
+            <a:r>
+              <a:rPr lang="en-US" dirty="0" err="1" smtClean="0"/>
+              <a:t>DependencyProperty</a:t>
+            </a:r>
             <a:endParaRPr lang="en-US" dirty="0" smtClean="0"/>
           </a:p>
           <a:p>
+            <a:endParaRPr lang="ru-RU" dirty="0" smtClean="0"/>
+          </a:p>
+          <a:p>
             <a:r>
               <a:rPr lang="en-US" dirty="0" smtClean="0"/>
-              <a:t>Collection binding </a:t>
-            </a:r>
+              <a:t>Binding Mode=“</a:t>
+            </a:r>
+            <a:r>
+              <a:rPr lang="en-US" dirty="0" err="1" smtClean="0"/>
+              <a:t>OneTime</a:t>
+            </a:r>
+            <a:r>
+              <a:rPr lang="en-US" dirty="0" smtClean="0"/>
+              <a:t>”</a:t>
+            </a:r>
+            <a:endParaRPr lang="en-US" dirty="0"/>
+          </a:p>
+          <a:p>
             <a:r>
               <a:rPr lang="ru-RU" dirty="0" smtClean="0"/>
-              <a:t>без </a:t>
+              <a:t>Декоратор для </a:t>
+            </a:r>
+            <a:r>
+              <a:rPr lang="en-US" dirty="0" err="1" smtClean="0"/>
+              <a:t>OneTime</a:t>
+            </a:r>
+            <a:r>
+              <a:rPr lang="en-US" dirty="0" smtClean="0"/>
+              <a:t> Binding</a:t>
+            </a:r>
+            <a:endParaRPr lang="en-US" dirty="0"/>
+          </a:p>
+          <a:p>
+            <a:endParaRPr lang="ru-RU" dirty="0" smtClean="0"/>
+          </a:p>
+          <a:p>
+            <a:r>
+              <a:rPr lang="en-US" dirty="0" err="1" smtClean="0"/>
+              <a:t>ObservableCollection</a:t>
+            </a:r>
+            <a:r>
+              <a:rPr lang="en-US" dirty="0" smtClean="0"/>
+              <a:t> </a:t>
+            </a:r>
+            <a:r>
+              <a:rPr lang="ru-RU" dirty="0" smtClean="0"/>
+              <a:t>или любая имплементация </a:t>
             </a:r>
             <a:r>
               <a:rPr lang="en-US" dirty="0" err="1" smtClean="0"/>
               <a:t>INotifyCollectionChanged</a:t>
             </a:r>
-            <a:endParaRPr lang="en-US" dirty="0" smtClean="0"/>
-          </a:p>
-          <a:p>
-            <a:r>
-              <a:rPr lang="en-US" b="1" dirty="0" smtClean="0"/>
-              <a:t>x:Name</a:t>
-            </a:r>
-          </a:p>
-          <a:p>
             <a:r>
               <a:rPr lang="en-US" dirty="0" smtClean="0"/>
-              <a:t>Textbox undo</a:t>
-            </a:r>
-          </a:p>
-          <a:p>
-            <a:r>
-              <a:rPr lang="en-US" dirty="0" smtClean="0"/>
-              <a:t>Static events</a:t>
-            </a:r>
-          </a:p>
-          <a:p>
-            <a:r>
-              <a:rPr lang="en-US" dirty="0" err="1" smtClean="0"/>
-              <a:t>CommandBinding</a:t>
-            </a:r>
-            <a:endParaRPr lang="en-US" dirty="0" smtClean="0"/>
-          </a:p>
-          <a:p>
-            <a:r>
-              <a:rPr lang="en-US" dirty="0" err="1" smtClean="0"/>
-              <a:t>DispatcherTimer</a:t>
+              <a:t> </a:t>
+            </a:r>
+            <a:r>
+              <a:rPr lang="ru-RU" dirty="0" smtClean="0"/>
+              <a:t>для коллекции</a:t>
             </a:r>
             <a:endParaRPr lang="ru-RU" dirty="0"/>
           </a:p>
@@ -3827,7 +3840,7 @@
     </p:spTree>
     <p:extLst>
       <p:ext uri="{BB962C8B-B14F-4D97-AF65-F5344CB8AC3E}">
-        <p14:creationId xmlns:p14="http://schemas.microsoft.com/office/powerpoint/2010/main" val="1585298070"/>
+        <p14:creationId xmlns:p14="http://schemas.microsoft.com/office/powerpoint/2010/main" val="1426775934"/>
       </p:ext>
     </p:extLst>
   </p:cSld>
@@ -3892,24 +3905,23 @@
           <a:bodyPr/>
           <a:lstStyle/>
           <a:p>
-            <a:pPr marL="0" indent="0">
-              <a:buNone/>
-            </a:pPr>
-            <a:endParaRPr lang="en-US" dirty="0" smtClean="0"/>
-          </a:p>
-          <a:p>
-            <a:pPr marL="0" indent="0">
-              <a:buNone/>
-            </a:pPr>
             <a:r>
               <a:rPr lang="ru-RU" dirty="0" smtClean="0"/>
-              <a:t>Проблема</a:t>
-            </a:r>
+              <a:t>Позволяет сослаться на элемент </a:t>
+            </a:r>
+            <a:r>
+              <a:rPr lang="en-US" dirty="0" smtClean="0"/>
+              <a:t>UI</a:t>
+            </a:r>
+            <a:endParaRPr lang="ru-RU" dirty="0" smtClean="0"/>
+          </a:p>
+          <a:p>
+            <a:endParaRPr lang="ru-RU" dirty="0"/>
           </a:p>
           <a:p>
             <a:r>
               <a:rPr lang="ru-RU" dirty="0" smtClean="0"/>
-              <a:t>Сильная глобальная ссылка на </a:t>
+              <a:t>Создает строгую глобальную ссылку на </a:t>
             </a:r>
             <a:r>
               <a:rPr lang="en-US" dirty="0" smtClean="0"/>
@@ -3921,21 +3933,13 @@
             </a:r>
           </a:p>
           <a:p>
-            <a:endParaRPr lang="en-US" dirty="0" smtClean="0"/>
-          </a:p>
-          <a:p>
             <a:endParaRPr lang="ru-RU" dirty="0"/>
           </a:p>
           <a:p>
-            <a:pPr marL="0" indent="0">
-              <a:buNone/>
-            </a:pPr>
             <a:r>
               <a:rPr lang="ru-RU" dirty="0" smtClean="0"/>
-              <a:t>Решение</a:t>
-            </a:r>
-          </a:p>
-          <a:p>
+              <a:t>Лечение - </a:t>
+            </a:r>
             <a:r>
               <a:rPr lang="en-US" dirty="0" err="1" smtClean="0"/>
               <a:t>UnregisterName</a:t>
@@ -3946,11 +3950,11 @@
             </a:r>
             <a:r>
               <a:rPr lang="en-US" dirty="0" err="1" smtClean="0"/>
-              <a:t>controlName</a:t>
+              <a:t>elementName</a:t>
             </a:r>
             <a:r>
               <a:rPr lang="en-US" dirty="0" smtClean="0"/>
-              <a:t>”);</a:t>
+              <a:t>”)</a:t>
             </a:r>
             <a:endParaRPr lang="ru-RU" dirty="0"/>
           </a:p>
@@ -3959,7 +3963,7 @@
     </p:spTree>
     <p:extLst>
       <p:ext uri="{BB962C8B-B14F-4D97-AF65-F5344CB8AC3E}">
-        <p14:creationId xmlns:p14="http://schemas.microsoft.com/office/powerpoint/2010/main" val="305833563"/>
+        <p14:creationId xmlns:p14="http://schemas.microsoft.com/office/powerpoint/2010/main" val="1894424396"/>
       </p:ext>
     </p:extLst>
   </p:cSld>
@@ -4002,86 +4006,87 @@
           <a:lstStyle/>
           <a:p>
             <a:r>
-              <a:rPr lang="ru-RU" dirty="0" smtClean="0"/>
-              <a:t>Основные причины утечек памяти</a:t>
-            </a:r>
-            <a:endParaRPr lang="ru-RU" dirty="0"/>
-          </a:p>
-        </p:txBody>
-      </p:sp>
-      <p:sp>
-        <p:nvSpPr>
-          <p:cNvPr id="3" name="Объект 2"/>
-          <p:cNvSpPr>
-            <a:spLocks noGrp="1"/>
-          </p:cNvSpPr>
-          <p:nvPr>
-            <p:ph idx="1"/>
-          </p:nvPr>
-        </p:nvSpPr>
-        <p:spPr/>
-        <p:txBody>
-          <a:bodyPr/>
-          <a:lstStyle/>
-          <a:p>
-            <a:r>
-              <a:rPr lang="en-US" dirty="0" smtClean="0"/>
-              <a:t>Binding </a:t>
-            </a:r>
-            <a:r>
-              <a:rPr lang="ru-RU" dirty="0" smtClean="0"/>
-              <a:t>без </a:t>
-            </a:r>
-            <a:r>
-              <a:rPr lang="en-US" dirty="0" err="1" smtClean="0"/>
-              <a:t>INotifyPropertyChanged</a:t>
-            </a:r>
-            <a:endParaRPr lang="en-US" dirty="0" smtClean="0"/>
-          </a:p>
-          <a:p>
-            <a:r>
-              <a:rPr lang="en-US" dirty="0" smtClean="0"/>
-              <a:t>Collection binding </a:t>
-            </a:r>
-            <a:r>
-              <a:rPr lang="ru-RU" dirty="0" smtClean="0"/>
-              <a:t>без </a:t>
-            </a:r>
-            <a:r>
-              <a:rPr lang="en-US" dirty="0" err="1" smtClean="0"/>
-              <a:t>INotifyCollectionChanged</a:t>
-            </a:r>
-            <a:endParaRPr lang="en-US" dirty="0" smtClean="0"/>
-          </a:p>
-          <a:p>
-            <a:r>
               <a:rPr lang="en-US" dirty="0" smtClean="0"/>
               <a:t>x:Name</a:t>
             </a:r>
-          </a:p>
-          <a:p>
-            <a:r>
-              <a:rPr lang="en-US" b="1" dirty="0" smtClean="0"/>
-              <a:t>Textbox undo</a:t>
-            </a:r>
-          </a:p>
-          <a:p>
+            <a:endParaRPr lang="ru-RU" dirty="0"/>
+          </a:p>
+        </p:txBody>
+      </p:sp>
+      <p:sp>
+        <p:nvSpPr>
+          <p:cNvPr id="3" name="Объект 2"/>
+          <p:cNvSpPr>
+            <a:spLocks noGrp="1"/>
+          </p:cNvSpPr>
+          <p:nvPr>
+            <p:ph idx="1"/>
+          </p:nvPr>
+        </p:nvSpPr>
+        <p:spPr/>
+        <p:txBody>
+          <a:bodyPr/>
+          <a:lstStyle/>
+          <a:p>
+            <a:pPr marL="0" indent="0">
+              <a:buNone/>
+            </a:pPr>
+            <a:endParaRPr lang="en-US" dirty="0" smtClean="0"/>
+          </a:p>
+          <a:p>
+            <a:pPr marL="0" indent="0">
+              <a:buNone/>
+            </a:pPr>
+            <a:r>
+              <a:rPr lang="ru-RU" dirty="0" smtClean="0"/>
+              <a:t>Проблема</a:t>
+            </a:r>
+          </a:p>
+          <a:p>
+            <a:r>
+              <a:rPr lang="ru-RU" dirty="0" smtClean="0"/>
+              <a:t>Сильная глобальная ссылка на </a:t>
+            </a:r>
             <a:r>
               <a:rPr lang="en-US" dirty="0" smtClean="0"/>
-              <a:t>Static events</a:t>
+              <a:t>UI </a:t>
+            </a:r>
+            <a:r>
+              <a:rPr lang="ru-RU" dirty="0" smtClean="0"/>
+              <a:t>элемент</a:t>
+            </a:r>
+          </a:p>
+          <a:p>
+            <a:endParaRPr lang="en-US" dirty="0" smtClean="0"/>
+          </a:p>
+          <a:p>
+            <a:endParaRPr lang="ru-RU" dirty="0"/>
+          </a:p>
+          <a:p>
+            <a:pPr marL="0" indent="0">
+              <a:buNone/>
+            </a:pPr>
+            <a:r>
+              <a:rPr lang="ru-RU" dirty="0" smtClean="0"/>
+              <a:t>Решение</a:t>
             </a:r>
           </a:p>
           <a:p>
             <a:r>
               <a:rPr lang="en-US" dirty="0" err="1" smtClean="0"/>
-              <a:t>CommandBinding</a:t>
-            </a:r>
-            <a:endParaRPr lang="en-US" dirty="0" smtClean="0"/>
-          </a:p>
-          <a:p>
+              <a:t>UnregisterName</a:t>
+            </a:r>
+            <a:r>
+              <a:rPr lang="en-US" dirty="0" smtClean="0"/>
+              <a:t>(“</a:t>
+            </a:r>
             <a:r>
               <a:rPr lang="en-US" dirty="0" err="1" smtClean="0"/>
-              <a:t>DispatcherTimer</a:t>
+              <a:t>controlName</a:t>
+            </a:r>
+            <a:r>
+              <a:rPr lang="en-US" dirty="0" smtClean="0"/>
+              <a:t>”);</a:t>
             </a:r>
             <a:endParaRPr lang="ru-RU" dirty="0"/>
           </a:p>
@@ -4090,7 +4095,7 @@
     </p:spTree>
     <p:extLst>
       <p:ext uri="{BB962C8B-B14F-4D97-AF65-F5344CB8AC3E}">
-        <p14:creationId xmlns:p14="http://schemas.microsoft.com/office/powerpoint/2010/main" val="238145267"/>
+        <p14:creationId xmlns:p14="http://schemas.microsoft.com/office/powerpoint/2010/main" val="305833563"/>
       </p:ext>
     </p:extLst>
   </p:cSld>
@@ -4133,87 +4138,38 @@
           <a:lstStyle/>
           <a:p>
             <a:r>
+              <a:rPr lang="en-US" dirty="0" smtClean="0"/>
+              <a:t>Event Handler leak</a:t>
+            </a:r>
+            <a:endParaRPr lang="ru-RU" dirty="0"/>
+          </a:p>
+        </p:txBody>
+      </p:sp>
+      <p:sp>
+        <p:nvSpPr>
+          <p:cNvPr id="3" name="Объект 2"/>
+          <p:cNvSpPr>
+            <a:spLocks noGrp="1"/>
+          </p:cNvSpPr>
+          <p:nvPr>
+            <p:ph idx="1"/>
+          </p:nvPr>
+        </p:nvSpPr>
+        <p:spPr/>
+        <p:txBody>
+          <a:bodyPr/>
+          <a:lstStyle/>
+          <a:p>
+            <a:r>
               <a:rPr lang="ru-RU" dirty="0" smtClean="0"/>
-              <a:t>Основные причины утечек памяти</a:t>
-            </a:r>
-            <a:endParaRPr lang="ru-RU" dirty="0"/>
-          </a:p>
-        </p:txBody>
-      </p:sp>
-      <p:sp>
-        <p:nvSpPr>
-          <p:cNvPr id="3" name="Объект 2"/>
-          <p:cNvSpPr>
-            <a:spLocks noGrp="1"/>
-          </p:cNvSpPr>
-          <p:nvPr>
-            <p:ph idx="1"/>
-          </p:nvPr>
-        </p:nvSpPr>
-        <p:spPr/>
-        <p:txBody>
-          <a:bodyPr/>
-          <a:lstStyle/>
-          <a:p>
+              <a:t>Проблема не только в </a:t>
+            </a:r>
             <a:r>
               <a:rPr lang="en-US" dirty="0" smtClean="0"/>
-              <a:t>Binding </a:t>
-            </a:r>
-            <a:r>
-              <a:rPr lang="ru-RU" dirty="0" smtClean="0"/>
-              <a:t>без </a:t>
-            </a:r>
-            <a:r>
-              <a:rPr lang="en-US" dirty="0" err="1" smtClean="0"/>
-              <a:t>INotifyPropertyChanged</a:t>
-            </a:r>
-            <a:endParaRPr lang="en-US" dirty="0" smtClean="0"/>
-          </a:p>
-          <a:p>
-            <a:r>
-              <a:rPr lang="en-US" dirty="0" smtClean="0"/>
-              <a:t>Collection binding </a:t>
-            </a:r>
-            <a:r>
-              <a:rPr lang="ru-RU" dirty="0" smtClean="0"/>
-              <a:t>без </a:t>
-            </a:r>
-            <a:r>
-              <a:rPr lang="en-US" dirty="0" err="1" smtClean="0"/>
-              <a:t>INotifyCollectionChanged</a:t>
-            </a:r>
-            <a:endParaRPr lang="en-US" dirty="0" smtClean="0"/>
-          </a:p>
-          <a:p>
-            <a:r>
-              <a:rPr lang="en-US" dirty="0" smtClean="0"/>
-              <a:t>x:Name</a:t>
-            </a:r>
-          </a:p>
-          <a:p>
-            <a:r>
-              <a:rPr lang="en-US" dirty="0" smtClean="0"/>
-              <a:t>Textbox undo</a:t>
-            </a:r>
-          </a:p>
-          <a:p>
-            <a:r>
-              <a:rPr lang="en-US" b="1" dirty="0" smtClean="0"/>
-              <a:t>Static events</a:t>
-            </a:r>
-          </a:p>
-          <a:p>
-            <a:r>
-              <a:rPr lang="en-US" dirty="0" err="1" smtClean="0"/>
-              <a:t>CommandBinding</a:t>
-            </a:r>
-            <a:endParaRPr lang="en-US" dirty="0" smtClean="0"/>
-          </a:p>
-          <a:p>
-            <a:r>
-              <a:rPr lang="en-US" dirty="0" err="1" smtClean="0"/>
-              <a:t>DispatcherTimer</a:t>
-            </a:r>
+              <a:t>WPF</a:t>
+            </a:r>
+          </a:p>
+          <a:p>
             <a:endParaRPr lang="ru-RU" dirty="0"/>
           </a:p>
         </p:txBody>
@@ -4221,7 +4177,7 @@
     </p:spTree>
     <p:extLst>
       <p:ext uri="{BB962C8B-B14F-4D97-AF65-F5344CB8AC3E}">
-        <p14:creationId xmlns:p14="http://schemas.microsoft.com/office/powerpoint/2010/main" val="2871406974"/>
+        <p14:creationId xmlns:p14="http://schemas.microsoft.com/office/powerpoint/2010/main" val="2538111150"/>
       </p:ext>
     </p:extLst>
   </p:cSld>
@@ -4264,86 +4220,39 @@
           <a:lstStyle/>
           <a:p>
             <a:r>
-              <a:rPr lang="ru-RU" dirty="0" smtClean="0"/>
-              <a:t>Основные причины утечек памяти</a:t>
-            </a:r>
-            <a:endParaRPr lang="ru-RU" dirty="0"/>
-          </a:p>
-        </p:txBody>
-      </p:sp>
-      <p:sp>
-        <p:nvSpPr>
-          <p:cNvPr id="3" name="Объект 2"/>
-          <p:cNvSpPr>
-            <a:spLocks noGrp="1"/>
-          </p:cNvSpPr>
-          <p:nvPr>
-            <p:ph idx="1"/>
-          </p:nvPr>
-        </p:nvSpPr>
-        <p:spPr/>
-        <p:txBody>
-          <a:bodyPr/>
-          <a:lstStyle/>
-          <a:p>
-            <a:r>
-              <a:rPr lang="en-US" dirty="0" smtClean="0"/>
-              <a:t>Binding </a:t>
-            </a:r>
-            <a:r>
-              <a:rPr lang="ru-RU" dirty="0" smtClean="0"/>
-              <a:t>без </a:t>
-            </a:r>
-            <a:r>
-              <a:rPr lang="en-US" dirty="0" err="1" smtClean="0"/>
-              <a:t>INotifyPropertyChanged</a:t>
-            </a:r>
-            <a:endParaRPr lang="en-US" dirty="0" smtClean="0"/>
-          </a:p>
-          <a:p>
-            <a:r>
-              <a:rPr lang="en-US" dirty="0" smtClean="0"/>
-              <a:t>Collection binding </a:t>
-            </a:r>
-            <a:r>
-              <a:rPr lang="ru-RU" dirty="0" smtClean="0"/>
-              <a:t>без </a:t>
-            </a:r>
-            <a:r>
-              <a:rPr lang="en-US" dirty="0" err="1" smtClean="0"/>
-              <a:t>INotifyCollectionChanged</a:t>
-            </a:r>
-            <a:endParaRPr lang="en-US" dirty="0" smtClean="0"/>
-          </a:p>
-          <a:p>
-            <a:r>
-              <a:rPr lang="en-US" dirty="0" smtClean="0"/>
-              <a:t>x:Name</a:t>
-            </a:r>
-          </a:p>
-          <a:p>
-            <a:r>
-              <a:rPr lang="en-US" dirty="0" smtClean="0"/>
-              <a:t>Textbox undo</a:t>
-            </a:r>
-          </a:p>
-          <a:p>
-            <a:r>
-              <a:rPr lang="en-US" dirty="0" smtClean="0"/>
-              <a:t>Static events</a:t>
-            </a:r>
-          </a:p>
-          <a:p>
-            <a:r>
-              <a:rPr lang="en-US" b="1" dirty="0" err="1" smtClean="0"/>
-              <a:t>CommandBinding</a:t>
-            </a:r>
-            <a:endParaRPr lang="en-US" b="1" dirty="0" smtClean="0"/>
-          </a:p>
-          <a:p>
-            <a:r>
               <a:rPr lang="en-US" dirty="0" err="1" smtClean="0"/>
               <a:t>DispatcherTimer</a:t>
+            </a:r>
+            <a:endParaRPr lang="ru-RU" dirty="0"/>
+          </a:p>
+        </p:txBody>
+      </p:sp>
+      <p:sp>
+        <p:nvSpPr>
+          <p:cNvPr id="3" name="Объект 2"/>
+          <p:cNvSpPr>
+            <a:spLocks noGrp="1"/>
+          </p:cNvSpPr>
+          <p:nvPr>
+            <p:ph idx="1"/>
+          </p:nvPr>
+        </p:nvSpPr>
+        <p:spPr/>
+        <p:txBody>
+          <a:bodyPr/>
+          <a:lstStyle/>
+          <a:p>
+            <a:r>
+              <a:rPr lang="en-US" dirty="0" smtClean="0"/>
+              <a:t>Dispatcher </a:t>
+            </a:r>
+            <a:r>
+              <a:rPr lang="ru-RU" dirty="0" smtClean="0"/>
+              <a:t>ссылается на коллекцию </a:t>
+            </a:r>
+            <a:r>
+              <a:rPr lang="en-US" smtClean="0"/>
+              <a:t>DispatcherTimers</a:t>
             </a:r>
             <a:endParaRPr lang="ru-RU" dirty="0"/>
           </a:p>
@@ -4352,7 +4261,7 @@
     </p:spTree>
     <p:extLst>
       <p:ext uri="{BB962C8B-B14F-4D97-AF65-F5344CB8AC3E}">
-        <p14:creationId xmlns:p14="http://schemas.microsoft.com/office/powerpoint/2010/main" val="3895105292"/>
+        <p14:creationId xmlns:p14="http://schemas.microsoft.com/office/powerpoint/2010/main" val="791737739"/>
       </p:ext>
     </p:extLst>
   </p:cSld>

--- a/Утечки памяти.pptx
+++ b/Утечки памяти.pptx
@@ -4,17 +4,29 @@
   <p:sldMasterIdLst>
     <p:sldMasterId id="2147483648" r:id="rId1"/>
   </p:sldMasterIdLst>
+  <p:notesMasterIdLst>
+    <p:notesMasterId r:id="rId21"/>
+  </p:notesMasterIdLst>
   <p:sldIdLst>
     <p:sldId id="256" r:id="rId2"/>
     <p:sldId id="257" r:id="rId3"/>
-    <p:sldId id="258" r:id="rId4"/>
-    <p:sldId id="267" r:id="rId5"/>
-    <p:sldId id="268" r:id="rId6"/>
-    <p:sldId id="269" r:id="rId7"/>
-    <p:sldId id="266" r:id="rId8"/>
+    <p:sldId id="279" r:id="rId4"/>
+    <p:sldId id="258" r:id="rId5"/>
+    <p:sldId id="267" r:id="rId6"/>
+    <p:sldId id="268" r:id="rId7"/>
+    <p:sldId id="269" r:id="rId8"/>
     <p:sldId id="271" r:id="rId9"/>
     <p:sldId id="265" r:id="rId10"/>
-    <p:sldId id="270" r:id="rId11"/>
+    <p:sldId id="272" r:id="rId11"/>
+    <p:sldId id="273" r:id="rId12"/>
+    <p:sldId id="275" r:id="rId13"/>
+    <p:sldId id="270" r:id="rId14"/>
+    <p:sldId id="280" r:id="rId15"/>
+    <p:sldId id="281" r:id="rId16"/>
+    <p:sldId id="274" r:id="rId17"/>
+    <p:sldId id="276" r:id="rId18"/>
+    <p:sldId id="277" r:id="rId19"/>
+    <p:sldId id="278" r:id="rId20"/>
   </p:sldIdLst>
   <p:sldSz cx="12192000" cy="6858000"/>
   <p:notesSz cx="6858000" cy="9144000"/>
@@ -121,6 +133,734 @@
 </p:presentation>
 </file>
 
+<file path=ppt/notesMasters/notesMaster1.xml><?xml version="1.0" encoding="utf-8"?>
+<p:notesMaster xmlns:a="http://schemas.openxmlformats.org/drawingml/2006/main" xmlns:r="http://schemas.openxmlformats.org/officeDocument/2006/relationships" xmlns:p="http://schemas.openxmlformats.org/presentationml/2006/main">
+  <p:cSld>
+    <p:bg>
+      <p:bgRef idx="1001">
+        <a:schemeClr val="bg1"/>
+      </p:bgRef>
+    </p:bg>
+    <p:spTree>
+      <p:nvGrpSpPr>
+        <p:cNvPr id="1" name=""/>
+        <p:cNvGrpSpPr/>
+        <p:nvPr/>
+      </p:nvGrpSpPr>
+      <p:grpSpPr>
+        <a:xfrm>
+          <a:off x="0" y="0"/>
+          <a:ext cx="0" cy="0"/>
+          <a:chOff x="0" y="0"/>
+          <a:chExt cx="0" cy="0"/>
+        </a:xfrm>
+      </p:grpSpPr>
+      <p:sp>
+        <p:nvSpPr>
+          <p:cNvPr id="2" name="Верхний колонтитул 1"/>
+          <p:cNvSpPr>
+            <a:spLocks noGrp="1"/>
+          </p:cNvSpPr>
+          <p:nvPr>
+            <p:ph type="hdr" sz="quarter"/>
+          </p:nvPr>
+        </p:nvSpPr>
+        <p:spPr>
+          <a:xfrm>
+            <a:off x="0" y="0"/>
+            <a:ext cx="2971800" cy="458788"/>
+          </a:xfrm>
+          <a:prstGeom prst="rect">
+            <a:avLst/>
+          </a:prstGeom>
+        </p:spPr>
+        <p:txBody>
+          <a:bodyPr vert="horz" lIns="91440" tIns="45720" rIns="91440" bIns="45720" rtlCol="0"/>
+          <a:lstStyle>
+            <a:lvl1pPr algn="l">
+              <a:defRPr sz="1200"/>
+            </a:lvl1pPr>
+          </a:lstStyle>
+          <a:p>
+            <a:endParaRPr lang="ru-RU"/>
+          </a:p>
+        </p:txBody>
+      </p:sp>
+      <p:sp>
+        <p:nvSpPr>
+          <p:cNvPr id="3" name="Дата 2"/>
+          <p:cNvSpPr>
+            <a:spLocks noGrp="1"/>
+          </p:cNvSpPr>
+          <p:nvPr>
+            <p:ph type="dt" idx="1"/>
+          </p:nvPr>
+        </p:nvSpPr>
+        <p:spPr>
+          <a:xfrm>
+            <a:off x="3884613" y="0"/>
+            <a:ext cx="2971800" cy="458788"/>
+          </a:xfrm>
+          <a:prstGeom prst="rect">
+            <a:avLst/>
+          </a:prstGeom>
+        </p:spPr>
+        <p:txBody>
+          <a:bodyPr vert="horz" lIns="91440" tIns="45720" rIns="91440" bIns="45720" rtlCol="0"/>
+          <a:lstStyle>
+            <a:lvl1pPr algn="r">
+              <a:defRPr sz="1200"/>
+            </a:lvl1pPr>
+          </a:lstStyle>
+          <a:p>
+            <a:fld id="{7E32760C-D076-4A5B-AE14-FF54E2D8759C}" type="datetimeFigureOut">
+              <a:rPr lang="ru-RU" smtClean="0"/>
+              <a:t>04.12.2018</a:t>
+            </a:fld>
+            <a:endParaRPr lang="ru-RU"/>
+          </a:p>
+        </p:txBody>
+      </p:sp>
+      <p:sp>
+        <p:nvSpPr>
+          <p:cNvPr id="4" name="Образ слайда 3"/>
+          <p:cNvSpPr>
+            <a:spLocks noGrp="1" noRot="1" noChangeAspect="1"/>
+          </p:cNvSpPr>
+          <p:nvPr>
+            <p:ph type="sldImg" idx="2"/>
+          </p:nvPr>
+        </p:nvSpPr>
+        <p:spPr>
+          <a:xfrm>
+            <a:off x="685800" y="1143000"/>
+            <a:ext cx="5486400" cy="3086100"/>
+          </a:xfrm>
+          <a:prstGeom prst="rect">
+            <a:avLst/>
+          </a:prstGeom>
+          <a:noFill/>
+          <a:ln w="12700">
+            <a:solidFill>
+              <a:prstClr val="black"/>
+            </a:solidFill>
+          </a:ln>
+        </p:spPr>
+        <p:txBody>
+          <a:bodyPr vert="horz" lIns="91440" tIns="45720" rIns="91440" bIns="45720" rtlCol="0" anchor="ctr"/>
+          <a:lstStyle/>
+          <a:p>
+            <a:endParaRPr lang="ru-RU"/>
+          </a:p>
+        </p:txBody>
+      </p:sp>
+      <p:sp>
+        <p:nvSpPr>
+          <p:cNvPr id="5" name="Заметки 4"/>
+          <p:cNvSpPr>
+            <a:spLocks noGrp="1"/>
+          </p:cNvSpPr>
+          <p:nvPr>
+            <p:ph type="body" sz="quarter" idx="3"/>
+          </p:nvPr>
+        </p:nvSpPr>
+        <p:spPr>
+          <a:xfrm>
+            <a:off x="685800" y="4400550"/>
+            <a:ext cx="5486400" cy="3600450"/>
+          </a:xfrm>
+          <a:prstGeom prst="rect">
+            <a:avLst/>
+          </a:prstGeom>
+        </p:spPr>
+        <p:txBody>
+          <a:bodyPr vert="horz" lIns="91440" tIns="45720" rIns="91440" bIns="45720" rtlCol="0"/>
+          <a:lstStyle/>
+          <a:p>
+            <a:pPr lvl="0"/>
+            <a:r>
+              <a:rPr lang="ru-RU" smtClean="0"/>
+              <a:t>Образец текста</a:t>
+            </a:r>
+          </a:p>
+          <a:p>
+            <a:pPr lvl="1"/>
+            <a:r>
+              <a:rPr lang="ru-RU" smtClean="0"/>
+              <a:t>Второй уровень</a:t>
+            </a:r>
+          </a:p>
+          <a:p>
+            <a:pPr lvl="2"/>
+            <a:r>
+              <a:rPr lang="ru-RU" smtClean="0"/>
+              <a:t>Третий уровень</a:t>
+            </a:r>
+          </a:p>
+          <a:p>
+            <a:pPr lvl="3"/>
+            <a:r>
+              <a:rPr lang="ru-RU" smtClean="0"/>
+              <a:t>Четвертый уровень</a:t>
+            </a:r>
+          </a:p>
+          <a:p>
+            <a:pPr lvl="4"/>
+            <a:r>
+              <a:rPr lang="ru-RU" smtClean="0"/>
+              <a:t>Пятый уровень</a:t>
+            </a:r>
+            <a:endParaRPr lang="ru-RU"/>
+          </a:p>
+        </p:txBody>
+      </p:sp>
+      <p:sp>
+        <p:nvSpPr>
+          <p:cNvPr id="6" name="Нижний колонтитул 5"/>
+          <p:cNvSpPr>
+            <a:spLocks noGrp="1"/>
+          </p:cNvSpPr>
+          <p:nvPr>
+            <p:ph type="ftr" sz="quarter" idx="4"/>
+          </p:nvPr>
+        </p:nvSpPr>
+        <p:spPr>
+          <a:xfrm>
+            <a:off x="0" y="8685213"/>
+            <a:ext cx="2971800" cy="458787"/>
+          </a:xfrm>
+          <a:prstGeom prst="rect">
+            <a:avLst/>
+          </a:prstGeom>
+        </p:spPr>
+        <p:txBody>
+          <a:bodyPr vert="horz" lIns="91440" tIns="45720" rIns="91440" bIns="45720" rtlCol="0" anchor="b"/>
+          <a:lstStyle>
+            <a:lvl1pPr algn="l">
+              <a:defRPr sz="1200"/>
+            </a:lvl1pPr>
+          </a:lstStyle>
+          <a:p>
+            <a:endParaRPr lang="ru-RU"/>
+          </a:p>
+        </p:txBody>
+      </p:sp>
+      <p:sp>
+        <p:nvSpPr>
+          <p:cNvPr id="7" name="Номер слайда 6"/>
+          <p:cNvSpPr>
+            <a:spLocks noGrp="1"/>
+          </p:cNvSpPr>
+          <p:nvPr>
+            <p:ph type="sldNum" sz="quarter" idx="5"/>
+          </p:nvPr>
+        </p:nvSpPr>
+        <p:spPr>
+          <a:xfrm>
+            <a:off x="3884613" y="8685213"/>
+            <a:ext cx="2971800" cy="458787"/>
+          </a:xfrm>
+          <a:prstGeom prst="rect">
+            <a:avLst/>
+          </a:prstGeom>
+        </p:spPr>
+        <p:txBody>
+          <a:bodyPr vert="horz" lIns="91440" tIns="45720" rIns="91440" bIns="45720" rtlCol="0" anchor="b"/>
+          <a:lstStyle>
+            <a:lvl1pPr algn="r">
+              <a:defRPr sz="1200"/>
+            </a:lvl1pPr>
+          </a:lstStyle>
+          <a:p>
+            <a:fld id="{01B998F4-8103-417C-AF3C-B5E3C74782CC}" type="slidenum">
+              <a:rPr lang="ru-RU" smtClean="0"/>
+              <a:t>‹#›</a:t>
+            </a:fld>
+            <a:endParaRPr lang="ru-RU"/>
+          </a:p>
+        </p:txBody>
+      </p:sp>
+    </p:spTree>
+    <p:extLst>
+      <p:ext uri="{BB962C8B-B14F-4D97-AF65-F5344CB8AC3E}">
+        <p14:creationId xmlns:p14="http://schemas.microsoft.com/office/powerpoint/2010/main" val="442334202"/>
+      </p:ext>
+    </p:extLst>
+  </p:cSld>
+  <p:clrMap bg1="lt1" tx1="dk1" bg2="lt2" tx2="dk2" accent1="accent1" accent2="accent2" accent3="accent3" accent4="accent4" accent5="accent5" accent6="accent6" hlink="hlink" folHlink="folHlink"/>
+  <p:notesStyle>
+    <a:lvl1pPr marL="0" algn="l" defTabSz="914400" rtl="0" eaLnBrk="1" latinLnBrk="0" hangingPunct="1">
+      <a:defRPr sz="1200" kern="1200">
+        <a:solidFill>
+          <a:schemeClr val="tx1"/>
+        </a:solidFill>
+        <a:latin typeface="+mn-lt"/>
+        <a:ea typeface="+mn-ea"/>
+        <a:cs typeface="+mn-cs"/>
+      </a:defRPr>
+    </a:lvl1pPr>
+    <a:lvl2pPr marL="457200" algn="l" defTabSz="914400" rtl="0" eaLnBrk="1" latinLnBrk="0" hangingPunct="1">
+      <a:defRPr sz="1200" kern="1200">
+        <a:solidFill>
+          <a:schemeClr val="tx1"/>
+        </a:solidFill>
+        <a:latin typeface="+mn-lt"/>
+        <a:ea typeface="+mn-ea"/>
+        <a:cs typeface="+mn-cs"/>
+      </a:defRPr>
+    </a:lvl2pPr>
+    <a:lvl3pPr marL="914400" algn="l" defTabSz="914400" rtl="0" eaLnBrk="1" latinLnBrk="0" hangingPunct="1">
+      <a:defRPr sz="1200" kern="1200">
+        <a:solidFill>
+          <a:schemeClr val="tx1"/>
+        </a:solidFill>
+        <a:latin typeface="+mn-lt"/>
+        <a:ea typeface="+mn-ea"/>
+        <a:cs typeface="+mn-cs"/>
+      </a:defRPr>
+    </a:lvl3pPr>
+    <a:lvl4pPr marL="1371600" algn="l" defTabSz="914400" rtl="0" eaLnBrk="1" latinLnBrk="0" hangingPunct="1">
+      <a:defRPr sz="1200" kern="1200">
+        <a:solidFill>
+          <a:schemeClr val="tx1"/>
+        </a:solidFill>
+        <a:latin typeface="+mn-lt"/>
+        <a:ea typeface="+mn-ea"/>
+        <a:cs typeface="+mn-cs"/>
+      </a:defRPr>
+    </a:lvl4pPr>
+    <a:lvl5pPr marL="1828800" algn="l" defTabSz="914400" rtl="0" eaLnBrk="1" latinLnBrk="0" hangingPunct="1">
+      <a:defRPr sz="1200" kern="1200">
+        <a:solidFill>
+          <a:schemeClr val="tx1"/>
+        </a:solidFill>
+        <a:latin typeface="+mn-lt"/>
+        <a:ea typeface="+mn-ea"/>
+        <a:cs typeface="+mn-cs"/>
+      </a:defRPr>
+    </a:lvl5pPr>
+    <a:lvl6pPr marL="2286000" algn="l" defTabSz="914400" rtl="0" eaLnBrk="1" latinLnBrk="0" hangingPunct="1">
+      <a:defRPr sz="1200" kern="1200">
+        <a:solidFill>
+          <a:schemeClr val="tx1"/>
+        </a:solidFill>
+        <a:latin typeface="+mn-lt"/>
+        <a:ea typeface="+mn-ea"/>
+        <a:cs typeface="+mn-cs"/>
+      </a:defRPr>
+    </a:lvl6pPr>
+    <a:lvl7pPr marL="2743200" algn="l" defTabSz="914400" rtl="0" eaLnBrk="1" latinLnBrk="0" hangingPunct="1">
+      <a:defRPr sz="1200" kern="1200">
+        <a:solidFill>
+          <a:schemeClr val="tx1"/>
+        </a:solidFill>
+        <a:latin typeface="+mn-lt"/>
+        <a:ea typeface="+mn-ea"/>
+        <a:cs typeface="+mn-cs"/>
+      </a:defRPr>
+    </a:lvl7pPr>
+    <a:lvl8pPr marL="3200400" algn="l" defTabSz="914400" rtl="0" eaLnBrk="1" latinLnBrk="0" hangingPunct="1">
+      <a:defRPr sz="1200" kern="1200">
+        <a:solidFill>
+          <a:schemeClr val="tx1"/>
+        </a:solidFill>
+        <a:latin typeface="+mn-lt"/>
+        <a:ea typeface="+mn-ea"/>
+        <a:cs typeface="+mn-cs"/>
+      </a:defRPr>
+    </a:lvl8pPr>
+    <a:lvl9pPr marL="3657600" algn="l" defTabSz="914400" rtl="0" eaLnBrk="1" latinLnBrk="0" hangingPunct="1">
+      <a:defRPr sz="1200" kern="1200">
+        <a:solidFill>
+          <a:schemeClr val="tx1"/>
+        </a:solidFill>
+        <a:latin typeface="+mn-lt"/>
+        <a:ea typeface="+mn-ea"/>
+        <a:cs typeface="+mn-cs"/>
+      </a:defRPr>
+    </a:lvl9pPr>
+  </p:notesStyle>
+</p:notesMaster>
+</file>
+
+<file path=ppt/notesSlides/notesSlide1.xml><?xml version="1.0" encoding="utf-8"?>
+<p:notes xmlns:a="http://schemas.openxmlformats.org/drawingml/2006/main" xmlns:r="http://schemas.openxmlformats.org/officeDocument/2006/relationships" xmlns:p="http://schemas.openxmlformats.org/presentationml/2006/main">
+  <p:cSld>
+    <p:spTree>
+      <p:nvGrpSpPr>
+        <p:cNvPr id="1" name=""/>
+        <p:cNvGrpSpPr/>
+        <p:nvPr/>
+      </p:nvGrpSpPr>
+      <p:grpSpPr>
+        <a:xfrm>
+          <a:off x="0" y="0"/>
+          <a:ext cx="0" cy="0"/>
+          <a:chOff x="0" y="0"/>
+          <a:chExt cx="0" cy="0"/>
+        </a:xfrm>
+      </p:grpSpPr>
+      <p:sp>
+        <p:nvSpPr>
+          <p:cNvPr id="2" name="Образ слайда 1"/>
+          <p:cNvSpPr>
+            <a:spLocks noGrp="1" noRot="1" noChangeAspect="1"/>
+          </p:cNvSpPr>
+          <p:nvPr>
+            <p:ph type="sldImg"/>
+          </p:nvPr>
+        </p:nvSpPr>
+        <p:spPr/>
+      </p:sp>
+      <p:sp>
+        <p:nvSpPr>
+          <p:cNvPr id="3" name="Заметки 2"/>
+          <p:cNvSpPr>
+            <a:spLocks noGrp="1"/>
+          </p:cNvSpPr>
+          <p:nvPr>
+            <p:ph type="body" idx="1"/>
+          </p:nvPr>
+        </p:nvSpPr>
+        <p:spPr/>
+        <p:txBody>
+          <a:bodyPr/>
+          <a:lstStyle/>
+          <a:p>
+            <a:pPr marL="0" marR="0" indent="0" algn="l" defTabSz="914400" rtl="0" eaLnBrk="1" fontAlgn="auto" latinLnBrk="0" hangingPunct="1">
+              <a:lnSpc>
+                <a:spcPct val="100000"/>
+              </a:lnSpc>
+              <a:spcBef>
+                <a:spcPts val="0"/>
+              </a:spcBef>
+              <a:spcAft>
+                <a:spcPts val="0"/>
+              </a:spcAft>
+              <a:buClrTx/>
+              <a:buSzTx/>
+              <a:buFontTx/>
+              <a:buNone/>
+              <a:tabLst/>
+              <a:defRPr/>
+            </a:pPr>
+            <a:r>
+              <a:rPr lang="ru-RU" dirty="0" smtClean="0"/>
+              <a:t>Про</a:t>
+            </a:r>
+            <a:r>
+              <a:rPr lang="ru-RU" baseline="0" dirty="0" smtClean="0"/>
+              <a:t> боль от отписки от событий говорил и Кирилл </a:t>
+            </a:r>
+            <a:r>
+              <a:rPr lang="ru-RU" baseline="0" dirty="0" err="1" smtClean="0"/>
+              <a:t>Маурин</a:t>
+            </a:r>
+            <a:r>
+              <a:rPr lang="ru-RU" baseline="0" dirty="0" smtClean="0"/>
+              <a:t> в своем докладе </a:t>
+            </a:r>
+            <a:r>
+              <a:rPr lang="ru-RU" sz="1200" b="0" i="0" kern="1200" dirty="0" smtClean="0">
+                <a:solidFill>
+                  <a:schemeClr val="tx1"/>
+                </a:solidFill>
+                <a:effectLst/>
+                <a:latin typeface="+mn-lt"/>
+                <a:ea typeface="+mn-ea"/>
+                <a:cs typeface="+mn-cs"/>
+              </a:rPr>
+              <a:t>«Масштабирование паттерна </a:t>
+            </a:r>
+            <a:r>
+              <a:rPr lang="ru-RU" sz="1200" b="0" i="0" kern="1200" dirty="0" err="1" smtClean="0">
+                <a:solidFill>
+                  <a:schemeClr val="tx1"/>
+                </a:solidFill>
+                <a:effectLst/>
+                <a:latin typeface="+mn-lt"/>
+                <a:ea typeface="+mn-ea"/>
+                <a:cs typeface="+mn-cs"/>
+              </a:rPr>
+              <a:t>Disposable</a:t>
+            </a:r>
+            <a:r>
+              <a:rPr lang="ru-RU" sz="1200" b="0" i="0" kern="1200" dirty="0" smtClean="0">
+                <a:solidFill>
+                  <a:schemeClr val="tx1"/>
+                </a:solidFill>
+                <a:effectLst/>
+                <a:latin typeface="+mn-lt"/>
+                <a:ea typeface="+mn-ea"/>
+                <a:cs typeface="+mn-cs"/>
+              </a:rPr>
+              <a:t> в рамках проекта» </a:t>
+            </a:r>
+            <a:endParaRPr lang="en-US" sz="1200" b="0" i="0" kern="1200" dirty="0" smtClean="0">
+              <a:solidFill>
+                <a:schemeClr val="tx1"/>
+              </a:solidFill>
+              <a:effectLst/>
+              <a:latin typeface="+mn-lt"/>
+              <a:ea typeface="+mn-ea"/>
+              <a:cs typeface="+mn-cs"/>
+            </a:endParaRPr>
+          </a:p>
+          <a:p>
+            <a:pPr marL="0" marR="0" indent="0" algn="l" defTabSz="914400" rtl="0" eaLnBrk="1" fontAlgn="auto" latinLnBrk="0" hangingPunct="1">
+              <a:lnSpc>
+                <a:spcPct val="100000"/>
+              </a:lnSpc>
+              <a:spcBef>
+                <a:spcPts val="0"/>
+              </a:spcBef>
+              <a:spcAft>
+                <a:spcPts val="0"/>
+              </a:spcAft>
+              <a:buClrTx/>
+              <a:buSzTx/>
+              <a:buFontTx/>
+              <a:buNone/>
+              <a:tabLst/>
+              <a:defRPr/>
+            </a:pPr>
+            <a:r>
+              <a:rPr lang="en-US" dirty="0" err="1" smtClean="0"/>
+              <a:t>ICommand</a:t>
+            </a:r>
+            <a:r>
+              <a:rPr lang="en-US" dirty="0" smtClean="0"/>
+              <a:t> without </a:t>
+            </a:r>
+            <a:r>
+              <a:rPr lang="en-US" dirty="0" err="1" smtClean="0"/>
+              <a:t>WeakReference</a:t>
+            </a:r>
+            <a:r>
+              <a:rPr lang="en-US" dirty="0" smtClean="0"/>
+              <a:t> – </a:t>
+            </a:r>
+            <a:r>
+              <a:rPr lang="ru-RU" dirty="0" smtClean="0"/>
+              <a:t>будет</a:t>
+            </a:r>
+            <a:r>
+              <a:rPr lang="ru-RU" baseline="0" dirty="0" smtClean="0"/>
+              <a:t> очень плохо</a:t>
+            </a:r>
+            <a:endParaRPr lang="en-US" baseline="0" dirty="0" smtClean="0"/>
+          </a:p>
+          <a:p>
+            <a:pPr marL="0" marR="0" indent="0" algn="l" defTabSz="914400" rtl="0" eaLnBrk="1" fontAlgn="auto" latinLnBrk="0" hangingPunct="1">
+              <a:lnSpc>
+                <a:spcPct val="100000"/>
+              </a:lnSpc>
+              <a:spcBef>
+                <a:spcPts val="0"/>
+              </a:spcBef>
+              <a:spcAft>
+                <a:spcPts val="0"/>
+              </a:spcAft>
+              <a:buClrTx/>
+              <a:buSzTx/>
+              <a:buFontTx/>
+              <a:buNone/>
+              <a:tabLst/>
+              <a:defRPr/>
+            </a:pPr>
+            <a:r>
+              <a:rPr lang="en-US" dirty="0" smtClean="0"/>
+              <a:t>http://csharpindepth.com/articles/chapter2/events.aspx - </a:t>
+            </a:r>
+            <a:r>
+              <a:rPr lang="ru-RU" dirty="0" smtClean="0"/>
+              <a:t>проверить,</a:t>
+            </a:r>
+            <a:r>
+              <a:rPr lang="ru-RU" baseline="0" dirty="0" smtClean="0"/>
+              <a:t> что говорит </a:t>
+            </a:r>
+            <a:r>
+              <a:rPr lang="en-US" baseline="0" dirty="0" smtClean="0"/>
+              <a:t>Jon Skeet</a:t>
+            </a:r>
+            <a:endParaRPr lang="en-US" dirty="0" smtClean="0"/>
+          </a:p>
+          <a:p>
+            <a:pPr marL="0" marR="0" indent="0" algn="l" defTabSz="914400" rtl="0" eaLnBrk="1" fontAlgn="auto" latinLnBrk="0" hangingPunct="1">
+              <a:lnSpc>
+                <a:spcPct val="100000"/>
+              </a:lnSpc>
+              <a:spcBef>
+                <a:spcPts val="0"/>
+              </a:spcBef>
+              <a:spcAft>
+                <a:spcPts val="0"/>
+              </a:spcAft>
+              <a:buClrTx/>
+              <a:buSzTx/>
+              <a:buFontTx/>
+              <a:buNone/>
+              <a:tabLst/>
+              <a:defRPr/>
+            </a:pPr>
+            <a:endParaRPr lang="ru-RU" sz="1200" b="0" i="0" kern="1200" dirty="0" smtClean="0">
+              <a:solidFill>
+                <a:schemeClr val="tx1"/>
+              </a:solidFill>
+              <a:effectLst/>
+              <a:latin typeface="+mn-lt"/>
+              <a:ea typeface="+mn-ea"/>
+              <a:cs typeface="+mn-cs"/>
+            </a:endParaRPr>
+          </a:p>
+          <a:p>
+            <a:endParaRPr lang="ru-RU" dirty="0"/>
+          </a:p>
+        </p:txBody>
+      </p:sp>
+      <p:sp>
+        <p:nvSpPr>
+          <p:cNvPr id="4" name="Номер слайда 3"/>
+          <p:cNvSpPr>
+            <a:spLocks noGrp="1"/>
+          </p:cNvSpPr>
+          <p:nvPr>
+            <p:ph type="sldNum" sz="quarter" idx="10"/>
+          </p:nvPr>
+        </p:nvSpPr>
+        <p:spPr/>
+        <p:txBody>
+          <a:bodyPr/>
+          <a:lstStyle/>
+          <a:p>
+            <a:fld id="{01B998F4-8103-417C-AF3C-B5E3C74782CC}" type="slidenum">
+              <a:rPr lang="ru-RU" smtClean="0"/>
+              <a:t>8</a:t>
+            </a:fld>
+            <a:endParaRPr lang="ru-RU"/>
+          </a:p>
+        </p:txBody>
+      </p:sp>
+    </p:spTree>
+    <p:extLst>
+      <p:ext uri="{BB962C8B-B14F-4D97-AF65-F5344CB8AC3E}">
+        <p14:creationId xmlns:p14="http://schemas.microsoft.com/office/powerpoint/2010/main" val="1809880400"/>
+      </p:ext>
+    </p:extLst>
+  </p:cSld>
+  <p:clrMapOvr>
+    <a:masterClrMapping/>
+  </p:clrMapOvr>
+</p:notes>
+</file>
+
+<file path=ppt/notesSlides/notesSlide2.xml><?xml version="1.0" encoding="utf-8"?>
+<p:notes xmlns:a="http://schemas.openxmlformats.org/drawingml/2006/main" xmlns:r="http://schemas.openxmlformats.org/officeDocument/2006/relationships" xmlns:p="http://schemas.openxmlformats.org/presentationml/2006/main">
+  <p:cSld>
+    <p:spTree>
+      <p:nvGrpSpPr>
+        <p:cNvPr id="1" name=""/>
+        <p:cNvGrpSpPr/>
+        <p:nvPr/>
+      </p:nvGrpSpPr>
+      <p:grpSpPr>
+        <a:xfrm>
+          <a:off x="0" y="0"/>
+          <a:ext cx="0" cy="0"/>
+          <a:chOff x="0" y="0"/>
+          <a:chExt cx="0" cy="0"/>
+        </a:xfrm>
+      </p:grpSpPr>
+      <p:sp>
+        <p:nvSpPr>
+          <p:cNvPr id="2" name="Образ слайда 1"/>
+          <p:cNvSpPr>
+            <a:spLocks noGrp="1" noRot="1" noChangeAspect="1"/>
+          </p:cNvSpPr>
+          <p:nvPr>
+            <p:ph type="sldImg"/>
+          </p:nvPr>
+        </p:nvSpPr>
+        <p:spPr/>
+      </p:sp>
+      <p:sp>
+        <p:nvSpPr>
+          <p:cNvPr id="3" name="Заметки 2"/>
+          <p:cNvSpPr>
+            <a:spLocks noGrp="1"/>
+          </p:cNvSpPr>
+          <p:nvPr>
+            <p:ph type="body" idx="1"/>
+          </p:nvPr>
+        </p:nvSpPr>
+        <p:spPr/>
+        <p:txBody>
+          <a:bodyPr/>
+          <a:lstStyle/>
+          <a:p>
+            <a:r>
+              <a:rPr lang="en-US" dirty="0" smtClean="0"/>
+              <a:t>https://laurentkempe.com/2009/04/17/Memory-leak-with-WPF-resources/</a:t>
+            </a:r>
+            <a:r>
+              <a:rPr lang="ru-RU" dirty="0" smtClean="0"/>
+              <a:t> - 1 способ</a:t>
+            </a:r>
+            <a:r>
+              <a:rPr lang="ru-RU" baseline="0" dirty="0" smtClean="0"/>
+              <a:t> лечения</a:t>
+            </a:r>
+          </a:p>
+          <a:p>
+            <a:r>
+              <a:rPr lang="en-US" dirty="0" smtClean="0"/>
+              <a:t>http://blog.ramondeklein.nl/2009/02/20/memory-leak-with-wpf-resources-in-rare-situations/</a:t>
+            </a:r>
+            <a:r>
+              <a:rPr lang="ru-RU" dirty="0" smtClean="0"/>
+              <a:t> - 2 способ лечения</a:t>
+            </a:r>
+            <a:endParaRPr lang="ru-RU" dirty="0"/>
+          </a:p>
+        </p:txBody>
+      </p:sp>
+      <p:sp>
+        <p:nvSpPr>
+          <p:cNvPr id="4" name="Номер слайда 3"/>
+          <p:cNvSpPr>
+            <a:spLocks noGrp="1"/>
+          </p:cNvSpPr>
+          <p:nvPr>
+            <p:ph type="sldNum" sz="quarter" idx="10"/>
+          </p:nvPr>
+        </p:nvSpPr>
+        <p:spPr/>
+        <p:txBody>
+          <a:bodyPr/>
+          <a:lstStyle/>
+          <a:p>
+            <a:fld id="{01B998F4-8103-417C-AF3C-B5E3C74782CC}" type="slidenum">
+              <a:rPr lang="ru-RU" smtClean="0"/>
+              <a:t>14</a:t>
+            </a:fld>
+            <a:endParaRPr lang="ru-RU"/>
+          </a:p>
+        </p:txBody>
+      </p:sp>
+    </p:spTree>
+    <p:extLst>
+      <p:ext uri="{BB962C8B-B14F-4D97-AF65-F5344CB8AC3E}">
+        <p14:creationId xmlns:p14="http://schemas.microsoft.com/office/powerpoint/2010/main" val="4214872850"/>
+      </p:ext>
+    </p:extLst>
+  </p:cSld>
+  <p:clrMapOvr>
+    <a:masterClrMapping/>
+  </p:clrMapOvr>
+</p:notes>
+</file>
+
 <file path=ppt/slideLayouts/slideLayout1.xml><?xml version="1.0" encoding="utf-8"?>
 <p:sldLayout xmlns:a="http://schemas.openxmlformats.org/drawingml/2006/main" xmlns:r="http://schemas.openxmlformats.org/officeDocument/2006/relationships" xmlns:p="http://schemas.openxmlformats.org/presentationml/2006/main" type="title" preserve="1">
   <p:cSld name="Титульный слайд">
@@ -252,7 +992,7 @@
           <a:p>
             <a:fld id="{B135BF1F-B804-4CD0-938B-7D4FA6201AD4}" type="datetimeFigureOut">
               <a:rPr lang="ru-RU" smtClean="0"/>
-              <a:t>03.12.2018</a:t>
+              <a:t>04.12.2018</a:t>
             </a:fld>
             <a:endParaRPr lang="ru-RU"/>
           </a:p>
@@ -422,7 +1162,7 @@
           <a:p>
             <a:fld id="{B135BF1F-B804-4CD0-938B-7D4FA6201AD4}" type="datetimeFigureOut">
               <a:rPr lang="ru-RU" smtClean="0"/>
-              <a:t>03.12.2018</a:t>
+              <a:t>04.12.2018</a:t>
             </a:fld>
             <a:endParaRPr lang="ru-RU"/>
           </a:p>
@@ -602,7 +1342,7 @@
           <a:p>
             <a:fld id="{B135BF1F-B804-4CD0-938B-7D4FA6201AD4}" type="datetimeFigureOut">
               <a:rPr lang="ru-RU" smtClean="0"/>
-              <a:t>03.12.2018</a:t>
+              <a:t>04.12.2018</a:t>
             </a:fld>
             <a:endParaRPr lang="ru-RU"/>
           </a:p>
@@ -772,7 +1512,7 @@
           <a:p>
             <a:fld id="{B135BF1F-B804-4CD0-938B-7D4FA6201AD4}" type="datetimeFigureOut">
               <a:rPr lang="ru-RU" smtClean="0"/>
-              <a:t>03.12.2018</a:t>
+              <a:t>04.12.2018</a:t>
             </a:fld>
             <a:endParaRPr lang="ru-RU"/>
           </a:p>
@@ -1018,7 +1758,7 @@
           <a:p>
             <a:fld id="{B135BF1F-B804-4CD0-938B-7D4FA6201AD4}" type="datetimeFigureOut">
               <a:rPr lang="ru-RU" smtClean="0"/>
-              <a:t>03.12.2018</a:t>
+              <a:t>04.12.2018</a:t>
             </a:fld>
             <a:endParaRPr lang="ru-RU"/>
           </a:p>
@@ -1250,7 +1990,7 @@
           <a:p>
             <a:fld id="{B135BF1F-B804-4CD0-938B-7D4FA6201AD4}" type="datetimeFigureOut">
               <a:rPr lang="ru-RU" smtClean="0"/>
-              <a:t>03.12.2018</a:t>
+              <a:t>04.12.2018</a:t>
             </a:fld>
             <a:endParaRPr lang="ru-RU"/>
           </a:p>
@@ -1617,7 +2357,7 @@
           <a:p>
             <a:fld id="{B135BF1F-B804-4CD0-938B-7D4FA6201AD4}" type="datetimeFigureOut">
               <a:rPr lang="ru-RU" smtClean="0"/>
-              <a:t>03.12.2018</a:t>
+              <a:t>04.12.2018</a:t>
             </a:fld>
             <a:endParaRPr lang="ru-RU"/>
           </a:p>
@@ -1735,7 +2475,7 @@
           <a:p>
             <a:fld id="{B135BF1F-B804-4CD0-938B-7D4FA6201AD4}" type="datetimeFigureOut">
               <a:rPr lang="ru-RU" smtClean="0"/>
-              <a:t>03.12.2018</a:t>
+              <a:t>04.12.2018</a:t>
             </a:fld>
             <a:endParaRPr lang="ru-RU"/>
           </a:p>
@@ -1830,7 +2570,7 @@
           <a:p>
             <a:fld id="{B135BF1F-B804-4CD0-938B-7D4FA6201AD4}" type="datetimeFigureOut">
               <a:rPr lang="ru-RU" smtClean="0"/>
-              <a:t>03.12.2018</a:t>
+              <a:t>04.12.2018</a:t>
             </a:fld>
             <a:endParaRPr lang="ru-RU"/>
           </a:p>
@@ -2107,7 +2847,7 @@
           <a:p>
             <a:fld id="{B135BF1F-B804-4CD0-938B-7D4FA6201AD4}" type="datetimeFigureOut">
               <a:rPr lang="ru-RU" smtClean="0"/>
-              <a:t>03.12.2018</a:t>
+              <a:t>04.12.2018</a:t>
             </a:fld>
             <a:endParaRPr lang="ru-RU"/>
           </a:p>
@@ -2360,7 +3100,7 @@
           <a:p>
             <a:fld id="{B135BF1F-B804-4CD0-938B-7D4FA6201AD4}" type="datetimeFigureOut">
               <a:rPr lang="ru-RU" smtClean="0"/>
-              <a:t>03.12.2018</a:t>
+              <a:t>04.12.2018</a:t>
             </a:fld>
             <a:endParaRPr lang="ru-RU"/>
           </a:p>
@@ -2573,7 +3313,7 @@
           <a:p>
             <a:fld id="{B135BF1F-B804-4CD0-938B-7D4FA6201AD4}" type="datetimeFigureOut">
               <a:rPr lang="ru-RU" smtClean="0"/>
-              <a:t>03.12.2018</a:t>
+              <a:t>04.12.2018</a:t>
             </a:fld>
             <a:endParaRPr lang="ru-RU"/>
           </a:p>
@@ -3066,47 +3806,6 @@
           </a:p>
         </p:txBody>
       </p:sp>
-      <p:pic>
-        <p:nvPicPr>
-          <p:cNvPr id="1026" name="Picture 2" descr="ÐÐ°ÑÑÐ¸Ð½ÐºÐ¸ Ð¿Ð¾ Ð·Ð°Ð¿ÑÐ¾ÑÑ ÐºÐ°Ð¶ÐµÑÑÑ ÐºÑÐ¾ ÑÐ¾ ÑÐ»Ð¸ÑÐºÐ¾Ð¼ Ð¼Ð½Ð¾Ð³Ð¾ ÐµÑÑ"/>
-          <p:cNvPicPr>
-            <a:picLocks noChangeAspect="1" noChangeArrowheads="1"/>
-          </p:cNvPicPr>
-          <p:nvPr/>
-        </p:nvPicPr>
-        <p:blipFill>
-          <a:blip r:embed="rId2">
-            <a:extLst>
-              <a:ext uri="{28A0092B-C50C-407E-A947-70E740481C1C}">
-                <a14:useLocalDpi xmlns:a14="http://schemas.microsoft.com/office/drawing/2010/main" val="0"/>
-              </a:ext>
-            </a:extLst>
-          </a:blip>
-          <a:srcRect/>
-          <a:stretch>
-            <a:fillRect/>
-          </a:stretch>
-        </p:blipFill>
-        <p:spPr bwMode="auto">
-          <a:xfrm>
-            <a:off x="1144790" y="3047682"/>
-            <a:ext cx="4572000" cy="3429001"/>
-          </a:xfrm>
-          <a:prstGeom prst="rect">
-            <a:avLst/>
-          </a:prstGeom>
-          <a:noFill/>
-          <a:extLst>
-            <a:ext uri="{909E8E84-426E-40DD-AFC4-6F175D3DCCD1}">
-              <a14:hiddenFill xmlns:a14="http://schemas.microsoft.com/office/drawing/2010/main">
-                <a:solidFill>
-                  <a:srgbClr val="FFFFFF"/>
-                </a:solidFill>
-              </a14:hiddenFill>
-            </a:ext>
-          </a:extLst>
-        </p:spPr>
-      </p:pic>
     </p:spTree>
     <p:extLst>
       <p:ext uri="{BB962C8B-B14F-4D97-AF65-F5344CB8AC3E}">
@@ -3154,6 +3853,222 @@
           <a:p>
             <a:r>
               <a:rPr lang="en-US" dirty="0" smtClean="0"/>
+              <a:t>Static events</a:t>
+            </a:r>
+            <a:endParaRPr lang="ru-RU" dirty="0"/>
+          </a:p>
+        </p:txBody>
+      </p:sp>
+      <p:sp>
+        <p:nvSpPr>
+          <p:cNvPr id="3" name="Объект 2"/>
+          <p:cNvSpPr>
+            <a:spLocks noGrp="1"/>
+          </p:cNvSpPr>
+          <p:nvPr>
+            <p:ph idx="1"/>
+          </p:nvPr>
+        </p:nvSpPr>
+        <p:spPr/>
+        <p:txBody>
+          <a:bodyPr/>
+          <a:lstStyle/>
+          <a:p>
+            <a:endParaRPr lang="ru-RU" dirty="0"/>
+          </a:p>
+        </p:txBody>
+      </p:sp>
+    </p:spTree>
+    <p:extLst>
+      <p:ext uri="{BB962C8B-B14F-4D97-AF65-F5344CB8AC3E}">
+        <p14:creationId xmlns:p14="http://schemas.microsoft.com/office/powerpoint/2010/main" val="722939208"/>
+      </p:ext>
+    </p:extLst>
+  </p:cSld>
+  <p:clrMapOvr>
+    <a:masterClrMapping/>
+  </p:clrMapOvr>
+</p:sld>
+</file>
+
+<file path=ppt/slides/slide11.xml><?xml version="1.0" encoding="utf-8"?>
+<p:sld xmlns:a="http://schemas.openxmlformats.org/drawingml/2006/main" xmlns:r="http://schemas.openxmlformats.org/officeDocument/2006/relationships" xmlns:p="http://schemas.openxmlformats.org/presentationml/2006/main">
+  <p:cSld>
+    <p:spTree>
+      <p:nvGrpSpPr>
+        <p:cNvPr id="1" name=""/>
+        <p:cNvGrpSpPr/>
+        <p:nvPr/>
+      </p:nvGrpSpPr>
+      <p:grpSpPr>
+        <a:xfrm>
+          <a:off x="0" y="0"/>
+          <a:ext cx="0" cy="0"/>
+          <a:chOff x="0" y="0"/>
+          <a:chExt cx="0" cy="0"/>
+        </a:xfrm>
+      </p:grpSpPr>
+      <p:sp>
+        <p:nvSpPr>
+          <p:cNvPr id="2" name="Заголовок 1"/>
+          <p:cNvSpPr>
+            <a:spLocks noGrp="1"/>
+          </p:cNvSpPr>
+          <p:nvPr>
+            <p:ph type="title"/>
+          </p:nvPr>
+        </p:nvSpPr>
+        <p:spPr/>
+        <p:txBody>
+          <a:bodyPr/>
+          <a:lstStyle/>
+          <a:p>
+            <a:r>
+              <a:rPr lang="en-US" dirty="0" err="1" smtClean="0"/>
+              <a:t>CommandBinding</a:t>
+            </a:r>
+            <a:endParaRPr lang="ru-RU" dirty="0"/>
+          </a:p>
+        </p:txBody>
+      </p:sp>
+      <p:sp>
+        <p:nvSpPr>
+          <p:cNvPr id="3" name="Объект 2"/>
+          <p:cNvSpPr>
+            <a:spLocks noGrp="1"/>
+          </p:cNvSpPr>
+          <p:nvPr>
+            <p:ph idx="1"/>
+          </p:nvPr>
+        </p:nvSpPr>
+        <p:spPr/>
+        <p:txBody>
+          <a:bodyPr/>
+          <a:lstStyle/>
+          <a:p>
+            <a:endParaRPr lang="ru-RU"/>
+          </a:p>
+        </p:txBody>
+      </p:sp>
+    </p:spTree>
+    <p:extLst>
+      <p:ext uri="{BB962C8B-B14F-4D97-AF65-F5344CB8AC3E}">
+        <p14:creationId xmlns:p14="http://schemas.microsoft.com/office/powerpoint/2010/main" val="2270607290"/>
+      </p:ext>
+    </p:extLst>
+  </p:cSld>
+  <p:clrMapOvr>
+    <a:masterClrMapping/>
+  </p:clrMapOvr>
+</p:sld>
+</file>
+
+<file path=ppt/slides/slide12.xml><?xml version="1.0" encoding="utf-8"?>
+<p:sld xmlns:a="http://schemas.openxmlformats.org/drawingml/2006/main" xmlns:r="http://schemas.openxmlformats.org/officeDocument/2006/relationships" xmlns:p="http://schemas.openxmlformats.org/presentationml/2006/main">
+  <p:cSld>
+    <p:spTree>
+      <p:nvGrpSpPr>
+        <p:cNvPr id="1" name=""/>
+        <p:cNvGrpSpPr/>
+        <p:nvPr/>
+      </p:nvGrpSpPr>
+      <p:grpSpPr>
+        <a:xfrm>
+          <a:off x="0" y="0"/>
+          <a:ext cx="0" cy="0"/>
+          <a:chOff x="0" y="0"/>
+          <a:chExt cx="0" cy="0"/>
+        </a:xfrm>
+      </p:grpSpPr>
+      <p:sp>
+        <p:nvSpPr>
+          <p:cNvPr id="2" name="Заголовок 1"/>
+          <p:cNvSpPr>
+            <a:spLocks noGrp="1"/>
+          </p:cNvSpPr>
+          <p:nvPr>
+            <p:ph type="title"/>
+          </p:nvPr>
+        </p:nvSpPr>
+        <p:spPr/>
+        <p:txBody>
+          <a:bodyPr/>
+          <a:lstStyle/>
+          <a:p>
+            <a:r>
+              <a:rPr lang="en-US" dirty="0" smtClean="0"/>
+              <a:t>Event handlers to objects in parent windows</a:t>
+            </a:r>
+            <a:endParaRPr lang="ru-RU" dirty="0"/>
+          </a:p>
+        </p:txBody>
+      </p:sp>
+      <p:sp>
+        <p:nvSpPr>
+          <p:cNvPr id="3" name="Объект 2"/>
+          <p:cNvSpPr>
+            <a:spLocks noGrp="1"/>
+          </p:cNvSpPr>
+          <p:nvPr>
+            <p:ph idx="1"/>
+          </p:nvPr>
+        </p:nvSpPr>
+        <p:spPr/>
+        <p:txBody>
+          <a:bodyPr/>
+          <a:lstStyle/>
+          <a:p>
+            <a:endParaRPr lang="ru-RU"/>
+          </a:p>
+        </p:txBody>
+      </p:sp>
+    </p:spTree>
+    <p:extLst>
+      <p:ext uri="{BB962C8B-B14F-4D97-AF65-F5344CB8AC3E}">
+        <p14:creationId xmlns:p14="http://schemas.microsoft.com/office/powerpoint/2010/main" val="1847520887"/>
+      </p:ext>
+    </p:extLst>
+  </p:cSld>
+  <p:clrMapOvr>
+    <a:masterClrMapping/>
+  </p:clrMapOvr>
+</p:sld>
+</file>
+
+<file path=ppt/slides/slide13.xml><?xml version="1.0" encoding="utf-8"?>
+<p:sld xmlns:a="http://schemas.openxmlformats.org/drawingml/2006/main" xmlns:r="http://schemas.openxmlformats.org/officeDocument/2006/relationships" xmlns:p="http://schemas.openxmlformats.org/presentationml/2006/main">
+  <p:cSld>
+    <p:spTree>
+      <p:nvGrpSpPr>
+        <p:cNvPr id="1" name=""/>
+        <p:cNvGrpSpPr/>
+        <p:nvPr/>
+      </p:nvGrpSpPr>
+      <p:grpSpPr>
+        <a:xfrm>
+          <a:off x="0" y="0"/>
+          <a:ext cx="0" cy="0"/>
+          <a:chOff x="0" y="0"/>
+          <a:chExt cx="0" cy="0"/>
+        </a:xfrm>
+      </p:grpSpPr>
+      <p:sp>
+        <p:nvSpPr>
+          <p:cNvPr id="2" name="Заголовок 1"/>
+          <p:cNvSpPr>
+            <a:spLocks noGrp="1"/>
+          </p:cNvSpPr>
+          <p:nvPr>
+            <p:ph type="title"/>
+          </p:nvPr>
+        </p:nvSpPr>
+        <p:spPr/>
+        <p:txBody>
+          <a:bodyPr/>
+          <a:lstStyle/>
+          <a:p>
+            <a:r>
+              <a:rPr lang="en-US" dirty="0" smtClean="0"/>
               <a:t>Textbox undo</a:t>
             </a:r>
             <a:endParaRPr lang="ru-RU" dirty="0"/>
@@ -3266,6 +4181,646 @@
     <p:extLst>
       <p:ext uri="{BB962C8B-B14F-4D97-AF65-F5344CB8AC3E}">
         <p14:creationId xmlns:p14="http://schemas.microsoft.com/office/powerpoint/2010/main" val="3782083779"/>
+      </p:ext>
+    </p:extLst>
+  </p:cSld>
+  <p:clrMapOvr>
+    <a:masterClrMapping/>
+  </p:clrMapOvr>
+  <p:timing>
+    <p:tnLst>
+      <p:par>
+        <p:cTn id="1" dur="indefinite" restart="never" nodeType="tmRoot"/>
+      </p:par>
+    </p:tnLst>
+  </p:timing>
+</p:sld>
+</file>
+
+<file path=ppt/slides/slide14.xml><?xml version="1.0" encoding="utf-8"?>
+<p:sld xmlns:a="http://schemas.openxmlformats.org/drawingml/2006/main" xmlns:r="http://schemas.openxmlformats.org/officeDocument/2006/relationships" xmlns:p="http://schemas.openxmlformats.org/presentationml/2006/main">
+  <p:cSld>
+    <p:spTree>
+      <p:nvGrpSpPr>
+        <p:cNvPr id="1" name=""/>
+        <p:cNvGrpSpPr/>
+        <p:nvPr/>
+      </p:nvGrpSpPr>
+      <p:grpSpPr>
+        <a:xfrm>
+          <a:off x="0" y="0"/>
+          <a:ext cx="0" cy="0"/>
+          <a:chOff x="0" y="0"/>
+          <a:chExt cx="0" cy="0"/>
+        </a:xfrm>
+      </p:grpSpPr>
+      <p:sp>
+        <p:nvSpPr>
+          <p:cNvPr id="2" name="Заголовок 1"/>
+          <p:cNvSpPr>
+            <a:spLocks noGrp="1"/>
+          </p:cNvSpPr>
+          <p:nvPr>
+            <p:ph type="title"/>
+          </p:nvPr>
+        </p:nvSpPr>
+        <p:spPr/>
+        <p:txBody>
+          <a:bodyPr/>
+          <a:lstStyle/>
+          <a:p>
+            <a:r>
+              <a:rPr lang="en-US" dirty="0" smtClean="0"/>
+              <a:t>Media effect resource leak</a:t>
+            </a:r>
+            <a:endParaRPr lang="ru-RU" dirty="0"/>
+          </a:p>
+        </p:txBody>
+      </p:sp>
+      <p:sp>
+        <p:nvSpPr>
+          <p:cNvPr id="3" name="Объект 2"/>
+          <p:cNvSpPr>
+            <a:spLocks noGrp="1"/>
+          </p:cNvSpPr>
+          <p:nvPr>
+            <p:ph idx="1"/>
+          </p:nvPr>
+        </p:nvSpPr>
+        <p:spPr/>
+        <p:txBody>
+          <a:bodyPr>
+            <a:normAutofit lnSpcReduction="10000"/>
+          </a:bodyPr>
+          <a:lstStyle/>
+          <a:p>
+            <a:pPr>
+              <a:lnSpc>
+                <a:spcPct val="150000"/>
+              </a:lnSpc>
+            </a:pPr>
+            <a:r>
+              <a:rPr lang="ru-RU" dirty="0" smtClean="0"/>
+              <a:t>Стиль определен в </a:t>
+            </a:r>
+            <a:r>
+              <a:rPr lang="en-US" dirty="0" err="1" smtClean="0"/>
+              <a:t>ResourceDictionary</a:t>
+            </a:r>
+            <a:endParaRPr lang="en-US" dirty="0" smtClean="0"/>
+          </a:p>
+          <a:p>
+            <a:pPr>
+              <a:lnSpc>
+                <a:spcPct val="150000"/>
+              </a:lnSpc>
+            </a:pPr>
+            <a:r>
+              <a:rPr lang="ru-RU" dirty="0" smtClean="0"/>
+              <a:t>Стиль использует </a:t>
+            </a:r>
+            <a:r>
+              <a:rPr lang="en-US" dirty="0" err="1" smtClean="0"/>
+              <a:t>ControlTemplate</a:t>
+            </a:r>
+            <a:r>
+              <a:rPr lang="en-US" dirty="0" smtClean="0"/>
+              <a:t> </a:t>
+            </a:r>
+            <a:r>
+              <a:rPr lang="ru-RU" dirty="0" smtClean="0"/>
+              <a:t>с медиа эффектом (</a:t>
+            </a:r>
+            <a:r>
+              <a:rPr lang="en-US" dirty="0" err="1" smtClean="0"/>
+              <a:t>DropShadowEffect</a:t>
+            </a:r>
+            <a:r>
+              <a:rPr lang="en-US" dirty="0" smtClean="0"/>
+              <a:t>)</a:t>
+            </a:r>
+          </a:p>
+          <a:p>
+            <a:pPr>
+              <a:lnSpc>
+                <a:spcPct val="150000"/>
+              </a:lnSpc>
+            </a:pPr>
+            <a:r>
+              <a:rPr lang="ru-RU" dirty="0" smtClean="0"/>
+              <a:t>Медиа эффект используется через </a:t>
+            </a:r>
+            <a:r>
+              <a:rPr lang="en-US" dirty="0" err="1" smtClean="0"/>
+              <a:t>StaticResource</a:t>
+            </a:r>
+            <a:endParaRPr lang="en-US" dirty="0"/>
+          </a:p>
+          <a:p>
+            <a:pPr>
+              <a:lnSpc>
+                <a:spcPct val="150000"/>
+              </a:lnSpc>
+            </a:pPr>
+            <a:r>
+              <a:rPr lang="ru-RU" dirty="0" smtClean="0"/>
+              <a:t>Срабатывание трех условий одновременно – </a:t>
+            </a:r>
+            <a:r>
+              <a:rPr lang="ru-RU" dirty="0" err="1" smtClean="0"/>
+              <a:t>джекпот</a:t>
+            </a:r>
+            <a:r>
+              <a:rPr lang="en-US" dirty="0" smtClean="0"/>
+              <a:t>!</a:t>
+            </a:r>
+          </a:p>
+          <a:p>
+            <a:pPr>
+              <a:lnSpc>
+                <a:spcPct val="150000"/>
+              </a:lnSpc>
+            </a:pPr>
+            <a:r>
+              <a:rPr lang="ru-RU" dirty="0" smtClean="0"/>
+              <a:t>Лечение – два метода</a:t>
+            </a:r>
+            <a:endParaRPr lang="ru-RU" dirty="0"/>
+          </a:p>
+        </p:txBody>
+      </p:sp>
+    </p:spTree>
+    <p:extLst>
+      <p:ext uri="{BB962C8B-B14F-4D97-AF65-F5344CB8AC3E}">
+        <p14:creationId xmlns:p14="http://schemas.microsoft.com/office/powerpoint/2010/main" val="1416765959"/>
+      </p:ext>
+    </p:extLst>
+  </p:cSld>
+  <p:clrMapOvr>
+    <a:masterClrMapping/>
+  </p:clrMapOvr>
+  <p:timing>
+    <p:tnLst>
+      <p:par>
+        <p:cTn id="1" dur="indefinite" restart="never" nodeType="tmRoot"/>
+      </p:par>
+    </p:tnLst>
+  </p:timing>
+</p:sld>
+</file>
+
+<file path=ppt/slides/slide15.xml><?xml version="1.0" encoding="utf-8"?>
+<p:sld xmlns:a="http://schemas.openxmlformats.org/drawingml/2006/main" xmlns:r="http://schemas.openxmlformats.org/officeDocument/2006/relationships" xmlns:p="http://schemas.openxmlformats.org/presentationml/2006/main">
+  <p:cSld>
+    <p:spTree>
+      <p:nvGrpSpPr>
+        <p:cNvPr id="1" name=""/>
+        <p:cNvGrpSpPr/>
+        <p:nvPr/>
+      </p:nvGrpSpPr>
+      <p:grpSpPr>
+        <a:xfrm>
+          <a:off x="0" y="0"/>
+          <a:ext cx="0" cy="0"/>
+          <a:chOff x="0" y="0"/>
+          <a:chExt cx="0" cy="0"/>
+        </a:xfrm>
+      </p:grpSpPr>
+      <p:sp>
+        <p:nvSpPr>
+          <p:cNvPr id="2" name="Заголовок 1"/>
+          <p:cNvSpPr>
+            <a:spLocks noGrp="1"/>
+          </p:cNvSpPr>
+          <p:nvPr>
+            <p:ph type="title"/>
+          </p:nvPr>
+        </p:nvSpPr>
+        <p:spPr/>
+        <p:txBody>
+          <a:bodyPr/>
+          <a:lstStyle/>
+          <a:p>
+            <a:r>
+              <a:rPr lang="en-US" dirty="0" smtClean="0"/>
+              <a:t>Many instances of </a:t>
+            </a:r>
+            <a:r>
+              <a:rPr lang="en-US" dirty="0" err="1" smtClean="0"/>
+              <a:t>ResourceDictionaries</a:t>
+            </a:r>
+            <a:endParaRPr lang="ru-RU" dirty="0"/>
+          </a:p>
+        </p:txBody>
+      </p:sp>
+      <p:sp>
+        <p:nvSpPr>
+          <p:cNvPr id="3" name="Объект 2"/>
+          <p:cNvSpPr>
+            <a:spLocks noGrp="1"/>
+          </p:cNvSpPr>
+          <p:nvPr>
+            <p:ph idx="1"/>
+          </p:nvPr>
+        </p:nvSpPr>
+        <p:spPr/>
+        <p:txBody>
+          <a:bodyPr/>
+          <a:lstStyle/>
+          <a:p>
+            <a:endParaRPr lang="ru-RU" dirty="0"/>
+          </a:p>
+        </p:txBody>
+      </p:sp>
+    </p:spTree>
+    <p:extLst>
+      <p:ext uri="{BB962C8B-B14F-4D97-AF65-F5344CB8AC3E}">
+        <p14:creationId xmlns:p14="http://schemas.microsoft.com/office/powerpoint/2010/main" val="2760842793"/>
+      </p:ext>
+    </p:extLst>
+  </p:cSld>
+  <p:clrMapOvr>
+    <a:masterClrMapping/>
+  </p:clrMapOvr>
+</p:sld>
+</file>
+
+<file path=ppt/slides/slide16.xml><?xml version="1.0" encoding="utf-8"?>
+<p:sld xmlns:a="http://schemas.openxmlformats.org/drawingml/2006/main" xmlns:r="http://schemas.openxmlformats.org/officeDocument/2006/relationships" xmlns:p="http://schemas.openxmlformats.org/presentationml/2006/main">
+  <p:cSld>
+    <p:spTree>
+      <p:nvGrpSpPr>
+        <p:cNvPr id="1" name=""/>
+        <p:cNvGrpSpPr/>
+        <p:nvPr/>
+      </p:nvGrpSpPr>
+      <p:grpSpPr>
+        <a:xfrm>
+          <a:off x="0" y="0"/>
+          <a:ext cx="0" cy="0"/>
+          <a:chOff x="0" y="0"/>
+          <a:chExt cx="0" cy="0"/>
+        </a:xfrm>
+      </p:grpSpPr>
+      <p:sp>
+        <p:nvSpPr>
+          <p:cNvPr id="2" name="Заголовок 1"/>
+          <p:cNvSpPr>
+            <a:spLocks noGrp="1"/>
+          </p:cNvSpPr>
+          <p:nvPr>
+            <p:ph type="title"/>
+          </p:nvPr>
+        </p:nvSpPr>
+        <p:spPr/>
+        <p:txBody>
+          <a:bodyPr/>
+          <a:lstStyle/>
+          <a:p>
+            <a:r>
+              <a:rPr lang="ru-RU" dirty="0" smtClean="0"/>
+              <a:t>Чем искать утечки памяти в </a:t>
+            </a:r>
+            <a:r>
+              <a:rPr lang="en-US" dirty="0" smtClean="0"/>
+              <a:t>WPF?</a:t>
+            </a:r>
+            <a:endParaRPr lang="ru-RU" dirty="0"/>
+          </a:p>
+        </p:txBody>
+      </p:sp>
+      <p:sp>
+        <p:nvSpPr>
+          <p:cNvPr id="3" name="Объект 2"/>
+          <p:cNvSpPr>
+            <a:spLocks noGrp="1"/>
+          </p:cNvSpPr>
+          <p:nvPr>
+            <p:ph idx="1"/>
+          </p:nvPr>
+        </p:nvSpPr>
+        <p:spPr/>
+        <p:txBody>
+          <a:bodyPr>
+            <a:normAutofit lnSpcReduction="10000"/>
+          </a:bodyPr>
+          <a:lstStyle/>
+          <a:p>
+            <a:pPr>
+              <a:lnSpc>
+                <a:spcPct val="150000"/>
+              </a:lnSpc>
+            </a:pPr>
+            <a:r>
+              <a:rPr lang="ru-RU" dirty="0" smtClean="0"/>
+              <a:t>Встроенный в </a:t>
+            </a:r>
+            <a:r>
+              <a:rPr lang="en-US" dirty="0" smtClean="0"/>
+              <a:t>VS profiler</a:t>
+            </a:r>
+          </a:p>
+          <a:p>
+            <a:pPr>
+              <a:lnSpc>
+                <a:spcPct val="150000"/>
+              </a:lnSpc>
+            </a:pPr>
+            <a:r>
+              <a:rPr lang="en-US" dirty="0" err="1" smtClean="0"/>
+              <a:t>dotMemory</a:t>
+            </a:r>
+            <a:endParaRPr lang="en-US" dirty="0" smtClean="0"/>
+          </a:p>
+          <a:p>
+            <a:pPr>
+              <a:lnSpc>
+                <a:spcPct val="150000"/>
+              </a:lnSpc>
+            </a:pPr>
+            <a:r>
+              <a:rPr lang="en-US" dirty="0" err="1" smtClean="0"/>
+              <a:t>dotnet</a:t>
+            </a:r>
+            <a:r>
+              <a:rPr lang="en-US" dirty="0" smtClean="0"/>
+              <a:t> Memory Profiler</a:t>
+            </a:r>
+          </a:p>
+          <a:p>
+            <a:pPr>
+              <a:lnSpc>
+                <a:spcPct val="150000"/>
+              </a:lnSpc>
+            </a:pPr>
+            <a:r>
+              <a:rPr lang="en-US" dirty="0" smtClean="0"/>
+              <a:t>ANTS Performance profiler</a:t>
+            </a:r>
+          </a:p>
+          <a:p>
+            <a:pPr>
+              <a:lnSpc>
+                <a:spcPct val="150000"/>
+              </a:lnSpc>
+            </a:pPr>
+            <a:r>
+              <a:rPr lang="en-US" dirty="0" err="1" smtClean="0"/>
+              <a:t>JustTrace</a:t>
+            </a:r>
+            <a:endParaRPr lang="en-US" dirty="0" smtClean="0"/>
+          </a:p>
+          <a:p>
+            <a:pPr>
+              <a:lnSpc>
+                <a:spcPct val="150000"/>
+              </a:lnSpc>
+            </a:pPr>
+            <a:r>
+              <a:rPr lang="en-US" dirty="0" smtClean="0"/>
+              <a:t>EQATEC profiler</a:t>
+            </a:r>
+          </a:p>
+        </p:txBody>
+      </p:sp>
+    </p:spTree>
+    <p:extLst>
+      <p:ext uri="{BB962C8B-B14F-4D97-AF65-F5344CB8AC3E}">
+        <p14:creationId xmlns:p14="http://schemas.microsoft.com/office/powerpoint/2010/main" val="2261631478"/>
+      </p:ext>
+    </p:extLst>
+  </p:cSld>
+  <p:clrMapOvr>
+    <a:masterClrMapping/>
+  </p:clrMapOvr>
+  <p:timing>
+    <p:tnLst>
+      <p:par>
+        <p:cTn id="1" dur="indefinite" restart="never" nodeType="tmRoot"/>
+      </p:par>
+    </p:tnLst>
+  </p:timing>
+</p:sld>
+</file>
+
+<file path=ppt/slides/slide17.xml><?xml version="1.0" encoding="utf-8"?>
+<p:sld xmlns:a="http://schemas.openxmlformats.org/drawingml/2006/main" xmlns:r="http://schemas.openxmlformats.org/officeDocument/2006/relationships" xmlns:p="http://schemas.openxmlformats.org/presentationml/2006/main">
+  <p:cSld>
+    <p:spTree>
+      <p:nvGrpSpPr>
+        <p:cNvPr id="1" name=""/>
+        <p:cNvGrpSpPr/>
+        <p:nvPr/>
+      </p:nvGrpSpPr>
+      <p:grpSpPr>
+        <a:xfrm>
+          <a:off x="0" y="0"/>
+          <a:ext cx="0" cy="0"/>
+          <a:chOff x="0" y="0"/>
+          <a:chExt cx="0" cy="0"/>
+        </a:xfrm>
+      </p:grpSpPr>
+      <p:sp>
+        <p:nvSpPr>
+          <p:cNvPr id="2" name="Заголовок 1"/>
+          <p:cNvSpPr>
+            <a:spLocks noGrp="1"/>
+          </p:cNvSpPr>
+          <p:nvPr>
+            <p:ph type="title"/>
+          </p:nvPr>
+        </p:nvSpPr>
+        <p:spPr/>
+        <p:txBody>
+          <a:bodyPr/>
+          <a:lstStyle/>
+          <a:p>
+            <a:r>
+              <a:rPr lang="ru-RU" dirty="0" smtClean="0"/>
+              <a:t>Таблица сравнения профилировщиков</a:t>
+            </a:r>
+            <a:endParaRPr lang="ru-RU" dirty="0"/>
+          </a:p>
+        </p:txBody>
+      </p:sp>
+      <p:sp>
+        <p:nvSpPr>
+          <p:cNvPr id="3" name="Объект 2"/>
+          <p:cNvSpPr>
+            <a:spLocks noGrp="1"/>
+          </p:cNvSpPr>
+          <p:nvPr>
+            <p:ph idx="1"/>
+          </p:nvPr>
+        </p:nvSpPr>
+        <p:spPr/>
+        <p:txBody>
+          <a:bodyPr/>
+          <a:lstStyle/>
+          <a:p>
+            <a:r>
+              <a:rPr lang="ru-RU" dirty="0" smtClean="0"/>
+              <a:t>Цена</a:t>
+            </a:r>
+          </a:p>
+          <a:p>
+            <a:r>
+              <a:rPr lang="ru-RU" dirty="0" smtClean="0"/>
+              <a:t>Удобство для </a:t>
+            </a:r>
+            <a:r>
+              <a:rPr lang="en-US" dirty="0" smtClean="0"/>
+              <a:t>WPF</a:t>
+            </a:r>
+          </a:p>
+          <a:p>
+            <a:r>
+              <a:rPr lang="ru-RU" dirty="0" smtClean="0"/>
+              <a:t>Скорость</a:t>
+            </a:r>
+          </a:p>
+          <a:p>
+            <a:r>
+              <a:rPr lang="ru-RU" dirty="0" smtClean="0"/>
+              <a:t>Что-то еще</a:t>
+            </a:r>
+            <a:endParaRPr lang="ru-RU" dirty="0"/>
+          </a:p>
+        </p:txBody>
+      </p:sp>
+    </p:spTree>
+    <p:extLst>
+      <p:ext uri="{BB962C8B-B14F-4D97-AF65-F5344CB8AC3E}">
+        <p14:creationId xmlns:p14="http://schemas.microsoft.com/office/powerpoint/2010/main" val="3379949288"/>
+      </p:ext>
+    </p:extLst>
+  </p:cSld>
+  <p:clrMapOvr>
+    <a:masterClrMapping/>
+  </p:clrMapOvr>
+</p:sld>
+</file>
+
+<file path=ppt/slides/slide18.xml><?xml version="1.0" encoding="utf-8"?>
+<p:sld xmlns:a="http://schemas.openxmlformats.org/drawingml/2006/main" xmlns:r="http://schemas.openxmlformats.org/officeDocument/2006/relationships" xmlns:p="http://schemas.openxmlformats.org/presentationml/2006/main">
+  <p:cSld>
+    <p:spTree>
+      <p:nvGrpSpPr>
+        <p:cNvPr id="1" name=""/>
+        <p:cNvGrpSpPr/>
+        <p:nvPr/>
+      </p:nvGrpSpPr>
+      <p:grpSpPr>
+        <a:xfrm>
+          <a:off x="0" y="0"/>
+          <a:ext cx="0" cy="0"/>
+          <a:chOff x="0" y="0"/>
+          <a:chExt cx="0" cy="0"/>
+        </a:xfrm>
+      </p:grpSpPr>
+      <p:sp>
+        <p:nvSpPr>
+          <p:cNvPr id="2" name="Заголовок 1"/>
+          <p:cNvSpPr>
+            <a:spLocks noGrp="1"/>
+          </p:cNvSpPr>
+          <p:nvPr>
+            <p:ph type="title"/>
+          </p:nvPr>
+        </p:nvSpPr>
+        <p:spPr/>
+        <p:txBody>
+          <a:bodyPr/>
+          <a:lstStyle/>
+          <a:p>
+            <a:r>
+              <a:rPr lang="ru-RU" dirty="0" smtClean="0"/>
+              <a:t>Контактные данные</a:t>
+            </a:r>
+            <a:endParaRPr lang="ru-RU" dirty="0"/>
+          </a:p>
+        </p:txBody>
+      </p:sp>
+      <p:sp>
+        <p:nvSpPr>
+          <p:cNvPr id="3" name="Объект 2"/>
+          <p:cNvSpPr>
+            <a:spLocks noGrp="1"/>
+          </p:cNvSpPr>
+          <p:nvPr>
+            <p:ph idx="1"/>
+          </p:nvPr>
+        </p:nvSpPr>
+        <p:spPr/>
+        <p:txBody>
+          <a:bodyPr/>
+          <a:lstStyle/>
+          <a:p>
+            <a:endParaRPr lang="ru-RU"/>
+          </a:p>
+        </p:txBody>
+      </p:sp>
+    </p:spTree>
+    <p:extLst>
+      <p:ext uri="{BB962C8B-B14F-4D97-AF65-F5344CB8AC3E}">
+        <p14:creationId xmlns:p14="http://schemas.microsoft.com/office/powerpoint/2010/main" val="2699586776"/>
+      </p:ext>
+    </p:extLst>
+  </p:cSld>
+  <p:clrMapOvr>
+    <a:masterClrMapping/>
+  </p:clrMapOvr>
+</p:sld>
+</file>
+
+<file path=ppt/slides/slide19.xml><?xml version="1.0" encoding="utf-8"?>
+<p:sld xmlns:a="http://schemas.openxmlformats.org/drawingml/2006/main" xmlns:r="http://schemas.openxmlformats.org/officeDocument/2006/relationships" xmlns:p="http://schemas.openxmlformats.org/presentationml/2006/main">
+  <p:cSld>
+    <p:spTree>
+      <p:nvGrpSpPr>
+        <p:cNvPr id="1" name=""/>
+        <p:cNvGrpSpPr/>
+        <p:nvPr/>
+      </p:nvGrpSpPr>
+      <p:grpSpPr>
+        <a:xfrm>
+          <a:off x="0" y="0"/>
+          <a:ext cx="0" cy="0"/>
+          <a:chOff x="0" y="0"/>
+          <a:chExt cx="0" cy="0"/>
+        </a:xfrm>
+      </p:grpSpPr>
+      <p:sp>
+        <p:nvSpPr>
+          <p:cNvPr id="2" name="Заголовок 1"/>
+          <p:cNvSpPr>
+            <a:spLocks noGrp="1"/>
+          </p:cNvSpPr>
+          <p:nvPr>
+            <p:ph type="title"/>
+          </p:nvPr>
+        </p:nvSpPr>
+        <p:spPr>
+          <a:xfrm>
+            <a:off x="3141785" y="2765425"/>
+            <a:ext cx="5597769" cy="1325563"/>
+          </a:xfrm>
+        </p:spPr>
+        <p:txBody>
+          <a:bodyPr/>
+          <a:lstStyle/>
+          <a:p>
+            <a:r>
+              <a:rPr lang="ru-RU" dirty="0"/>
+              <a:t>Спасибо за внимание</a:t>
+            </a:r>
+          </a:p>
+        </p:txBody>
+      </p:sp>
+    </p:spTree>
+    <p:extLst>
+      <p:ext uri="{BB962C8B-B14F-4D97-AF65-F5344CB8AC3E}">
+        <p14:creationId xmlns:p14="http://schemas.microsoft.com/office/powerpoint/2010/main" val="1251038902"/>
       </p:ext>
     </p:extLst>
   </p:cSld>
@@ -3330,9 +4885,29 @@
           <a:bodyPr/>
           <a:lstStyle/>
           <a:p>
-            <a:r>
-              <a:rPr lang="ru-RU" dirty="0" smtClean="0"/>
-              <a:t>Основные причины утечек памяти в </a:t>
+            <a:pPr>
+              <a:lnSpc>
+                <a:spcPct val="150000"/>
+              </a:lnSpc>
+            </a:pPr>
+            <a:r>
+              <a:rPr lang="ru-RU" dirty="0" smtClean="0"/>
+              <a:t>Предыстория</a:t>
+            </a:r>
+          </a:p>
+          <a:p>
+            <a:pPr>
+              <a:lnSpc>
+                <a:spcPct val="150000"/>
+              </a:lnSpc>
+            </a:pPr>
+            <a:r>
+              <a:rPr lang="ru-RU" dirty="0" smtClean="0"/>
+              <a:t>Основные </a:t>
+            </a:r>
+            <a:r>
+              <a:rPr lang="ru-RU" dirty="0" smtClean="0"/>
+              <a:t>причины утечек памяти в </a:t>
             </a:r>
             <a:r>
               <a:rPr lang="en-US" dirty="0" smtClean="0"/>
@@ -3344,27 +4919,44 @@
             </a:r>
           </a:p>
           <a:p>
+            <a:pPr>
+              <a:lnSpc>
+                <a:spcPct val="150000"/>
+              </a:lnSpc>
+            </a:pPr>
             <a:r>
               <a:rPr lang="ru-RU" dirty="0" smtClean="0"/>
               <a:t>… и менее распространённые</a:t>
             </a:r>
           </a:p>
           <a:p>
+            <a:pPr>
+              <a:lnSpc>
+                <a:spcPct val="150000"/>
+              </a:lnSpc>
+            </a:pPr>
             <a:r>
               <a:rPr lang="ru-RU" dirty="0" smtClean="0"/>
               <a:t>Как с ними бороться?</a:t>
             </a:r>
           </a:p>
           <a:p>
-            <a:r>
-              <a:rPr lang="ru-RU" dirty="0" smtClean="0"/>
-              <a:t>Чем находить?</a:t>
-            </a:r>
-          </a:p>
-          <a:p>
-            <a:r>
-              <a:rPr lang="ru-RU" dirty="0" smtClean="0"/>
-              <a:t>С чем столкнулись мы? – под вопросом</a:t>
+            <a:pPr>
+              <a:lnSpc>
+                <a:spcPct val="150000"/>
+              </a:lnSpc>
+            </a:pPr>
+            <a:r>
+              <a:rPr lang="ru-RU" dirty="0" smtClean="0"/>
+              <a:t>Как искать и </a:t>
+            </a:r>
+            <a:r>
+              <a:rPr lang="ru-RU" dirty="0" smtClean="0"/>
+              <a:t>находить</a:t>
+            </a:r>
+            <a:r>
+              <a:rPr lang="ru-RU" dirty="0" smtClean="0"/>
+              <a:t>?</a:t>
             </a:r>
             <a:endParaRPr lang="ru-RU" dirty="0"/>
           </a:p>
@@ -3417,101 +5009,59 @@
           <a:p>
             <a:r>
               <a:rPr lang="ru-RU" dirty="0" smtClean="0"/>
-              <a:t>Основные причины утечек памяти</a:t>
+              <a:t>Предыстория</a:t>
             </a:r>
             <a:endParaRPr lang="ru-RU" dirty="0"/>
           </a:p>
         </p:txBody>
       </p:sp>
-      <p:sp>
-        <p:nvSpPr>
-          <p:cNvPr id="3" name="Объект 2"/>
-          <p:cNvSpPr>
-            <a:spLocks noGrp="1"/>
-          </p:cNvSpPr>
+      <p:pic>
+        <p:nvPicPr>
+          <p:cNvPr id="4" name="Picture 2" descr="ÐÐ°ÑÑÐ¸Ð½ÐºÐ¸ Ð¿Ð¾ Ð·Ð°Ð¿ÑÐ¾ÑÑ ÐºÐ°Ð¶ÐµÑÑÑ ÐºÑÐ¾ ÑÐ¾ ÑÐ»Ð¸ÑÐºÐ¾Ð¼ Ð¼Ð½Ð¾Ð³Ð¾ ÐµÑÑ"/>
+          <p:cNvPicPr>
+            <a:picLocks noGrp="1" noChangeAspect="1" noChangeArrowheads="1"/>
+          </p:cNvPicPr>
           <p:nvPr>
             <p:ph idx="1"/>
           </p:nvPr>
-        </p:nvSpPr>
-        <p:spPr/>
-        <p:txBody>
-          <a:bodyPr/>
-          <a:lstStyle/>
-          <a:p>
-            <a:r>
-              <a:rPr lang="en-US" b="1" dirty="0" smtClean="0"/>
-              <a:t>Binding </a:t>
-            </a:r>
-            <a:r>
-              <a:rPr lang="ru-RU" b="1" dirty="0" smtClean="0"/>
-              <a:t>без </a:t>
-            </a:r>
-            <a:r>
-              <a:rPr lang="en-US" b="1" dirty="0" err="1" smtClean="0"/>
-              <a:t>INotifyPropertyChanged</a:t>
-            </a:r>
-            <a:endParaRPr lang="en-US" b="1" dirty="0" smtClean="0"/>
-          </a:p>
-          <a:p>
-            <a:r>
-              <a:rPr lang="en-US" dirty="0" smtClean="0"/>
-              <a:t>Collection binding </a:t>
-            </a:r>
-            <a:r>
-              <a:rPr lang="ru-RU" dirty="0" smtClean="0"/>
-              <a:t>без </a:t>
-            </a:r>
-            <a:r>
-              <a:rPr lang="en-US" dirty="0" err="1" smtClean="0"/>
-              <a:t>INotifyCollectionChanged</a:t>
-            </a:r>
-            <a:endParaRPr lang="en-US" dirty="0" smtClean="0"/>
-          </a:p>
-          <a:p>
-            <a:r>
-              <a:rPr lang="en-US" dirty="0" smtClean="0"/>
-              <a:t>x:Name</a:t>
-            </a:r>
-          </a:p>
-          <a:p>
-            <a:r>
-              <a:rPr lang="en-US" dirty="0" smtClean="0"/>
-              <a:t>Textbox undo</a:t>
-            </a:r>
-          </a:p>
-          <a:p>
-            <a:r>
-              <a:rPr lang="en-US" dirty="0" smtClean="0"/>
-              <a:t>Static events</a:t>
-            </a:r>
-          </a:p>
-          <a:p>
-            <a:r>
-              <a:rPr lang="en-US" dirty="0" err="1" smtClean="0"/>
-              <a:t>CommandBinding</a:t>
-            </a:r>
-            <a:endParaRPr lang="en-US" dirty="0" smtClean="0"/>
-          </a:p>
-          <a:p>
-            <a:r>
-              <a:rPr lang="en-US" dirty="0" err="1" smtClean="0"/>
-              <a:t>DispatcherTimer</a:t>
-            </a:r>
-            <a:endParaRPr lang="en-US" dirty="0" smtClean="0"/>
-          </a:p>
-          <a:p>
-            <a:r>
-              <a:rPr lang="en-US" dirty="0" smtClean="0"/>
-              <a:t>Unregistered events</a:t>
-            </a:r>
-            <a:endParaRPr lang="ru-RU" dirty="0"/>
-          </a:p>
-        </p:txBody>
-      </p:sp>
+        </p:nvPicPr>
+        <p:blipFill>
+          <a:blip r:embed="rId2">
+            <a:extLst>
+              <a:ext uri="{28A0092B-C50C-407E-A947-70E740481C1C}">
+                <a14:useLocalDpi xmlns:a14="http://schemas.microsoft.com/office/drawing/2010/main" val="0"/>
+              </a:ext>
+            </a:extLst>
+          </a:blip>
+          <a:srcRect/>
+          <a:stretch>
+            <a:fillRect/>
+          </a:stretch>
+        </p:blipFill>
+        <p:spPr bwMode="auto">
+          <a:xfrm>
+            <a:off x="3810000" y="2286794"/>
+            <a:ext cx="4572000" cy="3429000"/>
+          </a:xfrm>
+          <a:prstGeom prst="rect">
+            <a:avLst/>
+          </a:prstGeom>
+          <a:noFill/>
+          <a:extLst>
+            <a:ext uri="{909E8E84-426E-40DD-AFC4-6F175D3DCCD1}">
+              <a14:hiddenFill xmlns:a14="http://schemas.microsoft.com/office/drawing/2010/main">
+                <a:solidFill>
+                  <a:srgbClr val="FFFFFF"/>
+                </a:solidFill>
+              </a14:hiddenFill>
+            </a:ext>
+          </a:extLst>
+        </p:spPr>
+      </p:pic>
     </p:spTree>
     <p:extLst>
       <p:ext uri="{BB962C8B-B14F-4D97-AF65-F5344CB8AC3E}">
-        <p14:creationId xmlns:p14="http://schemas.microsoft.com/office/powerpoint/2010/main" val="168605117"/>
+        <p14:creationId xmlns:p14="http://schemas.microsoft.com/office/powerpoint/2010/main" val="2184751506"/>
       </p:ext>
     </p:extLst>
   </p:cSld>
@@ -3555,11 +5105,7 @@
           <a:p>
             <a:r>
               <a:rPr lang="ru-RU" dirty="0" smtClean="0"/>
-              <a:t>Неправильный </a:t>
-            </a:r>
-            <a:r>
-              <a:rPr lang="en-US" dirty="0" smtClean="0"/>
-              <a:t>Binding</a:t>
+              <a:t>Основные причины утечек памяти</a:t>
             </a:r>
             <a:endParaRPr lang="ru-RU" dirty="0"/>
           </a:p>
@@ -3575,26 +5121,20 @@
             <p:ph idx="1"/>
           </p:nvPr>
         </p:nvSpPr>
-        <p:spPr>
-          <a:xfrm>
-            <a:off x="838199" y="1825625"/>
-            <a:ext cx="10600113" cy="4351338"/>
-          </a:xfrm>
-        </p:spPr>
+        <p:spPr/>
         <p:txBody>
           <a:bodyPr>
             <a:normAutofit/>
           </a:bodyPr>
           <a:lstStyle/>
           <a:p>
-            <a:pPr>
-              <a:lnSpc>
-                <a:spcPct val="150000"/>
-              </a:lnSpc>
-            </a:pPr>
-            <a:r>
-              <a:rPr lang="ru-RU" dirty="0" smtClean="0"/>
-              <a:t>Класс не реализует </a:t>
+            <a:r>
+              <a:rPr lang="en-US" dirty="0" smtClean="0"/>
+              <a:t>Binding </a:t>
+            </a:r>
+            <a:r>
+              <a:rPr lang="ru-RU" dirty="0" smtClean="0"/>
+              <a:t>без </a:t>
             </a:r>
             <a:r>
               <a:rPr lang="en-US" dirty="0" err="1" smtClean="0"/>
@@ -3603,70 +5143,77 @@
             <a:endParaRPr lang="en-US" dirty="0" smtClean="0"/>
           </a:p>
           <a:p>
-            <a:pPr>
-              <a:lnSpc>
-                <a:spcPct val="150000"/>
-              </a:lnSpc>
-            </a:pPr>
-            <a:r>
-              <a:rPr lang="ru-RU" dirty="0" smtClean="0"/>
-              <a:t>Объект привязки можно изменять</a:t>
-            </a:r>
-          </a:p>
-          <a:p>
-            <a:pPr>
-              <a:lnSpc>
-                <a:spcPct val="150000"/>
-              </a:lnSpc>
-            </a:pPr>
+            <a:r>
+              <a:rPr lang="en-US" dirty="0" smtClean="0"/>
+              <a:t>Collection binding </a:t>
+            </a:r>
+            <a:r>
+              <a:rPr lang="ru-RU" dirty="0" smtClean="0"/>
+              <a:t>без </a:t>
+            </a:r>
             <a:r>
               <a:rPr lang="en-US" dirty="0" err="1" smtClean="0"/>
-              <a:t>System.ComponentModel.PropertyDesctiptor</a:t>
-            </a:r>
-            <a:r>
-              <a:rPr lang="ru-RU" dirty="0" smtClean="0"/>
-              <a:t> – </a:t>
-            </a:r>
+              <a:t>INotifyCollectionChanged</a:t>
+            </a:r>
+            <a:endParaRPr lang="en-US" dirty="0" smtClean="0"/>
+          </a:p>
+          <a:p>
+            <a:r>
+              <a:rPr lang="en-US" dirty="0"/>
+              <a:t>x:Name</a:t>
+            </a:r>
+          </a:p>
+          <a:p>
+            <a:r>
+              <a:rPr lang="en-US" dirty="0"/>
+              <a:t>Unregistered </a:t>
+            </a:r>
+            <a:r>
+              <a:rPr lang="en-US" dirty="0" smtClean="0"/>
+              <a:t>events</a:t>
+            </a:r>
+            <a:r>
+              <a:rPr lang="ru-RU" dirty="0" smtClean="0"/>
+              <a:t> = </a:t>
+            </a:r>
+            <a:r>
+              <a:rPr lang="en-US" dirty="0" smtClean="0"/>
+              <a:t>Event Handler Leak</a:t>
+            </a:r>
+            <a:endParaRPr lang="ru-RU" dirty="0" smtClean="0"/>
+          </a:p>
+          <a:p>
             <a:r>
               <a:rPr lang="en-US" dirty="0" err="1" smtClean="0"/>
-              <a:t>ValueChanged</a:t>
-            </a:r>
-            <a:r>
-              <a:rPr lang="ru-RU" dirty="0" smtClean="0"/>
-              <a:t> </a:t>
+              <a:t>DispatcherTimer</a:t>
+            </a:r>
+            <a:endParaRPr lang="en-US" dirty="0" smtClean="0"/>
+          </a:p>
+          <a:p>
+            <a:r>
+              <a:rPr lang="en-US" dirty="0"/>
+              <a:t>Static </a:t>
             </a:r>
             <a:r>
               <a:rPr lang="en-US" dirty="0" smtClean="0"/>
-              <a:t>event</a:t>
-            </a:r>
-          </a:p>
-          <a:p>
-            <a:pPr>
-              <a:lnSpc>
-                <a:spcPct val="150000"/>
-              </a:lnSpc>
-            </a:pPr>
+              <a:t>events</a:t>
+            </a:r>
+          </a:p>
+          <a:p>
+            <a:r>
+              <a:rPr lang="en-US" dirty="0" err="1" smtClean="0"/>
+              <a:t>CommandBinding</a:t>
+            </a:r>
+            <a:endParaRPr lang="en-US" dirty="0"/>
+          </a:p>
+          <a:p>
             <a:r>
               <a:rPr lang="en-US" dirty="0" smtClean="0"/>
-              <a:t>Binding </a:t>
-            </a:r>
-            <a:r>
-              <a:rPr lang="ru-RU" dirty="0"/>
-              <a:t>коллекции без </a:t>
-            </a:r>
-            <a:r>
-              <a:rPr lang="en-US" dirty="0" err="1"/>
-              <a:t>INotifyCollectionChanged</a:t>
-            </a:r>
-            <a:endParaRPr lang="en-US" dirty="0"/>
-          </a:p>
-          <a:p>
-            <a:pPr marL="0" indent="0">
-              <a:lnSpc>
-                <a:spcPct val="150000"/>
-              </a:lnSpc>
-              <a:buNone/>
-            </a:pPr>
+              <a:t>Textbox undo</a:t>
+            </a:r>
+            <a:endParaRPr lang="ru-RU" dirty="0" smtClean="0"/>
+          </a:p>
+          <a:p>
             <a:endParaRPr lang="ru-RU" dirty="0"/>
           </a:p>
         </p:txBody>
@@ -3674,7 +5221,7 @@
     </p:spTree>
     <p:extLst>
       <p:ext uri="{BB962C8B-B14F-4D97-AF65-F5344CB8AC3E}">
-        <p14:creationId xmlns:p14="http://schemas.microsoft.com/office/powerpoint/2010/main" val="119885656"/>
+        <p14:creationId xmlns:p14="http://schemas.microsoft.com/office/powerpoint/2010/main" val="168605117"/>
       </p:ext>
     </p:extLst>
   </p:cSld>
@@ -3718,24 +5265,13 @@
           <a:p>
             <a:r>
               <a:rPr lang="ru-RU" dirty="0" smtClean="0"/>
-              <a:t>Как лечить </a:t>
-            </a:r>
-            <a:r>
-              <a:rPr lang="ru-RU" dirty="0"/>
-              <a:t>н</a:t>
-            </a:r>
-            <a:r>
-              <a:rPr lang="ru-RU" dirty="0" smtClean="0"/>
-              <a:t>еправильный </a:t>
+              <a:t>Неправильный </a:t>
             </a:r>
             <a:r>
               <a:rPr lang="en-US" dirty="0" smtClean="0"/>
               <a:t>Binding</a:t>
             </a:r>
-            <a:r>
-              <a:rPr lang="ru-RU" dirty="0"/>
-              <a:t>?</a:t>
-            </a:r>
+            <a:endParaRPr lang="ru-RU" dirty="0"/>
           </a:p>
         </p:txBody>
       </p:sp>
@@ -3749,90 +5285,98 @@
             <p:ph idx="1"/>
           </p:nvPr>
         </p:nvSpPr>
-        <p:spPr/>
-        <p:txBody>
-          <a:bodyPr/>
-          <a:lstStyle/>
-          <a:p>
+        <p:spPr>
+          <a:xfrm>
+            <a:off x="838199" y="1825625"/>
+            <a:ext cx="10600113" cy="4351338"/>
+          </a:xfrm>
+        </p:spPr>
+        <p:txBody>
+          <a:bodyPr>
+            <a:normAutofit/>
+          </a:bodyPr>
+          <a:lstStyle/>
+          <a:p>
+            <a:pPr>
+              <a:lnSpc>
+                <a:spcPct val="150000"/>
+              </a:lnSpc>
+            </a:pPr>
+            <a:r>
+              <a:rPr lang="ru-RU" dirty="0" smtClean="0"/>
+              <a:t>Класс не реализует </a:t>
+            </a:r>
             <a:r>
               <a:rPr lang="en-US" dirty="0" err="1" smtClean="0"/>
               <a:t>INotifyPropertyChanged</a:t>
             </a:r>
+            <a:endParaRPr lang="en-US" dirty="0" smtClean="0"/>
+          </a:p>
+          <a:p>
+            <a:pPr>
+              <a:lnSpc>
+                <a:spcPct val="150000"/>
+              </a:lnSpc>
+            </a:pPr>
+            <a:r>
+              <a:rPr lang="ru-RU" dirty="0" smtClean="0"/>
+              <a:t>Объект привязки можно изменять</a:t>
+            </a:r>
+          </a:p>
+          <a:p>
+            <a:pPr>
+              <a:lnSpc>
+                <a:spcPct val="150000"/>
+              </a:lnSpc>
+            </a:pPr>
+            <a:r>
+              <a:rPr lang="en-US" dirty="0" err="1" smtClean="0"/>
+              <a:t>System.ComponentModel.PropertyDesctiptor</a:t>
+            </a:r>
+            <a:r>
+              <a:rPr lang="ru-RU" dirty="0" smtClean="0"/>
+              <a:t> – </a:t>
+            </a:r>
+            <a:r>
+              <a:rPr lang="en-US" dirty="0" err="1" smtClean="0"/>
+              <a:t>ValueChanged</a:t>
+            </a:r>
+            <a:r>
+              <a:rPr lang="ru-RU" dirty="0" smtClean="0"/>
+              <a:t> </a:t>
+            </a:r>
             <a:r>
               <a:rPr lang="en-US" dirty="0" smtClean="0"/>
-              <a:t> </a:t>
-            </a:r>
-            <a:r>
-              <a:rPr lang="ru-RU" dirty="0" smtClean="0"/>
-              <a:t>или </a:t>
-            </a:r>
-            <a:r>
-              <a:rPr lang="en-US" dirty="0" err="1" smtClean="0"/>
-              <a:t>DependencyProperty</a:t>
-            </a:r>
-            <a:endParaRPr lang="en-US" dirty="0" smtClean="0"/>
-          </a:p>
-          <a:p>
-            <a:endParaRPr lang="ru-RU" dirty="0" smtClean="0"/>
-          </a:p>
-          <a:p>
+              <a:t>event</a:t>
+            </a:r>
+          </a:p>
+          <a:p>
+            <a:pPr>
+              <a:lnSpc>
+                <a:spcPct val="150000"/>
+              </a:lnSpc>
+            </a:pPr>
             <a:r>
               <a:rPr lang="en-US" dirty="0" smtClean="0"/>
-              <a:t>Binding Mode=“</a:t>
-            </a:r>
-            <a:r>
-              <a:rPr lang="en-US" dirty="0" err="1" smtClean="0"/>
-              <a:t>OneTime</a:t>
-            </a:r>
-            <a:r>
-              <a:rPr lang="en-US" dirty="0" smtClean="0"/>
-              <a:t>”</a:t>
+              <a:t>Binding </a:t>
+            </a:r>
+            <a:r>
+              <a:rPr lang="ru-RU" dirty="0"/>
+              <a:t>коллекции без </a:t>
+            </a:r>
+            <a:r>
+              <a:rPr lang="en-US" dirty="0" err="1"/>
+              <a:t>INotifyCollectionChanged</a:t>
             </a:r>
             <a:endParaRPr lang="en-US" dirty="0"/>
           </a:p>
           <a:p>
-            <a:r>
-              <a:rPr lang="ru-RU" dirty="0" smtClean="0"/>
-              <a:t>Декоратор для </a:t>
-            </a:r>
-            <a:r>
-              <a:rPr lang="en-US" dirty="0" err="1" smtClean="0"/>
-              <a:t>OneTime</a:t>
-            </a:r>
-            <a:r>
-              <a:rPr lang="en-US" dirty="0" smtClean="0"/>
-              <a:t> Binding</a:t>
-            </a:r>
-            <a:endParaRPr lang="en-US" dirty="0"/>
-          </a:p>
-          <a:p>
-            <a:endParaRPr lang="ru-RU" dirty="0" smtClean="0"/>
-          </a:p>
-          <a:p>
-            <a:r>
-              <a:rPr lang="en-US" dirty="0" err="1" smtClean="0"/>
-              <a:t>ObservableCollection</a:t>
-            </a:r>
-            <a:r>
-              <a:rPr lang="en-US" dirty="0" smtClean="0"/>
-              <a:t> </a:t>
-            </a:r>
-            <a:r>
-              <a:rPr lang="ru-RU" dirty="0" smtClean="0"/>
-              <a:t>или любая имплементация </a:t>
-            </a:r>
-            <a:r>
-              <a:rPr lang="en-US" dirty="0" err="1" smtClean="0"/>
-              <a:t>INotifyCollectionChanged</a:t>
-            </a:r>
-            <a:r>
-              <a:rPr lang="en-US" dirty="0" smtClean="0"/>
-              <a:t> </a:t>
-            </a:r>
-            <a:r>
-              <a:rPr lang="ru-RU" dirty="0" smtClean="0"/>
-              <a:t>для коллекции</a:t>
-            </a:r>
+            <a:pPr marL="0" indent="0">
+              <a:lnSpc>
+                <a:spcPct val="150000"/>
+              </a:lnSpc>
+              <a:buNone/>
+            </a:pPr>
             <a:endParaRPr lang="ru-RU" dirty="0"/>
           </a:p>
         </p:txBody>
@@ -3840,7 +5384,7 @@
     </p:spTree>
     <p:extLst>
       <p:ext uri="{BB962C8B-B14F-4D97-AF65-F5344CB8AC3E}">
-        <p14:creationId xmlns:p14="http://schemas.microsoft.com/office/powerpoint/2010/main" val="1426775934"/>
+        <p14:creationId xmlns:p14="http://schemas.microsoft.com/office/powerpoint/2010/main" val="119885656"/>
       </p:ext>
     </p:extLst>
   </p:cSld>
@@ -3883,10 +5427,25 @@
           <a:lstStyle/>
           <a:p>
             <a:r>
+              <a:rPr lang="ru-RU" dirty="0" smtClean="0"/>
+              <a:t>Как лечить </a:t>
+            </a:r>
+            <a:r>
+              <a:rPr lang="ru-RU" dirty="0"/>
+              <a:t>н</a:t>
+            </a:r>
+            <a:r>
+              <a:rPr lang="ru-RU" dirty="0" smtClean="0"/>
+              <a:t>еправильный </a:t>
+            </a:r>
+            <a:r>
               <a:rPr lang="en-US" dirty="0" smtClean="0"/>
-              <a:t>x:Name</a:t>
-            </a:r>
-            <a:endParaRPr lang="ru-RU" dirty="0"/>
+              <a:t>Binding</a:t>
+            </a:r>
+            <a:r>
+              <a:rPr lang="ru-RU" dirty="0"/>
+              <a:t>?</a:t>
+            </a:r>
           </a:p>
         </p:txBody>
       </p:sp>
@@ -3905,56 +5464,102 @@
           <a:bodyPr/>
           <a:lstStyle/>
           <a:p>
-            <a:r>
-              <a:rPr lang="ru-RU" dirty="0" smtClean="0"/>
-              <a:t>Позволяет сослаться на элемент </a:t>
+            <a:pPr>
+              <a:lnSpc>
+                <a:spcPct val="150000"/>
+              </a:lnSpc>
+            </a:pPr>
+            <a:r>
+              <a:rPr lang="en-US" dirty="0" err="1" smtClean="0"/>
+              <a:t>INotifyPropertyChanged</a:t>
             </a:r>
             <a:r>
               <a:rPr lang="en-US" dirty="0" smtClean="0"/>
-              <a:t>UI</a:t>
+              <a:t> </a:t>
+            </a:r>
+            <a:r>
+              <a:rPr lang="ru-RU" dirty="0" smtClean="0"/>
+              <a:t>или </a:t>
+            </a:r>
+            <a:r>
+              <a:rPr lang="en-US" dirty="0" err="1" smtClean="0"/>
+              <a:t>DependencyProperty</a:t>
             </a:r>
             <a:endParaRPr lang="ru-RU" dirty="0" smtClean="0"/>
           </a:p>
           <a:p>
-            <a:endParaRPr lang="ru-RU" dirty="0"/>
-          </a:p>
-          <a:p>
-            <a:r>
-              <a:rPr lang="ru-RU" dirty="0" smtClean="0"/>
-              <a:t>Создает строгую глобальную ссылку на </a:t>
-            </a:r>
+            <a:pPr>
+              <a:lnSpc>
+                <a:spcPct val="150000"/>
+              </a:lnSpc>
+            </a:pPr>
             <a:r>
               <a:rPr lang="en-US" dirty="0" smtClean="0"/>
-              <a:t>UI </a:t>
-            </a:r>
-            <a:r>
-              <a:rPr lang="ru-RU" dirty="0" smtClean="0"/>
-              <a:t>элемент</a:t>
-            </a:r>
-          </a:p>
-          <a:p>
-            <a:endParaRPr lang="ru-RU" dirty="0"/>
-          </a:p>
-          <a:p>
-            <a:r>
-              <a:rPr lang="ru-RU" dirty="0" smtClean="0"/>
-              <a:t>Лечение - </a:t>
+              <a:t>Binding Mode=“</a:t>
             </a:r>
             <a:r>
               <a:rPr lang="en-US" dirty="0" err="1" smtClean="0"/>
-              <a:t>UnregisterName</a:t>
+              <a:t>OneTime</a:t>
             </a:r>
             <a:r>
               <a:rPr lang="en-US" dirty="0" smtClean="0"/>
-              <a:t>(“</a:t>
+              <a:t>”</a:t>
+            </a:r>
+            <a:endParaRPr lang="en-US" dirty="0"/>
+          </a:p>
+          <a:p>
+            <a:pPr>
+              <a:lnSpc>
+                <a:spcPct val="150000"/>
+              </a:lnSpc>
+            </a:pPr>
+            <a:r>
+              <a:rPr lang="ru-RU" dirty="0" smtClean="0"/>
+              <a:t>Декоратор для </a:t>
             </a:r>
             <a:r>
               <a:rPr lang="en-US" dirty="0" err="1" smtClean="0"/>
-              <a:t>elementName</a:t>
+              <a:t>OneTime</a:t>
             </a:r>
             <a:r>
               <a:rPr lang="en-US" dirty="0" smtClean="0"/>
-              <a:t>”)</a:t>
+              <a:t> </a:t>
+            </a:r>
+            <a:r>
+              <a:rPr lang="en-US" dirty="0" smtClean="0"/>
+              <a:t>Binding</a:t>
+            </a:r>
+            <a:endParaRPr lang="ru-RU" dirty="0" smtClean="0"/>
+          </a:p>
+          <a:p>
+            <a:pPr>
+              <a:lnSpc>
+                <a:spcPct val="150000"/>
+              </a:lnSpc>
+            </a:pPr>
+            <a:r>
+              <a:rPr lang="en-US" dirty="0" err="1" smtClean="0"/>
+              <a:t>ObservableCollection</a:t>
+            </a:r>
+            <a:r>
+              <a:rPr lang="en-US" dirty="0" smtClean="0"/>
+              <a:t> </a:t>
+            </a:r>
+            <a:r>
+              <a:rPr lang="ru-RU" dirty="0" smtClean="0"/>
+              <a:t>или любая имплементация </a:t>
+            </a:r>
+            <a:r>
+              <a:rPr lang="en-US" dirty="0" err="1" smtClean="0"/>
+              <a:t>INotifyCollectionChanged</a:t>
+            </a:r>
+            <a:r>
+              <a:rPr lang="en-US" dirty="0" smtClean="0"/>
+              <a:t> </a:t>
+            </a:r>
+            <a:r>
+              <a:rPr lang="ru-RU" dirty="0" smtClean="0"/>
+              <a:t>для коллекции</a:t>
             </a:r>
             <a:endParaRPr lang="ru-RU" dirty="0"/>
           </a:p>
@@ -3963,7 +5568,7 @@
     </p:spTree>
     <p:extLst>
       <p:ext uri="{BB962C8B-B14F-4D97-AF65-F5344CB8AC3E}">
-        <p14:creationId xmlns:p14="http://schemas.microsoft.com/office/powerpoint/2010/main" val="1894424396"/>
+        <p14:creationId xmlns:p14="http://schemas.microsoft.com/office/powerpoint/2010/main" val="1426775934"/>
       </p:ext>
     </p:extLst>
   </p:cSld>
@@ -4028,24 +5633,34 @@
           <a:bodyPr/>
           <a:lstStyle/>
           <a:p>
-            <a:pPr marL="0" indent="0">
-              <a:buNone/>
+            <a:pPr>
+              <a:lnSpc>
+                <a:spcPct val="150000"/>
+              </a:lnSpc>
             </a:pPr>
-            <a:endParaRPr lang="en-US" dirty="0" smtClean="0"/>
-          </a:p>
-          <a:p>
-            <a:pPr marL="0" indent="0">
-              <a:buNone/>
+            <a:r>
+              <a:rPr lang="ru-RU" dirty="0" smtClean="0"/>
+              <a:t>Позволяет сослаться на элемент </a:t>
+            </a:r>
+            <a:r>
+              <a:rPr lang="en-US" dirty="0" smtClean="0"/>
+              <a:t>UI</a:t>
+            </a:r>
+            <a:endParaRPr lang="ru-RU" dirty="0" smtClean="0"/>
+          </a:p>
+          <a:p>
+            <a:pPr>
+              <a:lnSpc>
+                <a:spcPct val="150000"/>
+              </a:lnSpc>
             </a:pPr>
             <a:r>
               <a:rPr lang="ru-RU" dirty="0" smtClean="0"/>
-              <a:t>Проблема</a:t>
-            </a:r>
-          </a:p>
-          <a:p>
-            <a:r>
-              <a:rPr lang="ru-RU" dirty="0" smtClean="0"/>
-              <a:t>Сильная глобальная ссылка на </a:t>
+              <a:t>Создает </a:t>
+            </a:r>
+            <a:r>
+              <a:rPr lang="ru-RU" dirty="0" smtClean="0"/>
+              <a:t>строгую глобальную ссылку на </a:t>
             </a:r>
             <a:r>
               <a:rPr lang="en-US" dirty="0" smtClean="0"/>
@@ -4055,23 +5670,18 @@
               <a:rPr lang="ru-RU" dirty="0" smtClean="0"/>
               <a:t>элемент</a:t>
             </a:r>
-          </a:p>
-          <a:p>
-            <a:endParaRPr lang="en-US" dirty="0" smtClean="0"/>
-          </a:p>
-          <a:p>
             <a:endParaRPr lang="ru-RU" dirty="0"/>
           </a:p>
           <a:p>
-            <a:pPr marL="0" indent="0">
-              <a:buNone/>
+            <a:pPr>
+              <a:lnSpc>
+                <a:spcPct val="150000"/>
+              </a:lnSpc>
             </a:pPr>
             <a:r>
               <a:rPr lang="ru-RU" dirty="0" smtClean="0"/>
-              <a:t>Решение</a:t>
-            </a:r>
-          </a:p>
-          <a:p>
+              <a:t>Лечение - </a:t>
+            </a:r>
             <a:r>
               <a:rPr lang="en-US" dirty="0" err="1" smtClean="0"/>
               <a:t>UnregisterName</a:t>
@@ -4082,11 +5692,43 @@
             </a:r>
             <a:r>
               <a:rPr lang="en-US" dirty="0" err="1" smtClean="0"/>
-              <a:t>controlName</a:t>
+              <a:t>elementName</a:t>
             </a:r>
             <a:r>
               <a:rPr lang="en-US" dirty="0" smtClean="0"/>
-              <a:t>”);</a:t>
+              <a:t>”)</a:t>
+            </a:r>
+            <a:endParaRPr lang="ru-RU" dirty="0" smtClean="0"/>
+          </a:p>
+          <a:p>
+            <a:pPr>
+              <a:lnSpc>
+                <a:spcPct val="150000"/>
+              </a:lnSpc>
+            </a:pPr>
+            <a:r>
+              <a:rPr lang="ru-RU" dirty="0" smtClean="0"/>
+              <a:t>Пример кода</a:t>
+            </a:r>
+            <a:endParaRPr lang="ru-RU" dirty="0" smtClean="0"/>
+          </a:p>
+          <a:p>
+            <a:pPr>
+              <a:lnSpc>
+                <a:spcPct val="150000"/>
+              </a:lnSpc>
+            </a:pPr>
+            <a:r>
+              <a:rPr lang="ru-RU" dirty="0" smtClean="0"/>
+              <a:t>Замена на </a:t>
+            </a:r>
+            <a:r>
+              <a:rPr lang="en-US" dirty="0" smtClean="0"/>
+              <a:t>Name – </a:t>
+            </a:r>
+            <a:r>
+              <a:rPr lang="ru-RU" dirty="0" smtClean="0"/>
+              <a:t>проверить!</a:t>
             </a:r>
             <a:endParaRPr lang="ru-RU" dirty="0"/>
           </a:p>
@@ -4095,7 +5737,7 @@
     </p:spTree>
     <p:extLst>
       <p:ext uri="{BB962C8B-B14F-4D97-AF65-F5344CB8AC3E}">
-        <p14:creationId xmlns:p14="http://schemas.microsoft.com/office/powerpoint/2010/main" val="305833563"/>
+        <p14:creationId xmlns:p14="http://schemas.microsoft.com/office/powerpoint/2010/main" val="1894424396"/>
       </p:ext>
     </p:extLst>
   </p:cSld>
@@ -4160,6 +5802,11 @@
           <a:bodyPr/>
           <a:lstStyle/>
           <a:p>
+            <a:pPr>
+              <a:lnSpc>
+                <a:spcPct val="150000"/>
+              </a:lnSpc>
+            </a:pPr>
             <a:r>
               <a:rPr lang="ru-RU" dirty="0" smtClean="0"/>
               <a:t>Проблема не только в </a:t>
@@ -4168,6 +5815,52 @@
               <a:rPr lang="en-US" dirty="0" smtClean="0"/>
               <a:t>WPF</a:t>
             </a:r>
+            <a:endParaRPr lang="ru-RU" dirty="0" smtClean="0"/>
+          </a:p>
+          <a:p>
+            <a:pPr>
+              <a:lnSpc>
+                <a:spcPct val="150000"/>
+              </a:lnSpc>
+            </a:pPr>
+            <a:r>
+              <a:rPr lang="ru-RU" dirty="0" smtClean="0"/>
+              <a:t>Пример кода</a:t>
+            </a:r>
+          </a:p>
+          <a:p>
+            <a:pPr>
+              <a:lnSpc>
+                <a:spcPct val="150000"/>
+              </a:lnSpc>
+            </a:pPr>
+            <a:r>
+              <a:rPr lang="ru-RU" dirty="0" smtClean="0"/>
+              <a:t>Отписывайтесь от событий везде - </a:t>
+            </a:r>
+            <a:r>
+              <a:rPr lang="en-US" dirty="0" smtClean="0"/>
+              <a:t>Behavior, Trigger </a:t>
+            </a:r>
+            <a:r>
+              <a:rPr lang="ru-RU" dirty="0" smtClean="0"/>
+              <a:t>и прочее</a:t>
+            </a:r>
+          </a:p>
+          <a:p>
+            <a:pPr>
+              <a:lnSpc>
+                <a:spcPct val="150000"/>
+              </a:lnSpc>
+            </a:pPr>
+            <a:r>
+              <a:rPr lang="ru-RU" dirty="0" smtClean="0"/>
+              <a:t>Придется отказаться от лямбд</a:t>
+            </a:r>
+            <a:endParaRPr lang="en-US" dirty="0"/>
+          </a:p>
+          <a:p>
+            <a:endParaRPr lang="en-US" dirty="0" smtClean="0"/>
           </a:p>
           <a:p>
             <a:endParaRPr lang="ru-RU" dirty="0"/>
@@ -4242,6 +5935,11 @@
           <a:bodyPr/>
           <a:lstStyle/>
           <a:p>
+            <a:pPr>
+              <a:lnSpc>
+                <a:spcPct val="150000"/>
+              </a:lnSpc>
+            </a:pPr>
             <a:r>
               <a:rPr lang="en-US" dirty="0" smtClean="0"/>
               <a:t>Dispatcher </a:t>
@@ -4251,8 +5949,51 @@
               <a:t>ссылается на коллекцию </a:t>
             </a:r>
             <a:r>
-              <a:rPr lang="en-US" smtClean="0"/>
+              <a:rPr lang="en-US" dirty="0" err="1" smtClean="0"/>
               <a:t>DispatcherTimers</a:t>
+            </a:r>
+            <a:endParaRPr lang="ru-RU" dirty="0" smtClean="0"/>
+          </a:p>
+          <a:p>
+            <a:pPr>
+              <a:lnSpc>
+                <a:spcPct val="150000"/>
+              </a:lnSpc>
+            </a:pPr>
+            <a:r>
+              <a:rPr lang="ru-RU" dirty="0" smtClean="0"/>
+              <a:t>Частный случай </a:t>
+            </a:r>
+            <a:r>
+              <a:rPr lang="en-US" dirty="0" smtClean="0"/>
+              <a:t>Event Handler Leak</a:t>
+            </a:r>
+          </a:p>
+          <a:p>
+            <a:pPr>
+              <a:lnSpc>
+                <a:spcPct val="150000"/>
+              </a:lnSpc>
+            </a:pPr>
+            <a:r>
+              <a:rPr lang="ru-RU" dirty="0" smtClean="0"/>
+              <a:t>Лечение – удалять ссылку на </a:t>
+            </a:r>
+            <a:r>
+              <a:rPr lang="en-US" dirty="0" err="1" smtClean="0"/>
+              <a:t>DispatcherTimer</a:t>
+            </a:r>
+            <a:r>
+              <a:rPr lang="en-US" dirty="0" smtClean="0"/>
+              <a:t> </a:t>
+            </a:r>
+            <a:r>
+              <a:rPr lang="ru-RU" dirty="0" smtClean="0"/>
+              <a:t>в </a:t>
+            </a:r>
+            <a:r>
+              <a:rPr lang="en-US" dirty="0" smtClean="0"/>
+              <a:t>code behind ?</a:t>
             </a:r>
             <a:endParaRPr lang="ru-RU" dirty="0"/>
           </a:p>
@@ -4530,4 +6271,265 @@
     </a:ext>
   </a:extLst>
 </a:theme>
+</file>
+
+<file path=ppt/theme/theme2.xml><?xml version="1.0" encoding="utf-8"?>
+<a:theme xmlns:a="http://schemas.openxmlformats.org/drawingml/2006/main" name="Тема Office">
+  <a:themeElements>
+    <a:clrScheme name="Стандартная">
+      <a:dk1>
+        <a:sysClr val="windowText" lastClr="000000"/>
+      </a:dk1>
+      <a:lt1>
+        <a:sysClr val="window" lastClr="FFFFFF"/>
+      </a:lt1>
+      <a:dk2>
+        <a:srgbClr val="44546A"/>
+      </a:dk2>
+      <a:lt2>
+        <a:srgbClr val="E7E6E6"/>
+      </a:lt2>
+      <a:accent1>
+        <a:srgbClr val="5B9BD5"/>
+      </a:accent1>
+      <a:accent2>
+        <a:srgbClr val="ED7D31"/>
+      </a:accent2>
+      <a:accent3>
+        <a:srgbClr val="A5A5A5"/>
+      </a:accent3>
+      <a:accent4>
+        <a:srgbClr val="FFC000"/>
+      </a:accent4>
+      <a:accent5>
+        <a:srgbClr val="4472C4"/>
+      </a:accent5>
+      <a:accent6>
+        <a:srgbClr val="70AD47"/>
+      </a:accent6>
+      <a:hlink>
+        <a:srgbClr val="0563C1"/>
+      </a:hlink>
+      <a:folHlink>
+        <a:srgbClr val="954F72"/>
+      </a:folHlink>
+    </a:clrScheme>
+    <a:fontScheme name="Стандартная">
+      <a:majorFont>
+        <a:latin typeface="Calibri Light" panose="020F0302020204030204"/>
+        <a:ea typeface=""/>
+        <a:cs typeface=""/>
+        <a:font script="Jpan" typeface="游ゴシック Light"/>
+        <a:font script="Hang" typeface="맑은 고딕"/>
+        <a:font script="Hans" typeface="等线 Light"/>
+        <a:font script="Hant" typeface="新細明體"/>
+        <a:font script="Arab" typeface="Times New Roman"/>
+        <a:font script="Hebr" typeface="Times New Roman"/>
+        <a:font script="Thai" typeface="Angsana New"/>
+        <a:font script="Ethi" typeface="Nyala"/>
+        <a:font script="Beng" typeface="Vrinda"/>
+        <a:font script="Gujr" typeface="Shruti"/>
+        <a:font script="Khmr" typeface="MoolBoran"/>
+        <a:font script="Knda" typeface="Tunga"/>
+        <a:font script="Guru" typeface="Raavi"/>
+        <a:font script="Cans" typeface="Euphemia"/>
+        <a:font script="Cher" typeface="Plantagenet Cherokee"/>
+        <a:font script="Yiii" typeface="Microsoft Yi Baiti"/>
+        <a:font script="Tibt" typeface="Microsoft Himalaya"/>
+        <a:font script="Thaa" typeface="MV Boli"/>
+        <a:font script="Deva" typeface="Mangal"/>
+        <a:font script="Telu" typeface="Gautami"/>
+        <a:font script="Taml" typeface="Latha"/>
+        <a:font script="Syrc" typeface="Estrangelo Edessa"/>
+        <a:font script="Orya" typeface="Kalinga"/>
+        <a:font script="Mlym" typeface="Kartika"/>
+        <a:font script="Laoo" typeface="DokChampa"/>
+        <a:font script="Sinh" typeface="Iskoola Pota"/>
+        <a:font script="Mong" typeface="Mongolian Baiti"/>
+        <a:font script="Viet" typeface="Times New Roman"/>
+        <a:font script="Uigh" typeface="Microsoft Uighur"/>
+        <a:font script="Geor" typeface="Sylfaen"/>
+      </a:majorFont>
+      <a:minorFont>
+        <a:latin typeface="Calibri" panose="020F0502020204030204"/>
+        <a:ea typeface=""/>
+        <a:cs typeface=""/>
+        <a:font script="Jpan" typeface="游ゴシック"/>
+        <a:font script="Hang" typeface="맑은 고딕"/>
+        <a:font script="Hans" typeface="等线"/>
+        <a:font script="Hant" typeface="新細明體"/>
+        <a:font script="Arab" typeface="Arial"/>
+        <a:font script="Hebr" typeface="Arial"/>
+        <a:font script="Thai" typeface="Cordia New"/>
+        <a:font script="Ethi" typeface="Nyala"/>
+        <a:font script="Beng" typeface="Vrinda"/>
+        <a:font script="Gujr" typeface="Shruti"/>
+        <a:font script="Khmr" typeface="DaunPenh"/>
+        <a:font script="Knda" typeface="Tunga"/>
+        <a:font script="Guru" typeface="Raavi"/>
+        <a:font script="Cans" typeface="Euphemia"/>
+        <a:font script="Cher" typeface="Plantagenet Cherokee"/>
+        <a:font script="Yiii" typeface="Microsoft Yi Baiti"/>
+        <a:font script="Tibt" typeface="Microsoft Himalaya"/>
+        <a:font script="Thaa" typeface="MV Boli"/>
+        <a:font script="Deva" typeface="Mangal"/>
+        <a:font script="Telu" typeface="Gautami"/>
+        <a:font script="Taml" typeface="Latha"/>
+        <a:font script="Syrc" typeface="Estrangelo Edessa"/>
+        <a:font script="Orya" typeface="Kalinga"/>
+        <a:font script="Mlym" typeface="Kartika"/>
+        <a:font script="Laoo" typeface="DokChampa"/>
+        <a:font script="Sinh" typeface="Iskoola Pota"/>
+        <a:font script="Mong" typeface="Mongolian Baiti"/>
+        <a:font script="Viet" typeface="Arial"/>
+        <a:font script="Uigh" typeface="Microsoft Uighur"/>
+        <a:font script="Geor" typeface="Sylfaen"/>
+      </a:minorFont>
+    </a:fontScheme>
+    <a:fmtScheme name="Стандартная">
+      <a:fillStyleLst>
+        <a:solidFill>
+          <a:schemeClr val="phClr"/>
+        </a:solidFill>
+        <a:gradFill rotWithShape="1">
+          <a:gsLst>
+            <a:gs pos="0">
+              <a:schemeClr val="phClr">
+                <a:lumMod val="110000"/>
+                <a:satMod val="105000"/>
+                <a:tint val="67000"/>
+              </a:schemeClr>
+            </a:gs>
+            <a:gs pos="50000">
+              <a:schemeClr val="phClr">
+                <a:lumMod val="105000"/>
+                <a:satMod val="103000"/>
+                <a:tint val="73000"/>
+              </a:schemeClr>
+            </a:gs>
+            <a:gs pos="100000">
+              <a:schemeClr val="phClr">
+                <a:lumMod val="105000"/>
+                <a:satMod val="109000"/>
+                <a:tint val="81000"/>
+              </a:schemeClr>
+            </a:gs>
+          </a:gsLst>
+          <a:lin ang="5400000" scaled="0"/>
+        </a:gradFill>
+        <a:gradFill rotWithShape="1">
+          <a:gsLst>
+            <a:gs pos="0">
+              <a:schemeClr val="phClr">
+                <a:satMod val="103000"/>
+                <a:lumMod val="102000"/>
+                <a:tint val="94000"/>
+              </a:schemeClr>
+            </a:gs>
+            <a:gs pos="50000">
+              <a:schemeClr val="phClr">
+                <a:satMod val="110000"/>
+                <a:lumMod val="100000"/>
+                <a:shade val="100000"/>
+              </a:schemeClr>
+            </a:gs>
+            <a:gs pos="100000">
+              <a:schemeClr val="phClr">
+                <a:lumMod val="99000"/>
+                <a:satMod val="120000"/>
+                <a:shade val="78000"/>
+              </a:schemeClr>
+            </a:gs>
+          </a:gsLst>
+          <a:lin ang="5400000" scaled="0"/>
+        </a:gradFill>
+      </a:fillStyleLst>
+      <a:lnStyleLst>
+        <a:ln w="6350" cap="flat" cmpd="sng" algn="ctr">
+          <a:solidFill>
+            <a:schemeClr val="phClr"/>
+          </a:solidFill>
+          <a:prstDash val="solid"/>
+          <a:miter lim="800000"/>
+        </a:ln>
+        <a:ln w="12700" cap="flat" cmpd="sng" algn="ctr">
+          <a:solidFill>
+            <a:schemeClr val="phClr"/>
+          </a:solidFill>
+          <a:prstDash val="solid"/>
+          <a:miter lim="800000"/>
+        </a:ln>
+        <a:ln w="19050" cap="flat" cmpd="sng" algn="ctr">
+          <a:solidFill>
+            <a:schemeClr val="phClr"/>
+          </a:solidFill>
+          <a:prstDash val="solid"/>
+          <a:miter lim="800000"/>
+        </a:ln>
+      </a:lnStyleLst>
+      <a:effectStyleLst>
+        <a:effectStyle>
+          <a:effectLst/>
+        </a:effectStyle>
+        <a:effectStyle>
+          <a:effectLst/>
+        </a:effectStyle>
+        <a:effectStyle>
+          <a:effectLst>
+            <a:outerShdw blurRad="57150" dist="19050" dir="5400000" algn="ctr" rotWithShape="0">
+              <a:srgbClr val="000000">
+                <a:alpha val="63000"/>
+              </a:srgbClr>
+            </a:outerShdw>
+          </a:effectLst>
+        </a:effectStyle>
+      </a:effectStyleLst>
+      <a:bgFillStyleLst>
+        <a:solidFill>
+          <a:schemeClr val="phClr"/>
+        </a:solidFill>
+        <a:solidFill>
+          <a:schemeClr val="phClr">
+            <a:tint val="95000"/>
+            <a:satMod val="170000"/>
+          </a:schemeClr>
+        </a:solidFill>
+        <a:gradFill rotWithShape="1">
+          <a:gsLst>
+            <a:gs pos="0">
+              <a:schemeClr val="phClr">
+                <a:tint val="93000"/>
+                <a:satMod val="150000"/>
+                <a:shade val="98000"/>
+                <a:lumMod val="102000"/>
+              </a:schemeClr>
+            </a:gs>
+            <a:gs pos="50000">
+              <a:schemeClr val="phClr">
+                <a:tint val="98000"/>
+                <a:satMod val="130000"/>
+                <a:shade val="90000"/>
+                <a:lumMod val="103000"/>
+              </a:schemeClr>
+            </a:gs>
+            <a:gs pos="100000">
+              <a:schemeClr val="phClr">
+                <a:shade val="63000"/>
+                <a:satMod val="120000"/>
+              </a:schemeClr>
+            </a:gs>
+          </a:gsLst>
+          <a:lin ang="5400000" scaled="0"/>
+        </a:gradFill>
+      </a:bgFillStyleLst>
+    </a:fmtScheme>
+  </a:themeElements>
+  <a:objectDefaults/>
+  <a:extraClrSchemeLst/>
+  <a:extLst>
+    <a:ext uri="{05A4C25C-085E-4340-85A3-A5531E510DB2}">
+      <thm15:themeFamily xmlns:thm15="http://schemas.microsoft.com/office/thememl/2012/main" name="Office Theme" id="{62F939B6-93AF-4DB8-9C6B-D6C7DFDC589F}" vid="{4A3C46E8-61CC-4603-A589-7422A47A8E4A}"/>
+    </a:ext>
+  </a:extLst>
+</a:theme>
 </file>
--- a/Утечки памяти.pptx
+++ b/Утечки памяти.pptx
@@ -5,28 +5,30 @@
     <p:sldMasterId id="2147483648" r:id="rId1"/>
   </p:sldMasterIdLst>
   <p:notesMasterIdLst>
-    <p:notesMasterId r:id="rId21"/>
+    <p:notesMasterId r:id="rId23"/>
   </p:notesMasterIdLst>
   <p:sldIdLst>
     <p:sldId id="256" r:id="rId2"/>
     <p:sldId id="257" r:id="rId3"/>
     <p:sldId id="279" r:id="rId4"/>
-    <p:sldId id="258" r:id="rId5"/>
-    <p:sldId id="267" r:id="rId6"/>
-    <p:sldId id="268" r:id="rId7"/>
-    <p:sldId id="269" r:id="rId8"/>
-    <p:sldId id="271" r:id="rId9"/>
-    <p:sldId id="265" r:id="rId10"/>
-    <p:sldId id="272" r:id="rId11"/>
-    <p:sldId id="273" r:id="rId12"/>
-    <p:sldId id="275" r:id="rId13"/>
-    <p:sldId id="270" r:id="rId14"/>
-    <p:sldId id="280" r:id="rId15"/>
-    <p:sldId id="281" r:id="rId16"/>
-    <p:sldId id="274" r:id="rId17"/>
-    <p:sldId id="276" r:id="rId18"/>
-    <p:sldId id="277" r:id="rId19"/>
-    <p:sldId id="278" r:id="rId20"/>
+    <p:sldId id="284" r:id="rId5"/>
+    <p:sldId id="258" r:id="rId6"/>
+    <p:sldId id="267" r:id="rId7"/>
+    <p:sldId id="268" r:id="rId8"/>
+    <p:sldId id="269" r:id="rId9"/>
+    <p:sldId id="283" r:id="rId10"/>
+    <p:sldId id="271" r:id="rId11"/>
+    <p:sldId id="282" r:id="rId12"/>
+    <p:sldId id="265" r:id="rId13"/>
+    <p:sldId id="272" r:id="rId14"/>
+    <p:sldId id="275" r:id="rId15"/>
+    <p:sldId id="270" r:id="rId16"/>
+    <p:sldId id="280" r:id="rId17"/>
+    <p:sldId id="281" r:id="rId18"/>
+    <p:sldId id="274" r:id="rId19"/>
+    <p:sldId id="276" r:id="rId20"/>
+    <p:sldId id="277" r:id="rId21"/>
+    <p:sldId id="278" r:id="rId22"/>
   </p:sldIdLst>
   <p:sldSz cx="12192000" cy="6858000"/>
   <p:notesSz cx="6858000" cy="9144000"/>
@@ -215,7 +217,7 @@
           <a:p>
             <a:fld id="{7E32760C-D076-4A5B-AE14-FF54E2D8759C}" type="datetimeFigureOut">
               <a:rPr lang="ru-RU" smtClean="0"/>
-              <a:t>04.12.2018</a:t>
+              <a:t>06.12.2018</a:t>
             </a:fld>
             <a:endParaRPr lang="ru-RU"/>
           </a:p>
@@ -527,194 +529,6 @@
           <a:bodyPr/>
           <a:lstStyle/>
           <a:p>
-            <a:pPr marL="0" marR="0" indent="0" algn="l" defTabSz="914400" rtl="0" eaLnBrk="1" fontAlgn="auto" latinLnBrk="0" hangingPunct="1">
-              <a:lnSpc>
-                <a:spcPct val="100000"/>
-              </a:lnSpc>
-              <a:spcBef>
-                <a:spcPts val="0"/>
-              </a:spcBef>
-              <a:spcAft>
-                <a:spcPts val="0"/>
-              </a:spcAft>
-              <a:buClrTx/>
-              <a:buSzTx/>
-              <a:buFontTx/>
-              <a:buNone/>
-              <a:tabLst/>
-              <a:defRPr/>
-            </a:pPr>
-            <a:r>
-              <a:rPr lang="ru-RU" dirty="0" smtClean="0"/>
-              <a:t>Про</a:t>
-            </a:r>
-            <a:r>
-              <a:rPr lang="ru-RU" baseline="0" dirty="0" smtClean="0"/>
-              <a:t> боль от отписки от событий говорил и Кирилл </a:t>
-            </a:r>
-            <a:r>
-              <a:rPr lang="ru-RU" baseline="0" dirty="0" err="1" smtClean="0"/>
-              <a:t>Маурин</a:t>
-            </a:r>
-            <a:r>
-              <a:rPr lang="ru-RU" baseline="0" dirty="0" smtClean="0"/>
-              <a:t> в своем докладе </a:t>
-            </a:r>
-            <a:r>
-              <a:rPr lang="ru-RU" sz="1200" b="0" i="0" kern="1200" dirty="0" smtClean="0">
-                <a:solidFill>
-                  <a:schemeClr val="tx1"/>
-                </a:solidFill>
-                <a:effectLst/>
-                <a:latin typeface="+mn-lt"/>
-                <a:ea typeface="+mn-ea"/>
-                <a:cs typeface="+mn-cs"/>
-              </a:rPr>
-              <a:t>«Масштабирование паттерна </a:t>
-            </a:r>
-            <a:r>
-              <a:rPr lang="ru-RU" sz="1200" b="0" i="0" kern="1200" dirty="0" err="1" smtClean="0">
-                <a:solidFill>
-                  <a:schemeClr val="tx1"/>
-                </a:solidFill>
-                <a:effectLst/>
-                <a:latin typeface="+mn-lt"/>
-                <a:ea typeface="+mn-ea"/>
-                <a:cs typeface="+mn-cs"/>
-              </a:rPr>
-              <a:t>Disposable</a:t>
-            </a:r>
-            <a:r>
-              <a:rPr lang="ru-RU" sz="1200" b="0" i="0" kern="1200" dirty="0" smtClean="0">
-                <a:solidFill>
-                  <a:schemeClr val="tx1"/>
-                </a:solidFill>
-                <a:effectLst/>
-                <a:latin typeface="+mn-lt"/>
-                <a:ea typeface="+mn-ea"/>
-                <a:cs typeface="+mn-cs"/>
-              </a:rPr>
-              <a:t> в рамках проекта» </a:t>
-            </a:r>
-            <a:endParaRPr lang="en-US" sz="1200" b="0" i="0" kern="1200" dirty="0" smtClean="0">
-              <a:solidFill>
-                <a:schemeClr val="tx1"/>
-              </a:solidFill>
-              <a:effectLst/>
-              <a:latin typeface="+mn-lt"/>
-              <a:ea typeface="+mn-ea"/>
-              <a:cs typeface="+mn-cs"/>
-            </a:endParaRPr>
-          </a:p>
-          <a:p>
-            <a:pPr marL="0" marR="0" indent="0" algn="l" defTabSz="914400" rtl="0" eaLnBrk="1" fontAlgn="auto" latinLnBrk="0" hangingPunct="1">
-              <a:lnSpc>
-                <a:spcPct val="100000"/>
-              </a:lnSpc>
-              <a:spcBef>
-                <a:spcPts val="0"/>
-              </a:spcBef>
-              <a:spcAft>
-                <a:spcPts val="0"/>
-              </a:spcAft>
-              <a:buClrTx/>
-              <a:buSzTx/>
-              <a:buFontTx/>
-              <a:buNone/>
-              <a:tabLst/>
-              <a:defRPr/>
-            </a:pPr>
-            <a:r>
-              <a:rPr lang="en-US" dirty="0" err="1" smtClean="0"/>
-              <a:t>ICommand</a:t>
-            </a:r>
-            <a:r>
-              <a:rPr lang="en-US" dirty="0" smtClean="0"/>
-              <a:t> without </a:t>
-            </a:r>
-            <a:r>
-              <a:rPr lang="en-US" dirty="0" err="1" smtClean="0"/>
-              <a:t>WeakReference</a:t>
-            </a:r>
-            <a:r>
-              <a:rPr lang="en-US" dirty="0" smtClean="0"/>
-              <a:t> – </a:t>
-            </a:r>
-            <a:r>
-              <a:rPr lang="ru-RU" dirty="0" smtClean="0"/>
-              <a:t>будет</a:t>
-            </a:r>
-            <a:r>
-              <a:rPr lang="ru-RU" baseline="0" dirty="0" smtClean="0"/>
-              <a:t> очень плохо</a:t>
-            </a:r>
-            <a:endParaRPr lang="en-US" baseline="0" dirty="0" smtClean="0"/>
-          </a:p>
-          <a:p>
-            <a:pPr marL="0" marR="0" indent="0" algn="l" defTabSz="914400" rtl="0" eaLnBrk="1" fontAlgn="auto" latinLnBrk="0" hangingPunct="1">
-              <a:lnSpc>
-                <a:spcPct val="100000"/>
-              </a:lnSpc>
-              <a:spcBef>
-                <a:spcPts val="0"/>
-              </a:spcBef>
-              <a:spcAft>
-                <a:spcPts val="0"/>
-              </a:spcAft>
-              <a:buClrTx/>
-              <a:buSzTx/>
-              <a:buFontTx/>
-              <a:buNone/>
-              <a:tabLst/>
-              <a:defRPr/>
-            </a:pPr>
-            <a:r>
-              <a:rPr lang="en-US" dirty="0" smtClean="0"/>
-              <a:t>http://csharpindepth.com/articles/chapter2/events.aspx - </a:t>
-            </a:r>
-            <a:r>
-              <a:rPr lang="ru-RU" dirty="0" smtClean="0"/>
-              <a:t>проверить,</a:t>
-            </a:r>
-            <a:r>
-              <a:rPr lang="ru-RU" baseline="0" dirty="0" smtClean="0"/>
-              <a:t> что говорит </a:t>
-            </a:r>
-            <a:r>
-              <a:rPr lang="en-US" baseline="0" dirty="0" smtClean="0"/>
-              <a:t>Jon Skeet</a:t>
-            </a:r>
-            <a:endParaRPr lang="en-US" dirty="0" smtClean="0"/>
-          </a:p>
-          <a:p>
-            <a:pPr marL="0" marR="0" indent="0" algn="l" defTabSz="914400" rtl="0" eaLnBrk="1" fontAlgn="auto" latinLnBrk="0" hangingPunct="1">
-              <a:lnSpc>
-                <a:spcPct val="100000"/>
-              </a:lnSpc>
-              <a:spcBef>
-                <a:spcPts val="0"/>
-              </a:spcBef>
-              <a:spcAft>
-                <a:spcPts val="0"/>
-              </a:spcAft>
-              <a:buClrTx/>
-              <a:buSzTx/>
-              <a:buFontTx/>
-              <a:buNone/>
-              <a:tabLst/>
-              <a:defRPr/>
-            </a:pPr>
-            <a:endParaRPr lang="ru-RU" sz="1200" b="0" i="0" kern="1200" dirty="0" smtClean="0">
-              <a:solidFill>
-                <a:schemeClr val="tx1"/>
-              </a:solidFill>
-              <a:effectLst/>
-              <a:latin typeface="+mn-lt"/>
-              <a:ea typeface="+mn-ea"/>
-              <a:cs typeface="+mn-cs"/>
-            </a:endParaRPr>
-          </a:p>
-          <a:p>
             <a:endParaRPr lang="ru-RU" dirty="0"/>
           </a:p>
         </p:txBody>
@@ -736,7 +550,7 @@
           <a:p>
             <a:fld id="{01B998F4-8103-417C-AF3C-B5E3C74782CC}" type="slidenum">
               <a:rPr lang="ru-RU" smtClean="0"/>
-              <a:t>8</a:t>
+              <a:t>2</a:t>
             </a:fld>
             <a:endParaRPr lang="ru-RU"/>
           </a:p>
@@ -745,7 +559,7 @@
     </p:spTree>
     <p:extLst>
       <p:ext uri="{BB962C8B-B14F-4D97-AF65-F5344CB8AC3E}">
-        <p14:creationId xmlns:p14="http://schemas.microsoft.com/office/powerpoint/2010/main" val="1809880400"/>
+        <p14:creationId xmlns:p14="http://schemas.microsoft.com/office/powerpoint/2010/main" val="2886128514"/>
       </p:ext>
     </p:extLst>
   </p:cSld>
@@ -799,6 +613,661 @@
           <a:bodyPr/>
           <a:lstStyle/>
           <a:p>
+            <a:pPr marL="0" marR="0" lvl="0" indent="0" algn="l" defTabSz="914400" rtl="0" eaLnBrk="1" fontAlgn="auto" latinLnBrk="0" hangingPunct="1">
+              <a:lnSpc>
+                <a:spcPct val="100000"/>
+              </a:lnSpc>
+              <a:spcBef>
+                <a:spcPts val="0"/>
+              </a:spcBef>
+              <a:spcAft>
+                <a:spcPts val="0"/>
+              </a:spcAft>
+              <a:buClrTx/>
+              <a:buSzTx/>
+              <a:buFontTx/>
+              <a:buNone/>
+              <a:tabLst/>
+              <a:defRPr/>
+            </a:pPr>
+            <a:r>
+              <a:rPr lang="en-US" dirty="0" smtClean="0"/>
+              <a:t>Binding – </a:t>
+            </a:r>
+            <a:r>
+              <a:rPr lang="ru-RU" dirty="0" smtClean="0"/>
+              <a:t>декларативная</a:t>
+            </a:r>
+            <a:r>
+              <a:rPr lang="ru-RU" baseline="0" dirty="0" smtClean="0"/>
+              <a:t> реализация паттерна </a:t>
+            </a:r>
+            <a:r>
+              <a:rPr lang="en-US" baseline="0" dirty="0" smtClean="0"/>
+              <a:t>Observer</a:t>
+            </a:r>
+          </a:p>
+          <a:p>
+            <a:pPr marL="0" marR="0" lvl="0" indent="0" algn="l" defTabSz="914400" rtl="0" eaLnBrk="1" fontAlgn="auto" latinLnBrk="0" hangingPunct="1">
+              <a:lnSpc>
+                <a:spcPct val="100000"/>
+              </a:lnSpc>
+              <a:spcBef>
+                <a:spcPts val="0"/>
+              </a:spcBef>
+              <a:spcAft>
+                <a:spcPts val="0"/>
+              </a:spcAft>
+              <a:buClrTx/>
+              <a:buSzTx/>
+              <a:buFontTx/>
+              <a:buNone/>
+              <a:tabLst/>
+              <a:defRPr/>
+            </a:pPr>
+            <a:r>
+              <a:rPr lang="ru-RU" baseline="0" dirty="0" smtClean="0"/>
+              <a:t>Объект -  источник</a:t>
+            </a:r>
+          </a:p>
+          <a:p>
+            <a:pPr marL="0" marR="0" lvl="0" indent="0" algn="l" defTabSz="914400" rtl="0" eaLnBrk="1" fontAlgn="auto" latinLnBrk="0" hangingPunct="1">
+              <a:lnSpc>
+                <a:spcPct val="100000"/>
+              </a:lnSpc>
+              <a:spcBef>
+                <a:spcPts val="0"/>
+              </a:spcBef>
+              <a:spcAft>
+                <a:spcPts val="0"/>
+              </a:spcAft>
+              <a:buClrTx/>
+              <a:buSzTx/>
+              <a:buFontTx/>
+              <a:buNone/>
+              <a:tabLst/>
+              <a:defRPr/>
+            </a:pPr>
+            <a:r>
+              <a:rPr lang="ru-RU" baseline="0" dirty="0" smtClean="0"/>
+              <a:t>Подписант – </a:t>
+            </a:r>
+            <a:r>
+              <a:rPr lang="ru-RU" baseline="0" dirty="0" err="1" smtClean="0"/>
+              <a:t>вьюха</a:t>
+            </a:r>
+            <a:endParaRPr lang="ru-RU" baseline="0" dirty="0" smtClean="0"/>
+          </a:p>
+          <a:p>
+            <a:pPr marL="0" marR="0" lvl="0" indent="0" algn="l" defTabSz="914400" rtl="0" eaLnBrk="1" fontAlgn="auto" latinLnBrk="0" hangingPunct="1">
+              <a:lnSpc>
+                <a:spcPct val="100000"/>
+              </a:lnSpc>
+              <a:spcBef>
+                <a:spcPts val="0"/>
+              </a:spcBef>
+              <a:spcAft>
+                <a:spcPts val="0"/>
+              </a:spcAft>
+              <a:buClrTx/>
+              <a:buSzTx/>
+              <a:buFontTx/>
+              <a:buNone/>
+              <a:tabLst/>
+              <a:defRPr/>
+            </a:pPr>
+            <a:r>
+              <a:rPr lang="ru-RU" baseline="0" dirty="0" smtClean="0"/>
+              <a:t>Уточнить про коллекции</a:t>
+            </a:r>
+            <a:endParaRPr lang="ru-RU" dirty="0" smtClean="0"/>
+          </a:p>
+        </p:txBody>
+      </p:sp>
+      <p:sp>
+        <p:nvSpPr>
+          <p:cNvPr id="4" name="Номер слайда 3"/>
+          <p:cNvSpPr>
+            <a:spLocks noGrp="1"/>
+          </p:cNvSpPr>
+          <p:nvPr>
+            <p:ph type="sldNum" sz="quarter" idx="10"/>
+          </p:nvPr>
+        </p:nvSpPr>
+        <p:spPr/>
+        <p:txBody>
+          <a:bodyPr/>
+          <a:lstStyle/>
+          <a:p>
+            <a:fld id="{01B998F4-8103-417C-AF3C-B5E3C74782CC}" type="slidenum">
+              <a:rPr lang="ru-RU" smtClean="0"/>
+              <a:t>6</a:t>
+            </a:fld>
+            <a:endParaRPr lang="ru-RU"/>
+          </a:p>
+        </p:txBody>
+      </p:sp>
+    </p:spTree>
+    <p:extLst>
+      <p:ext uri="{BB962C8B-B14F-4D97-AF65-F5344CB8AC3E}">
+        <p14:creationId xmlns:p14="http://schemas.microsoft.com/office/powerpoint/2010/main" val="825020462"/>
+      </p:ext>
+    </p:extLst>
+  </p:cSld>
+  <p:clrMapOvr>
+    <a:masterClrMapping/>
+  </p:clrMapOvr>
+</p:notes>
+</file>
+
+<file path=ppt/notesSlides/notesSlide3.xml><?xml version="1.0" encoding="utf-8"?>
+<p:notes xmlns:a="http://schemas.openxmlformats.org/drawingml/2006/main" xmlns:r="http://schemas.openxmlformats.org/officeDocument/2006/relationships" xmlns:p="http://schemas.openxmlformats.org/presentationml/2006/main">
+  <p:cSld>
+    <p:spTree>
+      <p:nvGrpSpPr>
+        <p:cNvPr id="1" name=""/>
+        <p:cNvGrpSpPr/>
+        <p:nvPr/>
+      </p:nvGrpSpPr>
+      <p:grpSpPr>
+        <a:xfrm>
+          <a:off x="0" y="0"/>
+          <a:ext cx="0" cy="0"/>
+          <a:chOff x="0" y="0"/>
+          <a:chExt cx="0" cy="0"/>
+        </a:xfrm>
+      </p:grpSpPr>
+      <p:sp>
+        <p:nvSpPr>
+          <p:cNvPr id="2" name="Образ слайда 1"/>
+          <p:cNvSpPr>
+            <a:spLocks noGrp="1" noRot="1" noChangeAspect="1"/>
+          </p:cNvSpPr>
+          <p:nvPr>
+            <p:ph type="sldImg"/>
+          </p:nvPr>
+        </p:nvSpPr>
+        <p:spPr/>
+      </p:sp>
+      <p:sp>
+        <p:nvSpPr>
+          <p:cNvPr id="3" name="Заметки 2"/>
+          <p:cNvSpPr>
+            <a:spLocks noGrp="1"/>
+          </p:cNvSpPr>
+          <p:nvPr>
+            <p:ph type="body" idx="1"/>
+          </p:nvPr>
+        </p:nvSpPr>
+        <p:spPr/>
+        <p:txBody>
+          <a:bodyPr/>
+          <a:lstStyle/>
+          <a:p>
+            <a:r>
+              <a:rPr lang="ru-RU" dirty="0" smtClean="0"/>
+              <a:t>Не</a:t>
+            </a:r>
+            <a:r>
+              <a:rPr lang="ru-RU" baseline="0" dirty="0" smtClean="0"/>
+              <a:t> забыть упомянуть про </a:t>
+            </a:r>
+            <a:r>
+              <a:rPr lang="en-US" baseline="0" dirty="0" smtClean="0"/>
+              <a:t>Immutable + </a:t>
+            </a:r>
+            <a:r>
+              <a:rPr lang="en-US" baseline="0" dirty="0" err="1" smtClean="0"/>
+              <a:t>readonly</a:t>
+            </a:r>
+            <a:r>
+              <a:rPr lang="en-US" baseline="0" dirty="0" smtClean="0"/>
+              <a:t> </a:t>
+            </a:r>
+            <a:r>
+              <a:rPr lang="en-US" baseline="0" dirty="0" err="1" smtClean="0"/>
+              <a:t>struct</a:t>
+            </a:r>
+            <a:endParaRPr lang="ru-RU" baseline="0" dirty="0" smtClean="0"/>
+          </a:p>
+          <a:p>
+            <a:r>
+              <a:rPr lang="ru-RU" baseline="0" dirty="0" smtClean="0"/>
+              <a:t>А </a:t>
+            </a:r>
+            <a:r>
+              <a:rPr lang="en-US" baseline="0" dirty="0" err="1" smtClean="0"/>
+              <a:t>DependencyObject</a:t>
+            </a:r>
+            <a:r>
+              <a:rPr lang="en-US" baseline="0" dirty="0" smtClean="0"/>
+              <a:t>?</a:t>
+            </a:r>
+          </a:p>
+          <a:p>
+            <a:r>
+              <a:rPr lang="en-US" baseline="0" dirty="0" smtClean="0"/>
+              <a:t>Bryan Lagunas – </a:t>
+            </a:r>
+            <a:r>
+              <a:rPr lang="ru-RU" baseline="0" dirty="0" smtClean="0"/>
+              <a:t>на </a:t>
+            </a:r>
+            <a:r>
+              <a:rPr lang="en-US" baseline="0" dirty="0" err="1" smtClean="0"/>
+              <a:t>ViewModel</a:t>
+            </a:r>
+            <a:r>
+              <a:rPr lang="en-US" baseline="0" dirty="0" smtClean="0"/>
+              <a:t> </a:t>
+            </a:r>
+            <a:r>
+              <a:rPr lang="en-US" baseline="0" dirty="0" err="1" smtClean="0"/>
+              <a:t>DependencyProperty</a:t>
+            </a:r>
+            <a:r>
+              <a:rPr lang="en-US" baseline="0" dirty="0" smtClean="0"/>
+              <a:t> - </a:t>
+            </a:r>
+            <a:r>
+              <a:rPr lang="ru-RU" baseline="0" dirty="0" smtClean="0"/>
+              <a:t>зло</a:t>
+            </a:r>
+            <a:endParaRPr lang="ru-RU" dirty="0"/>
+          </a:p>
+        </p:txBody>
+      </p:sp>
+      <p:sp>
+        <p:nvSpPr>
+          <p:cNvPr id="4" name="Номер слайда 3"/>
+          <p:cNvSpPr>
+            <a:spLocks noGrp="1"/>
+          </p:cNvSpPr>
+          <p:nvPr>
+            <p:ph type="sldNum" sz="quarter" idx="10"/>
+          </p:nvPr>
+        </p:nvSpPr>
+        <p:spPr/>
+        <p:txBody>
+          <a:bodyPr/>
+          <a:lstStyle/>
+          <a:p>
+            <a:fld id="{01B998F4-8103-417C-AF3C-B5E3C74782CC}" type="slidenum">
+              <a:rPr lang="ru-RU" smtClean="0"/>
+              <a:t>7</a:t>
+            </a:fld>
+            <a:endParaRPr lang="ru-RU"/>
+          </a:p>
+        </p:txBody>
+      </p:sp>
+    </p:spTree>
+    <p:extLst>
+      <p:ext uri="{BB962C8B-B14F-4D97-AF65-F5344CB8AC3E}">
+        <p14:creationId xmlns:p14="http://schemas.microsoft.com/office/powerpoint/2010/main" val="2508786773"/>
+      </p:ext>
+    </p:extLst>
+  </p:cSld>
+  <p:clrMapOvr>
+    <a:masterClrMapping/>
+  </p:clrMapOvr>
+</p:notes>
+</file>
+
+<file path=ppt/notesSlides/notesSlide4.xml><?xml version="1.0" encoding="utf-8"?>
+<p:notes xmlns:a="http://schemas.openxmlformats.org/drawingml/2006/main" xmlns:r="http://schemas.openxmlformats.org/officeDocument/2006/relationships" xmlns:p="http://schemas.openxmlformats.org/presentationml/2006/main">
+  <p:cSld>
+    <p:spTree>
+      <p:nvGrpSpPr>
+        <p:cNvPr id="1" name=""/>
+        <p:cNvGrpSpPr/>
+        <p:nvPr/>
+      </p:nvGrpSpPr>
+      <p:grpSpPr>
+        <a:xfrm>
+          <a:off x="0" y="0"/>
+          <a:ext cx="0" cy="0"/>
+          <a:chOff x="0" y="0"/>
+          <a:chExt cx="0" cy="0"/>
+        </a:xfrm>
+      </p:grpSpPr>
+      <p:sp>
+        <p:nvSpPr>
+          <p:cNvPr id="2" name="Образ слайда 1"/>
+          <p:cNvSpPr>
+            <a:spLocks noGrp="1" noRot="1" noChangeAspect="1"/>
+          </p:cNvSpPr>
+          <p:nvPr>
+            <p:ph type="sldImg"/>
+          </p:nvPr>
+        </p:nvSpPr>
+        <p:spPr/>
+      </p:sp>
+      <p:sp>
+        <p:nvSpPr>
+          <p:cNvPr id="3" name="Заметки 2"/>
+          <p:cNvSpPr>
+            <a:spLocks noGrp="1"/>
+          </p:cNvSpPr>
+          <p:nvPr>
+            <p:ph type="body" idx="1"/>
+          </p:nvPr>
+        </p:nvSpPr>
+        <p:spPr/>
+        <p:txBody>
+          <a:bodyPr/>
+          <a:lstStyle/>
+          <a:p>
+            <a:pPr marL="0" marR="0" indent="0" algn="l" defTabSz="914400" rtl="0" eaLnBrk="1" fontAlgn="auto" latinLnBrk="0" hangingPunct="1">
+              <a:lnSpc>
+                <a:spcPct val="100000"/>
+              </a:lnSpc>
+              <a:spcBef>
+                <a:spcPts val="0"/>
+              </a:spcBef>
+              <a:spcAft>
+                <a:spcPts val="0"/>
+              </a:spcAft>
+              <a:buClrTx/>
+              <a:buSzTx/>
+              <a:buFontTx/>
+              <a:buNone/>
+              <a:tabLst/>
+              <a:defRPr/>
+            </a:pPr>
+            <a:r>
+              <a:rPr lang="ru-RU" dirty="0" smtClean="0"/>
+              <a:t>Про</a:t>
+            </a:r>
+            <a:r>
+              <a:rPr lang="ru-RU" baseline="0" dirty="0" smtClean="0"/>
+              <a:t> боль от отписки от событий говорил и Кирилл </a:t>
+            </a:r>
+            <a:r>
+              <a:rPr lang="ru-RU" baseline="0" dirty="0" err="1" smtClean="0"/>
+              <a:t>Маурин</a:t>
+            </a:r>
+            <a:r>
+              <a:rPr lang="ru-RU" baseline="0" dirty="0" smtClean="0"/>
+              <a:t> в своем докладе </a:t>
+            </a:r>
+            <a:r>
+              <a:rPr lang="ru-RU" sz="1200" b="0" i="0" kern="1200" dirty="0" smtClean="0">
+                <a:solidFill>
+                  <a:schemeClr val="tx1"/>
+                </a:solidFill>
+                <a:effectLst/>
+                <a:latin typeface="+mn-lt"/>
+                <a:ea typeface="+mn-ea"/>
+                <a:cs typeface="+mn-cs"/>
+              </a:rPr>
+              <a:t>«Масштабирование паттерна </a:t>
+            </a:r>
+            <a:r>
+              <a:rPr lang="ru-RU" sz="1200" b="0" i="0" kern="1200" dirty="0" err="1" smtClean="0">
+                <a:solidFill>
+                  <a:schemeClr val="tx1"/>
+                </a:solidFill>
+                <a:effectLst/>
+                <a:latin typeface="+mn-lt"/>
+                <a:ea typeface="+mn-ea"/>
+                <a:cs typeface="+mn-cs"/>
+              </a:rPr>
+              <a:t>Disposable</a:t>
+            </a:r>
+            <a:r>
+              <a:rPr lang="ru-RU" sz="1200" b="0" i="0" kern="1200" dirty="0" smtClean="0">
+                <a:solidFill>
+                  <a:schemeClr val="tx1"/>
+                </a:solidFill>
+                <a:effectLst/>
+                <a:latin typeface="+mn-lt"/>
+                <a:ea typeface="+mn-ea"/>
+                <a:cs typeface="+mn-cs"/>
+              </a:rPr>
+              <a:t> в рамках проекта» </a:t>
+            </a:r>
+            <a:endParaRPr lang="en-US" sz="1200" b="0" i="0" kern="1200" dirty="0" smtClean="0">
+              <a:solidFill>
+                <a:schemeClr val="tx1"/>
+              </a:solidFill>
+              <a:effectLst/>
+              <a:latin typeface="+mn-lt"/>
+              <a:ea typeface="+mn-ea"/>
+              <a:cs typeface="+mn-cs"/>
+            </a:endParaRPr>
+          </a:p>
+          <a:p>
+            <a:pPr marL="0" marR="0" indent="0" algn="l" defTabSz="914400" rtl="0" eaLnBrk="1" fontAlgn="auto" latinLnBrk="0" hangingPunct="1">
+              <a:lnSpc>
+                <a:spcPct val="100000"/>
+              </a:lnSpc>
+              <a:spcBef>
+                <a:spcPts val="0"/>
+              </a:spcBef>
+              <a:spcAft>
+                <a:spcPts val="0"/>
+              </a:spcAft>
+              <a:buClrTx/>
+              <a:buSzTx/>
+              <a:buFontTx/>
+              <a:buNone/>
+              <a:tabLst/>
+              <a:defRPr/>
+            </a:pPr>
+            <a:r>
+              <a:rPr lang="en-US" dirty="0" err="1" smtClean="0"/>
+              <a:t>ICommand</a:t>
+            </a:r>
+            <a:r>
+              <a:rPr lang="en-US" dirty="0" smtClean="0"/>
+              <a:t> without </a:t>
+            </a:r>
+            <a:r>
+              <a:rPr lang="en-US" dirty="0" err="1" smtClean="0"/>
+              <a:t>WeakReference</a:t>
+            </a:r>
+            <a:r>
+              <a:rPr lang="en-US" dirty="0" smtClean="0"/>
+              <a:t> – </a:t>
+            </a:r>
+            <a:r>
+              <a:rPr lang="ru-RU" dirty="0" smtClean="0"/>
+              <a:t>будет</a:t>
+            </a:r>
+            <a:r>
+              <a:rPr lang="ru-RU" baseline="0" dirty="0" smtClean="0"/>
+              <a:t> очень плохо</a:t>
+            </a:r>
+            <a:endParaRPr lang="en-US" baseline="0" dirty="0" smtClean="0"/>
+          </a:p>
+          <a:p>
+            <a:pPr marL="0" marR="0" indent="0" algn="l" defTabSz="914400" rtl="0" eaLnBrk="1" fontAlgn="auto" latinLnBrk="0" hangingPunct="1">
+              <a:lnSpc>
+                <a:spcPct val="100000"/>
+              </a:lnSpc>
+              <a:spcBef>
+                <a:spcPts val="0"/>
+              </a:spcBef>
+              <a:spcAft>
+                <a:spcPts val="0"/>
+              </a:spcAft>
+              <a:buClrTx/>
+              <a:buSzTx/>
+              <a:buFontTx/>
+              <a:buNone/>
+              <a:tabLst/>
+              <a:defRPr/>
+            </a:pPr>
+            <a:r>
+              <a:rPr lang="en-US" dirty="0" smtClean="0"/>
+              <a:t>http://csharpindepth.com/articles/chapter2/events.aspx - </a:t>
+            </a:r>
+            <a:r>
+              <a:rPr lang="ru-RU" dirty="0" smtClean="0"/>
+              <a:t>проверить,</a:t>
+            </a:r>
+            <a:r>
+              <a:rPr lang="ru-RU" baseline="0" dirty="0" smtClean="0"/>
+              <a:t> что говорит </a:t>
+            </a:r>
+            <a:r>
+              <a:rPr lang="en-US" baseline="0" dirty="0" smtClean="0"/>
+              <a:t>Jon Skeet</a:t>
+            </a:r>
+          </a:p>
+          <a:p>
+            <a:pPr marL="0" marR="0" indent="0" algn="l" defTabSz="914400" rtl="0" eaLnBrk="1" fontAlgn="auto" latinLnBrk="0" hangingPunct="1">
+              <a:lnSpc>
+                <a:spcPct val="100000"/>
+              </a:lnSpc>
+              <a:spcBef>
+                <a:spcPts val="0"/>
+              </a:spcBef>
+              <a:spcAft>
+                <a:spcPts val="0"/>
+              </a:spcAft>
+              <a:buClrTx/>
+              <a:buSzTx/>
+              <a:buFontTx/>
+              <a:buNone/>
+              <a:tabLst/>
+              <a:defRPr/>
+            </a:pPr>
+            <a:endParaRPr lang="en-US" baseline="0" dirty="0" smtClean="0"/>
+          </a:p>
+          <a:p>
+            <a:pPr marL="0" marR="0" indent="0" algn="l" defTabSz="914400" rtl="0" eaLnBrk="1" fontAlgn="auto" latinLnBrk="0" hangingPunct="1">
+              <a:lnSpc>
+                <a:spcPct val="100000"/>
+              </a:lnSpc>
+              <a:spcBef>
+                <a:spcPts val="0"/>
+              </a:spcBef>
+              <a:spcAft>
+                <a:spcPts val="0"/>
+              </a:spcAft>
+              <a:buClrTx/>
+              <a:buSzTx/>
+              <a:buFontTx/>
+              <a:buNone/>
+              <a:tabLst/>
+              <a:defRPr/>
+            </a:pPr>
+            <a:endParaRPr lang="en-US" dirty="0" smtClean="0"/>
+          </a:p>
+          <a:p>
+            <a:pPr marL="0" marR="0" indent="0" algn="l" defTabSz="914400" rtl="0" eaLnBrk="1" fontAlgn="auto" latinLnBrk="0" hangingPunct="1">
+              <a:lnSpc>
+                <a:spcPct val="100000"/>
+              </a:lnSpc>
+              <a:spcBef>
+                <a:spcPts val="0"/>
+              </a:spcBef>
+              <a:spcAft>
+                <a:spcPts val="0"/>
+              </a:spcAft>
+              <a:buClrTx/>
+              <a:buSzTx/>
+              <a:buFontTx/>
+              <a:buNone/>
+              <a:tabLst/>
+              <a:defRPr/>
+            </a:pPr>
+            <a:endParaRPr lang="ru-RU" sz="1200" b="0" i="0" kern="1200" dirty="0" smtClean="0">
+              <a:solidFill>
+                <a:schemeClr val="tx1"/>
+              </a:solidFill>
+              <a:effectLst/>
+              <a:latin typeface="+mn-lt"/>
+              <a:ea typeface="+mn-ea"/>
+              <a:cs typeface="+mn-cs"/>
+            </a:endParaRPr>
+          </a:p>
+          <a:p>
+            <a:endParaRPr lang="ru-RU" dirty="0"/>
+          </a:p>
+        </p:txBody>
+      </p:sp>
+      <p:sp>
+        <p:nvSpPr>
+          <p:cNvPr id="4" name="Номер слайда 3"/>
+          <p:cNvSpPr>
+            <a:spLocks noGrp="1"/>
+          </p:cNvSpPr>
+          <p:nvPr>
+            <p:ph type="sldNum" sz="quarter" idx="10"/>
+          </p:nvPr>
+        </p:nvSpPr>
+        <p:spPr/>
+        <p:txBody>
+          <a:bodyPr/>
+          <a:lstStyle/>
+          <a:p>
+            <a:fld id="{01B998F4-8103-417C-AF3C-B5E3C74782CC}" type="slidenum">
+              <a:rPr lang="ru-RU" smtClean="0"/>
+              <a:t>10</a:t>
+            </a:fld>
+            <a:endParaRPr lang="ru-RU"/>
+          </a:p>
+        </p:txBody>
+      </p:sp>
+    </p:spTree>
+    <p:extLst>
+      <p:ext uri="{BB962C8B-B14F-4D97-AF65-F5344CB8AC3E}">
+        <p14:creationId xmlns:p14="http://schemas.microsoft.com/office/powerpoint/2010/main" val="1809880400"/>
+      </p:ext>
+    </p:extLst>
+  </p:cSld>
+  <p:clrMapOvr>
+    <a:masterClrMapping/>
+  </p:clrMapOvr>
+</p:notes>
+</file>
+
+<file path=ppt/notesSlides/notesSlide5.xml><?xml version="1.0" encoding="utf-8"?>
+<p:notes xmlns:a="http://schemas.openxmlformats.org/drawingml/2006/main" xmlns:r="http://schemas.openxmlformats.org/officeDocument/2006/relationships" xmlns:p="http://schemas.openxmlformats.org/presentationml/2006/main">
+  <p:cSld>
+    <p:spTree>
+      <p:nvGrpSpPr>
+        <p:cNvPr id="1" name=""/>
+        <p:cNvGrpSpPr/>
+        <p:nvPr/>
+      </p:nvGrpSpPr>
+      <p:grpSpPr>
+        <a:xfrm>
+          <a:off x="0" y="0"/>
+          <a:ext cx="0" cy="0"/>
+          <a:chOff x="0" y="0"/>
+          <a:chExt cx="0" cy="0"/>
+        </a:xfrm>
+      </p:grpSpPr>
+      <p:sp>
+        <p:nvSpPr>
+          <p:cNvPr id="2" name="Образ слайда 1"/>
+          <p:cNvSpPr>
+            <a:spLocks noGrp="1" noRot="1" noChangeAspect="1"/>
+          </p:cNvSpPr>
+          <p:nvPr>
+            <p:ph type="sldImg"/>
+          </p:nvPr>
+        </p:nvSpPr>
+        <p:spPr/>
+      </p:sp>
+      <p:sp>
+        <p:nvSpPr>
+          <p:cNvPr id="3" name="Заметки 2"/>
+          <p:cNvSpPr>
+            <a:spLocks noGrp="1"/>
+          </p:cNvSpPr>
+          <p:nvPr>
+            <p:ph type="body" idx="1"/>
+          </p:nvPr>
+        </p:nvSpPr>
+        <p:spPr/>
+        <p:txBody>
+          <a:bodyPr/>
+          <a:lstStyle/>
+          <a:p>
             <a:r>
               <a:rPr lang="en-US" dirty="0" smtClean="0"/>
               <a:t>https://laurentkempe.com/2009/04/17/Memory-leak-with-WPF-resources/</a:t>
@@ -842,7 +1311,7 @@
           <a:p>
             <a:fld id="{01B998F4-8103-417C-AF3C-B5E3C74782CC}" type="slidenum">
               <a:rPr lang="ru-RU" smtClean="0"/>
-              <a:t>14</a:t>
+              <a:t>16</a:t>
             </a:fld>
             <a:endParaRPr lang="ru-RU"/>
           </a:p>
@@ -992,7 +1461,7 @@
           <a:p>
             <a:fld id="{B135BF1F-B804-4CD0-938B-7D4FA6201AD4}" type="datetimeFigureOut">
               <a:rPr lang="ru-RU" smtClean="0"/>
-              <a:t>04.12.2018</a:t>
+              <a:t>06.12.2018</a:t>
             </a:fld>
             <a:endParaRPr lang="ru-RU"/>
           </a:p>
@@ -1162,7 +1631,7 @@
           <a:p>
             <a:fld id="{B135BF1F-B804-4CD0-938B-7D4FA6201AD4}" type="datetimeFigureOut">
               <a:rPr lang="ru-RU" smtClean="0"/>
-              <a:t>04.12.2018</a:t>
+              <a:t>06.12.2018</a:t>
             </a:fld>
             <a:endParaRPr lang="ru-RU"/>
           </a:p>
@@ -1342,7 +1811,7 @@
           <a:p>
             <a:fld id="{B135BF1F-B804-4CD0-938B-7D4FA6201AD4}" type="datetimeFigureOut">
               <a:rPr lang="ru-RU" smtClean="0"/>
-              <a:t>04.12.2018</a:t>
+              <a:t>06.12.2018</a:t>
             </a:fld>
             <a:endParaRPr lang="ru-RU"/>
           </a:p>
@@ -1512,7 +1981,7 @@
           <a:p>
             <a:fld id="{B135BF1F-B804-4CD0-938B-7D4FA6201AD4}" type="datetimeFigureOut">
               <a:rPr lang="ru-RU" smtClean="0"/>
-              <a:t>04.12.2018</a:t>
+              <a:t>06.12.2018</a:t>
             </a:fld>
             <a:endParaRPr lang="ru-RU"/>
           </a:p>
@@ -1758,7 +2227,7 @@
           <a:p>
             <a:fld id="{B135BF1F-B804-4CD0-938B-7D4FA6201AD4}" type="datetimeFigureOut">
               <a:rPr lang="ru-RU" smtClean="0"/>
-              <a:t>04.12.2018</a:t>
+              <a:t>06.12.2018</a:t>
             </a:fld>
             <a:endParaRPr lang="ru-RU"/>
           </a:p>
@@ -1990,7 +2459,7 @@
           <a:p>
             <a:fld id="{B135BF1F-B804-4CD0-938B-7D4FA6201AD4}" type="datetimeFigureOut">
               <a:rPr lang="ru-RU" smtClean="0"/>
-              <a:t>04.12.2018</a:t>
+              <a:t>06.12.2018</a:t>
             </a:fld>
             <a:endParaRPr lang="ru-RU"/>
           </a:p>
@@ -2357,7 +2826,7 @@
           <a:p>
             <a:fld id="{B135BF1F-B804-4CD0-938B-7D4FA6201AD4}" type="datetimeFigureOut">
               <a:rPr lang="ru-RU" smtClean="0"/>
-              <a:t>04.12.2018</a:t>
+              <a:t>06.12.2018</a:t>
             </a:fld>
             <a:endParaRPr lang="ru-RU"/>
           </a:p>
@@ -2475,7 +2944,7 @@
           <a:p>
             <a:fld id="{B135BF1F-B804-4CD0-938B-7D4FA6201AD4}" type="datetimeFigureOut">
               <a:rPr lang="ru-RU" smtClean="0"/>
-              <a:t>04.12.2018</a:t>
+              <a:t>06.12.2018</a:t>
             </a:fld>
             <a:endParaRPr lang="ru-RU"/>
           </a:p>
@@ -2570,7 +3039,7 @@
           <a:p>
             <a:fld id="{B135BF1F-B804-4CD0-938B-7D4FA6201AD4}" type="datetimeFigureOut">
               <a:rPr lang="ru-RU" smtClean="0"/>
-              <a:t>04.12.2018</a:t>
+              <a:t>06.12.2018</a:t>
             </a:fld>
             <a:endParaRPr lang="ru-RU"/>
           </a:p>
@@ -2847,7 +3316,7 @@
           <a:p>
             <a:fld id="{B135BF1F-B804-4CD0-938B-7D4FA6201AD4}" type="datetimeFigureOut">
               <a:rPr lang="ru-RU" smtClean="0"/>
-              <a:t>04.12.2018</a:t>
+              <a:t>06.12.2018</a:t>
             </a:fld>
             <a:endParaRPr lang="ru-RU"/>
           </a:p>
@@ -3100,7 +3569,7 @@
           <a:p>
             <a:fld id="{B135BF1F-B804-4CD0-938B-7D4FA6201AD4}" type="datetimeFigureOut">
               <a:rPr lang="ru-RU" smtClean="0"/>
-              <a:t>04.12.2018</a:t>
+              <a:t>06.12.2018</a:t>
             </a:fld>
             <a:endParaRPr lang="ru-RU"/>
           </a:p>
@@ -3313,7 +3782,7 @@
           <a:p>
             <a:fld id="{B135BF1F-B804-4CD0-938B-7D4FA6201AD4}" type="datetimeFigureOut">
               <a:rPr lang="ru-RU" smtClean="0"/>
-              <a:t>04.12.2018</a:t>
+              <a:t>06.12.2018</a:t>
             </a:fld>
             <a:endParaRPr lang="ru-RU"/>
           </a:p>
@@ -3741,25 +4210,25 @@
           <a:lstStyle/>
           <a:p>
             <a:r>
-              <a:rPr lang="ru-RU" dirty="0" smtClean="0"/>
+              <a:rPr lang="ru-RU" b="1" dirty="0" smtClean="0"/>
               <a:t>Утечки памяти </a:t>
             </a:r>
             <a:br>
-              <a:rPr lang="ru-RU" dirty="0" smtClean="0"/>
+              <a:rPr lang="ru-RU" b="1" dirty="0" smtClean="0"/>
             </a:br>
             <a:r>
-              <a:rPr lang="ru-RU" dirty="0" smtClean="0"/>
+              <a:rPr lang="ru-RU" b="1" dirty="0" smtClean="0"/>
               <a:t>в </a:t>
             </a:r>
             <a:r>
-              <a:rPr lang="en-US" dirty="0" smtClean="0"/>
+              <a:rPr lang="en-US" b="1" dirty="0" smtClean="0"/>
               <a:t>WPF </a:t>
             </a:r>
             <a:r>
-              <a:rPr lang="ru-RU" dirty="0" smtClean="0"/>
+              <a:rPr lang="ru-RU" b="1" dirty="0" smtClean="0"/>
               <a:t>приложениях</a:t>
             </a:r>
-            <a:endParaRPr lang="ru-RU" dirty="0"/>
+            <a:endParaRPr lang="ru-RU" b="1" dirty="0"/>
           </a:p>
         </p:txBody>
       </p:sp>
@@ -3816,6 +4285,13 @@
   <p:clrMapOvr>
     <a:masterClrMapping/>
   </p:clrMapOvr>
+  <p:timing>
+    <p:tnLst>
+      <p:par>
+        <p:cTn id="1" dur="indefinite" restart="never" nodeType="tmRoot"/>
+      </p:par>
+    </p:tnLst>
+  </p:timing>
 </p:sld>
 </file>
 
@@ -3852,27 +4328,66 @@
           <a:lstStyle/>
           <a:p>
             <a:r>
+              <a:rPr lang="en-US" b="1" dirty="0" smtClean="0"/>
+              <a:t>Event Handler leak</a:t>
+            </a:r>
+            <a:endParaRPr lang="ru-RU" b="1" dirty="0"/>
+          </a:p>
+        </p:txBody>
+      </p:sp>
+      <p:sp>
+        <p:nvSpPr>
+          <p:cNvPr id="3" name="Объект 2"/>
+          <p:cNvSpPr>
+            <a:spLocks noGrp="1"/>
+          </p:cNvSpPr>
+          <p:nvPr>
+            <p:ph idx="1"/>
+          </p:nvPr>
+        </p:nvSpPr>
+        <p:spPr/>
+        <p:txBody>
+          <a:bodyPr/>
+          <a:lstStyle/>
+          <a:p>
+            <a:pPr>
+              <a:lnSpc>
+                <a:spcPct val="150000"/>
+              </a:lnSpc>
+            </a:pPr>
+            <a:r>
+              <a:rPr lang="ru-RU" dirty="0" smtClean="0"/>
+              <a:t>Проблема не только в </a:t>
+            </a:r>
+            <a:r>
               <a:rPr lang="en-US" dirty="0" smtClean="0"/>
-              <a:t>Static events</a:t>
+              <a:t>WPF</a:t>
+            </a:r>
+          </a:p>
+          <a:p>
+            <a:pPr>
+              <a:lnSpc>
+                <a:spcPct val="150000"/>
+              </a:lnSpc>
+            </a:pPr>
+            <a:r>
+              <a:rPr lang="ru-RU" dirty="0" smtClean="0"/>
+              <a:t>Ссылка на делегат удерживает ссылку на объект</a:t>
             </a:r>
             <a:endParaRPr lang="ru-RU" dirty="0"/>
           </a:p>
-        </p:txBody>
-      </p:sp>
-      <p:sp>
-        <p:nvSpPr>
-          <p:cNvPr id="3" name="Объект 2"/>
-          <p:cNvSpPr>
-            <a:spLocks noGrp="1"/>
-          </p:cNvSpPr>
-          <p:nvPr>
-            <p:ph idx="1"/>
-          </p:nvPr>
-        </p:nvSpPr>
-        <p:spPr/>
-        <p:txBody>
-          <a:bodyPr/>
-          <a:lstStyle/>
+          <a:p>
+            <a:pPr>
+              <a:lnSpc>
+                <a:spcPct val="150000"/>
+              </a:lnSpc>
+            </a:pPr>
+            <a:r>
+              <a:rPr lang="ru-RU" dirty="0" smtClean="0"/>
+              <a:t>От лямбды нельзя отписаться</a:t>
+            </a:r>
+            <a:endParaRPr lang="en-US" dirty="0"/>
+          </a:p>
           <a:p>
             <a:endParaRPr lang="ru-RU" dirty="0"/>
           </a:p>
@@ -3881,7 +4396,7 @@
     </p:spTree>
     <p:extLst>
       <p:ext uri="{BB962C8B-B14F-4D97-AF65-F5344CB8AC3E}">
-        <p14:creationId xmlns:p14="http://schemas.microsoft.com/office/powerpoint/2010/main" val="722939208"/>
+        <p14:creationId xmlns:p14="http://schemas.microsoft.com/office/powerpoint/2010/main" val="2538111150"/>
       </p:ext>
     </p:extLst>
   </p:cSld>
@@ -3924,36 +4439,117 @@
           <a:lstStyle/>
           <a:p>
             <a:r>
-              <a:rPr lang="en-US" dirty="0" err="1" smtClean="0"/>
-              <a:t>CommandBinding</a:t>
+              <a:rPr lang="en-US" b="1" dirty="0"/>
+              <a:t>Event Handler </a:t>
+            </a:r>
+            <a:r>
+              <a:rPr lang="en-US" b="1" dirty="0" smtClean="0"/>
+              <a:t>leak</a:t>
+            </a:r>
+            <a:r>
+              <a:rPr lang="ru-RU" b="1" dirty="0" smtClean="0"/>
+              <a:t> - лечение</a:t>
+            </a:r>
+            <a:endParaRPr lang="ru-RU" b="1" dirty="0"/>
+          </a:p>
+        </p:txBody>
+      </p:sp>
+      <p:sp>
+        <p:nvSpPr>
+          <p:cNvPr id="3" name="Объект 2"/>
+          <p:cNvSpPr>
+            <a:spLocks noGrp="1"/>
+          </p:cNvSpPr>
+          <p:nvPr>
+            <p:ph idx="1"/>
+          </p:nvPr>
+        </p:nvSpPr>
+        <p:spPr/>
+        <p:txBody>
+          <a:bodyPr/>
+          <a:lstStyle/>
+          <a:p>
+            <a:r>
+              <a:rPr lang="ru-RU" dirty="0" smtClean="0"/>
+              <a:t>Первое правило борьбы с </a:t>
+            </a:r>
+            <a:r>
+              <a:rPr lang="en-US" dirty="0" smtClean="0"/>
+              <a:t>event handler leak - </a:t>
+            </a:r>
+            <a:r>
+              <a:rPr lang="ru-RU" dirty="0" smtClean="0"/>
+              <a:t>явная отписка от события</a:t>
+            </a:r>
+          </a:p>
+          <a:p>
+            <a:endParaRPr lang="ru-RU" dirty="0" smtClean="0"/>
+          </a:p>
+          <a:p>
+            <a:r>
+              <a:rPr lang="ru-RU" dirty="0" smtClean="0"/>
+              <a:t>Второе правило </a:t>
+            </a:r>
+            <a:r>
+              <a:rPr lang="ru-RU" dirty="0"/>
+              <a:t>борьбы с </a:t>
+            </a:r>
+            <a:r>
+              <a:rPr lang="en-US" dirty="0"/>
+              <a:t>event handler leak - </a:t>
+            </a:r>
+            <a:r>
+              <a:rPr lang="ru-RU" dirty="0"/>
+              <a:t>явная отписка от </a:t>
+            </a:r>
+            <a:r>
+              <a:rPr lang="ru-RU" dirty="0" smtClean="0"/>
+              <a:t>события всегда и везде</a:t>
             </a:r>
             <a:endParaRPr lang="ru-RU" dirty="0"/>
           </a:p>
-        </p:txBody>
-      </p:sp>
-      <p:sp>
-        <p:nvSpPr>
-          <p:cNvPr id="3" name="Объект 2"/>
-          <p:cNvSpPr>
-            <a:spLocks noGrp="1"/>
-          </p:cNvSpPr>
-          <p:nvPr>
-            <p:ph idx="1"/>
-          </p:nvPr>
-        </p:nvSpPr>
-        <p:spPr/>
-        <p:txBody>
-          <a:bodyPr/>
-          <a:lstStyle/>
-          <a:p>
-            <a:endParaRPr lang="ru-RU"/>
+          <a:p>
+            <a:endParaRPr lang="ru-RU" dirty="0" smtClean="0"/>
+          </a:p>
+          <a:p>
+            <a:r>
+              <a:rPr lang="ru-RU" dirty="0" smtClean="0"/>
+              <a:t>Не забывайте про </a:t>
+            </a:r>
+            <a:r>
+              <a:rPr lang="en-US" dirty="0" smtClean="0"/>
+              <a:t>Behavior</a:t>
+            </a:r>
+            <a:r>
+              <a:rPr lang="en-US" dirty="0"/>
+              <a:t>, Trigger </a:t>
+            </a:r>
+            <a:r>
+              <a:rPr lang="ru-RU" dirty="0"/>
+              <a:t>и </a:t>
+            </a:r>
+            <a:r>
+              <a:rPr lang="ru-RU" dirty="0" smtClean="0"/>
+              <a:t>прочие дополнения</a:t>
+            </a:r>
+            <a:endParaRPr lang="ru-RU" dirty="0"/>
+          </a:p>
+          <a:p>
+            <a:endParaRPr lang="ru-RU" dirty="0" smtClean="0"/>
+          </a:p>
+          <a:p>
+            <a:r>
+              <a:rPr lang="en-US" dirty="0" smtClean="0"/>
+              <a:t>Weak handler</a:t>
+            </a:r>
+            <a:endParaRPr lang="ru-RU" dirty="0"/>
           </a:p>
         </p:txBody>
       </p:sp>
     </p:spTree>
     <p:extLst>
       <p:ext uri="{BB962C8B-B14F-4D97-AF65-F5344CB8AC3E}">
-        <p14:creationId xmlns:p14="http://schemas.microsoft.com/office/powerpoint/2010/main" val="2270607290"/>
+        <p14:creationId xmlns:p14="http://schemas.microsoft.com/office/powerpoint/2010/main" val="563520572"/>
       </p:ext>
     </p:extLst>
   </p:cSld>
@@ -3996,36 +4592,96 @@
           <a:lstStyle/>
           <a:p>
             <a:r>
+              <a:rPr lang="en-US" b="1" dirty="0" err="1" smtClean="0"/>
+              <a:t>DispatcherTimer</a:t>
+            </a:r>
+            <a:endParaRPr lang="ru-RU" b="1" dirty="0"/>
+          </a:p>
+        </p:txBody>
+      </p:sp>
+      <p:sp>
+        <p:nvSpPr>
+          <p:cNvPr id="3" name="Объект 2"/>
+          <p:cNvSpPr>
+            <a:spLocks noGrp="1"/>
+          </p:cNvSpPr>
+          <p:nvPr>
+            <p:ph idx="1"/>
+          </p:nvPr>
+        </p:nvSpPr>
+        <p:spPr/>
+        <p:txBody>
+          <a:bodyPr/>
+          <a:lstStyle/>
+          <a:p>
+            <a:pPr>
+              <a:lnSpc>
+                <a:spcPct val="150000"/>
+              </a:lnSpc>
+            </a:pPr>
+            <a:r>
               <a:rPr lang="en-US" dirty="0" smtClean="0"/>
-              <a:t>Event handlers to objects in parent windows</a:t>
+              <a:t>Dispatcher </a:t>
+            </a:r>
+            <a:r>
+              <a:rPr lang="ru-RU" dirty="0" smtClean="0"/>
+              <a:t>ссылается на коллекцию </a:t>
+            </a:r>
+            <a:r>
+              <a:rPr lang="en-US" dirty="0" err="1" smtClean="0"/>
+              <a:t>DispatcherTimers</a:t>
+            </a:r>
+            <a:endParaRPr lang="ru-RU" dirty="0" smtClean="0"/>
+          </a:p>
+          <a:p>
+            <a:pPr>
+              <a:lnSpc>
+                <a:spcPct val="150000"/>
+              </a:lnSpc>
+            </a:pPr>
+            <a:r>
+              <a:rPr lang="ru-RU" dirty="0" smtClean="0"/>
+              <a:t>Частный случай </a:t>
+            </a:r>
+            <a:r>
+              <a:rPr lang="en-US" dirty="0" smtClean="0"/>
+              <a:t>Event Handler Leak</a:t>
+            </a:r>
+          </a:p>
+          <a:p>
+            <a:pPr>
+              <a:lnSpc>
+                <a:spcPct val="150000"/>
+              </a:lnSpc>
+            </a:pPr>
+            <a:r>
+              <a:rPr lang="ru-RU" dirty="0" smtClean="0"/>
+              <a:t>Лечение – удалять ссылку на </a:t>
+            </a:r>
+            <a:r>
+              <a:rPr lang="en-US" dirty="0" err="1" smtClean="0"/>
+              <a:t>DispatcherTimer</a:t>
+            </a:r>
+            <a:r>
+              <a:rPr lang="en-US" dirty="0" smtClean="0"/>
+              <a:t> </a:t>
+            </a:r>
+            <a:r>
+              <a:rPr lang="ru-RU" dirty="0" smtClean="0"/>
+              <a:t>в </a:t>
+            </a:r>
+            <a:r>
+              <a:rPr lang="en-US" dirty="0" smtClean="0"/>
+              <a:t>code behind ?</a:t>
             </a:r>
             <a:endParaRPr lang="ru-RU" dirty="0"/>
-          </a:p>
-        </p:txBody>
-      </p:sp>
-      <p:sp>
-        <p:nvSpPr>
-          <p:cNvPr id="3" name="Объект 2"/>
-          <p:cNvSpPr>
-            <a:spLocks noGrp="1"/>
-          </p:cNvSpPr>
-          <p:nvPr>
-            <p:ph idx="1"/>
-          </p:nvPr>
-        </p:nvSpPr>
-        <p:spPr/>
-        <p:txBody>
-          <a:bodyPr/>
-          <a:lstStyle/>
-          <a:p>
-            <a:endParaRPr lang="ru-RU"/>
           </a:p>
         </p:txBody>
       </p:sp>
     </p:spTree>
     <p:extLst>
       <p:ext uri="{BB962C8B-B14F-4D97-AF65-F5344CB8AC3E}">
-        <p14:creationId xmlns:p14="http://schemas.microsoft.com/office/powerpoint/2010/main" val="1847520887"/>
+        <p14:creationId xmlns:p14="http://schemas.microsoft.com/office/powerpoint/2010/main" val="791737739"/>
       </p:ext>
     </p:extLst>
   </p:cSld>
@@ -4068,10 +4724,183 @@
           <a:lstStyle/>
           <a:p>
             <a:r>
+              <a:rPr lang="en-US" b="1" dirty="0" smtClean="0"/>
+              <a:t>Static events</a:t>
+            </a:r>
+            <a:endParaRPr lang="ru-RU" b="1" dirty="0"/>
+          </a:p>
+        </p:txBody>
+      </p:sp>
+      <p:sp>
+        <p:nvSpPr>
+          <p:cNvPr id="3" name="Объект 2"/>
+          <p:cNvSpPr>
+            <a:spLocks noGrp="1"/>
+          </p:cNvSpPr>
+          <p:nvPr>
+            <p:ph idx="1"/>
+          </p:nvPr>
+        </p:nvSpPr>
+        <p:spPr/>
+        <p:txBody>
+          <a:bodyPr/>
+          <a:lstStyle/>
+          <a:p>
+            <a:r>
               <a:rPr lang="en-US" dirty="0" smtClean="0"/>
+              <a:t>Static – </a:t>
+            </a:r>
+            <a:r>
+              <a:rPr lang="ru-RU" dirty="0" smtClean="0"/>
+              <a:t>очень большое зло</a:t>
+            </a:r>
+          </a:p>
+          <a:p>
+            <a:endParaRPr lang="ru-RU" dirty="0"/>
+          </a:p>
+          <a:p>
+            <a:r>
+              <a:rPr lang="ru-RU" dirty="0" smtClean="0"/>
+              <a:t>Лечение – явная отписка от события</a:t>
+            </a:r>
+            <a:endParaRPr lang="ru-RU" dirty="0"/>
+          </a:p>
+        </p:txBody>
+      </p:sp>
+    </p:spTree>
+    <p:extLst>
+      <p:ext uri="{BB962C8B-B14F-4D97-AF65-F5344CB8AC3E}">
+        <p14:creationId xmlns:p14="http://schemas.microsoft.com/office/powerpoint/2010/main" val="722939208"/>
+      </p:ext>
+    </p:extLst>
+  </p:cSld>
+  <p:clrMapOvr>
+    <a:masterClrMapping/>
+  </p:clrMapOvr>
+</p:sld>
+</file>
+
+<file path=ppt/slides/slide14.xml><?xml version="1.0" encoding="utf-8"?>
+<p:sld xmlns:a="http://schemas.openxmlformats.org/drawingml/2006/main" xmlns:r="http://schemas.openxmlformats.org/officeDocument/2006/relationships" xmlns:p="http://schemas.openxmlformats.org/presentationml/2006/main">
+  <p:cSld>
+    <p:spTree>
+      <p:nvGrpSpPr>
+        <p:cNvPr id="1" name=""/>
+        <p:cNvGrpSpPr/>
+        <p:nvPr/>
+      </p:nvGrpSpPr>
+      <p:grpSpPr>
+        <a:xfrm>
+          <a:off x="0" y="0"/>
+          <a:ext cx="0" cy="0"/>
+          <a:chOff x="0" y="0"/>
+          <a:chExt cx="0" cy="0"/>
+        </a:xfrm>
+      </p:grpSpPr>
+      <p:sp>
+        <p:nvSpPr>
+          <p:cNvPr id="2" name="Заголовок 1"/>
+          <p:cNvSpPr>
+            <a:spLocks noGrp="1"/>
+          </p:cNvSpPr>
+          <p:nvPr>
+            <p:ph type="title"/>
+          </p:nvPr>
+        </p:nvSpPr>
+        <p:spPr/>
+        <p:txBody>
+          <a:bodyPr/>
+          <a:lstStyle/>
+          <a:p>
+            <a:r>
+              <a:rPr lang="en-US" b="1" dirty="0" smtClean="0"/>
+              <a:t>Event handlers to objects in parent windows</a:t>
+            </a:r>
+            <a:endParaRPr lang="ru-RU" b="1" dirty="0"/>
+          </a:p>
+        </p:txBody>
+      </p:sp>
+      <p:sp>
+        <p:nvSpPr>
+          <p:cNvPr id="3" name="Объект 2"/>
+          <p:cNvSpPr>
+            <a:spLocks noGrp="1"/>
+          </p:cNvSpPr>
+          <p:nvPr>
+            <p:ph idx="1"/>
+          </p:nvPr>
+        </p:nvSpPr>
+        <p:spPr/>
+        <p:txBody>
+          <a:bodyPr/>
+          <a:lstStyle/>
+          <a:p>
+            <a:r>
+              <a:rPr lang="en-US" dirty="0" err="1" smtClean="0"/>
+              <a:t>CommandBinding</a:t>
+            </a:r>
+            <a:r>
+              <a:rPr lang="en-US" dirty="0" smtClean="0"/>
+              <a:t> – </a:t>
+            </a:r>
+            <a:r>
+              <a:rPr lang="ru-RU" dirty="0" smtClean="0"/>
+              <a:t>один из примеров</a:t>
+            </a:r>
+            <a:endParaRPr lang="ru-RU" dirty="0"/>
+          </a:p>
+        </p:txBody>
+      </p:sp>
+    </p:spTree>
+    <p:extLst>
+      <p:ext uri="{BB962C8B-B14F-4D97-AF65-F5344CB8AC3E}">
+        <p14:creationId xmlns:p14="http://schemas.microsoft.com/office/powerpoint/2010/main" val="1847520887"/>
+      </p:ext>
+    </p:extLst>
+  </p:cSld>
+  <p:clrMapOvr>
+    <a:masterClrMapping/>
+  </p:clrMapOvr>
+</p:sld>
+</file>
+
+<file path=ppt/slides/slide15.xml><?xml version="1.0" encoding="utf-8"?>
+<p:sld xmlns:a="http://schemas.openxmlformats.org/drawingml/2006/main" xmlns:r="http://schemas.openxmlformats.org/officeDocument/2006/relationships" xmlns:p="http://schemas.openxmlformats.org/presentationml/2006/main">
+  <p:cSld>
+    <p:spTree>
+      <p:nvGrpSpPr>
+        <p:cNvPr id="1" name=""/>
+        <p:cNvGrpSpPr/>
+        <p:nvPr/>
+      </p:nvGrpSpPr>
+      <p:grpSpPr>
+        <a:xfrm>
+          <a:off x="0" y="0"/>
+          <a:ext cx="0" cy="0"/>
+          <a:chOff x="0" y="0"/>
+          <a:chExt cx="0" cy="0"/>
+        </a:xfrm>
+      </p:grpSpPr>
+      <p:sp>
+        <p:nvSpPr>
+          <p:cNvPr id="2" name="Заголовок 1"/>
+          <p:cNvSpPr>
+            <a:spLocks noGrp="1"/>
+          </p:cNvSpPr>
+          <p:nvPr>
+            <p:ph type="title"/>
+          </p:nvPr>
+        </p:nvSpPr>
+        <p:spPr/>
+        <p:txBody>
+          <a:bodyPr/>
+          <a:lstStyle/>
+          <a:p>
+            <a:r>
+              <a:rPr lang="en-US" b="1" dirty="0" smtClean="0"/>
               <a:t>Textbox undo</a:t>
             </a:r>
-            <a:endParaRPr lang="ru-RU" dirty="0"/>
+            <a:endParaRPr lang="ru-RU" b="1" dirty="0"/>
           </a:p>
         </p:txBody>
       </p:sp>
@@ -4087,7 +4916,9 @@
         </p:nvSpPr>
         <p:spPr/>
         <p:txBody>
-          <a:bodyPr/>
+          <a:bodyPr>
+            <a:normAutofit/>
+          </a:bodyPr>
           <a:lstStyle/>
           <a:p>
             <a:pPr>
@@ -4096,17 +4927,14 @@
               </a:lnSpc>
             </a:pPr>
             <a:r>
-              <a:rPr lang="en-US" dirty="0" err="1" smtClean="0"/>
-              <a:t>UndoManager</a:t>
-            </a:r>
-            <a:r>
-              <a:rPr lang="ru-RU" dirty="0"/>
-              <a:t> </a:t>
+              <a:rPr lang="en-US" dirty="0" smtClean="0"/>
+              <a:t>Undo </a:t>
             </a:r>
             <a:r>
               <a:rPr lang="ru-RU" dirty="0" smtClean="0"/>
-              <a:t>– корень всех зол</a:t>
-            </a:r>
+              <a:t>– включено по умолчанию</a:t>
+            </a:r>
+            <a:endParaRPr lang="en-US" dirty="0" smtClean="0"/>
           </a:p>
           <a:p>
             <a:pPr>
@@ -4123,8 +4951,27 @@
               <a:t>фича</a:t>
             </a:r>
             <a:r>
+              <a:rPr lang="ru-RU" dirty="0"/>
+              <a:t>?</a:t>
+            </a:r>
+          </a:p>
+          <a:p>
+            <a:pPr>
+              <a:lnSpc>
+                <a:spcPct val="150000"/>
+              </a:lnSpc>
+            </a:pPr>
+            <a:r>
+              <a:rPr lang="en-US" dirty="0" err="1"/>
+              <a:t>UndoManager</a:t>
+            </a:r>
+            <a:r>
+              <a:rPr lang="ru-RU" dirty="0"/>
+              <a:t> – корень всех </a:t>
+            </a:r>
+            <a:r>
               <a:rPr lang="ru-RU" dirty="0" smtClean="0"/>
-              <a:t>?</a:t>
+              <a:t>зол</a:t>
             </a:r>
           </a:p>
           <a:p>
@@ -4197,254 +5044,6 @@
 </p:sld>
 </file>
 
-<file path=ppt/slides/slide14.xml><?xml version="1.0" encoding="utf-8"?>
-<p:sld xmlns:a="http://schemas.openxmlformats.org/drawingml/2006/main" xmlns:r="http://schemas.openxmlformats.org/officeDocument/2006/relationships" xmlns:p="http://schemas.openxmlformats.org/presentationml/2006/main">
-  <p:cSld>
-    <p:spTree>
-      <p:nvGrpSpPr>
-        <p:cNvPr id="1" name=""/>
-        <p:cNvGrpSpPr/>
-        <p:nvPr/>
-      </p:nvGrpSpPr>
-      <p:grpSpPr>
-        <a:xfrm>
-          <a:off x="0" y="0"/>
-          <a:ext cx="0" cy="0"/>
-          <a:chOff x="0" y="0"/>
-          <a:chExt cx="0" cy="0"/>
-        </a:xfrm>
-      </p:grpSpPr>
-      <p:sp>
-        <p:nvSpPr>
-          <p:cNvPr id="2" name="Заголовок 1"/>
-          <p:cNvSpPr>
-            <a:spLocks noGrp="1"/>
-          </p:cNvSpPr>
-          <p:nvPr>
-            <p:ph type="title"/>
-          </p:nvPr>
-        </p:nvSpPr>
-        <p:spPr/>
-        <p:txBody>
-          <a:bodyPr/>
-          <a:lstStyle/>
-          <a:p>
-            <a:r>
-              <a:rPr lang="en-US" dirty="0" smtClean="0"/>
-              <a:t>Media effect resource leak</a:t>
-            </a:r>
-            <a:endParaRPr lang="ru-RU" dirty="0"/>
-          </a:p>
-        </p:txBody>
-      </p:sp>
-      <p:sp>
-        <p:nvSpPr>
-          <p:cNvPr id="3" name="Объект 2"/>
-          <p:cNvSpPr>
-            <a:spLocks noGrp="1"/>
-          </p:cNvSpPr>
-          <p:nvPr>
-            <p:ph idx="1"/>
-          </p:nvPr>
-        </p:nvSpPr>
-        <p:spPr/>
-        <p:txBody>
-          <a:bodyPr>
-            <a:normAutofit lnSpcReduction="10000"/>
-          </a:bodyPr>
-          <a:lstStyle/>
-          <a:p>
-            <a:pPr>
-              <a:lnSpc>
-                <a:spcPct val="150000"/>
-              </a:lnSpc>
-            </a:pPr>
-            <a:r>
-              <a:rPr lang="ru-RU" dirty="0" smtClean="0"/>
-              <a:t>Стиль определен в </a:t>
-            </a:r>
-            <a:r>
-              <a:rPr lang="en-US" dirty="0" err="1" smtClean="0"/>
-              <a:t>ResourceDictionary</a:t>
-            </a:r>
-            <a:endParaRPr lang="en-US" dirty="0" smtClean="0"/>
-          </a:p>
-          <a:p>
-            <a:pPr>
-              <a:lnSpc>
-                <a:spcPct val="150000"/>
-              </a:lnSpc>
-            </a:pPr>
-            <a:r>
-              <a:rPr lang="ru-RU" dirty="0" smtClean="0"/>
-              <a:t>Стиль использует </a:t>
-            </a:r>
-            <a:r>
-              <a:rPr lang="en-US" dirty="0" err="1" smtClean="0"/>
-              <a:t>ControlTemplate</a:t>
-            </a:r>
-            <a:r>
-              <a:rPr lang="en-US" dirty="0" smtClean="0"/>
-              <a:t> </a:t>
-            </a:r>
-            <a:r>
-              <a:rPr lang="ru-RU" dirty="0" smtClean="0"/>
-              <a:t>с медиа эффектом (</a:t>
-            </a:r>
-            <a:r>
-              <a:rPr lang="en-US" dirty="0" err="1" smtClean="0"/>
-              <a:t>DropShadowEffect</a:t>
-            </a:r>
-            <a:r>
-              <a:rPr lang="en-US" dirty="0" smtClean="0"/>
-              <a:t>)</a:t>
-            </a:r>
-          </a:p>
-          <a:p>
-            <a:pPr>
-              <a:lnSpc>
-                <a:spcPct val="150000"/>
-              </a:lnSpc>
-            </a:pPr>
-            <a:r>
-              <a:rPr lang="ru-RU" dirty="0" smtClean="0"/>
-              <a:t>Медиа эффект используется через </a:t>
-            </a:r>
-            <a:r>
-              <a:rPr lang="en-US" dirty="0" err="1" smtClean="0"/>
-              <a:t>StaticResource</a:t>
-            </a:r>
-            <a:endParaRPr lang="en-US" dirty="0"/>
-          </a:p>
-          <a:p>
-            <a:pPr>
-              <a:lnSpc>
-                <a:spcPct val="150000"/>
-              </a:lnSpc>
-            </a:pPr>
-            <a:r>
-              <a:rPr lang="ru-RU" dirty="0" smtClean="0"/>
-              <a:t>Срабатывание трех условий одновременно – </a:t>
-            </a:r>
-            <a:r>
-              <a:rPr lang="ru-RU" dirty="0" err="1" smtClean="0"/>
-              <a:t>джекпот</a:t>
-            </a:r>
-            <a:r>
-              <a:rPr lang="en-US" dirty="0" smtClean="0"/>
-              <a:t>!</a:t>
-            </a:r>
-          </a:p>
-          <a:p>
-            <a:pPr>
-              <a:lnSpc>
-                <a:spcPct val="150000"/>
-              </a:lnSpc>
-            </a:pPr>
-            <a:r>
-              <a:rPr lang="ru-RU" dirty="0" smtClean="0"/>
-              <a:t>Лечение – два метода</a:t>
-            </a:r>
-            <a:endParaRPr lang="ru-RU" dirty="0"/>
-          </a:p>
-        </p:txBody>
-      </p:sp>
-    </p:spTree>
-    <p:extLst>
-      <p:ext uri="{BB962C8B-B14F-4D97-AF65-F5344CB8AC3E}">
-        <p14:creationId xmlns:p14="http://schemas.microsoft.com/office/powerpoint/2010/main" val="1416765959"/>
-      </p:ext>
-    </p:extLst>
-  </p:cSld>
-  <p:clrMapOvr>
-    <a:masterClrMapping/>
-  </p:clrMapOvr>
-  <p:timing>
-    <p:tnLst>
-      <p:par>
-        <p:cTn id="1" dur="indefinite" restart="never" nodeType="tmRoot"/>
-      </p:par>
-    </p:tnLst>
-  </p:timing>
-</p:sld>
-</file>
-
-<file path=ppt/slides/slide15.xml><?xml version="1.0" encoding="utf-8"?>
-<p:sld xmlns:a="http://schemas.openxmlformats.org/drawingml/2006/main" xmlns:r="http://schemas.openxmlformats.org/officeDocument/2006/relationships" xmlns:p="http://schemas.openxmlformats.org/presentationml/2006/main">
-  <p:cSld>
-    <p:spTree>
-      <p:nvGrpSpPr>
-        <p:cNvPr id="1" name=""/>
-        <p:cNvGrpSpPr/>
-        <p:nvPr/>
-      </p:nvGrpSpPr>
-      <p:grpSpPr>
-        <a:xfrm>
-          <a:off x="0" y="0"/>
-          <a:ext cx="0" cy="0"/>
-          <a:chOff x="0" y="0"/>
-          <a:chExt cx="0" cy="0"/>
-        </a:xfrm>
-      </p:grpSpPr>
-      <p:sp>
-        <p:nvSpPr>
-          <p:cNvPr id="2" name="Заголовок 1"/>
-          <p:cNvSpPr>
-            <a:spLocks noGrp="1"/>
-          </p:cNvSpPr>
-          <p:nvPr>
-            <p:ph type="title"/>
-          </p:nvPr>
-        </p:nvSpPr>
-        <p:spPr/>
-        <p:txBody>
-          <a:bodyPr/>
-          <a:lstStyle/>
-          <a:p>
-            <a:r>
-              <a:rPr lang="en-US" dirty="0" smtClean="0"/>
-              <a:t>Many instances of </a:t>
-            </a:r>
-            <a:r>
-              <a:rPr lang="en-US" dirty="0" err="1" smtClean="0"/>
-              <a:t>ResourceDictionaries</a:t>
-            </a:r>
-            <a:endParaRPr lang="ru-RU" dirty="0"/>
-          </a:p>
-        </p:txBody>
-      </p:sp>
-      <p:sp>
-        <p:nvSpPr>
-          <p:cNvPr id="3" name="Объект 2"/>
-          <p:cNvSpPr>
-            <a:spLocks noGrp="1"/>
-          </p:cNvSpPr>
-          <p:nvPr>
-            <p:ph idx="1"/>
-          </p:nvPr>
-        </p:nvSpPr>
-        <p:spPr/>
-        <p:txBody>
-          <a:bodyPr/>
-          <a:lstStyle/>
-          <a:p>
-            <a:endParaRPr lang="ru-RU" dirty="0"/>
-          </a:p>
-        </p:txBody>
-      </p:sp>
-    </p:spTree>
-    <p:extLst>
-      <p:ext uri="{BB962C8B-B14F-4D97-AF65-F5344CB8AC3E}">
-        <p14:creationId xmlns:p14="http://schemas.microsoft.com/office/powerpoint/2010/main" val="2760842793"/>
-      </p:ext>
-    </p:extLst>
-  </p:cSld>
-  <p:clrMapOvr>
-    <a:masterClrMapping/>
-  </p:clrMapOvr>
-</p:sld>
-</file>
-
 <file path=ppt/slides/slide16.xml><?xml version="1.0" encoding="utf-8"?>
 <p:sld xmlns:a="http://schemas.openxmlformats.org/drawingml/2006/main" xmlns:r="http://schemas.openxmlformats.org/officeDocument/2006/relationships" xmlns:p="http://schemas.openxmlformats.org/presentationml/2006/main">
   <p:cSld>
@@ -4478,14 +5077,10 @@
           <a:lstStyle/>
           <a:p>
             <a:r>
-              <a:rPr lang="ru-RU" dirty="0" smtClean="0"/>
-              <a:t>Чем искать утечки памяти в </a:t>
-            </a:r>
-            <a:r>
-              <a:rPr lang="en-US" dirty="0" smtClean="0"/>
-              <a:t>WPF?</a:t>
-            </a:r>
-            <a:endParaRPr lang="ru-RU" dirty="0"/>
+              <a:rPr lang="en-US" b="1" dirty="0" smtClean="0"/>
+              <a:t>Media effect resource leak</a:t>
+            </a:r>
+            <a:endParaRPr lang="ru-RU" b="1" dirty="0"/>
           </a:p>
         </p:txBody>
       </p:sp>
@@ -4513,12 +5108,13 @@
             </a:pPr>
             <a:r>
               <a:rPr lang="ru-RU" dirty="0" smtClean="0"/>
-              <a:t>Встроенный в </a:t>
-            </a:r>
-            <a:r>
-              <a:rPr lang="en-US" dirty="0" smtClean="0"/>
-              <a:t>VS profiler</a:t>
-            </a:r>
+              <a:t>Стиль определен в </a:t>
+            </a:r>
+            <a:r>
+              <a:rPr lang="en-US" dirty="0" err="1" smtClean="0"/>
+              <a:t>ResourceDictionary</a:t>
+            </a:r>
+            <a:endParaRPr lang="en-US" dirty="0" smtClean="0"/>
           </a:p>
           <a:p>
             <a:pPr>
@@ -4527,10 +5123,29 @@
               </a:lnSpc>
             </a:pPr>
             <a:r>
+              <a:rPr lang="ru-RU" dirty="0" smtClean="0"/>
+              <a:t>Стиль использует </a:t>
+            </a:r>
+            <a:r>
               <a:rPr lang="en-US" dirty="0" err="1" smtClean="0"/>
-              <a:t>dotMemory</a:t>
-            </a:r>
-            <a:endParaRPr lang="en-US" dirty="0" smtClean="0"/>
+              <a:t>ControlTemplate</a:t>
+            </a:r>
+            <a:r>
+              <a:rPr lang="en-US" dirty="0" smtClean="0"/>
+              <a:t> </a:t>
+            </a:r>
+            <a:r>
+              <a:rPr lang="ru-RU" dirty="0" smtClean="0"/>
+              <a:t>с медиа эффектом (</a:t>
+            </a:r>
+            <a:r>
+              <a:rPr lang="en-US" dirty="0" err="1" smtClean="0"/>
+              <a:t>DropShadowEffect</a:t>
+            </a:r>
+            <a:r>
+              <a:rPr lang="en-US" dirty="0" smtClean="0"/>
+              <a:t>)</a:t>
+            </a:r>
           </a:p>
           <a:p>
             <a:pPr>
@@ -4539,13 +5154,14 @@
               </a:lnSpc>
             </a:pPr>
             <a:r>
+              <a:rPr lang="ru-RU" dirty="0" smtClean="0"/>
+              <a:t>Медиа эффект используется через </a:t>
+            </a:r>
+            <a:r>
               <a:rPr lang="en-US" dirty="0" err="1" smtClean="0"/>
-              <a:t>dotnet</a:t>
-            </a:r>
-            <a:r>
-              <a:rPr lang="en-US" dirty="0" smtClean="0"/>
-              <a:t> Memory Profiler</a:t>
-            </a:r>
+              <a:t>StaticResource</a:t>
+            </a:r>
+            <a:endParaRPr lang="en-US" dirty="0"/>
           </a:p>
           <a:p>
             <a:pPr>
@@ -4554,8 +5170,16 @@
               </a:lnSpc>
             </a:pPr>
             <a:r>
+              <a:rPr lang="ru-RU" dirty="0" smtClean="0"/>
+              <a:t>Срабатывание трех условий одновременно – </a:t>
+            </a:r>
+            <a:r>
+              <a:rPr lang="ru-RU" dirty="0" err="1" smtClean="0"/>
+              <a:t>джекпот</a:t>
+            </a:r>
+            <a:r>
               <a:rPr lang="en-US" dirty="0" smtClean="0"/>
-              <a:t>ANTS Performance profiler</a:t>
+              <a:t>!</a:t>
             </a:r>
           </a:p>
           <a:p>
@@ -4565,28 +5189,17 @@
               </a:lnSpc>
             </a:pPr>
             <a:r>
-              <a:rPr lang="en-US" dirty="0" err="1" smtClean="0"/>
-              <a:t>JustTrace</a:t>
-            </a:r>
-            <a:endParaRPr lang="en-US" dirty="0" smtClean="0"/>
-          </a:p>
-          <a:p>
-            <a:pPr>
-              <a:lnSpc>
-                <a:spcPct val="150000"/>
-              </a:lnSpc>
-            </a:pPr>
-            <a:r>
-              <a:rPr lang="en-US" dirty="0" smtClean="0"/>
-              <a:t>EQATEC profiler</a:t>
-            </a:r>
+              <a:rPr lang="ru-RU" dirty="0" smtClean="0"/>
+              <a:t>Лечение – два метода</a:t>
+            </a:r>
+            <a:endParaRPr lang="ru-RU" dirty="0"/>
           </a:p>
         </p:txBody>
       </p:sp>
     </p:spTree>
     <p:extLst>
       <p:ext uri="{BB962C8B-B14F-4D97-AF65-F5344CB8AC3E}">
-        <p14:creationId xmlns:p14="http://schemas.microsoft.com/office/powerpoint/2010/main" val="2261631478"/>
+        <p14:creationId xmlns:p14="http://schemas.microsoft.com/office/powerpoint/2010/main" val="1416765959"/>
       </p:ext>
     </p:extLst>
   </p:cSld>
@@ -4636,53 +5249,79 @@
           <a:lstStyle/>
           <a:p>
             <a:r>
+              <a:rPr lang="en-US" b="1" dirty="0" smtClean="0"/>
+              <a:t>Many instances of </a:t>
+            </a:r>
+            <a:r>
+              <a:rPr lang="en-US" b="1" dirty="0" err="1" smtClean="0"/>
+              <a:t>ResourceDictionaries</a:t>
+            </a:r>
+            <a:endParaRPr lang="ru-RU" b="1" dirty="0"/>
+          </a:p>
+        </p:txBody>
+      </p:sp>
+      <p:sp>
+        <p:nvSpPr>
+          <p:cNvPr id="3" name="Объект 2"/>
+          <p:cNvSpPr>
+            <a:spLocks noGrp="1"/>
+          </p:cNvSpPr>
+          <p:nvPr>
+            <p:ph idx="1"/>
+          </p:nvPr>
+        </p:nvSpPr>
+        <p:spPr/>
+        <p:txBody>
+          <a:bodyPr/>
+          <a:lstStyle/>
+          <a:p>
+            <a:pPr>
+              <a:lnSpc>
+                <a:spcPct val="150000"/>
+              </a:lnSpc>
+            </a:pPr>
+            <a:r>
+              <a:rPr lang="en-US" dirty="0" err="1" smtClean="0"/>
+              <a:t>SharedResourceDictionary</a:t>
+            </a:r>
+            <a:r>
+              <a:rPr lang="en-US" dirty="0" smtClean="0"/>
+              <a:t> – </a:t>
+            </a:r>
+            <a:r>
               <a:rPr lang="ru-RU" dirty="0" smtClean="0"/>
-              <a:t>Таблица сравнения профилировщиков</a:t>
-            </a:r>
-            <a:endParaRPr lang="ru-RU" dirty="0"/>
-          </a:p>
-        </p:txBody>
-      </p:sp>
-      <p:sp>
-        <p:nvSpPr>
-          <p:cNvPr id="3" name="Объект 2"/>
-          <p:cNvSpPr>
-            <a:spLocks noGrp="1"/>
-          </p:cNvSpPr>
-          <p:nvPr>
-            <p:ph idx="1"/>
-          </p:nvPr>
-        </p:nvSpPr>
-        <p:spPr/>
-        <p:txBody>
-          <a:bodyPr/>
-          <a:lstStyle/>
-          <a:p>
+              <a:t>найти в интернете</a:t>
+            </a:r>
+          </a:p>
+          <a:p>
+            <a:pPr>
+              <a:lnSpc>
+                <a:spcPct val="150000"/>
+              </a:lnSpc>
+            </a:pPr>
             <a:r>
               <a:rPr lang="ru-RU" dirty="0" smtClean="0"/>
-              <a:t>Цена</a:t>
-            </a:r>
-          </a:p>
-          <a:p>
+              <a:t>Взять нашу реализации с </a:t>
+            </a:r>
+            <a:r>
+              <a:rPr lang="en-US" dirty="0" err="1" smtClean="0"/>
+              <a:t>WeakDictionary</a:t>
+            </a:r>
+            <a:r>
+              <a:rPr lang="en-US" dirty="0" smtClean="0"/>
+              <a:t> (</a:t>
+            </a:r>
             <a:r>
               <a:rPr lang="ru-RU" dirty="0" smtClean="0"/>
-              <a:t>Удобство для </a:t>
+              <a:t> </a:t>
             </a:r>
             <a:r>
               <a:rPr lang="en-US" dirty="0" smtClean="0"/>
-              <a:t>WPF</a:t>
-            </a:r>
-          </a:p>
-          <a:p>
+              <a:t>&gt; 3 </a:t>
+            </a:r>
             <a:r>
               <a:rPr lang="ru-RU" dirty="0" smtClean="0"/>
-              <a:t>Скорость</a:t>
-            </a:r>
-          </a:p>
-          <a:p>
-            <a:r>
-              <a:rPr lang="ru-RU" dirty="0" smtClean="0"/>
-              <a:t>Что-то еще</a:t>
+              <a:t>месяцев назад)</a:t>
             </a:r>
             <a:endParaRPr lang="ru-RU" dirty="0"/>
           </a:p>
@@ -4691,7 +5330,7 @@
     </p:spTree>
     <p:extLst>
       <p:ext uri="{BB962C8B-B14F-4D97-AF65-F5344CB8AC3E}">
-        <p14:creationId xmlns:p14="http://schemas.microsoft.com/office/powerpoint/2010/main" val="3379949288"/>
+        <p14:creationId xmlns:p14="http://schemas.microsoft.com/office/powerpoint/2010/main" val="2760842793"/>
       </p:ext>
     </p:extLst>
   </p:cSld>
@@ -4734,10 +5373,14 @@
           <a:lstStyle/>
           <a:p>
             <a:r>
-              <a:rPr lang="ru-RU" dirty="0" smtClean="0"/>
-              <a:t>Контактные данные</a:t>
-            </a:r>
-            <a:endParaRPr lang="ru-RU" dirty="0"/>
+              <a:rPr lang="ru-RU" b="1" dirty="0" smtClean="0"/>
+              <a:t>Чем искать утечки памяти в </a:t>
+            </a:r>
+            <a:r>
+              <a:rPr lang="en-US" b="1" dirty="0" smtClean="0"/>
+              <a:t>WPF?</a:t>
+            </a:r>
+            <a:endParaRPr lang="ru-RU" b="1" dirty="0"/>
           </a:p>
         </p:txBody>
       </p:sp>
@@ -4753,23 +5396,101 @@
         </p:nvSpPr>
         <p:spPr/>
         <p:txBody>
-          <a:bodyPr/>
-          <a:lstStyle/>
-          <a:p>
-            <a:endParaRPr lang="ru-RU"/>
+          <a:bodyPr>
+            <a:normAutofit lnSpcReduction="10000"/>
+          </a:bodyPr>
+          <a:lstStyle/>
+          <a:p>
+            <a:pPr>
+              <a:lnSpc>
+                <a:spcPct val="150000"/>
+              </a:lnSpc>
+            </a:pPr>
+            <a:r>
+              <a:rPr lang="en-US" dirty="0" smtClean="0"/>
+              <a:t>Visual Studio profiler</a:t>
+            </a:r>
+          </a:p>
+          <a:p>
+            <a:pPr>
+              <a:lnSpc>
+                <a:spcPct val="150000"/>
+              </a:lnSpc>
+            </a:pPr>
+            <a:r>
+              <a:rPr lang="en-US" dirty="0" err="1" smtClean="0"/>
+              <a:t>dotMemory</a:t>
+            </a:r>
+            <a:endParaRPr lang="en-US" dirty="0" smtClean="0"/>
+          </a:p>
+          <a:p>
+            <a:pPr>
+              <a:lnSpc>
+                <a:spcPct val="150000"/>
+              </a:lnSpc>
+            </a:pPr>
+            <a:r>
+              <a:rPr lang="en-US" dirty="0" err="1" smtClean="0"/>
+              <a:t>dotnet</a:t>
+            </a:r>
+            <a:r>
+              <a:rPr lang="en-US" dirty="0" smtClean="0"/>
+              <a:t> Memory Profiler</a:t>
+            </a:r>
+          </a:p>
+          <a:p>
+            <a:pPr>
+              <a:lnSpc>
+                <a:spcPct val="150000"/>
+              </a:lnSpc>
+            </a:pPr>
+            <a:r>
+              <a:rPr lang="en-US" dirty="0" smtClean="0"/>
+              <a:t>ANTS Performance profiler</a:t>
+            </a:r>
+          </a:p>
+          <a:p>
+            <a:pPr>
+              <a:lnSpc>
+                <a:spcPct val="150000"/>
+              </a:lnSpc>
+            </a:pPr>
+            <a:r>
+              <a:rPr lang="en-US" dirty="0" err="1" smtClean="0"/>
+              <a:t>JustTrace</a:t>
+            </a:r>
+            <a:endParaRPr lang="en-US" dirty="0" smtClean="0"/>
+          </a:p>
+          <a:p>
+            <a:pPr>
+              <a:lnSpc>
+                <a:spcPct val="150000"/>
+              </a:lnSpc>
+            </a:pPr>
+            <a:r>
+              <a:rPr lang="en-US" dirty="0" smtClean="0"/>
+              <a:t>EQATEC profiler</a:t>
+            </a:r>
           </a:p>
         </p:txBody>
       </p:sp>
     </p:spTree>
     <p:extLst>
       <p:ext uri="{BB962C8B-B14F-4D97-AF65-F5344CB8AC3E}">
-        <p14:creationId xmlns:p14="http://schemas.microsoft.com/office/powerpoint/2010/main" val="2699586776"/>
+        <p14:creationId xmlns:p14="http://schemas.microsoft.com/office/powerpoint/2010/main" val="2261631478"/>
       </p:ext>
     </p:extLst>
   </p:cSld>
   <p:clrMapOvr>
     <a:masterClrMapping/>
   </p:clrMapOvr>
+  <p:timing>
+    <p:tnLst>
+      <p:par>
+        <p:cTn id="1" dur="indefinite" restart="never" nodeType="tmRoot"/>
+      </p:par>
+    </p:tnLst>
+  </p:timing>
 </p:sld>
 </file>
 
@@ -4800,27 +5521,68 @@
             <p:ph type="title"/>
           </p:nvPr>
         </p:nvSpPr>
-        <p:spPr>
-          <a:xfrm>
-            <a:off x="3141785" y="2765425"/>
-            <a:ext cx="5597769" cy="1325563"/>
-          </a:xfrm>
-        </p:spPr>
-        <p:txBody>
-          <a:bodyPr/>
-          <a:lstStyle/>
-          <a:p>
-            <a:r>
-              <a:rPr lang="ru-RU" dirty="0"/>
-              <a:t>Спасибо за внимание</a:t>
-            </a:r>
+        <p:spPr/>
+        <p:txBody>
+          <a:bodyPr/>
+          <a:lstStyle/>
+          <a:p>
+            <a:r>
+              <a:rPr lang="ru-RU" b="1" dirty="0" smtClean="0"/>
+              <a:t>Таблица сравнения профилировщиков</a:t>
+            </a:r>
+            <a:endParaRPr lang="ru-RU" b="1" dirty="0"/>
+          </a:p>
+        </p:txBody>
+      </p:sp>
+      <p:sp>
+        <p:nvSpPr>
+          <p:cNvPr id="3" name="Объект 2"/>
+          <p:cNvSpPr>
+            <a:spLocks noGrp="1"/>
+          </p:cNvSpPr>
+          <p:nvPr>
+            <p:ph idx="1"/>
+          </p:nvPr>
+        </p:nvSpPr>
+        <p:spPr/>
+        <p:txBody>
+          <a:bodyPr/>
+          <a:lstStyle/>
+          <a:p>
+            <a:r>
+              <a:rPr lang="ru-RU" dirty="0" smtClean="0"/>
+              <a:t>Цена</a:t>
+            </a:r>
+          </a:p>
+          <a:p>
+            <a:r>
+              <a:rPr lang="ru-RU" dirty="0" smtClean="0"/>
+              <a:t>Удобство для </a:t>
+            </a:r>
+            <a:r>
+              <a:rPr lang="en-US" dirty="0" smtClean="0"/>
+              <a:t>WPF</a:t>
+            </a:r>
+          </a:p>
+          <a:p>
+            <a:r>
+              <a:rPr lang="ru-RU" dirty="0" smtClean="0"/>
+              <a:t>Скорость</a:t>
+            </a:r>
+          </a:p>
+          <a:p>
+            <a:r>
+              <a:rPr lang="ru-RU" dirty="0" smtClean="0"/>
+              <a:t>Что-то еще</a:t>
+            </a:r>
+            <a:endParaRPr lang="ru-RU" dirty="0"/>
           </a:p>
         </p:txBody>
       </p:sp>
     </p:spTree>
     <p:extLst>
       <p:ext uri="{BB962C8B-B14F-4D97-AF65-F5344CB8AC3E}">
-        <p14:creationId xmlns:p14="http://schemas.microsoft.com/office/powerpoint/2010/main" val="1251038902"/>
+        <p14:creationId xmlns:p14="http://schemas.microsoft.com/office/powerpoint/2010/main" val="3379949288"/>
       </p:ext>
     </p:extLst>
   </p:cSld>
@@ -4903,11 +5665,7 @@
             </a:pPr>
             <a:r>
               <a:rPr lang="ru-RU" dirty="0" smtClean="0"/>
-              <a:t>Основные </a:t>
-            </a:r>
-            <a:r>
-              <a:rPr lang="ru-RU" dirty="0" smtClean="0"/>
-              <a:t>причины утечек памяти в </a:t>
+              <a:t>Основные причины утечек памяти в </a:t>
             </a:r>
             <a:r>
               <a:rPr lang="en-US" dirty="0" smtClean="0"/>
@@ -4948,15 +5706,7 @@
             </a:pPr>
             <a:r>
               <a:rPr lang="ru-RU" dirty="0" smtClean="0"/>
-              <a:t>Как искать и </a:t>
-            </a:r>
-            <a:r>
-              <a:rPr lang="ru-RU" dirty="0" smtClean="0"/>
-              <a:t>находить</a:t>
-            </a:r>
-            <a:r>
-              <a:rPr lang="ru-RU" dirty="0" smtClean="0"/>
-              <a:t>?</a:t>
+              <a:t>Как искать и находить?</a:t>
             </a:r>
             <a:endParaRPr lang="ru-RU" dirty="0"/>
           </a:p>
@@ -4966,6 +5716,218 @@
     <p:extLst>
       <p:ext uri="{BB962C8B-B14F-4D97-AF65-F5344CB8AC3E}">
         <p14:creationId xmlns:p14="http://schemas.microsoft.com/office/powerpoint/2010/main" val="4011139117"/>
+      </p:ext>
+    </p:extLst>
+  </p:cSld>
+  <p:clrMapOvr>
+    <a:masterClrMapping/>
+  </p:clrMapOvr>
+  <p:timing>
+    <p:tnLst>
+      <p:par>
+        <p:cTn id="1" dur="indefinite" restart="never" nodeType="tmRoot"/>
+      </p:par>
+    </p:tnLst>
+  </p:timing>
+</p:sld>
+</file>
+
+<file path=ppt/slides/slide20.xml><?xml version="1.0" encoding="utf-8"?>
+<p:sld xmlns:a="http://schemas.openxmlformats.org/drawingml/2006/main" xmlns:r="http://schemas.openxmlformats.org/officeDocument/2006/relationships" xmlns:p="http://schemas.openxmlformats.org/presentationml/2006/main">
+  <p:cSld>
+    <p:spTree>
+      <p:nvGrpSpPr>
+        <p:cNvPr id="1" name=""/>
+        <p:cNvGrpSpPr/>
+        <p:nvPr/>
+      </p:nvGrpSpPr>
+      <p:grpSpPr>
+        <a:xfrm>
+          <a:off x="0" y="0"/>
+          <a:ext cx="0" cy="0"/>
+          <a:chOff x="0" y="0"/>
+          <a:chExt cx="0" cy="0"/>
+        </a:xfrm>
+      </p:grpSpPr>
+      <p:sp>
+        <p:nvSpPr>
+          <p:cNvPr id="2" name="Заголовок 1"/>
+          <p:cNvSpPr>
+            <a:spLocks noGrp="1"/>
+          </p:cNvSpPr>
+          <p:nvPr>
+            <p:ph type="title"/>
+          </p:nvPr>
+        </p:nvSpPr>
+        <p:spPr/>
+        <p:txBody>
+          <a:bodyPr/>
+          <a:lstStyle/>
+          <a:p>
+            <a:r>
+              <a:rPr lang="ru-RU" b="1" dirty="0" smtClean="0"/>
+              <a:t>Контактные данные</a:t>
+            </a:r>
+            <a:endParaRPr lang="ru-RU" b="1" dirty="0"/>
+          </a:p>
+        </p:txBody>
+      </p:sp>
+      <p:sp>
+        <p:nvSpPr>
+          <p:cNvPr id="3" name="Объект 2"/>
+          <p:cNvSpPr>
+            <a:spLocks noGrp="1"/>
+          </p:cNvSpPr>
+          <p:nvPr>
+            <p:ph idx="1"/>
+          </p:nvPr>
+        </p:nvSpPr>
+        <p:spPr/>
+        <p:txBody>
+          <a:bodyPr/>
+          <a:lstStyle/>
+          <a:p>
+            <a:endParaRPr lang="en-US" dirty="0" smtClean="0">
+              <a:hlinkClick r:id="rId2"/>
+            </a:endParaRPr>
+          </a:p>
+          <a:p>
+            <a:r>
+              <a:rPr lang="en-US" dirty="0" smtClean="0">
+                <a:hlinkClick r:id="rId2"/>
+              </a:rPr>
+              <a:t>makarovevgeniy7@gmail.com</a:t>
+            </a:r>
+            <a:endParaRPr lang="en-US" dirty="0" smtClean="0"/>
+          </a:p>
+          <a:p>
+            <a:endParaRPr lang="en-US" dirty="0"/>
+          </a:p>
+          <a:p>
+            <a:r>
+              <a:rPr lang="en-US" dirty="0" smtClean="0"/>
+              <a:t>@</a:t>
+            </a:r>
+            <a:r>
+              <a:rPr lang="en-US" dirty="0" err="1" smtClean="0"/>
+              <a:t>Talrandel</a:t>
+            </a:r>
+            <a:r>
+              <a:rPr lang="en-US" dirty="0" smtClean="0"/>
+              <a:t> </a:t>
+            </a:r>
+            <a:endParaRPr lang="ru-RU" dirty="0"/>
+          </a:p>
+        </p:txBody>
+      </p:sp>
+      <p:pic>
+        <p:nvPicPr>
+          <p:cNvPr id="12" name="Picture 6" descr="ÐÐ¾Ñ+Ð¾Ð¶ÐµÐµ Ð¸Ð·Ð¾Ð±ÑÐ°Ð¶ÐµÐ½Ð¸Ðµ"/>
+          <p:cNvPicPr>
+            <a:picLocks noChangeAspect="1" noChangeArrowheads="1"/>
+          </p:cNvPicPr>
+          <p:nvPr/>
+        </p:nvPicPr>
+        <p:blipFill>
+          <a:blip r:embed="rId3" cstate="print">
+            <a:extLst>
+              <a:ext uri="{28A0092B-C50C-407E-A947-70E740481C1C}">
+                <a14:useLocalDpi xmlns:a14="http://schemas.microsoft.com/office/drawing/2010/main" val="0"/>
+              </a:ext>
+            </a:extLst>
+          </a:blip>
+          <a:srcRect/>
+          <a:stretch>
+            <a:fillRect/>
+          </a:stretch>
+        </p:blipFill>
+        <p:spPr bwMode="auto">
+          <a:xfrm>
+            <a:off x="3061008" y="3261186"/>
+            <a:ext cx="631006" cy="631006"/>
+          </a:xfrm>
+          <a:prstGeom prst="rect">
+            <a:avLst/>
+          </a:prstGeom>
+          <a:noFill/>
+          <a:extLst>
+            <a:ext uri="{909E8E84-426E-40DD-AFC4-6F175D3DCCD1}">
+              <a14:hiddenFill xmlns:a14="http://schemas.microsoft.com/office/drawing/2010/main">
+                <a:solidFill>
+                  <a:srgbClr val="FFFFFF"/>
+                </a:solidFill>
+              </a14:hiddenFill>
+            </a:ext>
+          </a:extLst>
+        </p:spPr>
+      </p:pic>
+    </p:spTree>
+    <p:extLst>
+      <p:ext uri="{BB962C8B-B14F-4D97-AF65-F5344CB8AC3E}">
+        <p14:creationId xmlns:p14="http://schemas.microsoft.com/office/powerpoint/2010/main" val="2699586776"/>
+      </p:ext>
+    </p:extLst>
+  </p:cSld>
+  <p:clrMapOvr>
+    <a:masterClrMapping/>
+  </p:clrMapOvr>
+</p:sld>
+</file>
+
+<file path=ppt/slides/slide21.xml><?xml version="1.0" encoding="utf-8"?>
+<p:sld xmlns:a="http://schemas.openxmlformats.org/drawingml/2006/main" xmlns:r="http://schemas.openxmlformats.org/officeDocument/2006/relationships" xmlns:p="http://schemas.openxmlformats.org/presentationml/2006/main">
+  <p:cSld>
+    <p:spTree>
+      <p:nvGrpSpPr>
+        <p:cNvPr id="1" name=""/>
+        <p:cNvGrpSpPr/>
+        <p:nvPr/>
+      </p:nvGrpSpPr>
+      <p:grpSpPr>
+        <a:xfrm>
+          <a:off x="0" y="0"/>
+          <a:ext cx="0" cy="0"/>
+          <a:chOff x="0" y="0"/>
+          <a:chExt cx="0" cy="0"/>
+        </a:xfrm>
+      </p:grpSpPr>
+      <p:sp>
+        <p:nvSpPr>
+          <p:cNvPr id="2" name="Заголовок 1"/>
+          <p:cNvSpPr>
+            <a:spLocks noGrp="1"/>
+          </p:cNvSpPr>
+          <p:nvPr>
+            <p:ph type="title"/>
+          </p:nvPr>
+        </p:nvSpPr>
+        <p:spPr>
+          <a:xfrm>
+            <a:off x="3141785" y="2765425"/>
+            <a:ext cx="5597769" cy="1325563"/>
+          </a:xfrm>
+        </p:spPr>
+        <p:txBody>
+          <a:bodyPr/>
+          <a:lstStyle/>
+          <a:p>
+            <a:r>
+              <a:rPr lang="ru-RU" dirty="0"/>
+              <a:t>Спасибо за </a:t>
+            </a:r>
+            <a:r>
+              <a:rPr lang="ru-RU" dirty="0" smtClean="0"/>
+              <a:t>внимание!</a:t>
+            </a:r>
+            <a:endParaRPr lang="ru-RU" dirty="0"/>
+          </a:p>
+        </p:txBody>
+      </p:sp>
+    </p:spTree>
+    <p:extLst>
+      <p:ext uri="{BB962C8B-B14F-4D97-AF65-F5344CB8AC3E}">
+        <p14:creationId xmlns:p14="http://schemas.microsoft.com/office/powerpoint/2010/main" val="1251038902"/>
       </p:ext>
     </p:extLst>
   </p:cSld>
@@ -5008,10 +5970,10 @@
           <a:lstStyle/>
           <a:p>
             <a:r>
-              <a:rPr lang="ru-RU" dirty="0" smtClean="0"/>
+              <a:rPr lang="ru-RU" b="1" dirty="0" smtClean="0"/>
               <a:t>Предыстория</a:t>
             </a:r>
-            <a:endParaRPr lang="ru-RU" dirty="0"/>
+            <a:endParaRPr lang="ru-RU" b="1" dirty="0"/>
           </a:p>
         </p:txBody>
       </p:sp>
@@ -5068,6 +6030,13 @@
   <p:clrMapOvr>
     <a:masterClrMapping/>
   </p:clrMapOvr>
+  <p:timing>
+    <p:tnLst>
+      <p:par>
+        <p:cTn id="1" dur="indefinite" restart="never" nodeType="tmRoot"/>
+      </p:par>
+    </p:tnLst>
+  </p:timing>
 </p:sld>
 </file>
 
@@ -5104,116 +6073,48 @@
           <a:lstStyle/>
           <a:p>
             <a:r>
+              <a:rPr lang="en-US" b="1" dirty="0" smtClean="0"/>
+              <a:t>Heavy </a:t>
+            </a:r>
+            <a:r>
+              <a:rPr lang="en-US" b="1" strike="sngStrike" dirty="0" smtClean="0"/>
+              <a:t>metal</a:t>
+            </a:r>
+            <a:r>
+              <a:rPr lang="en-US" b="1" dirty="0" smtClean="0"/>
+              <a:t> model</a:t>
+            </a:r>
+            <a:endParaRPr lang="ru-RU" b="1" dirty="0"/>
+          </a:p>
+        </p:txBody>
+      </p:sp>
+      <p:sp>
+        <p:nvSpPr>
+          <p:cNvPr id="3" name="Объект 2"/>
+          <p:cNvSpPr>
+            <a:spLocks noGrp="1"/>
+          </p:cNvSpPr>
+          <p:nvPr>
+            <p:ph idx="1"/>
+          </p:nvPr>
+        </p:nvSpPr>
+        <p:spPr/>
+        <p:txBody>
+          <a:bodyPr/>
+          <a:lstStyle/>
+          <a:p>
+            <a:r>
               <a:rPr lang="ru-RU" dirty="0" smtClean="0"/>
-              <a:t>Основные причины утечек памяти</a:t>
-            </a:r>
-            <a:endParaRPr lang="ru-RU" dirty="0"/>
-          </a:p>
-        </p:txBody>
-      </p:sp>
-      <p:sp>
-        <p:nvSpPr>
-          <p:cNvPr id="3" name="Объект 2"/>
-          <p:cNvSpPr>
-            <a:spLocks noGrp="1"/>
-          </p:cNvSpPr>
-          <p:nvPr>
-            <p:ph idx="1"/>
-          </p:nvPr>
-        </p:nvSpPr>
-        <p:spPr/>
-        <p:txBody>
-          <a:bodyPr>
-            <a:normAutofit/>
-          </a:bodyPr>
-          <a:lstStyle/>
-          <a:p>
-            <a:r>
-              <a:rPr lang="en-US" dirty="0" smtClean="0"/>
-              <a:t>Binding </a:t>
+              <a:t>Место для кода тяжелого объекта </a:t>
+            </a:r>
+            <a:r>
+              <a:rPr lang="ru-RU" dirty="0" err="1" smtClean="0"/>
+              <a:t>демки</a:t>
             </a:r>
             <a:r>
               <a:rPr lang="ru-RU" dirty="0" smtClean="0"/>
-              <a:t>без </a:t>
-            </a:r>
-            <a:r>
-              <a:rPr lang="en-US" dirty="0" err="1" smtClean="0"/>
-              <a:t>INotifyPropertyChanged</a:t>
-            </a:r>
-            <a:endParaRPr lang="en-US" dirty="0" smtClean="0"/>
-          </a:p>
-          <a:p>
-            <a:r>
-              <a:rPr lang="en-US" dirty="0" smtClean="0"/>
-              <a:t>Collection binding </a:t>
-            </a:r>
-            <a:r>
-              <a:rPr lang="ru-RU" dirty="0" smtClean="0"/>
-              <a:t>без </a:t>
-            </a:r>
-            <a:r>
-              <a:rPr lang="en-US" dirty="0" err="1" smtClean="0"/>
-              <a:t>INotifyCollectionChanged</a:t>
-            </a:r>
-            <a:endParaRPr lang="en-US" dirty="0" smtClean="0"/>
-          </a:p>
-          <a:p>
-            <a:r>
-              <a:rPr lang="en-US" dirty="0"/>
-              <a:t>x:Name</a:t>
-            </a:r>
-          </a:p>
-          <a:p>
-            <a:r>
-              <a:rPr lang="en-US" dirty="0"/>
-              <a:t>Unregistered </a:t>
-            </a:r>
-            <a:r>
-              <a:rPr lang="en-US" dirty="0" smtClean="0"/>
-              <a:t>events</a:t>
-            </a:r>
-            <a:r>
-              <a:rPr lang="ru-RU" dirty="0" smtClean="0"/>
-              <a:t> = </a:t>
-            </a:r>
-            <a:r>
-              <a:rPr lang="en-US" dirty="0" smtClean="0"/>
-              <a:t>Event Handler Leak</a:t>
-            </a:r>
-            <a:endParaRPr lang="ru-RU" dirty="0" smtClean="0"/>
-          </a:p>
-          <a:p>
-            <a:r>
-              <a:rPr lang="en-US" dirty="0" err="1" smtClean="0"/>
-              <a:t>DispatcherTimer</a:t>
-            </a:r>
-            <a:endParaRPr lang="en-US" dirty="0" smtClean="0"/>
-          </a:p>
-          <a:p>
-            <a:r>
-              <a:rPr lang="en-US" dirty="0"/>
-              <a:t>Static </a:t>
-            </a:r>
-            <a:r>
-              <a:rPr lang="en-US" dirty="0" smtClean="0"/>
-              <a:t>events</a:t>
-            </a:r>
-          </a:p>
-          <a:p>
-            <a:r>
-              <a:rPr lang="en-US" dirty="0" err="1" smtClean="0"/>
-              <a:t>CommandBinding</a:t>
-            </a:r>
-            <a:endParaRPr lang="en-US" dirty="0"/>
-          </a:p>
-          <a:p>
-            <a:r>
-              <a:rPr lang="en-US" dirty="0" smtClean="0"/>
-              <a:t>Textbox undo</a:t>
-            </a:r>
-            <a:endParaRPr lang="ru-RU" dirty="0" smtClean="0"/>
-          </a:p>
-          <a:p>
+              <a:t> </a:t>
+            </a:r>
             <a:endParaRPr lang="ru-RU" dirty="0"/>
           </a:p>
         </p:txBody>
@@ -5221,7 +6122,7 @@
     </p:spTree>
     <p:extLst>
       <p:ext uri="{BB962C8B-B14F-4D97-AF65-F5344CB8AC3E}">
-        <p14:creationId xmlns:p14="http://schemas.microsoft.com/office/powerpoint/2010/main" val="168605117"/>
+        <p14:creationId xmlns:p14="http://schemas.microsoft.com/office/powerpoint/2010/main" val="3108876247"/>
       </p:ext>
     </p:extLst>
   </p:cSld>
@@ -5264,14 +6165,22 @@
           <a:lstStyle/>
           <a:p>
             <a:r>
-              <a:rPr lang="ru-RU" dirty="0" smtClean="0"/>
-              <a:t>Неправильный </a:t>
-            </a:r>
-            <a:r>
-              <a:rPr lang="en-US" dirty="0" smtClean="0"/>
-              <a:t>Binding</a:t>
-            </a:r>
-            <a:endParaRPr lang="ru-RU" dirty="0"/>
+              <a:rPr lang="ru-RU" b="1" dirty="0" smtClean="0"/>
+              <a:t>Основные причины утечек памяти</a:t>
+            </a:r>
+            <a:r>
+              <a:rPr lang="en-US" b="1" dirty="0" smtClean="0"/>
+              <a:t> </a:t>
+            </a:r>
+            <a:r>
+              <a:rPr lang="ru-RU" b="1" dirty="0" smtClean="0"/>
+              <a:t>в </a:t>
+            </a:r>
+            <a:r>
+              <a:rPr lang="en-US" b="1" dirty="0" smtClean="0"/>
+              <a:t>WPF</a:t>
+            </a:r>
+            <a:endParaRPr lang="ru-RU" b="1" dirty="0"/>
           </a:p>
         </p:txBody>
       </p:sp>
@@ -5285,26 +6194,20 @@
             <p:ph idx="1"/>
           </p:nvPr>
         </p:nvSpPr>
-        <p:spPr>
-          <a:xfrm>
-            <a:off x="838199" y="1825625"/>
-            <a:ext cx="10600113" cy="4351338"/>
-          </a:xfrm>
-        </p:spPr>
+        <p:spPr/>
         <p:txBody>
           <a:bodyPr>
             <a:normAutofit/>
           </a:bodyPr>
           <a:lstStyle/>
           <a:p>
-            <a:pPr>
-              <a:lnSpc>
-                <a:spcPct val="150000"/>
-              </a:lnSpc>
-            </a:pPr>
+            <a:r>
+              <a:rPr lang="en-US" dirty="0" smtClean="0"/>
+              <a:t>Binding </a:t>
+            </a:r>
             <a:r>
               <a:rPr lang="ru-RU" dirty="0" smtClean="0"/>
-              <a:t>Класс не реализует </a:t>
+              <a:t>без </a:t>
             </a:r>
             <a:r>
               <a:rPr lang="en-US" dirty="0" err="1" smtClean="0"/>
@@ -5313,70 +6216,77 @@
             <a:endParaRPr lang="en-US" dirty="0" smtClean="0"/>
           </a:p>
           <a:p>
-            <a:pPr>
-              <a:lnSpc>
-                <a:spcPct val="150000"/>
-              </a:lnSpc>
-            </a:pPr>
+            <a:r>
+              <a:rPr lang="en-US" dirty="0" smtClean="0"/>
+              <a:t>Collection binding </a:t>
+            </a:r>
             <a:r>
               <a:rPr lang="ru-RU" dirty="0" smtClean="0"/>
-              <a:t>Объект привязки можно изменять</a:t>
-            </a:r>
-          </a:p>
-          <a:p>
-            <a:pPr>
-              <a:lnSpc>
-                <a:spcPct val="150000"/>
-              </a:lnSpc>
-            </a:pPr>
+              <a:t>без </a:t>
+            </a:r>
             <a:r>
               <a:rPr lang="en-US" dirty="0" err="1" smtClean="0"/>
-              <a:t>System.ComponentModel.PropertyDesctiptor</a:t>
+              <a:t>INotifyCollectionChanged</a:t>
+            </a:r>
+            <a:endParaRPr lang="en-US" dirty="0" smtClean="0"/>
+          </a:p>
+          <a:p>
+            <a:r>
+              <a:rPr lang="en-US" dirty="0"/>
+              <a:t>x:Name</a:t>
+            </a:r>
+          </a:p>
+          <a:p>
+            <a:r>
+              <a:rPr lang="en-US" dirty="0"/>
+              <a:t>Unregistered </a:t>
+            </a:r>
+            <a:r>
+              <a:rPr lang="en-US" dirty="0" smtClean="0"/>
+              <a:t>events</a:t>
             </a:r>
             <a:r>
               <a:rPr lang="ru-RU" dirty="0" smtClean="0"/>
-              <a:t> – </a:t>
-            </a:r>
+              <a:t> = </a:t>
+            </a:r>
+            <a:r>
+              <a:rPr lang="en-US" dirty="0" smtClean="0"/>
+              <a:t>Event Handler Leak</a:t>
+            </a:r>
+            <a:endParaRPr lang="ru-RU" dirty="0" smtClean="0"/>
+          </a:p>
+          <a:p>
             <a:r>
               <a:rPr lang="en-US" dirty="0" err="1" smtClean="0"/>
-              <a:t>ValueChanged</a:t>
-            </a:r>
-            <a:r>
-              <a:rPr lang="ru-RU" dirty="0" smtClean="0"/>
-              <a:t> </a:t>
+              <a:t>DispatcherTimer</a:t>
+            </a:r>
+            <a:endParaRPr lang="en-US" dirty="0" smtClean="0"/>
+          </a:p>
+          <a:p>
+            <a:r>
+              <a:rPr lang="en-US" dirty="0"/>
+              <a:t>Static </a:t>
             </a:r>
             <a:r>
               <a:rPr lang="en-US" dirty="0" smtClean="0"/>
-              <a:t>event</a:t>
-            </a:r>
-          </a:p>
-          <a:p>
-            <a:pPr>
-              <a:lnSpc>
-                <a:spcPct val="150000"/>
-              </a:lnSpc>
-            </a:pPr>
+              <a:t>events</a:t>
+            </a:r>
+          </a:p>
+          <a:p>
+            <a:r>
+              <a:rPr lang="en-US" dirty="0" err="1" smtClean="0"/>
+              <a:t>CommandBinding</a:t>
+            </a:r>
+            <a:endParaRPr lang="en-US" dirty="0"/>
+          </a:p>
+          <a:p>
             <a:r>
               <a:rPr lang="en-US" dirty="0" smtClean="0"/>
-              <a:t>Binding </a:t>
-            </a:r>
-            <a:r>
-              <a:rPr lang="ru-RU" dirty="0"/>
-              <a:t>коллекции без </a:t>
-            </a:r>
-            <a:r>
-              <a:rPr lang="en-US" dirty="0" err="1"/>
-              <a:t>INotifyCollectionChanged</a:t>
-            </a:r>
-            <a:endParaRPr lang="en-US" dirty="0"/>
-          </a:p>
-          <a:p>
-            <a:pPr marL="0" indent="0">
-              <a:lnSpc>
-                <a:spcPct val="150000"/>
-              </a:lnSpc>
-              <a:buNone/>
-            </a:pPr>
+              <a:t>Textbox undo</a:t>
+            </a:r>
+            <a:endParaRPr lang="ru-RU" dirty="0" smtClean="0"/>
+          </a:p>
+          <a:p>
             <a:endParaRPr lang="ru-RU" dirty="0"/>
           </a:p>
         </p:txBody>
@@ -5384,13 +6294,20 @@
     </p:spTree>
     <p:extLst>
       <p:ext uri="{BB962C8B-B14F-4D97-AF65-F5344CB8AC3E}">
-        <p14:creationId xmlns:p14="http://schemas.microsoft.com/office/powerpoint/2010/main" val="119885656"/>
+        <p14:creationId xmlns:p14="http://schemas.microsoft.com/office/powerpoint/2010/main" val="168605117"/>
       </p:ext>
     </p:extLst>
   </p:cSld>
   <p:clrMapOvr>
     <a:masterClrMapping/>
   </p:clrMapOvr>
+  <p:timing>
+    <p:tnLst>
+      <p:par>
+        <p:cTn id="1" dur="indefinite" restart="never" nodeType="tmRoot"/>
+      </p:par>
+    </p:tnLst>
+  </p:timing>
 </p:sld>
 </file>
 
@@ -5427,25 +6344,14 @@
           <a:lstStyle/>
           <a:p>
             <a:r>
-              <a:rPr lang="ru-RU" dirty="0" smtClean="0"/>
-              <a:t>Как лечить </a:t>
-            </a:r>
-            <a:r>
-              <a:rPr lang="ru-RU" dirty="0"/>
-              <a:t>н</a:t>
-            </a:r>
-            <a:r>
-              <a:rPr lang="ru-RU" dirty="0" smtClean="0"/>
-              <a:t>еправильный </a:t>
-            </a:r>
-            <a:r>
-              <a:rPr lang="en-US" dirty="0" smtClean="0"/>
+              <a:rPr lang="ru-RU" b="1" dirty="0" smtClean="0"/>
+              <a:t>Неправильный </a:t>
+            </a:r>
+            <a:r>
+              <a:rPr lang="en-US" b="1" dirty="0" smtClean="0"/>
               <a:t>Binding</a:t>
             </a:r>
-            <a:r>
-              <a:rPr lang="ru-RU" dirty="0"/>
-              <a:t>?</a:t>
-            </a:r>
+            <a:endParaRPr lang="ru-RU" b="1" dirty="0"/>
           </a:p>
         </p:txBody>
       </p:sp>
@@ -5459,9 +6365,16 @@
             <p:ph idx="1"/>
           </p:nvPr>
         </p:nvSpPr>
-        <p:spPr/>
-        <p:txBody>
-          <a:bodyPr/>
+        <p:spPr>
+          <a:xfrm>
+            <a:off x="838199" y="1825625"/>
+            <a:ext cx="10600113" cy="4351338"/>
+          </a:xfrm>
+        </p:spPr>
+        <p:txBody>
+          <a:bodyPr>
+            <a:normAutofit/>
+          </a:bodyPr>
           <a:lstStyle/>
           <a:p>
             <a:pPr>
@@ -5470,22 +6383,14 @@
               </a:lnSpc>
             </a:pPr>
             <a:r>
+              <a:rPr lang="ru-RU" dirty="0" smtClean="0"/>
+              <a:t>Класс не реализует </a:t>
+            </a:r>
+            <a:r>
               <a:rPr lang="en-US" dirty="0" err="1" smtClean="0"/>
               <a:t>INotifyPropertyChanged</a:t>
             </a:r>
-            <a:r>
-              <a:rPr lang="en-US" dirty="0" smtClean="0"/>
-              <a:t> </a:t>
-            </a:r>
-            <a:r>
-              <a:rPr lang="ru-RU" dirty="0" smtClean="0"/>
-              <a:t>или </a:t>
-            </a:r>
-            <a:r>
-              <a:rPr lang="en-US" dirty="0" err="1" smtClean="0"/>
-              <a:t>DependencyProperty</a:t>
-            </a:r>
-            <a:endParaRPr lang="ru-RU" dirty="0" smtClean="0"/>
+            <a:endParaRPr lang="en-US" dirty="0" smtClean="0"/>
           </a:p>
           <a:p>
             <a:pPr>
@@ -5494,18 +6399,9 @@
               </a:lnSpc>
             </a:pPr>
             <a:r>
-              <a:rPr lang="en-US" dirty="0" smtClean="0"/>
-              <a:t>Binding Mode=“</a:t>
-            </a:r>
-            <a:r>
-              <a:rPr lang="en-US" dirty="0" err="1" smtClean="0"/>
-              <a:t>OneTime</a:t>
-            </a:r>
-            <a:r>
-              <a:rPr lang="en-US" dirty="0" smtClean="0"/>
-              <a:t>”</a:t>
-            </a:r>
-            <a:endParaRPr lang="en-US" dirty="0"/>
+              <a:rPr lang="ru-RU" dirty="0" smtClean="0"/>
+              <a:t>Объект привязки можно изменять</a:t>
+            </a:r>
           </a:p>
           <a:p>
             <a:pPr>
@@ -5514,22 +6410,25 @@
               </a:lnSpc>
             </a:pPr>
             <a:r>
+              <a:rPr lang="en-US" dirty="0" err="1" smtClean="0"/>
+              <a:t>System.ComponentModel.PropertyDesctiptor</a:t>
+            </a:r>
+            <a:r>
               <a:rPr lang="ru-RU" dirty="0" smtClean="0"/>
-              <a:t>Декоратор для </a:t>
+              <a:t> – </a:t>
             </a:r>
             <a:r>
               <a:rPr lang="en-US" dirty="0" err="1" smtClean="0"/>
-              <a:t>OneTime</a:t>
+              <a:t>ValueChanged</a:t>
+            </a:r>
+            <a:r>
+              <a:rPr lang="ru-RU" dirty="0" smtClean="0"/>
+              <a:t> </a:t>
             </a:r>
             <a:r>
               <a:rPr lang="en-US" dirty="0" smtClean="0"/>
-              <a:t> </a:t>
-            </a:r>
-            <a:r>
-              <a:rPr lang="en-US" dirty="0" smtClean="0"/>
-              <a:t>Binding</a:t>
-            </a:r>
-            <a:endParaRPr lang="ru-RU" dirty="0" smtClean="0"/>
+              <a:t>event</a:t>
+            </a:r>
           </a:p>
           <a:p>
             <a:pPr>
@@ -5538,29 +6437,26 @@
               </a:lnSpc>
             </a:pPr>
             <a:r>
-              <a:rPr lang="en-US" dirty="0" err="1" smtClean="0"/>
-              <a:t>ObservableCollection</a:t>
-            </a:r>
-            <a:r>
               <a:rPr lang="en-US" dirty="0" smtClean="0"/>
-              <a:t> </a:t>
-            </a:r>
-            <a:r>
-              <a:rPr lang="ru-RU" dirty="0" smtClean="0"/>
-              <a:t>или любая имплементация </a:t>
-            </a:r>
-            <a:r>
-              <a:rPr lang="en-US" dirty="0" err="1" smtClean="0"/>
+              <a:t>Binding </a:t>
+            </a:r>
+            <a:r>
+              <a:rPr lang="ru-RU" dirty="0"/>
+              <a:t>коллекции без </a:t>
+            </a:r>
+            <a:r>
+              <a:rPr lang="en-US" dirty="0" err="1"/>
               <a:t>INotifyCollectionChanged</a:t>
             </a:r>
-            <a:r>
-              <a:rPr lang="en-US" dirty="0" smtClean="0"/>
-              <a:t> </a:t>
-            </a:r>
-            <a:r>
-              <a:rPr lang="ru-RU" dirty="0" smtClean="0"/>
-              <a:t>для коллекции</a:t>
-            </a:r>
+            <a:endParaRPr lang="en-US" dirty="0"/>
+          </a:p>
+          <a:p>
+            <a:pPr marL="0" indent="0">
+              <a:lnSpc>
+                <a:spcPct val="150000"/>
+              </a:lnSpc>
+              <a:buNone/>
+            </a:pPr>
             <a:endParaRPr lang="ru-RU" dirty="0"/>
           </a:p>
         </p:txBody>
@@ -5568,13 +6464,20 @@
     </p:spTree>
     <p:extLst>
       <p:ext uri="{BB962C8B-B14F-4D97-AF65-F5344CB8AC3E}">
-        <p14:creationId xmlns:p14="http://schemas.microsoft.com/office/powerpoint/2010/main" val="1426775934"/>
+        <p14:creationId xmlns:p14="http://schemas.microsoft.com/office/powerpoint/2010/main" val="119885656"/>
       </p:ext>
     </p:extLst>
   </p:cSld>
   <p:clrMapOvr>
     <a:masterClrMapping/>
   </p:clrMapOvr>
+  <p:timing>
+    <p:tnLst>
+      <p:par>
+        <p:cTn id="1" dur="indefinite" restart="never" nodeType="tmRoot"/>
+      </p:par>
+    </p:tnLst>
+  </p:timing>
 </p:sld>
 </file>
 
@@ -5611,10 +6514,25 @@
           <a:lstStyle/>
           <a:p>
             <a:r>
-              <a:rPr lang="en-US" dirty="0" smtClean="0"/>
-              <a:t>x:Name</a:t>
-            </a:r>
-            <a:endParaRPr lang="ru-RU" dirty="0"/>
+              <a:rPr lang="ru-RU" b="1" dirty="0" smtClean="0"/>
+              <a:t>Как лечить </a:t>
+            </a:r>
+            <a:r>
+              <a:rPr lang="ru-RU" b="1" dirty="0"/>
+              <a:t>н</a:t>
+            </a:r>
+            <a:r>
+              <a:rPr lang="ru-RU" b="1" dirty="0" smtClean="0"/>
+              <a:t>еправильный </a:t>
+            </a:r>
+            <a:r>
+              <a:rPr lang="en-US" b="1" dirty="0" smtClean="0"/>
+              <a:t>Binding</a:t>
+            </a:r>
+            <a:r>
+              <a:rPr lang="ru-RU" b="1" dirty="0"/>
+              <a:t>?</a:t>
+            </a:r>
           </a:p>
         </p:txBody>
       </p:sp>
@@ -5639,12 +6557,20 @@
               </a:lnSpc>
             </a:pPr>
             <a:r>
+              <a:rPr lang="en-US" dirty="0" err="1" smtClean="0"/>
+              <a:t>INotifyPropertyChanged</a:t>
+            </a:r>
+            <a:r>
+              <a:rPr lang="en-US" dirty="0" smtClean="0"/>
+              <a:t> </a:t>
+            </a:r>
+            <a:r>
               <a:rPr lang="ru-RU" dirty="0" smtClean="0"/>
-              <a:t>Позволяет сослаться на элемент </a:t>
-            </a:r>
-            <a:r>
-              <a:rPr lang="en-US" dirty="0" smtClean="0"/>
-              <a:t>UI</a:t>
+              <a:t>или </a:t>
+            </a:r>
+            <a:r>
+              <a:rPr lang="en-US" dirty="0" err="1" smtClean="0"/>
+              <a:t>DependencyProperty</a:t>
             </a:r>
             <a:endParaRPr lang="ru-RU" dirty="0" smtClean="0"/>
           </a:p>
@@ -5655,22 +6581,18 @@
               </a:lnSpc>
             </a:pPr>
             <a:r>
-              <a:rPr lang="ru-RU" dirty="0" smtClean="0"/>
-              <a:t>Создает </a:t>
-            </a:r>
-            <a:r>
-              <a:rPr lang="ru-RU" dirty="0" smtClean="0"/>
-              <a:t>строгую глобальную ссылку на </a:t>
-            </a:r>
-            <a:r>
               <a:rPr lang="en-US" dirty="0" smtClean="0"/>
-              <a:t>UI </a:t>
-            </a:r>
-            <a:r>
-              <a:rPr lang="ru-RU" dirty="0" smtClean="0"/>
-              <a:t>элемент</a:t>
-            </a:r>
-            <a:endParaRPr lang="ru-RU" dirty="0"/>
+              <a:t>Binding Mode=“</a:t>
+            </a:r>
+            <a:r>
+              <a:rPr lang="en-US" dirty="0" err="1" smtClean="0"/>
+              <a:t>OneTime</a:t>
+            </a:r>
+            <a:r>
+              <a:rPr lang="en-US" dirty="0" smtClean="0"/>
+              <a:t>”</a:t>
+            </a:r>
+            <a:endParaRPr lang="en-US" dirty="0"/>
           </a:p>
           <a:p>
             <a:pPr>
@@ -5680,23 +6602,15 @@
             </a:pPr>
             <a:r>
               <a:rPr lang="ru-RU" dirty="0" smtClean="0"/>
-              <a:t>Лечение - </a:t>
+              <a:t>Декоратор для </a:t>
             </a:r>
             <a:r>
               <a:rPr lang="en-US" dirty="0" err="1" smtClean="0"/>
-              <a:t>UnregisterName</a:t>
+              <a:t>OneTime</a:t>
             </a:r>
             <a:r>
               <a:rPr lang="en-US" dirty="0" smtClean="0"/>
-              <a:t>(“</a:t>
-            </a:r>
-            <a:r>
-              <a:rPr lang="en-US" dirty="0" err="1" smtClean="0"/>
-              <a:t>elementName</a:t>
-            </a:r>
-            <a:r>
-              <a:rPr lang="en-US" dirty="0" smtClean="0"/>
-              <a:t>”)</a:t>
+              <a:t> Binding</a:t>
             </a:r>
             <a:endParaRPr lang="ru-RU" dirty="0" smtClean="0"/>
           </a:p>
@@ -5707,28 +6621,28 @@
               </a:lnSpc>
             </a:pPr>
             <a:r>
+              <a:rPr lang="en-US" dirty="0" err="1" smtClean="0"/>
+              <a:t>ObservableCollection</a:t>
+            </a:r>
+            <a:r>
+              <a:rPr lang="en-US" dirty="0" smtClean="0"/>
+              <a:t> </a:t>
+            </a:r>
+            <a:r>
               <a:rPr lang="ru-RU" dirty="0" smtClean="0"/>
-              <a:t>Пример кода</a:t>
-            </a:r>
-            <a:endParaRPr lang="ru-RU" dirty="0" smtClean="0"/>
-          </a:p>
-          <a:p>
-            <a:pPr>
-              <a:lnSpc>
-                <a:spcPct val="150000"/>
-              </a:lnSpc>
-            </a:pPr>
+              <a:t>или любая имплементация </a:t>
+            </a:r>
+            <a:r>
+              <a:rPr lang="en-US" dirty="0" err="1" smtClean="0"/>
+              <a:t>INotifyCollectionChanged</a:t>
+            </a:r>
+            <a:r>
+              <a:rPr lang="en-US" dirty="0" smtClean="0"/>
+              <a:t> </a:t>
+            </a:r>
             <a:r>
               <a:rPr lang="ru-RU" dirty="0" smtClean="0"/>
-              <a:t>Замена на </a:t>
-            </a:r>
-            <a:r>
-              <a:rPr lang="en-US" dirty="0" smtClean="0"/>
-              <a:t>Name – </a:t>
-            </a:r>
-            <a:r>
-              <a:rPr lang="ru-RU" dirty="0" smtClean="0"/>
-              <a:t>проверить!</a:t>
+              <a:t>для коллекции</a:t>
             </a:r>
             <a:endParaRPr lang="ru-RU" dirty="0"/>
           </a:p>
@@ -5737,13 +6651,20 @@
     </p:spTree>
     <p:extLst>
       <p:ext uri="{BB962C8B-B14F-4D97-AF65-F5344CB8AC3E}">
-        <p14:creationId xmlns:p14="http://schemas.microsoft.com/office/powerpoint/2010/main" val="1894424396"/>
+        <p14:creationId xmlns:p14="http://schemas.microsoft.com/office/powerpoint/2010/main" val="1426775934"/>
       </p:ext>
     </p:extLst>
   </p:cSld>
   <p:clrMapOvr>
     <a:masterClrMapping/>
   </p:clrMapOvr>
+  <p:timing>
+    <p:tnLst>
+      <p:par>
+        <p:cTn id="1" dur="indefinite" restart="never" nodeType="tmRoot"/>
+      </p:par>
+    </p:tnLst>
+  </p:timing>
 </p:sld>
 </file>
 
@@ -5780,10 +6701,10 @@
           <a:lstStyle/>
           <a:p>
             <a:r>
-              <a:rPr lang="en-US" dirty="0" smtClean="0"/>
-              <a:t>Event Handler leak</a:t>
-            </a:r>
-            <a:endParaRPr lang="ru-RU" dirty="0"/>
+              <a:rPr lang="en-US" b="1" dirty="0" smtClean="0"/>
+              <a:t>x:Name</a:t>
+            </a:r>
+            <a:endParaRPr lang="ru-RU" b="1" dirty="0"/>
           </a:p>
         </p:txBody>
       </p:sp>
@@ -5799,7 +6720,9 @@
         </p:nvSpPr>
         <p:spPr/>
         <p:txBody>
-          <a:bodyPr/>
+          <a:bodyPr>
+            <a:normAutofit lnSpcReduction="10000"/>
+          </a:bodyPr>
           <a:lstStyle/>
           <a:p>
             <a:pPr>
@@ -5809,11 +6732,11 @@
             </a:pPr>
             <a:r>
               <a:rPr lang="ru-RU" dirty="0" smtClean="0"/>
-              <a:t>Проблема не только в </a:t>
+              <a:t>Позволяет сослаться на элемент </a:t>
             </a:r>
             <a:r>
               <a:rPr lang="en-US" dirty="0" smtClean="0"/>
-              <a:t>WPF</a:t>
+              <a:t>UI</a:t>
             </a:r>
             <a:endParaRPr lang="ru-RU" dirty="0" smtClean="0"/>
           </a:p>
@@ -5825,8 +6748,17 @@
             </a:pPr>
             <a:r>
               <a:rPr lang="ru-RU" dirty="0" smtClean="0"/>
-              <a:t>Пример кода</a:t>
-            </a:r>
+              <a:t>Создает строгую глобальную ссылку на </a:t>
+            </a:r>
+            <a:r>
+              <a:rPr lang="en-US" dirty="0" smtClean="0"/>
+              <a:t>UI </a:t>
+            </a:r>
+            <a:r>
+              <a:rPr lang="ru-RU" dirty="0" smtClean="0"/>
+              <a:t>элемент</a:t>
+            </a:r>
+            <a:endParaRPr lang="ru-RU" dirty="0"/>
           </a:p>
           <a:p>
             <a:pPr>
@@ -5836,16 +6768,41 @@
             </a:pPr>
             <a:r>
               <a:rPr lang="ru-RU" dirty="0" smtClean="0"/>
-              <a:t>Отписывайтесь от событий везде - </a:t>
+              <a:t>Лечение - </a:t>
+            </a:r>
+            <a:r>
+              <a:rPr lang="en-US" dirty="0" err="1" smtClean="0"/>
+              <a:t>UnregisterName</a:t>
             </a:r>
             <a:r>
               <a:rPr lang="en-US" dirty="0" smtClean="0"/>
-              <a:t>Behavior, Trigger </a:t>
+              <a:t>(“</a:t>
+            </a:r>
+            <a:r>
+              <a:rPr lang="en-US" dirty="0" err="1" smtClean="0"/>
+              <a:t>elementName</a:t>
+            </a:r>
+            <a:r>
+              <a:rPr lang="en-US" dirty="0" smtClean="0"/>
+              <a:t>”)</a:t>
             </a:r>
             <a:r>
               <a:rPr lang="ru-RU" dirty="0" smtClean="0"/>
-              <a:t>и прочее</a:t>
-            </a:r>
+              <a:t> при закрытии</a:t>
+            </a:r>
+            <a:r>
+              <a:rPr lang="en-US" dirty="0" smtClean="0"/>
+              <a:t>/</a:t>
+            </a:r>
+            <a:r>
+              <a:rPr lang="ru-RU" dirty="0" smtClean="0"/>
+              <a:t>уничтожении </a:t>
+            </a:r>
+            <a:r>
+              <a:rPr lang="en-US" dirty="0" smtClean="0"/>
+              <a:t>View</a:t>
+            </a:r>
+            <a:endParaRPr lang="ru-RU" dirty="0" smtClean="0"/>
           </a:p>
           <a:p>
             <a:pPr>
@@ -5855,14 +6812,27 @@
             </a:pPr>
             <a:r>
               <a:rPr lang="ru-RU" dirty="0" smtClean="0"/>
-              <a:t>Придется отказаться от лямбд</a:t>
-            </a:r>
-            <a:endParaRPr lang="en-US" dirty="0"/>
-          </a:p>
-          <a:p>
-            <a:endParaRPr lang="en-US" dirty="0" smtClean="0"/>
-          </a:p>
-          <a:p>
+              <a:t>Пример кода</a:t>
+            </a:r>
+          </a:p>
+          <a:p>
+            <a:pPr>
+              <a:lnSpc>
+                <a:spcPct val="150000"/>
+              </a:lnSpc>
+            </a:pPr>
+            <a:r>
+              <a:rPr lang="ru-RU" dirty="0" smtClean="0"/>
+              <a:t>Замена на </a:t>
+            </a:r>
+            <a:r>
+              <a:rPr lang="en-US" dirty="0" smtClean="0"/>
+              <a:t>Name – </a:t>
+            </a:r>
+            <a:r>
+              <a:rPr lang="ru-RU" dirty="0" smtClean="0"/>
+              <a:t>проверить!</a:t>
+            </a:r>
             <a:endParaRPr lang="ru-RU" dirty="0"/>
           </a:p>
         </p:txBody>
@@ -5870,7 +6840,7 @@
     </p:spTree>
     <p:extLst>
       <p:ext uri="{BB962C8B-B14F-4D97-AF65-F5344CB8AC3E}">
-        <p14:creationId xmlns:p14="http://schemas.microsoft.com/office/powerpoint/2010/main" val="2538111150"/>
+        <p14:creationId xmlns:p14="http://schemas.microsoft.com/office/powerpoint/2010/main" val="1894424396"/>
       </p:ext>
     </p:extLst>
   </p:cSld>
@@ -5913,10 +6883,14 @@
           <a:lstStyle/>
           <a:p>
             <a:r>
-              <a:rPr lang="en-US" dirty="0" err="1" smtClean="0"/>
-              <a:t>DispatcherTimer</a:t>
-            </a:r>
-            <a:endParaRPr lang="ru-RU" dirty="0"/>
+              <a:rPr lang="ru-RU" b="1" dirty="0" smtClean="0"/>
+              <a:t>Особенности </a:t>
+            </a:r>
+            <a:r>
+              <a:rPr lang="en-US" b="1" dirty="0" smtClean="0"/>
+              <a:t>event handler </a:t>
+            </a:r>
+            <a:endParaRPr lang="ru-RU" b="1" dirty="0"/>
           </a:p>
         </p:txBody>
       </p:sp>
@@ -5942,17 +6916,8 @@
             </a:pPr>
             <a:r>
               <a:rPr lang="en-US" dirty="0" smtClean="0"/>
-              <a:t>Dispatcher </a:t>
-            </a:r>
-            <a:r>
-              <a:rPr lang="ru-RU" dirty="0" smtClean="0"/>
-              <a:t>ссылается на коллекцию </a:t>
-            </a:r>
-            <a:r>
-              <a:rPr lang="en-US" dirty="0" err="1" smtClean="0"/>
-              <a:t>DispatcherTimers</a:t>
-            </a:r>
-            <a:endParaRPr lang="ru-RU" dirty="0" smtClean="0"/>
+              <a:t>Event VS static event </a:t>
+            </a:r>
           </a:p>
           <a:p>
             <a:pPr>
@@ -5961,39 +6926,8 @@
               </a:lnSpc>
             </a:pPr>
             <a:r>
-              <a:rPr lang="ru-RU" dirty="0" smtClean="0"/>
-              <a:t>Частный случай </a:t>
-            </a:r>
-            <a:r>
               <a:rPr lang="en-US" dirty="0" smtClean="0"/>
-              <a:t>Event Handler Leak</a:t>
-            </a:r>
-          </a:p>
-          <a:p>
-            <a:pPr>
-              <a:lnSpc>
-                <a:spcPct val="150000"/>
-              </a:lnSpc>
-            </a:pPr>
-            <a:r>
-              <a:rPr lang="ru-RU" dirty="0" smtClean="0"/>
-              <a:t>Лечение – удалять ссылку на </a:t>
-            </a:r>
-            <a:r>
-              <a:rPr lang="en-US" dirty="0" err="1" smtClean="0"/>
-              <a:t>DispatcherTimer</a:t>
-            </a:r>
-            <a:r>
-              <a:rPr lang="en-US" dirty="0" smtClean="0"/>
-              <a:t> </a:t>
-            </a:r>
-            <a:r>
-              <a:rPr lang="ru-RU" dirty="0" smtClean="0"/>
-              <a:t>в </a:t>
-            </a:r>
-            <a:r>
-              <a:rPr lang="en-US" dirty="0" smtClean="0"/>
-              <a:t>code behind ?</a:t>
+              <a:t>Event hander VS static event hander</a:t>
             </a:r>
             <a:endParaRPr lang="ru-RU" dirty="0"/>
           </a:p>
@@ -6002,7 +6936,7 @@
     </p:spTree>
     <p:extLst>
       <p:ext uri="{BB962C8B-B14F-4D97-AF65-F5344CB8AC3E}">
-        <p14:creationId xmlns:p14="http://schemas.microsoft.com/office/powerpoint/2010/main" val="791737739"/>
+        <p14:creationId xmlns:p14="http://schemas.microsoft.com/office/powerpoint/2010/main" val="1490584961"/>
       </p:ext>
     </p:extLst>
   </p:cSld>

--- a/Утечки памяти.pptx
+++ b/Утечки памяти.pptx
@@ -1,34 +1,36 @@
 
 <file path=ppt/presentation.xml><?xml version="1.0" encoding="utf-8"?>
-<p:presentation xmlns:a="http://schemas.openxmlformats.org/drawingml/2006/main" xmlns:r="http://schemas.openxmlformats.org/officeDocument/2006/relationships" xmlns:p="http://schemas.openxmlformats.org/presentationml/2006/main" saveSubsetFonts="1">
+<p:presentation xmlns:a="http://schemas.openxmlformats.org/drawingml/2006/main" xmlns:r="http://schemas.openxmlformats.org/officeDocument/2006/relationships" xmlns:p="http://schemas.openxmlformats.org/presentationml/2006/main" showSpecialPlsOnTitleSld="0" saveSubsetFonts="1">
   <p:sldMasterIdLst>
     <p:sldMasterId id="2147483648" r:id="rId1"/>
   </p:sldMasterIdLst>
   <p:notesMasterIdLst>
-    <p:notesMasterId r:id="rId23"/>
+    <p:notesMasterId r:id="rId25"/>
   </p:notesMasterIdLst>
   <p:sldIdLst>
     <p:sldId id="256" r:id="rId2"/>
     <p:sldId id="257" r:id="rId3"/>
     <p:sldId id="279" r:id="rId4"/>
-    <p:sldId id="284" r:id="rId5"/>
-    <p:sldId id="258" r:id="rId6"/>
-    <p:sldId id="267" r:id="rId7"/>
-    <p:sldId id="268" r:id="rId8"/>
-    <p:sldId id="269" r:id="rId9"/>
-    <p:sldId id="283" r:id="rId10"/>
+    <p:sldId id="286" r:id="rId5"/>
+    <p:sldId id="284" r:id="rId6"/>
+    <p:sldId id="258" r:id="rId7"/>
+    <p:sldId id="267" r:id="rId8"/>
+    <p:sldId id="268" r:id="rId9"/>
+    <p:sldId id="269" r:id="rId10"/>
     <p:sldId id="271" r:id="rId11"/>
     <p:sldId id="282" r:id="rId12"/>
     <p:sldId id="265" r:id="rId13"/>
-    <p:sldId id="272" r:id="rId14"/>
-    <p:sldId id="275" r:id="rId15"/>
-    <p:sldId id="270" r:id="rId16"/>
-    <p:sldId id="280" r:id="rId17"/>
+    <p:sldId id="275" r:id="rId14"/>
+    <p:sldId id="270" r:id="rId15"/>
+    <p:sldId id="280" r:id="rId16"/>
+    <p:sldId id="285" r:id="rId17"/>
     <p:sldId id="281" r:id="rId18"/>
-    <p:sldId id="274" r:id="rId19"/>
-    <p:sldId id="276" r:id="rId20"/>
-    <p:sldId id="277" r:id="rId21"/>
-    <p:sldId id="278" r:id="rId22"/>
+    <p:sldId id="287" r:id="rId19"/>
+    <p:sldId id="272" r:id="rId20"/>
+    <p:sldId id="274" r:id="rId21"/>
+    <p:sldId id="276" r:id="rId22"/>
+    <p:sldId id="277" r:id="rId23"/>
+    <p:sldId id="278" r:id="rId24"/>
   </p:sldIdLst>
   <p:sldSz cx="12192000" cy="6858000"/>
   <p:notesSz cx="6858000" cy="9144000"/>
@@ -217,7 +219,7 @@
           <a:p>
             <a:fld id="{7E32760C-D076-4A5B-AE14-FF54E2D8759C}" type="datetimeFigureOut">
               <a:rPr lang="ru-RU" smtClean="0"/>
-              <a:t>06.12.2018</a:t>
+              <a:t>09.12.2018</a:t>
             </a:fld>
             <a:endParaRPr lang="ru-RU"/>
           </a:p>
@@ -569,6 +571,140 @@
 </p:notes>
 </file>
 
+<file path=ppt/notesSlides/notesSlide10.xml><?xml version="1.0" encoding="utf-8"?>
+<p:notes xmlns:a="http://schemas.openxmlformats.org/drawingml/2006/main" xmlns:r="http://schemas.openxmlformats.org/officeDocument/2006/relationships" xmlns:p="http://schemas.openxmlformats.org/presentationml/2006/main">
+  <p:cSld>
+    <p:spTree>
+      <p:nvGrpSpPr>
+        <p:cNvPr id="1" name=""/>
+        <p:cNvGrpSpPr/>
+        <p:nvPr/>
+      </p:nvGrpSpPr>
+      <p:grpSpPr>
+        <a:xfrm>
+          <a:off x="0" y="0"/>
+          <a:ext cx="0" cy="0"/>
+          <a:chOff x="0" y="0"/>
+          <a:chExt cx="0" cy="0"/>
+        </a:xfrm>
+      </p:grpSpPr>
+      <p:sp>
+        <p:nvSpPr>
+          <p:cNvPr id="2" name="Образ слайда 1"/>
+          <p:cNvSpPr>
+            <a:spLocks noGrp="1" noRot="1" noChangeAspect="1"/>
+          </p:cNvSpPr>
+          <p:nvPr>
+            <p:ph type="sldImg"/>
+          </p:nvPr>
+        </p:nvSpPr>
+        <p:spPr/>
+      </p:sp>
+      <p:sp>
+        <p:nvSpPr>
+          <p:cNvPr id="3" name="Заметки 2"/>
+          <p:cNvSpPr>
+            <a:spLocks noGrp="1"/>
+          </p:cNvSpPr>
+          <p:nvPr>
+            <p:ph type="body" idx="1"/>
+          </p:nvPr>
+        </p:nvSpPr>
+        <p:spPr/>
+        <p:txBody>
+          <a:bodyPr/>
+          <a:lstStyle/>
+          <a:p>
+            <a:pPr>
+              <a:lnSpc>
+                <a:spcPct val="150000"/>
+              </a:lnSpc>
+            </a:pPr>
+            <a:r>
+              <a:rPr lang="en-US" dirty="0" err="1" smtClean="0"/>
+              <a:t>SharedResourceDictionary</a:t>
+            </a:r>
+            <a:r>
+              <a:rPr lang="en-US" dirty="0" smtClean="0"/>
+              <a:t> – </a:t>
+            </a:r>
+            <a:r>
+              <a:rPr lang="ru-RU" dirty="0" smtClean="0"/>
+              <a:t>найти в интернете</a:t>
+            </a:r>
+          </a:p>
+          <a:p>
+            <a:pPr>
+              <a:lnSpc>
+                <a:spcPct val="150000"/>
+              </a:lnSpc>
+            </a:pPr>
+            <a:r>
+              <a:rPr lang="ru-RU" dirty="0" smtClean="0"/>
+              <a:t>Взять нашу реализации с </a:t>
+            </a:r>
+            <a:r>
+              <a:rPr lang="en-US" dirty="0" err="1" smtClean="0"/>
+              <a:t>WeakDictionary</a:t>
+            </a:r>
+            <a:r>
+              <a:rPr lang="en-US" dirty="0" smtClean="0"/>
+              <a:t> (</a:t>
+            </a:r>
+            <a:r>
+              <a:rPr lang="ru-RU" dirty="0" smtClean="0"/>
+              <a:t> </a:t>
+            </a:r>
+            <a:r>
+              <a:rPr lang="en-US" dirty="0" smtClean="0"/>
+              <a:t>&gt; 3 </a:t>
+            </a:r>
+            <a:r>
+              <a:rPr lang="ru-RU" dirty="0" smtClean="0"/>
+              <a:t>месяцев назад)</a:t>
+            </a:r>
+          </a:p>
+          <a:p>
+            <a:endParaRPr lang="ru-RU" dirty="0"/>
+          </a:p>
+        </p:txBody>
+      </p:sp>
+      <p:sp>
+        <p:nvSpPr>
+          <p:cNvPr id="4" name="Номер слайда 3"/>
+          <p:cNvSpPr>
+            <a:spLocks noGrp="1"/>
+          </p:cNvSpPr>
+          <p:nvPr>
+            <p:ph type="sldNum" sz="quarter" idx="10"/>
+          </p:nvPr>
+        </p:nvSpPr>
+        <p:spPr/>
+        <p:txBody>
+          <a:bodyPr/>
+          <a:lstStyle/>
+          <a:p>
+            <a:fld id="{01B998F4-8103-417C-AF3C-B5E3C74782CC}" type="slidenum">
+              <a:rPr lang="ru-RU" smtClean="0"/>
+              <a:t>17</a:t>
+            </a:fld>
+            <a:endParaRPr lang="ru-RU"/>
+          </a:p>
+        </p:txBody>
+      </p:sp>
+    </p:spTree>
+    <p:extLst>
+      <p:ext uri="{BB962C8B-B14F-4D97-AF65-F5344CB8AC3E}">
+        <p14:creationId xmlns:p14="http://schemas.microsoft.com/office/powerpoint/2010/main" val="4214944097"/>
+      </p:ext>
+    </p:extLst>
+  </p:cSld>
+  <p:clrMapOvr>
+    <a:masterClrMapping/>
+  </p:clrMapOvr>
+</p:notes>
+</file>
+
 <file path=ppt/notesSlides/notesSlide2.xml><?xml version="1.0" encoding="utf-8"?>
 <p:notes xmlns:a="http://schemas.openxmlformats.org/drawingml/2006/main" xmlns:r="http://schemas.openxmlformats.org/officeDocument/2006/relationships" xmlns:p="http://schemas.openxmlformats.org/presentationml/2006/main">
   <p:cSld>
@@ -613,114 +749,50 @@
           <a:bodyPr/>
           <a:lstStyle/>
           <a:p>
-            <a:pPr marL="0" marR="0" lvl="0" indent="0" algn="l" defTabSz="914400" rtl="0" eaLnBrk="1" fontAlgn="auto" latinLnBrk="0" hangingPunct="1">
-              <a:lnSpc>
-                <a:spcPct val="100000"/>
-              </a:lnSpc>
-              <a:spcBef>
-                <a:spcPts val="0"/>
-              </a:spcBef>
-              <a:spcAft>
-                <a:spcPts val="0"/>
-              </a:spcAft>
-              <a:buClrTx/>
-              <a:buSzTx/>
-              <a:buFontTx/>
-              <a:buNone/>
-              <a:tabLst/>
-              <a:defRPr/>
-            </a:pPr>
-            <a:r>
-              <a:rPr lang="en-US" dirty="0" smtClean="0"/>
-              <a:t>Binding – </a:t>
-            </a:r>
-            <a:r>
-              <a:rPr lang="ru-RU" dirty="0" smtClean="0"/>
-              <a:t>декларативная</a:t>
+            <a:r>
+              <a:rPr lang="ru-RU" dirty="0" smtClean="0"/>
+              <a:t>Стандартный набор действий:</a:t>
+            </a:r>
+          </a:p>
+          <a:p>
+            <a:pPr marL="228600" indent="-228600">
+              <a:buAutoNum type="arabicParenR"/>
+            </a:pPr>
+            <a:r>
+              <a:rPr lang="ru-RU" dirty="0" smtClean="0"/>
+              <a:t>Загрузить данные из </a:t>
+            </a:r>
+            <a:r>
+              <a:rPr lang="ru-RU" dirty="0" err="1" smtClean="0"/>
+              <a:t>бд</a:t>
+            </a:r>
+            <a:r>
+              <a:rPr lang="ru-RU" dirty="0" smtClean="0"/>
+              <a:t> или из файла;</a:t>
+            </a:r>
+          </a:p>
+          <a:p>
+            <a:pPr marL="228600" indent="-228600">
+              <a:buAutoNum type="arabicParenR"/>
+            </a:pPr>
+            <a:r>
+              <a:rPr lang="ru-RU" dirty="0" smtClean="0"/>
+              <a:t>Показать</a:t>
             </a:r>
             <a:r>
               <a:rPr lang="ru-RU" baseline="0" dirty="0" smtClean="0"/>
-              <a:t> реализация паттерна </a:t>
-            </a:r>
-            <a:r>
-              <a:rPr lang="en-US" baseline="0" dirty="0" smtClean="0"/>
-              <a:t>Observer</a:t>
-            </a:r>
-          </a:p>
-          <a:p>
-            <a:pPr marL="0" marR="0" lvl="0" indent="0" algn="l" defTabSz="914400" rtl="0" eaLnBrk="1" fontAlgn="auto" latinLnBrk="0" hangingPunct="1">
-              <a:lnSpc>
-                <a:spcPct val="100000"/>
-              </a:lnSpc>
-              <a:spcBef>
-                <a:spcPts val="0"/>
-              </a:spcBef>
-              <a:spcAft>
-                <a:spcPts val="0"/>
-              </a:spcAft>
-              <a:buClrTx/>
-              <a:buSzTx/>
-              <a:buFontTx/>
-              <a:buNone/>
-              <a:tabLst/>
-              <a:defRPr/>
+              <a:t> один объект;</a:t>
+            </a:r>
+          </a:p>
+          <a:p>
+            <a:pPr marL="228600" indent="-228600">
+              <a:buAutoNum type="arabicParenR"/>
             </a:pPr>
             <a:r>
               <a:rPr lang="ru-RU" baseline="0" dirty="0" smtClean="0"/>
-              <a:t>Объект -  источник</a:t>
-            </a:r>
-          </a:p>
-          <a:p>
-            <a:pPr marL="0" marR="0" lvl="0" indent="0" algn="l" defTabSz="914400" rtl="0" eaLnBrk="1" fontAlgn="auto" latinLnBrk="0" hangingPunct="1">
-              <a:lnSpc>
-                <a:spcPct val="100000"/>
-              </a:lnSpc>
-              <a:spcBef>
-                <a:spcPts val="0"/>
-              </a:spcBef>
-              <a:spcAft>
-                <a:spcPts val="0"/>
-              </a:spcAft>
-              <a:buClrTx/>
-              <a:buSzTx/>
-              <a:buFontTx/>
-              <a:buNone/>
-              <a:tabLst/>
-              <a:defRPr/>
-            </a:pPr>
-            <a:r>
-              <a:rPr lang="ru-RU" baseline="0" dirty="0" smtClean="0"/>
-              <a:t>Подписант – </a:t>
-            </a:r>
-            <a:r>
-              <a:rPr lang="ru-RU" baseline="0" dirty="0" err="1" smtClean="0"/>
-              <a:t>вьюха</a:t>
-            </a:r>
-            <a:endParaRPr lang="ru-RU" baseline="0" dirty="0" smtClean="0"/>
-          </a:p>
-          <a:p>
-            <a:pPr marL="0" marR="0" lvl="0" indent="0" algn="l" defTabSz="914400" rtl="0" eaLnBrk="1" fontAlgn="auto" latinLnBrk="0" hangingPunct="1">
-              <a:lnSpc>
-                <a:spcPct val="100000"/>
-              </a:lnSpc>
-              <a:spcBef>
-                <a:spcPts val="0"/>
-              </a:spcBef>
-              <a:spcAft>
-                <a:spcPts val="0"/>
-              </a:spcAft>
-              <a:buClrTx/>
-              <a:buSzTx/>
-              <a:buFontTx/>
-              <a:buNone/>
-              <a:tabLst/>
-              <a:defRPr/>
-            </a:pPr>
-            <a:r>
-              <a:rPr lang="ru-RU" baseline="0" dirty="0" smtClean="0"/>
-              <a:t>Уточнить про коллекции</a:t>
-            </a:r>
-            <a:endParaRPr lang="ru-RU" dirty="0" smtClean="0"/>
+              <a:t>Показать много объектов;</a:t>
+            </a:r>
+            <a:endParaRPr lang="ru-RU" dirty="0"/>
           </a:p>
         </p:txBody>
       </p:sp>
@@ -741,7 +813,7 @@
           <a:p>
             <a:fld id="{01B998F4-8103-417C-AF3C-B5E3C74782CC}" type="slidenum">
               <a:rPr lang="ru-RU" smtClean="0"/>
-              <a:t>6</a:t>
+              <a:t>4</a:t>
             </a:fld>
             <a:endParaRPr lang="ru-RU"/>
           </a:p>
@@ -750,7 +822,7 @@
     </p:spTree>
     <p:extLst>
       <p:ext uri="{BB962C8B-B14F-4D97-AF65-F5344CB8AC3E}">
-        <p14:creationId xmlns:p14="http://schemas.microsoft.com/office/powerpoint/2010/main" val="825020462"/>
+        <p14:creationId xmlns:p14="http://schemas.microsoft.com/office/powerpoint/2010/main" val="3014532107"/>
       </p:ext>
     </p:extLst>
   </p:cSld>
@@ -804,62 +876,172 @@
           <a:bodyPr/>
           <a:lstStyle/>
           <a:p>
-            <a:r>
-              <a:rPr lang="ru-RU" dirty="0" smtClean="0"/>
-              <a:t>Не</a:t>
+            <a:pPr marL="0" marR="0" lvl="0" indent="0" algn="l" defTabSz="914400" rtl="0" eaLnBrk="1" fontAlgn="auto" latinLnBrk="0" hangingPunct="1">
+              <a:lnSpc>
+                <a:spcPct val="100000"/>
+              </a:lnSpc>
+              <a:spcBef>
+                <a:spcPts val="0"/>
+              </a:spcBef>
+              <a:spcAft>
+                <a:spcPts val="0"/>
+              </a:spcAft>
+              <a:buClrTx/>
+              <a:buSzTx/>
+              <a:buFontTx/>
+              <a:buNone/>
+              <a:tabLst/>
+              <a:defRPr/>
+            </a:pPr>
+            <a:r>
+              <a:rPr lang="en-US" dirty="0" smtClean="0"/>
+              <a:t>Binding – </a:t>
+            </a:r>
+            <a:r>
+              <a:rPr lang="ru-RU" dirty="0" smtClean="0"/>
+              <a:t>декларативная</a:t>
             </a:r>
             <a:r>
               <a:rPr lang="ru-RU" baseline="0" dirty="0" smtClean="0"/>
-              <a:t> забыть упомянуть про </a:t>
+              <a:t> реализация паттерна </a:t>
             </a:r>
             <a:r>
               <a:rPr lang="en-US" baseline="0" dirty="0" smtClean="0"/>
-              <a:t>Immutable + </a:t>
-            </a:r>
-            <a:r>
-              <a:rPr lang="en-US" baseline="0" dirty="0" err="1" smtClean="0"/>
-              <a:t>readonly</a:t>
-            </a:r>
+              <a:t>Observer</a:t>
+            </a:r>
+          </a:p>
+          <a:p>
+            <a:pPr marL="0" marR="0" lvl="0" indent="0" algn="l" defTabSz="914400" rtl="0" eaLnBrk="1" fontAlgn="auto" latinLnBrk="0" hangingPunct="1">
+              <a:lnSpc>
+                <a:spcPct val="100000"/>
+              </a:lnSpc>
+              <a:spcBef>
+                <a:spcPts val="0"/>
+              </a:spcBef>
+              <a:spcAft>
+                <a:spcPts val="0"/>
+              </a:spcAft>
+              <a:buClrTx/>
+              <a:buSzTx/>
+              <a:buFontTx/>
+              <a:buNone/>
+              <a:tabLst/>
+              <a:defRPr/>
+            </a:pPr>
+            <a:r>
+              <a:rPr lang="ru-RU" baseline="0" dirty="0" smtClean="0"/>
+              <a:t>Объект -  источник</a:t>
+            </a:r>
+          </a:p>
+          <a:p>
+            <a:pPr marL="0" marR="0" lvl="0" indent="0" algn="l" defTabSz="914400" rtl="0" eaLnBrk="1" fontAlgn="auto" latinLnBrk="0" hangingPunct="1">
+              <a:lnSpc>
+                <a:spcPct val="100000"/>
+              </a:lnSpc>
+              <a:spcBef>
+                <a:spcPts val="0"/>
+              </a:spcBef>
+              <a:spcAft>
+                <a:spcPts val="0"/>
+              </a:spcAft>
+              <a:buClrTx/>
+              <a:buSzTx/>
+              <a:buFontTx/>
+              <a:buNone/>
+              <a:tabLst/>
+              <a:defRPr/>
+            </a:pPr>
+            <a:r>
+              <a:rPr lang="ru-RU" baseline="0" dirty="0" smtClean="0"/>
+              <a:t>Подписант – </a:t>
+            </a:r>
+            <a:r>
+              <a:rPr lang="ru-RU" baseline="0" dirty="0" err="1" smtClean="0"/>
+              <a:t>вьюха</a:t>
+            </a:r>
+            <a:endParaRPr lang="ru-RU" baseline="0" dirty="0" smtClean="0"/>
+          </a:p>
+          <a:p>
+            <a:pPr marL="0" marR="0" lvl="0" indent="0" algn="l" defTabSz="914400" rtl="0" eaLnBrk="1" fontAlgn="auto" latinLnBrk="0" hangingPunct="1">
+              <a:lnSpc>
+                <a:spcPct val="100000"/>
+              </a:lnSpc>
+              <a:spcBef>
+                <a:spcPts val="0"/>
+              </a:spcBef>
+              <a:spcAft>
+                <a:spcPts val="0"/>
+              </a:spcAft>
+              <a:buClrTx/>
+              <a:buSzTx/>
+              <a:buFontTx/>
+              <a:buNone/>
+              <a:tabLst/>
+              <a:defRPr/>
+            </a:pPr>
+            <a:r>
+              <a:rPr lang="ru-RU" baseline="0" dirty="0" smtClean="0"/>
+              <a:t>Уточнить про </a:t>
+            </a:r>
+            <a:r>
+              <a:rPr lang="ru-RU" baseline="0" dirty="0" smtClean="0"/>
+              <a:t>коллекции</a:t>
+            </a:r>
+            <a:endParaRPr lang="en-US" baseline="0" dirty="0" smtClean="0"/>
+          </a:p>
+          <a:p>
+            <a:pPr marL="0" marR="0" lvl="0" indent="0" algn="l" defTabSz="914400" rtl="0" eaLnBrk="1" fontAlgn="auto" latinLnBrk="0" hangingPunct="1">
+              <a:lnSpc>
+                <a:spcPct val="100000"/>
+              </a:lnSpc>
+              <a:spcBef>
+                <a:spcPts val="0"/>
+              </a:spcBef>
+              <a:spcAft>
+                <a:spcPts val="0"/>
+              </a:spcAft>
+              <a:buClrTx/>
+              <a:buSzTx/>
+              <a:buFontTx/>
+              <a:buNone/>
+              <a:tabLst/>
+              <a:defRPr/>
+            </a:pPr>
+            <a:endParaRPr lang="en-US" baseline="0" dirty="0" smtClean="0"/>
+          </a:p>
+          <a:p>
+            <a:pPr marL="0" marR="0" lvl="0" indent="0" algn="l" defTabSz="914400" rtl="0" eaLnBrk="1" fontAlgn="auto" latinLnBrk="0" hangingPunct="1">
+              <a:lnSpc>
+                <a:spcPct val="100000"/>
+              </a:lnSpc>
+              <a:spcBef>
+                <a:spcPts val="0"/>
+              </a:spcBef>
+              <a:spcAft>
+                <a:spcPts val="0"/>
+              </a:spcAft>
+              <a:buClrTx/>
+              <a:buSzTx/>
+              <a:buFontTx/>
+              <a:buNone/>
+              <a:tabLst/>
+              <a:defRPr/>
+            </a:pPr>
             <a:r>
               <a:rPr lang="en-US" baseline="0" dirty="0" smtClean="0"/>
-              <a:t> </a:t>
-            </a:r>
-            <a:r>
-              <a:rPr lang="en-US" baseline="0" dirty="0" err="1" smtClean="0"/>
-              <a:t>struct</a:t>
-            </a:r>
-            <a:endParaRPr lang="ru-RU" baseline="0" dirty="0" smtClean="0"/>
-          </a:p>
-          <a:p>
+              <a:t>Binding </a:t>
+            </a:r>
             <a:r>
               <a:rPr lang="ru-RU" baseline="0" dirty="0" smtClean="0"/>
-              <a:t>А </a:t>
-            </a:r>
-            <a:r>
-              <a:rPr lang="en-US" baseline="0" dirty="0" err="1" smtClean="0"/>
-              <a:t>DependencyObject</a:t>
+              <a:t>на свойство </a:t>
             </a:r>
             <a:r>
               <a:rPr lang="en-US" baseline="0" dirty="0" smtClean="0"/>
-              <a:t>?</a:t>
-            </a:r>
-          </a:p>
-          <a:p>
-            <a:r>
-              <a:rPr lang="en-US" baseline="0" dirty="0" smtClean="0"/>
-              <a:t>Bryan Lagunas – </a:t>
+              <a:t>UI </a:t>
             </a:r>
             <a:r>
               <a:rPr lang="ru-RU" baseline="0" dirty="0" smtClean="0"/>
-              <a:t>на </a:t>
-            </a:r>
-            <a:r>
-              <a:rPr lang="en-US" baseline="0" dirty="0" err="1" smtClean="0"/>
-              <a:t>ViewModel</a:t>
-            </a:r>
-            <a:r>
-              <a:rPr lang="en-US" baseline="0" dirty="0" smtClean="0"/>
-              <a:t> </a:t>
+              <a:t>элемента, которое не </a:t>
             </a:r>
             <a:r>
               <a:rPr lang="en-US" baseline="0" dirty="0" err="1" smtClean="0"/>
@@ -867,13 +1049,13 @@
             </a:r>
             <a:r>
               <a:rPr lang="en-US" baseline="0" dirty="0" smtClean="0"/>
-              <a:t> - </a:t>
+              <a:t> – </a:t>
             </a:r>
             <a:r>
               <a:rPr lang="ru-RU" baseline="0" dirty="0" smtClean="0"/>
-              <a:t>зло</a:t>
-            </a:r>
-            <a:endParaRPr lang="ru-RU" dirty="0"/>
+              <a:t>утечка!</a:t>
+            </a:r>
+            <a:endParaRPr lang="ru-RU" dirty="0" smtClean="0"/>
           </a:p>
         </p:txBody>
       </p:sp>
@@ -903,7 +1085,7 @@
     </p:spTree>
     <p:extLst>
       <p:ext uri="{BB962C8B-B14F-4D97-AF65-F5344CB8AC3E}">
-        <p14:creationId xmlns:p14="http://schemas.microsoft.com/office/powerpoint/2010/main" val="2508786773"/>
+        <p14:creationId xmlns:p14="http://schemas.microsoft.com/office/powerpoint/2010/main" val="825020462"/>
       </p:ext>
     </p:extLst>
   </p:cSld>
@@ -957,233 +1139,75 @@
           <a:bodyPr/>
           <a:lstStyle/>
           <a:p>
-            <a:pPr marL="0" marR="0" indent="0" algn="l" defTabSz="914400" rtl="0" eaLnBrk="1" fontAlgn="auto" latinLnBrk="0" hangingPunct="1">
-              <a:lnSpc>
-                <a:spcPct val="100000"/>
-              </a:lnSpc>
-              <a:spcBef>
-                <a:spcPts val="0"/>
-              </a:spcBef>
-              <a:spcAft>
-                <a:spcPts val="0"/>
-              </a:spcAft>
-              <a:buClrTx/>
-              <a:buSzTx/>
-              <a:buFontTx/>
-              <a:buNone/>
-              <a:tabLst/>
-              <a:defRPr/>
-            </a:pPr>
-            <a:r>
-              <a:rPr lang="ru-RU" dirty="0" smtClean="0"/>
-              <a:t>Про</a:t>
+            <a:r>
+              <a:rPr lang="ru-RU" dirty="0" smtClean="0"/>
+              <a:t>Не</a:t>
             </a:r>
             <a:r>
               <a:rPr lang="ru-RU" baseline="0" dirty="0" smtClean="0"/>
-              <a:t> боль от отписки от событий говорил и Кирилл </a:t>
-            </a:r>
-            <a:r>
-              <a:rPr lang="ru-RU" baseline="0" dirty="0" err="1" smtClean="0"/>
-              <a:t>Маурин</a:t>
-            </a:r>
+              <a:t> забыть упомянуть про </a:t>
+            </a:r>
+            <a:r>
+              <a:rPr lang="en-US" baseline="0" dirty="0" smtClean="0"/>
+              <a:t>Immutable + </a:t>
+            </a:r>
+            <a:r>
+              <a:rPr lang="en-US" baseline="0" dirty="0" err="1" smtClean="0"/>
+              <a:t>readonly</a:t>
+            </a:r>
+            <a:r>
+              <a:rPr lang="en-US" baseline="0" dirty="0" smtClean="0"/>
+              <a:t> </a:t>
+            </a:r>
+            <a:r>
+              <a:rPr lang="en-US" baseline="0" dirty="0" err="1" smtClean="0"/>
+              <a:t>struct</a:t>
+            </a:r>
+            <a:endParaRPr lang="ru-RU" baseline="0" dirty="0" smtClean="0"/>
+          </a:p>
+          <a:p>
             <a:r>
               <a:rPr lang="ru-RU" baseline="0" dirty="0" smtClean="0"/>
-              <a:t> в своем докладе </a:t>
-            </a:r>
-            <a:r>
-              <a:rPr lang="ru-RU" sz="1200" b="0" i="0" kern="1200" dirty="0" smtClean="0">
-                <a:solidFill>
-                  <a:schemeClr val="tx1"/>
-                </a:solidFill>
-                <a:effectLst/>
-                <a:latin typeface="+mn-lt"/>
-                <a:ea typeface="+mn-ea"/>
-                <a:cs typeface="+mn-cs"/>
-              </a:rPr>
-              <a:t>«Масштабирование паттерна </a:t>
-            </a:r>
-            <a:r>
-              <a:rPr lang="ru-RU" sz="1200" b="0" i="0" kern="1200" dirty="0" err="1" smtClean="0">
-                <a:solidFill>
-                  <a:schemeClr val="tx1"/>
-                </a:solidFill>
-                <a:effectLst/>
-                <a:latin typeface="+mn-lt"/>
-                <a:ea typeface="+mn-ea"/>
-                <a:cs typeface="+mn-cs"/>
-              </a:rPr>
-              <a:t>Disposable</a:t>
-            </a:r>
-            <a:r>
-              <a:rPr lang="ru-RU" sz="1200" b="0" i="0" kern="1200" dirty="0" smtClean="0">
-                <a:solidFill>
-                  <a:schemeClr val="tx1"/>
-                </a:solidFill>
-                <a:effectLst/>
-                <a:latin typeface="+mn-lt"/>
-                <a:ea typeface="+mn-ea"/>
-                <a:cs typeface="+mn-cs"/>
-              </a:rPr>
-              <a:t> в рамках проекта» </a:t>
-            </a:r>
-            <a:endParaRPr lang="en-US" sz="1200" b="0" i="0" kern="1200" dirty="0" smtClean="0">
-              <a:solidFill>
-                <a:schemeClr val="tx1"/>
-              </a:solidFill>
-              <a:effectLst/>
-              <a:latin typeface="+mn-lt"/>
-              <a:ea typeface="+mn-ea"/>
-              <a:cs typeface="+mn-cs"/>
-            </a:endParaRPr>
-          </a:p>
-          <a:p>
-            <a:pPr marL="0" marR="0" indent="0" algn="l" defTabSz="914400" rtl="0" eaLnBrk="1" fontAlgn="auto" latinLnBrk="0" hangingPunct="1">
-              <a:lnSpc>
-                <a:spcPct val="100000"/>
-              </a:lnSpc>
-              <a:spcBef>
-                <a:spcPts val="0"/>
-              </a:spcBef>
-              <a:spcAft>
-                <a:spcPts val="0"/>
-              </a:spcAft>
-              <a:buClrTx/>
-              <a:buSzTx/>
-              <a:buFontTx/>
-              <a:buNone/>
-              <a:tabLst/>
-              <a:defRPr/>
-            </a:pPr>
-            <a:r>
-              <a:rPr lang="en-US" dirty="0" err="1" smtClean="0"/>
-              <a:t>ICommand</a:t>
-            </a:r>
-            <a:r>
-              <a:rPr lang="en-US" dirty="0" smtClean="0"/>
-              <a:t> without </a:t>
-            </a:r>
-            <a:r>
-              <a:rPr lang="en-US" dirty="0" err="1" smtClean="0"/>
-              <a:t>WeakReference</a:t>
-            </a:r>
-            <a:r>
-              <a:rPr lang="en-US" dirty="0" smtClean="0"/>
-              <a:t> – </a:t>
-            </a:r>
-            <a:r>
-              <a:rPr lang="ru-RU" dirty="0" smtClean="0"/>
-              <a:t>будет</a:t>
+              <a:t>А </a:t>
+            </a:r>
+            <a:r>
+              <a:rPr lang="en-US" baseline="0" dirty="0" err="1" smtClean="0"/>
+              <a:t>DependencyObject</a:t>
+            </a:r>
+            <a:r>
+              <a:rPr lang="en-US" baseline="0" dirty="0" smtClean="0"/>
+              <a:t>?</a:t>
+            </a:r>
+          </a:p>
+          <a:p>
+            <a:r>
+              <a:rPr lang="en-US" baseline="0" dirty="0" smtClean="0"/>
+              <a:t>Bryan Lagunas – </a:t>
             </a:r>
             <a:r>
               <a:rPr lang="ru-RU" baseline="0" dirty="0" smtClean="0"/>
-              <a:t> очень плохо</a:t>
-            </a:r>
-            <a:endParaRPr lang="en-US" baseline="0" dirty="0" smtClean="0"/>
-          </a:p>
-          <a:p>
-            <a:pPr marL="0" marR="0" indent="0" algn="l" defTabSz="914400" rtl="0" eaLnBrk="1" fontAlgn="auto" latinLnBrk="0" hangingPunct="1">
-              <a:lnSpc>
-                <a:spcPct val="100000"/>
-              </a:lnSpc>
-              <a:spcBef>
-                <a:spcPts val="0"/>
-              </a:spcBef>
-              <a:spcAft>
-                <a:spcPts val="0"/>
-              </a:spcAft>
-              <a:buClrTx/>
-              <a:buSzTx/>
-              <a:buFontTx/>
-              <a:buNone/>
-              <a:tabLst/>
-              <a:defRPr/>
-            </a:pPr>
-            <a:r>
-              <a:rPr lang="en-US" dirty="0" smtClean="0"/>
-              <a:t>http://csharpindepth.com/articles/chapter2/events.aspx - </a:t>
-            </a:r>
-            <a:r>
-              <a:rPr lang="ru-RU" dirty="0" smtClean="0"/>
-              <a:t>проверить,</a:t>
+              <a:t>на </a:t>
+            </a:r>
+            <a:r>
+              <a:rPr lang="en-US" baseline="0" dirty="0" err="1" smtClean="0"/>
+              <a:t>ViewModel</a:t>
+            </a:r>
+            <a:r>
+              <a:rPr lang="en-US" baseline="0" dirty="0" smtClean="0"/>
+              <a:t> </a:t>
+            </a:r>
+            <a:r>
+              <a:rPr lang="en-US" baseline="0" dirty="0" err="1" smtClean="0"/>
+              <a:t>DependencyProperty</a:t>
+            </a:r>
+            <a:r>
+              <a:rPr lang="en-US" baseline="0" dirty="0" smtClean="0"/>
+              <a:t> - </a:t>
             </a:r>
             <a:r>
               <a:rPr lang="ru-RU" baseline="0" dirty="0" smtClean="0"/>
-              <a:t> что говорит </a:t>
-            </a:r>
-            <a:r>
-              <a:rPr lang="en-US" baseline="0" dirty="0" smtClean="0"/>
-              <a:t>Jon Skeet</a:t>
-            </a:r>
-          </a:p>
-          <a:p>
-            <a:pPr marL="0" marR="0" indent="0" algn="l" defTabSz="914400" rtl="0" eaLnBrk="1" fontAlgn="auto" latinLnBrk="0" hangingPunct="1">
-              <a:lnSpc>
-                <a:spcPct val="100000"/>
-              </a:lnSpc>
-              <a:spcBef>
-                <a:spcPts val="0"/>
-              </a:spcBef>
-              <a:spcAft>
-                <a:spcPts val="0"/>
-              </a:spcAft>
-              <a:buClrTx/>
-              <a:buSzTx/>
-              <a:buFontTx/>
-              <a:buNone/>
-              <a:tabLst/>
-              <a:defRPr/>
-            </a:pPr>
-            <a:endParaRPr lang="en-US" baseline="0" dirty="0" smtClean="0"/>
-          </a:p>
-          <a:p>
-            <a:pPr marL="0" marR="0" indent="0" algn="l" defTabSz="914400" rtl="0" eaLnBrk="1" fontAlgn="auto" latinLnBrk="0" hangingPunct="1">
-              <a:lnSpc>
-                <a:spcPct val="100000"/>
-              </a:lnSpc>
-              <a:spcBef>
-                <a:spcPts val="0"/>
-              </a:spcBef>
-              <a:spcAft>
-                <a:spcPts val="0"/>
-              </a:spcAft>
-              <a:buClrTx/>
-              <a:buSzTx/>
-              <a:buFontTx/>
-              <a:buNone/>
-              <a:tabLst/>
-              <a:defRPr/>
-            </a:pPr>
-            <a:endParaRPr lang="en-US" dirty="0" smtClean="0"/>
-          </a:p>
-          <a:p>
-            <a:pPr marL="0" marR="0" indent="0" algn="l" defTabSz="914400" rtl="0" eaLnBrk="1" fontAlgn="auto" latinLnBrk="0" hangingPunct="1">
-              <a:lnSpc>
-                <a:spcPct val="100000"/>
-              </a:lnSpc>
-              <a:spcBef>
-                <a:spcPts val="0"/>
-              </a:spcBef>
-              <a:spcAft>
-                <a:spcPts val="0"/>
-              </a:spcAft>
-              <a:buClrTx/>
-              <a:buSzTx/>
-              <a:buFontTx/>
-              <a:buNone/>
-              <a:tabLst/>
-              <a:defRPr/>
-            </a:pPr>
-            <a:endParaRPr lang="ru-RU" sz="1200" b="0" i="0" kern="1200" dirty="0" smtClean="0">
-              <a:solidFill>
-                <a:schemeClr val="tx1"/>
-              </a:solidFill>
-              <a:effectLst/>
-              <a:latin typeface="+mn-lt"/>
-              <a:ea typeface="+mn-ea"/>
-              <a:cs typeface="+mn-cs"/>
-            </a:endParaRPr>
-          </a:p>
-          <a:p>
+              <a:t>зло</a:t>
+            </a:r>
             <a:endParaRPr lang="ru-RU" dirty="0"/>
           </a:p>
         </p:txBody>
@@ -1205,7 +1229,7 @@
           <a:p>
             <a:fld id="{01B998F4-8103-417C-AF3C-B5E3C74782CC}" type="slidenum">
               <a:rPr lang="ru-RU" smtClean="0"/>
-              <a:t>10</a:t>
+              <a:t>8</a:t>
             </a:fld>
             <a:endParaRPr lang="ru-RU"/>
           </a:p>
@@ -1214,7 +1238,7 @@
     </p:spTree>
     <p:extLst>
       <p:ext uri="{BB962C8B-B14F-4D97-AF65-F5344CB8AC3E}">
-        <p14:creationId xmlns:p14="http://schemas.microsoft.com/office/powerpoint/2010/main" val="1809880400"/>
+        <p14:creationId xmlns:p14="http://schemas.microsoft.com/office/powerpoint/2010/main" val="2508786773"/>
       </p:ext>
     </p:extLst>
   </p:cSld>
@@ -1269,27 +1293,605 @@
           <a:lstStyle/>
           <a:p>
             <a:r>
+              <a:rPr lang="ru-RU" dirty="0" smtClean="0"/>
+              <a:t>Очень</a:t>
+            </a:r>
+            <a:r>
+              <a:rPr lang="ru-RU" baseline="0" dirty="0" smtClean="0"/>
+              <a:t> напрашивается паттерн </a:t>
+            </a:r>
+            <a:r>
+              <a:rPr lang="en-US" baseline="0" dirty="0" err="1" smtClean="0"/>
+              <a:t>Idisposable</a:t>
+            </a:r>
+            <a:r>
+              <a:rPr lang="en-US" baseline="0" dirty="0" smtClean="0"/>
+              <a:t> </a:t>
+            </a:r>
+            <a:r>
+              <a:rPr lang="ru-RU" baseline="0" dirty="0" smtClean="0"/>
+              <a:t>в </a:t>
+            </a:r>
+            <a:r>
+              <a:rPr lang="en-US" baseline="0" dirty="0" smtClean="0"/>
+              <a:t>Code-behind</a:t>
+            </a:r>
+            <a:endParaRPr lang="ru-RU" baseline="0" dirty="0" smtClean="0"/>
+          </a:p>
+          <a:p>
+            <a:endParaRPr lang="ru-RU" baseline="0" dirty="0" smtClean="0"/>
+          </a:p>
+          <a:p>
+            <a:pPr fontAlgn="base"/>
+            <a:r>
+              <a:rPr lang="en-US" sz="1200" b="0" i="0" kern="1200" dirty="0" smtClean="0">
+                <a:solidFill>
+                  <a:schemeClr val="tx1"/>
+                </a:solidFill>
+                <a:effectLst/>
+                <a:latin typeface="+mn-lt"/>
+                <a:ea typeface="+mn-ea"/>
+                <a:cs typeface="+mn-cs"/>
+              </a:rPr>
+              <a:t>x:Name is a </a:t>
+            </a:r>
+            <a:r>
+              <a:rPr lang="en-US" sz="1200" b="0" i="0" kern="1200" dirty="0" err="1" smtClean="0">
+                <a:solidFill>
+                  <a:schemeClr val="tx1"/>
+                </a:solidFill>
+                <a:effectLst/>
+                <a:latin typeface="+mn-lt"/>
+                <a:ea typeface="+mn-ea"/>
+                <a:cs typeface="+mn-cs"/>
+              </a:rPr>
+              <a:t>xaml</a:t>
+            </a:r>
+            <a:r>
+              <a:rPr lang="en-US" sz="1200" b="0" i="0" kern="1200" dirty="0" smtClean="0">
+                <a:solidFill>
+                  <a:schemeClr val="tx1"/>
+                </a:solidFill>
+                <a:effectLst/>
+                <a:latin typeface="+mn-lt"/>
+                <a:ea typeface="+mn-ea"/>
+                <a:cs typeface="+mn-cs"/>
+              </a:rPr>
+              <a:t> concept, used mainly to reference elements. When you give an element the x:Name </a:t>
+            </a:r>
+            <a:r>
+              <a:rPr lang="en-US" sz="1200" b="0" i="0" kern="1200" dirty="0" err="1" smtClean="0">
+                <a:solidFill>
+                  <a:schemeClr val="tx1"/>
+                </a:solidFill>
+                <a:effectLst/>
+                <a:latin typeface="+mn-lt"/>
+                <a:ea typeface="+mn-ea"/>
+                <a:cs typeface="+mn-cs"/>
+              </a:rPr>
+              <a:t>xaml</a:t>
+            </a:r>
+            <a:r>
+              <a:rPr lang="en-US" sz="1200" b="0" i="0" kern="1200" dirty="0" smtClean="0">
+                <a:solidFill>
+                  <a:schemeClr val="tx1"/>
+                </a:solidFill>
+                <a:effectLst/>
+                <a:latin typeface="+mn-lt"/>
+                <a:ea typeface="+mn-ea"/>
+                <a:cs typeface="+mn-cs"/>
+              </a:rPr>
+              <a:t> attribute, "the specified x:Name becomes the name of a field that is created in the underlying code when </a:t>
+            </a:r>
+            <a:r>
+              <a:rPr lang="en-US" sz="1200" b="0" i="0" kern="1200" dirty="0" err="1" smtClean="0">
+                <a:solidFill>
+                  <a:schemeClr val="tx1"/>
+                </a:solidFill>
+                <a:effectLst/>
+                <a:latin typeface="+mn-lt"/>
+                <a:ea typeface="+mn-ea"/>
+                <a:cs typeface="+mn-cs"/>
+              </a:rPr>
+              <a:t>xaml</a:t>
+            </a:r>
+            <a:r>
+              <a:rPr lang="en-US" sz="1200" b="0" i="0" kern="1200" dirty="0" smtClean="0">
+                <a:solidFill>
+                  <a:schemeClr val="tx1"/>
+                </a:solidFill>
+                <a:effectLst/>
+                <a:latin typeface="+mn-lt"/>
+                <a:ea typeface="+mn-ea"/>
+                <a:cs typeface="+mn-cs"/>
+              </a:rPr>
+              <a:t> is processed, and that field holds a reference to the object." (</a:t>
+            </a:r>
+            <a:r>
+              <a:rPr lang="en-US" sz="1200" b="0" i="0" u="sng" kern="1200" dirty="0" smtClean="0">
+                <a:solidFill>
+                  <a:schemeClr val="tx1"/>
+                </a:solidFill>
+                <a:effectLst/>
+                <a:latin typeface="+mn-lt"/>
+                <a:ea typeface="+mn-ea"/>
+                <a:cs typeface="+mn-cs"/>
+                <a:hlinkClick r:id="rId3"/>
+              </a:rPr>
+              <a:t>MSDN</a:t>
+            </a:r>
+            <a:r>
+              <a:rPr lang="en-US" sz="1200" b="0" i="0" kern="1200" dirty="0" smtClean="0">
+                <a:solidFill>
+                  <a:schemeClr val="tx1"/>
+                </a:solidFill>
+                <a:effectLst/>
+                <a:latin typeface="+mn-lt"/>
+                <a:ea typeface="+mn-ea"/>
+                <a:cs typeface="+mn-cs"/>
+              </a:rPr>
+              <a:t>) So, it's a designer-generated field, which has internal access by default.</a:t>
+            </a:r>
+            <a:endParaRPr lang="ru-RU" sz="1200" b="0" i="0" kern="1200" dirty="0" smtClean="0">
+              <a:solidFill>
+                <a:schemeClr val="tx1"/>
+              </a:solidFill>
+              <a:effectLst/>
+              <a:latin typeface="+mn-lt"/>
+              <a:ea typeface="+mn-ea"/>
+              <a:cs typeface="+mn-cs"/>
+            </a:endParaRPr>
+          </a:p>
+          <a:p>
+            <a:pPr fontAlgn="base"/>
+            <a:endParaRPr lang="en-US" sz="1200" b="0" i="0" kern="1200" dirty="0" smtClean="0">
+              <a:solidFill>
+                <a:schemeClr val="tx1"/>
+              </a:solidFill>
+              <a:effectLst/>
+              <a:latin typeface="+mn-lt"/>
+              <a:ea typeface="+mn-ea"/>
+              <a:cs typeface="+mn-cs"/>
+            </a:endParaRPr>
+          </a:p>
+          <a:p>
+            <a:pPr fontAlgn="base"/>
+            <a:r>
+              <a:rPr lang="en-US" sz="1200" b="0" i="0" kern="1200" dirty="0" smtClean="0">
+                <a:solidFill>
+                  <a:schemeClr val="tx1"/>
+                </a:solidFill>
+                <a:effectLst/>
+                <a:latin typeface="+mn-lt"/>
+                <a:ea typeface="+mn-ea"/>
+                <a:cs typeface="+mn-cs"/>
+              </a:rPr>
+              <a:t>Name is the existing string property of a </a:t>
+            </a:r>
+            <a:r>
+              <a:rPr lang="en-US" sz="1200" b="0" i="0" kern="1200" dirty="0" err="1" smtClean="0">
+                <a:solidFill>
+                  <a:schemeClr val="tx1"/>
+                </a:solidFill>
+                <a:effectLst/>
+                <a:latin typeface="+mn-lt"/>
+                <a:ea typeface="+mn-ea"/>
+                <a:cs typeface="+mn-cs"/>
+              </a:rPr>
+              <a:t>FrameworkElement</a:t>
+            </a:r>
+            <a:r>
+              <a:rPr lang="en-US" sz="1200" b="0" i="0" kern="1200" dirty="0" smtClean="0">
+                <a:solidFill>
+                  <a:schemeClr val="tx1"/>
+                </a:solidFill>
+                <a:effectLst/>
+                <a:latin typeface="+mn-lt"/>
+                <a:ea typeface="+mn-ea"/>
+                <a:cs typeface="+mn-cs"/>
+              </a:rPr>
+              <a:t>, listed as any other </a:t>
+            </a:r>
+            <a:r>
+              <a:rPr lang="en-US" sz="1200" b="0" i="0" kern="1200" dirty="0" err="1" smtClean="0">
+                <a:solidFill>
+                  <a:schemeClr val="tx1"/>
+                </a:solidFill>
+                <a:effectLst/>
+                <a:latin typeface="+mn-lt"/>
+                <a:ea typeface="+mn-ea"/>
+                <a:cs typeface="+mn-cs"/>
+              </a:rPr>
+              <a:t>wpf</a:t>
+            </a:r>
+            <a:r>
+              <a:rPr lang="en-US" sz="1200" b="0" i="0" kern="1200" dirty="0" smtClean="0">
+                <a:solidFill>
+                  <a:schemeClr val="tx1"/>
+                </a:solidFill>
+                <a:effectLst/>
+                <a:latin typeface="+mn-lt"/>
+                <a:ea typeface="+mn-ea"/>
+                <a:cs typeface="+mn-cs"/>
+              </a:rPr>
+              <a:t> element property in the form of a </a:t>
+            </a:r>
+            <a:r>
+              <a:rPr lang="en-US" sz="1200" b="0" i="0" kern="1200" dirty="0" err="1" smtClean="0">
+                <a:solidFill>
+                  <a:schemeClr val="tx1"/>
+                </a:solidFill>
+                <a:effectLst/>
+                <a:latin typeface="+mn-lt"/>
+                <a:ea typeface="+mn-ea"/>
+                <a:cs typeface="+mn-cs"/>
+              </a:rPr>
+              <a:t>xaml</a:t>
+            </a:r>
+            <a:r>
+              <a:rPr lang="en-US" sz="1200" b="0" i="0" kern="1200" dirty="0" smtClean="0">
+                <a:solidFill>
+                  <a:schemeClr val="tx1"/>
+                </a:solidFill>
+                <a:effectLst/>
+                <a:latin typeface="+mn-lt"/>
+                <a:ea typeface="+mn-ea"/>
+                <a:cs typeface="+mn-cs"/>
+              </a:rPr>
+              <a:t> attribute.</a:t>
+            </a:r>
+          </a:p>
+          <a:p>
+            <a:pPr fontAlgn="base"/>
+            <a:r>
+              <a:rPr lang="en-US" sz="1200" b="0" i="0" kern="1200" dirty="0" smtClean="0">
+                <a:solidFill>
+                  <a:schemeClr val="tx1"/>
+                </a:solidFill>
+                <a:effectLst/>
+                <a:latin typeface="+mn-lt"/>
+                <a:ea typeface="+mn-ea"/>
+                <a:cs typeface="+mn-cs"/>
+              </a:rPr>
+              <a:t>As a consequence, this also means x:Name can be used on a wider range of objects. This is a technique to enable anything in </a:t>
+            </a:r>
+            <a:r>
+              <a:rPr lang="en-US" sz="1200" b="0" i="0" kern="1200" dirty="0" err="1" smtClean="0">
+                <a:solidFill>
+                  <a:schemeClr val="tx1"/>
+                </a:solidFill>
+                <a:effectLst/>
+                <a:latin typeface="+mn-lt"/>
+                <a:ea typeface="+mn-ea"/>
+                <a:cs typeface="+mn-cs"/>
+              </a:rPr>
+              <a:t>xaml</a:t>
+            </a:r>
+            <a:r>
+              <a:rPr lang="en-US" sz="1200" b="0" i="0" kern="1200" dirty="0" smtClean="0">
+                <a:solidFill>
+                  <a:schemeClr val="tx1"/>
+                </a:solidFill>
+                <a:effectLst/>
+                <a:latin typeface="+mn-lt"/>
+                <a:ea typeface="+mn-ea"/>
+                <a:cs typeface="+mn-cs"/>
+              </a:rPr>
+              <a:t> to be referenced by a given name.</a:t>
+            </a:r>
+          </a:p>
+          <a:p>
+            <a:endParaRPr lang="ru-RU" dirty="0"/>
+          </a:p>
+        </p:txBody>
+      </p:sp>
+      <p:sp>
+        <p:nvSpPr>
+          <p:cNvPr id="4" name="Номер слайда 3"/>
+          <p:cNvSpPr>
+            <a:spLocks noGrp="1"/>
+          </p:cNvSpPr>
+          <p:nvPr>
+            <p:ph type="sldNum" sz="quarter" idx="10"/>
+          </p:nvPr>
+        </p:nvSpPr>
+        <p:spPr/>
+        <p:txBody>
+          <a:bodyPr/>
+          <a:lstStyle/>
+          <a:p>
+            <a:fld id="{01B998F4-8103-417C-AF3C-B5E3C74782CC}" type="slidenum">
+              <a:rPr lang="ru-RU" smtClean="0"/>
+              <a:t>9</a:t>
+            </a:fld>
+            <a:endParaRPr lang="ru-RU"/>
+          </a:p>
+        </p:txBody>
+      </p:sp>
+    </p:spTree>
+    <p:extLst>
+      <p:ext uri="{BB962C8B-B14F-4D97-AF65-F5344CB8AC3E}">
+        <p14:creationId xmlns:p14="http://schemas.microsoft.com/office/powerpoint/2010/main" val="4265487058"/>
+      </p:ext>
+    </p:extLst>
+  </p:cSld>
+  <p:clrMapOvr>
+    <a:masterClrMapping/>
+  </p:clrMapOvr>
+</p:notes>
+</file>
+
+<file path=ppt/notesSlides/notesSlide6.xml><?xml version="1.0" encoding="utf-8"?>
+<p:notes xmlns:a="http://schemas.openxmlformats.org/drawingml/2006/main" xmlns:r="http://schemas.openxmlformats.org/officeDocument/2006/relationships" xmlns:p="http://schemas.openxmlformats.org/presentationml/2006/main">
+  <p:cSld>
+    <p:spTree>
+      <p:nvGrpSpPr>
+        <p:cNvPr id="1" name=""/>
+        <p:cNvGrpSpPr/>
+        <p:nvPr/>
+      </p:nvGrpSpPr>
+      <p:grpSpPr>
+        <a:xfrm>
+          <a:off x="0" y="0"/>
+          <a:ext cx="0" cy="0"/>
+          <a:chOff x="0" y="0"/>
+          <a:chExt cx="0" cy="0"/>
+        </a:xfrm>
+      </p:grpSpPr>
+      <p:sp>
+        <p:nvSpPr>
+          <p:cNvPr id="2" name="Образ слайда 1"/>
+          <p:cNvSpPr>
+            <a:spLocks noGrp="1" noRot="1" noChangeAspect="1"/>
+          </p:cNvSpPr>
+          <p:nvPr>
+            <p:ph type="sldImg"/>
+          </p:nvPr>
+        </p:nvSpPr>
+        <p:spPr/>
+      </p:sp>
+      <p:sp>
+        <p:nvSpPr>
+          <p:cNvPr id="3" name="Заметки 2"/>
+          <p:cNvSpPr>
+            <a:spLocks noGrp="1"/>
+          </p:cNvSpPr>
+          <p:nvPr>
+            <p:ph type="body" idx="1"/>
+          </p:nvPr>
+        </p:nvSpPr>
+        <p:spPr/>
+        <p:txBody>
+          <a:bodyPr/>
+          <a:lstStyle/>
+          <a:p>
+            <a:pPr marL="0" marR="0" indent="0" algn="l" defTabSz="914400" rtl="0" eaLnBrk="1" fontAlgn="auto" latinLnBrk="0" hangingPunct="1">
+              <a:lnSpc>
+                <a:spcPct val="100000"/>
+              </a:lnSpc>
+              <a:spcBef>
+                <a:spcPts val="0"/>
+              </a:spcBef>
+              <a:spcAft>
+                <a:spcPts val="0"/>
+              </a:spcAft>
+              <a:buClrTx/>
+              <a:buSzTx/>
+              <a:buFontTx/>
+              <a:buNone/>
+              <a:tabLst/>
+              <a:defRPr/>
+            </a:pPr>
+            <a:r>
+              <a:rPr lang="ru-RU" dirty="0" smtClean="0"/>
+              <a:t>Про</a:t>
+            </a:r>
+            <a:r>
+              <a:rPr lang="ru-RU" baseline="0" dirty="0" smtClean="0"/>
+              <a:t> боль от отписки от событий говорил и Кирилл </a:t>
+            </a:r>
+            <a:r>
+              <a:rPr lang="ru-RU" baseline="0" dirty="0" err="1" smtClean="0"/>
+              <a:t>Маурин</a:t>
+            </a:r>
+            <a:r>
+              <a:rPr lang="ru-RU" baseline="0" dirty="0" smtClean="0"/>
+              <a:t> в своем докладе </a:t>
+            </a:r>
+            <a:r>
+              <a:rPr lang="ru-RU" sz="1200" b="0" i="0" kern="1200" dirty="0" smtClean="0">
+                <a:solidFill>
+                  <a:schemeClr val="tx1"/>
+                </a:solidFill>
+                <a:effectLst/>
+                <a:latin typeface="+mn-lt"/>
+                <a:ea typeface="+mn-ea"/>
+                <a:cs typeface="+mn-cs"/>
+              </a:rPr>
+              <a:t>«Масштабирование паттерна </a:t>
+            </a:r>
+            <a:r>
+              <a:rPr lang="ru-RU" sz="1200" b="0" i="0" kern="1200" dirty="0" err="1" smtClean="0">
+                <a:solidFill>
+                  <a:schemeClr val="tx1"/>
+                </a:solidFill>
+                <a:effectLst/>
+                <a:latin typeface="+mn-lt"/>
+                <a:ea typeface="+mn-ea"/>
+                <a:cs typeface="+mn-cs"/>
+              </a:rPr>
+              <a:t>Disposable</a:t>
+            </a:r>
+            <a:r>
+              <a:rPr lang="ru-RU" sz="1200" b="0" i="0" kern="1200" dirty="0" smtClean="0">
+                <a:solidFill>
+                  <a:schemeClr val="tx1"/>
+                </a:solidFill>
+                <a:effectLst/>
+                <a:latin typeface="+mn-lt"/>
+                <a:ea typeface="+mn-ea"/>
+                <a:cs typeface="+mn-cs"/>
+              </a:rPr>
+              <a:t> в рамках проекта» </a:t>
+            </a:r>
+            <a:endParaRPr lang="en-US" sz="1200" b="0" i="0" kern="1200" dirty="0" smtClean="0">
+              <a:solidFill>
+                <a:schemeClr val="tx1"/>
+              </a:solidFill>
+              <a:effectLst/>
+              <a:latin typeface="+mn-lt"/>
+              <a:ea typeface="+mn-ea"/>
+              <a:cs typeface="+mn-cs"/>
+            </a:endParaRPr>
+          </a:p>
+          <a:p>
+            <a:pPr marL="0" marR="0" indent="0" algn="l" defTabSz="914400" rtl="0" eaLnBrk="1" fontAlgn="auto" latinLnBrk="0" hangingPunct="1">
+              <a:lnSpc>
+                <a:spcPct val="100000"/>
+              </a:lnSpc>
+              <a:spcBef>
+                <a:spcPts val="0"/>
+              </a:spcBef>
+              <a:spcAft>
+                <a:spcPts val="0"/>
+              </a:spcAft>
+              <a:buClrTx/>
+              <a:buSzTx/>
+              <a:buFontTx/>
+              <a:buNone/>
+              <a:tabLst/>
+              <a:defRPr/>
+            </a:pPr>
+            <a:r>
+              <a:rPr lang="en-US" dirty="0" err="1" smtClean="0"/>
+              <a:t>ICommand</a:t>
+            </a:r>
+            <a:r>
               <a:rPr lang="en-US" dirty="0" smtClean="0"/>
-              <a:t>https://laurentkempe.com/2009/04/17/Memory-leak-with-WPF-resources/</a:t>
-            </a:r>
-            <a:r>
-              <a:rPr lang="ru-RU" dirty="0" smtClean="0"/>
-              <a:t> - 1 способ</a:t>
+              <a:t> without </a:t>
+            </a:r>
+            <a:r>
+              <a:rPr lang="en-US" dirty="0" err="1" smtClean="0"/>
+              <a:t>WeakReference</a:t>
+            </a:r>
+            <a:r>
+              <a:rPr lang="en-US" dirty="0" smtClean="0"/>
+              <a:t> – </a:t>
+            </a:r>
+            <a:r>
+              <a:rPr lang="ru-RU" dirty="0" smtClean="0"/>
+              <a:t>будет</a:t>
             </a:r>
             <a:r>
               <a:rPr lang="ru-RU" baseline="0" dirty="0" smtClean="0"/>
-              <a:t> лечения</a:t>
-            </a:r>
-          </a:p>
-          <a:p>
+              <a:t> очень плохо</a:t>
+            </a:r>
+            <a:endParaRPr lang="en-US" baseline="0" dirty="0" smtClean="0"/>
+          </a:p>
+          <a:p>
+            <a:pPr marL="0" marR="0" indent="0" algn="l" defTabSz="914400" rtl="0" eaLnBrk="1" fontAlgn="auto" latinLnBrk="0" hangingPunct="1">
+              <a:lnSpc>
+                <a:spcPct val="100000"/>
+              </a:lnSpc>
+              <a:spcBef>
+                <a:spcPts val="0"/>
+              </a:spcBef>
+              <a:spcAft>
+                <a:spcPts val="0"/>
+              </a:spcAft>
+              <a:buClrTx/>
+              <a:buSzTx/>
+              <a:buFontTx/>
+              <a:buNone/>
+              <a:tabLst/>
+              <a:defRPr/>
+            </a:pPr>
             <a:r>
               <a:rPr lang="en-US" dirty="0" smtClean="0"/>
-              <a:t>http://blog.ramondeklein.nl/2009/02/20/memory-leak-with-wpf-resources-in-rare-situations/</a:t>
-            </a:r>
-            <a:r>
-              <a:rPr lang="ru-RU" dirty="0" smtClean="0"/>
-              <a:t> - 2 способ лечения</a:t>
-            </a:r>
+              <a:t>http://csharpindepth.com/articles/chapter2/events.aspx - </a:t>
+            </a:r>
+            <a:r>
+              <a:rPr lang="ru-RU" dirty="0" smtClean="0"/>
+              <a:t>проверить,</a:t>
+            </a:r>
+            <a:r>
+              <a:rPr lang="ru-RU" baseline="0" dirty="0" smtClean="0"/>
+              <a:t> что говорит </a:t>
+            </a:r>
+            <a:r>
+              <a:rPr lang="en-US" baseline="0" dirty="0" smtClean="0"/>
+              <a:t>Jon Skeet</a:t>
+            </a:r>
+          </a:p>
+          <a:p>
+            <a:pPr marL="0" marR="0" indent="0" algn="l" defTabSz="914400" rtl="0" eaLnBrk="1" fontAlgn="auto" latinLnBrk="0" hangingPunct="1">
+              <a:lnSpc>
+                <a:spcPct val="100000"/>
+              </a:lnSpc>
+              <a:spcBef>
+                <a:spcPts val="0"/>
+              </a:spcBef>
+              <a:spcAft>
+                <a:spcPts val="0"/>
+              </a:spcAft>
+              <a:buClrTx/>
+              <a:buSzTx/>
+              <a:buFontTx/>
+              <a:buNone/>
+              <a:tabLst/>
+              <a:defRPr/>
+            </a:pPr>
+            <a:endParaRPr lang="en-US" baseline="0" dirty="0" smtClean="0"/>
+          </a:p>
+          <a:p>
+            <a:pPr marL="0" marR="0" indent="0" algn="l" defTabSz="914400" rtl="0" eaLnBrk="1" fontAlgn="auto" latinLnBrk="0" hangingPunct="1">
+              <a:lnSpc>
+                <a:spcPct val="100000"/>
+              </a:lnSpc>
+              <a:spcBef>
+                <a:spcPts val="0"/>
+              </a:spcBef>
+              <a:spcAft>
+                <a:spcPts val="0"/>
+              </a:spcAft>
+              <a:buClrTx/>
+              <a:buSzTx/>
+              <a:buFontTx/>
+              <a:buNone/>
+              <a:tabLst/>
+              <a:defRPr/>
+            </a:pPr>
+            <a:endParaRPr lang="en-US" dirty="0" smtClean="0"/>
+          </a:p>
+          <a:p>
+            <a:pPr marL="0" marR="0" indent="0" algn="l" defTabSz="914400" rtl="0" eaLnBrk="1" fontAlgn="auto" latinLnBrk="0" hangingPunct="1">
+              <a:lnSpc>
+                <a:spcPct val="100000"/>
+              </a:lnSpc>
+              <a:spcBef>
+                <a:spcPts val="0"/>
+              </a:spcBef>
+              <a:spcAft>
+                <a:spcPts val="0"/>
+              </a:spcAft>
+              <a:buClrTx/>
+              <a:buSzTx/>
+              <a:buFontTx/>
+              <a:buNone/>
+              <a:tabLst/>
+              <a:defRPr/>
+            </a:pPr>
+            <a:endParaRPr lang="ru-RU" sz="1200" b="0" i="0" kern="1200" dirty="0" smtClean="0">
+              <a:solidFill>
+                <a:schemeClr val="tx1"/>
+              </a:solidFill>
+              <a:effectLst/>
+              <a:latin typeface="+mn-lt"/>
+              <a:ea typeface="+mn-ea"/>
+              <a:cs typeface="+mn-cs"/>
+            </a:endParaRPr>
+          </a:p>
+          <a:p>
             <a:endParaRPr lang="ru-RU" dirty="0"/>
           </a:p>
         </p:txBody>
@@ -1311,7 +1913,296 @@
           <a:p>
             <a:fld id="{01B998F4-8103-417C-AF3C-B5E3C74782CC}" type="slidenum">
               <a:rPr lang="ru-RU" smtClean="0"/>
-              <a:t>16</a:t>
+              <a:t>10</a:t>
+            </a:fld>
+            <a:endParaRPr lang="ru-RU"/>
+          </a:p>
+        </p:txBody>
+      </p:sp>
+    </p:spTree>
+    <p:extLst>
+      <p:ext uri="{BB962C8B-B14F-4D97-AF65-F5344CB8AC3E}">
+        <p14:creationId xmlns:p14="http://schemas.microsoft.com/office/powerpoint/2010/main" val="1809880400"/>
+      </p:ext>
+    </p:extLst>
+  </p:cSld>
+  <p:clrMapOvr>
+    <a:masterClrMapping/>
+  </p:clrMapOvr>
+</p:notes>
+</file>
+
+<file path=ppt/notesSlides/notesSlide7.xml><?xml version="1.0" encoding="utf-8"?>
+<p:notes xmlns:a="http://schemas.openxmlformats.org/drawingml/2006/main" xmlns:r="http://schemas.openxmlformats.org/officeDocument/2006/relationships" xmlns:p="http://schemas.openxmlformats.org/presentationml/2006/main">
+  <p:cSld>
+    <p:spTree>
+      <p:nvGrpSpPr>
+        <p:cNvPr id="1" name=""/>
+        <p:cNvGrpSpPr/>
+        <p:nvPr/>
+      </p:nvGrpSpPr>
+      <p:grpSpPr>
+        <a:xfrm>
+          <a:off x="0" y="0"/>
+          <a:ext cx="0" cy="0"/>
+          <a:chOff x="0" y="0"/>
+          <a:chExt cx="0" cy="0"/>
+        </a:xfrm>
+      </p:grpSpPr>
+      <p:sp>
+        <p:nvSpPr>
+          <p:cNvPr id="2" name="Образ слайда 1"/>
+          <p:cNvSpPr>
+            <a:spLocks noGrp="1" noRot="1" noChangeAspect="1"/>
+          </p:cNvSpPr>
+          <p:nvPr>
+            <p:ph type="sldImg"/>
+          </p:nvPr>
+        </p:nvSpPr>
+        <p:spPr/>
+      </p:sp>
+      <p:sp>
+        <p:nvSpPr>
+          <p:cNvPr id="3" name="Заметки 2"/>
+          <p:cNvSpPr>
+            <a:spLocks noGrp="1"/>
+          </p:cNvSpPr>
+          <p:nvPr>
+            <p:ph type="body" idx="1"/>
+          </p:nvPr>
+        </p:nvSpPr>
+        <p:spPr/>
+        <p:txBody>
+          <a:bodyPr/>
+          <a:lstStyle/>
+          <a:p>
+            <a:r>
+              <a:rPr lang="ru-RU" dirty="0" smtClean="0"/>
+              <a:t>Подробный разбор того,</a:t>
+            </a:r>
+            <a:r>
+              <a:rPr lang="ru-RU" baseline="0" dirty="0" smtClean="0"/>
+              <a:t> как бороться с утечками памяти при работе с событиями, тянет на отдельный доклад. Я же сосредоточусь на той части, которая явно касается </a:t>
+            </a:r>
+            <a:r>
+              <a:rPr lang="en-US" baseline="0" dirty="0" smtClean="0"/>
+              <a:t>WPF.</a:t>
+            </a:r>
+          </a:p>
+          <a:p>
+            <a:endParaRPr lang="en-US" baseline="0" dirty="0" smtClean="0"/>
+          </a:p>
+          <a:p>
+            <a:r>
+              <a:rPr lang="ru-RU" baseline="0" dirty="0" smtClean="0"/>
+              <a:t>С отпиской от события есть проблема – не всегда можно явно определить момент, когда ресурс не нужен.</a:t>
+            </a:r>
+            <a:endParaRPr lang="ru-RU" dirty="0"/>
+          </a:p>
+        </p:txBody>
+      </p:sp>
+      <p:sp>
+        <p:nvSpPr>
+          <p:cNvPr id="4" name="Номер слайда 3"/>
+          <p:cNvSpPr>
+            <a:spLocks noGrp="1"/>
+          </p:cNvSpPr>
+          <p:nvPr>
+            <p:ph type="sldNum" sz="quarter" idx="10"/>
+          </p:nvPr>
+        </p:nvSpPr>
+        <p:spPr/>
+        <p:txBody>
+          <a:bodyPr/>
+          <a:lstStyle/>
+          <a:p>
+            <a:fld id="{01B998F4-8103-417C-AF3C-B5E3C74782CC}" type="slidenum">
+              <a:rPr lang="ru-RU" smtClean="0"/>
+              <a:t>11</a:t>
+            </a:fld>
+            <a:endParaRPr lang="ru-RU"/>
+          </a:p>
+        </p:txBody>
+      </p:sp>
+    </p:spTree>
+    <p:extLst>
+      <p:ext uri="{BB962C8B-B14F-4D97-AF65-F5344CB8AC3E}">
+        <p14:creationId xmlns:p14="http://schemas.microsoft.com/office/powerpoint/2010/main" val="2085352155"/>
+      </p:ext>
+    </p:extLst>
+  </p:cSld>
+  <p:clrMapOvr>
+    <a:masterClrMapping/>
+  </p:clrMapOvr>
+</p:notes>
+</file>
+
+<file path=ppt/notesSlides/notesSlide8.xml><?xml version="1.0" encoding="utf-8"?>
+<p:notes xmlns:a="http://schemas.openxmlformats.org/drawingml/2006/main" xmlns:r="http://schemas.openxmlformats.org/officeDocument/2006/relationships" xmlns:p="http://schemas.openxmlformats.org/presentationml/2006/main">
+  <p:cSld>
+    <p:spTree>
+      <p:nvGrpSpPr>
+        <p:cNvPr id="1" name=""/>
+        <p:cNvGrpSpPr/>
+        <p:nvPr/>
+      </p:nvGrpSpPr>
+      <p:grpSpPr>
+        <a:xfrm>
+          <a:off x="0" y="0"/>
+          <a:ext cx="0" cy="0"/>
+          <a:chOff x="0" y="0"/>
+          <a:chExt cx="0" cy="0"/>
+        </a:xfrm>
+      </p:grpSpPr>
+      <p:sp>
+        <p:nvSpPr>
+          <p:cNvPr id="2" name="Образ слайда 1"/>
+          <p:cNvSpPr>
+            <a:spLocks noGrp="1" noRot="1" noChangeAspect="1"/>
+          </p:cNvSpPr>
+          <p:nvPr>
+            <p:ph type="sldImg"/>
+          </p:nvPr>
+        </p:nvSpPr>
+        <p:spPr/>
+      </p:sp>
+      <p:sp>
+        <p:nvSpPr>
+          <p:cNvPr id="3" name="Заметки 2"/>
+          <p:cNvSpPr>
+            <a:spLocks noGrp="1"/>
+          </p:cNvSpPr>
+          <p:nvPr>
+            <p:ph type="body" idx="1"/>
+          </p:nvPr>
+        </p:nvSpPr>
+        <p:spPr/>
+        <p:txBody>
+          <a:bodyPr/>
+          <a:lstStyle/>
+          <a:p>
+            <a:r>
+              <a:rPr lang="en-US" dirty="0" err="1" smtClean="0"/>
+              <a:t>CommandBinding</a:t>
+            </a:r>
+            <a:r>
+              <a:rPr lang="en-US" dirty="0" smtClean="0"/>
+              <a:t> – </a:t>
+            </a:r>
+            <a:r>
+              <a:rPr lang="ru-RU" dirty="0" smtClean="0"/>
+              <a:t>частный случай</a:t>
+            </a:r>
+            <a:r>
+              <a:rPr lang="ru-RU" baseline="0" dirty="0" smtClean="0"/>
+              <a:t> привязки к свойству другого класса (окна)</a:t>
+            </a:r>
+            <a:endParaRPr lang="ru-RU" dirty="0"/>
+          </a:p>
+        </p:txBody>
+      </p:sp>
+      <p:sp>
+        <p:nvSpPr>
+          <p:cNvPr id="4" name="Номер слайда 3"/>
+          <p:cNvSpPr>
+            <a:spLocks noGrp="1"/>
+          </p:cNvSpPr>
+          <p:nvPr>
+            <p:ph type="sldNum" sz="quarter" idx="10"/>
+          </p:nvPr>
+        </p:nvSpPr>
+        <p:spPr/>
+        <p:txBody>
+          <a:bodyPr/>
+          <a:lstStyle/>
+          <a:p>
+            <a:fld id="{01B998F4-8103-417C-AF3C-B5E3C74782CC}" type="slidenum">
+              <a:rPr lang="ru-RU" smtClean="0"/>
+              <a:t>13</a:t>
+            </a:fld>
+            <a:endParaRPr lang="ru-RU"/>
+          </a:p>
+        </p:txBody>
+      </p:sp>
+    </p:spTree>
+    <p:extLst>
+      <p:ext uri="{BB962C8B-B14F-4D97-AF65-F5344CB8AC3E}">
+        <p14:creationId xmlns:p14="http://schemas.microsoft.com/office/powerpoint/2010/main" val="939303470"/>
+      </p:ext>
+    </p:extLst>
+  </p:cSld>
+  <p:clrMapOvr>
+    <a:masterClrMapping/>
+  </p:clrMapOvr>
+</p:notes>
+</file>
+
+<file path=ppt/notesSlides/notesSlide9.xml><?xml version="1.0" encoding="utf-8"?>
+<p:notes xmlns:a="http://schemas.openxmlformats.org/drawingml/2006/main" xmlns:r="http://schemas.openxmlformats.org/officeDocument/2006/relationships" xmlns:p="http://schemas.openxmlformats.org/presentationml/2006/main">
+  <p:cSld>
+    <p:spTree>
+      <p:nvGrpSpPr>
+        <p:cNvPr id="1" name=""/>
+        <p:cNvGrpSpPr/>
+        <p:nvPr/>
+      </p:nvGrpSpPr>
+      <p:grpSpPr>
+        <a:xfrm>
+          <a:off x="0" y="0"/>
+          <a:ext cx="0" cy="0"/>
+          <a:chOff x="0" y="0"/>
+          <a:chExt cx="0" cy="0"/>
+        </a:xfrm>
+      </p:grpSpPr>
+      <p:sp>
+        <p:nvSpPr>
+          <p:cNvPr id="2" name="Образ слайда 1"/>
+          <p:cNvSpPr>
+            <a:spLocks noGrp="1" noRot="1" noChangeAspect="1"/>
+          </p:cNvSpPr>
+          <p:nvPr>
+            <p:ph type="sldImg"/>
+          </p:nvPr>
+        </p:nvSpPr>
+        <p:spPr/>
+      </p:sp>
+      <p:sp>
+        <p:nvSpPr>
+          <p:cNvPr id="3" name="Заметки 2"/>
+          <p:cNvSpPr>
+            <a:spLocks noGrp="1"/>
+          </p:cNvSpPr>
+          <p:nvPr>
+            <p:ph type="body" idx="1"/>
+          </p:nvPr>
+        </p:nvSpPr>
+        <p:spPr/>
+        <p:txBody>
+          <a:bodyPr/>
+          <a:lstStyle/>
+          <a:p>
+            <a:endParaRPr lang="ru-RU" dirty="0"/>
+          </a:p>
+        </p:txBody>
+      </p:sp>
+      <p:sp>
+        <p:nvSpPr>
+          <p:cNvPr id="4" name="Номер слайда 3"/>
+          <p:cNvSpPr>
+            <a:spLocks noGrp="1"/>
+          </p:cNvSpPr>
+          <p:nvPr>
+            <p:ph type="sldNum" sz="quarter" idx="10"/>
+          </p:nvPr>
+        </p:nvSpPr>
+        <p:spPr/>
+        <p:txBody>
+          <a:bodyPr/>
+          <a:lstStyle/>
+          <a:p>
+            <a:fld id="{01B998F4-8103-417C-AF3C-B5E3C74782CC}" type="slidenum">
+              <a:rPr lang="ru-RU" smtClean="0"/>
+              <a:t>15</a:t>
             </a:fld>
             <a:endParaRPr lang="ru-RU"/>
           </a:p>
@@ -1459,9 +2350,9 @@
           <a:bodyPr/>
           <a:lstStyle/>
           <a:p>
-            <a:fld id="{B135BF1F-B804-4CD0-938B-7D4FA6201AD4}" type="datetimeFigureOut">
-              <a:rPr lang="ru-RU" smtClean="0"/>
-              <a:t>06.12.2018</a:t>
+            <a:fld id="{AE6C4412-5328-4A60-B238-7673F4E7F8FA}" type="datetime1">
+              <a:rPr lang="ru-RU" smtClean="0"/>
+              <a:t>10.12.2018</a:t>
             </a:fld>
             <a:endParaRPr lang="ru-RU"/>
           </a:p>
@@ -1629,9 +2520,9 @@
           <a:bodyPr/>
           <a:lstStyle/>
           <a:p>
-            <a:fld id="{B135BF1F-B804-4CD0-938B-7D4FA6201AD4}" type="datetimeFigureOut">
-              <a:rPr lang="ru-RU" smtClean="0"/>
-              <a:t>06.12.2018</a:t>
+            <a:fld id="{5D0FC03A-A74A-4A08-84B7-F802F5A721F7}" type="datetime1">
+              <a:rPr lang="ru-RU" smtClean="0"/>
+              <a:t>10.12.2018</a:t>
             </a:fld>
             <a:endParaRPr lang="ru-RU"/>
           </a:p>
@@ -1809,9 +2700,9 @@
           <a:bodyPr/>
           <a:lstStyle/>
           <a:p>
-            <a:fld id="{B135BF1F-B804-4CD0-938B-7D4FA6201AD4}" type="datetimeFigureOut">
-              <a:rPr lang="ru-RU" smtClean="0"/>
-              <a:t>06.12.2018</a:t>
+            <a:fld id="{1499B3F4-D165-4990-A87C-5FC246BAC9F7}" type="datetime1">
+              <a:rPr lang="ru-RU" smtClean="0"/>
+              <a:t>10.12.2018</a:t>
             </a:fld>
             <a:endParaRPr lang="ru-RU"/>
           </a:p>
@@ -1979,9 +2870,9 @@
           <a:bodyPr/>
           <a:lstStyle/>
           <a:p>
-            <a:fld id="{B135BF1F-B804-4CD0-938B-7D4FA6201AD4}" type="datetimeFigureOut">
-              <a:rPr lang="ru-RU" smtClean="0"/>
-              <a:t>06.12.2018</a:t>
+            <a:fld id="{C1A3FD44-8A7F-486D-B8EA-13B1016D83BF}" type="datetime1">
+              <a:rPr lang="ru-RU" smtClean="0"/>
+              <a:t>10.12.2018</a:t>
             </a:fld>
             <a:endParaRPr lang="ru-RU"/>
           </a:p>
@@ -2225,9 +3116,9 @@
           <a:bodyPr/>
           <a:lstStyle/>
           <a:p>
-            <a:fld id="{B135BF1F-B804-4CD0-938B-7D4FA6201AD4}" type="datetimeFigureOut">
-              <a:rPr lang="ru-RU" smtClean="0"/>
-              <a:t>06.12.2018</a:t>
+            <a:fld id="{B971FEFC-ED50-4C04-BBDE-15C16ACF7308}" type="datetime1">
+              <a:rPr lang="ru-RU" smtClean="0"/>
+              <a:t>10.12.2018</a:t>
             </a:fld>
             <a:endParaRPr lang="ru-RU"/>
           </a:p>
@@ -2457,9 +3348,9 @@
           <a:bodyPr/>
           <a:lstStyle/>
           <a:p>
-            <a:fld id="{B135BF1F-B804-4CD0-938B-7D4FA6201AD4}" type="datetimeFigureOut">
-              <a:rPr lang="ru-RU" smtClean="0"/>
-              <a:t>06.12.2018</a:t>
+            <a:fld id="{BEF22659-FB18-44D2-BF07-7BF469712B3B}" type="datetime1">
+              <a:rPr lang="ru-RU" smtClean="0"/>
+              <a:t>10.12.2018</a:t>
             </a:fld>
             <a:endParaRPr lang="ru-RU"/>
           </a:p>
@@ -2824,9 +3715,9 @@
           <a:bodyPr/>
           <a:lstStyle/>
           <a:p>
-            <a:fld id="{B135BF1F-B804-4CD0-938B-7D4FA6201AD4}" type="datetimeFigureOut">
-              <a:rPr lang="ru-RU" smtClean="0"/>
-              <a:t>06.12.2018</a:t>
+            <a:fld id="{03910110-E1C8-429C-91B4-AB898427B913}" type="datetime1">
+              <a:rPr lang="ru-RU" smtClean="0"/>
+              <a:t>10.12.2018</a:t>
             </a:fld>
             <a:endParaRPr lang="ru-RU"/>
           </a:p>
@@ -2942,9 +3833,9 @@
           <a:bodyPr/>
           <a:lstStyle/>
           <a:p>
-            <a:fld id="{B135BF1F-B804-4CD0-938B-7D4FA6201AD4}" type="datetimeFigureOut">
-              <a:rPr lang="ru-RU" smtClean="0"/>
-              <a:t>06.12.2018</a:t>
+            <a:fld id="{E1C97F68-3117-4A8D-AFF3-306AF9D7829E}" type="datetime1">
+              <a:rPr lang="ru-RU" smtClean="0"/>
+              <a:t>10.12.2018</a:t>
             </a:fld>
             <a:endParaRPr lang="ru-RU"/>
           </a:p>
@@ -3037,9 +3928,9 @@
           <a:bodyPr/>
           <a:lstStyle/>
           <a:p>
-            <a:fld id="{B135BF1F-B804-4CD0-938B-7D4FA6201AD4}" type="datetimeFigureOut">
-              <a:rPr lang="ru-RU" smtClean="0"/>
-              <a:t>06.12.2018</a:t>
+            <a:fld id="{DBF3FFE3-77EB-4E4A-87B9-448AFDF8564D}" type="datetime1">
+              <a:rPr lang="ru-RU" smtClean="0"/>
+              <a:t>10.12.2018</a:t>
             </a:fld>
             <a:endParaRPr lang="ru-RU"/>
           </a:p>
@@ -3314,9 +4205,9 @@
           <a:bodyPr/>
           <a:lstStyle/>
           <a:p>
-            <a:fld id="{B135BF1F-B804-4CD0-938B-7D4FA6201AD4}" type="datetimeFigureOut">
-              <a:rPr lang="ru-RU" smtClean="0"/>
-              <a:t>06.12.2018</a:t>
+            <a:fld id="{92F2FF54-7038-45D9-AD90-3481CC163A1C}" type="datetime1">
+              <a:rPr lang="ru-RU" smtClean="0"/>
+              <a:t>10.12.2018</a:t>
             </a:fld>
             <a:endParaRPr lang="ru-RU"/>
           </a:p>
@@ -3567,9 +4458,9 @@
           <a:bodyPr/>
           <a:lstStyle/>
           <a:p>
-            <a:fld id="{B135BF1F-B804-4CD0-938B-7D4FA6201AD4}" type="datetimeFigureOut">
-              <a:rPr lang="ru-RU" smtClean="0"/>
-              <a:t>06.12.2018</a:t>
+            <a:fld id="{637E5B95-744C-44CB-83B3-2FA06C8C0785}" type="datetime1">
+              <a:rPr lang="ru-RU" smtClean="0"/>
+              <a:t>10.12.2018</a:t>
             </a:fld>
             <a:endParaRPr lang="ru-RU"/>
           </a:p>
@@ -3780,9 +4671,9 @@
             </a:lvl1pPr>
           </a:lstStyle>
           <a:p>
-            <a:fld id="{B135BF1F-B804-4CD0-938B-7D4FA6201AD4}" type="datetimeFigureOut">
-              <a:rPr lang="ru-RU" smtClean="0"/>
-              <a:t>06.12.2018</a:t>
+            <a:fld id="{E9CF887D-F3FB-4CDB-A944-6D708F6CCD29}" type="datetime1">
+              <a:rPr lang="ru-RU" smtClean="0"/>
+              <a:t>10.12.2018</a:t>
             </a:fld>
             <a:endParaRPr lang="ru-RU"/>
           </a:p>
@@ -3887,6 +4778,7 @@
     <p:sldLayoutId id="2147483658" r:id="rId10"/>
     <p:sldLayoutId id="2147483659" r:id="rId11"/>
   </p:sldLayoutIdLst>
+  <p:hf hdr="0" ftr="0" dt="0"/>
   <p:txStyles>
     <p:titleStyle>
       <a:lvl1pPr algn="l" defTabSz="914400" rtl="0" eaLnBrk="1" latinLnBrk="0" hangingPunct="1">
@@ -4345,9 +5237,16 @@
             <p:ph idx="1"/>
           </p:nvPr>
         </p:nvSpPr>
-        <p:spPr/>
-        <p:txBody>
-          <a:bodyPr/>
+        <p:spPr>
+          <a:xfrm>
+            <a:off x="838200" y="1825625"/>
+            <a:ext cx="10515600" cy="4634810"/>
+          </a:xfrm>
+        </p:spPr>
+        <p:txBody>
+          <a:bodyPr>
+            <a:normAutofit/>
+          </a:bodyPr>
           <a:lstStyle/>
           <a:p>
             <a:pPr>
@@ -4371,25 +5270,87 @@
               </a:lnSpc>
             </a:pPr>
             <a:r>
-              <a:rPr lang="ru-RU" dirty="0" smtClean="0"/>
-              <a:t>Ссылка на делегат удерживает ссылку на объект</a:t>
-            </a:r>
+              <a:rPr lang="ru-RU" dirty="0" err="1" smtClean="0"/>
+              <a:t>Экземплярный</a:t>
+            </a:r>
+            <a:r>
+              <a:rPr lang="ru-RU" dirty="0" smtClean="0"/>
+              <a:t> метод ссылается на класс, в котором находится</a:t>
+            </a:r>
+          </a:p>
+          <a:p>
+            <a:pPr>
+              <a:lnSpc>
+                <a:spcPct val="150000"/>
+              </a:lnSpc>
+            </a:pPr>
+            <a:r>
+              <a:rPr lang="ru-RU" dirty="0" smtClean="0"/>
+              <a:t>Издатель живет дольше подписчика – риск получить утечки</a:t>
+            </a:r>
+            <a:endParaRPr lang="en-US" dirty="0" smtClean="0"/>
+          </a:p>
+          <a:p>
+            <a:pPr>
+              <a:lnSpc>
+                <a:spcPct val="150000"/>
+              </a:lnSpc>
+            </a:pPr>
+            <a:r>
+              <a:rPr lang="en-US" dirty="0" smtClean="0"/>
+              <a:t>Static event – </a:t>
+            </a:r>
+            <a:r>
+              <a:rPr lang="ru-RU" dirty="0" smtClean="0"/>
+              <a:t>наш злейший враг</a:t>
+            </a:r>
+            <a:endParaRPr lang="en-US" dirty="0"/>
+          </a:p>
+          <a:p>
+            <a:pPr>
+              <a:lnSpc>
+                <a:spcPct val="150000"/>
+              </a:lnSpc>
+            </a:pPr>
+            <a:r>
+              <a:rPr lang="ru-RU" dirty="0" smtClean="0"/>
+              <a:t>От </a:t>
+            </a:r>
+            <a:r>
+              <a:rPr lang="ru-RU" dirty="0" smtClean="0"/>
+              <a:t>лямбды нельзя </a:t>
+            </a:r>
+            <a:r>
+              <a:rPr lang="ru-RU" dirty="0" smtClean="0"/>
+              <a:t>отписаться</a:t>
+            </a:r>
+            <a:endParaRPr lang="en-US" dirty="0"/>
+          </a:p>
+          <a:p>
             <a:endParaRPr lang="ru-RU" dirty="0"/>
           </a:p>
-          <a:p>
-            <a:pPr>
-              <a:lnSpc>
-                <a:spcPct val="150000"/>
-              </a:lnSpc>
-            </a:pPr>
-            <a:r>
-              <a:rPr lang="ru-RU" dirty="0" smtClean="0"/>
-              <a:t>От лямбды нельзя отписаться</a:t>
-            </a:r>
-            <a:endParaRPr lang="en-US" dirty="0"/>
-          </a:p>
-          <a:p>
-            <a:endParaRPr lang="ru-RU" dirty="0"/>
+        </p:txBody>
+      </p:sp>
+      <p:sp>
+        <p:nvSpPr>
+          <p:cNvPr id="4" name="Номер слайда 3"/>
+          <p:cNvSpPr>
+            <a:spLocks noGrp="1"/>
+          </p:cNvSpPr>
+          <p:nvPr>
+            <p:ph type="sldNum" sz="quarter" idx="12"/>
+          </p:nvPr>
+        </p:nvSpPr>
+        <p:spPr/>
+        <p:txBody>
+          <a:bodyPr/>
+          <a:lstStyle/>
+          <a:p>
+            <a:fld id="{4341117B-7091-4FB7-97F8-A6CA9A2FE1D4}" type="slidenum">
+              <a:rPr lang="ru-RU" smtClean="0"/>
+              <a:t>10</a:t>
+            </a:fld>
+            <a:endParaRPr lang="ru-RU"/>
           </a:p>
         </p:txBody>
       </p:sp>
@@ -4439,16 +5400,24 @@
           <a:lstStyle/>
           <a:p>
             <a:r>
+              <a:rPr lang="ru-RU" b="1" dirty="0" smtClean="0"/>
+              <a:t>Как лечить </a:t>
+            </a:r>
+            <a:r>
+              <a:rPr lang="en-US" b="1" dirty="0" smtClean="0"/>
+              <a:t>Event </a:t>
+            </a:r>
+            <a:r>
               <a:rPr lang="en-US" b="1" dirty="0"/>
-              <a:t>Event Handler </a:t>
+              <a:t>Handler </a:t>
             </a:r>
             <a:r>
               <a:rPr lang="en-US" b="1" dirty="0" smtClean="0"/>
               <a:t>leak</a:t>
             </a:r>
             <a:r>
-              <a:rPr lang="ru-RU" b="1" dirty="0" smtClean="0"/>
-              <a:t> - лечение</a:t>
+              <a:rPr lang="ru-RU" b="1" dirty="0"/>
+              <a:t>?</a:t>
             </a:r>
             <a:endParaRPr lang="ru-RU" b="1" dirty="0"/>
           </a:p>
@@ -4469,53 +5438,59 @@
           <a:bodyPr/>
           <a:lstStyle/>
           <a:p>
-            <a:r>
-              <a:rPr lang="ru-RU" dirty="0" smtClean="0"/>
-              <a:t>Первое правило борьбы с </a:t>
+            <a:pPr>
+              <a:lnSpc>
+                <a:spcPct val="150000"/>
+              </a:lnSpc>
+            </a:pPr>
+            <a:r>
+              <a:rPr lang="ru-RU" dirty="0" smtClean="0"/>
+              <a:t>Простейший способ борьбы с </a:t>
+            </a:r>
+            <a:r>
+              <a:rPr lang="en-US" b="1" dirty="0" smtClean="0"/>
+              <a:t>event </a:t>
+            </a:r>
+            <a:r>
+              <a:rPr lang="en-US" b="1" dirty="0" smtClean="0"/>
+              <a:t>handler leak </a:t>
             </a:r>
             <a:r>
               <a:rPr lang="en-US" dirty="0" smtClean="0"/>
-              <a:t>event handler leak - </a:t>
-            </a:r>
-            <a:r>
-              <a:rPr lang="ru-RU" dirty="0" smtClean="0"/>
-              <a:t>явная отписка от события</a:t>
-            </a:r>
-          </a:p>
-          <a:p>
+              <a:t>- </a:t>
+            </a:r>
+            <a:r>
+              <a:rPr lang="ru-RU" dirty="0" smtClean="0"/>
+              <a:t>явная отписка от </a:t>
+            </a:r>
+            <a:r>
+              <a:rPr lang="ru-RU" dirty="0" smtClean="0"/>
+              <a:t>событий</a:t>
+            </a:r>
             <a:endParaRPr lang="ru-RU" dirty="0" smtClean="0"/>
           </a:p>
           <a:p>
-            <a:r>
-              <a:rPr lang="ru-RU" dirty="0" smtClean="0"/>
-              <a:t>Второе правило </a:t>
-            </a:r>
-            <a:r>
-              <a:rPr lang="ru-RU" dirty="0"/>
-              <a:t>борьбы с </a:t>
+            <a:pPr>
+              <a:lnSpc>
+                <a:spcPct val="150000"/>
+              </a:lnSpc>
+            </a:pPr>
+            <a:r>
+              <a:rPr lang="en-US" b="1" dirty="0" err="1"/>
+              <a:t>IDisposable</a:t>
             </a:r>
             <a:r>
               <a:rPr lang="en-US" dirty="0"/>
-              <a:t>event handler leak - </a:t>
-            </a:r>
-            <a:r>
-              <a:rPr lang="ru-RU" dirty="0"/>
-              <a:t>явная отписка от </a:t>
-            </a:r>
-            <a:r>
-              <a:rPr lang="ru-RU" dirty="0" smtClean="0"/>
-              <a:t>события всегда и везде</a:t>
+              <a:t> pattern</a:t>
             </a:r>
             <a:endParaRPr lang="ru-RU" dirty="0"/>
           </a:p>
           <a:p>
-            <a:endParaRPr lang="ru-RU" dirty="0" smtClean="0"/>
-          </a:p>
-          <a:p>
-            <a:r>
-              <a:rPr lang="ru-RU" dirty="0" smtClean="0"/>
-              <a:t>Не забывайте про </a:t>
-            </a:r>
+            <a:pPr>
+              <a:lnSpc>
+                <a:spcPct val="150000"/>
+              </a:lnSpc>
+            </a:pPr>
             <a:r>
               <a:rPr lang="en-US" dirty="0" smtClean="0"/>
               <a:t>Behavior</a:t>
@@ -4530,19 +5505,64 @@
             </a:r>
             <a:r>
               <a:rPr lang="ru-RU" dirty="0" smtClean="0"/>
-              <a:t>прочие дополнения</a:t>
-            </a:r>
-            <a:endParaRPr lang="ru-RU" dirty="0"/>
-          </a:p>
-          <a:p>
+              <a:t>прочие </a:t>
+            </a:r>
+            <a:r>
+              <a:rPr lang="ru-RU" dirty="0" smtClean="0"/>
+              <a:t>«дополнения» к </a:t>
+            </a:r>
+            <a:r>
+              <a:rPr lang="en-US" dirty="0" smtClean="0"/>
+              <a:t>View</a:t>
+            </a:r>
             <a:endParaRPr lang="ru-RU" dirty="0" smtClean="0"/>
           </a:p>
           <a:p>
-            <a:r>
-              <a:rPr lang="en-US" dirty="0" smtClean="0"/>
-              <a:t>Weak handler</a:t>
-            </a:r>
-            <a:endParaRPr lang="ru-RU" dirty="0"/>
+            <a:pPr>
+              <a:lnSpc>
+                <a:spcPct val="150000"/>
+              </a:lnSpc>
+            </a:pPr>
+            <a:r>
+              <a:rPr lang="ru-RU" dirty="0" smtClean="0"/>
+              <a:t>Нельзя </a:t>
+            </a:r>
+            <a:r>
+              <a:rPr lang="ru-RU" dirty="0" smtClean="0"/>
+              <a:t>точно </a:t>
+            </a:r>
+            <a:r>
+              <a:rPr lang="ru-RU" dirty="0" smtClean="0"/>
+              <a:t>определить момент отписки – используем </a:t>
+            </a:r>
+            <a:r>
+              <a:rPr lang="en-US" b="1" dirty="0" err="1" smtClean="0"/>
+              <a:t>WeakEventManager</a:t>
+            </a:r>
+            <a:endParaRPr lang="ru-RU" b="1" dirty="0"/>
+          </a:p>
+        </p:txBody>
+      </p:sp>
+      <p:sp>
+        <p:nvSpPr>
+          <p:cNvPr id="4" name="Номер слайда 3"/>
+          <p:cNvSpPr>
+            <a:spLocks noGrp="1"/>
+          </p:cNvSpPr>
+          <p:nvPr>
+            <p:ph type="sldNum" sz="quarter" idx="12"/>
+          </p:nvPr>
+        </p:nvSpPr>
+        <p:spPr/>
+        <p:txBody>
+          <a:bodyPr/>
+          <a:lstStyle/>
+          <a:p>
+            <a:fld id="{4341117B-7091-4FB7-97F8-A6CA9A2FE1D4}" type="slidenum">
+              <a:rPr lang="ru-RU" smtClean="0"/>
+              <a:t>11</a:t>
+            </a:fld>
+            <a:endParaRPr lang="ru-RU"/>
           </a:p>
         </p:txBody>
       </p:sp>
@@ -4556,6 +5576,13 @@
   <p:clrMapOvr>
     <a:masterClrMapping/>
   </p:clrMapOvr>
+  <p:timing>
+    <p:tnLst>
+      <p:par>
+        <p:cTn id="1" dur="indefinite" restart="never" nodeType="tmRoot"/>
+      </p:par>
+    </p:tnLst>
+  </p:timing>
 </p:sld>
 </file>
 
@@ -4655,26 +5682,53 @@
               </a:lnSpc>
             </a:pPr>
             <a:r>
-              <a:rPr lang="ru-RU" dirty="0" smtClean="0"/>
-              <a:t>Лечение – удалять ссылку на </a:t>
-            </a:r>
-            <a:r>
-              <a:rPr lang="en-US" dirty="0" err="1" smtClean="0"/>
-              <a:t>DispatcherTimer</a:t>
+              <a:rPr lang="ru-RU" b="1" dirty="0" smtClean="0"/>
+              <a:t>Лечение</a:t>
+            </a:r>
+            <a:r>
+              <a:rPr lang="ru-RU" dirty="0" smtClean="0"/>
+              <a:t> – </a:t>
+            </a:r>
+            <a:r>
+              <a:rPr lang="ru-RU" dirty="0" smtClean="0"/>
+              <a:t>остановка таймера + отписка от </a:t>
+            </a:r>
+            <a:r>
+              <a:rPr lang="ru-RU" dirty="0" smtClean="0"/>
+              <a:t>события </a:t>
             </a:r>
             <a:r>
               <a:rPr lang="en-US" dirty="0" smtClean="0"/>
+              <a:t>Tick</a:t>
+            </a:r>
+            <a:r>
+              <a:rPr lang="ru-RU" dirty="0" smtClean="0"/>
               <a:t> </a:t>
             </a:r>
-            <a:r>
-              <a:rPr lang="ru-RU" dirty="0" smtClean="0"/>
-              <a:t>в </a:t>
-            </a:r>
-            <a:r>
-              <a:rPr lang="en-US" dirty="0" smtClean="0"/>
-              <a:t>code behind ?</a:t>
-            </a:r>
-            <a:endParaRPr lang="ru-RU" dirty="0"/>
+            <a:endParaRPr lang="en-US" dirty="0" smtClean="0"/>
+          </a:p>
+        </p:txBody>
+      </p:sp>
+      <p:sp>
+        <p:nvSpPr>
+          <p:cNvPr id="4" name="Номер слайда 3"/>
+          <p:cNvSpPr>
+            <a:spLocks noGrp="1"/>
+          </p:cNvSpPr>
+          <p:nvPr>
+            <p:ph type="sldNum" sz="quarter" idx="12"/>
+          </p:nvPr>
+        </p:nvSpPr>
+        <p:spPr/>
+        <p:txBody>
+          <a:bodyPr/>
+          <a:lstStyle/>
+          <a:p>
+            <a:fld id="{4341117B-7091-4FB7-97F8-A6CA9A2FE1D4}" type="slidenum">
+              <a:rPr lang="ru-RU" smtClean="0"/>
+              <a:t>12</a:t>
+            </a:fld>
+            <a:endParaRPr lang="ru-RU"/>
           </a:p>
         </p:txBody>
       </p:sp>
@@ -4688,6 +5742,13 @@
   <p:clrMapOvr>
     <a:masterClrMapping/>
   </p:clrMapOvr>
+  <p:timing>
+    <p:tnLst>
+      <p:par>
+        <p:cTn id="1" dur="indefinite" restart="never" nodeType="tmRoot"/>
+      </p:par>
+    </p:tnLst>
+  </p:timing>
 </p:sld>
 </file>
 
@@ -4725,7 +5786,11 @@
           <a:p>
             <a:r>
               <a:rPr lang="en-US" b="1" dirty="0" smtClean="0"/>
-              <a:t>Static events</a:t>
+              <a:t>Links to </a:t>
+            </a:r>
+            <a:r>
+              <a:rPr lang="en-US" b="1" dirty="0" smtClean="0"/>
+              <a:t>objects in parent windows</a:t>
             </a:r>
             <a:endParaRPr lang="ru-RU" b="1" dirty="0"/>
           </a:p>
@@ -4746,37 +5811,171 @@
           <a:bodyPr/>
           <a:lstStyle/>
           <a:p>
+            <a:pPr>
+              <a:lnSpc>
+                <a:spcPct val="150000"/>
+              </a:lnSpc>
+            </a:pPr>
             <a:r>
               <a:rPr lang="en-US" dirty="0" smtClean="0"/>
-              <a:t>Static – </a:t>
-            </a:r>
-            <a:r>
-              <a:rPr lang="ru-RU" dirty="0" smtClean="0"/>
-              <a:t>очень большое зло</a:t>
-            </a:r>
-          </a:p>
-          <a:p>
+              <a:t>View1 </a:t>
+            </a:r>
+            <a:r>
+              <a:rPr lang="ru-RU" dirty="0" smtClean="0"/>
+              <a:t>явно ссылается на свойство или подписывается на событие</a:t>
+            </a:r>
+            <a:r>
+              <a:rPr lang="en-US" dirty="0"/>
+              <a:t> View2</a:t>
+            </a:r>
+            <a:r>
+              <a:rPr lang="ru-RU" dirty="0"/>
+              <a:t> </a:t>
+            </a:r>
+            <a:endParaRPr lang="ru-RU" dirty="0" smtClean="0"/>
+          </a:p>
+          <a:p>
+            <a:pPr>
+              <a:lnSpc>
+                <a:spcPct val="150000"/>
+              </a:lnSpc>
+            </a:pPr>
+            <a:r>
+              <a:rPr lang="ru-RU" dirty="0" smtClean="0"/>
+              <a:t>При </a:t>
+            </a:r>
+            <a:r>
+              <a:rPr lang="ru-RU" dirty="0" smtClean="0"/>
+              <a:t>закрытии </a:t>
+            </a:r>
+            <a:r>
+              <a:rPr lang="en-US" dirty="0" smtClean="0"/>
+              <a:t>Vie</a:t>
+            </a:r>
+            <a:r>
+              <a:rPr lang="en-US" dirty="0" smtClean="0"/>
+              <a:t>w</a:t>
+            </a:r>
+            <a:r>
+              <a:rPr lang="en-US" dirty="0" smtClean="0"/>
+              <a:t>2 </a:t>
+            </a:r>
+            <a:r>
+              <a:rPr lang="ru-RU" dirty="0" smtClean="0"/>
+              <a:t>память не освободится</a:t>
+            </a:r>
+            <a:endParaRPr lang="en-US" dirty="0" smtClean="0"/>
+          </a:p>
+          <a:p>
+            <a:pPr>
+              <a:lnSpc>
+                <a:spcPct val="150000"/>
+              </a:lnSpc>
+            </a:pPr>
+            <a:r>
+              <a:rPr lang="ru-RU" dirty="0" smtClean="0"/>
+              <a:t>Частный случай – </a:t>
+            </a:r>
+            <a:r>
+              <a:rPr lang="en-US" b="1" dirty="0" err="1" smtClean="0"/>
+              <a:t>CommandBinding</a:t>
+            </a:r>
+            <a:r>
+              <a:rPr lang="en-US" dirty="0" smtClean="0"/>
+              <a:t> </a:t>
+            </a:r>
+            <a:r>
+              <a:rPr lang="ru-RU" dirty="0" smtClean="0"/>
+              <a:t>(команда определена в </a:t>
+            </a:r>
+            <a:r>
+              <a:rPr lang="en-US" dirty="0" smtClean="0"/>
+              <a:t>View1, </a:t>
+            </a:r>
+            <a:r>
+              <a:rPr lang="ru-RU" dirty="0" smtClean="0"/>
+              <a:t>обработчик определен в </a:t>
+            </a:r>
+            <a:r>
+              <a:rPr lang="en-US" dirty="0" smtClean="0"/>
+              <a:t>View2)</a:t>
+            </a:r>
+            <a:endParaRPr lang="en-US" dirty="0"/>
+          </a:p>
+          <a:p>
+            <a:pPr>
+              <a:lnSpc>
+                <a:spcPct val="150000"/>
+              </a:lnSpc>
+            </a:pPr>
+            <a:r>
+              <a:rPr lang="ru-RU" b="1" dirty="0" smtClean="0"/>
+              <a:t>Лечение</a:t>
+            </a:r>
+            <a:r>
+              <a:rPr lang="ru-RU" dirty="0" smtClean="0"/>
+              <a:t> – </a:t>
+            </a:r>
+            <a:r>
+              <a:rPr lang="en-US" dirty="0" err="1" smtClean="0"/>
+              <a:t>PropertyChangedEventManager</a:t>
+            </a:r>
+            <a:r>
+              <a:rPr lang="ru-RU" dirty="0" smtClean="0"/>
+              <a:t>, </a:t>
+            </a:r>
+            <a:r>
+              <a:rPr lang="en-US" b="1" dirty="0" err="1" smtClean="0"/>
+              <a:t>IDisposable</a:t>
+            </a:r>
+            <a:r>
+              <a:rPr lang="en-US" dirty="0" smtClean="0"/>
+              <a:t> pattern</a:t>
+            </a:r>
             <a:endParaRPr lang="ru-RU" dirty="0"/>
           </a:p>
-          <a:p>
-            <a:r>
-              <a:rPr lang="ru-RU" dirty="0" smtClean="0"/>
-              <a:t>Лечение – явная отписка от события</a:t>
-            </a:r>
-            <a:endParaRPr lang="ru-RU" dirty="0"/>
+        </p:txBody>
+      </p:sp>
+      <p:sp>
+        <p:nvSpPr>
+          <p:cNvPr id="5" name="Номер слайда 4"/>
+          <p:cNvSpPr>
+            <a:spLocks noGrp="1"/>
+          </p:cNvSpPr>
+          <p:nvPr>
+            <p:ph type="sldNum" sz="quarter" idx="12"/>
+          </p:nvPr>
+        </p:nvSpPr>
+        <p:spPr/>
+        <p:txBody>
+          <a:bodyPr/>
+          <a:lstStyle/>
+          <a:p>
+            <a:fld id="{4341117B-7091-4FB7-97F8-A6CA9A2FE1D4}" type="slidenum">
+              <a:rPr lang="ru-RU" smtClean="0"/>
+              <a:t>13</a:t>
+            </a:fld>
+            <a:endParaRPr lang="ru-RU"/>
           </a:p>
         </p:txBody>
       </p:sp>
     </p:spTree>
     <p:extLst>
       <p:ext uri="{BB962C8B-B14F-4D97-AF65-F5344CB8AC3E}">
-        <p14:creationId xmlns:p14="http://schemas.microsoft.com/office/powerpoint/2010/main" val="722939208"/>
+        <p14:creationId xmlns:p14="http://schemas.microsoft.com/office/powerpoint/2010/main" val="1847520887"/>
       </p:ext>
     </p:extLst>
   </p:cSld>
   <p:clrMapOvr>
     <a:masterClrMapping/>
   </p:clrMapOvr>
+  <p:timing>
+    <p:tnLst>
+      <p:par>
+        <p:cTn id="1" dur="indefinite" restart="never" nodeType="tmRoot"/>
+      </p:par>
+    </p:tnLst>
+  </p:timing>
 </p:sld>
 </file>
 
@@ -4814,7 +6013,7 @@
           <a:p>
             <a:r>
               <a:rPr lang="en-US" b="1" dirty="0" smtClean="0"/>
-              <a:t>Event handlers to objects in parent windows</a:t>
+              <a:t>Textbox undo</a:t>
             </a:r>
             <a:endParaRPr lang="ru-RU" b="1" dirty="0"/>
           </a:p>
@@ -4832,35 +6031,158 @@
         </p:nvSpPr>
         <p:spPr/>
         <p:txBody>
-          <a:bodyPr/>
-          <a:lstStyle/>
-          <a:p>
+          <a:bodyPr>
+            <a:normAutofit/>
+          </a:bodyPr>
+          <a:lstStyle/>
+          <a:p>
+            <a:pPr>
+              <a:lnSpc>
+                <a:spcPct val="150000"/>
+              </a:lnSpc>
+            </a:pPr>
+            <a:r>
+              <a:rPr lang="en-US" dirty="0" smtClean="0"/>
+              <a:t>Undo </a:t>
+            </a:r>
+            <a:r>
+              <a:rPr lang="ru-RU" dirty="0" smtClean="0"/>
+              <a:t>– включено по умолчанию</a:t>
+            </a:r>
+            <a:endParaRPr lang="en-US" dirty="0" smtClean="0"/>
+          </a:p>
+          <a:p>
+            <a:pPr>
+              <a:lnSpc>
+                <a:spcPct val="150000"/>
+              </a:lnSpc>
+            </a:pPr>
+            <a:r>
+              <a:rPr lang="ru-RU" dirty="0" smtClean="0"/>
+              <a:t>Отмена ввода – не баг, а </a:t>
+            </a:r>
+            <a:r>
+              <a:rPr lang="ru-RU" dirty="0" err="1" smtClean="0"/>
+              <a:t>фича</a:t>
+            </a:r>
+            <a:r>
+              <a:rPr lang="ru-RU" dirty="0"/>
+              <a:t>?</a:t>
+            </a:r>
+          </a:p>
+          <a:p>
+            <a:pPr>
+              <a:lnSpc>
+                <a:spcPct val="150000"/>
+              </a:lnSpc>
+            </a:pPr>
+            <a:r>
+              <a:rPr lang="en-US" dirty="0" err="1"/>
+              <a:t>UndoManager</a:t>
+            </a:r>
+            <a:r>
+              <a:rPr lang="ru-RU" dirty="0"/>
+              <a:t> – корень всех </a:t>
+            </a:r>
+            <a:r>
+              <a:rPr lang="ru-RU" dirty="0" smtClean="0"/>
+              <a:t>зол</a:t>
+            </a:r>
+          </a:p>
+          <a:p>
+            <a:pPr>
+              <a:lnSpc>
+                <a:spcPct val="150000"/>
+              </a:lnSpc>
+            </a:pPr>
+            <a:r>
+              <a:rPr lang="ru-RU" b="1" dirty="0" smtClean="0"/>
+              <a:t>Лечение</a:t>
+            </a:r>
+            <a:r>
+              <a:rPr lang="ru-RU" dirty="0" smtClean="0"/>
+              <a:t> – ограничить или отключить операцию </a:t>
+            </a:r>
+            <a:r>
+              <a:rPr lang="en-US" dirty="0" smtClean="0"/>
+              <a:t>Undo</a:t>
+            </a:r>
+          </a:p>
+          <a:p>
+            <a:pPr marL="457200" lvl="1" indent="0">
+              <a:lnSpc>
+                <a:spcPct val="150000"/>
+              </a:lnSpc>
+              <a:buNone/>
+            </a:pPr>
             <a:r>
               <a:rPr lang="en-US" dirty="0" err="1" smtClean="0"/>
-              <a:t>CommandBinding</a:t>
+              <a:t>IsUndoEnabled</a:t>
             </a:r>
             <a:r>
               <a:rPr lang="en-US" dirty="0" smtClean="0"/>
-              <a:t> – </a:t>
-            </a:r>
-            <a:r>
-              <a:rPr lang="ru-RU" dirty="0" smtClean="0"/>
-              <a:t>один из примеров</a:t>
+              <a:t>=“False”</a:t>
+            </a:r>
+          </a:p>
+          <a:p>
+            <a:pPr marL="457200" lvl="1" indent="0">
+              <a:lnSpc>
+                <a:spcPct val="150000"/>
+              </a:lnSpc>
+              <a:buNone/>
+            </a:pPr>
+            <a:r>
+              <a:rPr lang="en-US" dirty="0" err="1" smtClean="0"/>
+              <a:t>UndoLimit</a:t>
+            </a:r>
+            <a:r>
+              <a:rPr lang="en-US" dirty="0" smtClean="0"/>
+              <a:t>=“10”</a:t>
             </a:r>
             <a:endParaRPr lang="ru-RU" dirty="0"/>
+          </a:p>
+        </p:txBody>
+      </p:sp>
+      <p:sp>
+        <p:nvSpPr>
+          <p:cNvPr id="4" name="Номер слайда 3"/>
+          <p:cNvSpPr>
+            <a:spLocks noGrp="1"/>
+          </p:cNvSpPr>
+          <p:nvPr>
+            <p:ph type="sldNum" sz="quarter" idx="12"/>
+          </p:nvPr>
+        </p:nvSpPr>
+        <p:spPr/>
+        <p:txBody>
+          <a:bodyPr/>
+          <a:lstStyle/>
+          <a:p>
+            <a:fld id="{4341117B-7091-4FB7-97F8-A6CA9A2FE1D4}" type="slidenum">
+              <a:rPr lang="ru-RU" smtClean="0"/>
+              <a:t>14</a:t>
+            </a:fld>
+            <a:endParaRPr lang="ru-RU"/>
           </a:p>
         </p:txBody>
       </p:sp>
     </p:spTree>
     <p:extLst>
       <p:ext uri="{BB962C8B-B14F-4D97-AF65-F5344CB8AC3E}">
-        <p14:creationId xmlns:p14="http://schemas.microsoft.com/office/powerpoint/2010/main" val="1847520887"/>
+        <p14:creationId xmlns:p14="http://schemas.microsoft.com/office/powerpoint/2010/main" val="3782083779"/>
       </p:ext>
     </p:extLst>
   </p:cSld>
   <p:clrMapOvr>
     <a:masterClrMapping/>
   </p:clrMapOvr>
+  <p:timing>
+    <p:tnLst>
+      <p:par>
+        <p:cTn id="1" dur="indefinite" restart="never" nodeType="tmRoot"/>
+      </p:par>
+    </p:tnLst>
+  </p:timing>
 </p:sld>
 </file>
 
@@ -4898,7 +6220,7 @@
           <a:p>
             <a:r>
               <a:rPr lang="en-US" b="1" dirty="0" smtClean="0"/>
-              <a:t>Textbox undo</a:t>
+              <a:t>Media effect resource leak</a:t>
             </a:r>
             <a:endParaRPr lang="ru-RU" b="1" dirty="0"/>
           </a:p>
@@ -4923,111 +6245,115 @@
           <a:p>
             <a:pPr>
               <a:lnSpc>
-                <a:spcPct val="150000"/>
-              </a:lnSpc>
-            </a:pPr>
+                <a:spcPct val="160000"/>
+              </a:lnSpc>
+            </a:pPr>
+            <a:r>
+              <a:rPr lang="ru-RU" dirty="0" smtClean="0"/>
+              <a:t>Стиль определен в </a:t>
+            </a:r>
+            <a:r>
+              <a:rPr lang="en-US" b="1" dirty="0" err="1" smtClean="0"/>
+              <a:t>ResourceDictionary</a:t>
+            </a:r>
+            <a:endParaRPr lang="en-US" b="1" dirty="0" smtClean="0"/>
+          </a:p>
+          <a:p>
+            <a:pPr>
+              <a:lnSpc>
+                <a:spcPct val="160000"/>
+              </a:lnSpc>
+            </a:pPr>
+            <a:r>
+              <a:rPr lang="ru-RU" dirty="0" smtClean="0"/>
+              <a:t>Стиль использует </a:t>
+            </a:r>
+            <a:r>
+              <a:rPr lang="en-US" b="1" dirty="0" err="1" smtClean="0"/>
+              <a:t>ControlTemplate</a:t>
+            </a:r>
             <a:r>
               <a:rPr lang="en-US" dirty="0" smtClean="0"/>
-              <a:t>Undo </a:t>
-            </a:r>
-            <a:r>
-              <a:rPr lang="ru-RU" dirty="0" smtClean="0"/>
-              <a:t>– включено по умолчанию</a:t>
+              <a:t> </a:t>
+            </a:r>
+            <a:r>
+              <a:rPr lang="ru-RU" dirty="0" smtClean="0"/>
+              <a:t>с медиа эффектом (</a:t>
+            </a:r>
+            <a:r>
+              <a:rPr lang="en-US" b="1" dirty="0" err="1" smtClean="0"/>
+              <a:t>DropShadowEffect</a:t>
+            </a:r>
+            <a:r>
+              <a:rPr lang="en-US" dirty="0" smtClean="0"/>
+              <a:t>)</a:t>
+            </a:r>
+          </a:p>
+          <a:p>
+            <a:pPr>
+              <a:lnSpc>
+                <a:spcPct val="160000"/>
+              </a:lnSpc>
+            </a:pPr>
+            <a:r>
+              <a:rPr lang="ru-RU" dirty="0" smtClean="0"/>
+              <a:t>Медиа эффект используется через </a:t>
+            </a:r>
+            <a:r>
+              <a:rPr lang="en-US" b="1" dirty="0" err="1" smtClean="0"/>
+              <a:t>StaticResource</a:t>
+            </a:r>
+            <a:endParaRPr lang="en-US" b="1" dirty="0"/>
+          </a:p>
+          <a:p>
+            <a:pPr>
+              <a:lnSpc>
+                <a:spcPct val="160000"/>
+              </a:lnSpc>
+            </a:pPr>
+            <a:r>
+              <a:rPr lang="ru-RU" dirty="0" smtClean="0"/>
+              <a:t>Срабатывание трех условий одновременно – </a:t>
+            </a:r>
+            <a:r>
+              <a:rPr lang="ru-RU" dirty="0" err="1" smtClean="0"/>
+              <a:t>джекпот</a:t>
+            </a:r>
+            <a:r>
+              <a:rPr lang="en-US" dirty="0" smtClean="0"/>
+              <a:t>!</a:t>
             </a:r>
             <a:endParaRPr lang="en-US" dirty="0" smtClean="0"/>
           </a:p>
-          <a:p>
-            <a:pPr>
-              <a:lnSpc>
-                <a:spcPct val="150000"/>
-              </a:lnSpc>
-            </a:pPr>
-            <a:r>
-              <a:rPr lang="ru-RU" dirty="0" smtClean="0"/>
-              <a:t>Отмена ввода – не баг, а </a:t>
-            </a:r>
-            <a:r>
-              <a:rPr lang="ru-RU" dirty="0" err="1" smtClean="0"/>
-              <a:t>фича</a:t>
-            </a:r>
-            <a:r>
-              <a:rPr lang="ru-RU" dirty="0"/>
-              <a:t>?</a:t>
-            </a:r>
-          </a:p>
-          <a:p>
-            <a:pPr>
-              <a:lnSpc>
-                <a:spcPct val="150000"/>
-              </a:lnSpc>
-            </a:pPr>
-            <a:r>
-              <a:rPr lang="en-US" dirty="0" err="1"/>
-              <a:t>UndoManager</a:t>
-            </a:r>
-            <a:r>
-              <a:rPr lang="ru-RU" dirty="0"/>
-              <a:t> – корень всех </a:t>
-            </a:r>
-            <a:r>
-              <a:rPr lang="ru-RU" dirty="0" smtClean="0"/>
-              <a:t>зол</a:t>
-            </a:r>
-          </a:p>
-          <a:p>
-            <a:pPr>
-              <a:lnSpc>
-                <a:spcPct val="150000"/>
-              </a:lnSpc>
-            </a:pPr>
-            <a:r>
-              <a:rPr lang="ru-RU" dirty="0" smtClean="0"/>
-              <a:t>Лечение – ограничить или отключить операцию </a:t>
-            </a:r>
-            <a:r>
-              <a:rPr lang="en-US" dirty="0" smtClean="0"/>
-              <a:t>Undo</a:t>
-            </a:r>
-          </a:p>
-          <a:p>
-            <a:pPr marL="457200" lvl="1" indent="0">
-              <a:lnSpc>
-                <a:spcPct val="150000"/>
-              </a:lnSpc>
-              <a:buNone/>
-            </a:pPr>
-            <a:r>
-              <a:rPr lang="en-US" dirty="0" err="1" smtClean="0"/>
-              <a:t>IsUndoEnabled</a:t>
-            </a:r>
-            <a:r>
-              <a:rPr lang="en-US" dirty="0" smtClean="0"/>
-              <a:t>=“False”</a:t>
-            </a:r>
-          </a:p>
-          <a:p>
-            <a:pPr marL="457200" lvl="1" indent="0">
-              <a:lnSpc>
-                <a:spcPct val="150000"/>
-              </a:lnSpc>
-              <a:buNone/>
-            </a:pPr>
-            <a:r>
-              <a:rPr lang="en-US" dirty="0" err="1" smtClean="0"/>
-              <a:t>UndoLimit</a:t>
-            </a:r>
-            <a:r>
-              <a:rPr lang="en-US" dirty="0" smtClean="0"/>
-              <a:t>=“10”</a:t>
-            </a:r>
-            <a:endParaRPr lang="ru-RU" dirty="0"/>
+        </p:txBody>
+      </p:sp>
+      <p:sp>
+        <p:nvSpPr>
+          <p:cNvPr id="4" name="Номер слайда 3"/>
+          <p:cNvSpPr>
+            <a:spLocks noGrp="1"/>
+          </p:cNvSpPr>
+          <p:nvPr>
+            <p:ph type="sldNum" sz="quarter" idx="12"/>
+          </p:nvPr>
+        </p:nvSpPr>
+        <p:spPr/>
+        <p:txBody>
+          <a:bodyPr/>
+          <a:lstStyle/>
+          <a:p>
+            <a:fld id="{4341117B-7091-4FB7-97F8-A6CA9A2FE1D4}" type="slidenum">
+              <a:rPr lang="ru-RU" smtClean="0"/>
+              <a:t>15</a:t>
+            </a:fld>
+            <a:endParaRPr lang="ru-RU"/>
           </a:p>
         </p:txBody>
       </p:sp>
     </p:spTree>
     <p:extLst>
       <p:ext uri="{BB962C8B-B14F-4D97-AF65-F5344CB8AC3E}">
-        <p14:creationId xmlns:p14="http://schemas.microsoft.com/office/powerpoint/2010/main" val="3782083779"/>
+        <p14:creationId xmlns:p14="http://schemas.microsoft.com/office/powerpoint/2010/main" val="1416765959"/>
       </p:ext>
     </p:extLst>
   </p:cSld>
@@ -5077,10 +6403,22 @@
           <a:lstStyle/>
           <a:p>
             <a:r>
+              <a:rPr lang="ru-RU" b="1" dirty="0" smtClean="0"/>
+              <a:t>Как лечить </a:t>
+            </a:r>
+            <a:r>
+              <a:rPr lang="en-US" b="1" dirty="0"/>
+              <a:t>Media effect resource </a:t>
+            </a:r>
+            <a:r>
               <a:rPr lang="en-US" b="1" dirty="0" smtClean="0"/>
-              <a:t>Media effect resource leak</a:t>
-            </a:r>
-            <a:endParaRPr lang="ru-RU" b="1" dirty="0"/>
+              <a:t>leak</a:t>
+            </a:r>
+            <a:r>
+              <a:rPr lang="ru-RU" b="1" dirty="0" smtClean="0"/>
+              <a:t>?</a:t>
+            </a:r>
+            <a:endParaRPr lang="ru-RU" dirty="0"/>
           </a:p>
         </p:txBody>
       </p:sp>
@@ -5096,10 +6434,31 @@
         </p:nvSpPr>
         <p:spPr/>
         <p:txBody>
-          <a:bodyPr>
-            <a:normAutofit lnSpcReduction="10000"/>
-          </a:bodyPr>
-          <a:lstStyle/>
+          <a:bodyPr/>
+          <a:lstStyle/>
+          <a:p>
+            <a:pPr marL="228600" lvl="1">
+              <a:lnSpc>
+                <a:spcPct val="150000"/>
+              </a:lnSpc>
+              <a:spcBef>
+                <a:spcPts val="1000"/>
+              </a:spcBef>
+            </a:pPr>
+            <a:r>
+              <a:rPr lang="en-US" dirty="0" smtClean="0"/>
+              <a:t>“</a:t>
+            </a:r>
+            <a:r>
+              <a:rPr lang="en-US" dirty="0" err="1" smtClean="0"/>
+              <a:t>PresentationOptions:Freeze</a:t>
+            </a:r>
+            <a:r>
+              <a:rPr lang="en-US" dirty="0" smtClean="0"/>
+              <a:t>=True”</a:t>
+            </a:r>
+            <a:endParaRPr lang="en-US" dirty="0"/>
+          </a:p>
           <a:p>
             <a:pPr>
               <a:lnSpc>
@@ -5108,27 +6467,11 @@
             </a:pPr>
             <a:r>
               <a:rPr lang="ru-RU" dirty="0" smtClean="0"/>
-              <a:t>Стиль определен в </a:t>
-            </a:r>
-            <a:r>
-              <a:rPr lang="en-US" dirty="0" err="1" smtClean="0"/>
-              <a:t>ResourceDictionary</a:t>
-            </a:r>
-            <a:endParaRPr lang="en-US" dirty="0" smtClean="0"/>
-          </a:p>
-          <a:p>
-            <a:pPr>
-              <a:lnSpc>
-                <a:spcPct val="150000"/>
-              </a:lnSpc>
-            </a:pPr>
-            <a:r>
-              <a:rPr lang="ru-RU" dirty="0" smtClean="0"/>
-              <a:t>Стиль использует </a:t>
-            </a:r>
-            <a:r>
-              <a:rPr lang="en-US" dirty="0" err="1" smtClean="0"/>
-              <a:t>ControlTemplate</a:t>
+              <a:t>Атрибут </a:t>
+            </a:r>
+            <a:r>
+              <a:rPr lang="en-US" b="1" dirty="0" smtClean="0"/>
+              <a:t>Freeze</a:t>
             </a:r>
             <a:r>
               <a:rPr lang="en-US" dirty="0" smtClean="0"/>
@@ -5136,83 +6479,76 @@
             </a:r>
             <a:r>
               <a:rPr lang="ru-RU" dirty="0" smtClean="0"/>
-              <a:t>с медиа эффектом (</a:t>
-            </a:r>
-            <a:r>
-              <a:rPr lang="en-US" dirty="0" err="1" smtClean="0"/>
-              <a:t>DropShadowEffect</a:t>
-            </a:r>
+              <a:t>для неизменяемых в </a:t>
+            </a:r>
+            <a:r>
+              <a:rPr lang="ru-RU" dirty="0" err="1" smtClean="0"/>
+              <a:t>рантайме</a:t>
+            </a:r>
+            <a:r>
+              <a:rPr lang="ru-RU" dirty="0" smtClean="0"/>
+              <a:t> эффектов</a:t>
+            </a:r>
+          </a:p>
+          <a:p>
+            <a:pPr>
+              <a:lnSpc>
+                <a:spcPct val="150000"/>
+              </a:lnSpc>
+            </a:pPr>
             <a:r>
               <a:rPr lang="en-US" dirty="0" smtClean="0"/>
-              <a:t>)</a:t>
-            </a:r>
-          </a:p>
-          <a:p>
-            <a:pPr>
-              <a:lnSpc>
-                <a:spcPct val="150000"/>
-              </a:lnSpc>
-            </a:pPr>
-            <a:r>
-              <a:rPr lang="ru-RU" dirty="0" smtClean="0"/>
-              <a:t>Медиа эффект используется через </a:t>
-            </a:r>
-            <a:r>
-              <a:rPr lang="en-US" dirty="0" err="1" smtClean="0"/>
-              <a:t>StaticResource</a:t>
-            </a:r>
-            <a:endParaRPr lang="en-US" dirty="0"/>
-          </a:p>
-          <a:p>
-            <a:pPr>
-              <a:lnSpc>
-                <a:spcPct val="150000"/>
-              </a:lnSpc>
-            </a:pPr>
-            <a:r>
-              <a:rPr lang="ru-RU" dirty="0" smtClean="0"/>
-              <a:t>Срабатывание трех условий одновременно – </a:t>
-            </a:r>
-            <a:r>
-              <a:rPr lang="ru-RU" dirty="0" err="1" smtClean="0"/>
-              <a:t>джекпот</a:t>
+              <a:t>Application </a:t>
+            </a:r>
+            <a:r>
+              <a:rPr lang="en-US" b="1" dirty="0" err="1" smtClean="0"/>
+              <a:t>ResourceDictionary</a:t>
             </a:r>
             <a:r>
               <a:rPr lang="en-US" dirty="0" smtClean="0"/>
-              <a:t>!</a:t>
-            </a:r>
-          </a:p>
-          <a:p>
-            <a:pPr>
-              <a:lnSpc>
-                <a:spcPct val="150000"/>
-              </a:lnSpc>
-            </a:pPr>
-            <a:r>
-              <a:rPr lang="ru-RU" dirty="0" smtClean="0"/>
-              <a:t>Лечение – два метода</a:t>
-            </a:r>
-            <a:endParaRPr lang="ru-RU" dirty="0"/>
+              <a:t> -&gt; View </a:t>
+            </a:r>
+            <a:r>
+              <a:rPr lang="en-US" b="1" dirty="0" err="1"/>
+              <a:t>ResourceDictionary</a:t>
+            </a:r>
+            <a:endParaRPr lang="ru-RU" b="1" dirty="0"/>
+          </a:p>
+        </p:txBody>
+      </p:sp>
+      <p:sp>
+        <p:nvSpPr>
+          <p:cNvPr id="4" name="Номер слайда 3"/>
+          <p:cNvSpPr>
+            <a:spLocks noGrp="1"/>
+          </p:cNvSpPr>
+          <p:nvPr>
+            <p:ph type="sldNum" sz="quarter" idx="12"/>
+          </p:nvPr>
+        </p:nvSpPr>
+        <p:spPr/>
+        <p:txBody>
+          <a:bodyPr/>
+          <a:lstStyle/>
+          <a:p>
+            <a:fld id="{4341117B-7091-4FB7-97F8-A6CA9A2FE1D4}" type="slidenum">
+              <a:rPr lang="ru-RU" smtClean="0"/>
+              <a:t>16</a:t>
+            </a:fld>
+            <a:endParaRPr lang="ru-RU"/>
           </a:p>
         </p:txBody>
       </p:sp>
     </p:spTree>
     <p:extLst>
       <p:ext uri="{BB962C8B-B14F-4D97-AF65-F5344CB8AC3E}">
-        <p14:creationId xmlns:p14="http://schemas.microsoft.com/office/powerpoint/2010/main" val="1416765959"/>
+        <p14:creationId xmlns:p14="http://schemas.microsoft.com/office/powerpoint/2010/main" val="185660273"/>
       </p:ext>
     </p:extLst>
   </p:cSld>
   <p:clrMapOvr>
     <a:masterClrMapping/>
   </p:clrMapOvr>
-  <p:timing>
-    <p:tnLst>
-      <p:par>
-        <p:cTn id="1" dur="indefinite" restart="never" nodeType="tmRoot"/>
-      </p:par>
-    </p:tnLst>
-  </p:timing>
 </p:sld>
 </file>
 
@@ -5281,49 +6617,107 @@
               </a:lnSpc>
             </a:pPr>
             <a:r>
+              <a:rPr lang="ru-RU" dirty="0" smtClean="0"/>
+              <a:t>Без общих ресурсов приложения далеко не убежишь</a:t>
+            </a:r>
+          </a:p>
+          <a:p>
+            <a:pPr>
+              <a:lnSpc>
+                <a:spcPct val="150000"/>
+              </a:lnSpc>
+            </a:pPr>
+            <a:r>
+              <a:rPr lang="ru-RU" dirty="0" smtClean="0"/>
+              <a:t>По умолчанию каждое обращение к содержимому </a:t>
+            </a:r>
+            <a:r>
+              <a:rPr lang="en-US" b="1" dirty="0" err="1" smtClean="0"/>
+              <a:t>ResourceDictionary</a:t>
+            </a:r>
+            <a:r>
+              <a:rPr lang="ru-RU" dirty="0" smtClean="0"/>
+              <a:t> загружает его копию в память</a:t>
+            </a:r>
+          </a:p>
+          <a:p>
+            <a:pPr>
+              <a:lnSpc>
+                <a:spcPct val="150000"/>
+              </a:lnSpc>
+            </a:pPr>
+            <a:r>
+              <a:rPr lang="en-US" b="1" dirty="0" err="1" smtClean="0"/>
+              <a:t>SharedResourceDictionary</a:t>
+            </a:r>
+            <a:r>
+              <a:rPr lang="ru-RU" dirty="0" smtClean="0"/>
+              <a:t> – кэширование</a:t>
+            </a:r>
+            <a:endParaRPr lang="en-US" dirty="0" smtClean="0"/>
+          </a:p>
+          <a:p>
+            <a:pPr>
+              <a:lnSpc>
+                <a:spcPct val="150000"/>
+              </a:lnSpc>
+            </a:pPr>
+            <a:r>
+              <a:rPr lang="ru-RU" dirty="0"/>
+              <a:t>В</a:t>
+            </a:r>
+            <a:r>
+              <a:rPr lang="en-US" dirty="0" smtClean="0"/>
+              <a:t> </a:t>
+            </a:r>
+            <a:r>
               <a:rPr lang="en-US" dirty="0" err="1" smtClean="0"/>
-              <a:t>SharedResourceDictionary</a:t>
+              <a:t>.Net</a:t>
             </a:r>
             <a:r>
               <a:rPr lang="en-US" dirty="0" smtClean="0"/>
-              <a:t> – </a:t>
-            </a:r>
-            <a:r>
-              <a:rPr lang="ru-RU" dirty="0" smtClean="0"/>
-              <a:t>найти в интернете</a:t>
-            </a:r>
-          </a:p>
-          <a:p>
-            <a:pPr>
-              <a:lnSpc>
-                <a:spcPct val="150000"/>
-              </a:lnSpc>
-            </a:pPr>
-            <a:r>
-              <a:rPr lang="ru-RU" dirty="0" smtClean="0"/>
-              <a:t>Взять нашу реализации с </a:t>
-            </a:r>
-            <a:r>
-              <a:rPr lang="en-US" dirty="0" err="1" smtClean="0"/>
-              <a:t>WeakDictionary</a:t>
+              <a:t> Framework 3.5 </a:t>
+            </a:r>
+            <a:r>
+              <a:rPr lang="ru-RU" dirty="0" smtClean="0"/>
+              <a:t>– явный обход всех </a:t>
+            </a:r>
+            <a:r>
+              <a:rPr lang="en-US" b="1" dirty="0" err="1" smtClean="0"/>
+              <a:t>MergedDictionaries</a:t>
             </a:r>
             <a:r>
               <a:rPr lang="en-US" dirty="0" smtClean="0"/>
-              <a:t> (</a:t>
-            </a:r>
-            <a:r>
-              <a:rPr lang="ru-RU" dirty="0" smtClean="0"/>
               <a:t> </a:t>
             </a:r>
             <a:r>
-              <a:rPr lang="en-US" dirty="0" smtClean="0"/>
-              <a:t>&gt; 3 </a:t>
-            </a:r>
-            <a:r>
-              <a:rPr lang="ru-RU" dirty="0" smtClean="0"/>
-              <a:t>месяцев назад)</a:t>
+              <a:rPr lang="ru-RU" dirty="0" smtClean="0"/>
+              <a:t>при старте приложения</a:t>
             </a:r>
             <a:endParaRPr lang="ru-RU" dirty="0"/>
+          </a:p>
+        </p:txBody>
+      </p:sp>
+      <p:sp>
+        <p:nvSpPr>
+          <p:cNvPr id="4" name="Номер слайда 3"/>
+          <p:cNvSpPr>
+            <a:spLocks noGrp="1"/>
+          </p:cNvSpPr>
+          <p:nvPr>
+            <p:ph type="sldNum" sz="quarter" idx="12"/>
+          </p:nvPr>
+        </p:nvSpPr>
+        <p:spPr/>
+        <p:txBody>
+          <a:bodyPr/>
+          <a:lstStyle/>
+          <a:p>
+            <a:fld id="{4341117B-7091-4FB7-97F8-A6CA9A2FE1D4}" type="slidenum">
+              <a:rPr lang="ru-RU" smtClean="0"/>
+              <a:t>17</a:t>
+            </a:fld>
+            <a:endParaRPr lang="ru-RU"/>
           </a:p>
         </p:txBody>
       </p:sp>
@@ -5373,14 +6767,10 @@
           <a:lstStyle/>
           <a:p>
             <a:r>
-              <a:rPr lang="ru-RU" b="1" dirty="0" smtClean="0"/>
-              <a:t>Чем искать утечки памяти в </a:t>
-            </a:r>
-            <a:r>
-              <a:rPr lang="en-US" b="1" dirty="0" smtClean="0"/>
-              <a:t>WPF?</a:t>
-            </a:r>
-            <a:endParaRPr lang="ru-RU" b="1" dirty="0"/>
+              <a:rPr lang="en-US" dirty="0" smtClean="0"/>
+              <a:t>Third-party libraries</a:t>
+            </a:r>
+            <a:endParaRPr lang="ru-RU" dirty="0"/>
           </a:p>
         </p:txBody>
       </p:sp>
@@ -5407,8 +6797,16 @@
               </a:lnSpc>
             </a:pPr>
             <a:r>
-              <a:rPr lang="en-US" dirty="0" smtClean="0"/>
-              <a:t>Visual Studio profiler</a:t>
+              <a:rPr lang="ru-RU" dirty="0" smtClean="0"/>
+              <a:t>Сторонние </a:t>
+            </a:r>
+            <a:r>
+              <a:rPr lang="ru-RU" dirty="0" err="1" smtClean="0"/>
+              <a:t>контролы</a:t>
+            </a:r>
+            <a:r>
+              <a:rPr lang="ru-RU" dirty="0" smtClean="0"/>
+              <a:t> могут быть причинами утечек памяти</a:t>
             </a:r>
           </a:p>
           <a:p>
@@ -5417,11 +6815,7 @@
                 <a:spcPct val="150000"/>
               </a:lnSpc>
             </a:pPr>
-            <a:r>
-              <a:rPr lang="en-US" dirty="0" err="1" smtClean="0"/>
-              <a:t>dotMemory</a:t>
-            </a:r>
-            <a:endParaRPr lang="en-US" dirty="0" smtClean="0"/>
+            <a:endParaRPr lang="ru-RU" dirty="0"/>
           </a:p>
           <a:p>
             <a:pPr>
@@ -5430,12 +6824,12 @@
               </a:lnSpc>
             </a:pPr>
             <a:r>
-              <a:rPr lang="en-US" dirty="0" err="1" smtClean="0"/>
-              <a:t>dotnet</a:t>
-            </a:r>
-            <a:r>
-              <a:rPr lang="en-US" dirty="0" smtClean="0"/>
-              <a:t> Memory Profiler</a:t>
+              <a:rPr lang="ru-RU" b="1" dirty="0" smtClean="0"/>
+              <a:t>Лечение</a:t>
+            </a:r>
+            <a:r>
+              <a:rPr lang="ru-RU" dirty="0" smtClean="0"/>
+              <a:t>:</a:t>
             </a:r>
           </a:p>
           <a:p>
@@ -5445,8 +6839,8 @@
               </a:lnSpc>
             </a:pPr>
             <a:r>
-              <a:rPr lang="en-US" dirty="0" smtClean="0"/>
-              <a:t>ANTS Performance profiler</a:t>
+              <a:rPr lang="ru-RU" dirty="0" smtClean="0"/>
+              <a:t>1) Если есть исходный код – профилируйте!</a:t>
             </a:r>
           </a:p>
           <a:p>
@@ -5456,28 +6850,40 @@
               </a:lnSpc>
             </a:pPr>
             <a:r>
-              <a:rPr lang="en-US" dirty="0" err="1" smtClean="0"/>
-              <a:t>JustTrace</a:t>
-            </a:r>
-            <a:endParaRPr lang="en-US" dirty="0" smtClean="0"/>
-          </a:p>
-          <a:p>
-            <a:pPr>
-              <a:lnSpc>
-                <a:spcPct val="150000"/>
-              </a:lnSpc>
-            </a:pPr>
-            <a:r>
-              <a:rPr lang="en-US" dirty="0" smtClean="0"/>
-              <a:t>EQATEC profiler</a:t>
-            </a:r>
+              <a:rPr lang="ru-RU" dirty="0" smtClean="0"/>
+              <a:t>2) Если исходного кода нет – обрадуйте разработчика баг-репортом</a:t>
+            </a:r>
+            <a:endParaRPr lang="ru-RU" dirty="0"/>
+          </a:p>
+        </p:txBody>
+      </p:sp>
+      <p:sp>
+        <p:nvSpPr>
+          <p:cNvPr id="4" name="Номер слайда 3"/>
+          <p:cNvSpPr>
+            <a:spLocks noGrp="1"/>
+          </p:cNvSpPr>
+          <p:nvPr>
+            <p:ph type="sldNum" sz="quarter" idx="12"/>
+          </p:nvPr>
+        </p:nvSpPr>
+        <p:spPr/>
+        <p:txBody>
+          <a:bodyPr/>
+          <a:lstStyle/>
+          <a:p>
+            <a:fld id="{4341117B-7091-4FB7-97F8-A6CA9A2FE1D4}" type="slidenum">
+              <a:rPr lang="ru-RU" smtClean="0"/>
+              <a:t>18</a:t>
+            </a:fld>
+            <a:endParaRPr lang="ru-RU"/>
           </a:p>
         </p:txBody>
       </p:sp>
     </p:spTree>
     <p:extLst>
       <p:ext uri="{BB962C8B-B14F-4D97-AF65-F5344CB8AC3E}">
-        <p14:creationId xmlns:p14="http://schemas.microsoft.com/office/powerpoint/2010/main" val="2261631478"/>
+        <p14:creationId xmlns:p14="http://schemas.microsoft.com/office/powerpoint/2010/main" val="1830352415"/>
       </p:ext>
     </p:extLst>
   </p:cSld>
@@ -5528,7 +6934,7 @@
           <a:p>
             <a:r>
               <a:rPr lang="ru-RU" b="1" dirty="0" smtClean="0"/>
-              <a:t>Таблица сравнения профилировщиков</a:t>
+              <a:t>Выводы</a:t>
             </a:r>
             <a:endParaRPr lang="ru-RU" b="1" dirty="0"/>
           </a:p>
@@ -5549,46 +6955,135 @@
           <a:bodyPr/>
           <a:lstStyle/>
           <a:p>
-            <a:r>
-              <a:rPr lang="ru-RU" dirty="0" smtClean="0"/>
-              <a:t>Цена</a:t>
-            </a:r>
-          </a:p>
-          <a:p>
-            <a:r>
-              <a:rPr lang="ru-RU" dirty="0" smtClean="0"/>
-              <a:t>Удобство для </a:t>
-            </a:r>
+            <a:pPr>
+              <a:lnSpc>
+                <a:spcPct val="150000"/>
+              </a:lnSpc>
+            </a:pPr>
             <a:r>
               <a:rPr lang="en-US" dirty="0" smtClean="0"/>
-              <a:t>WPF</a:t>
-            </a:r>
-          </a:p>
-          <a:p>
-            <a:r>
-              <a:rPr lang="ru-RU" dirty="0" smtClean="0"/>
-              <a:t>Скорость</a:t>
-            </a:r>
-          </a:p>
-          <a:p>
-            <a:r>
-              <a:rPr lang="ru-RU" dirty="0" smtClean="0"/>
-              <a:t>Что-то еще</a:t>
-            </a:r>
-            <a:endParaRPr lang="ru-RU" dirty="0"/>
+              <a:t>Static – </a:t>
+            </a:r>
+            <a:r>
+              <a:rPr lang="ru-RU" dirty="0" smtClean="0"/>
+              <a:t>очень большое </a:t>
+            </a:r>
+            <a:r>
+              <a:rPr lang="ru-RU" dirty="0" smtClean="0"/>
+              <a:t>зло (</a:t>
+            </a:r>
+            <a:r>
+              <a:rPr lang="en-US" dirty="0" smtClean="0"/>
+              <a:t>Binding + event handlers)</a:t>
+            </a:r>
+          </a:p>
+          <a:p>
+            <a:pPr>
+              <a:lnSpc>
+                <a:spcPct val="150000"/>
+              </a:lnSpc>
+            </a:pPr>
+            <a:r>
+              <a:rPr lang="en-US" b="1" dirty="0" err="1" smtClean="0"/>
+              <a:t>IDisposable</a:t>
+            </a:r>
+            <a:r>
+              <a:rPr lang="en-US" dirty="0" smtClean="0"/>
+              <a:t> – </a:t>
+            </a:r>
+            <a:r>
+              <a:rPr lang="ru-RU" dirty="0" smtClean="0"/>
+              <a:t>наш верный друг в борьбе с утечками памяти</a:t>
+            </a:r>
+          </a:p>
+          <a:p>
+            <a:pPr>
+              <a:lnSpc>
+                <a:spcPct val="150000"/>
+              </a:lnSpc>
+            </a:pPr>
+            <a:r>
+              <a:rPr lang="ru-RU" dirty="0" smtClean="0"/>
+              <a:t>Грамотная архитектура</a:t>
+            </a:r>
+          </a:p>
+          <a:p>
+            <a:pPr>
+              <a:lnSpc>
+                <a:spcPct val="150000"/>
+              </a:lnSpc>
+            </a:pPr>
+            <a:r>
+              <a:rPr lang="ru-RU" dirty="0" smtClean="0"/>
+              <a:t>Слабая связанность</a:t>
+            </a:r>
+            <a:r>
+              <a:rPr lang="en-US" dirty="0" smtClean="0"/>
+              <a:t> </a:t>
+            </a:r>
+            <a:r>
+              <a:rPr lang="ru-RU" dirty="0" smtClean="0"/>
+              <a:t>для событий и их обработчиков</a:t>
+            </a:r>
+          </a:p>
+          <a:p>
+            <a:pPr>
+              <a:lnSpc>
+                <a:spcPct val="150000"/>
+              </a:lnSpc>
+            </a:pPr>
+            <a:r>
+              <a:rPr lang="en-US" dirty="0" smtClean="0"/>
+              <a:t>Single Responsibility</a:t>
+            </a:r>
+            <a:r>
+              <a:rPr lang="ru-RU" dirty="0" smtClean="0"/>
+              <a:t> </a:t>
+            </a:r>
+            <a:endParaRPr lang="en-US" dirty="0" smtClean="0"/>
+          </a:p>
+        </p:txBody>
+      </p:sp>
+      <p:sp>
+        <p:nvSpPr>
+          <p:cNvPr id="4" name="Номер слайда 3"/>
+          <p:cNvSpPr>
+            <a:spLocks noGrp="1"/>
+          </p:cNvSpPr>
+          <p:nvPr>
+            <p:ph type="sldNum" sz="quarter" idx="12"/>
+          </p:nvPr>
+        </p:nvSpPr>
+        <p:spPr/>
+        <p:txBody>
+          <a:bodyPr/>
+          <a:lstStyle/>
+          <a:p>
+            <a:fld id="{4341117B-7091-4FB7-97F8-A6CA9A2FE1D4}" type="slidenum">
+              <a:rPr lang="ru-RU" smtClean="0"/>
+              <a:t>19</a:t>
+            </a:fld>
+            <a:endParaRPr lang="ru-RU"/>
           </a:p>
         </p:txBody>
       </p:sp>
     </p:spTree>
     <p:extLst>
       <p:ext uri="{BB962C8B-B14F-4D97-AF65-F5344CB8AC3E}">
-        <p14:creationId xmlns:p14="http://schemas.microsoft.com/office/powerpoint/2010/main" val="3379949288"/>
+        <p14:creationId xmlns:p14="http://schemas.microsoft.com/office/powerpoint/2010/main" val="722939208"/>
       </p:ext>
     </p:extLst>
   </p:cSld>
   <p:clrMapOvr>
     <a:masterClrMapping/>
   </p:clrMapOvr>
+  <p:timing>
+    <p:tnLst>
+      <p:par>
+        <p:cTn id="1" dur="indefinite" restart="never" nodeType="tmRoot"/>
+      </p:par>
+    </p:tnLst>
+  </p:timing>
 </p:sld>
 </file>
 
@@ -5709,6 +7204,29 @@
               <a:t>Как искать и находить?</a:t>
             </a:r>
             <a:endParaRPr lang="ru-RU" dirty="0"/>
+          </a:p>
+        </p:txBody>
+      </p:sp>
+      <p:sp>
+        <p:nvSpPr>
+          <p:cNvPr id="4" name="Номер слайда 3"/>
+          <p:cNvSpPr>
+            <a:spLocks noGrp="1"/>
+          </p:cNvSpPr>
+          <p:nvPr>
+            <p:ph type="sldNum" sz="quarter" idx="12"/>
+          </p:nvPr>
+        </p:nvSpPr>
+        <p:spPr/>
+        <p:txBody>
+          <a:bodyPr/>
+          <a:lstStyle/>
+          <a:p>
+            <a:fld id="{4341117B-7091-4FB7-97F8-A6CA9A2FE1D4}" type="slidenum">
+              <a:rPr lang="ru-RU" smtClean="0"/>
+              <a:t>2</a:t>
+            </a:fld>
+            <a:endParaRPr lang="ru-RU"/>
           </a:p>
         </p:txBody>
       </p:sp>
@@ -5733,6 +7251,352 @@
 </file>
 
 <file path=ppt/slides/slide20.xml><?xml version="1.0" encoding="utf-8"?>
+<p:sld xmlns:a="http://schemas.openxmlformats.org/drawingml/2006/main" xmlns:r="http://schemas.openxmlformats.org/officeDocument/2006/relationships" xmlns:p="http://schemas.openxmlformats.org/presentationml/2006/main">
+  <p:cSld>
+    <p:spTree>
+      <p:nvGrpSpPr>
+        <p:cNvPr id="1" name=""/>
+        <p:cNvGrpSpPr/>
+        <p:nvPr/>
+      </p:nvGrpSpPr>
+      <p:grpSpPr>
+        <a:xfrm>
+          <a:off x="0" y="0"/>
+          <a:ext cx="0" cy="0"/>
+          <a:chOff x="0" y="0"/>
+          <a:chExt cx="0" cy="0"/>
+        </a:xfrm>
+      </p:grpSpPr>
+      <p:sp>
+        <p:nvSpPr>
+          <p:cNvPr id="2" name="Заголовок 1"/>
+          <p:cNvSpPr>
+            <a:spLocks noGrp="1"/>
+          </p:cNvSpPr>
+          <p:nvPr>
+            <p:ph type="title"/>
+          </p:nvPr>
+        </p:nvSpPr>
+        <p:spPr/>
+        <p:txBody>
+          <a:bodyPr/>
+          <a:lstStyle/>
+          <a:p>
+            <a:r>
+              <a:rPr lang="ru-RU" b="1" dirty="0" smtClean="0"/>
+              <a:t>Чем искать утечки памяти в </a:t>
+            </a:r>
+            <a:r>
+              <a:rPr lang="en-US" b="1" dirty="0" smtClean="0"/>
+              <a:t>WPF?</a:t>
+            </a:r>
+            <a:endParaRPr lang="ru-RU" b="1" dirty="0"/>
+          </a:p>
+        </p:txBody>
+      </p:sp>
+      <p:sp>
+        <p:nvSpPr>
+          <p:cNvPr id="3" name="Объект 2"/>
+          <p:cNvSpPr>
+            <a:spLocks noGrp="1"/>
+          </p:cNvSpPr>
+          <p:nvPr>
+            <p:ph idx="1"/>
+          </p:nvPr>
+        </p:nvSpPr>
+        <p:spPr/>
+        <p:txBody>
+          <a:bodyPr>
+            <a:normAutofit fontScale="85000" lnSpcReduction="20000"/>
+          </a:bodyPr>
+          <a:lstStyle/>
+          <a:p>
+            <a:pPr>
+              <a:lnSpc>
+                <a:spcPct val="150000"/>
+              </a:lnSpc>
+            </a:pPr>
+            <a:r>
+              <a:rPr lang="en-US" dirty="0" smtClean="0"/>
+              <a:t>Visual Studio profiler</a:t>
+            </a:r>
+          </a:p>
+          <a:p>
+            <a:pPr>
+              <a:lnSpc>
+                <a:spcPct val="150000"/>
+              </a:lnSpc>
+            </a:pPr>
+            <a:r>
+              <a:rPr lang="en-US" dirty="0" err="1" smtClean="0"/>
+              <a:t>dotMemory</a:t>
+            </a:r>
+            <a:endParaRPr lang="en-US" dirty="0" smtClean="0"/>
+          </a:p>
+          <a:p>
+            <a:pPr>
+              <a:lnSpc>
+                <a:spcPct val="150000"/>
+              </a:lnSpc>
+            </a:pPr>
+            <a:r>
+              <a:rPr lang="en-US" dirty="0" err="1" smtClean="0"/>
+              <a:t>dot</a:t>
+            </a:r>
+            <a:r>
+              <a:rPr lang="en-US" dirty="0" err="1"/>
+              <a:t>N</a:t>
+            </a:r>
+            <a:r>
+              <a:rPr lang="en-US" dirty="0" err="1" smtClean="0"/>
+              <a:t>et</a:t>
+            </a:r>
+            <a:r>
+              <a:rPr lang="en-US" dirty="0" smtClean="0"/>
+              <a:t> </a:t>
+            </a:r>
+            <a:r>
+              <a:rPr lang="en-US" dirty="0" smtClean="0"/>
+              <a:t>Memory Profiler</a:t>
+            </a:r>
+          </a:p>
+          <a:p>
+            <a:pPr>
+              <a:lnSpc>
+                <a:spcPct val="150000"/>
+              </a:lnSpc>
+            </a:pPr>
+            <a:r>
+              <a:rPr lang="en-US" dirty="0" smtClean="0"/>
+              <a:t>ANTS Performance profiler</a:t>
+            </a:r>
+          </a:p>
+          <a:p>
+            <a:pPr>
+              <a:lnSpc>
+                <a:spcPct val="150000"/>
+              </a:lnSpc>
+            </a:pPr>
+            <a:r>
+              <a:rPr lang="en-US" dirty="0" err="1" smtClean="0"/>
+              <a:t>JustTrace</a:t>
+            </a:r>
+            <a:endParaRPr lang="en-US" dirty="0" smtClean="0"/>
+          </a:p>
+          <a:p>
+            <a:pPr>
+              <a:lnSpc>
+                <a:spcPct val="150000"/>
+              </a:lnSpc>
+            </a:pPr>
+            <a:r>
+              <a:rPr lang="en-US" dirty="0" smtClean="0"/>
+              <a:t>EQATEC </a:t>
+            </a:r>
+            <a:r>
+              <a:rPr lang="en-US" dirty="0" smtClean="0"/>
+              <a:t>profiler</a:t>
+            </a:r>
+          </a:p>
+          <a:p>
+            <a:pPr>
+              <a:lnSpc>
+                <a:spcPct val="150000"/>
+              </a:lnSpc>
+            </a:pPr>
+            <a:r>
+              <a:rPr lang="en-US" smtClean="0"/>
+              <a:t>WinDbg</a:t>
+            </a:r>
+            <a:endParaRPr lang="en-US" dirty="0" smtClean="0"/>
+          </a:p>
+        </p:txBody>
+      </p:sp>
+      <p:sp>
+        <p:nvSpPr>
+          <p:cNvPr id="4" name="Номер слайда 3"/>
+          <p:cNvSpPr>
+            <a:spLocks noGrp="1"/>
+          </p:cNvSpPr>
+          <p:nvPr>
+            <p:ph type="sldNum" sz="quarter" idx="12"/>
+          </p:nvPr>
+        </p:nvSpPr>
+        <p:spPr/>
+        <p:txBody>
+          <a:bodyPr/>
+          <a:lstStyle/>
+          <a:p>
+            <a:fld id="{4341117B-7091-4FB7-97F8-A6CA9A2FE1D4}" type="slidenum">
+              <a:rPr lang="ru-RU" smtClean="0"/>
+              <a:t>20</a:t>
+            </a:fld>
+            <a:endParaRPr lang="ru-RU"/>
+          </a:p>
+        </p:txBody>
+      </p:sp>
+    </p:spTree>
+    <p:extLst>
+      <p:ext uri="{BB962C8B-B14F-4D97-AF65-F5344CB8AC3E}">
+        <p14:creationId xmlns:p14="http://schemas.microsoft.com/office/powerpoint/2010/main" val="2261631478"/>
+      </p:ext>
+    </p:extLst>
+  </p:cSld>
+  <p:clrMapOvr>
+    <a:masterClrMapping/>
+  </p:clrMapOvr>
+  <p:timing>
+    <p:tnLst>
+      <p:par>
+        <p:cTn id="1" dur="indefinite" restart="never" nodeType="tmRoot"/>
+      </p:par>
+    </p:tnLst>
+  </p:timing>
+</p:sld>
+</file>
+
+<file path=ppt/slides/slide21.xml><?xml version="1.0" encoding="utf-8"?>
+<p:sld xmlns:a="http://schemas.openxmlformats.org/drawingml/2006/main" xmlns:r="http://schemas.openxmlformats.org/officeDocument/2006/relationships" xmlns:p="http://schemas.openxmlformats.org/presentationml/2006/main">
+  <p:cSld>
+    <p:spTree>
+      <p:nvGrpSpPr>
+        <p:cNvPr id="1" name=""/>
+        <p:cNvGrpSpPr/>
+        <p:nvPr/>
+      </p:nvGrpSpPr>
+      <p:grpSpPr>
+        <a:xfrm>
+          <a:off x="0" y="0"/>
+          <a:ext cx="0" cy="0"/>
+          <a:chOff x="0" y="0"/>
+          <a:chExt cx="0" cy="0"/>
+        </a:xfrm>
+      </p:grpSpPr>
+      <p:sp>
+        <p:nvSpPr>
+          <p:cNvPr id="2" name="Заголовок 1"/>
+          <p:cNvSpPr>
+            <a:spLocks noGrp="1"/>
+          </p:cNvSpPr>
+          <p:nvPr>
+            <p:ph type="title"/>
+          </p:nvPr>
+        </p:nvSpPr>
+        <p:spPr/>
+        <p:txBody>
+          <a:bodyPr/>
+          <a:lstStyle/>
+          <a:p>
+            <a:r>
+              <a:rPr lang="ru-RU" b="1" dirty="0" smtClean="0"/>
+              <a:t>Таблица сравнения профилировщиков</a:t>
+            </a:r>
+            <a:endParaRPr lang="ru-RU" b="1" dirty="0"/>
+          </a:p>
+        </p:txBody>
+      </p:sp>
+      <p:sp>
+        <p:nvSpPr>
+          <p:cNvPr id="3" name="Объект 2"/>
+          <p:cNvSpPr>
+            <a:spLocks noGrp="1"/>
+          </p:cNvSpPr>
+          <p:nvPr>
+            <p:ph idx="1"/>
+          </p:nvPr>
+        </p:nvSpPr>
+        <p:spPr/>
+        <p:txBody>
+          <a:bodyPr/>
+          <a:lstStyle/>
+          <a:p>
+            <a:pPr>
+              <a:lnSpc>
+                <a:spcPct val="150000"/>
+              </a:lnSpc>
+            </a:pPr>
+            <a:r>
+              <a:rPr lang="ru-RU" dirty="0" smtClean="0"/>
+              <a:t>Цена</a:t>
+            </a:r>
+          </a:p>
+          <a:p>
+            <a:pPr>
+              <a:lnSpc>
+                <a:spcPct val="150000"/>
+              </a:lnSpc>
+            </a:pPr>
+            <a:r>
+              <a:rPr lang="ru-RU" dirty="0" smtClean="0"/>
+              <a:t>Удобство для </a:t>
+            </a:r>
+            <a:r>
+              <a:rPr lang="en-US" dirty="0" smtClean="0"/>
+              <a:t>WPF</a:t>
+            </a:r>
+          </a:p>
+          <a:p>
+            <a:pPr>
+              <a:lnSpc>
+                <a:spcPct val="150000"/>
+              </a:lnSpc>
+            </a:pPr>
+            <a:r>
+              <a:rPr lang="ru-RU" dirty="0" smtClean="0"/>
+              <a:t>Скорость</a:t>
+            </a:r>
+          </a:p>
+          <a:p>
+            <a:pPr>
+              <a:lnSpc>
+                <a:spcPct val="150000"/>
+              </a:lnSpc>
+            </a:pPr>
+            <a:r>
+              <a:rPr lang="ru-RU" dirty="0" smtClean="0"/>
+              <a:t>Что-то еще</a:t>
+            </a:r>
+            <a:endParaRPr lang="ru-RU" dirty="0"/>
+          </a:p>
+        </p:txBody>
+      </p:sp>
+      <p:sp>
+        <p:nvSpPr>
+          <p:cNvPr id="4" name="Номер слайда 3"/>
+          <p:cNvSpPr>
+            <a:spLocks noGrp="1"/>
+          </p:cNvSpPr>
+          <p:nvPr>
+            <p:ph type="sldNum" sz="quarter" idx="12"/>
+          </p:nvPr>
+        </p:nvSpPr>
+        <p:spPr/>
+        <p:txBody>
+          <a:bodyPr/>
+          <a:lstStyle/>
+          <a:p>
+            <a:fld id="{4341117B-7091-4FB7-97F8-A6CA9A2FE1D4}" type="slidenum">
+              <a:rPr lang="ru-RU" smtClean="0"/>
+              <a:t>21</a:t>
+            </a:fld>
+            <a:endParaRPr lang="ru-RU"/>
+          </a:p>
+        </p:txBody>
+      </p:sp>
+    </p:spTree>
+    <p:extLst>
+      <p:ext uri="{BB962C8B-B14F-4D97-AF65-F5344CB8AC3E}">
+        <p14:creationId xmlns:p14="http://schemas.microsoft.com/office/powerpoint/2010/main" val="3379949288"/>
+      </p:ext>
+    </p:extLst>
+  </p:cSld>
+  <p:clrMapOvr>
+    <a:masterClrMapping/>
+  </p:clrMapOvr>
+</p:sld>
+</file>
+
+<file path=ppt/slides/slide22.xml><?xml version="1.0" encoding="utf-8"?>
 <p:sld xmlns:a="http://schemas.openxmlformats.org/drawingml/2006/main" xmlns:r="http://schemas.openxmlformats.org/officeDocument/2006/relationships" xmlns:p="http://schemas.openxmlformats.org/presentationml/2006/main">
   <p:cSld>
     <p:spTree>
@@ -5862,6 +7726,29 @@
           </a:extLst>
         </p:spPr>
       </p:pic>
+      <p:sp>
+        <p:nvSpPr>
+          <p:cNvPr id="4" name="Номер слайда 3"/>
+          <p:cNvSpPr>
+            <a:spLocks noGrp="1"/>
+          </p:cNvSpPr>
+          <p:nvPr>
+            <p:ph type="sldNum" sz="quarter" idx="12"/>
+          </p:nvPr>
+        </p:nvSpPr>
+        <p:spPr/>
+        <p:txBody>
+          <a:bodyPr/>
+          <a:lstStyle/>
+          <a:p>
+            <a:fld id="{4341117B-7091-4FB7-97F8-A6CA9A2FE1D4}" type="slidenum">
+              <a:rPr lang="ru-RU" smtClean="0"/>
+              <a:t>22</a:t>
+            </a:fld>
+            <a:endParaRPr lang="ru-RU"/>
+          </a:p>
+        </p:txBody>
+      </p:sp>
     </p:spTree>
     <p:extLst>
       <p:ext uri="{BB962C8B-B14F-4D97-AF65-F5344CB8AC3E}">
@@ -5875,7 +7762,7 @@
 </p:sld>
 </file>
 
-<file path=ppt/slides/slide21.xml><?xml version="1.0" encoding="utf-8"?>
+<file path=ppt/slides/slide23.xml><?xml version="1.0" encoding="utf-8"?>
 <p:sld xmlns:a="http://schemas.openxmlformats.org/drawingml/2006/main" xmlns:r="http://schemas.openxmlformats.org/officeDocument/2006/relationships" xmlns:p="http://schemas.openxmlformats.org/presentationml/2006/main">
   <p:cSld>
     <p:spTree>
@@ -5924,6 +7811,29 @@
           </a:p>
         </p:txBody>
       </p:sp>
+      <p:sp>
+        <p:nvSpPr>
+          <p:cNvPr id="3" name="Номер слайда 2"/>
+          <p:cNvSpPr>
+            <a:spLocks noGrp="1"/>
+          </p:cNvSpPr>
+          <p:nvPr>
+            <p:ph type="sldNum" sz="quarter" idx="12"/>
+          </p:nvPr>
+        </p:nvSpPr>
+        <p:spPr/>
+        <p:txBody>
+          <a:bodyPr/>
+          <a:lstStyle/>
+          <a:p>
+            <a:fld id="{4341117B-7091-4FB7-97F8-A6CA9A2FE1D4}" type="slidenum">
+              <a:rPr lang="ru-RU" smtClean="0"/>
+              <a:t>23</a:t>
+            </a:fld>
+            <a:endParaRPr lang="ru-RU"/>
+          </a:p>
+        </p:txBody>
+      </p:sp>
     </p:spTree>
     <p:extLst>
       <p:ext uri="{BB962C8B-B14F-4D97-AF65-F5344CB8AC3E}">
@@ -5934,6 +7844,13 @@
   <p:clrMapOvr>
     <a:masterClrMapping/>
   </p:clrMapOvr>
+  <p:timing>
+    <p:tnLst>
+      <p:par>
+        <p:cTn id="1" dur="indefinite" restart="never" nodeType="tmRoot"/>
+      </p:par>
+    </p:tnLst>
+  </p:timing>
 </p:sld>
 </file>
 
@@ -6020,6 +7937,29 @@
           </a:extLst>
         </p:spPr>
       </p:pic>
+      <p:sp>
+        <p:nvSpPr>
+          <p:cNvPr id="3" name="Номер слайда 2"/>
+          <p:cNvSpPr>
+            <a:spLocks noGrp="1"/>
+          </p:cNvSpPr>
+          <p:nvPr>
+            <p:ph type="sldNum" sz="quarter" idx="12"/>
+          </p:nvPr>
+        </p:nvSpPr>
+        <p:spPr/>
+        <p:txBody>
+          <a:bodyPr/>
+          <a:lstStyle/>
+          <a:p>
+            <a:fld id="{4341117B-7091-4FB7-97F8-A6CA9A2FE1D4}" type="slidenum">
+              <a:rPr lang="ru-RU" smtClean="0"/>
+              <a:t>3</a:t>
+            </a:fld>
+            <a:endParaRPr lang="ru-RU"/>
+          </a:p>
+        </p:txBody>
+      </p:sp>
     </p:spTree>
     <p:extLst>
       <p:ext uri="{BB962C8B-B14F-4D97-AF65-F5344CB8AC3E}">
@@ -6073,16 +8013,8 @@
           <a:lstStyle/>
           <a:p>
             <a:r>
-              <a:rPr lang="en-US" b="1" dirty="0" smtClean="0"/>
-              <a:t>Heavy </a:t>
-            </a:r>
-            <a:r>
-              <a:rPr lang="en-US" b="1" strike="sngStrike" dirty="0" smtClean="0"/>
-              <a:t>metal</a:t>
-            </a:r>
-            <a:r>
-              <a:rPr lang="en-US" b="1" dirty="0" smtClean="0"/>
-              <a:t> model</a:t>
+              <a:rPr lang="ru-RU" b="1" dirty="0" smtClean="0"/>
+              <a:t>С чем мы имели дело</a:t>
             </a:r>
             <a:endParaRPr lang="ru-RU" b="1" dirty="0"/>
           </a:p>
@@ -6103,32 +8035,162 @@
           <a:bodyPr/>
           <a:lstStyle/>
           <a:p>
-            <a:r>
-              <a:rPr lang="ru-RU" dirty="0" smtClean="0"/>
-              <a:t>Место для кода тяжелого объекта </a:t>
+            <a:pPr>
+              <a:lnSpc>
+                <a:spcPct val="150000"/>
+              </a:lnSpc>
+            </a:pPr>
+            <a:r>
+              <a:rPr lang="ru-RU" dirty="0" smtClean="0"/>
+              <a:t>Стандартный набор действий над данными в приложении</a:t>
+            </a:r>
+          </a:p>
+          <a:p>
+            <a:pPr>
+              <a:lnSpc>
+                <a:spcPct val="150000"/>
+              </a:lnSpc>
+            </a:pPr>
+            <a:r>
+              <a:rPr lang="ru-RU" dirty="0" smtClean="0"/>
+              <a:t>Архитектура </a:t>
+            </a:r>
+            <a:r>
+              <a:rPr lang="en-US" dirty="0" smtClean="0"/>
+              <a:t>UI – </a:t>
+            </a:r>
+            <a:r>
+              <a:rPr lang="ru-RU" dirty="0" smtClean="0"/>
+              <a:t>вкладки, </a:t>
             </a:r>
             <a:r>
               <a:rPr lang="ru-RU" dirty="0" err="1" smtClean="0"/>
-              <a:t>демки</a:t>
-            </a:r>
-            <a:r>
-              <a:rPr lang="ru-RU" dirty="0" smtClean="0"/>
-              <a:t> </a:t>
-            </a:r>
+              <a:t>хостовые</a:t>
+            </a:r>
+            <a:r>
+              <a:rPr lang="ru-RU" dirty="0" smtClean="0"/>
+              <a:t> вкладки, «диалоговые» окна</a:t>
+            </a:r>
+          </a:p>
+          <a:p>
+            <a:pPr>
+              <a:lnSpc>
+                <a:spcPct val="150000"/>
+              </a:lnSpc>
+            </a:pPr>
+            <a:r>
+              <a:rPr lang="ru-RU" dirty="0" smtClean="0"/>
+              <a:t>Суммарно </a:t>
+            </a:r>
+            <a:r>
+              <a:rPr lang="en-US" dirty="0" smtClean="0"/>
+              <a:t>~</a:t>
+            </a:r>
+            <a:r>
+              <a:rPr lang="ru-RU" dirty="0" smtClean="0"/>
+              <a:t>50 </a:t>
+            </a:r>
+            <a:r>
+              <a:rPr lang="en-US" dirty="0" smtClean="0"/>
+              <a:t>View</a:t>
+            </a:r>
+          </a:p>
+          <a:p>
+            <a:pPr>
+              <a:lnSpc>
+                <a:spcPct val="150000"/>
+              </a:lnSpc>
+            </a:pPr>
+            <a:r>
+              <a:rPr lang="ru-RU" dirty="0" smtClean="0"/>
+              <a:t>В обычном состоянии потребление памяти </a:t>
+            </a:r>
+            <a:r>
+              <a:rPr lang="en-US" dirty="0" smtClean="0"/>
+              <a:t>~</a:t>
+            </a:r>
+            <a:r>
+              <a:rPr lang="ru-RU" dirty="0" smtClean="0"/>
+              <a:t>160 </a:t>
+            </a:r>
+            <a:r>
+              <a:rPr lang="ru-RU" dirty="0" err="1" smtClean="0"/>
+              <a:t>мб</a:t>
+            </a:r>
+            <a:endParaRPr lang="ru-RU" dirty="0" smtClean="0"/>
+          </a:p>
+          <a:p>
+            <a:pPr>
+              <a:lnSpc>
+                <a:spcPct val="150000"/>
+              </a:lnSpc>
+            </a:pPr>
+            <a:r>
+              <a:rPr lang="ru-RU" dirty="0" smtClean="0"/>
+              <a:t>Зафиксированный предел потребления памяти </a:t>
+            </a:r>
+            <a:r>
+              <a:rPr lang="en-US" dirty="0" smtClean="0"/>
+              <a:t>~</a:t>
+            </a:r>
+            <a:r>
+              <a:rPr lang="ru-RU" dirty="0" smtClean="0"/>
+              <a:t>1.5 </a:t>
+            </a:r>
+            <a:r>
+              <a:rPr lang="ru-RU" dirty="0" err="1" smtClean="0"/>
+              <a:t>гб</a:t>
+            </a:r>
+            <a:endParaRPr lang="ru-RU" dirty="0" smtClean="0"/>
+          </a:p>
+          <a:p>
+            <a:endParaRPr lang="ru-RU" dirty="0" smtClean="0"/>
+          </a:p>
+          <a:p>
             <a:endParaRPr lang="ru-RU" dirty="0"/>
+          </a:p>
+        </p:txBody>
+      </p:sp>
+      <p:sp>
+        <p:nvSpPr>
+          <p:cNvPr id="4" name="Номер слайда 3"/>
+          <p:cNvSpPr>
+            <a:spLocks noGrp="1"/>
+          </p:cNvSpPr>
+          <p:nvPr>
+            <p:ph type="sldNum" sz="quarter" idx="12"/>
+          </p:nvPr>
+        </p:nvSpPr>
+        <p:spPr/>
+        <p:txBody>
+          <a:bodyPr/>
+          <a:lstStyle/>
+          <a:p>
+            <a:fld id="{4341117B-7091-4FB7-97F8-A6CA9A2FE1D4}" type="slidenum">
+              <a:rPr lang="ru-RU" smtClean="0"/>
+              <a:t>4</a:t>
+            </a:fld>
+            <a:endParaRPr lang="ru-RU"/>
           </a:p>
         </p:txBody>
       </p:sp>
     </p:spTree>
     <p:extLst>
       <p:ext uri="{BB962C8B-B14F-4D97-AF65-F5344CB8AC3E}">
-        <p14:creationId xmlns:p14="http://schemas.microsoft.com/office/powerpoint/2010/main" val="3108876247"/>
+        <p14:creationId xmlns:p14="http://schemas.microsoft.com/office/powerpoint/2010/main" val="3378400123"/>
       </p:ext>
     </p:extLst>
   </p:cSld>
   <p:clrMapOvr>
     <a:masterClrMapping/>
   </p:clrMapOvr>
+  <p:timing>
+    <p:tnLst>
+      <p:par>
+        <p:cTn id="1" dur="indefinite" restart="never" nodeType="tmRoot"/>
+      </p:par>
+    </p:tnLst>
+  </p:timing>
 </p:sld>
 </file>
 
@@ -6165,136 +8227,79 @@
           <a:lstStyle/>
           <a:p>
             <a:r>
-              <a:rPr lang="ru-RU" b="1" dirty="0" smtClean="0"/>
-              <a:t>Основные причины утечек памяти</a:t>
-            </a:r>
-            <a:r>
               <a:rPr lang="en-US" b="1" dirty="0" smtClean="0"/>
+              <a:t>Heavy </a:t>
+            </a:r>
+            <a:r>
+              <a:rPr lang="en-US" b="1" strike="sngStrike" dirty="0" smtClean="0"/>
+              <a:t>metal</a:t>
+            </a:r>
+            <a:r>
+              <a:rPr lang="en-US" b="1" dirty="0" smtClean="0"/>
+              <a:t> model</a:t>
+            </a:r>
+            <a:endParaRPr lang="ru-RU" b="1" dirty="0"/>
+          </a:p>
+        </p:txBody>
+      </p:sp>
+      <p:sp>
+        <p:nvSpPr>
+          <p:cNvPr id="3" name="Объект 2"/>
+          <p:cNvSpPr>
+            <a:spLocks noGrp="1"/>
+          </p:cNvSpPr>
+          <p:nvPr>
+            <p:ph idx="1"/>
+          </p:nvPr>
+        </p:nvSpPr>
+        <p:spPr/>
+        <p:txBody>
+          <a:bodyPr/>
+          <a:lstStyle/>
+          <a:p>
+            <a:r>
+              <a:rPr lang="ru-RU" dirty="0" smtClean="0"/>
+              <a:t>Место для кода тяжелого объекта </a:t>
+            </a:r>
+            <a:r>
+              <a:rPr lang="ru-RU" dirty="0" err="1" smtClean="0"/>
+              <a:t>демки</a:t>
+            </a:r>
+            <a:r>
+              <a:rPr lang="ru-RU" dirty="0" smtClean="0"/>
               <a:t> </a:t>
             </a:r>
-            <a:r>
-              <a:rPr lang="ru-RU" b="1" dirty="0" smtClean="0"/>
-              <a:t>в </a:t>
-            </a:r>
-            <a:r>
-              <a:rPr lang="en-US" b="1" dirty="0" smtClean="0"/>
-              <a:t>WPF</a:t>
-            </a:r>
-            <a:endParaRPr lang="ru-RU" b="1" dirty="0"/>
-          </a:p>
-        </p:txBody>
-      </p:sp>
-      <p:sp>
-        <p:nvSpPr>
-          <p:cNvPr id="3" name="Объект 2"/>
-          <p:cNvSpPr>
-            <a:spLocks noGrp="1"/>
-          </p:cNvSpPr>
-          <p:nvPr>
-            <p:ph idx="1"/>
-          </p:nvPr>
-        </p:nvSpPr>
-        <p:spPr/>
-        <p:txBody>
-          <a:bodyPr>
-            <a:normAutofit/>
-          </a:bodyPr>
-          <a:lstStyle/>
-          <a:p>
-            <a:r>
-              <a:rPr lang="en-US" dirty="0" smtClean="0"/>
-              <a:t>Binding </a:t>
-            </a:r>
-            <a:r>
-              <a:rPr lang="ru-RU" dirty="0" smtClean="0"/>
-              <a:t>без </a:t>
-            </a:r>
-            <a:r>
-              <a:rPr lang="en-US" dirty="0" err="1" smtClean="0"/>
-              <a:t>INotifyPropertyChanged</a:t>
-            </a:r>
-            <a:endParaRPr lang="en-US" dirty="0" smtClean="0"/>
-          </a:p>
-          <a:p>
-            <a:r>
-              <a:rPr lang="en-US" dirty="0" smtClean="0"/>
-              <a:t>Collection binding </a:t>
-            </a:r>
-            <a:r>
-              <a:rPr lang="ru-RU" dirty="0" smtClean="0"/>
-              <a:t>без </a:t>
-            </a:r>
-            <a:r>
-              <a:rPr lang="en-US" dirty="0" err="1" smtClean="0"/>
-              <a:t>INotifyCollectionChanged</a:t>
-            </a:r>
-            <a:endParaRPr lang="en-US" dirty="0" smtClean="0"/>
-          </a:p>
-          <a:p>
-            <a:r>
-              <a:rPr lang="en-US" dirty="0"/>
-              <a:t>x:Name</a:t>
-            </a:r>
-          </a:p>
-          <a:p>
-            <a:r>
-              <a:rPr lang="en-US" dirty="0"/>
-              <a:t>Unregistered </a:t>
-            </a:r>
-            <a:r>
-              <a:rPr lang="en-US" dirty="0" smtClean="0"/>
-              <a:t>events</a:t>
-            </a:r>
-            <a:r>
-              <a:rPr lang="ru-RU" dirty="0" smtClean="0"/>
-              <a:t> = </a:t>
-            </a:r>
-            <a:r>
-              <a:rPr lang="en-US" dirty="0" smtClean="0"/>
-              <a:t>Event Handler Leak</a:t>
-            </a:r>
-            <a:endParaRPr lang="ru-RU" dirty="0" smtClean="0"/>
-          </a:p>
-          <a:p>
-            <a:r>
-              <a:rPr lang="en-US" dirty="0" err="1" smtClean="0"/>
-              <a:t>DispatcherTimer</a:t>
-            </a:r>
-            <a:endParaRPr lang="en-US" dirty="0" smtClean="0"/>
-          </a:p>
-          <a:p>
-            <a:r>
-              <a:rPr lang="en-US" dirty="0"/>
-              <a:t>Static </a:t>
-            </a:r>
-            <a:r>
-              <a:rPr lang="en-US" dirty="0" smtClean="0"/>
-              <a:t>events</a:t>
-            </a:r>
-          </a:p>
-          <a:p>
-            <a:r>
-              <a:rPr lang="en-US" dirty="0" err="1" smtClean="0"/>
-              <a:t>CommandBinding</a:t>
-            </a:r>
-            <a:endParaRPr lang="en-US" dirty="0"/>
-          </a:p>
-          <a:p>
-            <a:r>
-              <a:rPr lang="en-US" dirty="0" smtClean="0"/>
-              <a:t>Textbox undo</a:t>
-            </a:r>
-            <a:endParaRPr lang="ru-RU" dirty="0" smtClean="0"/>
-          </a:p>
-          <a:p>
             <a:endParaRPr lang="ru-RU" dirty="0"/>
+          </a:p>
+        </p:txBody>
+      </p:sp>
+      <p:sp>
+        <p:nvSpPr>
+          <p:cNvPr id="4" name="Номер слайда 3"/>
+          <p:cNvSpPr>
+            <a:spLocks noGrp="1"/>
+          </p:cNvSpPr>
+          <p:nvPr>
+            <p:ph type="sldNum" sz="quarter" idx="12"/>
+          </p:nvPr>
+        </p:nvSpPr>
+        <p:spPr/>
+        <p:txBody>
+          <a:bodyPr/>
+          <a:lstStyle/>
+          <a:p>
+            <a:fld id="{4341117B-7091-4FB7-97F8-A6CA9A2FE1D4}" type="slidenum">
+              <a:rPr lang="ru-RU" smtClean="0"/>
+              <a:t>5</a:t>
+            </a:fld>
+            <a:endParaRPr lang="ru-RU"/>
           </a:p>
         </p:txBody>
       </p:sp>
     </p:spTree>
     <p:extLst>
       <p:ext uri="{BB962C8B-B14F-4D97-AF65-F5344CB8AC3E}">
-        <p14:creationId xmlns:p14="http://schemas.microsoft.com/office/powerpoint/2010/main" val="168605117"/>
+        <p14:creationId xmlns:p14="http://schemas.microsoft.com/office/powerpoint/2010/main" val="3108876247"/>
       </p:ext>
     </p:extLst>
   </p:cSld>
@@ -6345,11 +8350,19 @@
           <a:p>
             <a:r>
               <a:rPr lang="ru-RU" b="1" dirty="0" smtClean="0"/>
-              <a:t>Неправильный </a:t>
+              <a:t>Основные причины утечек памяти</a:t>
             </a:r>
             <a:r>
               <a:rPr lang="en-US" b="1" dirty="0" smtClean="0"/>
-              <a:t>Binding</a:t>
+              <a:t> </a:t>
+            </a:r>
+            <a:r>
+              <a:rPr lang="ru-RU" b="1" dirty="0" smtClean="0"/>
+              <a:t>в </a:t>
+            </a:r>
+            <a:r>
+              <a:rPr lang="en-US" b="1" dirty="0" smtClean="0"/>
+              <a:t>WPF</a:t>
             </a:r>
             <a:endParaRPr lang="ru-RU" b="1" dirty="0"/>
           </a:p>
@@ -6365,15 +8378,10 @@
             <p:ph idx="1"/>
           </p:nvPr>
         </p:nvSpPr>
-        <p:spPr>
-          <a:xfrm>
-            <a:off x="838199" y="1825625"/>
-            <a:ext cx="10600113" cy="4351338"/>
-          </a:xfrm>
-        </p:spPr>
+        <p:spPr/>
         <p:txBody>
           <a:bodyPr>
-            <a:normAutofit/>
+            <a:normAutofit lnSpcReduction="10000"/>
           </a:bodyPr>
           <a:lstStyle/>
           <a:p>
@@ -6383,8 +8391,12 @@
               </a:lnSpc>
             </a:pPr>
             <a:r>
-              <a:rPr lang="ru-RU" dirty="0" smtClean="0"/>
-              <a:t>Класс не реализует </a:t>
+              <a:rPr lang="en-US" dirty="0" smtClean="0"/>
+              <a:t>Binding </a:t>
+            </a:r>
+            <a:r>
+              <a:rPr lang="ru-RU" dirty="0" smtClean="0"/>
+              <a:t>без </a:t>
             </a:r>
             <a:r>
               <a:rPr lang="en-US" dirty="0" err="1" smtClean="0"/>
@@ -6399,9 +8411,18 @@
               </a:lnSpc>
             </a:pPr>
             <a:r>
-              <a:rPr lang="ru-RU" dirty="0" smtClean="0"/>
-              <a:t>Объект привязки можно изменять</a:t>
-            </a:r>
+              <a:rPr lang="en-US" dirty="0" smtClean="0"/>
+              <a:t>Collection binding </a:t>
+            </a:r>
+            <a:r>
+              <a:rPr lang="ru-RU" dirty="0" smtClean="0"/>
+              <a:t>без </a:t>
+            </a:r>
+            <a:r>
+              <a:rPr lang="en-US" dirty="0" err="1" smtClean="0"/>
+              <a:t>INotifyCollectionChanged</a:t>
+            </a:r>
+            <a:endParaRPr lang="en-US" dirty="0" smtClean="0"/>
           </a:p>
           <a:p>
             <a:pPr>
@@ -6410,61 +8431,86 @@
               </a:lnSpc>
             </a:pPr>
             <a:r>
+              <a:rPr lang="en-US" dirty="0"/>
+              <a:t>x:Name</a:t>
+            </a:r>
+          </a:p>
+          <a:p>
+            <a:pPr>
+              <a:lnSpc>
+                <a:spcPct val="150000"/>
+              </a:lnSpc>
+            </a:pPr>
+            <a:r>
+              <a:rPr lang="en-US" dirty="0" smtClean="0"/>
+              <a:t>Event </a:t>
+            </a:r>
+            <a:r>
+              <a:rPr lang="en-US" dirty="0" smtClean="0"/>
+              <a:t>Handler Leak</a:t>
+            </a:r>
+            <a:endParaRPr lang="ru-RU" dirty="0" smtClean="0"/>
+          </a:p>
+          <a:p>
+            <a:pPr>
+              <a:lnSpc>
+                <a:spcPct val="150000"/>
+              </a:lnSpc>
+            </a:pPr>
+            <a:r>
               <a:rPr lang="en-US" dirty="0" err="1" smtClean="0"/>
-              <a:t>System.ComponentModel.PropertyDesctiptor</a:t>
-            </a:r>
-            <a:r>
-              <a:rPr lang="ru-RU" dirty="0" smtClean="0"/>
-              <a:t> – </a:t>
-            </a:r>
-            <a:r>
-              <a:rPr lang="en-US" dirty="0" err="1" smtClean="0"/>
-              <a:t>ValueChanged</a:t>
-            </a:r>
-            <a:r>
-              <a:rPr lang="ru-RU" dirty="0" smtClean="0"/>
-              <a:t> </a:t>
-            </a:r>
+              <a:t>DispatcherTimer</a:t>
+            </a:r>
+            <a:endParaRPr lang="ru-RU" dirty="0" smtClean="0"/>
+          </a:p>
+          <a:p>
+            <a:pPr>
+              <a:lnSpc>
+                <a:spcPct val="150000"/>
+              </a:lnSpc>
+            </a:pPr>
             <a:r>
               <a:rPr lang="en-US" dirty="0" smtClean="0"/>
-              <a:t>event</a:t>
-            </a:r>
-          </a:p>
-          <a:p>
-            <a:pPr>
-              <a:lnSpc>
-                <a:spcPct val="150000"/>
-              </a:lnSpc>
-            </a:pPr>
-            <a:r>
-              <a:rPr lang="en-US" dirty="0" smtClean="0"/>
-              <a:t>Binding </a:t>
-            </a:r>
-            <a:r>
-              <a:rPr lang="ru-RU" dirty="0"/>
-              <a:t>коллекции без </a:t>
-            </a:r>
-            <a:r>
-              <a:rPr lang="en-US" dirty="0" err="1"/>
-              <a:t>INotifyCollectionChanged</a:t>
-            </a:r>
-            <a:endParaRPr lang="en-US" dirty="0"/>
-          </a:p>
-          <a:p>
-            <a:pPr marL="0" indent="0">
-              <a:lnSpc>
-                <a:spcPct val="150000"/>
-              </a:lnSpc>
-              <a:buNone/>
-            </a:pPr>
+              <a:t>Links </a:t>
+            </a:r>
+            <a:r>
+              <a:rPr lang="en-US" dirty="0"/>
+              <a:t>to objects in parent windows</a:t>
+            </a:r>
+            <a:endParaRPr lang="ru-RU" dirty="0" smtClean="0"/>
+          </a:p>
+          <a:p>
             <a:endParaRPr lang="ru-RU" dirty="0"/>
+          </a:p>
+        </p:txBody>
+      </p:sp>
+      <p:sp>
+        <p:nvSpPr>
+          <p:cNvPr id="4" name="Номер слайда 3"/>
+          <p:cNvSpPr>
+            <a:spLocks noGrp="1"/>
+          </p:cNvSpPr>
+          <p:nvPr>
+            <p:ph type="sldNum" sz="quarter" idx="12"/>
+          </p:nvPr>
+        </p:nvSpPr>
+        <p:spPr/>
+        <p:txBody>
+          <a:bodyPr/>
+          <a:lstStyle/>
+          <a:p>
+            <a:fld id="{4341117B-7091-4FB7-97F8-A6CA9A2FE1D4}" type="slidenum">
+              <a:rPr lang="ru-RU" smtClean="0"/>
+              <a:t>6</a:t>
+            </a:fld>
+            <a:endParaRPr lang="ru-RU"/>
           </a:p>
         </p:txBody>
       </p:sp>
     </p:spTree>
     <p:extLst>
       <p:ext uri="{BB962C8B-B14F-4D97-AF65-F5344CB8AC3E}">
-        <p14:creationId xmlns:p14="http://schemas.microsoft.com/office/powerpoint/2010/main" val="119885656"/>
+        <p14:creationId xmlns:p14="http://schemas.microsoft.com/office/powerpoint/2010/main" val="168605117"/>
       </p:ext>
     </p:extLst>
   </p:cSld>
@@ -6515,24 +8561,13 @@
           <a:p>
             <a:r>
               <a:rPr lang="ru-RU" b="1" dirty="0" smtClean="0"/>
-              <a:t>Как лечить </a:t>
-            </a:r>
-            <a:r>
-              <a:rPr lang="ru-RU" b="1" dirty="0"/>
-              <a:t>н</a:t>
-            </a:r>
-            <a:r>
-              <a:rPr lang="ru-RU" b="1" dirty="0" smtClean="0"/>
-              <a:t>еправильный </a:t>
+              <a:t>Неправильный </a:t>
             </a:r>
             <a:r>
               <a:rPr lang="en-US" b="1" dirty="0" smtClean="0"/>
               <a:t>Binding</a:t>
             </a:r>
-            <a:r>
-              <a:rPr lang="ru-RU" b="1" dirty="0"/>
-              <a:t>?</a:t>
-            </a:r>
+            <a:endParaRPr lang="ru-RU" b="1" dirty="0"/>
           </a:p>
         </p:txBody>
       </p:sp>
@@ -6546,9 +8581,16 @@
             <p:ph idx="1"/>
           </p:nvPr>
         </p:nvSpPr>
-        <p:spPr/>
-        <p:txBody>
-          <a:bodyPr/>
+        <p:spPr>
+          <a:xfrm>
+            <a:off x="838199" y="1825625"/>
+            <a:ext cx="10600113" cy="4351338"/>
+          </a:xfrm>
+        </p:spPr>
+        <p:txBody>
+          <a:bodyPr>
+            <a:normAutofit/>
+          </a:bodyPr>
           <a:lstStyle/>
           <a:p>
             <a:pPr>
@@ -6557,22 +8599,68 @@
               </a:lnSpc>
             </a:pPr>
             <a:r>
+              <a:rPr lang="ru-RU" dirty="0" smtClean="0"/>
+              <a:t>Класс не реализует </a:t>
+            </a:r>
+            <a:r>
+              <a:rPr lang="en-US" b="1" dirty="0" err="1" smtClean="0"/>
+              <a:t>INotifyPropertyChanged</a:t>
+            </a:r>
+            <a:endParaRPr lang="en-US" b="1" dirty="0" smtClean="0"/>
+          </a:p>
+          <a:p>
+            <a:pPr>
+              <a:lnSpc>
+                <a:spcPct val="150000"/>
+              </a:lnSpc>
+            </a:pPr>
+            <a:r>
+              <a:rPr lang="ru-RU" dirty="0" smtClean="0"/>
+              <a:t>Свойство привязки не является </a:t>
+            </a:r>
+            <a:r>
+              <a:rPr lang="en-US" b="1" dirty="0" err="1" smtClean="0"/>
+              <a:t>DependencyProperty</a:t>
+            </a:r>
+            <a:endParaRPr lang="en-US" b="1" dirty="0" smtClean="0"/>
+          </a:p>
+          <a:p>
+            <a:pPr>
+              <a:lnSpc>
+                <a:spcPct val="150000"/>
+              </a:lnSpc>
+            </a:pPr>
+            <a:r>
+              <a:rPr lang="ru-RU" dirty="0" smtClean="0"/>
+              <a:t>Объект привязки можно изменять</a:t>
+            </a:r>
+          </a:p>
+          <a:p>
+            <a:pPr>
+              <a:lnSpc>
+                <a:spcPct val="150000"/>
+              </a:lnSpc>
+            </a:pPr>
+            <a:r>
               <a:rPr lang="en-US" dirty="0" err="1" smtClean="0"/>
-              <a:t>INotifyPropertyChanged</a:t>
+              <a:t>System.ComponentModel.PropertyDesctiptor</a:t>
+            </a:r>
+            <a:r>
+              <a:rPr lang="ru-RU" dirty="0" smtClean="0"/>
+              <a:t> – </a:t>
+            </a:r>
+            <a:r>
+              <a:rPr lang="en-US" b="1" dirty="0" err="1" smtClean="0"/>
+              <a:t>ValueChanged</a:t>
+            </a:r>
+            <a:r>
+              <a:rPr lang="ru-RU" dirty="0" smtClean="0"/>
+              <a:t> </a:t>
             </a:r>
             <a:r>
               <a:rPr lang="en-US" dirty="0" smtClean="0"/>
-              <a:t> </a:t>
-            </a:r>
-            <a:r>
-              <a:rPr lang="ru-RU" dirty="0" smtClean="0"/>
-              <a:t>или </a:t>
-            </a:r>
-            <a:r>
-              <a:rPr lang="en-US" dirty="0" err="1" smtClean="0"/>
-              <a:t>DependencyProperty</a:t>
-            </a:r>
-            <a:endParaRPr lang="ru-RU" dirty="0" smtClean="0"/>
+              <a:t>event</a:t>
+            </a:r>
           </a:p>
           <a:p>
             <a:pPr>
@@ -6582,76 +8670,56 @@
             </a:pPr>
             <a:r>
               <a:rPr lang="en-US" dirty="0" smtClean="0"/>
-              <a:t>Binding Mode=“</a:t>
-            </a:r>
-            <a:r>
-              <a:rPr lang="en-US" dirty="0" err="1" smtClean="0"/>
-              <a:t>OneTime</a:t>
-            </a:r>
-            <a:r>
-              <a:rPr lang="en-US" dirty="0" smtClean="0"/>
-              <a:t>”</a:t>
-            </a:r>
-            <a:endParaRPr lang="en-US" dirty="0"/>
-          </a:p>
-          <a:p>
-            <a:pPr>
+              <a:t>Binding </a:t>
+            </a:r>
+            <a:r>
+              <a:rPr lang="ru-RU" dirty="0"/>
+              <a:t>коллекции без </a:t>
+            </a:r>
+            <a:r>
+              <a:rPr lang="en-US" b="1" dirty="0" err="1"/>
+              <a:t>INotifyCollectionChanged</a:t>
+            </a:r>
+            <a:endParaRPr lang="en-US" b="1" dirty="0"/>
+          </a:p>
+          <a:p>
+            <a:pPr marL="0" indent="0">
               <a:lnSpc>
                 <a:spcPct val="150000"/>
               </a:lnSpc>
-            </a:pPr>
-            <a:r>
-              <a:rPr lang="ru-RU" dirty="0" smtClean="0"/>
-              <a:t>Декоратор для </a:t>
-            </a:r>
-            <a:r>
-              <a:rPr lang="en-US" dirty="0" err="1" smtClean="0"/>
-              <a:t>OneTime</a:t>
-            </a:r>
-            <a:r>
-              <a:rPr lang="en-US" dirty="0" smtClean="0"/>
-              <a:t> Binding</a:t>
-            </a:r>
-            <a:endParaRPr lang="ru-RU" dirty="0" smtClean="0"/>
-          </a:p>
-          <a:p>
-            <a:pPr>
-              <a:lnSpc>
-                <a:spcPct val="150000"/>
-              </a:lnSpc>
-            </a:pPr>
-            <a:r>
-              <a:rPr lang="en-US" dirty="0" err="1" smtClean="0"/>
-              <a:t>ObservableCollection</a:t>
-            </a:r>
-            <a:r>
-              <a:rPr lang="en-US" dirty="0" smtClean="0"/>
-              <a:t> </a:t>
-            </a:r>
-            <a:r>
-              <a:rPr lang="ru-RU" dirty="0" smtClean="0"/>
-              <a:t>или любая имплементация </a:t>
-            </a:r>
-            <a:r>
-              <a:rPr lang="en-US" dirty="0" err="1" smtClean="0"/>
-              <a:t>INotifyCollectionChanged</a:t>
-            </a:r>
-            <a:r>
-              <a:rPr lang="en-US" dirty="0" smtClean="0"/>
-              <a:t> </a:t>
-            </a:r>
-            <a:r>
-              <a:rPr lang="ru-RU" dirty="0" smtClean="0"/>
-              <a:t>для коллекции</a:t>
-            </a:r>
+              <a:buNone/>
+            </a:pPr>
             <a:endParaRPr lang="ru-RU" dirty="0"/>
+          </a:p>
+        </p:txBody>
+      </p:sp>
+      <p:sp>
+        <p:nvSpPr>
+          <p:cNvPr id="4" name="Номер слайда 3"/>
+          <p:cNvSpPr>
+            <a:spLocks noGrp="1"/>
+          </p:cNvSpPr>
+          <p:nvPr>
+            <p:ph type="sldNum" sz="quarter" idx="12"/>
+          </p:nvPr>
+        </p:nvSpPr>
+        <p:spPr/>
+        <p:txBody>
+          <a:bodyPr/>
+          <a:lstStyle/>
+          <a:p>
+            <a:fld id="{4341117B-7091-4FB7-97F8-A6CA9A2FE1D4}" type="slidenum">
+              <a:rPr lang="ru-RU" smtClean="0"/>
+              <a:t>7</a:t>
+            </a:fld>
+            <a:endParaRPr lang="ru-RU"/>
           </a:p>
         </p:txBody>
       </p:sp>
     </p:spTree>
     <p:extLst>
       <p:ext uri="{BB962C8B-B14F-4D97-AF65-F5344CB8AC3E}">
-        <p14:creationId xmlns:p14="http://schemas.microsoft.com/office/powerpoint/2010/main" val="1426775934"/>
+        <p14:creationId xmlns:p14="http://schemas.microsoft.com/office/powerpoint/2010/main" val="119885656"/>
       </p:ext>
     </p:extLst>
   </p:cSld>
@@ -6701,10 +8769,25 @@
           <a:lstStyle/>
           <a:p>
             <a:r>
+              <a:rPr lang="ru-RU" b="1" dirty="0" smtClean="0"/>
+              <a:t>Как лечить </a:t>
+            </a:r>
+            <a:r>
+              <a:rPr lang="ru-RU" b="1" dirty="0"/>
+              <a:t>н</a:t>
+            </a:r>
+            <a:r>
+              <a:rPr lang="ru-RU" b="1" dirty="0" smtClean="0"/>
+              <a:t>еправильный </a:t>
+            </a:r>
+            <a:r>
               <a:rPr lang="en-US" b="1" dirty="0" smtClean="0"/>
-              <a:t>x:Name</a:t>
-            </a:r>
-            <a:endParaRPr lang="ru-RU" b="1" dirty="0"/>
+              <a:t>Binding</a:t>
+            </a:r>
+            <a:r>
+              <a:rPr lang="ru-RU" b="1" dirty="0"/>
+              <a:t>?</a:t>
+            </a:r>
           </a:p>
         </p:txBody>
       </p:sp>
@@ -6720,9 +8803,7 @@
         </p:nvSpPr>
         <p:spPr/>
         <p:txBody>
-          <a:bodyPr>
-            <a:normAutofit lnSpcReduction="10000"/>
-          </a:bodyPr>
+          <a:bodyPr/>
           <a:lstStyle/>
           <a:p>
             <a:pPr>
@@ -6731,12 +8812,60 @@
               </a:lnSpc>
             </a:pPr>
             <a:r>
-              <a:rPr lang="ru-RU" dirty="0" smtClean="0"/>
-              <a:t>Позволяет сослаться на элемент </a:t>
+              <a:rPr lang="en-US" b="1" dirty="0" err="1" smtClean="0"/>
+              <a:t>INotifyPropertyChanged</a:t>
             </a:r>
             <a:r>
               <a:rPr lang="en-US" dirty="0" smtClean="0"/>
-              <a:t>UI</a:t>
+              <a:t> </a:t>
+            </a:r>
+            <a:r>
+              <a:rPr lang="ru-RU" dirty="0" smtClean="0"/>
+              <a:t>или </a:t>
+            </a:r>
+            <a:r>
+              <a:rPr lang="en-US" b="1" dirty="0" err="1" smtClean="0"/>
+              <a:t>DependencyProperty</a:t>
+            </a:r>
+            <a:endParaRPr lang="ru-RU" b="1" dirty="0" smtClean="0"/>
+          </a:p>
+          <a:p>
+            <a:pPr>
+              <a:lnSpc>
+                <a:spcPct val="150000"/>
+              </a:lnSpc>
+            </a:pPr>
+            <a:r>
+              <a:rPr lang="en-US" dirty="0" smtClean="0"/>
+              <a:t>Binding Mode=“</a:t>
+            </a:r>
+            <a:r>
+              <a:rPr lang="en-US" b="1" dirty="0" err="1" smtClean="0"/>
+              <a:t>OneTime</a:t>
+            </a:r>
+            <a:r>
+              <a:rPr lang="en-US" dirty="0" smtClean="0"/>
+              <a:t>”</a:t>
+            </a:r>
+            <a:endParaRPr lang="en-US" dirty="0"/>
+          </a:p>
+          <a:p>
+            <a:pPr>
+              <a:lnSpc>
+                <a:spcPct val="150000"/>
+              </a:lnSpc>
+            </a:pPr>
+            <a:r>
+              <a:rPr lang="ru-RU" dirty="0" smtClean="0"/>
+              <a:t>Декоратор для </a:t>
+            </a:r>
+            <a:r>
+              <a:rPr lang="en-US" b="1" dirty="0" err="1" smtClean="0"/>
+              <a:t>OneTime</a:t>
+            </a:r>
+            <a:r>
+              <a:rPr lang="en-US" dirty="0" smtClean="0"/>
+              <a:t> Binding</a:t>
             </a:r>
             <a:endParaRPr lang="ru-RU" dirty="0" smtClean="0"/>
           </a:p>
@@ -6747,106 +8876,73 @@
               </a:lnSpc>
             </a:pPr>
             <a:r>
-              <a:rPr lang="ru-RU" dirty="0" smtClean="0"/>
-              <a:t>Создает строгую глобальную ссылку на </a:t>
+              <a:rPr lang="en-US" dirty="0" err="1" smtClean="0"/>
+              <a:t>ObservableCollection</a:t>
             </a:r>
             <a:r>
               <a:rPr lang="en-US" dirty="0" smtClean="0"/>
-              <a:t>UI </a:t>
-            </a:r>
-            <a:r>
-              <a:rPr lang="ru-RU" dirty="0" smtClean="0"/>
-              <a:t>элемент</a:t>
+              <a:t> </a:t>
+            </a:r>
+            <a:r>
+              <a:rPr lang="ru-RU" dirty="0" smtClean="0"/>
+              <a:t>или любая имплементация </a:t>
+            </a:r>
+            <a:r>
+              <a:rPr lang="en-US" b="1" dirty="0" err="1" smtClean="0"/>
+              <a:t>INotifyCollectionChanged</a:t>
+            </a:r>
+            <a:r>
+              <a:rPr lang="en-US" dirty="0" smtClean="0"/>
+              <a:t> </a:t>
+            </a:r>
+            <a:r>
+              <a:rPr lang="ru-RU" dirty="0" smtClean="0"/>
+              <a:t>для коллекции</a:t>
             </a:r>
             <a:endParaRPr lang="ru-RU" dirty="0"/>
           </a:p>
-          <a:p>
-            <a:pPr>
-              <a:lnSpc>
-                <a:spcPct val="150000"/>
-              </a:lnSpc>
-            </a:pPr>
-            <a:r>
-              <a:rPr lang="ru-RU" dirty="0" smtClean="0"/>
-              <a:t>Лечение - </a:t>
-            </a:r>
-            <a:r>
-              <a:rPr lang="en-US" dirty="0" err="1" smtClean="0"/>
-              <a:t>UnregisterName</a:t>
-            </a:r>
-            <a:r>
-              <a:rPr lang="en-US" dirty="0" smtClean="0"/>
-              <a:t>(“</a:t>
-            </a:r>
-            <a:r>
-              <a:rPr lang="en-US" dirty="0" err="1" smtClean="0"/>
-              <a:t>elementName</a:t>
-            </a:r>
-            <a:r>
-              <a:rPr lang="en-US" dirty="0" smtClean="0"/>
-              <a:t>”)</a:t>
-            </a:r>
-            <a:r>
-              <a:rPr lang="ru-RU" dirty="0" smtClean="0"/>
-              <a:t> при закрытии</a:t>
-            </a:r>
-            <a:r>
-              <a:rPr lang="en-US" dirty="0" smtClean="0"/>
-              <a:t>/</a:t>
-            </a:r>
-            <a:r>
-              <a:rPr lang="ru-RU" dirty="0" smtClean="0"/>
-              <a:t>уничтожении </a:t>
-            </a:r>
-            <a:r>
-              <a:rPr lang="en-US" dirty="0" smtClean="0"/>
-              <a:t>View</a:t>
-            </a:r>
-            <a:endParaRPr lang="ru-RU" dirty="0" smtClean="0"/>
-          </a:p>
-          <a:p>
-            <a:pPr>
-              <a:lnSpc>
-                <a:spcPct val="150000"/>
-              </a:lnSpc>
-            </a:pPr>
-            <a:r>
-              <a:rPr lang="ru-RU" dirty="0" smtClean="0"/>
-              <a:t>Пример кода</a:t>
-            </a:r>
-          </a:p>
-          <a:p>
-            <a:pPr>
-              <a:lnSpc>
-                <a:spcPct val="150000"/>
-              </a:lnSpc>
-            </a:pPr>
-            <a:r>
-              <a:rPr lang="ru-RU" dirty="0" smtClean="0"/>
-              <a:t>Замена на </a:t>
-            </a:r>
-            <a:r>
-              <a:rPr lang="en-US" dirty="0" smtClean="0"/>
-              <a:t>Name – </a:t>
-            </a:r>
-            <a:r>
-              <a:rPr lang="ru-RU" dirty="0" smtClean="0"/>
-              <a:t>проверить!</a:t>
-            </a:r>
-            <a:endParaRPr lang="ru-RU" dirty="0"/>
+        </p:txBody>
+      </p:sp>
+      <p:sp>
+        <p:nvSpPr>
+          <p:cNvPr id="4" name="Номер слайда 3"/>
+          <p:cNvSpPr>
+            <a:spLocks noGrp="1"/>
+          </p:cNvSpPr>
+          <p:nvPr>
+            <p:ph type="sldNum" sz="quarter" idx="12"/>
+          </p:nvPr>
+        </p:nvSpPr>
+        <p:spPr/>
+        <p:txBody>
+          <a:bodyPr/>
+          <a:lstStyle/>
+          <a:p>
+            <a:fld id="{4341117B-7091-4FB7-97F8-A6CA9A2FE1D4}" type="slidenum">
+              <a:rPr lang="ru-RU" smtClean="0"/>
+              <a:t>8</a:t>
+            </a:fld>
+            <a:endParaRPr lang="ru-RU"/>
           </a:p>
         </p:txBody>
       </p:sp>
     </p:spTree>
     <p:extLst>
       <p:ext uri="{BB962C8B-B14F-4D97-AF65-F5344CB8AC3E}">
-        <p14:creationId xmlns:p14="http://schemas.microsoft.com/office/powerpoint/2010/main" val="1894424396"/>
+        <p14:creationId xmlns:p14="http://schemas.microsoft.com/office/powerpoint/2010/main" val="1426775934"/>
       </p:ext>
     </p:extLst>
   </p:cSld>
   <p:clrMapOvr>
     <a:masterClrMapping/>
   </p:clrMapOvr>
+  <p:timing>
+    <p:tnLst>
+      <p:par>
+        <p:cTn id="1" dur="indefinite" restart="never" nodeType="tmRoot"/>
+      </p:par>
+    </p:tnLst>
+  </p:timing>
 </p:sld>
 </file>
 
@@ -6883,60 +8979,193 @@
           <a:lstStyle/>
           <a:p>
             <a:r>
+              <a:rPr lang="en-US" b="1" dirty="0" smtClean="0"/>
+              <a:t>x:Name</a:t>
+            </a:r>
+            <a:endParaRPr lang="ru-RU" b="1" dirty="0"/>
+          </a:p>
+        </p:txBody>
+      </p:sp>
+      <p:sp>
+        <p:nvSpPr>
+          <p:cNvPr id="3" name="Объект 2"/>
+          <p:cNvSpPr>
+            <a:spLocks noGrp="1"/>
+          </p:cNvSpPr>
+          <p:nvPr>
+            <p:ph idx="1"/>
+          </p:nvPr>
+        </p:nvSpPr>
+        <p:spPr/>
+        <p:txBody>
+          <a:bodyPr>
+            <a:normAutofit/>
+          </a:bodyPr>
+          <a:lstStyle/>
+          <a:p>
+            <a:pPr>
+              <a:lnSpc>
+                <a:spcPct val="150000"/>
+              </a:lnSpc>
+            </a:pPr>
+            <a:r>
+              <a:rPr lang="ru-RU" dirty="0" smtClean="0"/>
+              <a:t>Позволяет сослаться на </a:t>
+            </a:r>
+            <a:r>
+              <a:rPr lang="en-US" dirty="0" smtClean="0"/>
+              <a:t>control</a:t>
+            </a:r>
+            <a:r>
+              <a:rPr lang="en-US" dirty="0" smtClean="0"/>
+              <a:t> </a:t>
+            </a:r>
+            <a:r>
+              <a:rPr lang="ru-RU" dirty="0" smtClean="0"/>
+              <a:t>по </a:t>
+            </a:r>
+            <a:r>
+              <a:rPr lang="en-US" b="1" dirty="0" err="1" smtClean="0"/>
+              <a:t>ElementName</a:t>
+            </a:r>
+            <a:r>
+              <a:rPr lang="ru-RU" dirty="0" smtClean="0"/>
+              <a:t> или в </a:t>
+            </a:r>
+            <a:r>
+              <a:rPr lang="en-US" dirty="0" smtClean="0"/>
+              <a:t>code-behind</a:t>
+            </a:r>
+            <a:endParaRPr lang="ru-RU" dirty="0" smtClean="0"/>
+          </a:p>
+          <a:p>
+            <a:pPr>
+              <a:lnSpc>
+                <a:spcPct val="150000"/>
+              </a:lnSpc>
+            </a:pPr>
+            <a:r>
+              <a:rPr lang="ru-RU" dirty="0" smtClean="0"/>
+              <a:t>Создает строгую глобальную ссылку на </a:t>
+            </a:r>
+            <a:r>
+              <a:rPr lang="en-US" dirty="0" smtClean="0"/>
+              <a:t>UI </a:t>
+            </a:r>
+            <a:r>
+              <a:rPr lang="ru-RU" dirty="0" smtClean="0"/>
+              <a:t>элемент</a:t>
+            </a:r>
+          </a:p>
+          <a:p>
+            <a:pPr>
+              <a:lnSpc>
+                <a:spcPct val="150000"/>
+              </a:lnSpc>
+            </a:pPr>
+            <a:r>
+              <a:rPr lang="en-US" b="1" dirty="0" smtClean="0"/>
+              <a:t>Name</a:t>
+            </a:r>
+            <a:r>
+              <a:rPr lang="en-US" dirty="0" smtClean="0"/>
+              <a:t> VS </a:t>
+            </a:r>
+            <a:r>
+              <a:rPr lang="en-US" b="1" dirty="0" smtClean="0"/>
+              <a:t>x:Name</a:t>
+            </a:r>
+            <a:endParaRPr lang="ru-RU" b="1" dirty="0"/>
+          </a:p>
+          <a:p>
+            <a:pPr>
+              <a:lnSpc>
+                <a:spcPct val="150000"/>
+              </a:lnSpc>
+            </a:pPr>
+            <a:r>
               <a:rPr lang="ru-RU" b="1" dirty="0" smtClean="0"/>
-              <a:t>Особенности </a:t>
-            </a:r>
-            <a:r>
-              <a:rPr lang="en-US" b="1" dirty="0" smtClean="0"/>
-              <a:t>event handler </a:t>
-            </a:r>
-            <a:endParaRPr lang="ru-RU" b="1" dirty="0"/>
-          </a:p>
-        </p:txBody>
-      </p:sp>
-      <p:sp>
-        <p:nvSpPr>
-          <p:cNvPr id="3" name="Объект 2"/>
-          <p:cNvSpPr>
-            <a:spLocks noGrp="1"/>
-          </p:cNvSpPr>
-          <p:nvPr>
-            <p:ph idx="1"/>
-          </p:nvPr>
-        </p:nvSpPr>
-        <p:spPr/>
-        <p:txBody>
-          <a:bodyPr/>
-          <a:lstStyle/>
-          <a:p>
-            <a:pPr>
-              <a:lnSpc>
-                <a:spcPct val="150000"/>
-              </a:lnSpc>
-            </a:pPr>
+              <a:t>Лечение</a:t>
+            </a:r>
+            <a:r>
+              <a:rPr lang="ru-RU" dirty="0" smtClean="0"/>
+              <a:t> - </a:t>
+            </a:r>
+            <a:r>
+              <a:rPr lang="en-US" dirty="0" err="1" smtClean="0"/>
+              <a:t>UnregisterName</a:t>
+            </a:r>
             <a:r>
               <a:rPr lang="en-US" dirty="0" smtClean="0"/>
-              <a:t>Event VS static event </a:t>
-            </a:r>
-          </a:p>
-          <a:p>
-            <a:pPr>
-              <a:lnSpc>
-                <a:spcPct val="150000"/>
-              </a:lnSpc>
-            </a:pPr>
+              <a:t>(“</a:t>
+            </a:r>
+            <a:r>
+              <a:rPr lang="en-US" dirty="0" err="1" smtClean="0"/>
+              <a:t>elementName</a:t>
+            </a:r>
             <a:r>
               <a:rPr lang="en-US" dirty="0" smtClean="0"/>
-              <a:t>Event hander VS static event hander</a:t>
+              <a:t>”)</a:t>
+            </a:r>
+            <a:r>
+              <a:rPr lang="ru-RU" dirty="0" smtClean="0"/>
+              <a:t> при </a:t>
+            </a:r>
+            <a:r>
+              <a:rPr lang="ru-RU" dirty="0" smtClean="0"/>
+              <a:t>уничтожении </a:t>
+            </a:r>
+            <a:r>
+              <a:rPr lang="en-US" dirty="0" smtClean="0"/>
+              <a:t>View</a:t>
+            </a:r>
+            <a:r>
+              <a:rPr lang="ru-RU" dirty="0" smtClean="0"/>
+              <a:t>, </a:t>
+            </a:r>
+            <a:r>
+              <a:rPr lang="en-US" b="1" dirty="0" err="1"/>
+              <a:t>IDisposable</a:t>
+            </a:r>
+            <a:r>
+              <a:rPr lang="en-US" dirty="0"/>
+              <a:t> </a:t>
+            </a:r>
+            <a:r>
+              <a:rPr lang="en-US" dirty="0" smtClean="0"/>
+              <a:t>pattern</a:t>
             </a:r>
             <a:endParaRPr lang="ru-RU" dirty="0"/>
+          </a:p>
+        </p:txBody>
+      </p:sp>
+      <p:sp>
+        <p:nvSpPr>
+          <p:cNvPr id="4" name="Номер слайда 3"/>
+          <p:cNvSpPr>
+            <a:spLocks noGrp="1"/>
+          </p:cNvSpPr>
+          <p:nvPr>
+            <p:ph type="sldNum" sz="quarter" idx="12"/>
+          </p:nvPr>
+        </p:nvSpPr>
+        <p:spPr/>
+        <p:txBody>
+          <a:bodyPr/>
+          <a:lstStyle/>
+          <a:p>
+            <a:fld id="{4341117B-7091-4FB7-97F8-A6CA9A2FE1D4}" type="slidenum">
+              <a:rPr lang="ru-RU" smtClean="0"/>
+              <a:t>9</a:t>
+            </a:fld>
+            <a:endParaRPr lang="ru-RU"/>
           </a:p>
         </p:txBody>
       </p:sp>
     </p:spTree>
     <p:extLst>
       <p:ext uri="{BB962C8B-B14F-4D97-AF65-F5344CB8AC3E}">
-        <p14:creationId xmlns:p14="http://schemas.microsoft.com/office/powerpoint/2010/main" val="1490584961"/>
+        <p14:creationId xmlns:p14="http://schemas.microsoft.com/office/powerpoint/2010/main" val="1894424396"/>
       </p:ext>
     </p:extLst>
   </p:cSld>

--- a/Утечки памяти.pptx
+++ b/Утечки памяти.pptx
@@ -219,7 +219,7 @@
           <a:p>
             <a:fld id="{7E32760C-D076-4A5B-AE14-FF54E2D8759C}" type="datetimeFigureOut">
               <a:rPr lang="ru-RU" smtClean="0"/>
-              <a:t>09.12.2018</a:t>
+              <a:t>10.12.2018</a:t>
             </a:fld>
             <a:endParaRPr lang="ru-RU"/>
           </a:p>
@@ -981,11 +981,7 @@
             </a:pPr>
             <a:r>
               <a:rPr lang="ru-RU" baseline="0" dirty="0" smtClean="0"/>
-              <a:t>Уточнить про </a:t>
-            </a:r>
-            <a:r>
-              <a:rPr lang="ru-RU" baseline="0" dirty="0" smtClean="0"/>
-              <a:t>коллекции</a:t>
+              <a:t>Уточнить про коллекции</a:t>
             </a:r>
             <a:endParaRPr lang="en-US" baseline="0" dirty="0" smtClean="0"/>
           </a:p>
@@ -5262,6 +5258,19 @@
               <a:rPr lang="en-US" dirty="0" smtClean="0"/>
               <a:t>WPF</a:t>
             </a:r>
+            <a:endParaRPr lang="ru-RU" dirty="0"/>
+          </a:p>
+          <a:p>
+            <a:pPr>
+              <a:lnSpc>
+                <a:spcPct val="150000"/>
+              </a:lnSpc>
+            </a:pPr>
+            <a:r>
+              <a:rPr lang="ru-RU" dirty="0"/>
+              <a:t>Издатель живет дольше подписчика – риск получить утечки</a:t>
+            </a:r>
+            <a:endParaRPr lang="en-US" dirty="0" smtClean="0"/>
           </a:p>
           <a:p>
             <a:pPr>
@@ -5275,18 +5284,11 @@
             </a:r>
             <a:r>
               <a:rPr lang="ru-RU" dirty="0" smtClean="0"/>
-              <a:t> метод ссылается на класс, в котором находится</a:t>
-            </a:r>
-          </a:p>
-          <a:p>
-            <a:pPr>
-              <a:lnSpc>
-                <a:spcPct val="150000"/>
-              </a:lnSpc>
-            </a:pPr>
-            <a:r>
-              <a:rPr lang="ru-RU" dirty="0" smtClean="0"/>
-              <a:t>Издатель живет дольше подписчика – риск получить утечки</a:t>
+              <a:t> метод ссылается на класс, в котором </a:t>
+            </a:r>
+            <a:r>
+              <a:rPr lang="ru-RU" dirty="0" smtClean="0"/>
+              <a:t>находится</a:t>
             </a:r>
             <a:endParaRPr lang="en-US" dirty="0" smtClean="0"/>
           </a:p>
@@ -5314,15 +5316,7 @@
             </a:pPr>
             <a:r>
               <a:rPr lang="ru-RU" dirty="0" smtClean="0"/>
-              <a:t>От </a:t>
-            </a:r>
-            <a:r>
-              <a:rPr lang="ru-RU" dirty="0" smtClean="0"/>
-              <a:t>лямбды нельзя </a:t>
-            </a:r>
-            <a:r>
-              <a:rPr lang="ru-RU" dirty="0" smtClean="0"/>
-              <a:t>отписаться</a:t>
+              <a:t>От лямбды нельзя отписаться</a:t>
             </a:r>
             <a:endParaRPr lang="en-US" dirty="0"/>
           </a:p>
@@ -5419,7 +5413,6 @@
               <a:rPr lang="ru-RU" b="1" dirty="0"/>
               <a:t>?</a:t>
             </a:r>
-            <a:endParaRPr lang="ru-RU" b="1" dirty="0"/>
           </a:p>
         </p:txBody>
       </p:sp>
@@ -5449,11 +5442,7 @@
             </a:r>
             <a:r>
               <a:rPr lang="en-US" b="1" dirty="0" smtClean="0"/>
-              <a:t>event </a:t>
-            </a:r>
-            <a:r>
-              <a:rPr lang="en-US" b="1" dirty="0" smtClean="0"/>
-              <a:t>handler leak </a:t>
+              <a:t>event handler leak </a:t>
             </a:r>
             <a:r>
               <a:rPr lang="en-US" dirty="0" smtClean="0"/>
@@ -5461,13 +5450,8 @@
             </a:r>
             <a:r>
               <a:rPr lang="ru-RU" dirty="0" smtClean="0"/>
-              <a:t>явная отписка от </a:t>
-            </a:r>
-            <a:r>
-              <a:rPr lang="ru-RU" dirty="0" smtClean="0"/>
-              <a:t>событий</a:t>
-            </a:r>
-            <a:endParaRPr lang="ru-RU" dirty="0" smtClean="0"/>
+              <a:t>явная отписка от событий</a:t>
+            </a:r>
           </a:p>
           <a:p>
             <a:pPr>
@@ -5505,11 +5489,7 @@
             </a:r>
             <a:r>
               <a:rPr lang="ru-RU" dirty="0" smtClean="0"/>
-              <a:t>прочие </a:t>
-            </a:r>
-            <a:r>
-              <a:rPr lang="ru-RU" dirty="0" smtClean="0"/>
-              <a:t>«дополнения» к </a:t>
+              <a:t>прочие «дополнения» к </a:t>
             </a:r>
             <a:r>
               <a:rPr lang="en-US" dirty="0" smtClean="0"/>
@@ -5525,15 +5505,7 @@
             </a:pPr>
             <a:r>
               <a:rPr lang="ru-RU" dirty="0" smtClean="0"/>
-              <a:t>Нельзя </a:t>
-            </a:r>
-            <a:r>
-              <a:rPr lang="ru-RU" dirty="0" smtClean="0"/>
-              <a:t>точно </a:t>
-            </a:r>
-            <a:r>
-              <a:rPr lang="ru-RU" dirty="0" smtClean="0"/>
-              <a:t>определить момент отписки – используем </a:t>
+              <a:t>Нельзя точно определить момент отписки – используем </a:t>
             </a:r>
             <a:r>
               <a:rPr lang="en-US" b="1" dirty="0" err="1" smtClean="0"/>
@@ -5647,6 +5619,21 @@
               </a:lnSpc>
             </a:pPr>
             <a:r>
+              <a:rPr lang="ru-RU" dirty="0"/>
+              <a:t>Частный случай </a:t>
+            </a:r>
+            <a:r>
+              <a:rPr lang="en-US" dirty="0"/>
+              <a:t>Event Handler Leak</a:t>
+            </a:r>
+          </a:p>
+          <a:p>
+            <a:pPr>
+              <a:lnSpc>
+                <a:spcPct val="150000"/>
+              </a:lnSpc>
+            </a:pPr>
+            <a:r>
               <a:rPr lang="en-US" dirty="0" smtClean="0"/>
               <a:t>Dispatcher </a:t>
             </a:r>
@@ -5667,44 +5654,46 @@
               </a:lnSpc>
             </a:pPr>
             <a:r>
-              <a:rPr lang="ru-RU" dirty="0" smtClean="0"/>
-              <a:t>Частный случай </a:t>
-            </a:r>
-            <a:r>
-              <a:rPr lang="en-US" dirty="0" smtClean="0"/>
-              <a:t>Event Handler Leak</a:t>
-            </a:r>
-          </a:p>
-          <a:p>
-            <a:pPr>
-              <a:lnSpc>
-                <a:spcPct val="150000"/>
-              </a:lnSpc>
-            </a:pPr>
-            <a:r>
               <a:rPr lang="ru-RU" b="1" dirty="0" smtClean="0"/>
               <a:t>Лечение</a:t>
             </a:r>
             <a:r>
               <a:rPr lang="ru-RU" dirty="0" smtClean="0"/>
-              <a:t> – </a:t>
-            </a:r>
-            <a:r>
-              <a:rPr lang="ru-RU" dirty="0" smtClean="0"/>
-              <a:t>остановка таймера + отписка от </a:t>
-            </a:r>
-            <a:r>
-              <a:rPr lang="ru-RU" dirty="0" smtClean="0"/>
-              <a:t>события </a:t>
+              <a:t> </a:t>
+            </a:r>
+            <a:r>
+              <a:rPr lang="ru-RU" dirty="0" smtClean="0"/>
+              <a:t>– остановка таймера + отписка от события </a:t>
             </a:r>
             <a:r>
               <a:rPr lang="en-US" dirty="0" smtClean="0"/>
-              <a:t>Tick</a:t>
-            </a:r>
-            <a:r>
-              <a:rPr lang="ru-RU" dirty="0" smtClean="0"/>
+              <a:t>Tick,</a:t>
+            </a:r>
+            <a:r>
+              <a:rPr lang="en-US" dirty="0"/>
               <a:t> </a:t>
             </a:r>
+            <a:r>
+              <a:rPr lang="en-US" b="1" dirty="0" err="1" smtClean="0"/>
+              <a:t>IDisposable</a:t>
+            </a:r>
+            <a:r>
+              <a:rPr lang="en-US" dirty="0" smtClean="0"/>
+              <a:t> </a:t>
+            </a:r>
+            <a:r>
+              <a:rPr lang="en-US" dirty="0"/>
+              <a:t>pattern</a:t>
+            </a:r>
+            <a:endParaRPr lang="ru-RU" dirty="0"/>
+          </a:p>
+          <a:p>
+            <a:pPr marL="0" indent="0">
+              <a:lnSpc>
+                <a:spcPct val="150000"/>
+              </a:lnSpc>
+              <a:buNone/>
+            </a:pPr>
             <a:endParaRPr lang="en-US" dirty="0" smtClean="0"/>
           </a:p>
         </p:txBody>
@@ -5786,11 +5775,7 @@
           <a:p>
             <a:r>
               <a:rPr lang="en-US" b="1" dirty="0" smtClean="0"/>
-              <a:t>Links to </a:t>
-            </a:r>
-            <a:r>
-              <a:rPr lang="en-US" b="1" dirty="0" smtClean="0"/>
-              <a:t>objects in parent windows</a:t>
+              <a:t>Links to objects in parent windows</a:t>
             </a:r>
             <a:endParaRPr lang="ru-RU" b="1" dirty="0"/>
           </a:p>
@@ -5842,23 +5827,11 @@
             </a:pPr>
             <a:r>
               <a:rPr lang="ru-RU" dirty="0" smtClean="0"/>
-              <a:t>При </a:t>
-            </a:r>
-            <a:r>
-              <a:rPr lang="ru-RU" dirty="0" smtClean="0"/>
-              <a:t>закрытии </a:t>
+              <a:t>При закрытии </a:t>
             </a:r>
             <a:r>
               <a:rPr lang="en-US" dirty="0" smtClean="0"/>
-              <a:t>Vie</a:t>
-            </a:r>
-            <a:r>
-              <a:rPr lang="en-US" dirty="0" smtClean="0"/>
-              <a:t>w</a:t>
-            </a:r>
-            <a:r>
-              <a:rPr lang="en-US" dirty="0" smtClean="0"/>
-              <a:t>2 </a:t>
+              <a:t>View2 </a:t>
             </a:r>
             <a:r>
               <a:rPr lang="ru-RU" dirty="0" smtClean="0"/>
@@ -6323,7 +6296,6 @@
               <a:rPr lang="en-US" dirty="0" smtClean="0"/>
               <a:t>!</a:t>
             </a:r>
-            <a:endParaRPr lang="en-US" dirty="0" smtClean="0"/>
           </a:p>
         </p:txBody>
       </p:sp>
@@ -6966,11 +6938,7 @@
             </a:r>
             <a:r>
               <a:rPr lang="ru-RU" dirty="0" smtClean="0"/>
-              <a:t>очень большое </a:t>
-            </a:r>
-            <a:r>
-              <a:rPr lang="ru-RU" dirty="0" smtClean="0"/>
-              <a:t>зло (</a:t>
+              <a:t>очень большое зло (</a:t>
             </a:r>
             <a:r>
               <a:rPr lang="en-US" dirty="0" smtClean="0"/>
@@ -7353,11 +7321,7 @@
             </a:r>
             <a:r>
               <a:rPr lang="en-US" dirty="0" smtClean="0"/>
-              <a:t> </a:t>
-            </a:r>
-            <a:r>
-              <a:rPr lang="en-US" dirty="0" smtClean="0"/>
-              <a:t>Memory Profiler</a:t>
+              <a:t> Memory Profiler</a:t>
             </a:r>
           </a:p>
           <a:p>
@@ -7391,11 +7355,7 @@
             </a:pPr>
             <a:r>
               <a:rPr lang="en-US" dirty="0" smtClean="0"/>
-              <a:t>EQATEC </a:t>
-            </a:r>
-            <a:r>
-              <a:rPr lang="en-US" dirty="0" smtClean="0"/>
-              <a:t>profiler</a:t>
+              <a:t>EQATEC profiler</a:t>
             </a:r>
           </a:p>
           <a:p>
@@ -8443,11 +8403,7 @@
             </a:pPr>
             <a:r>
               <a:rPr lang="en-US" dirty="0" smtClean="0"/>
-              <a:t>Event </a:t>
-            </a:r>
-            <a:r>
-              <a:rPr lang="en-US" dirty="0" smtClean="0"/>
-              <a:t>Handler Leak</a:t>
+              <a:t>Event Handler Leak</a:t>
             </a:r>
             <a:endParaRPr lang="ru-RU" dirty="0" smtClean="0"/>
           </a:p>
@@ -9014,11 +8970,7 @@
             </a:r>
             <a:r>
               <a:rPr lang="en-US" dirty="0" smtClean="0"/>
-              <a:t>control</a:t>
-            </a:r>
-            <a:r>
-              <a:rPr lang="en-US" dirty="0" smtClean="0"/>
-              <a:t> </a:t>
+              <a:t>control </a:t>
             </a:r>
             <a:r>
               <a:rPr lang="ru-RU" dirty="0" smtClean="0"/>
@@ -9109,11 +9061,7 @@
             </a:r>
             <a:r>
               <a:rPr lang="ru-RU" dirty="0" smtClean="0"/>
-              <a:t> при </a:t>
-            </a:r>
-            <a:r>
-              <a:rPr lang="ru-RU" dirty="0" smtClean="0"/>
-              <a:t>уничтожении </a:t>
+              <a:t> при уничтожении </a:t>
             </a:r>
             <a:r>
               <a:rPr lang="en-US" dirty="0" smtClean="0"/>

--- a/Утечки памяти.pptx
+++ b/Утечки памяти.pptx
@@ -219,7 +219,7 @@
           <a:p>
             <a:fld id="{7E32760C-D076-4A5B-AE14-FF54E2D8759C}" type="datetimeFigureOut">
               <a:rPr lang="ru-RU" smtClean="0"/>
-              <a:t>10.12.2018</a:t>
+              <a:t>11.12.2018</a:t>
             </a:fld>
             <a:endParaRPr lang="ru-RU"/>
           </a:p>
@@ -615,6 +615,90 @@
           <a:bodyPr/>
           <a:lstStyle/>
           <a:p>
+            <a:endParaRPr lang="ru-RU" dirty="0"/>
+          </a:p>
+        </p:txBody>
+      </p:sp>
+      <p:sp>
+        <p:nvSpPr>
+          <p:cNvPr id="4" name="Номер слайда 3"/>
+          <p:cNvSpPr>
+            <a:spLocks noGrp="1"/>
+          </p:cNvSpPr>
+          <p:nvPr>
+            <p:ph type="sldNum" sz="quarter" idx="10"/>
+          </p:nvPr>
+        </p:nvSpPr>
+        <p:spPr/>
+        <p:txBody>
+          <a:bodyPr/>
+          <a:lstStyle/>
+          <a:p>
+            <a:fld id="{01B998F4-8103-417C-AF3C-B5E3C74782CC}" type="slidenum">
+              <a:rPr lang="ru-RU" smtClean="0"/>
+              <a:t>15</a:t>
+            </a:fld>
+            <a:endParaRPr lang="ru-RU"/>
+          </a:p>
+        </p:txBody>
+      </p:sp>
+    </p:spTree>
+    <p:extLst>
+      <p:ext uri="{BB962C8B-B14F-4D97-AF65-F5344CB8AC3E}">
+        <p14:creationId xmlns:p14="http://schemas.microsoft.com/office/powerpoint/2010/main" val="4214872850"/>
+      </p:ext>
+    </p:extLst>
+  </p:cSld>
+  <p:clrMapOvr>
+    <a:masterClrMapping/>
+  </p:clrMapOvr>
+</p:notes>
+</file>
+
+<file path=ppt/notesSlides/notesSlide11.xml><?xml version="1.0" encoding="utf-8"?>
+<p:notes xmlns:a="http://schemas.openxmlformats.org/drawingml/2006/main" xmlns:r="http://schemas.openxmlformats.org/officeDocument/2006/relationships" xmlns:p="http://schemas.openxmlformats.org/presentationml/2006/main">
+  <p:cSld>
+    <p:spTree>
+      <p:nvGrpSpPr>
+        <p:cNvPr id="1" name=""/>
+        <p:cNvGrpSpPr/>
+        <p:nvPr/>
+      </p:nvGrpSpPr>
+      <p:grpSpPr>
+        <a:xfrm>
+          <a:off x="0" y="0"/>
+          <a:ext cx="0" cy="0"/>
+          <a:chOff x="0" y="0"/>
+          <a:chExt cx="0" cy="0"/>
+        </a:xfrm>
+      </p:grpSpPr>
+      <p:sp>
+        <p:nvSpPr>
+          <p:cNvPr id="2" name="Образ слайда 1"/>
+          <p:cNvSpPr>
+            <a:spLocks noGrp="1" noRot="1" noChangeAspect="1"/>
+          </p:cNvSpPr>
+          <p:nvPr>
+            <p:ph type="sldImg"/>
+          </p:nvPr>
+        </p:nvSpPr>
+        <p:spPr/>
+      </p:sp>
+      <p:sp>
+        <p:nvSpPr>
+          <p:cNvPr id="3" name="Заметки 2"/>
+          <p:cNvSpPr>
+            <a:spLocks noGrp="1"/>
+          </p:cNvSpPr>
+          <p:nvPr>
+            <p:ph type="body" idx="1"/>
+          </p:nvPr>
+        </p:nvSpPr>
+        <p:spPr/>
+        <p:txBody>
+          <a:bodyPr/>
+          <a:lstStyle/>
+          <a:p>
             <a:pPr>
               <a:lnSpc>
                 <a:spcPct val="150000"/>
@@ -876,182 +960,11 @@
           <a:bodyPr/>
           <a:lstStyle/>
           <a:p>
-            <a:pPr marL="0" marR="0" lvl="0" indent="0" algn="l" defTabSz="914400" rtl="0" eaLnBrk="1" fontAlgn="auto" latinLnBrk="0" hangingPunct="1">
-              <a:lnSpc>
-                <a:spcPct val="100000"/>
-              </a:lnSpc>
-              <a:spcBef>
-                <a:spcPts val="0"/>
-              </a:spcBef>
-              <a:spcAft>
-                <a:spcPts val="0"/>
-              </a:spcAft>
-              <a:buClrTx/>
-              <a:buSzTx/>
-              <a:buFontTx/>
-              <a:buNone/>
-              <a:tabLst/>
-              <a:defRPr/>
-            </a:pPr>
             <a:r>
               <a:rPr lang="en-US" dirty="0" smtClean="0"/>
-              <a:t>Binding – </a:t>
-            </a:r>
-            <a:r>
-              <a:rPr lang="ru-RU" dirty="0" smtClean="0"/>
-              <a:t>декларативная</a:t>
-            </a:r>
-            <a:r>
-              <a:rPr lang="ru-RU" baseline="0" dirty="0" smtClean="0"/>
-              <a:t> реализация паттерна </a:t>
-            </a:r>
-            <a:r>
-              <a:rPr lang="en-US" baseline="0" dirty="0" smtClean="0"/>
-              <a:t>Observer</a:t>
-            </a:r>
-          </a:p>
-          <a:p>
-            <a:pPr marL="0" marR="0" lvl="0" indent="0" algn="l" defTabSz="914400" rtl="0" eaLnBrk="1" fontAlgn="auto" latinLnBrk="0" hangingPunct="1">
-              <a:lnSpc>
-                <a:spcPct val="100000"/>
-              </a:lnSpc>
-              <a:spcBef>
-                <a:spcPts val="0"/>
-              </a:spcBef>
-              <a:spcAft>
-                <a:spcPts val="0"/>
-              </a:spcAft>
-              <a:buClrTx/>
-              <a:buSzTx/>
-              <a:buFontTx/>
-              <a:buNone/>
-              <a:tabLst/>
-              <a:defRPr/>
-            </a:pPr>
-            <a:r>
-              <a:rPr lang="ru-RU" baseline="0" dirty="0" smtClean="0"/>
-              <a:t>Объект -  источник</a:t>
-            </a:r>
-          </a:p>
-          <a:p>
-            <a:pPr marL="0" marR="0" lvl="0" indent="0" algn="l" defTabSz="914400" rtl="0" eaLnBrk="1" fontAlgn="auto" latinLnBrk="0" hangingPunct="1">
-              <a:lnSpc>
-                <a:spcPct val="100000"/>
-              </a:lnSpc>
-              <a:spcBef>
-                <a:spcPts val="0"/>
-              </a:spcBef>
-              <a:spcAft>
-                <a:spcPts val="0"/>
-              </a:spcAft>
-              <a:buClrTx/>
-              <a:buSzTx/>
-              <a:buFontTx/>
-              <a:buNone/>
-              <a:tabLst/>
-              <a:defRPr/>
-            </a:pPr>
-            <a:r>
-              <a:rPr lang="ru-RU" baseline="0" dirty="0" smtClean="0"/>
-              <a:t>Подписант – </a:t>
-            </a:r>
-            <a:r>
-              <a:rPr lang="ru-RU" baseline="0" dirty="0" err="1" smtClean="0"/>
-              <a:t>вьюха</a:t>
-            </a:r>
-            <a:endParaRPr lang="ru-RU" baseline="0" dirty="0" smtClean="0"/>
-          </a:p>
-          <a:p>
-            <a:pPr marL="0" marR="0" lvl="0" indent="0" algn="l" defTabSz="914400" rtl="0" eaLnBrk="1" fontAlgn="auto" latinLnBrk="0" hangingPunct="1">
-              <a:lnSpc>
-                <a:spcPct val="100000"/>
-              </a:lnSpc>
-              <a:spcBef>
-                <a:spcPts val="0"/>
-              </a:spcBef>
-              <a:spcAft>
-                <a:spcPts val="0"/>
-              </a:spcAft>
-              <a:buClrTx/>
-              <a:buSzTx/>
-              <a:buFontTx/>
-              <a:buNone/>
-              <a:tabLst/>
-              <a:defRPr/>
-            </a:pPr>
-            <a:r>
-              <a:rPr lang="ru-RU" baseline="0" dirty="0" smtClean="0"/>
-              <a:t>Уточнить про коллекции</a:t>
-            </a:r>
-            <a:endParaRPr lang="en-US" baseline="0" dirty="0" smtClean="0"/>
-          </a:p>
-          <a:p>
-            <a:pPr marL="0" marR="0" lvl="0" indent="0" algn="l" defTabSz="914400" rtl="0" eaLnBrk="1" fontAlgn="auto" latinLnBrk="0" hangingPunct="1">
-              <a:lnSpc>
-                <a:spcPct val="100000"/>
-              </a:lnSpc>
-              <a:spcBef>
-                <a:spcPts val="0"/>
-              </a:spcBef>
-              <a:spcAft>
-                <a:spcPts val="0"/>
-              </a:spcAft>
-              <a:buClrTx/>
-              <a:buSzTx/>
-              <a:buFontTx/>
-              <a:buNone/>
-              <a:tabLst/>
-              <a:defRPr/>
-            </a:pPr>
-            <a:endParaRPr lang="en-US" baseline="0" dirty="0" smtClean="0"/>
-          </a:p>
-          <a:p>
-            <a:pPr marL="0" marR="0" lvl="0" indent="0" algn="l" defTabSz="914400" rtl="0" eaLnBrk="1" fontAlgn="auto" latinLnBrk="0" hangingPunct="1">
-              <a:lnSpc>
-                <a:spcPct val="100000"/>
-              </a:lnSpc>
-              <a:spcBef>
-                <a:spcPts val="0"/>
-              </a:spcBef>
-              <a:spcAft>
-                <a:spcPts val="0"/>
-              </a:spcAft>
-              <a:buClrTx/>
-              <a:buSzTx/>
-              <a:buFontTx/>
-              <a:buNone/>
-              <a:tabLst/>
-              <a:defRPr/>
-            </a:pPr>
-            <a:r>
-              <a:rPr lang="en-US" baseline="0" dirty="0" smtClean="0"/>
-              <a:t>Binding </a:t>
-            </a:r>
-            <a:r>
-              <a:rPr lang="ru-RU" baseline="0" dirty="0" smtClean="0"/>
-              <a:t>на свойство </a:t>
-            </a:r>
-            <a:r>
-              <a:rPr lang="en-US" baseline="0" dirty="0" smtClean="0"/>
-              <a:t>UI </a:t>
-            </a:r>
-            <a:r>
-              <a:rPr lang="ru-RU" baseline="0" dirty="0" smtClean="0"/>
-              <a:t>элемента, которое не </a:t>
-            </a:r>
-            <a:r>
-              <a:rPr lang="en-US" baseline="0" dirty="0" err="1" smtClean="0"/>
-              <a:t>DependencyProperty</a:t>
-            </a:r>
-            <a:r>
-              <a:rPr lang="en-US" baseline="0" dirty="0" smtClean="0"/>
-              <a:t> – </a:t>
-            </a:r>
-            <a:r>
-              <a:rPr lang="ru-RU" baseline="0" dirty="0" smtClean="0"/>
-              <a:t>утечка!</a:t>
-            </a:r>
-            <a:endParaRPr lang="ru-RU" dirty="0" smtClean="0"/>
+              <a:t>1</a:t>
+            </a:r>
+            <a:endParaRPr lang="ru-RU" dirty="0"/>
           </a:p>
         </p:txBody>
       </p:sp>
@@ -1072,7 +985,7 @@
           <a:p>
             <a:fld id="{01B998F4-8103-417C-AF3C-B5E3C74782CC}" type="slidenum">
               <a:rPr lang="ru-RU" smtClean="0"/>
-              <a:t>7</a:t>
+              <a:t>6</a:t>
             </a:fld>
             <a:endParaRPr lang="ru-RU"/>
           </a:p>
@@ -1081,7 +994,7 @@
     </p:spTree>
     <p:extLst>
       <p:ext uri="{BB962C8B-B14F-4D97-AF65-F5344CB8AC3E}">
-        <p14:creationId xmlns:p14="http://schemas.microsoft.com/office/powerpoint/2010/main" val="825020462"/>
+        <p14:creationId xmlns:p14="http://schemas.microsoft.com/office/powerpoint/2010/main" val="2121009862"/>
       </p:ext>
     </p:extLst>
   </p:cSld>
@@ -1135,62 +1048,168 @@
           <a:bodyPr/>
           <a:lstStyle/>
           <a:p>
-            <a:r>
-              <a:rPr lang="ru-RU" dirty="0" smtClean="0"/>
-              <a:t>Не</a:t>
+            <a:pPr marL="0" marR="0" lvl="0" indent="0" algn="l" defTabSz="914400" rtl="0" eaLnBrk="1" fontAlgn="auto" latinLnBrk="0" hangingPunct="1">
+              <a:lnSpc>
+                <a:spcPct val="100000"/>
+              </a:lnSpc>
+              <a:spcBef>
+                <a:spcPts val="0"/>
+              </a:spcBef>
+              <a:spcAft>
+                <a:spcPts val="0"/>
+              </a:spcAft>
+              <a:buClrTx/>
+              <a:buSzTx/>
+              <a:buFontTx/>
+              <a:buNone/>
+              <a:tabLst/>
+              <a:defRPr/>
+            </a:pPr>
+            <a:r>
+              <a:rPr lang="en-US" dirty="0" smtClean="0"/>
+              <a:t>Binding – </a:t>
+            </a:r>
+            <a:r>
+              <a:rPr lang="ru-RU" dirty="0" smtClean="0"/>
+              <a:t>декларативная</a:t>
             </a:r>
             <a:r>
               <a:rPr lang="ru-RU" baseline="0" dirty="0" smtClean="0"/>
-              <a:t> забыть упомянуть про </a:t>
+              <a:t> реализация паттерна </a:t>
             </a:r>
             <a:r>
               <a:rPr lang="en-US" baseline="0" dirty="0" smtClean="0"/>
-              <a:t>Immutable + </a:t>
-            </a:r>
-            <a:r>
-              <a:rPr lang="en-US" baseline="0" dirty="0" err="1" smtClean="0"/>
-              <a:t>readonly</a:t>
-            </a:r>
+              <a:t>Observer</a:t>
+            </a:r>
+          </a:p>
+          <a:p>
+            <a:pPr marL="0" marR="0" lvl="0" indent="0" algn="l" defTabSz="914400" rtl="0" eaLnBrk="1" fontAlgn="auto" latinLnBrk="0" hangingPunct="1">
+              <a:lnSpc>
+                <a:spcPct val="100000"/>
+              </a:lnSpc>
+              <a:spcBef>
+                <a:spcPts val="0"/>
+              </a:spcBef>
+              <a:spcAft>
+                <a:spcPts val="0"/>
+              </a:spcAft>
+              <a:buClrTx/>
+              <a:buSzTx/>
+              <a:buFontTx/>
+              <a:buNone/>
+              <a:tabLst/>
+              <a:defRPr/>
+            </a:pPr>
+            <a:r>
+              <a:rPr lang="ru-RU" baseline="0" dirty="0" smtClean="0"/>
+              <a:t>Объект -  источник</a:t>
+            </a:r>
+          </a:p>
+          <a:p>
+            <a:pPr marL="0" marR="0" lvl="0" indent="0" algn="l" defTabSz="914400" rtl="0" eaLnBrk="1" fontAlgn="auto" latinLnBrk="0" hangingPunct="1">
+              <a:lnSpc>
+                <a:spcPct val="100000"/>
+              </a:lnSpc>
+              <a:spcBef>
+                <a:spcPts val="0"/>
+              </a:spcBef>
+              <a:spcAft>
+                <a:spcPts val="0"/>
+              </a:spcAft>
+              <a:buClrTx/>
+              <a:buSzTx/>
+              <a:buFontTx/>
+              <a:buNone/>
+              <a:tabLst/>
+              <a:defRPr/>
+            </a:pPr>
+            <a:r>
+              <a:rPr lang="ru-RU" baseline="0" dirty="0" smtClean="0"/>
+              <a:t>Подписант – </a:t>
+            </a:r>
+            <a:r>
+              <a:rPr lang="ru-RU" baseline="0" dirty="0" err="1" smtClean="0"/>
+              <a:t>вьюха</a:t>
+            </a:r>
+            <a:endParaRPr lang="ru-RU" baseline="0" dirty="0" smtClean="0"/>
+          </a:p>
+          <a:p>
+            <a:pPr marL="0" marR="0" lvl="0" indent="0" algn="l" defTabSz="914400" rtl="0" eaLnBrk="1" fontAlgn="auto" latinLnBrk="0" hangingPunct="1">
+              <a:lnSpc>
+                <a:spcPct val="100000"/>
+              </a:lnSpc>
+              <a:spcBef>
+                <a:spcPts val="0"/>
+              </a:spcBef>
+              <a:spcAft>
+                <a:spcPts val="0"/>
+              </a:spcAft>
+              <a:buClrTx/>
+              <a:buSzTx/>
+              <a:buFontTx/>
+              <a:buNone/>
+              <a:tabLst/>
+              <a:defRPr/>
+            </a:pPr>
+            <a:r>
+              <a:rPr lang="ru-RU" baseline="0" dirty="0" smtClean="0"/>
+              <a:t>Уточнить про коллекции</a:t>
+            </a:r>
+            <a:endParaRPr lang="en-US" baseline="0" dirty="0" smtClean="0"/>
+          </a:p>
+          <a:p>
+            <a:pPr marL="0" marR="0" lvl="0" indent="0" algn="l" defTabSz="914400" rtl="0" eaLnBrk="1" fontAlgn="auto" latinLnBrk="0" hangingPunct="1">
+              <a:lnSpc>
+                <a:spcPct val="100000"/>
+              </a:lnSpc>
+              <a:spcBef>
+                <a:spcPts val="0"/>
+              </a:spcBef>
+              <a:spcAft>
+                <a:spcPts val="0"/>
+              </a:spcAft>
+              <a:buClrTx/>
+              <a:buSzTx/>
+              <a:buFontTx/>
+              <a:buNone/>
+              <a:tabLst/>
+              <a:defRPr/>
+            </a:pPr>
+            <a:endParaRPr lang="en-US" baseline="0" dirty="0" smtClean="0"/>
+          </a:p>
+          <a:p>
+            <a:pPr marL="0" marR="0" lvl="0" indent="0" algn="l" defTabSz="914400" rtl="0" eaLnBrk="1" fontAlgn="auto" latinLnBrk="0" hangingPunct="1">
+              <a:lnSpc>
+                <a:spcPct val="100000"/>
+              </a:lnSpc>
+              <a:spcBef>
+                <a:spcPts val="0"/>
+              </a:spcBef>
+              <a:spcAft>
+                <a:spcPts val="0"/>
+              </a:spcAft>
+              <a:buClrTx/>
+              <a:buSzTx/>
+              <a:buFontTx/>
+              <a:buNone/>
+              <a:tabLst/>
+              <a:defRPr/>
+            </a:pPr>
             <a:r>
               <a:rPr lang="en-US" baseline="0" dirty="0" smtClean="0"/>
-              <a:t> </a:t>
-            </a:r>
-            <a:r>
-              <a:rPr lang="en-US" baseline="0" dirty="0" err="1" smtClean="0"/>
-              <a:t>struct</a:t>
-            </a:r>
-            <a:endParaRPr lang="ru-RU" baseline="0" dirty="0" smtClean="0"/>
-          </a:p>
-          <a:p>
+              <a:t>Binding </a:t>
+            </a:r>
             <a:r>
               <a:rPr lang="ru-RU" baseline="0" dirty="0" smtClean="0"/>
-              <a:t>А </a:t>
-            </a:r>
-            <a:r>
-              <a:rPr lang="en-US" baseline="0" dirty="0" err="1" smtClean="0"/>
-              <a:t>DependencyObject</a:t>
+              <a:t>на свойство </a:t>
             </a:r>
             <a:r>
               <a:rPr lang="en-US" baseline="0" dirty="0" smtClean="0"/>
-              <a:t>?</a:t>
-            </a:r>
-          </a:p>
-          <a:p>
-            <a:r>
-              <a:rPr lang="en-US" baseline="0" dirty="0" smtClean="0"/>
-              <a:t>Bryan Lagunas – </a:t>
+              <a:t>UI </a:t>
             </a:r>
             <a:r>
               <a:rPr lang="ru-RU" baseline="0" dirty="0" smtClean="0"/>
-              <a:t>на </a:t>
-            </a:r>
-            <a:r>
-              <a:rPr lang="en-US" baseline="0" dirty="0" err="1" smtClean="0"/>
-              <a:t>ViewModel</a:t>
-            </a:r>
-            <a:r>
-              <a:rPr lang="en-US" baseline="0" dirty="0" smtClean="0"/>
-              <a:t> </a:t>
+              <a:t>элемента, которое не </a:t>
             </a:r>
             <a:r>
               <a:rPr lang="en-US" baseline="0" dirty="0" err="1" smtClean="0"/>
@@ -1198,13 +1217,13 @@
             </a:r>
             <a:r>
               <a:rPr lang="en-US" baseline="0" dirty="0" smtClean="0"/>
-              <a:t> - </a:t>
+              <a:t> – </a:t>
             </a:r>
             <a:r>
               <a:rPr lang="ru-RU" baseline="0" dirty="0" smtClean="0"/>
-              <a:t>зло</a:t>
-            </a:r>
-            <a:endParaRPr lang="ru-RU" dirty="0"/>
+              <a:t>утечка!</a:t>
+            </a:r>
+            <a:endParaRPr lang="ru-RU" dirty="0" smtClean="0"/>
           </a:p>
         </p:txBody>
       </p:sp>
@@ -1225,7 +1244,7 @@
           <a:p>
             <a:fld id="{01B998F4-8103-417C-AF3C-B5E3C74782CC}" type="slidenum">
               <a:rPr lang="ru-RU" smtClean="0"/>
-              <a:t>8</a:t>
+              <a:t>7</a:t>
             </a:fld>
             <a:endParaRPr lang="ru-RU"/>
           </a:p>
@@ -1234,7 +1253,7 @@
     </p:spTree>
     <p:extLst>
       <p:ext uri="{BB962C8B-B14F-4D97-AF65-F5344CB8AC3E}">
-        <p14:creationId xmlns:p14="http://schemas.microsoft.com/office/powerpoint/2010/main" val="2508786773"/>
+        <p14:creationId xmlns:p14="http://schemas.microsoft.com/office/powerpoint/2010/main" val="825020462"/>
       </p:ext>
     </p:extLst>
   </p:cSld>
@@ -1290,293 +1309,73 @@
           <a:p>
             <a:r>
               <a:rPr lang="ru-RU" dirty="0" smtClean="0"/>
-              <a:t>Очень</a:t>
+              <a:t>Не</a:t>
             </a:r>
             <a:r>
               <a:rPr lang="ru-RU" baseline="0" dirty="0" smtClean="0"/>
-              <a:t> напрашивается паттерн </a:t>
+              <a:t> забыть упомянуть про </a:t>
+            </a:r>
+            <a:r>
+              <a:rPr lang="en-US" baseline="0" dirty="0" smtClean="0"/>
+              <a:t>Immutable + </a:t>
             </a:r>
             <a:r>
               <a:rPr lang="en-US" baseline="0" dirty="0" err="1" smtClean="0"/>
-              <a:t>Idisposable</a:t>
+              <a:t>readonly</a:t>
             </a:r>
             <a:r>
               <a:rPr lang="en-US" baseline="0" dirty="0" smtClean="0"/>
               <a:t> </a:t>
             </a:r>
             <a:r>
+              <a:rPr lang="en-US" baseline="0" dirty="0" err="1" smtClean="0"/>
+              <a:t>struct</a:t>
+            </a:r>
+            <a:endParaRPr lang="ru-RU" baseline="0" dirty="0" smtClean="0"/>
+          </a:p>
+          <a:p>
+            <a:r>
               <a:rPr lang="ru-RU" baseline="0" dirty="0" smtClean="0"/>
-              <a:t>в </a:t>
+              <a:t>А </a:t>
+            </a:r>
+            <a:r>
+              <a:rPr lang="en-US" baseline="0" dirty="0" err="1" smtClean="0"/>
+              <a:t>DependencyObject</a:t>
             </a:r>
             <a:r>
               <a:rPr lang="en-US" baseline="0" dirty="0" smtClean="0"/>
-              <a:t>Code-behind</a:t>
-            </a:r>
-            <a:endParaRPr lang="ru-RU" baseline="0" dirty="0" smtClean="0"/>
-          </a:p>
-          <a:p>
-            <a:endParaRPr lang="ru-RU" baseline="0" dirty="0" smtClean="0"/>
-          </a:p>
-          <a:p>
-            <a:pPr fontAlgn="base"/>
-            <a:r>
-              <a:rPr lang="en-US" sz="1200" b="0" i="0" kern="1200" dirty="0" smtClean="0">
-                <a:solidFill>
-                  <a:schemeClr val="tx1"/>
-                </a:solidFill>
-                <a:effectLst/>
-                <a:latin typeface="+mn-lt"/>
-                <a:ea typeface="+mn-ea"/>
-                <a:cs typeface="+mn-cs"/>
-              </a:rPr>
-              <a:t>x:Name is a </a:t>
-            </a:r>
-            <a:r>
-              <a:rPr lang="en-US" sz="1200" b="0" i="0" kern="1200" dirty="0" err="1" smtClean="0">
-                <a:solidFill>
-                  <a:schemeClr val="tx1"/>
-                </a:solidFill>
-                <a:effectLst/>
-                <a:latin typeface="+mn-lt"/>
-                <a:ea typeface="+mn-ea"/>
-                <a:cs typeface="+mn-cs"/>
-              </a:rPr>
-              <a:t>xaml</a:t>
-            </a:r>
-            <a:r>
-              <a:rPr lang="en-US" sz="1200" b="0" i="0" kern="1200" dirty="0" smtClean="0">
-                <a:solidFill>
-                  <a:schemeClr val="tx1"/>
-                </a:solidFill>
-                <a:effectLst/>
-                <a:latin typeface="+mn-lt"/>
-                <a:ea typeface="+mn-ea"/>
-                <a:cs typeface="+mn-cs"/>
-              </a:rPr>
-              <a:t> concept, used mainly to reference elements. When you give an element the x:Name </a:t>
-            </a:r>
-            <a:r>
-              <a:rPr lang="en-US" sz="1200" b="0" i="0" kern="1200" dirty="0" err="1" smtClean="0">
-                <a:solidFill>
-                  <a:schemeClr val="tx1"/>
-                </a:solidFill>
-                <a:effectLst/>
-                <a:latin typeface="+mn-lt"/>
-                <a:ea typeface="+mn-ea"/>
-                <a:cs typeface="+mn-cs"/>
-              </a:rPr>
-              <a:t>xaml</a:t>
-            </a:r>
-            <a:r>
-              <a:rPr lang="en-US" sz="1200" b="0" i="0" kern="1200" dirty="0" smtClean="0">
-                <a:solidFill>
-                  <a:schemeClr val="tx1"/>
-                </a:solidFill>
-                <a:effectLst/>
-                <a:latin typeface="+mn-lt"/>
-                <a:ea typeface="+mn-ea"/>
-                <a:cs typeface="+mn-cs"/>
-              </a:rPr>
-              <a:t> attribute, "the specified x:Name becomes the name of a field that is created in the underlying code when </a:t>
-            </a:r>
-            <a:r>
-              <a:rPr lang="en-US" sz="1200" b="0" i="0" kern="1200" dirty="0" err="1" smtClean="0">
-                <a:solidFill>
-                  <a:schemeClr val="tx1"/>
-                </a:solidFill>
-                <a:effectLst/>
-                <a:latin typeface="+mn-lt"/>
-                <a:ea typeface="+mn-ea"/>
-                <a:cs typeface="+mn-cs"/>
-              </a:rPr>
-              <a:t>xaml</a:t>
-            </a:r>
-            <a:r>
-              <a:rPr lang="en-US" sz="1200" b="0" i="0" kern="1200" dirty="0" smtClean="0">
-                <a:solidFill>
-                  <a:schemeClr val="tx1"/>
-                </a:solidFill>
-                <a:effectLst/>
-                <a:latin typeface="+mn-lt"/>
-                <a:ea typeface="+mn-ea"/>
-                <a:cs typeface="+mn-cs"/>
-              </a:rPr>
-              <a:t> is processed, and that field holds a reference to the object." (</a:t>
-            </a:r>
-            <a:r>
-              <a:rPr lang="en-US" sz="1200" b="0" i="0" u="sng" kern="1200" dirty="0" smtClean="0">
-                <a:solidFill>
-                  <a:schemeClr val="tx1"/>
-                </a:solidFill>
-                <a:effectLst/>
-                <a:latin typeface="+mn-lt"/>
-                <a:ea typeface="+mn-ea"/>
-                <a:cs typeface="+mn-cs"/>
-                <a:hlinkClick r:id="rId3"/>
-              </a:rPr>
-              <a:t>MSDN</a:t>
-            </a:r>
-            <a:r>
-              <a:rPr lang="en-US" sz="1200" b="0" i="0" kern="1200" dirty="0" smtClean="0">
-                <a:solidFill>
-                  <a:schemeClr val="tx1"/>
-                </a:solidFill>
-                <a:effectLst/>
-                <a:latin typeface="+mn-lt"/>
-                <a:ea typeface="+mn-ea"/>
-                <a:cs typeface="+mn-cs"/>
-              </a:rPr>
-              <a:t>) So, it's a designer-generated field, which has internal access by default.</a:t>
-            </a:r>
-            <a:endParaRPr lang="ru-RU" sz="1200" b="0" i="0" kern="1200" dirty="0" smtClean="0">
-              <a:solidFill>
-                <a:schemeClr val="tx1"/>
-              </a:solidFill>
-              <a:effectLst/>
-              <a:latin typeface="+mn-lt"/>
-              <a:ea typeface="+mn-ea"/>
-              <a:cs typeface="+mn-cs"/>
-            </a:endParaRPr>
-          </a:p>
-          <a:p>
-            <a:pPr fontAlgn="base"/>
-            <a:endParaRPr lang="en-US" sz="1200" b="0" i="0" kern="1200" dirty="0" smtClean="0">
-              <a:solidFill>
-                <a:schemeClr val="tx1"/>
-              </a:solidFill>
-              <a:effectLst/>
-              <a:latin typeface="+mn-lt"/>
-              <a:ea typeface="+mn-ea"/>
-              <a:cs typeface="+mn-cs"/>
-            </a:endParaRPr>
-          </a:p>
-          <a:p>
-            <a:pPr fontAlgn="base"/>
-            <a:r>
-              <a:rPr lang="en-US" sz="1200" b="0" i="0" kern="1200" dirty="0" smtClean="0">
-                <a:solidFill>
-                  <a:schemeClr val="tx1"/>
-                </a:solidFill>
-                <a:effectLst/>
-                <a:latin typeface="+mn-lt"/>
-                <a:ea typeface="+mn-ea"/>
-                <a:cs typeface="+mn-cs"/>
-              </a:rPr>
-              <a:t>Name is the existing string property of a </a:t>
-            </a:r>
-            <a:r>
-              <a:rPr lang="en-US" sz="1200" b="0" i="0" kern="1200" dirty="0" err="1" smtClean="0">
-                <a:solidFill>
-                  <a:schemeClr val="tx1"/>
-                </a:solidFill>
-                <a:effectLst/>
-                <a:latin typeface="+mn-lt"/>
-                <a:ea typeface="+mn-ea"/>
-                <a:cs typeface="+mn-cs"/>
-              </a:rPr>
-              <a:t>FrameworkElement</a:t>
-            </a:r>
-            <a:r>
-              <a:rPr lang="en-US" sz="1200" b="0" i="0" kern="1200" dirty="0" smtClean="0">
-                <a:solidFill>
-                  <a:schemeClr val="tx1"/>
-                </a:solidFill>
-                <a:effectLst/>
-                <a:latin typeface="+mn-lt"/>
-                <a:ea typeface="+mn-ea"/>
-                <a:cs typeface="+mn-cs"/>
-              </a:rPr>
-              <a:t>, listed as any other </a:t>
-            </a:r>
-            <a:r>
-              <a:rPr lang="en-US" sz="1200" b="0" i="0" kern="1200" dirty="0" err="1" smtClean="0">
-                <a:solidFill>
-                  <a:schemeClr val="tx1"/>
-                </a:solidFill>
-                <a:effectLst/>
-                <a:latin typeface="+mn-lt"/>
-                <a:ea typeface="+mn-ea"/>
-                <a:cs typeface="+mn-cs"/>
-              </a:rPr>
-              <a:t>wpf</a:t>
-            </a:r>
-            <a:r>
-              <a:rPr lang="en-US" sz="1200" b="0" i="0" kern="1200" dirty="0" smtClean="0">
-                <a:solidFill>
-                  <a:schemeClr val="tx1"/>
-                </a:solidFill>
-                <a:effectLst/>
-                <a:latin typeface="+mn-lt"/>
-                <a:ea typeface="+mn-ea"/>
-                <a:cs typeface="+mn-cs"/>
-              </a:rPr>
-              <a:t> element property in the form of a </a:t>
-            </a:r>
-            <a:r>
-              <a:rPr lang="en-US" sz="1200" b="0" i="0" kern="1200" dirty="0" err="1" smtClean="0">
-                <a:solidFill>
-                  <a:schemeClr val="tx1"/>
-                </a:solidFill>
-                <a:effectLst/>
-                <a:latin typeface="+mn-lt"/>
-                <a:ea typeface="+mn-ea"/>
-                <a:cs typeface="+mn-cs"/>
-              </a:rPr>
-              <a:t>xaml</a:t>
-            </a:r>
-            <a:r>
-              <a:rPr lang="en-US" sz="1200" b="0" i="0" kern="1200" dirty="0" smtClean="0">
-                <a:solidFill>
-                  <a:schemeClr val="tx1"/>
-                </a:solidFill>
-                <a:effectLst/>
-                <a:latin typeface="+mn-lt"/>
-                <a:ea typeface="+mn-ea"/>
-                <a:cs typeface="+mn-cs"/>
-              </a:rPr>
-              <a:t> attribute.</a:t>
-            </a:r>
-          </a:p>
-          <a:p>
-            <a:pPr fontAlgn="base"/>
-            <a:r>
-              <a:rPr lang="en-US" sz="1200" b="0" i="0" kern="1200" dirty="0" smtClean="0">
-                <a:solidFill>
-                  <a:schemeClr val="tx1"/>
-                </a:solidFill>
-                <a:effectLst/>
-                <a:latin typeface="+mn-lt"/>
-                <a:ea typeface="+mn-ea"/>
-                <a:cs typeface="+mn-cs"/>
-              </a:rPr>
-              <a:t>As a consequence, this also means x:Name can be used on a wider range of objects. This is a technique to enable anything in </a:t>
-            </a:r>
-            <a:r>
-              <a:rPr lang="en-US" sz="1200" b="0" i="0" kern="1200" dirty="0" err="1" smtClean="0">
-                <a:solidFill>
-                  <a:schemeClr val="tx1"/>
-                </a:solidFill>
-                <a:effectLst/>
-                <a:latin typeface="+mn-lt"/>
-                <a:ea typeface="+mn-ea"/>
-                <a:cs typeface="+mn-cs"/>
-              </a:rPr>
-              <a:t>xaml</a:t>
-            </a:r>
-            <a:r>
-              <a:rPr lang="en-US" sz="1200" b="0" i="0" kern="1200" dirty="0" smtClean="0">
-                <a:solidFill>
-                  <a:schemeClr val="tx1"/>
-                </a:solidFill>
-                <a:effectLst/>
-                <a:latin typeface="+mn-lt"/>
-                <a:ea typeface="+mn-ea"/>
-                <a:cs typeface="+mn-cs"/>
-              </a:rPr>
-              <a:t> to be referenced by a given name.</a:t>
-            </a:r>
-          </a:p>
-          <a:p>
+              <a:t>?</a:t>
+            </a:r>
+          </a:p>
+          <a:p>
+            <a:r>
+              <a:rPr lang="en-US" baseline="0" dirty="0" smtClean="0"/>
+              <a:t>Bryan Lagunas – </a:t>
+            </a:r>
+            <a:r>
+              <a:rPr lang="ru-RU" baseline="0" dirty="0" smtClean="0"/>
+              <a:t>на </a:t>
+            </a:r>
+            <a:r>
+              <a:rPr lang="en-US" baseline="0" dirty="0" err="1" smtClean="0"/>
+              <a:t>ViewModel</a:t>
+            </a:r>
+            <a:r>
+              <a:rPr lang="en-US" baseline="0" dirty="0" smtClean="0"/>
+              <a:t> </a:t>
+            </a:r>
+            <a:r>
+              <a:rPr lang="en-US" baseline="0" dirty="0" err="1" smtClean="0"/>
+              <a:t>DependencyProperty</a:t>
+            </a:r>
+            <a:r>
+              <a:rPr lang="en-US" baseline="0" dirty="0" smtClean="0"/>
+              <a:t> - </a:t>
+            </a:r>
+            <a:r>
+              <a:rPr lang="ru-RU" baseline="0" dirty="0" smtClean="0"/>
+              <a:t>зло</a:t>
+            </a:r>
             <a:endParaRPr lang="ru-RU" dirty="0"/>
           </a:p>
         </p:txBody>
@@ -1598,7 +1397,7 @@
           <a:p>
             <a:fld id="{01B998F4-8103-417C-AF3C-B5E3C74782CC}" type="slidenum">
               <a:rPr lang="ru-RU" smtClean="0"/>
-              <a:t>9</a:t>
+              <a:t>8</a:t>
             </a:fld>
             <a:endParaRPr lang="ru-RU"/>
           </a:p>
@@ -1607,7 +1406,7 @@
     </p:spTree>
     <p:extLst>
       <p:ext uri="{BB962C8B-B14F-4D97-AF65-F5344CB8AC3E}">
-        <p14:creationId xmlns:p14="http://schemas.microsoft.com/office/powerpoint/2010/main" val="4265487058"/>
+        <p14:creationId xmlns:p14="http://schemas.microsoft.com/office/powerpoint/2010/main" val="2508786773"/>
       </p:ext>
     </p:extLst>
   </p:cSld>
@@ -1661,41 +1460,39 @@
           <a:bodyPr/>
           <a:lstStyle/>
           <a:p>
-            <a:pPr marL="0" marR="0" indent="0" algn="l" defTabSz="914400" rtl="0" eaLnBrk="1" fontAlgn="auto" latinLnBrk="0" hangingPunct="1">
-              <a:lnSpc>
-                <a:spcPct val="100000"/>
-              </a:lnSpc>
-              <a:spcBef>
-                <a:spcPts val="0"/>
-              </a:spcBef>
-              <a:spcAft>
-                <a:spcPts val="0"/>
-              </a:spcAft>
-              <a:buClrTx/>
-              <a:buSzTx/>
-              <a:buFontTx/>
-              <a:buNone/>
-              <a:tabLst/>
-              <a:defRPr/>
-            </a:pPr>
-            <a:r>
-              <a:rPr lang="ru-RU" dirty="0" smtClean="0"/>
-              <a:t>Про</a:t>
+            <a:r>
+              <a:rPr lang="ru-RU" dirty="0" smtClean="0"/>
+              <a:t>Очень</a:t>
             </a:r>
             <a:r>
               <a:rPr lang="ru-RU" baseline="0" dirty="0" smtClean="0"/>
-              <a:t> боль от отписки от событий говорил и Кирилл </a:t>
-            </a:r>
-            <a:r>
-              <a:rPr lang="ru-RU" baseline="0" dirty="0" err="1" smtClean="0"/>
-              <a:t>Маурин</a:t>
+              <a:t> напрашивается паттерн </a:t>
+            </a:r>
+            <a:r>
+              <a:rPr lang="en-US" baseline="0" dirty="0" err="1" smtClean="0"/>
+              <a:t>Idisposable</a:t>
+            </a:r>
+            <a:r>
+              <a:rPr lang="en-US" baseline="0" dirty="0" smtClean="0"/>
+              <a:t> </a:t>
             </a:r>
             <a:r>
               <a:rPr lang="ru-RU" baseline="0" dirty="0" smtClean="0"/>
-              <a:t> в своем докладе </a:t>
-            </a:r>
-            <a:r>
-              <a:rPr lang="ru-RU" sz="1200" b="0" i="0" kern="1200" dirty="0" smtClean="0">
+              <a:t>в </a:t>
+            </a:r>
+            <a:r>
+              <a:rPr lang="en-US" baseline="0" dirty="0" smtClean="0"/>
+              <a:t>Code-behind</a:t>
+            </a:r>
+            <a:endParaRPr lang="ru-RU" baseline="0" dirty="0" smtClean="0"/>
+          </a:p>
+          <a:p>
+            <a:endParaRPr lang="ru-RU" baseline="0" dirty="0" smtClean="0"/>
+          </a:p>
+          <a:p>
+            <a:pPr fontAlgn="base"/>
+            <a:r>
+              <a:rPr lang="en-US" sz="1200" b="0" i="0" kern="1200" dirty="0" smtClean="0">
                 <a:solidFill>
                   <a:schemeClr val="tx1"/>
                 </a:solidFill>
@@ -1704,10 +1501,10 @@
                 <a:ea typeface="+mn-ea"/>
                 <a:cs typeface="+mn-cs"/>
               </a:rPr>
-              <a:t>«Масштабирование паттерна </a:t>
-            </a:r>
-            <a:r>
-              <a:rPr lang="ru-RU" sz="1200" b="0" i="0" kern="1200" dirty="0" err="1" smtClean="0">
+              <a:t>x:Name is a </a:t>
+            </a:r>
+            <a:r>
+              <a:rPr lang="en-US" sz="1200" b="0" i="0" kern="1200" dirty="0" err="1" smtClean="0">
                 <a:solidFill>
                   <a:schemeClr val="tx1"/>
                 </a:solidFill>
@@ -1716,10 +1513,10 @@
                 <a:ea typeface="+mn-ea"/>
                 <a:cs typeface="+mn-cs"/>
               </a:rPr>
-              <a:t>Disposable</a:t>
-            </a:r>
-            <a:r>
-              <a:rPr lang="ru-RU" sz="1200" b="0" i="0" kern="1200" dirty="0" smtClean="0">
+              <a:t>xaml</a:t>
+            </a:r>
+            <a:r>
+              <a:rPr lang="en-US" sz="1200" b="0" i="0" kern="1200" dirty="0" smtClean="0">
                 <a:solidFill>
                   <a:schemeClr val="tx1"/>
                 </a:solidFill>
@@ -1728,8 +1525,93 @@
                 <a:ea typeface="+mn-ea"/>
                 <a:cs typeface="+mn-cs"/>
               </a:rPr>
-              <a:t> в рамках проекта» </a:t>
-            </a:r>
+              <a:t> concept, used mainly to reference elements. When you give an element the x:Name </a:t>
+            </a:r>
+            <a:r>
+              <a:rPr lang="en-US" sz="1200" b="0" i="0" kern="1200" dirty="0" err="1" smtClean="0">
+                <a:solidFill>
+                  <a:schemeClr val="tx1"/>
+                </a:solidFill>
+                <a:effectLst/>
+                <a:latin typeface="+mn-lt"/>
+                <a:ea typeface="+mn-ea"/>
+                <a:cs typeface="+mn-cs"/>
+              </a:rPr>
+              <a:t>xaml</a:t>
+            </a:r>
+            <a:r>
+              <a:rPr lang="en-US" sz="1200" b="0" i="0" kern="1200" dirty="0" smtClean="0">
+                <a:solidFill>
+                  <a:schemeClr val="tx1"/>
+                </a:solidFill>
+                <a:effectLst/>
+                <a:latin typeface="+mn-lt"/>
+                <a:ea typeface="+mn-ea"/>
+                <a:cs typeface="+mn-cs"/>
+              </a:rPr>
+              <a:t> attribute, "the specified x:Name becomes the name of a field that is created in the underlying code when </a:t>
+            </a:r>
+            <a:r>
+              <a:rPr lang="en-US" sz="1200" b="0" i="0" kern="1200" dirty="0" err="1" smtClean="0">
+                <a:solidFill>
+                  <a:schemeClr val="tx1"/>
+                </a:solidFill>
+                <a:effectLst/>
+                <a:latin typeface="+mn-lt"/>
+                <a:ea typeface="+mn-ea"/>
+                <a:cs typeface="+mn-cs"/>
+              </a:rPr>
+              <a:t>xaml</a:t>
+            </a:r>
+            <a:r>
+              <a:rPr lang="en-US" sz="1200" b="0" i="0" kern="1200" dirty="0" smtClean="0">
+                <a:solidFill>
+                  <a:schemeClr val="tx1"/>
+                </a:solidFill>
+                <a:effectLst/>
+                <a:latin typeface="+mn-lt"/>
+                <a:ea typeface="+mn-ea"/>
+                <a:cs typeface="+mn-cs"/>
+              </a:rPr>
+              <a:t> is processed, and that field holds a reference to the object." (</a:t>
+            </a:r>
+            <a:r>
+              <a:rPr lang="en-US" sz="1200" b="0" i="0" u="sng" kern="1200" dirty="0" smtClean="0">
+                <a:solidFill>
+                  <a:schemeClr val="tx1"/>
+                </a:solidFill>
+                <a:effectLst/>
+                <a:latin typeface="+mn-lt"/>
+                <a:ea typeface="+mn-ea"/>
+                <a:cs typeface="+mn-cs"/>
+                <a:hlinkClick r:id="rId3"/>
+              </a:rPr>
+              <a:t>MSDN</a:t>
+            </a:r>
+            <a:r>
+              <a:rPr lang="en-US" sz="1200" b="0" i="0" kern="1200" dirty="0" smtClean="0">
+                <a:solidFill>
+                  <a:schemeClr val="tx1"/>
+                </a:solidFill>
+                <a:effectLst/>
+                <a:latin typeface="+mn-lt"/>
+                <a:ea typeface="+mn-ea"/>
+                <a:cs typeface="+mn-cs"/>
+              </a:rPr>
+              <a:t>) So, it's a designer-generated field, which has internal access by default.</a:t>
+            </a:r>
+            <a:endParaRPr lang="ru-RU" sz="1200" b="0" i="0" kern="1200" dirty="0" smtClean="0">
+              <a:solidFill>
+                <a:schemeClr val="tx1"/>
+              </a:solidFill>
+              <a:effectLst/>
+              <a:latin typeface="+mn-lt"/>
+              <a:ea typeface="+mn-ea"/>
+              <a:cs typeface="+mn-cs"/>
+            </a:endParaRPr>
+          </a:p>
+          <a:p>
+            <a:pPr fontAlgn="base"/>
             <a:endParaRPr lang="en-US" sz="1200" b="0" i="0" kern="1200" dirty="0" smtClean="0">
               <a:solidFill>
                 <a:schemeClr val="tx1"/>
@@ -1741,151 +1623,130 @@
             </a:endParaRPr>
           </a:p>
           <a:p>
-            <a:pPr marL="0" marR="0" indent="0" algn="l" defTabSz="914400" rtl="0" eaLnBrk="1" fontAlgn="auto" latinLnBrk="0" hangingPunct="1">
-              <a:lnSpc>
-                <a:spcPct val="100000"/>
-              </a:lnSpc>
-              <a:spcBef>
-                <a:spcPts val="0"/>
-              </a:spcBef>
-              <a:spcAft>
-                <a:spcPts val="0"/>
-              </a:spcAft>
-              <a:buClrTx/>
-              <a:buSzTx/>
-              <a:buFontTx/>
-              <a:buNone/>
-              <a:tabLst/>
-              <a:defRPr/>
-            </a:pPr>
-            <a:r>
-              <a:rPr lang="en-US" dirty="0" err="1" smtClean="0"/>
-              <a:t>ICommand</a:t>
-            </a:r>
-            <a:r>
-              <a:rPr lang="en-US" dirty="0" smtClean="0"/>
-              <a:t> without </a:t>
-            </a:r>
-            <a:r>
-              <a:rPr lang="en-US" dirty="0" err="1" smtClean="0"/>
-              <a:t>WeakReference</a:t>
-            </a:r>
-            <a:r>
-              <a:rPr lang="en-US" dirty="0" smtClean="0"/>
-              <a:t> – </a:t>
-            </a:r>
-            <a:r>
-              <a:rPr lang="ru-RU" dirty="0" smtClean="0"/>
-              <a:t>будет</a:t>
-            </a:r>
-            <a:r>
-              <a:rPr lang="ru-RU" baseline="0" dirty="0" smtClean="0"/>
-              <a:t> очень плохо</a:t>
-            </a:r>
-            <a:endParaRPr lang="en-US" baseline="0" dirty="0" smtClean="0"/>
-          </a:p>
-          <a:p>
-            <a:pPr marL="0" marR="0" indent="0" algn="l" defTabSz="914400" rtl="0" eaLnBrk="1" fontAlgn="auto" latinLnBrk="0" hangingPunct="1">
-              <a:lnSpc>
-                <a:spcPct val="100000"/>
-              </a:lnSpc>
-              <a:spcBef>
-                <a:spcPts val="0"/>
-              </a:spcBef>
-              <a:spcAft>
-                <a:spcPts val="0"/>
-              </a:spcAft>
-              <a:buClrTx/>
-              <a:buSzTx/>
-              <a:buFontTx/>
-              <a:buNone/>
-              <a:tabLst/>
-              <a:defRPr/>
-            </a:pPr>
-            <a:r>
-              <a:rPr lang="en-US" dirty="0" smtClean="0"/>
-              <a:t>http://csharpindepth.com/articles/chapter2/events.aspx - </a:t>
-            </a:r>
-            <a:r>
-              <a:rPr lang="ru-RU" dirty="0" smtClean="0"/>
-              <a:t>проверить,</a:t>
-            </a:r>
-            <a:r>
-              <a:rPr lang="ru-RU" baseline="0" dirty="0" smtClean="0"/>
-              <a:t> что говорит </a:t>
-            </a:r>
-            <a:r>
-              <a:rPr lang="en-US" baseline="0" dirty="0" smtClean="0"/>
-              <a:t>Jon Skeet</a:t>
-            </a:r>
-          </a:p>
-          <a:p>
-            <a:pPr marL="0" marR="0" indent="0" algn="l" defTabSz="914400" rtl="0" eaLnBrk="1" fontAlgn="auto" latinLnBrk="0" hangingPunct="1">
-              <a:lnSpc>
-                <a:spcPct val="100000"/>
-              </a:lnSpc>
-              <a:spcBef>
-                <a:spcPts val="0"/>
-              </a:spcBef>
-              <a:spcAft>
-                <a:spcPts val="0"/>
-              </a:spcAft>
-              <a:buClrTx/>
-              <a:buSzTx/>
-              <a:buFontTx/>
-              <a:buNone/>
-              <a:tabLst/>
-              <a:defRPr/>
-            </a:pPr>
-            <a:endParaRPr lang="en-US" baseline="0" dirty="0" smtClean="0"/>
-          </a:p>
-          <a:p>
-            <a:pPr marL="0" marR="0" indent="0" algn="l" defTabSz="914400" rtl="0" eaLnBrk="1" fontAlgn="auto" latinLnBrk="0" hangingPunct="1">
-              <a:lnSpc>
-                <a:spcPct val="100000"/>
-              </a:lnSpc>
-              <a:spcBef>
-                <a:spcPts val="0"/>
-              </a:spcBef>
-              <a:spcAft>
-                <a:spcPts val="0"/>
-              </a:spcAft>
-              <a:buClrTx/>
-              <a:buSzTx/>
-              <a:buFontTx/>
-              <a:buNone/>
-              <a:tabLst/>
-              <a:defRPr/>
-            </a:pPr>
-            <a:endParaRPr lang="en-US" dirty="0" smtClean="0"/>
-          </a:p>
-          <a:p>
-            <a:pPr marL="0" marR="0" indent="0" algn="l" defTabSz="914400" rtl="0" eaLnBrk="1" fontAlgn="auto" latinLnBrk="0" hangingPunct="1">
-              <a:lnSpc>
-                <a:spcPct val="100000"/>
-              </a:lnSpc>
-              <a:spcBef>
-                <a:spcPts val="0"/>
-              </a:spcBef>
-              <a:spcAft>
-                <a:spcPts val="0"/>
-              </a:spcAft>
-              <a:buClrTx/>
-              <a:buSzTx/>
-              <a:buFontTx/>
-              <a:buNone/>
-              <a:tabLst/>
-              <a:defRPr/>
-            </a:pPr>
-            <a:endParaRPr lang="ru-RU" sz="1200" b="0" i="0" kern="1200" dirty="0" smtClean="0">
-              <a:solidFill>
-                <a:schemeClr val="tx1"/>
-              </a:solidFill>
-              <a:effectLst/>
-              <a:latin typeface="+mn-lt"/>
-              <a:ea typeface="+mn-ea"/>
-              <a:cs typeface="+mn-cs"/>
-            </a:endParaRPr>
+            <a:pPr fontAlgn="base"/>
+            <a:r>
+              <a:rPr lang="en-US" sz="1200" b="0" i="0" kern="1200" dirty="0" smtClean="0">
+                <a:solidFill>
+                  <a:schemeClr val="tx1"/>
+                </a:solidFill>
+                <a:effectLst/>
+                <a:latin typeface="+mn-lt"/>
+                <a:ea typeface="+mn-ea"/>
+                <a:cs typeface="+mn-cs"/>
+              </a:rPr>
+              <a:t>Name is the existing string property of a </a:t>
+            </a:r>
+            <a:r>
+              <a:rPr lang="en-US" sz="1200" b="0" i="0" kern="1200" dirty="0" err="1" smtClean="0">
+                <a:solidFill>
+                  <a:schemeClr val="tx1"/>
+                </a:solidFill>
+                <a:effectLst/>
+                <a:latin typeface="+mn-lt"/>
+                <a:ea typeface="+mn-ea"/>
+                <a:cs typeface="+mn-cs"/>
+              </a:rPr>
+              <a:t>FrameworkElement</a:t>
+            </a:r>
+            <a:r>
+              <a:rPr lang="en-US" sz="1200" b="0" i="0" kern="1200" dirty="0" smtClean="0">
+                <a:solidFill>
+                  <a:schemeClr val="tx1"/>
+                </a:solidFill>
+                <a:effectLst/>
+                <a:latin typeface="+mn-lt"/>
+                <a:ea typeface="+mn-ea"/>
+                <a:cs typeface="+mn-cs"/>
+              </a:rPr>
+              <a:t>, listed as any other </a:t>
+            </a:r>
+            <a:r>
+              <a:rPr lang="en-US" sz="1200" b="0" i="0" kern="1200" dirty="0" err="1" smtClean="0">
+                <a:solidFill>
+                  <a:schemeClr val="tx1"/>
+                </a:solidFill>
+                <a:effectLst/>
+                <a:latin typeface="+mn-lt"/>
+                <a:ea typeface="+mn-ea"/>
+                <a:cs typeface="+mn-cs"/>
+              </a:rPr>
+              <a:t>wpf</a:t>
+            </a:r>
+            <a:r>
+              <a:rPr lang="en-US" sz="1200" b="0" i="0" kern="1200" dirty="0" smtClean="0">
+                <a:solidFill>
+                  <a:schemeClr val="tx1"/>
+                </a:solidFill>
+                <a:effectLst/>
+                <a:latin typeface="+mn-lt"/>
+                <a:ea typeface="+mn-ea"/>
+                <a:cs typeface="+mn-cs"/>
+              </a:rPr>
+              <a:t> element property in the form of a </a:t>
+            </a:r>
+            <a:r>
+              <a:rPr lang="en-US" sz="1200" b="0" i="0" kern="1200" dirty="0" err="1" smtClean="0">
+                <a:solidFill>
+                  <a:schemeClr val="tx1"/>
+                </a:solidFill>
+                <a:effectLst/>
+                <a:latin typeface="+mn-lt"/>
+                <a:ea typeface="+mn-ea"/>
+                <a:cs typeface="+mn-cs"/>
+              </a:rPr>
+              <a:t>xaml</a:t>
+            </a:r>
+            <a:r>
+              <a:rPr lang="en-US" sz="1200" b="0" i="0" kern="1200" dirty="0" smtClean="0">
+                <a:solidFill>
+                  <a:schemeClr val="tx1"/>
+                </a:solidFill>
+                <a:effectLst/>
+                <a:latin typeface="+mn-lt"/>
+                <a:ea typeface="+mn-ea"/>
+                <a:cs typeface="+mn-cs"/>
+              </a:rPr>
+              <a:t> attribute.</a:t>
+            </a:r>
+          </a:p>
+          <a:p>
+            <a:pPr fontAlgn="base"/>
+            <a:r>
+              <a:rPr lang="en-US" sz="1200" b="0" i="0" kern="1200" dirty="0" smtClean="0">
+                <a:solidFill>
+                  <a:schemeClr val="tx1"/>
+                </a:solidFill>
+                <a:effectLst/>
+                <a:latin typeface="+mn-lt"/>
+                <a:ea typeface="+mn-ea"/>
+                <a:cs typeface="+mn-cs"/>
+              </a:rPr>
+              <a:t>As a consequence, this also means x:Name can be used on a wider range of objects. This is a technique to enable anything in </a:t>
+            </a:r>
+            <a:r>
+              <a:rPr lang="en-US" sz="1200" b="0" i="0" kern="1200" dirty="0" err="1" smtClean="0">
+                <a:solidFill>
+                  <a:schemeClr val="tx1"/>
+                </a:solidFill>
+                <a:effectLst/>
+                <a:latin typeface="+mn-lt"/>
+                <a:ea typeface="+mn-ea"/>
+                <a:cs typeface="+mn-cs"/>
+              </a:rPr>
+              <a:t>xaml</a:t>
+            </a:r>
+            <a:r>
+              <a:rPr lang="en-US" sz="1200" b="0" i="0" kern="1200" dirty="0" smtClean="0">
+                <a:solidFill>
+                  <a:schemeClr val="tx1"/>
+                </a:solidFill>
+                <a:effectLst/>
+                <a:latin typeface="+mn-lt"/>
+                <a:ea typeface="+mn-ea"/>
+                <a:cs typeface="+mn-cs"/>
+              </a:rPr>
+              <a:t> to be referenced by a given name.</a:t>
+            </a:r>
           </a:p>
           <a:p>
             <a:endParaRPr lang="ru-RU" dirty="0"/>
@@ -1909,7 +1770,7 @@
           <a:p>
             <a:fld id="{01B998F4-8103-417C-AF3C-B5E3C74782CC}" type="slidenum">
               <a:rPr lang="ru-RU" smtClean="0"/>
-              <a:t>10</a:t>
+              <a:t>9</a:t>
             </a:fld>
             <a:endParaRPr lang="ru-RU"/>
           </a:p>
@@ -1918,7 +1779,7 @@
     </p:spTree>
     <p:extLst>
       <p:ext uri="{BB962C8B-B14F-4D97-AF65-F5344CB8AC3E}">
-        <p14:creationId xmlns:p14="http://schemas.microsoft.com/office/powerpoint/2010/main" val="1809880400"/>
+        <p14:creationId xmlns:p14="http://schemas.microsoft.com/office/powerpoint/2010/main" val="4265487058"/>
       </p:ext>
     </p:extLst>
   </p:cSld>
@@ -1972,27 +1833,233 @@
           <a:bodyPr/>
           <a:lstStyle/>
           <a:p>
-            <a:r>
-              <a:rPr lang="ru-RU" dirty="0" smtClean="0"/>
-              <a:t>Подробный разбор того,</a:t>
+            <a:pPr marL="0" marR="0" indent="0" algn="l" defTabSz="914400" rtl="0" eaLnBrk="1" fontAlgn="auto" latinLnBrk="0" hangingPunct="1">
+              <a:lnSpc>
+                <a:spcPct val="100000"/>
+              </a:lnSpc>
+              <a:spcBef>
+                <a:spcPts val="0"/>
+              </a:spcBef>
+              <a:spcAft>
+                <a:spcPts val="0"/>
+              </a:spcAft>
+              <a:buClrTx/>
+              <a:buSzTx/>
+              <a:buFontTx/>
+              <a:buNone/>
+              <a:tabLst/>
+              <a:defRPr/>
+            </a:pPr>
+            <a:r>
+              <a:rPr lang="ru-RU" dirty="0" smtClean="0"/>
+              <a:t>Про</a:t>
             </a:r>
             <a:r>
               <a:rPr lang="ru-RU" baseline="0" dirty="0" smtClean="0"/>
-              <a:t> как бороться с утечками памяти при работе с событиями, тянет на отдельный доклад. Я же сосредоточусь на той части, которая явно касается </a:t>
+              <a:t> боль от отписки от событий говорил и Кирилл </a:t>
+            </a:r>
+            <a:r>
+              <a:rPr lang="ru-RU" baseline="0" dirty="0" err="1" smtClean="0"/>
+              <a:t>Маурин</a:t>
+            </a:r>
+            <a:r>
+              <a:rPr lang="ru-RU" baseline="0" dirty="0" smtClean="0"/>
+              <a:t> в своем докладе </a:t>
+            </a:r>
+            <a:r>
+              <a:rPr lang="ru-RU" sz="1200" b="0" i="0" kern="1200" dirty="0" smtClean="0">
+                <a:solidFill>
+                  <a:schemeClr val="tx1"/>
+                </a:solidFill>
+                <a:effectLst/>
+                <a:latin typeface="+mn-lt"/>
+                <a:ea typeface="+mn-ea"/>
+                <a:cs typeface="+mn-cs"/>
+              </a:rPr>
+              <a:t>«Масштабирование паттерна </a:t>
+            </a:r>
+            <a:r>
+              <a:rPr lang="ru-RU" sz="1200" b="0" i="0" kern="1200" dirty="0" err="1" smtClean="0">
+                <a:solidFill>
+                  <a:schemeClr val="tx1"/>
+                </a:solidFill>
+                <a:effectLst/>
+                <a:latin typeface="+mn-lt"/>
+                <a:ea typeface="+mn-ea"/>
+                <a:cs typeface="+mn-cs"/>
+              </a:rPr>
+              <a:t>Disposable</a:t>
+            </a:r>
+            <a:r>
+              <a:rPr lang="ru-RU" sz="1200" b="0" i="0" kern="1200" dirty="0" smtClean="0">
+                <a:solidFill>
+                  <a:schemeClr val="tx1"/>
+                </a:solidFill>
+                <a:effectLst/>
+                <a:latin typeface="+mn-lt"/>
+                <a:ea typeface="+mn-ea"/>
+                <a:cs typeface="+mn-cs"/>
+              </a:rPr>
+              <a:t> в рамках проекта» </a:t>
+            </a:r>
+            <a:endParaRPr lang="en-US" sz="1200" b="0" i="0" kern="1200" dirty="0" smtClean="0">
+              <a:solidFill>
+                <a:schemeClr val="tx1"/>
+              </a:solidFill>
+              <a:effectLst/>
+              <a:latin typeface="+mn-lt"/>
+              <a:ea typeface="+mn-ea"/>
+              <a:cs typeface="+mn-cs"/>
+            </a:endParaRPr>
+          </a:p>
+          <a:p>
+            <a:pPr marL="0" marR="0" indent="0" algn="l" defTabSz="914400" rtl="0" eaLnBrk="1" fontAlgn="auto" latinLnBrk="0" hangingPunct="1">
+              <a:lnSpc>
+                <a:spcPct val="100000"/>
+              </a:lnSpc>
+              <a:spcBef>
+                <a:spcPts val="0"/>
+              </a:spcBef>
+              <a:spcAft>
+                <a:spcPts val="0"/>
+              </a:spcAft>
+              <a:buClrTx/>
+              <a:buSzTx/>
+              <a:buFontTx/>
+              <a:buNone/>
+              <a:tabLst/>
+              <a:defRPr/>
+            </a:pPr>
+            <a:r>
+              <a:rPr lang="en-US" dirty="0" err="1" smtClean="0"/>
+              <a:t>ICommand</a:t>
+            </a:r>
+            <a:r>
+              <a:rPr lang="en-US" dirty="0" smtClean="0"/>
+              <a:t> without </a:t>
+            </a:r>
+            <a:r>
+              <a:rPr lang="en-US" dirty="0" err="1" smtClean="0"/>
+              <a:t>WeakReference</a:t>
+            </a:r>
+            <a:r>
+              <a:rPr lang="en-US" dirty="0" smtClean="0"/>
+              <a:t> – </a:t>
+            </a:r>
+            <a:r>
+              <a:rPr lang="ru-RU" dirty="0" smtClean="0"/>
+              <a:t>будет</a:t>
+            </a:r>
+            <a:r>
+              <a:rPr lang="ru-RU" baseline="0" dirty="0" smtClean="0"/>
+              <a:t> очень плохо</a:t>
+            </a:r>
+            <a:endParaRPr lang="en-US" baseline="0" dirty="0" smtClean="0"/>
+          </a:p>
+          <a:p>
+            <a:pPr marL="0" marR="0" indent="0" algn="l" defTabSz="914400" rtl="0" eaLnBrk="1" fontAlgn="auto" latinLnBrk="0" hangingPunct="1">
+              <a:lnSpc>
+                <a:spcPct val="100000"/>
+              </a:lnSpc>
+              <a:spcBef>
+                <a:spcPts val="0"/>
+              </a:spcBef>
+              <a:spcAft>
+                <a:spcPts val="0"/>
+              </a:spcAft>
+              <a:buClrTx/>
+              <a:buSzTx/>
+              <a:buFontTx/>
+              <a:buNone/>
+              <a:tabLst/>
+              <a:defRPr/>
+            </a:pPr>
+            <a:r>
+              <a:rPr lang="en-US" dirty="0" smtClean="0"/>
+              <a:t>http://csharpindepth.com/articles/chapter2/events.aspx - </a:t>
+            </a:r>
+            <a:r>
+              <a:rPr lang="ru-RU" dirty="0" smtClean="0"/>
+              <a:t>проверить,</a:t>
+            </a:r>
+            <a:r>
+              <a:rPr lang="ru-RU" baseline="0" dirty="0" smtClean="0"/>
+              <a:t> что говорит </a:t>
             </a:r>
             <a:r>
               <a:rPr lang="en-US" baseline="0" dirty="0" smtClean="0"/>
-              <a:t>WPF.</a:t>
-            </a:r>
-          </a:p>
-          <a:p>
+              <a:t>Jon Skeet</a:t>
+            </a:r>
+          </a:p>
+          <a:p>
+            <a:pPr marL="0" marR="0" indent="0" algn="l" defTabSz="914400" rtl="0" eaLnBrk="1" fontAlgn="auto" latinLnBrk="0" hangingPunct="1">
+              <a:lnSpc>
+                <a:spcPct val="100000"/>
+              </a:lnSpc>
+              <a:spcBef>
+                <a:spcPts val="0"/>
+              </a:spcBef>
+              <a:spcAft>
+                <a:spcPts val="0"/>
+              </a:spcAft>
+              <a:buClrTx/>
+              <a:buSzTx/>
+              <a:buFontTx/>
+              <a:buNone/>
+              <a:tabLst/>
+              <a:defRPr/>
+            </a:pPr>
             <a:endParaRPr lang="en-US" baseline="0" dirty="0" smtClean="0"/>
           </a:p>
           <a:p>
-            <a:r>
-              <a:rPr lang="ru-RU" baseline="0" dirty="0" smtClean="0"/>
-              <a:t>С отпиской от события есть проблема – не всегда можно явно определить момент, когда ресурс не нужен.</a:t>
-            </a:r>
+            <a:pPr marL="0" marR="0" indent="0" algn="l" defTabSz="914400" rtl="0" eaLnBrk="1" fontAlgn="auto" latinLnBrk="0" hangingPunct="1">
+              <a:lnSpc>
+                <a:spcPct val="100000"/>
+              </a:lnSpc>
+              <a:spcBef>
+                <a:spcPts val="0"/>
+              </a:spcBef>
+              <a:spcAft>
+                <a:spcPts val="0"/>
+              </a:spcAft>
+              <a:buClrTx/>
+              <a:buSzTx/>
+              <a:buFontTx/>
+              <a:buNone/>
+              <a:tabLst/>
+              <a:defRPr/>
+            </a:pPr>
+            <a:endParaRPr lang="en-US" dirty="0" smtClean="0"/>
+          </a:p>
+          <a:p>
+            <a:pPr marL="0" marR="0" indent="0" algn="l" defTabSz="914400" rtl="0" eaLnBrk="1" fontAlgn="auto" latinLnBrk="0" hangingPunct="1">
+              <a:lnSpc>
+                <a:spcPct val="100000"/>
+              </a:lnSpc>
+              <a:spcBef>
+                <a:spcPts val="0"/>
+              </a:spcBef>
+              <a:spcAft>
+                <a:spcPts val="0"/>
+              </a:spcAft>
+              <a:buClrTx/>
+              <a:buSzTx/>
+              <a:buFontTx/>
+              <a:buNone/>
+              <a:tabLst/>
+              <a:defRPr/>
+            </a:pPr>
+            <a:endParaRPr lang="ru-RU" sz="1200" b="0" i="0" kern="1200" dirty="0" smtClean="0">
+              <a:solidFill>
+                <a:schemeClr val="tx1"/>
+              </a:solidFill>
+              <a:effectLst/>
+              <a:latin typeface="+mn-lt"/>
+              <a:ea typeface="+mn-ea"/>
+              <a:cs typeface="+mn-cs"/>
+            </a:endParaRPr>
+          </a:p>
+          <a:p>
             <a:endParaRPr lang="ru-RU" dirty="0"/>
           </a:p>
         </p:txBody>
@@ -2014,7 +2081,7 @@
           <a:p>
             <a:fld id="{01B998F4-8103-417C-AF3C-B5E3C74782CC}" type="slidenum">
               <a:rPr lang="ru-RU" smtClean="0"/>
-              <a:t>11</a:t>
+              <a:t>10</a:t>
             </a:fld>
             <a:endParaRPr lang="ru-RU"/>
           </a:p>
@@ -2023,7 +2090,7 @@
     </p:spTree>
     <p:extLst>
       <p:ext uri="{BB962C8B-B14F-4D97-AF65-F5344CB8AC3E}">
-        <p14:creationId xmlns:p14="http://schemas.microsoft.com/office/powerpoint/2010/main" val="2085352155"/>
+        <p14:creationId xmlns:p14="http://schemas.microsoft.com/office/powerpoint/2010/main" val="1809880400"/>
       </p:ext>
     </p:extLst>
   </p:cSld>
@@ -2078,20 +2145,25 @@
           <a:lstStyle/>
           <a:p>
             <a:r>
-              <a:rPr lang="en-US" dirty="0" err="1" smtClean="0"/>
-              <a:t>CommandBinding</a:t>
-            </a:r>
-            <a:r>
-              <a:rPr lang="en-US" dirty="0" smtClean="0"/>
-              <a:t> – </a:t>
-            </a:r>
-            <a:r>
-              <a:rPr lang="ru-RU" dirty="0" smtClean="0"/>
-              <a:t>частный случай</a:t>
+              <a:rPr lang="ru-RU" dirty="0" smtClean="0"/>
+              <a:t>Подробный разбор того,</a:t>
             </a:r>
             <a:r>
               <a:rPr lang="ru-RU" baseline="0" dirty="0" smtClean="0"/>
-              <a:t> привязки к свойству другого класса (окна)</a:t>
+              <a:t> как бороться с утечками памяти при работе с событиями, тянет на отдельный доклад. Я же сосредоточусь на той части, которая явно касается </a:t>
+            </a:r>
+            <a:r>
+              <a:rPr lang="en-US" baseline="0" dirty="0" smtClean="0"/>
+              <a:t>WPF.</a:t>
+            </a:r>
+          </a:p>
+          <a:p>
+            <a:endParaRPr lang="en-US" baseline="0" dirty="0" smtClean="0"/>
+          </a:p>
+          <a:p>
+            <a:r>
+              <a:rPr lang="ru-RU" baseline="0" dirty="0" smtClean="0"/>
+              <a:t>С отпиской от события есть проблема – не всегда можно явно определить момент, когда ресурс не нужен.</a:t>
             </a:r>
             <a:endParaRPr lang="ru-RU" dirty="0"/>
           </a:p>
@@ -2114,7 +2186,7 @@
           <a:p>
             <a:fld id="{01B998F4-8103-417C-AF3C-B5E3C74782CC}" type="slidenum">
               <a:rPr lang="ru-RU" smtClean="0"/>
-              <a:t>13</a:t>
+              <a:t>11</a:t>
             </a:fld>
             <a:endParaRPr lang="ru-RU"/>
           </a:p>
@@ -2123,7 +2195,7 @@
     </p:spTree>
     <p:extLst>
       <p:ext uri="{BB962C8B-B14F-4D97-AF65-F5344CB8AC3E}">
-        <p14:creationId xmlns:p14="http://schemas.microsoft.com/office/powerpoint/2010/main" val="939303470"/>
+        <p14:creationId xmlns:p14="http://schemas.microsoft.com/office/powerpoint/2010/main" val="2085352155"/>
       </p:ext>
     </p:extLst>
   </p:cSld>
@@ -2177,6 +2249,22 @@
           <a:bodyPr/>
           <a:lstStyle/>
           <a:p>
+            <a:r>
+              <a:rPr lang="en-US" dirty="0" err="1" smtClean="0"/>
+              <a:t>CommandBinding</a:t>
+            </a:r>
+            <a:r>
+              <a:rPr lang="en-US" dirty="0" smtClean="0"/>
+              <a:t> – </a:t>
+            </a:r>
+            <a:r>
+              <a:rPr lang="ru-RU" dirty="0" smtClean="0"/>
+              <a:t>частный случай</a:t>
+            </a:r>
+            <a:r>
+              <a:rPr lang="ru-RU" baseline="0" dirty="0" smtClean="0"/>
+              <a:t> привязки к свойству другого класса (окна)</a:t>
+            </a:r>
             <a:endParaRPr lang="ru-RU" dirty="0"/>
           </a:p>
         </p:txBody>
@@ -2198,7 +2286,7 @@
           <a:p>
             <a:fld id="{01B998F4-8103-417C-AF3C-B5E3C74782CC}" type="slidenum">
               <a:rPr lang="ru-RU" smtClean="0"/>
-              <a:t>15</a:t>
+              <a:t>13</a:t>
             </a:fld>
             <a:endParaRPr lang="ru-RU"/>
           </a:p>
@@ -2207,7 +2295,7 @@
     </p:spTree>
     <p:extLst>
       <p:ext uri="{BB962C8B-B14F-4D97-AF65-F5344CB8AC3E}">
-        <p14:creationId xmlns:p14="http://schemas.microsoft.com/office/powerpoint/2010/main" val="4214872850"/>
+        <p14:creationId xmlns:p14="http://schemas.microsoft.com/office/powerpoint/2010/main" val="939303470"/>
       </p:ext>
     </p:extLst>
   </p:cSld>
@@ -2348,7 +2436,7 @@
           <a:p>
             <a:fld id="{AE6C4412-5328-4A60-B238-7673F4E7F8FA}" type="datetime1">
               <a:rPr lang="ru-RU" smtClean="0"/>
-              <a:t>10.12.2018</a:t>
+              <a:t>11.12.2018</a:t>
             </a:fld>
             <a:endParaRPr lang="ru-RU"/>
           </a:p>
@@ -2518,7 +2606,7 @@
           <a:p>
             <a:fld id="{5D0FC03A-A74A-4A08-84B7-F802F5A721F7}" type="datetime1">
               <a:rPr lang="ru-RU" smtClean="0"/>
-              <a:t>10.12.2018</a:t>
+              <a:t>11.12.2018</a:t>
             </a:fld>
             <a:endParaRPr lang="ru-RU"/>
           </a:p>
@@ -2698,7 +2786,7 @@
           <a:p>
             <a:fld id="{1499B3F4-D165-4990-A87C-5FC246BAC9F7}" type="datetime1">
               <a:rPr lang="ru-RU" smtClean="0"/>
-              <a:t>10.12.2018</a:t>
+              <a:t>11.12.2018</a:t>
             </a:fld>
             <a:endParaRPr lang="ru-RU"/>
           </a:p>
@@ -2868,7 +2956,7 @@
           <a:p>
             <a:fld id="{C1A3FD44-8A7F-486D-B8EA-13B1016D83BF}" type="datetime1">
               <a:rPr lang="ru-RU" smtClean="0"/>
-              <a:t>10.12.2018</a:t>
+              <a:t>11.12.2018</a:t>
             </a:fld>
             <a:endParaRPr lang="ru-RU"/>
           </a:p>
@@ -3114,7 +3202,7 @@
           <a:p>
             <a:fld id="{B971FEFC-ED50-4C04-BBDE-15C16ACF7308}" type="datetime1">
               <a:rPr lang="ru-RU" smtClean="0"/>
-              <a:t>10.12.2018</a:t>
+              <a:t>11.12.2018</a:t>
             </a:fld>
             <a:endParaRPr lang="ru-RU"/>
           </a:p>
@@ -3346,7 +3434,7 @@
           <a:p>
             <a:fld id="{BEF22659-FB18-44D2-BF07-7BF469712B3B}" type="datetime1">
               <a:rPr lang="ru-RU" smtClean="0"/>
-              <a:t>10.12.2018</a:t>
+              <a:t>11.12.2018</a:t>
             </a:fld>
             <a:endParaRPr lang="ru-RU"/>
           </a:p>
@@ -3713,7 +3801,7 @@
           <a:p>
             <a:fld id="{03910110-E1C8-429C-91B4-AB898427B913}" type="datetime1">
               <a:rPr lang="ru-RU" smtClean="0"/>
-              <a:t>10.12.2018</a:t>
+              <a:t>11.12.2018</a:t>
             </a:fld>
             <a:endParaRPr lang="ru-RU"/>
           </a:p>
@@ -3831,7 +3919,7 @@
           <a:p>
             <a:fld id="{E1C97F68-3117-4A8D-AFF3-306AF9D7829E}" type="datetime1">
               <a:rPr lang="ru-RU" smtClean="0"/>
-              <a:t>10.12.2018</a:t>
+              <a:t>11.12.2018</a:t>
             </a:fld>
             <a:endParaRPr lang="ru-RU"/>
           </a:p>
@@ -3926,7 +4014,7 @@
           <a:p>
             <a:fld id="{DBF3FFE3-77EB-4E4A-87B9-448AFDF8564D}" type="datetime1">
               <a:rPr lang="ru-RU" smtClean="0"/>
-              <a:t>10.12.2018</a:t>
+              <a:t>11.12.2018</a:t>
             </a:fld>
             <a:endParaRPr lang="ru-RU"/>
           </a:p>
@@ -4203,7 +4291,7 @@
           <a:p>
             <a:fld id="{92F2FF54-7038-45D9-AD90-3481CC163A1C}" type="datetime1">
               <a:rPr lang="ru-RU" smtClean="0"/>
-              <a:t>10.12.2018</a:t>
+              <a:t>11.12.2018</a:t>
             </a:fld>
             <a:endParaRPr lang="ru-RU"/>
           </a:p>
@@ -4456,7 +4544,7 @@
           <a:p>
             <a:fld id="{637E5B95-744C-44CB-83B3-2FA06C8C0785}" type="datetime1">
               <a:rPr lang="ru-RU" smtClean="0"/>
-              <a:t>10.12.2018</a:t>
+              <a:t>11.12.2018</a:t>
             </a:fld>
             <a:endParaRPr lang="ru-RU"/>
           </a:p>
@@ -4669,7 +4757,7 @@
           <a:p>
             <a:fld id="{E9CF887D-F3FB-4CDB-A944-6D708F6CCD29}" type="datetime1">
               <a:rPr lang="ru-RU" smtClean="0"/>
-              <a:t>10.12.2018</a:t>
+              <a:t>11.12.2018</a:t>
             </a:fld>
             <a:endParaRPr lang="ru-RU"/>
           </a:p>
@@ -5284,11 +5372,7 @@
             </a:r>
             <a:r>
               <a:rPr lang="ru-RU" dirty="0" smtClean="0"/>
-              <a:t> метод ссылается на класс, в котором </a:t>
-            </a:r>
-            <a:r>
-              <a:rPr lang="ru-RU" dirty="0" smtClean="0"/>
-              <a:t>находится</a:t>
+              <a:t> метод ссылается на класс, в котором находится</a:t>
             </a:r>
             <a:endParaRPr lang="en-US" dirty="0" smtClean="0"/>
           </a:p>
@@ -5659,11 +5743,7 @@
             </a:r>
             <a:r>
               <a:rPr lang="ru-RU" dirty="0" smtClean="0"/>
-              <a:t> </a:t>
-            </a:r>
-            <a:r>
-              <a:rPr lang="ru-RU" dirty="0" smtClean="0"/>
-              <a:t>– остановка таймера + отписка от события </a:t>
+              <a:t> – остановка таймера + отписка от события </a:t>
             </a:r>
             <a:r>
               <a:rPr lang="en-US" dirty="0" smtClean="0"/>
@@ -8229,6 +8309,12 @@
               <a:rPr lang="ru-RU" dirty="0" smtClean="0"/>
               <a:t> </a:t>
             </a:r>
+            <a:endParaRPr lang="en-US" dirty="0" smtClean="0"/>
+          </a:p>
+          <a:p>
+            <a:endParaRPr lang="en-US" dirty="0"/>
+          </a:p>
+          <a:p>
             <a:endParaRPr lang="ru-RU" dirty="0"/>
           </a:p>
         </p:txBody>
@@ -8256,6 +8342,30 @@
           </a:p>
         </p:txBody>
       </p:sp>
+      <p:pic>
+        <p:nvPicPr>
+          <p:cNvPr id="5" name="Рисунок 4"/>
+          <p:cNvPicPr>
+            <a:picLocks noChangeAspect="1"/>
+          </p:cNvPicPr>
+          <p:nvPr/>
+        </p:nvPicPr>
+        <p:blipFill>
+          <a:blip r:embed="rId2"/>
+          <a:stretch>
+            <a:fillRect/>
+          </a:stretch>
+        </p:blipFill>
+        <p:spPr>
+          <a:xfrm>
+            <a:off x="1036219" y="2719387"/>
+            <a:ext cx="6991350" cy="1419225"/>
+          </a:xfrm>
+          <a:prstGeom prst="rect">
+            <a:avLst/>
+          </a:prstGeom>
+        </p:spPr>
+      </p:pic>
     </p:spTree>
     <p:extLst>
       <p:ext uri="{BB962C8B-B14F-4D97-AF65-F5344CB8AC3E}">

--- a/Утечки памяти.pptx
+++ b/Утечки памяти.pptx
@@ -219,7 +219,7 @@
           <a:p>
             <a:fld id="{7E32760C-D076-4A5B-AE14-FF54E2D8759C}" type="datetimeFigureOut">
               <a:rPr lang="ru-RU" smtClean="0"/>
-              <a:t>11.12.2018</a:t>
+              <a:t>13.12.2018</a:t>
             </a:fld>
             <a:endParaRPr lang="ru-RU"/>
           </a:p>
@@ -2436,7 +2436,7 @@
           <a:p>
             <a:fld id="{AE6C4412-5328-4A60-B238-7673F4E7F8FA}" type="datetime1">
               <a:rPr lang="ru-RU" smtClean="0"/>
-              <a:t>11.12.2018</a:t>
+              <a:t>13.12.2018</a:t>
             </a:fld>
             <a:endParaRPr lang="ru-RU"/>
           </a:p>
@@ -2606,7 +2606,7 @@
           <a:p>
             <a:fld id="{5D0FC03A-A74A-4A08-84B7-F802F5A721F7}" type="datetime1">
               <a:rPr lang="ru-RU" smtClean="0"/>
-              <a:t>11.12.2018</a:t>
+              <a:t>13.12.2018</a:t>
             </a:fld>
             <a:endParaRPr lang="ru-RU"/>
           </a:p>
@@ -2786,7 +2786,7 @@
           <a:p>
             <a:fld id="{1499B3F4-D165-4990-A87C-5FC246BAC9F7}" type="datetime1">
               <a:rPr lang="ru-RU" smtClean="0"/>
-              <a:t>11.12.2018</a:t>
+              <a:t>13.12.2018</a:t>
             </a:fld>
             <a:endParaRPr lang="ru-RU"/>
           </a:p>
@@ -2956,7 +2956,7 @@
           <a:p>
             <a:fld id="{C1A3FD44-8A7F-486D-B8EA-13B1016D83BF}" type="datetime1">
               <a:rPr lang="ru-RU" smtClean="0"/>
-              <a:t>11.12.2018</a:t>
+              <a:t>13.12.2018</a:t>
             </a:fld>
             <a:endParaRPr lang="ru-RU"/>
           </a:p>
@@ -3202,7 +3202,7 @@
           <a:p>
             <a:fld id="{B971FEFC-ED50-4C04-BBDE-15C16ACF7308}" type="datetime1">
               <a:rPr lang="ru-RU" smtClean="0"/>
-              <a:t>11.12.2018</a:t>
+              <a:t>13.12.2018</a:t>
             </a:fld>
             <a:endParaRPr lang="ru-RU"/>
           </a:p>
@@ -3434,7 +3434,7 @@
           <a:p>
             <a:fld id="{BEF22659-FB18-44D2-BF07-7BF469712B3B}" type="datetime1">
               <a:rPr lang="ru-RU" smtClean="0"/>
-              <a:t>11.12.2018</a:t>
+              <a:t>13.12.2018</a:t>
             </a:fld>
             <a:endParaRPr lang="ru-RU"/>
           </a:p>
@@ -3801,7 +3801,7 @@
           <a:p>
             <a:fld id="{03910110-E1C8-429C-91B4-AB898427B913}" type="datetime1">
               <a:rPr lang="ru-RU" smtClean="0"/>
-              <a:t>11.12.2018</a:t>
+              <a:t>13.12.2018</a:t>
             </a:fld>
             <a:endParaRPr lang="ru-RU"/>
           </a:p>
@@ -3919,7 +3919,7 @@
           <a:p>
             <a:fld id="{E1C97F68-3117-4A8D-AFF3-306AF9D7829E}" type="datetime1">
               <a:rPr lang="ru-RU" smtClean="0"/>
-              <a:t>11.12.2018</a:t>
+              <a:t>13.12.2018</a:t>
             </a:fld>
             <a:endParaRPr lang="ru-RU"/>
           </a:p>
@@ -4014,7 +4014,7 @@
           <a:p>
             <a:fld id="{DBF3FFE3-77EB-4E4A-87B9-448AFDF8564D}" type="datetime1">
               <a:rPr lang="ru-RU" smtClean="0"/>
-              <a:t>11.12.2018</a:t>
+              <a:t>13.12.2018</a:t>
             </a:fld>
             <a:endParaRPr lang="ru-RU"/>
           </a:p>
@@ -4291,7 +4291,7 @@
           <a:p>
             <a:fld id="{92F2FF54-7038-45D9-AD90-3481CC163A1C}" type="datetime1">
               <a:rPr lang="ru-RU" smtClean="0"/>
-              <a:t>11.12.2018</a:t>
+              <a:t>13.12.2018</a:t>
             </a:fld>
             <a:endParaRPr lang="ru-RU"/>
           </a:p>
@@ -4544,7 +4544,7 @@
           <a:p>
             <a:fld id="{637E5B95-744C-44CB-83B3-2FA06C8C0785}" type="datetime1">
               <a:rPr lang="ru-RU" smtClean="0"/>
-              <a:t>11.12.2018</a:t>
+              <a:t>13.12.2018</a:t>
             </a:fld>
             <a:endParaRPr lang="ru-RU"/>
           </a:p>
@@ -4757,7 +4757,7 @@
           <a:p>
             <a:fld id="{E9CF887D-F3FB-4CDB-A944-6D708F6CCD29}" type="datetime1">
               <a:rPr lang="ru-RU" smtClean="0"/>
-              <a:t>11.12.2018</a:t>
+              <a:t>13.12.2018</a:t>
             </a:fld>
             <a:endParaRPr lang="ru-RU"/>
           </a:p>
@@ -6819,10 +6819,10 @@
           <a:lstStyle/>
           <a:p>
             <a:r>
-              <a:rPr lang="en-US" dirty="0" smtClean="0"/>
+              <a:rPr lang="en-US" b="1" dirty="0" smtClean="0"/>
               <a:t>Third-party libraries</a:t>
             </a:r>
-            <a:endParaRPr lang="ru-RU" dirty="0"/>
+            <a:endParaRPr lang="ru-RU" b="1" dirty="0"/>
           </a:p>
         </p:txBody>
       </p:sp>
@@ -7032,7 +7032,7 @@
               </a:lnSpc>
             </a:pPr>
             <a:r>
-              <a:rPr lang="en-US" b="1" dirty="0" err="1" smtClean="0"/>
+              <a:rPr lang="en-US" dirty="0" err="1" smtClean="0"/>
               <a:t>IDisposable</a:t>
             </a:r>
             <a:r>
@@ -7052,18 +7052,11 @@
             </a:pPr>
             <a:r>
               <a:rPr lang="ru-RU" dirty="0" smtClean="0"/>
-              <a:t>Грамотная архитектура</a:t>
-            </a:r>
-          </a:p>
-          <a:p>
-            <a:pPr>
-              <a:lnSpc>
-                <a:spcPct val="150000"/>
-              </a:lnSpc>
-            </a:pPr>
-            <a:r>
-              <a:rPr lang="ru-RU" dirty="0" smtClean="0"/>
-              <a:t>Слабая связанность</a:t>
+              <a:t>Грамотная </a:t>
+            </a:r>
+            <a:r>
+              <a:rPr lang="ru-RU" dirty="0" smtClean="0"/>
+              <a:t>архитектура</a:t>
             </a:r>
             <a:r>
               <a:rPr lang="en-US" dirty="0" smtClean="0"/>
@@ -7071,8 +7064,9 @@
             </a:r>
             <a:r>
               <a:rPr lang="ru-RU" dirty="0" smtClean="0"/>
-              <a:t>для событий и их обработчиков</a:t>
-            </a:r>
+              <a:t>спасает от большинства проблем</a:t>
+            </a:r>
+            <a:endParaRPr lang="ru-RU" dirty="0" smtClean="0"/>
           </a:p>
           <a:p>
             <a:pPr>
@@ -7081,14 +7075,21 @@
               </a:lnSpc>
             </a:pPr>
             <a:r>
+              <a:rPr lang="ru-RU" dirty="0" smtClean="0"/>
+              <a:t>Слабая связанность</a:t>
+            </a:r>
+            <a:r>
               <a:rPr lang="en-US" dirty="0" smtClean="0"/>
-              <a:t>Single Responsibility</a:t>
-            </a:r>
-            <a:r>
-              <a:rPr lang="ru-RU" dirty="0" smtClean="0"/>
               <a:t> </a:t>
             </a:r>
-            <a:endParaRPr lang="en-US" dirty="0" smtClean="0"/>
+            <a:r>
+              <a:rPr lang="ru-RU" dirty="0" smtClean="0"/>
+              <a:t>для событий и их </a:t>
+            </a:r>
+            <a:r>
+              <a:rPr lang="ru-RU" dirty="0" smtClean="0"/>
+              <a:t>обработчиков</a:t>
+            </a:r>
           </a:p>
         </p:txBody>
       </p:sp>
@@ -7168,10 +7169,10 @@
           <a:lstStyle/>
           <a:p>
             <a:r>
-              <a:rPr lang="ru-RU" dirty="0" smtClean="0"/>
+              <a:rPr lang="ru-RU" b="1" dirty="0" smtClean="0"/>
               <a:t>План</a:t>
             </a:r>
-            <a:endParaRPr lang="ru-RU" dirty="0"/>
+            <a:endParaRPr lang="ru-RU" b="1" dirty="0"/>
           </a:p>
         </p:txBody>
       </p:sp>
@@ -7691,23 +7692,25 @@
           <a:bodyPr/>
           <a:lstStyle/>
           <a:p>
-            <a:endParaRPr lang="en-US" dirty="0" smtClean="0">
-              <a:hlinkClick r:id="rId2"/>
-            </a:endParaRPr>
-          </a:p>
-          <a:p>
+            <a:pPr>
+              <a:lnSpc>
+                <a:spcPct val="150000"/>
+              </a:lnSpc>
+            </a:pPr>
             <a:r>
               <a:rPr lang="en-US" dirty="0" smtClean="0">
                 <a:hlinkClick r:id="rId2"/>
               </a:rPr>
               <a:t>makarovevgeniy7@gmail.com</a:t>
             </a:r>
-            <a:endParaRPr lang="en-US" dirty="0" smtClean="0"/>
-          </a:p>
-          <a:p>
             <a:endParaRPr lang="en-US" dirty="0"/>
           </a:p>
           <a:p>
+            <a:pPr>
+              <a:lnSpc>
+                <a:spcPct val="150000"/>
+              </a:lnSpc>
+            </a:pPr>
             <a:r>
               <a:rPr lang="en-US" dirty="0" smtClean="0"/>
               <a:t>@</a:t>
@@ -7719,6 +7722,34 @@
             <a:r>
               <a:rPr lang="en-US" dirty="0" smtClean="0"/>
               <a:t> </a:t>
+            </a:r>
+            <a:endParaRPr lang="ru-RU" dirty="0" smtClean="0"/>
+          </a:p>
+          <a:p>
+            <a:pPr>
+              <a:lnSpc>
+                <a:spcPct val="150000"/>
+              </a:lnSpc>
+            </a:pPr>
+            <a:r>
+              <a:rPr lang="ru-RU" dirty="0" err="1" smtClean="0"/>
+              <a:t>Демо</a:t>
+            </a:r>
+            <a:r>
+              <a:rPr lang="ru-RU" dirty="0" smtClean="0"/>
+              <a:t> на </a:t>
+            </a:r>
+            <a:r>
+              <a:rPr lang="en-US" dirty="0" err="1" smtClean="0"/>
+              <a:t>github</a:t>
+            </a:r>
+            <a:r>
+              <a:rPr lang="en-US" dirty="0" smtClean="0"/>
+              <a:t> -</a:t>
+            </a:r>
+            <a:r>
+              <a:rPr lang="en-US" dirty="0"/>
+              <a:t>&gt;</a:t>
             </a:r>
             <a:endParaRPr lang="ru-RU" dirty="0"/>
           </a:p>
@@ -7748,7 +7779,7 @@
         </p:blipFill>
         <p:spPr bwMode="auto">
           <a:xfrm>
-            <a:off x="3061008" y="3261186"/>
+            <a:off x="3080673" y="2622089"/>
             <a:ext cx="631006" cy="631006"/>
           </a:xfrm>
           <a:prstGeom prst="rect">

--- a/Утечки памяти.pptx
+++ b/Утечки памяти.pptx
@@ -5,7 +5,7 @@
     <p:sldMasterId id="2147483648" r:id="rId1"/>
   </p:sldMasterIdLst>
   <p:notesMasterIdLst>
-    <p:notesMasterId r:id="rId25"/>
+    <p:notesMasterId r:id="rId24"/>
   </p:notesMasterIdLst>
   <p:sldIdLst>
     <p:sldId id="256" r:id="rId2"/>
@@ -27,10 +27,9 @@
     <p:sldId id="281" r:id="rId18"/>
     <p:sldId id="287" r:id="rId19"/>
     <p:sldId id="272" r:id="rId20"/>
-    <p:sldId id="274" r:id="rId21"/>
-    <p:sldId id="276" r:id="rId22"/>
-    <p:sldId id="277" r:id="rId23"/>
-    <p:sldId id="278" r:id="rId24"/>
+    <p:sldId id="276" r:id="rId21"/>
+    <p:sldId id="277" r:id="rId22"/>
+    <p:sldId id="278" r:id="rId23"/>
   </p:sldIdLst>
   <p:sldSz cx="12192000" cy="6858000"/>
   <p:notesSz cx="6858000" cy="9144000"/>
@@ -5762,10 +5761,25 @@
               <a:t> </a:t>
             </a:r>
             <a:r>
-              <a:rPr lang="en-US" dirty="0"/>
+              <a:rPr lang="en-US" dirty="0" smtClean="0"/>
               <a:t>pattern</a:t>
             </a:r>
-            <a:endParaRPr lang="ru-RU" dirty="0"/>
+          </a:p>
+          <a:p>
+            <a:pPr>
+              <a:lnSpc>
+                <a:spcPct val="150000"/>
+              </a:lnSpc>
+            </a:pPr>
+            <a:r>
+              <a:rPr lang="ru-RU" dirty="0" smtClean="0"/>
+              <a:t>Второй вариант – другой таймер + </a:t>
+            </a:r>
+            <a:r>
+              <a:rPr lang="en-US" b="1" dirty="0" err="1" smtClean="0"/>
+              <a:t>Dispatcher.BeginInvoke</a:t>
+            </a:r>
+            <a:endParaRPr lang="ru-RU" b="1" dirty="0"/>
           </a:p>
           <a:p>
             <a:pPr marL="0" indent="0">
@@ -6374,8 +6388,13 @@
             </a:r>
             <a:r>
               <a:rPr lang="en-US" dirty="0" smtClean="0"/>
-              <a:t>!</a:t>
-            </a:r>
+              <a:t>! (</a:t>
+            </a:r>
+            <a:r>
+              <a:rPr lang="ru-RU" dirty="0" smtClean="0"/>
+              <a:t>Иногда)</a:t>
+            </a:r>
+            <a:endParaRPr lang="en-US" dirty="0" smtClean="0"/>
           </a:p>
         </p:txBody>
       </p:sp>
@@ -7052,11 +7071,7 @@
             </a:pPr>
             <a:r>
               <a:rPr lang="ru-RU" dirty="0" smtClean="0"/>
-              <a:t>Грамотная </a:t>
-            </a:r>
-            <a:r>
-              <a:rPr lang="ru-RU" dirty="0" smtClean="0"/>
-              <a:t>архитектура</a:t>
+              <a:t>Грамотная архитектура</a:t>
             </a:r>
             <a:r>
               <a:rPr lang="en-US" dirty="0" smtClean="0"/>
@@ -7066,7 +7081,6 @@
               <a:rPr lang="ru-RU" dirty="0" smtClean="0"/>
               <a:t>спасает от большинства проблем</a:t>
             </a:r>
-            <a:endParaRPr lang="ru-RU" dirty="0" smtClean="0"/>
           </a:p>
           <a:p>
             <a:pPr>
@@ -7084,11 +7098,7 @@
             </a:r>
             <a:r>
               <a:rPr lang="ru-RU" dirty="0" smtClean="0"/>
-              <a:t>для событий и их </a:t>
-            </a:r>
-            <a:r>
-              <a:rPr lang="ru-RU" dirty="0" smtClean="0"/>
-              <a:t>обработчиков</a:t>
+              <a:t>для событий и их обработчиков</a:t>
             </a:r>
           </a:p>
         </p:txBody>
@@ -7332,167 +7342,476 @@
           <a:lstStyle/>
           <a:p>
             <a:r>
-              <a:rPr lang="ru-RU" b="1" dirty="0" smtClean="0"/>
+              <a:rPr lang="ru-RU" b="1" dirty="0"/>
               <a:t>Чем искать утечки памяти в </a:t>
             </a:r>
             <a:r>
-              <a:rPr lang="en-US" b="1" dirty="0" smtClean="0"/>
+              <a:rPr lang="en-US" b="1" dirty="0"/>
               <a:t>WPF?</a:t>
             </a:r>
             <a:endParaRPr lang="ru-RU" b="1" dirty="0"/>
           </a:p>
         </p:txBody>
       </p:sp>
-      <p:sp>
-        <p:nvSpPr>
-          <p:cNvPr id="3" name="Объект 2"/>
-          <p:cNvSpPr>
-            <a:spLocks noGrp="1"/>
-          </p:cNvSpPr>
+      <p:graphicFrame>
+        <p:nvGraphicFramePr>
+          <p:cNvPr id="7" name="Объект 6"/>
+          <p:cNvGraphicFramePr>
+            <a:graphicFrameLocks noGrp="1"/>
+          </p:cNvGraphicFramePr>
           <p:nvPr>
             <p:ph idx="1"/>
-          </p:nvPr>
-        </p:nvSpPr>
-        <p:spPr/>
-        <p:txBody>
-          <a:bodyPr>
-            <a:normAutofit fontScale="85000" lnSpcReduction="20000"/>
-          </a:bodyPr>
-          <a:lstStyle/>
-          <a:p>
-            <a:pPr>
-              <a:lnSpc>
-                <a:spcPct val="150000"/>
-              </a:lnSpc>
-            </a:pPr>
-            <a:r>
-              <a:rPr lang="en-US" dirty="0" smtClean="0"/>
-              <a:t>Visual Studio profiler</a:t>
-            </a:r>
-          </a:p>
-          <a:p>
-            <a:pPr>
-              <a:lnSpc>
-                <a:spcPct val="150000"/>
-              </a:lnSpc>
-            </a:pPr>
-            <a:r>
-              <a:rPr lang="en-US" dirty="0" err="1" smtClean="0"/>
-              <a:t>dotMemory</a:t>
-            </a:r>
-            <a:endParaRPr lang="en-US" dirty="0" smtClean="0"/>
-          </a:p>
-          <a:p>
-            <a:pPr>
-              <a:lnSpc>
-                <a:spcPct val="150000"/>
-              </a:lnSpc>
-            </a:pPr>
-            <a:r>
-              <a:rPr lang="en-US" dirty="0" err="1" smtClean="0"/>
-              <a:t>dot</a:t>
-            </a:r>
-            <a:r>
-              <a:rPr lang="en-US" dirty="0" err="1"/>
-              <a:t>N</a:t>
-            </a:r>
-            <a:r>
-              <a:rPr lang="en-US" dirty="0" err="1" smtClean="0"/>
-              <a:t>et</a:t>
-            </a:r>
-            <a:r>
-              <a:rPr lang="en-US" dirty="0" smtClean="0"/>
-              <a:t> Memory Profiler</a:t>
-            </a:r>
-          </a:p>
-          <a:p>
-            <a:pPr>
-              <a:lnSpc>
-                <a:spcPct val="150000"/>
-              </a:lnSpc>
-            </a:pPr>
-            <a:r>
-              <a:rPr lang="en-US" dirty="0" smtClean="0"/>
-              <a:t>ANTS Performance profiler</a:t>
-            </a:r>
-          </a:p>
-          <a:p>
-            <a:pPr>
-              <a:lnSpc>
-                <a:spcPct val="150000"/>
-              </a:lnSpc>
-            </a:pPr>
-            <a:r>
-              <a:rPr lang="en-US" dirty="0" err="1" smtClean="0"/>
-              <a:t>JustTrace</a:t>
-            </a:r>
-            <a:endParaRPr lang="en-US" dirty="0" smtClean="0"/>
-          </a:p>
-          <a:p>
-            <a:pPr>
-              <a:lnSpc>
-                <a:spcPct val="150000"/>
-              </a:lnSpc>
-            </a:pPr>
-            <a:r>
-              <a:rPr lang="en-US" dirty="0" smtClean="0"/>
-              <a:t>EQATEC profiler</a:t>
-            </a:r>
-          </a:p>
-          <a:p>
-            <a:pPr>
-              <a:lnSpc>
-                <a:spcPct val="150000"/>
-              </a:lnSpc>
-            </a:pPr>
-            <a:r>
-              <a:rPr lang="en-US" smtClean="0"/>
-              <a:t>WinDbg</a:t>
-            </a:r>
-            <a:endParaRPr lang="en-US" dirty="0" smtClean="0"/>
-          </a:p>
-        </p:txBody>
-      </p:sp>
-      <p:sp>
-        <p:nvSpPr>
-          <p:cNvPr id="4" name="Номер слайда 3"/>
-          <p:cNvSpPr>
-            <a:spLocks noGrp="1"/>
-          </p:cNvSpPr>
-          <p:nvPr>
-            <p:ph type="sldNum" sz="quarter" idx="12"/>
-          </p:nvPr>
-        </p:nvSpPr>
-        <p:spPr/>
-        <p:txBody>
-          <a:bodyPr/>
-          <a:lstStyle/>
-          <a:p>
-            <a:fld id="{4341117B-7091-4FB7-97F8-A6CA9A2FE1D4}" type="slidenum">
-              <a:rPr lang="ru-RU" smtClean="0"/>
-              <a:t>20</a:t>
-            </a:fld>
-            <a:endParaRPr lang="ru-RU"/>
-          </a:p>
-        </p:txBody>
-      </p:sp>
+            <p:extLst>
+              <p:ext uri="{D42A27DB-BD31-4B8C-83A1-F6EECF244321}">
+                <p14:modId xmlns:p14="http://schemas.microsoft.com/office/powerpoint/2010/main" val="1421623452"/>
+              </p:ext>
+            </p:extLst>
+          </p:nvPr>
+        </p:nvGraphicFramePr>
+        <p:xfrm>
+          <a:off x="838200" y="1825625"/>
+          <a:ext cx="10515600" cy="4020820"/>
+        </p:xfrm>
+        <a:graphic>
+          <a:graphicData uri="http://schemas.openxmlformats.org/drawingml/2006/table">
+            <a:tbl>
+              <a:tblPr firstRow="1" bandRow="1">
+                <a:tableStyleId>{5C22544A-7EE6-4342-B048-85BDC9FD1C3A}</a:tableStyleId>
+              </a:tblPr>
+              <a:tblGrid>
+                <a:gridCol w="3505200">
+                  <a:extLst>
+                    <a:ext uri="{9D8B030D-6E8A-4147-A177-3AD203B41FA5}">
+                      <a16:colId xmlns:a16="http://schemas.microsoft.com/office/drawing/2014/main" val="2591609695"/>
+                    </a:ext>
+                  </a:extLst>
+                </a:gridCol>
+                <a:gridCol w="3505200">
+                  <a:extLst>
+                    <a:ext uri="{9D8B030D-6E8A-4147-A177-3AD203B41FA5}">
+                      <a16:colId xmlns:a16="http://schemas.microsoft.com/office/drawing/2014/main" val="2985365013"/>
+                    </a:ext>
+                  </a:extLst>
+                </a:gridCol>
+                <a:gridCol w="3505200">
+                  <a:extLst>
+                    <a:ext uri="{9D8B030D-6E8A-4147-A177-3AD203B41FA5}">
+                      <a16:colId xmlns:a16="http://schemas.microsoft.com/office/drawing/2014/main" val="1686258407"/>
+                    </a:ext>
+                  </a:extLst>
+                </a:gridCol>
+              </a:tblGrid>
+              <a:tr h="370840">
+                <a:tc>
+                  <a:txBody>
+                    <a:bodyPr/>
+                    <a:lstStyle/>
+                    <a:p>
+                      <a:pPr algn="ctr"/>
+                      <a:endParaRPr lang="ru-RU" dirty="0"/>
+                    </a:p>
+                  </a:txBody>
+                  <a:tcPr/>
+                </a:tc>
+                <a:tc>
+                  <a:txBody>
+                    <a:bodyPr/>
+                    <a:lstStyle/>
+                    <a:p>
+                      <a:pPr algn="ctr"/>
+                      <a:r>
+                        <a:rPr lang="ru-RU" dirty="0" smtClean="0"/>
+                        <a:t>Цена</a:t>
+                      </a:r>
+                      <a:endParaRPr lang="ru-RU" dirty="0"/>
+                    </a:p>
+                  </a:txBody>
+                  <a:tcPr/>
+                </a:tc>
+                <a:tc>
+                  <a:txBody>
+                    <a:bodyPr/>
+                    <a:lstStyle/>
+                    <a:p>
+                      <a:pPr algn="ctr"/>
+                      <a:r>
+                        <a:rPr lang="ru-RU" dirty="0" smtClean="0"/>
+                        <a:t>Удобство</a:t>
+                      </a:r>
+                      <a:endParaRPr lang="ru-RU" dirty="0"/>
+                    </a:p>
+                  </a:txBody>
+                  <a:tcPr/>
+                </a:tc>
+                <a:extLst>
+                  <a:ext uri="{0D108BD9-81ED-4DB2-BD59-A6C34878D82A}">
+                    <a16:rowId xmlns:a16="http://schemas.microsoft.com/office/drawing/2014/main" val="2216188838"/>
+                  </a:ext>
+                </a:extLst>
+              </a:tr>
+              <a:tr h="370840">
+                <a:tc>
+                  <a:txBody>
+                    <a:bodyPr/>
+                    <a:lstStyle/>
+                    <a:p>
+                      <a:pPr marL="0" marR="0" indent="0" algn="ctr" defTabSz="914400" rtl="0" eaLnBrk="1" fontAlgn="auto" latinLnBrk="0" hangingPunct="1">
+                        <a:lnSpc>
+                          <a:spcPct val="250000"/>
+                        </a:lnSpc>
+                        <a:spcBef>
+                          <a:spcPts val="0"/>
+                        </a:spcBef>
+                        <a:spcAft>
+                          <a:spcPts val="0"/>
+                        </a:spcAft>
+                        <a:buClrTx/>
+                        <a:buSzTx/>
+                        <a:buFontTx/>
+                        <a:buNone/>
+                        <a:tabLst/>
+                        <a:defRPr/>
+                      </a:pPr>
+                      <a:r>
+                        <a:rPr lang="en-US" sz="2000" b="1" dirty="0" smtClean="0"/>
+                        <a:t>Visual Studio profiler</a:t>
+                      </a:r>
+                    </a:p>
+                  </a:txBody>
+                  <a:tcPr/>
+                </a:tc>
+                <a:tc>
+                  <a:txBody>
+                    <a:bodyPr/>
+                    <a:lstStyle/>
+                    <a:p>
+                      <a:pPr algn="ctr">
+                        <a:lnSpc>
+                          <a:spcPct val="200000"/>
+                        </a:lnSpc>
+                      </a:pPr>
+                      <a:r>
+                        <a:rPr lang="en-US" b="1" dirty="0" smtClean="0"/>
+                        <a:t>Free</a:t>
+                      </a:r>
+                      <a:endParaRPr lang="ru-RU" b="1" dirty="0"/>
+                    </a:p>
+                  </a:txBody>
+                  <a:tcPr/>
+                </a:tc>
+                <a:tc>
+                  <a:txBody>
+                    <a:bodyPr/>
+                    <a:lstStyle/>
+                    <a:p>
+                      <a:pPr algn="ctr">
+                        <a:lnSpc>
+                          <a:spcPct val="200000"/>
+                        </a:lnSpc>
+                      </a:pPr>
+                      <a:r>
+                        <a:rPr lang="en-US" b="1" dirty="0" smtClean="0"/>
+                        <a:t>-</a:t>
+                      </a:r>
+                      <a:endParaRPr lang="ru-RU" b="1" dirty="0"/>
+                    </a:p>
+                  </a:txBody>
+                  <a:tcPr/>
+                </a:tc>
+                <a:extLst>
+                  <a:ext uri="{0D108BD9-81ED-4DB2-BD59-A6C34878D82A}">
+                    <a16:rowId xmlns:a16="http://schemas.microsoft.com/office/drawing/2014/main" val="1078923261"/>
+                  </a:ext>
+                </a:extLst>
+              </a:tr>
+              <a:tr h="370840">
+                <a:tc>
+                  <a:txBody>
+                    <a:bodyPr/>
+                    <a:lstStyle/>
+                    <a:p>
+                      <a:pPr marL="0" marR="0" indent="0" algn="ctr" defTabSz="914400" rtl="0" eaLnBrk="1" fontAlgn="auto" latinLnBrk="0" hangingPunct="1">
+                        <a:lnSpc>
+                          <a:spcPct val="250000"/>
+                        </a:lnSpc>
+                        <a:spcBef>
+                          <a:spcPts val="0"/>
+                        </a:spcBef>
+                        <a:spcAft>
+                          <a:spcPts val="0"/>
+                        </a:spcAft>
+                        <a:buClrTx/>
+                        <a:buSzTx/>
+                        <a:buFontTx/>
+                        <a:buNone/>
+                        <a:tabLst/>
+                        <a:defRPr/>
+                      </a:pPr>
+                      <a:r>
+                        <a:rPr lang="en-US" sz="2000" b="1" dirty="0" err="1" smtClean="0"/>
+                        <a:t>dotMemory</a:t>
+                      </a:r>
+                      <a:endParaRPr lang="en-US" sz="2000" b="1" dirty="0" smtClean="0"/>
+                    </a:p>
+                  </a:txBody>
+                  <a:tcPr/>
+                </a:tc>
+                <a:tc>
+                  <a:txBody>
+                    <a:bodyPr/>
+                    <a:lstStyle/>
+                    <a:p>
+                      <a:pPr algn="ctr"/>
+                      <a:r>
+                        <a:rPr lang="en-US" b="1" dirty="0" smtClean="0"/>
+                        <a:t>299$</a:t>
+                      </a:r>
+                      <a:endParaRPr lang="ru-RU" b="1" dirty="0"/>
+                    </a:p>
+                  </a:txBody>
+                  <a:tcPr/>
+                </a:tc>
+                <a:tc>
+                  <a:txBody>
+                    <a:bodyPr/>
+                    <a:lstStyle/>
+                    <a:p>
+                      <a:pPr algn="ctr"/>
+                      <a:r>
+                        <a:rPr lang="en-US" b="1" dirty="0" smtClean="0"/>
+                        <a:t>+</a:t>
+                      </a:r>
+                      <a:endParaRPr lang="ru-RU" b="1" dirty="0"/>
+                    </a:p>
+                  </a:txBody>
+                  <a:tcPr/>
+                </a:tc>
+                <a:extLst>
+                  <a:ext uri="{0D108BD9-81ED-4DB2-BD59-A6C34878D82A}">
+                    <a16:rowId xmlns:a16="http://schemas.microsoft.com/office/drawing/2014/main" val="2267136954"/>
+                  </a:ext>
+                </a:extLst>
+              </a:tr>
+              <a:tr h="370840">
+                <a:tc>
+                  <a:txBody>
+                    <a:bodyPr/>
+                    <a:lstStyle/>
+                    <a:p>
+                      <a:pPr marL="0" marR="0" indent="0" algn="ctr" defTabSz="914400" rtl="0" eaLnBrk="1" fontAlgn="auto" latinLnBrk="0" hangingPunct="1">
+                        <a:lnSpc>
+                          <a:spcPct val="250000"/>
+                        </a:lnSpc>
+                        <a:spcBef>
+                          <a:spcPts val="0"/>
+                        </a:spcBef>
+                        <a:spcAft>
+                          <a:spcPts val="0"/>
+                        </a:spcAft>
+                        <a:buClrTx/>
+                        <a:buSzTx/>
+                        <a:buFontTx/>
+                        <a:buNone/>
+                        <a:tabLst/>
+                        <a:defRPr/>
+                      </a:pPr>
+                      <a:r>
+                        <a:rPr lang="en-US" sz="2000" b="1" dirty="0" err="1" smtClean="0"/>
+                        <a:t>dotNet</a:t>
+                      </a:r>
+                      <a:r>
+                        <a:rPr lang="en-US" sz="2000" b="1" dirty="0" smtClean="0"/>
+                        <a:t> Memory Profiler</a:t>
+                      </a:r>
+                    </a:p>
+                  </a:txBody>
+                  <a:tcPr/>
+                </a:tc>
+                <a:tc>
+                  <a:txBody>
+                    <a:bodyPr/>
+                    <a:lstStyle/>
+                    <a:p>
+                      <a:pPr algn="ctr"/>
+                      <a:r>
+                        <a:rPr lang="en-US" b="1" dirty="0" smtClean="0"/>
+                        <a:t>389-549$</a:t>
+                      </a:r>
+                      <a:endParaRPr lang="ru-RU" b="1" dirty="0"/>
+                    </a:p>
+                  </a:txBody>
+                  <a:tcPr/>
+                </a:tc>
+                <a:tc>
+                  <a:txBody>
+                    <a:bodyPr/>
+                    <a:lstStyle/>
+                    <a:p>
+                      <a:pPr algn="ctr"/>
+                      <a:r>
+                        <a:rPr lang="en-US" b="1" dirty="0" smtClean="0"/>
+                        <a:t>+</a:t>
+                      </a:r>
+                      <a:endParaRPr lang="ru-RU" b="1" dirty="0"/>
+                    </a:p>
+                  </a:txBody>
+                  <a:tcPr/>
+                </a:tc>
+                <a:extLst>
+                  <a:ext uri="{0D108BD9-81ED-4DB2-BD59-A6C34878D82A}">
+                    <a16:rowId xmlns:a16="http://schemas.microsoft.com/office/drawing/2014/main" val="2606297818"/>
+                  </a:ext>
+                </a:extLst>
+              </a:tr>
+              <a:tr h="370840">
+                <a:tc>
+                  <a:txBody>
+                    <a:bodyPr/>
+                    <a:lstStyle/>
+                    <a:p>
+                      <a:pPr marL="0" marR="0" indent="0" algn="ctr" defTabSz="914400" rtl="0" eaLnBrk="1" fontAlgn="auto" latinLnBrk="0" hangingPunct="1">
+                        <a:lnSpc>
+                          <a:spcPct val="250000"/>
+                        </a:lnSpc>
+                        <a:spcBef>
+                          <a:spcPts val="0"/>
+                        </a:spcBef>
+                        <a:spcAft>
+                          <a:spcPts val="0"/>
+                        </a:spcAft>
+                        <a:buClrTx/>
+                        <a:buSzTx/>
+                        <a:buFontTx/>
+                        <a:buNone/>
+                        <a:tabLst/>
+                        <a:defRPr/>
+                      </a:pPr>
+                      <a:r>
+                        <a:rPr lang="en-US" sz="2000" b="1" dirty="0" smtClean="0"/>
+                        <a:t>ANTS Memory profiler</a:t>
+                      </a:r>
+                    </a:p>
+                  </a:txBody>
+                  <a:tcPr/>
+                </a:tc>
+                <a:tc>
+                  <a:txBody>
+                    <a:bodyPr/>
+                    <a:lstStyle/>
+                    <a:p>
+                      <a:pPr algn="ctr"/>
+                      <a:r>
+                        <a:rPr lang="en-US" b="1" dirty="0" smtClean="0"/>
+                        <a:t>612$</a:t>
+                      </a:r>
+                      <a:endParaRPr lang="ru-RU" b="1" dirty="0"/>
+                    </a:p>
+                  </a:txBody>
+                  <a:tcPr/>
+                </a:tc>
+                <a:tc>
+                  <a:txBody>
+                    <a:bodyPr/>
+                    <a:lstStyle/>
+                    <a:p>
+                      <a:pPr algn="ctr"/>
+                      <a:r>
+                        <a:rPr lang="en-US" b="1" dirty="0" smtClean="0"/>
+                        <a:t>+</a:t>
+                      </a:r>
+                      <a:endParaRPr lang="ru-RU" b="1" dirty="0"/>
+                    </a:p>
+                  </a:txBody>
+                  <a:tcPr/>
+                </a:tc>
+                <a:extLst>
+                  <a:ext uri="{0D108BD9-81ED-4DB2-BD59-A6C34878D82A}">
+                    <a16:rowId xmlns:a16="http://schemas.microsoft.com/office/drawing/2014/main" val="3178947447"/>
+                  </a:ext>
+                </a:extLst>
+              </a:tr>
+              <a:tr h="370840">
+                <a:tc>
+                  <a:txBody>
+                    <a:bodyPr/>
+                    <a:lstStyle/>
+                    <a:p>
+                      <a:pPr marL="0" marR="0" indent="0" algn="ctr" defTabSz="914400" rtl="0" eaLnBrk="1" fontAlgn="auto" latinLnBrk="0" hangingPunct="1">
+                        <a:lnSpc>
+                          <a:spcPct val="250000"/>
+                        </a:lnSpc>
+                        <a:spcBef>
+                          <a:spcPts val="0"/>
+                        </a:spcBef>
+                        <a:spcAft>
+                          <a:spcPts val="0"/>
+                        </a:spcAft>
+                        <a:buClrTx/>
+                        <a:buSzTx/>
+                        <a:buFontTx/>
+                        <a:buNone/>
+                        <a:tabLst/>
+                        <a:defRPr/>
+                      </a:pPr>
+                      <a:r>
+                        <a:rPr lang="en-US" sz="2000" b="1" dirty="0" err="1" smtClean="0"/>
+                        <a:t>JustTrace</a:t>
+                      </a:r>
+                      <a:endParaRPr lang="en-US" sz="2000" b="1" dirty="0" smtClean="0"/>
+                    </a:p>
+                  </a:txBody>
+                  <a:tcPr/>
+                </a:tc>
+                <a:tc>
+                  <a:txBody>
+                    <a:bodyPr/>
+                    <a:lstStyle/>
+                    <a:p>
+                      <a:pPr algn="ctr"/>
+                      <a:r>
+                        <a:rPr lang="en-US" b="1" dirty="0" smtClean="0"/>
+                        <a:t>399$</a:t>
+                      </a:r>
+                      <a:endParaRPr lang="ru-RU" b="1" dirty="0"/>
+                    </a:p>
+                  </a:txBody>
+                  <a:tcPr/>
+                </a:tc>
+                <a:tc>
+                  <a:txBody>
+                    <a:bodyPr/>
+                    <a:lstStyle/>
+                    <a:p>
+                      <a:pPr algn="ctr"/>
+                      <a:r>
+                        <a:rPr lang="en-US" b="1" dirty="0" smtClean="0"/>
+                        <a:t>+</a:t>
+                      </a:r>
+                      <a:endParaRPr lang="ru-RU" b="1" dirty="0"/>
+                    </a:p>
+                  </a:txBody>
+                  <a:tcPr/>
+                </a:tc>
+                <a:extLst>
+                  <a:ext uri="{0D108BD9-81ED-4DB2-BD59-A6C34878D82A}">
+                    <a16:rowId xmlns:a16="http://schemas.microsoft.com/office/drawing/2014/main" val="2166379237"/>
+                  </a:ext>
+                </a:extLst>
+              </a:tr>
+            </a:tbl>
+          </a:graphicData>
+        </a:graphic>
+      </p:graphicFrame>
     </p:spTree>
     <p:extLst>
       <p:ext uri="{BB962C8B-B14F-4D97-AF65-F5344CB8AC3E}">
-        <p14:creationId xmlns:p14="http://schemas.microsoft.com/office/powerpoint/2010/main" val="2261631478"/>
+        <p14:creationId xmlns:p14="http://schemas.microsoft.com/office/powerpoint/2010/main" val="3379949288"/>
       </p:ext>
     </p:extLst>
   </p:cSld>
   <p:clrMapOvr>
     <a:masterClrMapping/>
   </p:clrMapOvr>
-  <p:timing>
-    <p:tnLst>
-      <p:par>
-        <p:cTn id="1" dur="indefinite" restart="never" nodeType="tmRoot"/>
-      </p:par>
-    </p:tnLst>
-  </p:timing>
 </p:sld>
 </file>
 
@@ -7530,7 +7849,7 @@
           <a:p>
             <a:r>
               <a:rPr lang="ru-RU" b="1" dirty="0" smtClean="0"/>
-              <a:t>Таблица сравнения профилировщиков</a:t>
+              <a:t>Контактные данные</a:t>
             </a:r>
             <a:endParaRPr lang="ru-RU" b="1" dirty="0"/>
           </a:p>
@@ -7557,9 +7876,12 @@
               </a:lnSpc>
             </a:pPr>
             <a:r>
-              <a:rPr lang="ru-RU" dirty="0" smtClean="0"/>
-              <a:t>Цена</a:t>
-            </a:r>
+              <a:rPr lang="en-US" dirty="0" smtClean="0">
+                <a:hlinkClick r:id="rId2"/>
+              </a:rPr>
+              <a:t>makarovevgeniy7@gmail.com</a:t>
+            </a:r>
+            <a:endParaRPr lang="en-US" dirty="0"/>
           </a:p>
           <a:p>
             <a:pPr>
@@ -7568,13 +7890,18 @@
               </a:lnSpc>
             </a:pPr>
             <a:r>
-              <a:rPr lang="ru-RU" dirty="0" smtClean="0"/>
-              <a:t>Удобство для </a:t>
-            </a:r>
-            <a:r>
               <a:rPr lang="en-US" dirty="0" smtClean="0"/>
-              <a:t>WPF</a:t>
-            </a:r>
+              <a:t>@</a:t>
+            </a:r>
+            <a:r>
+              <a:rPr lang="en-US" dirty="0" err="1" smtClean="0"/>
+              <a:t>Talrandel</a:t>
+            </a:r>
+            <a:r>
+              <a:rPr lang="en-US" dirty="0" smtClean="0"/>
+              <a:t> </a:t>
+            </a:r>
+            <a:endParaRPr lang="ru-RU" dirty="0" smtClean="0"/>
           </a:p>
           <a:p>
             <a:pPr>
@@ -7583,173 +7910,32 @@
               </a:lnSpc>
             </a:pPr>
             <a:r>
-              <a:rPr lang="ru-RU" dirty="0" smtClean="0"/>
-              <a:t>Скорость</a:t>
-            </a:r>
-          </a:p>
-          <a:p>
-            <a:pPr>
-              <a:lnSpc>
-                <a:spcPct val="150000"/>
-              </a:lnSpc>
-            </a:pPr>
-            <a:r>
-              <a:rPr lang="ru-RU" dirty="0" smtClean="0"/>
-              <a:t>Что-то еще</a:t>
-            </a:r>
-            <a:endParaRPr lang="ru-RU" dirty="0"/>
-          </a:p>
-        </p:txBody>
-      </p:sp>
-      <p:sp>
-        <p:nvSpPr>
-          <p:cNvPr id="4" name="Номер слайда 3"/>
-          <p:cNvSpPr>
-            <a:spLocks noGrp="1"/>
-          </p:cNvSpPr>
-          <p:nvPr>
-            <p:ph type="sldNum" sz="quarter" idx="12"/>
-          </p:nvPr>
-        </p:nvSpPr>
-        <p:spPr/>
-        <p:txBody>
-          <a:bodyPr/>
-          <a:lstStyle/>
-          <a:p>
-            <a:fld id="{4341117B-7091-4FB7-97F8-A6CA9A2FE1D4}" type="slidenum">
-              <a:rPr lang="ru-RU" smtClean="0"/>
-              <a:t>21</a:t>
-            </a:fld>
-            <a:endParaRPr lang="ru-RU"/>
-          </a:p>
-        </p:txBody>
-      </p:sp>
-    </p:spTree>
-    <p:extLst>
-      <p:ext uri="{BB962C8B-B14F-4D97-AF65-F5344CB8AC3E}">
-        <p14:creationId xmlns:p14="http://schemas.microsoft.com/office/powerpoint/2010/main" val="3379949288"/>
-      </p:ext>
-    </p:extLst>
-  </p:cSld>
-  <p:clrMapOvr>
-    <a:masterClrMapping/>
-  </p:clrMapOvr>
-</p:sld>
-</file>
-
-<file path=ppt/slides/slide22.xml><?xml version="1.0" encoding="utf-8"?>
-<p:sld xmlns:a="http://schemas.openxmlformats.org/drawingml/2006/main" xmlns:r="http://schemas.openxmlformats.org/officeDocument/2006/relationships" xmlns:p="http://schemas.openxmlformats.org/presentationml/2006/main">
-  <p:cSld>
-    <p:spTree>
-      <p:nvGrpSpPr>
-        <p:cNvPr id="1" name=""/>
-        <p:cNvGrpSpPr/>
-        <p:nvPr/>
-      </p:nvGrpSpPr>
-      <p:grpSpPr>
-        <a:xfrm>
-          <a:off x="0" y="0"/>
-          <a:ext cx="0" cy="0"/>
-          <a:chOff x="0" y="0"/>
-          <a:chExt cx="0" cy="0"/>
-        </a:xfrm>
-      </p:grpSpPr>
-      <p:sp>
-        <p:nvSpPr>
-          <p:cNvPr id="2" name="Заголовок 1"/>
-          <p:cNvSpPr>
-            <a:spLocks noGrp="1"/>
-          </p:cNvSpPr>
-          <p:nvPr>
-            <p:ph type="title"/>
-          </p:nvPr>
-        </p:nvSpPr>
-        <p:spPr/>
-        <p:txBody>
-          <a:bodyPr/>
-          <a:lstStyle/>
-          <a:p>
-            <a:r>
-              <a:rPr lang="ru-RU" b="1" dirty="0" smtClean="0"/>
-              <a:t>Контактные данные</a:t>
-            </a:r>
-            <a:endParaRPr lang="ru-RU" b="1" dirty="0"/>
-          </a:p>
-        </p:txBody>
-      </p:sp>
-      <p:sp>
-        <p:nvSpPr>
-          <p:cNvPr id="3" name="Объект 2"/>
-          <p:cNvSpPr>
-            <a:spLocks noGrp="1"/>
-          </p:cNvSpPr>
-          <p:nvPr>
-            <p:ph idx="1"/>
-          </p:nvPr>
-        </p:nvSpPr>
-        <p:spPr/>
-        <p:txBody>
-          <a:bodyPr/>
-          <a:lstStyle/>
-          <a:p>
-            <a:pPr>
-              <a:lnSpc>
-                <a:spcPct val="150000"/>
-              </a:lnSpc>
-            </a:pPr>
-            <a:r>
-              <a:rPr lang="en-US" dirty="0" smtClean="0">
-                <a:hlinkClick r:id="rId2"/>
-              </a:rPr>
-              <a:t>makarovevgeniy7@gmail.com</a:t>
-            </a:r>
-            <a:endParaRPr lang="en-US" dirty="0"/>
-          </a:p>
-          <a:p>
-            <a:pPr>
-              <a:lnSpc>
-                <a:spcPct val="150000"/>
-              </a:lnSpc>
-            </a:pPr>
-            <a:r>
-              <a:rPr lang="en-US" dirty="0" smtClean="0"/>
-              <a:t>@</a:t>
+              <a:rPr lang="ru-RU" dirty="0" err="1" smtClean="0"/>
+              <a:t>Демо</a:t>
+            </a:r>
+            <a:r>
+              <a:rPr lang="ru-RU" dirty="0" smtClean="0"/>
+              <a:t> на </a:t>
             </a:r>
             <a:r>
               <a:rPr lang="en-US" dirty="0" err="1" smtClean="0"/>
-              <a:t>Talrandel</a:t>
+              <a:t>github</a:t>
             </a:r>
             <a:r>
               <a:rPr lang="en-US" dirty="0" smtClean="0"/>
               <a:t> </a:t>
             </a:r>
-            <a:endParaRPr lang="ru-RU" dirty="0" smtClean="0"/>
-          </a:p>
-          <a:p>
-            <a:pPr>
-              <a:lnSpc>
-                <a:spcPct val="150000"/>
-              </a:lnSpc>
-            </a:pPr>
-            <a:r>
-              <a:rPr lang="ru-RU" dirty="0" err="1" smtClean="0"/>
-              <a:t>Демо</a:t>
-            </a:r>
-            <a:r>
-              <a:rPr lang="ru-RU" dirty="0" smtClean="0"/>
-              <a:t> на </a:t>
-            </a:r>
-            <a:r>
-              <a:rPr lang="en-US" dirty="0" err="1" smtClean="0"/>
-              <a:t>github</a:t>
-            </a:r>
             <a:r>
               <a:rPr lang="en-US" dirty="0" smtClean="0"/>
-              <a:t> -</a:t>
-            </a:r>
-            <a:r>
-              <a:rPr lang="en-US" dirty="0"/>
-              <a:t>&gt;</a:t>
+              <a:t>-&gt; </a:t>
+            </a:r>
+            <a:r>
+              <a:rPr lang="ru-RU" dirty="0" smtClean="0"/>
+              <a:t>будет </a:t>
+            </a:r>
+            <a:r>
+              <a:rPr lang="ru-RU" smtClean="0"/>
+              <a:t>вставлено позднее</a:t>
             </a:r>
             <a:endParaRPr lang="ru-RU" dirty="0"/>
           </a:p>
@@ -7814,7 +8000,7 @@
           <a:p>
             <a:fld id="{4341117B-7091-4FB7-97F8-A6CA9A2FE1D4}" type="slidenum">
               <a:rPr lang="ru-RU" smtClean="0"/>
-              <a:t>22</a:t>
+              <a:t>21</a:t>
             </a:fld>
             <a:endParaRPr lang="ru-RU"/>
           </a:p>
@@ -7833,7 +8019,7 @@
 </p:sld>
 </file>
 
-<file path=ppt/slides/slide23.xml><?xml version="1.0" encoding="utf-8"?>
+<file path=ppt/slides/slide22.xml><?xml version="1.0" encoding="utf-8"?>
 <p:sld xmlns:a="http://schemas.openxmlformats.org/drawingml/2006/main" xmlns:r="http://schemas.openxmlformats.org/officeDocument/2006/relationships" xmlns:p="http://schemas.openxmlformats.org/presentationml/2006/main">
   <p:cSld>
     <p:spTree>
@@ -7899,7 +8085,7 @@
           <a:p>
             <a:fld id="{4341117B-7091-4FB7-97F8-A6CA9A2FE1D4}" type="slidenum">
               <a:rPr lang="ru-RU" smtClean="0"/>
-              <a:t>23</a:t>
+              <a:t>22</a:t>
             </a:fld>
             <a:endParaRPr lang="ru-RU"/>
           </a:p>
@@ -8330,15 +8516,19 @@
           <a:p>
             <a:r>
               <a:rPr lang="ru-RU" dirty="0" smtClean="0"/>
-              <a:t>Место для кода тяжелого объекта </a:t>
-            </a:r>
-            <a:r>
-              <a:rPr lang="ru-RU" dirty="0" err="1" smtClean="0"/>
-              <a:t>демки</a:t>
-            </a:r>
-            <a:r>
-              <a:rPr lang="ru-RU" dirty="0" smtClean="0"/>
-              <a:t> </a:t>
+              <a:t>Объект для утяжеления </a:t>
+            </a:r>
+            <a:r>
+              <a:rPr lang="en-US" dirty="0" smtClean="0"/>
+              <a:t>View</a:t>
+            </a:r>
+            <a:r>
+              <a:rPr lang="ru-RU" dirty="0" smtClean="0"/>
+              <a:t> и/или </a:t>
+            </a:r>
+            <a:r>
+              <a:rPr lang="en-US" dirty="0" err="1" smtClean="0"/>
+              <a:t>ViewModel</a:t>
             </a:r>
             <a:endParaRPr lang="en-US" dirty="0" smtClean="0"/>
           </a:p>
@@ -8482,7 +8672,7 @@
         <p:spPr/>
         <p:txBody>
           <a:bodyPr>
-            <a:normAutofit lnSpcReduction="10000"/>
+            <a:normAutofit/>
           </a:bodyPr>
           <a:lstStyle/>
           <a:p>
@@ -8502,26 +8692,6 @@
             <a:r>
               <a:rPr lang="en-US" dirty="0" err="1" smtClean="0"/>
               <a:t>INotifyPropertyChanged</a:t>
-            </a:r>
-            <a:endParaRPr lang="en-US" dirty="0" smtClean="0"/>
-          </a:p>
-          <a:p>
-            <a:pPr>
-              <a:lnSpc>
-                <a:spcPct val="150000"/>
-              </a:lnSpc>
-            </a:pPr>
-            <a:r>
-              <a:rPr lang="en-US" dirty="0" smtClean="0"/>
-              <a:t>Collection binding </a:t>
-            </a:r>
-            <a:r>
-              <a:rPr lang="ru-RU" dirty="0" smtClean="0"/>
-              <a:t>без </a:t>
-            </a:r>
-            <a:r>
-              <a:rPr lang="en-US" dirty="0" err="1" smtClean="0"/>
-              <a:t>INotifyCollectionChanged</a:t>
             </a:r>
             <a:endParaRPr lang="en-US" dirty="0" smtClean="0"/>
           </a:p>
@@ -8900,7 +9070,9 @@
         </p:nvSpPr>
         <p:spPr/>
         <p:txBody>
-          <a:bodyPr/>
+          <a:bodyPr>
+            <a:normAutofit lnSpcReduction="10000"/>
+          </a:bodyPr>
           <a:lstStyle/>
           <a:p>
             <a:pPr>
@@ -8994,7 +9166,23 @@
             </a:r>
             <a:r>
               <a:rPr lang="ru-RU" dirty="0" smtClean="0"/>
-              <a:t>для коллекции</a:t>
+              <a:t>для </a:t>
+            </a:r>
+            <a:r>
+              <a:rPr lang="ru-RU" dirty="0" smtClean="0"/>
+              <a:t>коллекции</a:t>
+            </a:r>
+            <a:endParaRPr lang="en-US" dirty="0" smtClean="0"/>
+          </a:p>
+          <a:p>
+            <a:pPr>
+              <a:lnSpc>
+                <a:spcPct val="150000"/>
+              </a:lnSpc>
+            </a:pPr>
+            <a:r>
+              <a:rPr lang="en-US" dirty="0" err="1" smtClean="0"/>
+              <a:t>BindingOperations.ClearBinding</a:t>
             </a:r>
             <a:endParaRPr lang="ru-RU" dirty="0"/>
           </a:p>

--- a/Утечки памяти.pptx
+++ b/Утечки памяти.pptx
@@ -218,7 +218,7 @@
           <a:p>
             <a:fld id="{7E32760C-D076-4A5B-AE14-FF54E2D8759C}" type="datetimeFigureOut">
               <a:rPr lang="ru-RU" smtClean="0"/>
-              <a:t>13.12.2018</a:t>
+              <a:t>14.12.2018</a:t>
             </a:fld>
             <a:endParaRPr lang="ru-RU"/>
           </a:p>
@@ -1220,8 +1220,274 @@
             </a:r>
             <a:r>
               <a:rPr lang="ru-RU" baseline="0" dirty="0" smtClean="0"/>
-              <a:t>утечка!</a:t>
-            </a:r>
+              <a:t>утечка</a:t>
+            </a:r>
+            <a:r>
+              <a:rPr lang="ru-RU" baseline="0" dirty="0" smtClean="0"/>
+              <a:t>!</a:t>
+            </a:r>
+            <a:endParaRPr lang="en-US" baseline="0" dirty="0" smtClean="0"/>
+          </a:p>
+          <a:p>
+            <a:pPr marL="0" marR="0" lvl="0" indent="0" algn="l" defTabSz="914400" rtl="0" eaLnBrk="1" fontAlgn="auto" latinLnBrk="0" hangingPunct="1">
+              <a:lnSpc>
+                <a:spcPct val="100000"/>
+              </a:lnSpc>
+              <a:spcBef>
+                <a:spcPts val="0"/>
+              </a:spcBef>
+              <a:spcAft>
+                <a:spcPts val="0"/>
+              </a:spcAft>
+              <a:buClrTx/>
+              <a:buSzTx/>
+              <a:buFontTx/>
+              <a:buNone/>
+              <a:tabLst/>
+              <a:defRPr/>
+            </a:pPr>
+            <a:endParaRPr lang="en-US" baseline="0" dirty="0" smtClean="0"/>
+          </a:p>
+          <a:p>
+            <a:pPr fontAlgn="base"/>
+            <a:r>
+              <a:rPr lang="en-US" sz="1200" b="0" i="0" kern="1200" dirty="0" smtClean="0">
+                <a:solidFill>
+                  <a:schemeClr val="tx1"/>
+                </a:solidFill>
+                <a:effectLst/>
+                <a:latin typeface="+mn-lt"/>
+                <a:ea typeface="+mn-ea"/>
+                <a:cs typeface="+mn-cs"/>
+              </a:rPr>
+              <a:t>This is because if the object is not a </a:t>
+            </a:r>
+            <a:r>
+              <a:rPr lang="en-US" sz="1200" b="0" i="0" kern="1200" dirty="0" err="1" smtClean="0">
+                <a:solidFill>
+                  <a:schemeClr val="tx1"/>
+                </a:solidFill>
+                <a:effectLst/>
+                <a:latin typeface="+mn-lt"/>
+                <a:ea typeface="+mn-ea"/>
+                <a:cs typeface="+mn-cs"/>
+              </a:rPr>
+              <a:t>DependencyProperty</a:t>
+            </a:r>
+            <a:r>
+              <a:rPr lang="en-US" sz="1200" b="0" i="0" kern="1200" dirty="0" smtClean="0">
+                <a:solidFill>
+                  <a:schemeClr val="tx1"/>
+                </a:solidFill>
+                <a:effectLst/>
+                <a:latin typeface="+mn-lt"/>
+                <a:ea typeface="+mn-ea"/>
+                <a:cs typeface="+mn-cs"/>
+              </a:rPr>
+              <a:t> or does not implement </a:t>
+            </a:r>
+            <a:r>
+              <a:rPr lang="en-US" sz="1200" b="0" i="0" kern="1200" dirty="0" err="1" smtClean="0">
+                <a:solidFill>
+                  <a:schemeClr val="tx1"/>
+                </a:solidFill>
+                <a:effectLst/>
+                <a:latin typeface="+mn-lt"/>
+                <a:ea typeface="+mn-ea"/>
+                <a:cs typeface="+mn-cs"/>
+              </a:rPr>
+              <a:t>INotifyPropertyChanged</a:t>
+            </a:r>
+            <a:r>
+              <a:rPr lang="en-US" sz="1200" b="0" i="0" kern="1200" dirty="0" smtClean="0">
+                <a:solidFill>
+                  <a:schemeClr val="tx1"/>
+                </a:solidFill>
+                <a:effectLst/>
+                <a:latin typeface="+mn-lt"/>
+                <a:ea typeface="+mn-ea"/>
+                <a:cs typeface="+mn-cs"/>
+              </a:rPr>
+              <a:t> then it uses the </a:t>
+            </a:r>
+            <a:r>
+              <a:rPr lang="en-US" sz="1200" b="0" i="0" kern="1200" dirty="0" err="1" smtClean="0">
+                <a:solidFill>
+                  <a:schemeClr val="tx1"/>
+                </a:solidFill>
+                <a:effectLst/>
+                <a:latin typeface="+mn-lt"/>
+                <a:ea typeface="+mn-ea"/>
+                <a:cs typeface="+mn-cs"/>
+              </a:rPr>
+              <a:t>ValueChanged</a:t>
+            </a:r>
+            <a:r>
+              <a:rPr lang="en-US" sz="1200" b="0" i="0" kern="1200" dirty="0" smtClean="0">
+                <a:solidFill>
+                  <a:schemeClr val="tx1"/>
+                </a:solidFill>
+                <a:effectLst/>
+                <a:latin typeface="+mn-lt"/>
+                <a:ea typeface="+mn-ea"/>
+                <a:cs typeface="+mn-cs"/>
+              </a:rPr>
+              <a:t> event via the </a:t>
+            </a:r>
+            <a:r>
+              <a:rPr lang="en-US" sz="1200" b="0" i="0" kern="1200" dirty="0" err="1" smtClean="0">
+                <a:solidFill>
+                  <a:schemeClr val="tx1"/>
+                </a:solidFill>
+                <a:effectLst/>
+                <a:latin typeface="+mn-lt"/>
+                <a:ea typeface="+mn-ea"/>
+                <a:cs typeface="+mn-cs"/>
+              </a:rPr>
+              <a:t>PropertyDescriptors</a:t>
+            </a:r>
+            <a:r>
+              <a:rPr lang="en-US" sz="1200" b="0" i="0" kern="1200" dirty="0" smtClean="0">
+                <a:solidFill>
+                  <a:schemeClr val="tx1"/>
+                </a:solidFill>
+                <a:effectLst/>
+                <a:latin typeface="+mn-lt"/>
+                <a:ea typeface="+mn-ea"/>
+                <a:cs typeface="+mn-cs"/>
+              </a:rPr>
+              <a:t> </a:t>
+            </a:r>
+            <a:r>
+              <a:rPr lang="en-US" sz="1200" b="0" i="0" kern="1200" dirty="0" err="1" smtClean="0">
+                <a:solidFill>
+                  <a:schemeClr val="tx1"/>
+                </a:solidFill>
+                <a:effectLst/>
+                <a:latin typeface="+mn-lt"/>
+                <a:ea typeface="+mn-ea"/>
+                <a:cs typeface="+mn-cs"/>
+              </a:rPr>
+              <a:t>AddValueChanged</a:t>
+            </a:r>
+            <a:r>
+              <a:rPr lang="en-US" sz="1200" b="0" i="0" kern="1200" dirty="0" smtClean="0">
+                <a:solidFill>
+                  <a:schemeClr val="tx1"/>
+                </a:solidFill>
+                <a:effectLst/>
+                <a:latin typeface="+mn-lt"/>
+                <a:ea typeface="+mn-ea"/>
+                <a:cs typeface="+mn-cs"/>
+              </a:rPr>
+              <a:t> method. This causes the CLR to create a strong reference from the </a:t>
+            </a:r>
+            <a:r>
+              <a:rPr lang="en-US" sz="1200" b="0" i="0" kern="1200" dirty="0" err="1" smtClean="0">
+                <a:solidFill>
+                  <a:schemeClr val="tx1"/>
+                </a:solidFill>
+                <a:effectLst/>
+                <a:latin typeface="+mn-lt"/>
+                <a:ea typeface="+mn-ea"/>
+                <a:cs typeface="+mn-cs"/>
+              </a:rPr>
+              <a:t>PropertyDescriptor</a:t>
+            </a:r>
+            <a:r>
+              <a:rPr lang="en-US" sz="1200" b="0" i="0" kern="1200" dirty="0" smtClean="0">
+                <a:solidFill>
+                  <a:schemeClr val="tx1"/>
+                </a:solidFill>
+                <a:effectLst/>
+                <a:latin typeface="+mn-lt"/>
+                <a:ea typeface="+mn-ea"/>
+                <a:cs typeface="+mn-cs"/>
+              </a:rPr>
+              <a:t> to the object and in most cases the CLR will keep a reference to the </a:t>
+            </a:r>
+            <a:r>
+              <a:rPr lang="en-US" sz="1200" b="0" i="0" kern="1200" dirty="0" err="1" smtClean="0">
+                <a:solidFill>
+                  <a:schemeClr val="tx1"/>
+                </a:solidFill>
+                <a:effectLst/>
+                <a:latin typeface="+mn-lt"/>
+                <a:ea typeface="+mn-ea"/>
+                <a:cs typeface="+mn-cs"/>
+              </a:rPr>
+              <a:t>PropertyDescriptor</a:t>
+            </a:r>
+            <a:r>
+              <a:rPr lang="en-US" sz="1200" b="0" i="0" kern="1200" dirty="0" smtClean="0">
+                <a:solidFill>
+                  <a:schemeClr val="tx1"/>
+                </a:solidFill>
+                <a:effectLst/>
+                <a:latin typeface="+mn-lt"/>
+                <a:ea typeface="+mn-ea"/>
+                <a:cs typeface="+mn-cs"/>
+              </a:rPr>
+              <a:t> in a global table.</a:t>
+            </a:r>
+          </a:p>
+          <a:p>
+            <a:pPr fontAlgn="base"/>
+            <a:r>
+              <a:rPr lang="en-US" sz="1200" b="0" i="0" kern="1200" dirty="0" smtClean="0">
+                <a:solidFill>
+                  <a:schemeClr val="tx1"/>
+                </a:solidFill>
+                <a:effectLst/>
+                <a:latin typeface="+mn-lt"/>
+                <a:ea typeface="+mn-ea"/>
+                <a:cs typeface="+mn-cs"/>
+              </a:rPr>
+              <a:t>Because the binding must continue to listen for changes. This behavior keeps the reference alive between the </a:t>
+            </a:r>
+            <a:r>
+              <a:rPr lang="en-US" sz="1200" b="0" i="0" kern="1200" dirty="0" err="1" smtClean="0">
+                <a:solidFill>
+                  <a:schemeClr val="tx1"/>
+                </a:solidFill>
+                <a:effectLst/>
+                <a:latin typeface="+mn-lt"/>
+                <a:ea typeface="+mn-ea"/>
+                <a:cs typeface="+mn-cs"/>
+              </a:rPr>
+              <a:t>PropertyDescriptor</a:t>
+            </a:r>
+            <a:r>
+              <a:rPr lang="en-US" sz="1200" b="0" i="0" kern="1200" dirty="0" smtClean="0">
+                <a:solidFill>
+                  <a:schemeClr val="tx1"/>
+                </a:solidFill>
+                <a:effectLst/>
+                <a:latin typeface="+mn-lt"/>
+                <a:ea typeface="+mn-ea"/>
+                <a:cs typeface="+mn-cs"/>
+              </a:rPr>
+              <a:t> and the object as the target remains in use. This can cause a memory leak in the object and any object to which the object refers, This includes the data-binding target.</a:t>
+            </a:r>
+          </a:p>
+          <a:p>
+            <a:pPr marL="0" marR="0" lvl="0" indent="0" algn="l" defTabSz="914400" rtl="0" eaLnBrk="1" fontAlgn="auto" latinLnBrk="0" hangingPunct="1">
+              <a:lnSpc>
+                <a:spcPct val="100000"/>
+              </a:lnSpc>
+              <a:spcBef>
+                <a:spcPts val="0"/>
+              </a:spcBef>
+              <a:spcAft>
+                <a:spcPts val="0"/>
+              </a:spcAft>
+              <a:buClrTx/>
+              <a:buSzTx/>
+              <a:buFontTx/>
+              <a:buNone/>
+              <a:tabLst/>
+              <a:defRPr/>
+            </a:pPr>
             <a:endParaRPr lang="ru-RU" dirty="0" smtClean="0"/>
           </a:p>
         </p:txBody>
@@ -2435,7 +2701,7 @@
           <a:p>
             <a:fld id="{AE6C4412-5328-4A60-B238-7673F4E7F8FA}" type="datetime1">
               <a:rPr lang="ru-RU" smtClean="0"/>
-              <a:t>13.12.2018</a:t>
+              <a:t>14.12.2018</a:t>
             </a:fld>
             <a:endParaRPr lang="ru-RU"/>
           </a:p>
@@ -2605,7 +2871,7 @@
           <a:p>
             <a:fld id="{5D0FC03A-A74A-4A08-84B7-F802F5A721F7}" type="datetime1">
               <a:rPr lang="ru-RU" smtClean="0"/>
-              <a:t>13.12.2018</a:t>
+              <a:t>14.12.2018</a:t>
             </a:fld>
             <a:endParaRPr lang="ru-RU"/>
           </a:p>
@@ -2785,7 +3051,7 @@
           <a:p>
             <a:fld id="{1499B3F4-D165-4990-A87C-5FC246BAC9F7}" type="datetime1">
               <a:rPr lang="ru-RU" smtClean="0"/>
-              <a:t>13.12.2018</a:t>
+              <a:t>14.12.2018</a:t>
             </a:fld>
             <a:endParaRPr lang="ru-RU"/>
           </a:p>
@@ -2955,7 +3221,7 @@
           <a:p>
             <a:fld id="{C1A3FD44-8A7F-486D-B8EA-13B1016D83BF}" type="datetime1">
               <a:rPr lang="ru-RU" smtClean="0"/>
-              <a:t>13.12.2018</a:t>
+              <a:t>14.12.2018</a:t>
             </a:fld>
             <a:endParaRPr lang="ru-RU"/>
           </a:p>
@@ -3201,7 +3467,7 @@
           <a:p>
             <a:fld id="{B971FEFC-ED50-4C04-BBDE-15C16ACF7308}" type="datetime1">
               <a:rPr lang="ru-RU" smtClean="0"/>
-              <a:t>13.12.2018</a:t>
+              <a:t>14.12.2018</a:t>
             </a:fld>
             <a:endParaRPr lang="ru-RU"/>
           </a:p>
@@ -3433,7 +3699,7 @@
           <a:p>
             <a:fld id="{BEF22659-FB18-44D2-BF07-7BF469712B3B}" type="datetime1">
               <a:rPr lang="ru-RU" smtClean="0"/>
-              <a:t>13.12.2018</a:t>
+              <a:t>14.12.2018</a:t>
             </a:fld>
             <a:endParaRPr lang="ru-RU"/>
           </a:p>
@@ -3800,7 +4066,7 @@
           <a:p>
             <a:fld id="{03910110-E1C8-429C-91B4-AB898427B913}" type="datetime1">
               <a:rPr lang="ru-RU" smtClean="0"/>
-              <a:t>13.12.2018</a:t>
+              <a:t>14.12.2018</a:t>
             </a:fld>
             <a:endParaRPr lang="ru-RU"/>
           </a:p>
@@ -3918,7 +4184,7 @@
           <a:p>
             <a:fld id="{E1C97F68-3117-4A8D-AFF3-306AF9D7829E}" type="datetime1">
               <a:rPr lang="ru-RU" smtClean="0"/>
-              <a:t>13.12.2018</a:t>
+              <a:t>14.12.2018</a:t>
             </a:fld>
             <a:endParaRPr lang="ru-RU"/>
           </a:p>
@@ -4013,7 +4279,7 @@
           <a:p>
             <a:fld id="{DBF3FFE3-77EB-4E4A-87B9-448AFDF8564D}" type="datetime1">
               <a:rPr lang="ru-RU" smtClean="0"/>
-              <a:t>13.12.2018</a:t>
+              <a:t>14.12.2018</a:t>
             </a:fld>
             <a:endParaRPr lang="ru-RU"/>
           </a:p>
@@ -4290,7 +4556,7 @@
           <a:p>
             <a:fld id="{92F2FF54-7038-45D9-AD90-3481CC163A1C}" type="datetime1">
               <a:rPr lang="ru-RU" smtClean="0"/>
-              <a:t>13.12.2018</a:t>
+              <a:t>14.12.2018</a:t>
             </a:fld>
             <a:endParaRPr lang="ru-RU"/>
           </a:p>
@@ -4543,7 +4809,7 @@
           <a:p>
             <a:fld id="{637E5B95-744C-44CB-83B3-2FA06C8C0785}" type="datetime1">
               <a:rPr lang="ru-RU" smtClean="0"/>
-              <a:t>13.12.2018</a:t>
+              <a:t>14.12.2018</a:t>
             </a:fld>
             <a:endParaRPr lang="ru-RU"/>
           </a:p>
@@ -4756,7 +5022,7 @@
           <a:p>
             <a:fld id="{E9CF887D-F3FB-4CDB-A944-6D708F6CCD29}" type="datetime1">
               <a:rPr lang="ru-RU" smtClean="0"/>
-              <a:t>13.12.2018</a:t>
+              <a:t>14.12.2018</a:t>
             </a:fld>
             <a:endParaRPr lang="ru-RU"/>
           </a:p>
@@ -5594,6 +5860,10 @@
               <a:rPr lang="en-US" b="1" dirty="0" err="1" smtClean="0"/>
               <a:t>WeakEventManager</a:t>
             </a:r>
+            <a:r>
+              <a:rPr lang="en-US" b="1" dirty="0" smtClean="0"/>
+              <a:t>/Weak event pattern</a:t>
+            </a:r>
             <a:endParaRPr lang="ru-RU" b="1" dirty="0"/>
           </a:p>
         </p:txBody>
@@ -5758,11 +6028,7 @@
             </a:r>
             <a:r>
               <a:rPr lang="en-US" dirty="0" smtClean="0"/>
-              <a:t> </a:t>
-            </a:r>
-            <a:r>
-              <a:rPr lang="en-US" dirty="0" smtClean="0"/>
-              <a:t>pattern</a:t>
+              <a:t> pattern</a:t>
             </a:r>
           </a:p>
           <a:p>
@@ -5773,7 +6039,15 @@
             </a:pPr>
             <a:r>
               <a:rPr lang="ru-RU" dirty="0" smtClean="0"/>
-              <a:t>Второй вариант – другой таймер + </a:t>
+              <a:t>Второй вариант – другой </a:t>
+            </a:r>
+            <a:r>
+              <a:rPr lang="ru-RU" dirty="0" smtClean="0"/>
+              <a:t>тип таймера </a:t>
+            </a:r>
+            <a:r>
+              <a:rPr lang="ru-RU" dirty="0" smtClean="0"/>
+              <a:t>+ </a:t>
             </a:r>
             <a:r>
               <a:rPr lang="en-US" b="1" dirty="0" err="1" smtClean="0"/>
@@ -7370,7 +7644,7 @@
         </p:nvGraphicFramePr>
         <p:xfrm>
           <a:off x="838200" y="1825625"/>
-          <a:ext cx="10515600" cy="4020820"/>
+          <a:ext cx="10515600" cy="4638040"/>
         </p:xfrm>
         <a:graphic>
           <a:graphicData uri="http://schemas.openxmlformats.org/drawingml/2006/table">
@@ -7923,11 +8197,7 @@
             </a:r>
             <a:r>
               <a:rPr lang="en-US" dirty="0" smtClean="0"/>
-              <a:t> </a:t>
-            </a:r>
-            <a:r>
-              <a:rPr lang="en-US" dirty="0" smtClean="0"/>
-              <a:t>-&gt; </a:t>
+              <a:t> -&gt; </a:t>
             </a:r>
             <a:r>
               <a:rPr lang="ru-RU" dirty="0" smtClean="0"/>
@@ -8530,6 +8800,21 @@
               <a:rPr lang="en-US" dirty="0" err="1" smtClean="0"/>
               <a:t>ViewModel</a:t>
             </a:r>
+            <a:endParaRPr lang="ru-RU" dirty="0" smtClean="0"/>
+          </a:p>
+          <a:p>
+            <a:endParaRPr lang="ru-RU" dirty="0"/>
+          </a:p>
+          <a:p>
+            <a:endParaRPr lang="ru-RU" dirty="0" smtClean="0"/>
+          </a:p>
+          <a:p>
+            <a:endParaRPr lang="ru-RU" dirty="0"/>
+          </a:p>
+          <a:p>
+            <a:endParaRPr lang="ru-RU" dirty="0" smtClean="0"/>
+          </a:p>
+          <a:p>
             <a:endParaRPr lang="en-US" dirty="0" smtClean="0"/>
           </a:p>
           <a:p>
@@ -8565,7 +8850,7 @@
       </p:sp>
       <p:pic>
         <p:nvPicPr>
-          <p:cNvPr id="5" name="Рисунок 4"/>
+          <p:cNvPr id="6" name="Рисунок 5"/>
           <p:cNvPicPr>
             <a:picLocks noChangeAspect="1"/>
           </p:cNvPicPr>
@@ -8579,8 +8864,8 @@
         </p:blipFill>
         <p:spPr>
           <a:xfrm>
-            <a:off x="1036219" y="2719387"/>
-            <a:ext cx="6991350" cy="1419225"/>
+            <a:off x="838200" y="2774052"/>
+            <a:ext cx="7896225" cy="1647825"/>
           </a:xfrm>
           <a:prstGeom prst="rect">
             <a:avLst/>
@@ -9166,11 +9451,7 @@
             </a:r>
             <a:r>
               <a:rPr lang="ru-RU" dirty="0" smtClean="0"/>
-              <a:t>для </a:t>
-            </a:r>
-            <a:r>
-              <a:rPr lang="ru-RU" dirty="0" smtClean="0"/>
-              <a:t>коллекции</a:t>
+              <a:t>для коллекции</a:t>
             </a:r>
             <a:endParaRPr lang="en-US" dirty="0" smtClean="0"/>
           </a:p>

--- a/Утечки памяти.pptx
+++ b/Утечки памяти.pptx
@@ -5,7 +5,7 @@
     <p:sldMasterId id="2147483648" r:id="rId1"/>
   </p:sldMasterIdLst>
   <p:notesMasterIdLst>
-    <p:notesMasterId r:id="rId24"/>
+    <p:notesMasterId r:id="rId26"/>
   </p:notesMasterIdLst>
   <p:sldIdLst>
     <p:sldId id="256" r:id="rId2"/>
@@ -16,20 +16,22 @@
     <p:sldId id="258" r:id="rId7"/>
     <p:sldId id="267" r:id="rId8"/>
     <p:sldId id="268" r:id="rId9"/>
-    <p:sldId id="269" r:id="rId10"/>
-    <p:sldId id="271" r:id="rId11"/>
-    <p:sldId id="282" r:id="rId12"/>
+    <p:sldId id="271" r:id="rId10"/>
+    <p:sldId id="282" r:id="rId11"/>
+    <p:sldId id="289" r:id="rId12"/>
     <p:sldId id="265" r:id="rId13"/>
     <p:sldId id="275" r:id="rId14"/>
-    <p:sldId id="270" r:id="rId15"/>
-    <p:sldId id="280" r:id="rId16"/>
-    <p:sldId id="285" r:id="rId17"/>
-    <p:sldId id="281" r:id="rId18"/>
-    <p:sldId id="287" r:id="rId19"/>
-    <p:sldId id="272" r:id="rId20"/>
-    <p:sldId id="276" r:id="rId21"/>
-    <p:sldId id="277" r:id="rId22"/>
-    <p:sldId id="278" r:id="rId23"/>
+    <p:sldId id="281" r:id="rId15"/>
+    <p:sldId id="270" r:id="rId16"/>
+    <p:sldId id="280" r:id="rId17"/>
+    <p:sldId id="285" r:id="rId18"/>
+    <p:sldId id="269" r:id="rId19"/>
+    <p:sldId id="287" r:id="rId20"/>
+    <p:sldId id="272" r:id="rId21"/>
+    <p:sldId id="288" r:id="rId22"/>
+    <p:sldId id="276" r:id="rId23"/>
+    <p:sldId id="277" r:id="rId24"/>
+    <p:sldId id="278" r:id="rId25"/>
   </p:sldIdLst>
   <p:sldSz cx="12192000" cy="6858000"/>
   <p:notesSz cx="6858000" cy="9144000"/>
@@ -614,6 +616,35 @@
           <a:bodyPr/>
           <a:lstStyle/>
           <a:p>
+            <a:r>
+              <a:rPr lang="ru-RU" dirty="0" smtClean="0"/>
+              <a:t>Простой пример паттерна </a:t>
+            </a:r>
+            <a:r>
+              <a:rPr lang="en-US" dirty="0" smtClean="0"/>
+              <a:t>Weak Event (Weak Reference)</a:t>
+            </a:r>
+          </a:p>
+          <a:p>
+            <a:r>
+              <a:rPr lang="ru-RU" dirty="0" smtClean="0"/>
+              <a:t>Используется во</a:t>
+            </a:r>
+            <a:r>
+              <a:rPr lang="ru-RU" baseline="0" dirty="0" smtClean="0"/>
+              <a:t> многих реализациях </a:t>
+            </a:r>
+            <a:r>
+              <a:rPr lang="ru-RU" baseline="0" dirty="0" err="1" smtClean="0"/>
+              <a:t>комманд</a:t>
+            </a:r>
+            <a:endParaRPr lang="ru-RU" baseline="0" dirty="0" smtClean="0"/>
+          </a:p>
+          <a:p>
+            <a:r>
+              <a:rPr lang="ru-RU" baseline="0" dirty="0" smtClean="0"/>
+              <a:t>Если подписчик не хранит никакой ссылки на делегат, то делегат/обработчик события будет поглощен при первой же сборке мусора</a:t>
+            </a:r>
             <a:endParaRPr lang="ru-RU" dirty="0"/>
           </a:p>
         </p:txBody>
@@ -635,7 +666,7 @@
           <a:p>
             <a:fld id="{01B998F4-8103-417C-AF3C-B5E3C74782CC}" type="slidenum">
               <a:rPr lang="ru-RU" smtClean="0"/>
-              <a:t>15</a:t>
+              <a:t>11</a:t>
             </a:fld>
             <a:endParaRPr lang="ru-RU"/>
           </a:p>
@@ -644,7 +675,7 @@
     </p:spTree>
     <p:extLst>
       <p:ext uri="{BB962C8B-B14F-4D97-AF65-F5344CB8AC3E}">
-        <p14:creationId xmlns:p14="http://schemas.microsoft.com/office/powerpoint/2010/main" val="4214872850"/>
+        <p14:creationId xmlns:p14="http://schemas.microsoft.com/office/powerpoint/2010/main" val="1030474530"/>
       </p:ext>
     </p:extLst>
   </p:cSld>
@@ -698,6 +729,263 @@
           <a:bodyPr/>
           <a:lstStyle/>
           <a:p>
+            <a:r>
+              <a:rPr lang="ru-RU" dirty="0" smtClean="0"/>
+              <a:t>На</a:t>
+            </a:r>
+            <a:r>
+              <a:rPr lang="ru-RU" baseline="0" dirty="0" smtClean="0"/>
+              <a:t> самом деле нужно четко понимать, когда возникает реальная потребность в использовании </a:t>
+            </a:r>
+            <a:r>
+              <a:rPr lang="en-US" baseline="0" dirty="0" err="1" smtClean="0"/>
+              <a:t>DispatcherTimer</a:t>
+            </a:r>
+            <a:r>
+              <a:rPr lang="en-US" baseline="0" dirty="0" smtClean="0"/>
+              <a:t>.</a:t>
+            </a:r>
+          </a:p>
+          <a:p>
+            <a:r>
+              <a:rPr lang="ru-RU" baseline="0" dirty="0" smtClean="0"/>
+              <a:t>Далеко не весь код нужно выполнять в </a:t>
+            </a:r>
+            <a:r>
+              <a:rPr lang="en-US" baseline="0" dirty="0" smtClean="0"/>
+              <a:t>UI </a:t>
+            </a:r>
+            <a:r>
+              <a:rPr lang="ru-RU" baseline="0" dirty="0" smtClean="0"/>
+              <a:t>потоке</a:t>
+            </a:r>
+          </a:p>
+          <a:p>
+            <a:endParaRPr lang="ru-RU" baseline="0" dirty="0" smtClean="0"/>
+          </a:p>
+          <a:p>
+            <a:r>
+              <a:rPr lang="ru-RU" baseline="0" dirty="0" smtClean="0"/>
+              <a:t>Если не остановить таймер, то убрать саму ссылку на него будет не так просто – нет прямого доступа к </a:t>
+            </a:r>
+            <a:r>
+              <a:rPr lang="en-US" baseline="0" dirty="0" err="1" smtClean="0"/>
+              <a:t>DispatcherTimers</a:t>
+            </a:r>
+            <a:endParaRPr lang="ru-RU" dirty="0"/>
+          </a:p>
+        </p:txBody>
+      </p:sp>
+      <p:sp>
+        <p:nvSpPr>
+          <p:cNvPr id="4" name="Номер слайда 3"/>
+          <p:cNvSpPr>
+            <a:spLocks noGrp="1"/>
+          </p:cNvSpPr>
+          <p:nvPr>
+            <p:ph type="sldNum" sz="quarter" idx="10"/>
+          </p:nvPr>
+        </p:nvSpPr>
+        <p:spPr/>
+        <p:txBody>
+          <a:bodyPr/>
+          <a:lstStyle/>
+          <a:p>
+            <a:fld id="{01B998F4-8103-417C-AF3C-B5E3C74782CC}" type="slidenum">
+              <a:rPr lang="ru-RU" smtClean="0"/>
+              <a:t>12</a:t>
+            </a:fld>
+            <a:endParaRPr lang="ru-RU"/>
+          </a:p>
+        </p:txBody>
+      </p:sp>
+    </p:spTree>
+    <p:extLst>
+      <p:ext uri="{BB962C8B-B14F-4D97-AF65-F5344CB8AC3E}">
+        <p14:creationId xmlns:p14="http://schemas.microsoft.com/office/powerpoint/2010/main" val="4066531469"/>
+      </p:ext>
+    </p:extLst>
+  </p:cSld>
+  <p:clrMapOvr>
+    <a:masterClrMapping/>
+  </p:clrMapOvr>
+</p:notes>
+</file>
+
+<file path=ppt/notesSlides/notesSlide12.xml><?xml version="1.0" encoding="utf-8"?>
+<p:notes xmlns:a="http://schemas.openxmlformats.org/drawingml/2006/main" xmlns:r="http://schemas.openxmlformats.org/officeDocument/2006/relationships" xmlns:p="http://schemas.openxmlformats.org/presentationml/2006/main">
+  <p:cSld>
+    <p:spTree>
+      <p:nvGrpSpPr>
+        <p:cNvPr id="1" name=""/>
+        <p:cNvGrpSpPr/>
+        <p:nvPr/>
+      </p:nvGrpSpPr>
+      <p:grpSpPr>
+        <a:xfrm>
+          <a:off x="0" y="0"/>
+          <a:ext cx="0" cy="0"/>
+          <a:chOff x="0" y="0"/>
+          <a:chExt cx="0" cy="0"/>
+        </a:xfrm>
+      </p:grpSpPr>
+      <p:sp>
+        <p:nvSpPr>
+          <p:cNvPr id="2" name="Образ слайда 1"/>
+          <p:cNvSpPr>
+            <a:spLocks noGrp="1" noRot="1" noChangeAspect="1"/>
+          </p:cNvSpPr>
+          <p:nvPr>
+            <p:ph type="sldImg"/>
+          </p:nvPr>
+        </p:nvSpPr>
+        <p:spPr/>
+      </p:sp>
+      <p:sp>
+        <p:nvSpPr>
+          <p:cNvPr id="3" name="Заметки 2"/>
+          <p:cNvSpPr>
+            <a:spLocks noGrp="1"/>
+          </p:cNvSpPr>
+          <p:nvPr>
+            <p:ph type="body" idx="1"/>
+          </p:nvPr>
+        </p:nvSpPr>
+        <p:spPr/>
+        <p:txBody>
+          <a:bodyPr/>
+          <a:lstStyle/>
+          <a:p>
+            <a:r>
+              <a:rPr lang="en-US" dirty="0" err="1" smtClean="0"/>
+              <a:t>CommandBinding</a:t>
+            </a:r>
+            <a:r>
+              <a:rPr lang="en-US" dirty="0" smtClean="0"/>
+              <a:t> – </a:t>
+            </a:r>
+            <a:r>
+              <a:rPr lang="ru-RU" dirty="0" smtClean="0"/>
+              <a:t>частный случай</a:t>
+            </a:r>
+            <a:r>
+              <a:rPr lang="ru-RU" baseline="0" dirty="0" smtClean="0"/>
+              <a:t> привязки к свойству другого класса (окна</a:t>
+            </a:r>
+            <a:r>
+              <a:rPr lang="ru-RU" baseline="0" dirty="0" smtClean="0"/>
+              <a:t>)</a:t>
+            </a:r>
+            <a:endParaRPr lang="en-US" baseline="0" dirty="0" smtClean="0"/>
+          </a:p>
+          <a:p>
+            <a:endParaRPr lang="en-US" baseline="0" dirty="0" smtClean="0"/>
+          </a:p>
+          <a:p>
+            <a:r>
+              <a:rPr lang="ru-RU" baseline="0" dirty="0" smtClean="0"/>
+              <a:t>Под </a:t>
+            </a:r>
+            <a:r>
+              <a:rPr lang="en-US" baseline="0" dirty="0" err="1" smtClean="0"/>
+              <a:t>IDisposable</a:t>
+            </a:r>
+            <a:r>
+              <a:rPr lang="en-US" baseline="0" dirty="0" smtClean="0"/>
+              <a:t> </a:t>
+            </a:r>
+            <a:r>
+              <a:rPr lang="ru-RU" baseline="0" dirty="0" smtClean="0"/>
+              <a:t>подразумевается отписка от событий и очистка привязки </a:t>
+            </a:r>
+            <a:r>
+              <a:rPr lang="ru-RU" baseline="0" smtClean="0"/>
+              <a:t>к команде</a:t>
+            </a:r>
+            <a:endParaRPr lang="ru-RU" dirty="0"/>
+          </a:p>
+        </p:txBody>
+      </p:sp>
+      <p:sp>
+        <p:nvSpPr>
+          <p:cNvPr id="4" name="Номер слайда 3"/>
+          <p:cNvSpPr>
+            <a:spLocks noGrp="1"/>
+          </p:cNvSpPr>
+          <p:nvPr>
+            <p:ph type="sldNum" sz="quarter" idx="10"/>
+          </p:nvPr>
+        </p:nvSpPr>
+        <p:spPr/>
+        <p:txBody>
+          <a:bodyPr/>
+          <a:lstStyle/>
+          <a:p>
+            <a:fld id="{01B998F4-8103-417C-AF3C-B5E3C74782CC}" type="slidenum">
+              <a:rPr lang="ru-RU" smtClean="0"/>
+              <a:t>13</a:t>
+            </a:fld>
+            <a:endParaRPr lang="ru-RU"/>
+          </a:p>
+        </p:txBody>
+      </p:sp>
+    </p:spTree>
+    <p:extLst>
+      <p:ext uri="{BB962C8B-B14F-4D97-AF65-F5344CB8AC3E}">
+        <p14:creationId xmlns:p14="http://schemas.microsoft.com/office/powerpoint/2010/main" val="939303470"/>
+      </p:ext>
+    </p:extLst>
+  </p:cSld>
+  <p:clrMapOvr>
+    <a:masterClrMapping/>
+  </p:clrMapOvr>
+</p:notes>
+</file>
+
+<file path=ppt/notesSlides/notesSlide13.xml><?xml version="1.0" encoding="utf-8"?>
+<p:notes xmlns:a="http://schemas.openxmlformats.org/drawingml/2006/main" xmlns:r="http://schemas.openxmlformats.org/officeDocument/2006/relationships" xmlns:p="http://schemas.openxmlformats.org/presentationml/2006/main">
+  <p:cSld>
+    <p:spTree>
+      <p:nvGrpSpPr>
+        <p:cNvPr id="1" name=""/>
+        <p:cNvGrpSpPr/>
+        <p:nvPr/>
+      </p:nvGrpSpPr>
+      <p:grpSpPr>
+        <a:xfrm>
+          <a:off x="0" y="0"/>
+          <a:ext cx="0" cy="0"/>
+          <a:chOff x="0" y="0"/>
+          <a:chExt cx="0" cy="0"/>
+        </a:xfrm>
+      </p:grpSpPr>
+      <p:sp>
+        <p:nvSpPr>
+          <p:cNvPr id="2" name="Образ слайда 1"/>
+          <p:cNvSpPr>
+            <a:spLocks noGrp="1" noRot="1" noChangeAspect="1"/>
+          </p:cNvSpPr>
+          <p:nvPr>
+            <p:ph type="sldImg"/>
+          </p:nvPr>
+        </p:nvSpPr>
+        <p:spPr/>
+      </p:sp>
+      <p:sp>
+        <p:nvSpPr>
+          <p:cNvPr id="3" name="Заметки 2"/>
+          <p:cNvSpPr>
+            <a:spLocks noGrp="1"/>
+          </p:cNvSpPr>
+          <p:nvPr>
+            <p:ph type="body" idx="1"/>
+          </p:nvPr>
+        </p:nvSpPr>
+        <p:spPr/>
+        <p:txBody>
+          <a:bodyPr/>
+          <a:lstStyle/>
+          <a:p>
             <a:pPr>
               <a:lnSpc>
                 <a:spcPct val="150000"/>
@@ -709,11 +997,15 @@
             </a:r>
             <a:r>
               <a:rPr lang="en-US" dirty="0" smtClean="0"/>
-              <a:t> – </a:t>
-            </a:r>
-            <a:r>
-              <a:rPr lang="ru-RU" dirty="0" smtClean="0"/>
-              <a:t>найти в интернете</a:t>
+              <a:t> </a:t>
+            </a:r>
+            <a:r>
+              <a:rPr lang="en-US" dirty="0" smtClean="0"/>
+              <a:t>– </a:t>
+            </a:r>
+            <a:r>
+              <a:rPr lang="ru-RU" dirty="0" smtClean="0"/>
+              <a:t>кэширование</a:t>
             </a:r>
           </a:p>
           <a:p>
@@ -722,33 +1014,38 @@
                 <a:spcPct val="150000"/>
               </a:lnSpc>
             </a:pPr>
-            <a:r>
-              <a:rPr lang="ru-RU" dirty="0" smtClean="0"/>
-              <a:t>Взять нашу реализации с </a:t>
-            </a:r>
-            <a:r>
-              <a:rPr lang="en-US" dirty="0" err="1" smtClean="0"/>
-              <a:t>WeakDictionary</a:t>
-            </a:r>
-            <a:r>
-              <a:rPr lang="en-US" dirty="0" smtClean="0"/>
-              <a:t> (</a:t>
-            </a:r>
-            <a:r>
-              <a:rPr lang="ru-RU" dirty="0" smtClean="0"/>
-              <a:t> </a:t>
-            </a:r>
-            <a:r>
-              <a:rPr lang="en-US" dirty="0" smtClean="0"/>
-              <a:t>&gt; 3 </a:t>
-            </a:r>
-            <a:r>
-              <a:rPr lang="ru-RU" dirty="0" smtClean="0"/>
-              <a:t>месяцев назад)</a:t>
-            </a:r>
-          </a:p>
-          <a:p>
-            <a:endParaRPr lang="ru-RU" dirty="0"/>
+            <a:endParaRPr lang="ru-RU" dirty="0" smtClean="0"/>
+          </a:p>
+          <a:p>
+            <a:pPr marL="0" marR="0" indent="0" algn="l" defTabSz="914400" rtl="0" eaLnBrk="1" fontAlgn="auto" latinLnBrk="0" hangingPunct="1">
+              <a:lnSpc>
+                <a:spcPct val="150000"/>
+              </a:lnSpc>
+              <a:spcBef>
+                <a:spcPts val="0"/>
+              </a:spcBef>
+              <a:spcAft>
+                <a:spcPts val="0"/>
+              </a:spcAft>
+              <a:buClrTx/>
+              <a:buSzTx/>
+              <a:buFontTx/>
+              <a:buNone/>
+              <a:tabLst/>
+              <a:defRPr/>
+            </a:pPr>
+            <a:r>
+              <a:rPr lang="ru-RU" dirty="0" smtClean="0"/>
+              <a:t>По умолчанию каждое обращение к содержимому </a:t>
+            </a:r>
+            <a:r>
+              <a:rPr lang="en-US" b="1" dirty="0" err="1" smtClean="0"/>
+              <a:t>ResourceDictionary</a:t>
+            </a:r>
+            <a:r>
+              <a:rPr lang="ru-RU" dirty="0" smtClean="0"/>
+              <a:t> загружает его копию в память</a:t>
+            </a:r>
           </a:p>
         </p:txBody>
       </p:sp>
@@ -769,7 +1066,7 @@
           <a:p>
             <a:fld id="{01B998F4-8103-417C-AF3C-B5E3C74782CC}" type="slidenum">
               <a:rPr lang="ru-RU" smtClean="0"/>
-              <a:t>17</a:t>
+              <a:t>14</a:t>
             </a:fld>
             <a:endParaRPr lang="ru-RU"/>
           </a:p>
@@ -779,6 +1076,1055 @@
     <p:extLst>
       <p:ext uri="{BB962C8B-B14F-4D97-AF65-F5344CB8AC3E}">
         <p14:creationId xmlns:p14="http://schemas.microsoft.com/office/powerpoint/2010/main" val="4214944097"/>
+      </p:ext>
+    </p:extLst>
+  </p:cSld>
+  <p:clrMapOvr>
+    <a:masterClrMapping/>
+  </p:clrMapOvr>
+</p:notes>
+</file>
+
+<file path=ppt/notesSlides/notesSlide14.xml><?xml version="1.0" encoding="utf-8"?>
+<p:notes xmlns:a="http://schemas.openxmlformats.org/drawingml/2006/main" xmlns:r="http://schemas.openxmlformats.org/officeDocument/2006/relationships" xmlns:p="http://schemas.openxmlformats.org/presentationml/2006/main">
+  <p:cSld>
+    <p:spTree>
+      <p:nvGrpSpPr>
+        <p:cNvPr id="1" name=""/>
+        <p:cNvGrpSpPr/>
+        <p:nvPr/>
+      </p:nvGrpSpPr>
+      <p:grpSpPr>
+        <a:xfrm>
+          <a:off x="0" y="0"/>
+          <a:ext cx="0" cy="0"/>
+          <a:chOff x="0" y="0"/>
+          <a:chExt cx="0" cy="0"/>
+        </a:xfrm>
+      </p:grpSpPr>
+      <p:sp>
+        <p:nvSpPr>
+          <p:cNvPr id="2" name="Образ слайда 1"/>
+          <p:cNvSpPr>
+            <a:spLocks noGrp="1" noRot="1" noChangeAspect="1"/>
+          </p:cNvSpPr>
+          <p:nvPr>
+            <p:ph type="sldImg"/>
+          </p:nvPr>
+        </p:nvSpPr>
+        <p:spPr/>
+      </p:sp>
+      <p:sp>
+        <p:nvSpPr>
+          <p:cNvPr id="3" name="Заметки 2"/>
+          <p:cNvSpPr>
+            <a:spLocks noGrp="1"/>
+          </p:cNvSpPr>
+          <p:nvPr>
+            <p:ph type="body" idx="1"/>
+          </p:nvPr>
+        </p:nvSpPr>
+        <p:spPr/>
+        <p:txBody>
+          <a:bodyPr/>
+          <a:lstStyle/>
+          <a:p>
+            <a:r>
+              <a:rPr lang="en-US" dirty="0" err="1" smtClean="0"/>
+              <a:t>UndoManager</a:t>
+            </a:r>
+            <a:r>
+              <a:rPr lang="ru-RU" dirty="0" smtClean="0"/>
+              <a:t> хранит ссылку на </a:t>
+            </a:r>
+            <a:r>
+              <a:rPr lang="en-US" dirty="0" smtClean="0"/>
+              <a:t>char[] </a:t>
+            </a:r>
+            <a:r>
+              <a:rPr lang="ru-RU" dirty="0" smtClean="0"/>
+              <a:t>для каждого введенного текста</a:t>
+            </a:r>
+          </a:p>
+          <a:p>
+            <a:r>
+              <a:rPr lang="ru-RU" dirty="0" smtClean="0"/>
+              <a:t>Хоть сборщик мусора и уберет</a:t>
+            </a:r>
+            <a:r>
+              <a:rPr lang="ru-RU" baseline="0" dirty="0" smtClean="0"/>
+              <a:t> за </a:t>
+            </a:r>
+            <a:r>
+              <a:rPr lang="en-US" baseline="0" dirty="0" err="1" smtClean="0"/>
+              <a:t>UndoManager</a:t>
+            </a:r>
+            <a:r>
+              <a:rPr lang="en-US" baseline="0" dirty="0" smtClean="0"/>
+              <a:t>, </a:t>
+            </a:r>
+            <a:r>
+              <a:rPr lang="ru-RU" baseline="0" dirty="0" smtClean="0"/>
+              <a:t>до его вызова память может забиваться без явной на то причины</a:t>
+            </a:r>
+            <a:endParaRPr lang="ru-RU" dirty="0"/>
+          </a:p>
+        </p:txBody>
+      </p:sp>
+      <p:sp>
+        <p:nvSpPr>
+          <p:cNvPr id="4" name="Номер слайда 3"/>
+          <p:cNvSpPr>
+            <a:spLocks noGrp="1"/>
+          </p:cNvSpPr>
+          <p:nvPr>
+            <p:ph type="sldNum" sz="quarter" idx="10"/>
+          </p:nvPr>
+        </p:nvSpPr>
+        <p:spPr/>
+        <p:txBody>
+          <a:bodyPr/>
+          <a:lstStyle/>
+          <a:p>
+            <a:fld id="{01B998F4-8103-417C-AF3C-B5E3C74782CC}" type="slidenum">
+              <a:rPr lang="ru-RU" smtClean="0"/>
+              <a:t>15</a:t>
+            </a:fld>
+            <a:endParaRPr lang="ru-RU"/>
+          </a:p>
+        </p:txBody>
+      </p:sp>
+    </p:spTree>
+    <p:extLst>
+      <p:ext uri="{BB962C8B-B14F-4D97-AF65-F5344CB8AC3E}">
+        <p14:creationId xmlns:p14="http://schemas.microsoft.com/office/powerpoint/2010/main" val="2564489975"/>
+      </p:ext>
+    </p:extLst>
+  </p:cSld>
+  <p:clrMapOvr>
+    <a:masterClrMapping/>
+  </p:clrMapOvr>
+</p:notes>
+</file>
+
+<file path=ppt/notesSlides/notesSlide15.xml><?xml version="1.0" encoding="utf-8"?>
+<p:notes xmlns:a="http://schemas.openxmlformats.org/drawingml/2006/main" xmlns:r="http://schemas.openxmlformats.org/officeDocument/2006/relationships" xmlns:p="http://schemas.openxmlformats.org/presentationml/2006/main">
+  <p:cSld>
+    <p:spTree>
+      <p:nvGrpSpPr>
+        <p:cNvPr id="1" name=""/>
+        <p:cNvGrpSpPr/>
+        <p:nvPr/>
+      </p:nvGrpSpPr>
+      <p:grpSpPr>
+        <a:xfrm>
+          <a:off x="0" y="0"/>
+          <a:ext cx="0" cy="0"/>
+          <a:chOff x="0" y="0"/>
+          <a:chExt cx="0" cy="0"/>
+        </a:xfrm>
+      </p:grpSpPr>
+      <p:sp>
+        <p:nvSpPr>
+          <p:cNvPr id="2" name="Образ слайда 1"/>
+          <p:cNvSpPr>
+            <a:spLocks noGrp="1" noRot="1" noChangeAspect="1"/>
+          </p:cNvSpPr>
+          <p:nvPr>
+            <p:ph type="sldImg"/>
+          </p:nvPr>
+        </p:nvSpPr>
+        <p:spPr/>
+      </p:sp>
+      <p:sp>
+        <p:nvSpPr>
+          <p:cNvPr id="3" name="Заметки 2"/>
+          <p:cNvSpPr>
+            <a:spLocks noGrp="1"/>
+          </p:cNvSpPr>
+          <p:nvPr>
+            <p:ph type="body" idx="1"/>
+          </p:nvPr>
+        </p:nvSpPr>
+        <p:spPr/>
+        <p:txBody>
+          <a:bodyPr/>
+          <a:lstStyle/>
+          <a:p>
+            <a:r>
+              <a:rPr lang="ru-RU" dirty="0" smtClean="0"/>
+              <a:t>Крайне</a:t>
+            </a:r>
+            <a:r>
+              <a:rPr lang="ru-RU" baseline="0" dirty="0" smtClean="0"/>
+              <a:t> необычный пример утечки</a:t>
+            </a:r>
+          </a:p>
+          <a:p>
+            <a:endParaRPr lang="ru-RU" baseline="0" dirty="0" smtClean="0"/>
+          </a:p>
+          <a:p>
+            <a:r>
+              <a:rPr lang="ru-RU" baseline="0" dirty="0" smtClean="0"/>
+              <a:t>Мне так и не удалось его воспроизвести. Интернет в данном вопросе разделился на два лагеря – кто-то смог воспроизвести баг, а кто-то нет</a:t>
+            </a:r>
+            <a:endParaRPr lang="ru-RU" dirty="0"/>
+          </a:p>
+        </p:txBody>
+      </p:sp>
+      <p:sp>
+        <p:nvSpPr>
+          <p:cNvPr id="4" name="Номер слайда 3"/>
+          <p:cNvSpPr>
+            <a:spLocks noGrp="1"/>
+          </p:cNvSpPr>
+          <p:nvPr>
+            <p:ph type="sldNum" sz="quarter" idx="10"/>
+          </p:nvPr>
+        </p:nvSpPr>
+        <p:spPr/>
+        <p:txBody>
+          <a:bodyPr/>
+          <a:lstStyle/>
+          <a:p>
+            <a:fld id="{01B998F4-8103-417C-AF3C-B5E3C74782CC}" type="slidenum">
+              <a:rPr lang="ru-RU" smtClean="0"/>
+              <a:t>16</a:t>
+            </a:fld>
+            <a:endParaRPr lang="ru-RU"/>
+          </a:p>
+        </p:txBody>
+      </p:sp>
+    </p:spTree>
+    <p:extLst>
+      <p:ext uri="{BB962C8B-B14F-4D97-AF65-F5344CB8AC3E}">
+        <p14:creationId xmlns:p14="http://schemas.microsoft.com/office/powerpoint/2010/main" val="4214872850"/>
+      </p:ext>
+    </p:extLst>
+  </p:cSld>
+  <p:clrMapOvr>
+    <a:masterClrMapping/>
+  </p:clrMapOvr>
+</p:notes>
+</file>
+
+<file path=ppt/notesSlides/notesSlide16.xml><?xml version="1.0" encoding="utf-8"?>
+<p:notes xmlns:a="http://schemas.openxmlformats.org/drawingml/2006/main" xmlns:r="http://schemas.openxmlformats.org/officeDocument/2006/relationships" xmlns:p="http://schemas.openxmlformats.org/presentationml/2006/main">
+  <p:cSld>
+    <p:spTree>
+      <p:nvGrpSpPr>
+        <p:cNvPr id="1" name=""/>
+        <p:cNvGrpSpPr/>
+        <p:nvPr/>
+      </p:nvGrpSpPr>
+      <p:grpSpPr>
+        <a:xfrm>
+          <a:off x="0" y="0"/>
+          <a:ext cx="0" cy="0"/>
+          <a:chOff x="0" y="0"/>
+          <a:chExt cx="0" cy="0"/>
+        </a:xfrm>
+      </p:grpSpPr>
+      <p:sp>
+        <p:nvSpPr>
+          <p:cNvPr id="2" name="Образ слайда 1"/>
+          <p:cNvSpPr>
+            <a:spLocks noGrp="1" noRot="1" noChangeAspect="1"/>
+          </p:cNvSpPr>
+          <p:nvPr>
+            <p:ph type="sldImg"/>
+          </p:nvPr>
+        </p:nvSpPr>
+        <p:spPr/>
+      </p:sp>
+      <p:sp>
+        <p:nvSpPr>
+          <p:cNvPr id="3" name="Заметки 2"/>
+          <p:cNvSpPr>
+            <a:spLocks noGrp="1"/>
+          </p:cNvSpPr>
+          <p:nvPr>
+            <p:ph type="body" idx="1"/>
+          </p:nvPr>
+        </p:nvSpPr>
+        <p:spPr/>
+        <p:txBody>
+          <a:bodyPr/>
+          <a:lstStyle/>
+          <a:p>
+            <a:r>
+              <a:rPr lang="ru-RU" dirty="0" smtClean="0"/>
+              <a:t>Очень</a:t>
+            </a:r>
+            <a:r>
+              <a:rPr lang="ru-RU" baseline="0" dirty="0" smtClean="0"/>
+              <a:t> напрашивается паттерн </a:t>
+            </a:r>
+            <a:r>
+              <a:rPr lang="en-US" baseline="0" dirty="0" err="1" smtClean="0"/>
+              <a:t>IDisposable</a:t>
+            </a:r>
+            <a:r>
+              <a:rPr lang="en-US" baseline="0" dirty="0" smtClean="0"/>
+              <a:t> </a:t>
+            </a:r>
+            <a:r>
+              <a:rPr lang="ru-RU" baseline="0" dirty="0" smtClean="0"/>
+              <a:t>в </a:t>
+            </a:r>
+            <a:r>
+              <a:rPr lang="en-US" baseline="0" dirty="0" smtClean="0"/>
+              <a:t>Code-behind</a:t>
+            </a:r>
+          </a:p>
+          <a:p>
+            <a:endParaRPr lang="en-US" baseline="0" dirty="0" smtClean="0"/>
+          </a:p>
+          <a:p>
+            <a:r>
+              <a:rPr lang="en-US" baseline="0" dirty="0" smtClean="0"/>
+              <a:t>x:Name </a:t>
+            </a:r>
+            <a:r>
+              <a:rPr lang="ru-RU" baseline="0" dirty="0" smtClean="0"/>
+              <a:t>можно добавить к любому элементу в </a:t>
+            </a:r>
+            <a:r>
+              <a:rPr lang="en-US" baseline="0" dirty="0" smtClean="0"/>
+              <a:t>XAML, </a:t>
+            </a:r>
+            <a:r>
+              <a:rPr lang="ru-RU" baseline="0" dirty="0" smtClean="0"/>
+              <a:t>а </a:t>
+            </a:r>
+            <a:r>
+              <a:rPr lang="en-US" baseline="0" dirty="0" smtClean="0"/>
+              <a:t>Name </a:t>
+            </a:r>
+            <a:r>
+              <a:rPr lang="ru-RU" baseline="0" dirty="0" smtClean="0"/>
+              <a:t>может быть не у всех объектов/типов</a:t>
+            </a:r>
+          </a:p>
+          <a:p>
+            <a:endParaRPr lang="ru-RU" baseline="0" dirty="0" smtClean="0"/>
+          </a:p>
+          <a:p>
+            <a:endParaRPr lang="en-US" baseline="0" dirty="0" smtClean="0"/>
+          </a:p>
+          <a:p>
+            <a:endParaRPr lang="ru-RU" baseline="0" dirty="0" smtClean="0"/>
+          </a:p>
+          <a:p>
+            <a:endParaRPr lang="ru-RU" baseline="0" dirty="0" smtClean="0"/>
+          </a:p>
+          <a:p>
+            <a:pPr fontAlgn="base"/>
+            <a:r>
+              <a:rPr lang="en-US" sz="1200" b="0" i="0" kern="1200" dirty="0" smtClean="0">
+                <a:solidFill>
+                  <a:schemeClr val="tx1"/>
+                </a:solidFill>
+                <a:effectLst/>
+                <a:latin typeface="+mn-lt"/>
+                <a:ea typeface="+mn-ea"/>
+                <a:cs typeface="+mn-cs"/>
+              </a:rPr>
+              <a:t>x:Name is a </a:t>
+            </a:r>
+            <a:r>
+              <a:rPr lang="en-US" sz="1200" b="0" i="0" kern="1200" dirty="0" err="1" smtClean="0">
+                <a:solidFill>
+                  <a:schemeClr val="tx1"/>
+                </a:solidFill>
+                <a:effectLst/>
+                <a:latin typeface="+mn-lt"/>
+                <a:ea typeface="+mn-ea"/>
+                <a:cs typeface="+mn-cs"/>
+              </a:rPr>
+              <a:t>xaml</a:t>
+            </a:r>
+            <a:r>
+              <a:rPr lang="en-US" sz="1200" b="0" i="0" kern="1200" dirty="0" smtClean="0">
+                <a:solidFill>
+                  <a:schemeClr val="tx1"/>
+                </a:solidFill>
+                <a:effectLst/>
+                <a:latin typeface="+mn-lt"/>
+                <a:ea typeface="+mn-ea"/>
+                <a:cs typeface="+mn-cs"/>
+              </a:rPr>
+              <a:t> concept, used mainly to reference elements. When you give an element the x:Name </a:t>
+            </a:r>
+            <a:r>
+              <a:rPr lang="en-US" sz="1200" b="0" i="0" kern="1200" dirty="0" err="1" smtClean="0">
+                <a:solidFill>
+                  <a:schemeClr val="tx1"/>
+                </a:solidFill>
+                <a:effectLst/>
+                <a:latin typeface="+mn-lt"/>
+                <a:ea typeface="+mn-ea"/>
+                <a:cs typeface="+mn-cs"/>
+              </a:rPr>
+              <a:t>xaml</a:t>
+            </a:r>
+            <a:r>
+              <a:rPr lang="en-US" sz="1200" b="0" i="0" kern="1200" dirty="0" smtClean="0">
+                <a:solidFill>
+                  <a:schemeClr val="tx1"/>
+                </a:solidFill>
+                <a:effectLst/>
+                <a:latin typeface="+mn-lt"/>
+                <a:ea typeface="+mn-ea"/>
+                <a:cs typeface="+mn-cs"/>
+              </a:rPr>
+              <a:t> attribute, "the specified x:Name becomes the name of a field that is created in the underlying code when </a:t>
+            </a:r>
+            <a:r>
+              <a:rPr lang="en-US" sz="1200" b="0" i="0" kern="1200" dirty="0" err="1" smtClean="0">
+                <a:solidFill>
+                  <a:schemeClr val="tx1"/>
+                </a:solidFill>
+                <a:effectLst/>
+                <a:latin typeface="+mn-lt"/>
+                <a:ea typeface="+mn-ea"/>
+                <a:cs typeface="+mn-cs"/>
+              </a:rPr>
+              <a:t>xaml</a:t>
+            </a:r>
+            <a:r>
+              <a:rPr lang="en-US" sz="1200" b="0" i="0" kern="1200" dirty="0" smtClean="0">
+                <a:solidFill>
+                  <a:schemeClr val="tx1"/>
+                </a:solidFill>
+                <a:effectLst/>
+                <a:latin typeface="+mn-lt"/>
+                <a:ea typeface="+mn-ea"/>
+                <a:cs typeface="+mn-cs"/>
+              </a:rPr>
+              <a:t> is processed, and that field holds a reference to the object." (</a:t>
+            </a:r>
+            <a:r>
+              <a:rPr lang="en-US" sz="1200" b="0" i="0" u="sng" kern="1200" dirty="0" smtClean="0">
+                <a:solidFill>
+                  <a:schemeClr val="tx1"/>
+                </a:solidFill>
+                <a:effectLst/>
+                <a:latin typeface="+mn-lt"/>
+                <a:ea typeface="+mn-ea"/>
+                <a:cs typeface="+mn-cs"/>
+                <a:hlinkClick r:id="rId3"/>
+              </a:rPr>
+              <a:t>MSDN</a:t>
+            </a:r>
+            <a:r>
+              <a:rPr lang="en-US" sz="1200" b="0" i="0" kern="1200" dirty="0" smtClean="0">
+                <a:solidFill>
+                  <a:schemeClr val="tx1"/>
+                </a:solidFill>
+                <a:effectLst/>
+                <a:latin typeface="+mn-lt"/>
+                <a:ea typeface="+mn-ea"/>
+                <a:cs typeface="+mn-cs"/>
+              </a:rPr>
+              <a:t>) So, it's a designer-generated field, which has internal access by default.</a:t>
+            </a:r>
+            <a:endParaRPr lang="ru-RU" sz="1200" b="0" i="0" kern="1200" dirty="0" smtClean="0">
+              <a:solidFill>
+                <a:schemeClr val="tx1"/>
+              </a:solidFill>
+              <a:effectLst/>
+              <a:latin typeface="+mn-lt"/>
+              <a:ea typeface="+mn-ea"/>
+              <a:cs typeface="+mn-cs"/>
+            </a:endParaRPr>
+          </a:p>
+          <a:p>
+            <a:pPr fontAlgn="base"/>
+            <a:endParaRPr lang="en-US" sz="1200" b="0" i="0" kern="1200" dirty="0" smtClean="0">
+              <a:solidFill>
+                <a:schemeClr val="tx1"/>
+              </a:solidFill>
+              <a:effectLst/>
+              <a:latin typeface="+mn-lt"/>
+              <a:ea typeface="+mn-ea"/>
+              <a:cs typeface="+mn-cs"/>
+            </a:endParaRPr>
+          </a:p>
+          <a:p>
+            <a:pPr fontAlgn="base"/>
+            <a:r>
+              <a:rPr lang="en-US" sz="1200" b="0" i="0" kern="1200" dirty="0" smtClean="0">
+                <a:solidFill>
+                  <a:schemeClr val="tx1"/>
+                </a:solidFill>
+                <a:effectLst/>
+                <a:latin typeface="+mn-lt"/>
+                <a:ea typeface="+mn-ea"/>
+                <a:cs typeface="+mn-cs"/>
+              </a:rPr>
+              <a:t>Name is the existing string property of a </a:t>
+            </a:r>
+            <a:r>
+              <a:rPr lang="en-US" sz="1200" b="0" i="0" kern="1200" dirty="0" err="1" smtClean="0">
+                <a:solidFill>
+                  <a:schemeClr val="tx1"/>
+                </a:solidFill>
+                <a:effectLst/>
+                <a:latin typeface="+mn-lt"/>
+                <a:ea typeface="+mn-ea"/>
+                <a:cs typeface="+mn-cs"/>
+              </a:rPr>
+              <a:t>FrameworkElement</a:t>
+            </a:r>
+            <a:r>
+              <a:rPr lang="en-US" sz="1200" b="0" i="0" kern="1200" dirty="0" smtClean="0">
+                <a:solidFill>
+                  <a:schemeClr val="tx1"/>
+                </a:solidFill>
+                <a:effectLst/>
+                <a:latin typeface="+mn-lt"/>
+                <a:ea typeface="+mn-ea"/>
+                <a:cs typeface="+mn-cs"/>
+              </a:rPr>
+              <a:t>, listed as any other </a:t>
+            </a:r>
+            <a:r>
+              <a:rPr lang="en-US" sz="1200" b="0" i="0" kern="1200" dirty="0" err="1" smtClean="0">
+                <a:solidFill>
+                  <a:schemeClr val="tx1"/>
+                </a:solidFill>
+                <a:effectLst/>
+                <a:latin typeface="+mn-lt"/>
+                <a:ea typeface="+mn-ea"/>
+                <a:cs typeface="+mn-cs"/>
+              </a:rPr>
+              <a:t>wpf</a:t>
+            </a:r>
+            <a:r>
+              <a:rPr lang="en-US" sz="1200" b="0" i="0" kern="1200" dirty="0" smtClean="0">
+                <a:solidFill>
+                  <a:schemeClr val="tx1"/>
+                </a:solidFill>
+                <a:effectLst/>
+                <a:latin typeface="+mn-lt"/>
+                <a:ea typeface="+mn-ea"/>
+                <a:cs typeface="+mn-cs"/>
+              </a:rPr>
+              <a:t> element property in the form of a </a:t>
+            </a:r>
+            <a:r>
+              <a:rPr lang="en-US" sz="1200" b="0" i="0" kern="1200" dirty="0" err="1" smtClean="0">
+                <a:solidFill>
+                  <a:schemeClr val="tx1"/>
+                </a:solidFill>
+                <a:effectLst/>
+                <a:latin typeface="+mn-lt"/>
+                <a:ea typeface="+mn-ea"/>
+                <a:cs typeface="+mn-cs"/>
+              </a:rPr>
+              <a:t>xaml</a:t>
+            </a:r>
+            <a:r>
+              <a:rPr lang="en-US" sz="1200" b="0" i="0" kern="1200" dirty="0" smtClean="0">
+                <a:solidFill>
+                  <a:schemeClr val="tx1"/>
+                </a:solidFill>
+                <a:effectLst/>
+                <a:latin typeface="+mn-lt"/>
+                <a:ea typeface="+mn-ea"/>
+                <a:cs typeface="+mn-cs"/>
+              </a:rPr>
+              <a:t> attribute.</a:t>
+            </a:r>
+          </a:p>
+          <a:p>
+            <a:pPr fontAlgn="base"/>
+            <a:r>
+              <a:rPr lang="en-US" sz="1200" b="0" i="0" kern="1200" dirty="0" smtClean="0">
+                <a:solidFill>
+                  <a:schemeClr val="tx1"/>
+                </a:solidFill>
+                <a:effectLst/>
+                <a:latin typeface="+mn-lt"/>
+                <a:ea typeface="+mn-ea"/>
+                <a:cs typeface="+mn-cs"/>
+              </a:rPr>
+              <a:t>As a consequence, this also means x:Name can be used on a wider range of objects. This is a technique to enable anything in </a:t>
+            </a:r>
+            <a:r>
+              <a:rPr lang="en-US" sz="1200" b="0" i="0" kern="1200" dirty="0" err="1" smtClean="0">
+                <a:solidFill>
+                  <a:schemeClr val="tx1"/>
+                </a:solidFill>
+                <a:effectLst/>
+                <a:latin typeface="+mn-lt"/>
+                <a:ea typeface="+mn-ea"/>
+                <a:cs typeface="+mn-cs"/>
+              </a:rPr>
+              <a:t>xaml</a:t>
+            </a:r>
+            <a:r>
+              <a:rPr lang="en-US" sz="1200" b="0" i="0" kern="1200" dirty="0" smtClean="0">
+                <a:solidFill>
+                  <a:schemeClr val="tx1"/>
+                </a:solidFill>
+                <a:effectLst/>
+                <a:latin typeface="+mn-lt"/>
+                <a:ea typeface="+mn-ea"/>
+                <a:cs typeface="+mn-cs"/>
+              </a:rPr>
+              <a:t> to be referenced by a given name.</a:t>
+            </a:r>
+          </a:p>
+          <a:p>
+            <a:endParaRPr lang="ru-RU" dirty="0"/>
+          </a:p>
+        </p:txBody>
+      </p:sp>
+      <p:sp>
+        <p:nvSpPr>
+          <p:cNvPr id="4" name="Номер слайда 3"/>
+          <p:cNvSpPr>
+            <a:spLocks noGrp="1"/>
+          </p:cNvSpPr>
+          <p:nvPr>
+            <p:ph type="sldNum" sz="quarter" idx="10"/>
+          </p:nvPr>
+        </p:nvSpPr>
+        <p:spPr/>
+        <p:txBody>
+          <a:bodyPr/>
+          <a:lstStyle/>
+          <a:p>
+            <a:fld id="{01B998F4-8103-417C-AF3C-B5E3C74782CC}" type="slidenum">
+              <a:rPr lang="ru-RU" smtClean="0"/>
+              <a:t>18</a:t>
+            </a:fld>
+            <a:endParaRPr lang="ru-RU"/>
+          </a:p>
+        </p:txBody>
+      </p:sp>
+    </p:spTree>
+    <p:extLst>
+      <p:ext uri="{BB962C8B-B14F-4D97-AF65-F5344CB8AC3E}">
+        <p14:creationId xmlns:p14="http://schemas.microsoft.com/office/powerpoint/2010/main" val="4265487058"/>
+      </p:ext>
+    </p:extLst>
+  </p:cSld>
+  <p:clrMapOvr>
+    <a:masterClrMapping/>
+  </p:clrMapOvr>
+</p:notes>
+</file>
+
+<file path=ppt/notesSlides/notesSlide17.xml><?xml version="1.0" encoding="utf-8"?>
+<p:notes xmlns:a="http://schemas.openxmlformats.org/drawingml/2006/main" xmlns:r="http://schemas.openxmlformats.org/officeDocument/2006/relationships" xmlns:p="http://schemas.openxmlformats.org/presentationml/2006/main">
+  <p:cSld>
+    <p:spTree>
+      <p:nvGrpSpPr>
+        <p:cNvPr id="1" name=""/>
+        <p:cNvGrpSpPr/>
+        <p:nvPr/>
+      </p:nvGrpSpPr>
+      <p:grpSpPr>
+        <a:xfrm>
+          <a:off x="0" y="0"/>
+          <a:ext cx="0" cy="0"/>
+          <a:chOff x="0" y="0"/>
+          <a:chExt cx="0" cy="0"/>
+        </a:xfrm>
+      </p:grpSpPr>
+      <p:sp>
+        <p:nvSpPr>
+          <p:cNvPr id="2" name="Образ слайда 1"/>
+          <p:cNvSpPr>
+            <a:spLocks noGrp="1" noRot="1" noChangeAspect="1"/>
+          </p:cNvSpPr>
+          <p:nvPr>
+            <p:ph type="sldImg"/>
+          </p:nvPr>
+        </p:nvSpPr>
+        <p:spPr/>
+      </p:sp>
+      <p:sp>
+        <p:nvSpPr>
+          <p:cNvPr id="3" name="Заметки 2"/>
+          <p:cNvSpPr>
+            <a:spLocks noGrp="1"/>
+          </p:cNvSpPr>
+          <p:nvPr>
+            <p:ph type="body" idx="1"/>
+          </p:nvPr>
+        </p:nvSpPr>
+        <p:spPr/>
+        <p:txBody>
+          <a:bodyPr/>
+          <a:lstStyle/>
+          <a:p>
+            <a:r>
+              <a:rPr lang="ru-RU" dirty="0" smtClean="0"/>
+              <a:t>Пример из практики</a:t>
+            </a:r>
+          </a:p>
+          <a:p>
+            <a:endParaRPr lang="ru-RU" dirty="0" smtClean="0"/>
+          </a:p>
+          <a:p>
+            <a:r>
+              <a:rPr lang="ru-RU" dirty="0" smtClean="0"/>
+              <a:t>Используем</a:t>
+            </a:r>
+            <a:r>
+              <a:rPr lang="ru-RU" baseline="0" dirty="0" smtClean="0"/>
+              <a:t> </a:t>
+            </a:r>
+            <a:r>
+              <a:rPr lang="en-US" baseline="0" dirty="0" err="1" smtClean="0"/>
+              <a:t>EventAggregator</a:t>
+            </a:r>
+            <a:r>
+              <a:rPr lang="en-US" baseline="0" dirty="0" smtClean="0"/>
+              <a:t>, </a:t>
+            </a:r>
+            <a:r>
+              <a:rPr lang="ru-RU" baseline="0" dirty="0" smtClean="0"/>
+              <a:t>регистрируем единственный экземпляр в </a:t>
+            </a:r>
+            <a:r>
+              <a:rPr lang="en-US" baseline="0" dirty="0" smtClean="0"/>
+              <a:t>DI </a:t>
+            </a:r>
+            <a:r>
+              <a:rPr lang="ru-RU" baseline="0" dirty="0" smtClean="0"/>
+              <a:t>контейнере. В одной </a:t>
+            </a:r>
+            <a:r>
+              <a:rPr lang="en-US" baseline="0" dirty="0" smtClean="0"/>
+              <a:t>View </a:t>
+            </a:r>
+            <a:r>
+              <a:rPr lang="ru-RU" baseline="0" dirty="0" smtClean="0"/>
+              <a:t>подписывались на получение сообщений через </a:t>
+            </a:r>
+            <a:r>
+              <a:rPr lang="en-US" baseline="0" dirty="0" err="1" smtClean="0"/>
+              <a:t>EventAggregator</a:t>
+            </a:r>
+            <a:r>
+              <a:rPr lang="en-US" baseline="0" dirty="0" smtClean="0"/>
+              <a:t>, </a:t>
+            </a:r>
+            <a:endParaRPr lang="ru-RU" dirty="0"/>
+          </a:p>
+        </p:txBody>
+      </p:sp>
+      <p:sp>
+        <p:nvSpPr>
+          <p:cNvPr id="4" name="Номер слайда 3"/>
+          <p:cNvSpPr>
+            <a:spLocks noGrp="1"/>
+          </p:cNvSpPr>
+          <p:nvPr>
+            <p:ph type="sldNum" sz="quarter" idx="10"/>
+          </p:nvPr>
+        </p:nvSpPr>
+        <p:spPr/>
+        <p:txBody>
+          <a:bodyPr/>
+          <a:lstStyle/>
+          <a:p>
+            <a:fld id="{01B998F4-8103-417C-AF3C-B5E3C74782CC}" type="slidenum">
+              <a:rPr lang="ru-RU" smtClean="0"/>
+              <a:t>19</a:t>
+            </a:fld>
+            <a:endParaRPr lang="ru-RU"/>
+          </a:p>
+        </p:txBody>
+      </p:sp>
+    </p:spTree>
+    <p:extLst>
+      <p:ext uri="{BB962C8B-B14F-4D97-AF65-F5344CB8AC3E}">
+        <p14:creationId xmlns:p14="http://schemas.microsoft.com/office/powerpoint/2010/main" val="2826734776"/>
+      </p:ext>
+    </p:extLst>
+  </p:cSld>
+  <p:clrMapOvr>
+    <a:masterClrMapping/>
+  </p:clrMapOvr>
+</p:notes>
+</file>
+
+<file path=ppt/notesSlides/notesSlide18.xml><?xml version="1.0" encoding="utf-8"?>
+<p:notes xmlns:a="http://schemas.openxmlformats.org/drawingml/2006/main" xmlns:r="http://schemas.openxmlformats.org/officeDocument/2006/relationships" xmlns:p="http://schemas.openxmlformats.org/presentationml/2006/main">
+  <p:cSld>
+    <p:spTree>
+      <p:nvGrpSpPr>
+        <p:cNvPr id="1" name=""/>
+        <p:cNvGrpSpPr/>
+        <p:nvPr/>
+      </p:nvGrpSpPr>
+      <p:grpSpPr>
+        <a:xfrm>
+          <a:off x="0" y="0"/>
+          <a:ext cx="0" cy="0"/>
+          <a:chOff x="0" y="0"/>
+          <a:chExt cx="0" cy="0"/>
+        </a:xfrm>
+      </p:grpSpPr>
+      <p:sp>
+        <p:nvSpPr>
+          <p:cNvPr id="2" name="Образ слайда 1"/>
+          <p:cNvSpPr>
+            <a:spLocks noGrp="1" noRot="1" noChangeAspect="1"/>
+          </p:cNvSpPr>
+          <p:nvPr>
+            <p:ph type="sldImg"/>
+          </p:nvPr>
+        </p:nvSpPr>
+        <p:spPr/>
+      </p:sp>
+      <p:sp>
+        <p:nvSpPr>
+          <p:cNvPr id="3" name="Заметки 2"/>
+          <p:cNvSpPr>
+            <a:spLocks noGrp="1"/>
+          </p:cNvSpPr>
+          <p:nvPr>
+            <p:ph type="body" idx="1"/>
+          </p:nvPr>
+        </p:nvSpPr>
+        <p:spPr/>
+        <p:txBody>
+          <a:bodyPr/>
+          <a:lstStyle/>
+          <a:p>
+            <a:pPr>
+              <a:lnSpc>
+                <a:spcPct val="150000"/>
+              </a:lnSpc>
+            </a:pPr>
+            <a:r>
+              <a:rPr lang="en-US" dirty="0" smtClean="0"/>
+              <a:t>Static – </a:t>
+            </a:r>
+            <a:r>
+              <a:rPr lang="ru-RU" dirty="0" smtClean="0"/>
+              <a:t>очень большое зло </a:t>
+            </a:r>
+          </a:p>
+          <a:p>
+            <a:pPr>
+              <a:lnSpc>
+                <a:spcPct val="150000"/>
+              </a:lnSpc>
+            </a:pPr>
+            <a:r>
+              <a:rPr lang="en-US" dirty="0" err="1" smtClean="0"/>
+              <a:t>IDisposable</a:t>
+            </a:r>
+            <a:r>
+              <a:rPr lang="en-US" dirty="0" smtClean="0"/>
+              <a:t> – </a:t>
+            </a:r>
+            <a:r>
+              <a:rPr lang="ru-RU" dirty="0" smtClean="0"/>
+              <a:t>наш верный друг и помощник</a:t>
+            </a:r>
+          </a:p>
+          <a:p>
+            <a:pPr>
+              <a:lnSpc>
+                <a:spcPct val="150000"/>
+              </a:lnSpc>
+            </a:pPr>
+            <a:r>
+              <a:rPr lang="ru-RU" dirty="0" smtClean="0"/>
+              <a:t>Грамотная архитектура</a:t>
+            </a:r>
+            <a:r>
+              <a:rPr lang="en-US" dirty="0" smtClean="0"/>
+              <a:t> </a:t>
+            </a:r>
+            <a:r>
+              <a:rPr lang="ru-RU" dirty="0" smtClean="0"/>
+              <a:t>спасает от большинства проблем – пример с </a:t>
+            </a:r>
+            <a:r>
+              <a:rPr lang="en-US" dirty="0" err="1" smtClean="0"/>
+              <a:t>CommandBinding</a:t>
+            </a:r>
+            <a:r>
+              <a:rPr lang="en-US" dirty="0" smtClean="0"/>
+              <a:t> </a:t>
+            </a:r>
+            <a:r>
+              <a:rPr lang="ru-RU" dirty="0" smtClean="0"/>
+              <a:t>и явной</a:t>
+            </a:r>
+            <a:r>
+              <a:rPr lang="ru-RU" baseline="0" dirty="0" smtClean="0"/>
+              <a:t> ссылкой одного представления на другое</a:t>
+            </a:r>
+            <a:endParaRPr lang="ru-RU" dirty="0" smtClean="0"/>
+          </a:p>
+          <a:p>
+            <a:pPr>
+              <a:lnSpc>
+                <a:spcPct val="150000"/>
+              </a:lnSpc>
+            </a:pPr>
+            <a:r>
+              <a:rPr lang="ru-RU" dirty="0" smtClean="0"/>
+              <a:t>Следим за событиями</a:t>
+            </a:r>
+            <a:r>
+              <a:rPr lang="en-US" dirty="0" smtClean="0"/>
+              <a:t> </a:t>
+            </a:r>
+            <a:r>
+              <a:rPr lang="ru-RU" dirty="0" smtClean="0"/>
+              <a:t>и отписываемся от них, если возможно. Если невозможно – </a:t>
+            </a:r>
+            <a:r>
+              <a:rPr lang="en-US" dirty="0" smtClean="0"/>
+              <a:t>Weak Event pattern </a:t>
+            </a:r>
+            <a:r>
+              <a:rPr lang="ru-RU" dirty="0" smtClean="0"/>
+              <a:t>вам в помощь</a:t>
+            </a:r>
+            <a:endParaRPr lang="ru-RU" dirty="0" smtClean="0"/>
+          </a:p>
+        </p:txBody>
+      </p:sp>
+      <p:sp>
+        <p:nvSpPr>
+          <p:cNvPr id="4" name="Номер слайда 3"/>
+          <p:cNvSpPr>
+            <a:spLocks noGrp="1"/>
+          </p:cNvSpPr>
+          <p:nvPr>
+            <p:ph type="sldNum" sz="quarter" idx="10"/>
+          </p:nvPr>
+        </p:nvSpPr>
+        <p:spPr/>
+        <p:txBody>
+          <a:bodyPr/>
+          <a:lstStyle/>
+          <a:p>
+            <a:fld id="{01B998F4-8103-417C-AF3C-B5E3C74782CC}" type="slidenum">
+              <a:rPr lang="ru-RU" smtClean="0"/>
+              <a:t>20</a:t>
+            </a:fld>
+            <a:endParaRPr lang="ru-RU"/>
+          </a:p>
+        </p:txBody>
+      </p:sp>
+    </p:spTree>
+    <p:extLst>
+      <p:ext uri="{BB962C8B-B14F-4D97-AF65-F5344CB8AC3E}">
+        <p14:creationId xmlns:p14="http://schemas.microsoft.com/office/powerpoint/2010/main" val="2892617012"/>
+      </p:ext>
+    </p:extLst>
+  </p:cSld>
+  <p:clrMapOvr>
+    <a:masterClrMapping/>
+  </p:clrMapOvr>
+</p:notes>
+</file>
+
+<file path=ppt/notesSlides/notesSlide19.xml><?xml version="1.0" encoding="utf-8"?>
+<p:notes xmlns:a="http://schemas.openxmlformats.org/drawingml/2006/main" xmlns:r="http://schemas.openxmlformats.org/officeDocument/2006/relationships" xmlns:p="http://schemas.openxmlformats.org/presentationml/2006/main">
+  <p:cSld>
+    <p:spTree>
+      <p:nvGrpSpPr>
+        <p:cNvPr id="1" name=""/>
+        <p:cNvGrpSpPr/>
+        <p:nvPr/>
+      </p:nvGrpSpPr>
+      <p:grpSpPr>
+        <a:xfrm>
+          <a:off x="0" y="0"/>
+          <a:ext cx="0" cy="0"/>
+          <a:chOff x="0" y="0"/>
+          <a:chExt cx="0" cy="0"/>
+        </a:xfrm>
+      </p:grpSpPr>
+      <p:sp>
+        <p:nvSpPr>
+          <p:cNvPr id="2" name="Образ слайда 1"/>
+          <p:cNvSpPr>
+            <a:spLocks noGrp="1" noRot="1" noChangeAspect="1"/>
+          </p:cNvSpPr>
+          <p:nvPr>
+            <p:ph type="sldImg"/>
+          </p:nvPr>
+        </p:nvSpPr>
+        <p:spPr/>
+      </p:sp>
+      <p:sp>
+        <p:nvSpPr>
+          <p:cNvPr id="3" name="Заметки 2"/>
+          <p:cNvSpPr>
+            <a:spLocks noGrp="1"/>
+          </p:cNvSpPr>
+          <p:nvPr>
+            <p:ph type="body" idx="1"/>
+          </p:nvPr>
+        </p:nvSpPr>
+        <p:spPr/>
+        <p:txBody>
+          <a:bodyPr/>
+          <a:lstStyle/>
+          <a:p>
+            <a:r>
+              <a:rPr lang="ru-RU" dirty="0" smtClean="0"/>
+              <a:t>Желательно выбирать профилировщик, который дает</a:t>
+            </a:r>
+            <a:r>
+              <a:rPr lang="ru-RU" baseline="0" dirty="0" smtClean="0"/>
+              <a:t> подсказки для </a:t>
+            </a:r>
+            <a:r>
+              <a:rPr lang="en-US" baseline="0" dirty="0" smtClean="0"/>
+              <a:t>WPF </a:t>
+            </a:r>
+            <a:r>
+              <a:rPr lang="ru-RU" baseline="0" dirty="0" smtClean="0"/>
+              <a:t>приложений или же позволяет построить граф зависимостей, чтобы увидеть конкретную утечку</a:t>
+            </a:r>
+            <a:endParaRPr lang="ru-RU" dirty="0"/>
+          </a:p>
+        </p:txBody>
+      </p:sp>
+      <p:sp>
+        <p:nvSpPr>
+          <p:cNvPr id="4" name="Номер слайда 3"/>
+          <p:cNvSpPr>
+            <a:spLocks noGrp="1"/>
+          </p:cNvSpPr>
+          <p:nvPr>
+            <p:ph type="sldNum" sz="quarter" idx="10"/>
+          </p:nvPr>
+        </p:nvSpPr>
+        <p:spPr/>
+        <p:txBody>
+          <a:bodyPr/>
+          <a:lstStyle/>
+          <a:p>
+            <a:fld id="{01B998F4-8103-417C-AF3C-B5E3C74782CC}" type="slidenum">
+              <a:rPr lang="ru-RU" smtClean="0"/>
+              <a:t>21</a:t>
+            </a:fld>
+            <a:endParaRPr lang="ru-RU"/>
+          </a:p>
+        </p:txBody>
+      </p:sp>
+    </p:spTree>
+    <p:extLst>
+      <p:ext uri="{BB962C8B-B14F-4D97-AF65-F5344CB8AC3E}">
+        <p14:creationId xmlns:p14="http://schemas.microsoft.com/office/powerpoint/2010/main" val="289175959"/>
       </p:ext>
     </p:extLst>
   </p:cSld>
@@ -834,46 +2180,33 @@
           <a:p>
             <a:r>
               <a:rPr lang="ru-RU" dirty="0" smtClean="0"/>
-              <a:t>Стандартный набор действий:</a:t>
-            </a:r>
-          </a:p>
-          <a:p>
-            <a:pPr marL="228600" indent="-228600">
-              <a:buAutoNum type="arabicParenR"/>
-            </a:pPr>
-            <a:r>
-              <a:rPr lang="ru-RU" dirty="0" smtClean="0"/>
-              <a:t>Загрузить данные из </a:t>
-            </a:r>
-            <a:r>
-              <a:rPr lang="ru-RU" dirty="0" err="1" smtClean="0"/>
-              <a:t>бд</a:t>
-            </a:r>
-            <a:r>
-              <a:rPr lang="ru-RU" dirty="0" smtClean="0"/>
-              <a:t> или из файла;</a:t>
-            </a:r>
-          </a:p>
-          <a:p>
-            <a:pPr marL="228600" indent="-228600">
-              <a:buAutoNum type="arabicParenR"/>
-            </a:pPr>
-            <a:r>
-              <a:rPr lang="ru-RU" dirty="0" smtClean="0"/>
-              <a:t>Показать</a:t>
+              <a:t>Картинка</a:t>
             </a:r>
             <a:r>
               <a:rPr lang="ru-RU" baseline="0" dirty="0" smtClean="0"/>
-              <a:t> один объект;</a:t>
-            </a:r>
-          </a:p>
-          <a:p>
-            <a:pPr marL="228600" indent="-228600">
-              <a:buAutoNum type="arabicParenR"/>
-            </a:pPr>
+              <a:t> для привлечения внимания</a:t>
+            </a:r>
+          </a:p>
+          <a:p>
+            <a:endParaRPr lang="ru-RU" baseline="0" dirty="0" smtClean="0"/>
+          </a:p>
+          <a:p>
+            <a:r>
+              <a:rPr lang="ru-RU" dirty="0" smtClean="0"/>
+              <a:t>Заказчик сталкивался</a:t>
+            </a:r>
             <a:r>
               <a:rPr lang="ru-RU" baseline="0" dirty="0" smtClean="0"/>
-              <a:t>Показать много объектов;</a:t>
+              <a:t> с приложениями, которые «ели слишком много»</a:t>
+            </a:r>
+          </a:p>
+          <a:p>
+            <a:endParaRPr lang="ru-RU" baseline="0" dirty="0" smtClean="0"/>
+          </a:p>
+          <a:p>
+            <a:r>
+              <a:rPr lang="ru-RU" baseline="0" dirty="0" smtClean="0"/>
+              <a:t>После реализации основного функционала была возможность заняться профилированием, что мы и сделали</a:t>
             </a:r>
             <a:endParaRPr lang="ru-RU" dirty="0"/>
           </a:p>
@@ -896,7 +2229,7 @@
           <a:p>
             <a:fld id="{01B998F4-8103-417C-AF3C-B5E3C74782CC}" type="slidenum">
               <a:rPr lang="ru-RU" smtClean="0"/>
-              <a:t>4</a:t>
+              <a:t>3</a:t>
             </a:fld>
             <a:endParaRPr lang="ru-RU"/>
           </a:p>
@@ -905,7 +2238,172 @@
     </p:spTree>
     <p:extLst>
       <p:ext uri="{BB962C8B-B14F-4D97-AF65-F5344CB8AC3E}">
-        <p14:creationId xmlns:p14="http://schemas.microsoft.com/office/powerpoint/2010/main" val="3014532107"/>
+        <p14:creationId xmlns:p14="http://schemas.microsoft.com/office/powerpoint/2010/main" val="3874971301"/>
+      </p:ext>
+    </p:extLst>
+  </p:cSld>
+  <p:clrMapOvr>
+    <a:masterClrMapping/>
+  </p:clrMapOvr>
+</p:notes>
+</file>
+
+<file path=ppt/notesSlides/notesSlide20.xml><?xml version="1.0" encoding="utf-8"?>
+<p:notes xmlns:a="http://schemas.openxmlformats.org/drawingml/2006/main" xmlns:r="http://schemas.openxmlformats.org/officeDocument/2006/relationships" xmlns:p="http://schemas.openxmlformats.org/presentationml/2006/main">
+  <p:cSld>
+    <p:spTree>
+      <p:nvGrpSpPr>
+        <p:cNvPr id="1" name=""/>
+        <p:cNvGrpSpPr/>
+        <p:nvPr/>
+      </p:nvGrpSpPr>
+      <p:grpSpPr>
+        <a:xfrm>
+          <a:off x="0" y="0"/>
+          <a:ext cx="0" cy="0"/>
+          <a:chOff x="0" y="0"/>
+          <a:chExt cx="0" cy="0"/>
+        </a:xfrm>
+      </p:grpSpPr>
+      <p:sp>
+        <p:nvSpPr>
+          <p:cNvPr id="2" name="Образ слайда 1"/>
+          <p:cNvSpPr>
+            <a:spLocks noGrp="1" noRot="1" noChangeAspect="1"/>
+          </p:cNvSpPr>
+          <p:nvPr>
+            <p:ph type="sldImg"/>
+          </p:nvPr>
+        </p:nvSpPr>
+        <p:spPr/>
+      </p:sp>
+      <p:sp>
+        <p:nvSpPr>
+          <p:cNvPr id="3" name="Заметки 2"/>
+          <p:cNvSpPr>
+            <a:spLocks noGrp="1"/>
+          </p:cNvSpPr>
+          <p:nvPr>
+            <p:ph type="body" idx="1"/>
+          </p:nvPr>
+        </p:nvSpPr>
+        <p:spPr/>
+        <p:txBody>
+          <a:bodyPr/>
+          <a:lstStyle/>
+          <a:p>
+            <a:r>
+              <a:rPr lang="ru-RU" baseline="0" dirty="0" smtClean="0"/>
+              <a:t>Существует куда больше инструментов для профилировки памяти, но доклад все же посвящен не сравнению профилировщиков </a:t>
+            </a:r>
+            <a:r>
+              <a:rPr lang="ru-RU" baseline="0" dirty="0" smtClean="0">
+                <a:sym typeface="Wingdings" panose="05000000000000000000" pitchFamily="2" charset="2"/>
+              </a:rPr>
+              <a:t></a:t>
+            </a:r>
+          </a:p>
+          <a:p>
+            <a:endParaRPr lang="ru-RU" baseline="0" dirty="0" smtClean="0">
+              <a:sym typeface="Wingdings" panose="05000000000000000000" pitchFamily="2" charset="2"/>
+            </a:endParaRPr>
+          </a:p>
+          <a:p>
+            <a:pPr marL="0" marR="0" indent="0" algn="l" defTabSz="914400" rtl="0" eaLnBrk="1" fontAlgn="auto" latinLnBrk="0" hangingPunct="1">
+              <a:lnSpc>
+                <a:spcPct val="100000"/>
+              </a:lnSpc>
+              <a:spcBef>
+                <a:spcPts val="0"/>
+              </a:spcBef>
+              <a:spcAft>
+                <a:spcPts val="0"/>
+              </a:spcAft>
+              <a:buClrTx/>
+              <a:buSzTx/>
+              <a:buFontTx/>
+              <a:buNone/>
+              <a:tabLst/>
+              <a:defRPr/>
+            </a:pPr>
+            <a:r>
+              <a:rPr lang="ru-RU" dirty="0" smtClean="0"/>
+              <a:t>На</a:t>
+            </a:r>
+            <a:r>
+              <a:rPr lang="ru-RU" baseline="0" dirty="0" smtClean="0"/>
+              <a:t> боевом приложении тестировались: </a:t>
+            </a:r>
+            <a:r>
+              <a:rPr lang="en-US" baseline="0" dirty="0" err="1" smtClean="0"/>
+              <a:t>dotMemory</a:t>
+            </a:r>
+            <a:r>
+              <a:rPr lang="en-US" baseline="0" dirty="0" smtClean="0"/>
+              <a:t>, </a:t>
+            </a:r>
+            <a:r>
+              <a:rPr lang="en-US" baseline="0" dirty="0" err="1" smtClean="0"/>
+              <a:t>dotNet</a:t>
+            </a:r>
+            <a:r>
+              <a:rPr lang="en-US" baseline="0" dirty="0" smtClean="0"/>
+              <a:t> Memory Profiler, ANTS Memory Profiler</a:t>
+            </a:r>
+            <a:r>
+              <a:rPr lang="ru-RU" baseline="0" dirty="0" smtClean="0"/>
+              <a:t>. Конечно же </a:t>
+            </a:r>
+            <a:r>
+              <a:rPr lang="ru-RU" baseline="0" dirty="0" err="1" smtClean="0"/>
+              <a:t>триальные</a:t>
+            </a:r>
+            <a:r>
+              <a:rPr lang="ru-RU" baseline="0" dirty="0" smtClean="0"/>
+              <a:t> версии</a:t>
+            </a:r>
+            <a:endParaRPr lang="en-US" baseline="0" dirty="0" smtClean="0"/>
+          </a:p>
+          <a:p>
+            <a:r>
+              <a:rPr lang="ru-RU" dirty="0" smtClean="0"/>
+              <a:t>На</a:t>
+            </a:r>
+            <a:r>
+              <a:rPr lang="ru-RU" baseline="0" dirty="0" smtClean="0"/>
+              <a:t> практике они давали одинаковые результаты – не было ситуации, при которой один профилировщик нашел утечку, а другой нет</a:t>
+            </a:r>
+            <a:endParaRPr lang="ru-RU" dirty="0"/>
+          </a:p>
+        </p:txBody>
+      </p:sp>
+      <p:sp>
+        <p:nvSpPr>
+          <p:cNvPr id="4" name="Номер слайда 3"/>
+          <p:cNvSpPr>
+            <a:spLocks noGrp="1"/>
+          </p:cNvSpPr>
+          <p:nvPr>
+            <p:ph type="sldNum" sz="quarter" idx="10"/>
+          </p:nvPr>
+        </p:nvSpPr>
+        <p:spPr/>
+        <p:txBody>
+          <a:bodyPr/>
+          <a:lstStyle/>
+          <a:p>
+            <a:fld id="{01B998F4-8103-417C-AF3C-B5E3C74782CC}" type="slidenum">
+              <a:rPr lang="ru-RU" smtClean="0"/>
+              <a:t>22</a:t>
+            </a:fld>
+            <a:endParaRPr lang="ru-RU"/>
+          </a:p>
+        </p:txBody>
+      </p:sp>
+    </p:spTree>
+    <p:extLst>
+      <p:ext uri="{BB962C8B-B14F-4D97-AF65-F5344CB8AC3E}">
+        <p14:creationId xmlns:p14="http://schemas.microsoft.com/office/powerpoint/2010/main" val="3657678531"/>
       </p:ext>
     </p:extLst>
   </p:cSld>
@@ -960,8 +2458,170 @@
           <a:lstStyle/>
           <a:p>
             <a:r>
-              <a:rPr lang="en-US" dirty="0" smtClean="0"/>
-              <a:t>1</a:t>
+              <a:rPr lang="ru-RU" dirty="0" smtClean="0"/>
+              <a:t>Стандартный набор действий:</a:t>
+            </a:r>
+          </a:p>
+          <a:p>
+            <a:pPr marL="228600" indent="-228600">
+              <a:buAutoNum type="arabicParenR"/>
+            </a:pPr>
+            <a:r>
+              <a:rPr lang="ru-RU" dirty="0" smtClean="0"/>
+              <a:t>Загрузить </a:t>
+            </a:r>
+            <a:r>
+              <a:rPr lang="ru-RU" dirty="0" smtClean="0"/>
+              <a:t>объект </a:t>
+            </a:r>
+            <a:r>
+              <a:rPr lang="ru-RU" dirty="0" smtClean="0"/>
+              <a:t>из </a:t>
+            </a:r>
+            <a:r>
+              <a:rPr lang="ru-RU" dirty="0" err="1" smtClean="0"/>
+              <a:t>бд</a:t>
+            </a:r>
+            <a:r>
+              <a:rPr lang="ru-RU" dirty="0" smtClean="0"/>
+              <a:t> или из файла;</a:t>
+            </a:r>
+          </a:p>
+          <a:p>
+            <a:pPr marL="228600" indent="-228600">
+              <a:buAutoNum type="arabicParenR"/>
+            </a:pPr>
+            <a:r>
+              <a:rPr lang="ru-RU" dirty="0" smtClean="0"/>
+              <a:t>Показать</a:t>
+            </a:r>
+            <a:r>
+              <a:rPr lang="ru-RU" baseline="0" dirty="0" smtClean="0"/>
+              <a:t> один объект;</a:t>
+            </a:r>
+          </a:p>
+          <a:p>
+            <a:pPr marL="228600" indent="-228600">
+              <a:buAutoNum type="arabicParenR"/>
+            </a:pPr>
+            <a:r>
+              <a:rPr lang="ru-RU" baseline="0" dirty="0" smtClean="0"/>
+              <a:t>Показать много объектов</a:t>
+            </a:r>
+            <a:r>
+              <a:rPr lang="ru-RU" baseline="0" dirty="0" smtClean="0"/>
+              <a:t>;</a:t>
+            </a:r>
+          </a:p>
+          <a:p>
+            <a:pPr marL="228600" indent="-228600">
+              <a:buAutoNum type="arabicParenR"/>
+            </a:pPr>
+            <a:r>
+              <a:rPr lang="ru-RU" baseline="0" dirty="0" smtClean="0"/>
+              <a:t>Выгрузить объект в </a:t>
+            </a:r>
+            <a:r>
+              <a:rPr lang="ru-RU" baseline="0" dirty="0" err="1" smtClean="0"/>
+              <a:t>бд</a:t>
+            </a:r>
+            <a:r>
+              <a:rPr lang="ru-RU" baseline="0" dirty="0" smtClean="0"/>
+              <a:t> или в файл</a:t>
+            </a:r>
+          </a:p>
+          <a:p>
+            <a:pPr marL="0" indent="0">
+              <a:buNone/>
+            </a:pPr>
+            <a:endParaRPr lang="ru-RU" baseline="0" dirty="0" smtClean="0"/>
+          </a:p>
+          <a:p>
+            <a:pPr marL="0" indent="0">
+              <a:buNone/>
+            </a:pPr>
+            <a:r>
+              <a:rPr lang="ru-RU" baseline="0" dirty="0" err="1" smtClean="0"/>
+              <a:t>Хостовые</a:t>
+            </a:r>
+            <a:r>
+              <a:rPr lang="ru-RU" baseline="0" dirty="0" smtClean="0"/>
+              <a:t> вкладки – меню + 1-3 вложенных </a:t>
+            </a:r>
+            <a:r>
+              <a:rPr lang="en-US" baseline="0" dirty="0" smtClean="0"/>
+              <a:t>View</a:t>
+            </a:r>
+            <a:endParaRPr lang="ru-RU" baseline="0" dirty="0" smtClean="0"/>
+          </a:p>
+          <a:p>
+            <a:pPr marL="0" indent="0">
+              <a:buNone/>
+            </a:pPr>
+            <a:endParaRPr lang="ru-RU" baseline="0" dirty="0" smtClean="0"/>
+          </a:p>
+          <a:p>
+            <a:pPr marL="0" indent="0">
+              <a:buNone/>
+            </a:pPr>
+            <a:r>
+              <a:rPr lang="ru-RU" baseline="0" dirty="0" smtClean="0"/>
+              <a:t>Связка </a:t>
+            </a:r>
+            <a:r>
+              <a:rPr lang="en-US" baseline="0" dirty="0" smtClean="0"/>
+              <a:t>View + </a:t>
+            </a:r>
+            <a:r>
+              <a:rPr lang="en-US" baseline="0" dirty="0" err="1" smtClean="0"/>
+              <a:t>ViewModel</a:t>
+            </a:r>
+            <a:r>
+              <a:rPr lang="en-US" baseline="0" dirty="0" smtClean="0"/>
+              <a:t> </a:t>
+            </a:r>
+            <a:r>
+              <a:rPr lang="ru-RU" baseline="0" dirty="0" smtClean="0"/>
+              <a:t>не должна сохранять в памяти ничего лишнего. Если вкладка/форма/окно закрыта, то она более не нужна</a:t>
+            </a:r>
+          </a:p>
+          <a:p>
+            <a:pPr marL="0" indent="0">
+              <a:buNone/>
+            </a:pPr>
+            <a:endParaRPr lang="ru-RU" baseline="0" dirty="0" smtClean="0"/>
+          </a:p>
+          <a:p>
+            <a:pPr marL="0" indent="0">
+              <a:buNone/>
+            </a:pPr>
+            <a:r>
+              <a:rPr lang="ru-RU" baseline="0" dirty="0" smtClean="0"/>
+              <a:t>Текущий предел используемой памяти зависит от объемов данных. Если выпустить </a:t>
+            </a:r>
+            <a:r>
+              <a:rPr lang="ru-RU" baseline="0" dirty="0" err="1" smtClean="0"/>
+              <a:t>кракена</a:t>
+            </a:r>
+            <a:r>
+              <a:rPr lang="ru-RU" baseline="0" dirty="0" smtClean="0"/>
+              <a:t> в </a:t>
+            </a:r>
+            <a:r>
+              <a:rPr lang="en-US" baseline="0" dirty="0" smtClean="0"/>
+              <a:t>production, </a:t>
+            </a:r>
+            <a:r>
+              <a:rPr lang="ru-RU" baseline="0" dirty="0" smtClean="0"/>
+              <a:t>можно и за 1 </a:t>
+            </a:r>
+            <a:r>
+              <a:rPr lang="ru-RU" baseline="0" dirty="0" err="1" smtClean="0"/>
+              <a:t>гб</a:t>
+            </a:r>
+            <a:r>
+              <a:rPr lang="ru-RU" baseline="0" dirty="0" smtClean="0"/>
+              <a:t> перевалить, однако сборщик мусора по-прежнему будет справляться.</a:t>
             </a:r>
             <a:endParaRPr lang="ru-RU" dirty="0"/>
           </a:p>
@@ -984,7 +2644,7 @@
           <a:p>
             <a:fld id="{01B998F4-8103-417C-AF3C-B5E3C74782CC}" type="slidenum">
               <a:rPr lang="ru-RU" smtClean="0"/>
-              <a:t>6</a:t>
+              <a:t>4</a:t>
             </a:fld>
             <a:endParaRPr lang="ru-RU"/>
           </a:p>
@@ -993,7 +2653,7 @@
     </p:spTree>
     <p:extLst>
       <p:ext uri="{BB962C8B-B14F-4D97-AF65-F5344CB8AC3E}">
-        <p14:creationId xmlns:p14="http://schemas.microsoft.com/office/powerpoint/2010/main" val="2121009862"/>
+        <p14:creationId xmlns:p14="http://schemas.microsoft.com/office/powerpoint/2010/main" val="3014532107"/>
       </p:ext>
     </p:extLst>
   </p:cSld>
@@ -1047,448 +2707,23 @@
           <a:bodyPr/>
           <a:lstStyle/>
           <a:p>
-            <a:pPr marL="0" marR="0" lvl="0" indent="0" algn="l" defTabSz="914400" rtl="0" eaLnBrk="1" fontAlgn="auto" latinLnBrk="0" hangingPunct="1">
-              <a:lnSpc>
-                <a:spcPct val="100000"/>
-              </a:lnSpc>
-              <a:spcBef>
-                <a:spcPts val="0"/>
-              </a:spcBef>
-              <a:spcAft>
-                <a:spcPts val="0"/>
-              </a:spcAft>
-              <a:buClrTx/>
-              <a:buSzTx/>
-              <a:buFontTx/>
-              <a:buNone/>
-              <a:tabLst/>
-              <a:defRPr/>
-            </a:pPr>
-            <a:r>
-              <a:rPr lang="en-US" dirty="0" smtClean="0"/>
-              <a:t>Binding – </a:t>
-            </a:r>
-            <a:r>
-              <a:rPr lang="ru-RU" dirty="0" smtClean="0"/>
-              <a:t>декларативная</a:t>
+            <a:r>
+              <a:rPr lang="ru-RU" dirty="0" smtClean="0"/>
+              <a:t>В своих примерах я использую данный «тяжелый» объект,</a:t>
             </a:r>
             <a:r>
               <a:rPr lang="ru-RU" baseline="0" dirty="0" smtClean="0"/>
-              <a:t> реализация паттерна </a:t>
-            </a:r>
-            <a:r>
-              <a:rPr lang="en-US" baseline="0" dirty="0" smtClean="0"/>
-              <a:t>Observer</a:t>
-            </a:r>
-          </a:p>
-          <a:p>
-            <a:pPr marL="0" marR="0" lvl="0" indent="0" algn="l" defTabSz="914400" rtl="0" eaLnBrk="1" fontAlgn="auto" latinLnBrk="0" hangingPunct="1">
-              <a:lnSpc>
-                <a:spcPct val="100000"/>
-              </a:lnSpc>
-              <a:spcBef>
-                <a:spcPts val="0"/>
-              </a:spcBef>
-              <a:spcAft>
-                <a:spcPts val="0"/>
-              </a:spcAft>
-              <a:buClrTx/>
-              <a:buSzTx/>
-              <a:buFontTx/>
-              <a:buNone/>
-              <a:tabLst/>
-              <a:defRPr/>
-            </a:pPr>
+              <a:t> чтобы проще было отслеживать утечки памяти. Все же 50 </a:t>
+            </a:r>
+            <a:r>
+              <a:rPr lang="ru-RU" baseline="0" dirty="0" err="1" smtClean="0"/>
+              <a:t>мб</a:t>
+            </a:r>
             <a:r>
               <a:rPr lang="ru-RU" baseline="0" dirty="0" smtClean="0"/>
-              <a:t>Объект -  источник</a:t>
-            </a:r>
-          </a:p>
-          <a:p>
-            <a:pPr marL="0" marR="0" lvl="0" indent="0" algn="l" defTabSz="914400" rtl="0" eaLnBrk="1" fontAlgn="auto" latinLnBrk="0" hangingPunct="1">
-              <a:lnSpc>
-                <a:spcPct val="100000"/>
-              </a:lnSpc>
-              <a:spcBef>
-                <a:spcPts val="0"/>
-              </a:spcBef>
-              <a:spcAft>
-                <a:spcPts val="0"/>
-              </a:spcAft>
-              <a:buClrTx/>
-              <a:buSzTx/>
-              <a:buFontTx/>
-              <a:buNone/>
-              <a:tabLst/>
-              <a:defRPr/>
-            </a:pPr>
-            <a:r>
-              <a:rPr lang="ru-RU" baseline="0" dirty="0" smtClean="0"/>
-              <a:t>Подписант – </a:t>
-            </a:r>
-            <a:r>
-              <a:rPr lang="ru-RU" baseline="0" dirty="0" err="1" smtClean="0"/>
-              <a:t>вьюха</a:t>
-            </a:r>
-            <a:endParaRPr lang="ru-RU" baseline="0" dirty="0" smtClean="0"/>
-          </a:p>
-          <a:p>
-            <a:pPr marL="0" marR="0" lvl="0" indent="0" algn="l" defTabSz="914400" rtl="0" eaLnBrk="1" fontAlgn="auto" latinLnBrk="0" hangingPunct="1">
-              <a:lnSpc>
-                <a:spcPct val="100000"/>
-              </a:lnSpc>
-              <a:spcBef>
-                <a:spcPts val="0"/>
-              </a:spcBef>
-              <a:spcAft>
-                <a:spcPts val="0"/>
-              </a:spcAft>
-              <a:buClrTx/>
-              <a:buSzTx/>
-              <a:buFontTx/>
-              <a:buNone/>
-              <a:tabLst/>
-              <a:defRPr/>
-            </a:pPr>
-            <a:r>
-              <a:rPr lang="ru-RU" baseline="0" dirty="0" smtClean="0"/>
-              <a:t>Уточнить про коллекции</a:t>
-            </a:r>
-            <a:endParaRPr lang="en-US" baseline="0" dirty="0" smtClean="0"/>
-          </a:p>
-          <a:p>
-            <a:pPr marL="0" marR="0" lvl="0" indent="0" algn="l" defTabSz="914400" rtl="0" eaLnBrk="1" fontAlgn="auto" latinLnBrk="0" hangingPunct="1">
-              <a:lnSpc>
-                <a:spcPct val="100000"/>
-              </a:lnSpc>
-              <a:spcBef>
-                <a:spcPts val="0"/>
-              </a:spcBef>
-              <a:spcAft>
-                <a:spcPts val="0"/>
-              </a:spcAft>
-              <a:buClrTx/>
-              <a:buSzTx/>
-              <a:buFontTx/>
-              <a:buNone/>
-              <a:tabLst/>
-              <a:defRPr/>
-            </a:pPr>
-            <a:endParaRPr lang="en-US" baseline="0" dirty="0" smtClean="0"/>
-          </a:p>
-          <a:p>
-            <a:pPr marL="0" marR="0" lvl="0" indent="0" algn="l" defTabSz="914400" rtl="0" eaLnBrk="1" fontAlgn="auto" latinLnBrk="0" hangingPunct="1">
-              <a:lnSpc>
-                <a:spcPct val="100000"/>
-              </a:lnSpc>
-              <a:spcBef>
-                <a:spcPts val="0"/>
-              </a:spcBef>
-              <a:spcAft>
-                <a:spcPts val="0"/>
-              </a:spcAft>
-              <a:buClrTx/>
-              <a:buSzTx/>
-              <a:buFontTx/>
-              <a:buNone/>
-              <a:tabLst/>
-              <a:defRPr/>
-            </a:pPr>
-            <a:r>
-              <a:rPr lang="en-US" baseline="0" dirty="0" smtClean="0"/>
-              <a:t>Binding </a:t>
-            </a:r>
-            <a:r>
-              <a:rPr lang="ru-RU" baseline="0" dirty="0" smtClean="0"/>
-              <a:t>на свойство </a:t>
-            </a:r>
-            <a:r>
-              <a:rPr lang="en-US" baseline="0" dirty="0" smtClean="0"/>
-              <a:t>UI </a:t>
-            </a:r>
-            <a:r>
-              <a:rPr lang="ru-RU" baseline="0" dirty="0" smtClean="0"/>
-              <a:t>элемента, которое не </a:t>
-            </a:r>
-            <a:r>
-              <a:rPr lang="en-US" baseline="0" dirty="0" err="1" smtClean="0"/>
-              <a:t>DependencyProperty</a:t>
-            </a:r>
-            <a:r>
-              <a:rPr lang="en-US" baseline="0" dirty="0" smtClean="0"/>
-              <a:t> – </a:t>
-            </a:r>
-            <a:r>
-              <a:rPr lang="ru-RU" baseline="0" dirty="0" smtClean="0"/>
-              <a:t>утечка</a:t>
-            </a:r>
-            <a:r>
-              <a:rPr lang="ru-RU" baseline="0" dirty="0" smtClean="0"/>
-              <a:t>!</a:t>
-            </a:r>
-            <a:endParaRPr lang="en-US" baseline="0" dirty="0" smtClean="0"/>
-          </a:p>
-          <a:p>
-            <a:pPr marL="0" marR="0" lvl="0" indent="0" algn="l" defTabSz="914400" rtl="0" eaLnBrk="1" fontAlgn="auto" latinLnBrk="0" hangingPunct="1">
-              <a:lnSpc>
-                <a:spcPct val="100000"/>
-              </a:lnSpc>
-              <a:spcBef>
-                <a:spcPts val="0"/>
-              </a:spcBef>
-              <a:spcAft>
-                <a:spcPts val="0"/>
-              </a:spcAft>
-              <a:buClrTx/>
-              <a:buSzTx/>
-              <a:buFontTx/>
-              <a:buNone/>
-              <a:tabLst/>
-              <a:defRPr/>
-            </a:pPr>
-            <a:endParaRPr lang="en-US" baseline="0" dirty="0" smtClean="0"/>
-          </a:p>
-          <a:p>
-            <a:pPr fontAlgn="base"/>
-            <a:r>
-              <a:rPr lang="en-US" sz="1200" b="0" i="0" kern="1200" dirty="0" smtClean="0">
-                <a:solidFill>
-                  <a:schemeClr val="tx1"/>
-                </a:solidFill>
-                <a:effectLst/>
-                <a:latin typeface="+mn-lt"/>
-                <a:ea typeface="+mn-ea"/>
-                <a:cs typeface="+mn-cs"/>
-              </a:rPr>
-              <a:t>This is because if the object is not a </a:t>
-            </a:r>
-            <a:r>
-              <a:rPr lang="en-US" sz="1200" b="0" i="0" kern="1200" dirty="0" err="1" smtClean="0">
-                <a:solidFill>
-                  <a:schemeClr val="tx1"/>
-                </a:solidFill>
-                <a:effectLst/>
-                <a:latin typeface="+mn-lt"/>
-                <a:ea typeface="+mn-ea"/>
-                <a:cs typeface="+mn-cs"/>
-              </a:rPr>
-              <a:t>DependencyProperty</a:t>
-            </a:r>
-            <a:r>
-              <a:rPr lang="en-US" sz="1200" b="0" i="0" kern="1200" dirty="0" smtClean="0">
-                <a:solidFill>
-                  <a:schemeClr val="tx1"/>
-                </a:solidFill>
-                <a:effectLst/>
-                <a:latin typeface="+mn-lt"/>
-                <a:ea typeface="+mn-ea"/>
-                <a:cs typeface="+mn-cs"/>
-              </a:rPr>
-              <a:t> or does not implement </a:t>
-            </a:r>
-            <a:r>
-              <a:rPr lang="en-US" sz="1200" b="0" i="0" kern="1200" dirty="0" err="1" smtClean="0">
-                <a:solidFill>
-                  <a:schemeClr val="tx1"/>
-                </a:solidFill>
-                <a:effectLst/>
-                <a:latin typeface="+mn-lt"/>
-                <a:ea typeface="+mn-ea"/>
-                <a:cs typeface="+mn-cs"/>
-              </a:rPr>
-              <a:t>INotifyPropertyChanged</a:t>
-            </a:r>
-            <a:r>
-              <a:rPr lang="en-US" sz="1200" b="0" i="0" kern="1200" dirty="0" smtClean="0">
-                <a:solidFill>
-                  <a:schemeClr val="tx1"/>
-                </a:solidFill>
-                <a:effectLst/>
-                <a:latin typeface="+mn-lt"/>
-                <a:ea typeface="+mn-ea"/>
-                <a:cs typeface="+mn-cs"/>
-              </a:rPr>
-              <a:t> then it uses the </a:t>
-            </a:r>
-            <a:r>
-              <a:rPr lang="en-US" sz="1200" b="0" i="0" kern="1200" dirty="0" err="1" smtClean="0">
-                <a:solidFill>
-                  <a:schemeClr val="tx1"/>
-                </a:solidFill>
-                <a:effectLst/>
-                <a:latin typeface="+mn-lt"/>
-                <a:ea typeface="+mn-ea"/>
-                <a:cs typeface="+mn-cs"/>
-              </a:rPr>
-              <a:t>ValueChanged</a:t>
-            </a:r>
-            <a:r>
-              <a:rPr lang="en-US" sz="1200" b="0" i="0" kern="1200" dirty="0" smtClean="0">
-                <a:solidFill>
-                  <a:schemeClr val="tx1"/>
-                </a:solidFill>
-                <a:effectLst/>
-                <a:latin typeface="+mn-lt"/>
-                <a:ea typeface="+mn-ea"/>
-                <a:cs typeface="+mn-cs"/>
-              </a:rPr>
-              <a:t> event via the </a:t>
-            </a:r>
-            <a:r>
-              <a:rPr lang="en-US" sz="1200" b="0" i="0" kern="1200" dirty="0" err="1" smtClean="0">
-                <a:solidFill>
-                  <a:schemeClr val="tx1"/>
-                </a:solidFill>
-                <a:effectLst/>
-                <a:latin typeface="+mn-lt"/>
-                <a:ea typeface="+mn-ea"/>
-                <a:cs typeface="+mn-cs"/>
-              </a:rPr>
-              <a:t>PropertyDescriptors</a:t>
-            </a:r>
-            <a:r>
-              <a:rPr lang="en-US" sz="1200" b="0" i="0" kern="1200" dirty="0" smtClean="0">
-                <a:solidFill>
-                  <a:schemeClr val="tx1"/>
-                </a:solidFill>
-                <a:effectLst/>
-                <a:latin typeface="+mn-lt"/>
-                <a:ea typeface="+mn-ea"/>
-                <a:cs typeface="+mn-cs"/>
-              </a:rPr>
-              <a:t> </a:t>
-            </a:r>
-            <a:r>
-              <a:rPr lang="en-US" sz="1200" b="0" i="0" kern="1200" dirty="0" err="1" smtClean="0">
-                <a:solidFill>
-                  <a:schemeClr val="tx1"/>
-                </a:solidFill>
-                <a:effectLst/>
-                <a:latin typeface="+mn-lt"/>
-                <a:ea typeface="+mn-ea"/>
-                <a:cs typeface="+mn-cs"/>
-              </a:rPr>
-              <a:t>AddValueChanged</a:t>
-            </a:r>
-            <a:r>
-              <a:rPr lang="en-US" sz="1200" b="0" i="0" kern="1200" dirty="0" smtClean="0">
-                <a:solidFill>
-                  <a:schemeClr val="tx1"/>
-                </a:solidFill>
-                <a:effectLst/>
-                <a:latin typeface="+mn-lt"/>
-                <a:ea typeface="+mn-ea"/>
-                <a:cs typeface="+mn-cs"/>
-              </a:rPr>
-              <a:t> method. This causes the CLR to create a strong reference from the </a:t>
-            </a:r>
-            <a:r>
-              <a:rPr lang="en-US" sz="1200" b="0" i="0" kern="1200" dirty="0" err="1" smtClean="0">
-                <a:solidFill>
-                  <a:schemeClr val="tx1"/>
-                </a:solidFill>
-                <a:effectLst/>
-                <a:latin typeface="+mn-lt"/>
-                <a:ea typeface="+mn-ea"/>
-                <a:cs typeface="+mn-cs"/>
-              </a:rPr>
-              <a:t>PropertyDescriptor</a:t>
-            </a:r>
-            <a:r>
-              <a:rPr lang="en-US" sz="1200" b="0" i="0" kern="1200" dirty="0" smtClean="0">
-                <a:solidFill>
-                  <a:schemeClr val="tx1"/>
-                </a:solidFill>
-                <a:effectLst/>
-                <a:latin typeface="+mn-lt"/>
-                <a:ea typeface="+mn-ea"/>
-                <a:cs typeface="+mn-cs"/>
-              </a:rPr>
-              <a:t> to the object and in most cases the CLR will keep a reference to the </a:t>
-            </a:r>
-            <a:r>
-              <a:rPr lang="en-US" sz="1200" b="0" i="0" kern="1200" dirty="0" err="1" smtClean="0">
-                <a:solidFill>
-                  <a:schemeClr val="tx1"/>
-                </a:solidFill>
-                <a:effectLst/>
-                <a:latin typeface="+mn-lt"/>
-                <a:ea typeface="+mn-ea"/>
-                <a:cs typeface="+mn-cs"/>
-              </a:rPr>
-              <a:t>PropertyDescriptor</a:t>
-            </a:r>
-            <a:r>
-              <a:rPr lang="en-US" sz="1200" b="0" i="0" kern="1200" dirty="0" smtClean="0">
-                <a:solidFill>
-                  <a:schemeClr val="tx1"/>
-                </a:solidFill>
-                <a:effectLst/>
-                <a:latin typeface="+mn-lt"/>
-                <a:ea typeface="+mn-ea"/>
-                <a:cs typeface="+mn-cs"/>
-              </a:rPr>
-              <a:t> in a global table.</a:t>
-            </a:r>
-          </a:p>
-          <a:p>
-            <a:pPr fontAlgn="base"/>
-            <a:r>
-              <a:rPr lang="en-US" sz="1200" b="0" i="0" kern="1200" dirty="0" smtClean="0">
-                <a:solidFill>
-                  <a:schemeClr val="tx1"/>
-                </a:solidFill>
-                <a:effectLst/>
-                <a:latin typeface="+mn-lt"/>
-                <a:ea typeface="+mn-ea"/>
-                <a:cs typeface="+mn-cs"/>
-              </a:rPr>
-              <a:t>Because the binding must continue to listen for changes. This behavior keeps the reference alive between the </a:t>
-            </a:r>
-            <a:r>
-              <a:rPr lang="en-US" sz="1200" b="0" i="0" kern="1200" dirty="0" err="1" smtClean="0">
-                <a:solidFill>
-                  <a:schemeClr val="tx1"/>
-                </a:solidFill>
-                <a:effectLst/>
-                <a:latin typeface="+mn-lt"/>
-                <a:ea typeface="+mn-ea"/>
-                <a:cs typeface="+mn-cs"/>
-              </a:rPr>
-              <a:t>PropertyDescriptor</a:t>
-            </a:r>
-            <a:r>
-              <a:rPr lang="en-US" sz="1200" b="0" i="0" kern="1200" dirty="0" smtClean="0">
-                <a:solidFill>
-                  <a:schemeClr val="tx1"/>
-                </a:solidFill>
-                <a:effectLst/>
-                <a:latin typeface="+mn-lt"/>
-                <a:ea typeface="+mn-ea"/>
-                <a:cs typeface="+mn-cs"/>
-              </a:rPr>
-              <a:t> and the object as the target remains in use. This can cause a memory leak in the object and any object to which the object refers, This includes the data-binding target.</a:t>
-            </a:r>
-          </a:p>
-          <a:p>
-            <a:pPr marL="0" marR="0" lvl="0" indent="0" algn="l" defTabSz="914400" rtl="0" eaLnBrk="1" fontAlgn="auto" latinLnBrk="0" hangingPunct="1">
-              <a:lnSpc>
-                <a:spcPct val="100000"/>
-              </a:lnSpc>
-              <a:spcBef>
-                <a:spcPts val="0"/>
-              </a:spcBef>
-              <a:spcAft>
-                <a:spcPts val="0"/>
-              </a:spcAft>
-              <a:buClrTx/>
-              <a:buSzTx/>
-              <a:buFontTx/>
-              <a:buNone/>
-              <a:tabLst/>
-              <a:defRPr/>
-            </a:pPr>
-            <a:endParaRPr lang="ru-RU" dirty="0" smtClean="0"/>
+              <a:t> можно заметить сразу</a:t>
+            </a:r>
+            <a:endParaRPr lang="ru-RU" dirty="0"/>
           </a:p>
         </p:txBody>
       </p:sp>
@@ -1509,7 +2744,7 @@
           <a:p>
             <a:fld id="{01B998F4-8103-417C-AF3C-B5E3C74782CC}" type="slidenum">
               <a:rPr lang="ru-RU" smtClean="0"/>
-              <a:t>7</a:t>
+              <a:t>5</a:t>
             </a:fld>
             <a:endParaRPr lang="ru-RU"/>
           </a:p>
@@ -1518,7 +2753,7 @@
     </p:spTree>
     <p:extLst>
       <p:ext uri="{BB962C8B-B14F-4D97-AF65-F5344CB8AC3E}">
-        <p14:creationId xmlns:p14="http://schemas.microsoft.com/office/powerpoint/2010/main" val="825020462"/>
+        <p14:creationId xmlns:p14="http://schemas.microsoft.com/office/powerpoint/2010/main" val="383324712"/>
       </p:ext>
     </p:extLst>
   </p:cSld>
@@ -1572,75 +2807,6 @@
           <a:bodyPr/>
           <a:lstStyle/>
           <a:p>
-            <a:r>
-              <a:rPr lang="ru-RU" dirty="0" smtClean="0"/>
-              <a:t>Не</a:t>
-            </a:r>
-            <a:r>
-              <a:rPr lang="ru-RU" baseline="0" dirty="0" smtClean="0"/>
-              <a:t> забыть упомянуть про </a:t>
-            </a:r>
-            <a:r>
-              <a:rPr lang="en-US" baseline="0" dirty="0" smtClean="0"/>
-              <a:t>Immutable + </a:t>
-            </a:r>
-            <a:r>
-              <a:rPr lang="en-US" baseline="0" dirty="0" err="1" smtClean="0"/>
-              <a:t>readonly</a:t>
-            </a:r>
-            <a:r>
-              <a:rPr lang="en-US" baseline="0" dirty="0" smtClean="0"/>
-              <a:t> </a:t>
-            </a:r>
-            <a:r>
-              <a:rPr lang="en-US" baseline="0" dirty="0" err="1" smtClean="0"/>
-              <a:t>struct</a:t>
-            </a:r>
-            <a:endParaRPr lang="ru-RU" baseline="0" dirty="0" smtClean="0"/>
-          </a:p>
-          <a:p>
-            <a:r>
-              <a:rPr lang="ru-RU" baseline="0" dirty="0" smtClean="0"/>
-              <a:t>А </a:t>
-            </a:r>
-            <a:r>
-              <a:rPr lang="en-US" baseline="0" dirty="0" err="1" smtClean="0"/>
-              <a:t>DependencyObject</a:t>
-            </a:r>
-            <a:r>
-              <a:rPr lang="en-US" baseline="0" dirty="0" smtClean="0"/>
-              <a:t>?</a:t>
-            </a:r>
-          </a:p>
-          <a:p>
-            <a:r>
-              <a:rPr lang="en-US" baseline="0" dirty="0" smtClean="0"/>
-              <a:t>Bryan Lagunas – </a:t>
-            </a:r>
-            <a:r>
-              <a:rPr lang="ru-RU" baseline="0" dirty="0" smtClean="0"/>
-              <a:t>на </a:t>
-            </a:r>
-            <a:r>
-              <a:rPr lang="en-US" baseline="0" dirty="0" err="1" smtClean="0"/>
-              <a:t>ViewModel</a:t>
-            </a:r>
-            <a:r>
-              <a:rPr lang="en-US" baseline="0" dirty="0" smtClean="0"/>
-              <a:t> </a:t>
-            </a:r>
-            <a:r>
-              <a:rPr lang="en-US" baseline="0" dirty="0" err="1" smtClean="0"/>
-              <a:t>DependencyProperty</a:t>
-            </a:r>
-            <a:r>
-              <a:rPr lang="en-US" baseline="0" dirty="0" smtClean="0"/>
-              <a:t> - </a:t>
-            </a:r>
-            <a:r>
-              <a:rPr lang="ru-RU" baseline="0" dirty="0" smtClean="0"/>
-              <a:t>зло</a:t>
-            </a:r>
             <a:endParaRPr lang="ru-RU" dirty="0"/>
           </a:p>
         </p:txBody>
@@ -1662,7 +2828,7 @@
           <a:p>
             <a:fld id="{01B998F4-8103-417C-AF3C-B5E3C74782CC}" type="slidenum">
               <a:rPr lang="ru-RU" smtClean="0"/>
-              <a:t>8</a:t>
+              <a:t>6</a:t>
             </a:fld>
             <a:endParaRPr lang="ru-RU"/>
           </a:p>
@@ -1671,7 +2837,7 @@
     </p:spTree>
     <p:extLst>
       <p:ext uri="{BB962C8B-B14F-4D97-AF65-F5344CB8AC3E}">
-        <p14:creationId xmlns:p14="http://schemas.microsoft.com/office/powerpoint/2010/main" val="2508786773"/>
+        <p14:creationId xmlns:p14="http://schemas.microsoft.com/office/powerpoint/2010/main" val="2121009862"/>
       </p:ext>
     </p:extLst>
   </p:cSld>
@@ -1725,146 +2891,205 @@
           <a:bodyPr/>
           <a:lstStyle/>
           <a:p>
-            <a:r>
-              <a:rPr lang="ru-RU" dirty="0" smtClean="0"/>
-              <a:t>Очень</a:t>
+            <a:pPr marL="0" marR="0" lvl="0" indent="0" algn="l" defTabSz="914400" rtl="0" eaLnBrk="1" fontAlgn="auto" latinLnBrk="0" hangingPunct="1">
+              <a:lnSpc>
+                <a:spcPct val="100000"/>
+              </a:lnSpc>
+              <a:spcBef>
+                <a:spcPts val="0"/>
+              </a:spcBef>
+              <a:spcAft>
+                <a:spcPts val="0"/>
+              </a:spcAft>
+              <a:buClrTx/>
+              <a:buSzTx/>
+              <a:buFontTx/>
+              <a:buNone/>
+              <a:tabLst/>
+              <a:defRPr/>
+            </a:pPr>
+            <a:r>
+              <a:rPr lang="en-US" dirty="0" smtClean="0"/>
+              <a:t>Binding – </a:t>
+            </a:r>
+            <a:r>
+              <a:rPr lang="ru-RU" dirty="0" smtClean="0"/>
+              <a:t>декларативная</a:t>
             </a:r>
             <a:r>
               <a:rPr lang="ru-RU" baseline="0" dirty="0" smtClean="0"/>
-              <a:t> напрашивается паттерн </a:t>
+              <a:t> реализация паттерна </a:t>
+            </a:r>
+            <a:r>
+              <a:rPr lang="en-US" baseline="0" dirty="0" smtClean="0"/>
+              <a:t>Observer</a:t>
+            </a:r>
+          </a:p>
+          <a:p>
+            <a:pPr marL="0" marR="0" lvl="0" indent="0" algn="l" defTabSz="914400" rtl="0" eaLnBrk="1" fontAlgn="auto" latinLnBrk="0" hangingPunct="1">
+              <a:lnSpc>
+                <a:spcPct val="100000"/>
+              </a:lnSpc>
+              <a:spcBef>
+                <a:spcPts val="0"/>
+              </a:spcBef>
+              <a:spcAft>
+                <a:spcPts val="0"/>
+              </a:spcAft>
+              <a:buClrTx/>
+              <a:buSzTx/>
+              <a:buFontTx/>
+              <a:buNone/>
+              <a:tabLst/>
+              <a:defRPr/>
+            </a:pPr>
+            <a:r>
+              <a:rPr lang="ru-RU" baseline="0" dirty="0" smtClean="0"/>
+              <a:t>Объект -  источник</a:t>
+            </a:r>
+          </a:p>
+          <a:p>
+            <a:pPr marL="0" marR="0" lvl="0" indent="0" algn="l" defTabSz="914400" rtl="0" eaLnBrk="1" fontAlgn="auto" latinLnBrk="0" hangingPunct="1">
+              <a:lnSpc>
+                <a:spcPct val="100000"/>
+              </a:lnSpc>
+              <a:spcBef>
+                <a:spcPts val="0"/>
+              </a:spcBef>
+              <a:spcAft>
+                <a:spcPts val="0"/>
+              </a:spcAft>
+              <a:buClrTx/>
+              <a:buSzTx/>
+              <a:buFontTx/>
+              <a:buNone/>
+              <a:tabLst/>
+              <a:defRPr/>
+            </a:pPr>
+            <a:r>
+              <a:rPr lang="ru-RU" baseline="0" dirty="0" smtClean="0"/>
+              <a:t>Подписант – </a:t>
+            </a:r>
+            <a:r>
+              <a:rPr lang="ru-RU" baseline="0" dirty="0" err="1" smtClean="0"/>
+              <a:t>вьюха</a:t>
+            </a:r>
+            <a:endParaRPr lang="ru-RU" baseline="0" dirty="0" smtClean="0"/>
+          </a:p>
+          <a:p>
+            <a:pPr marL="0" marR="0" lvl="0" indent="0" algn="l" defTabSz="914400" rtl="0" eaLnBrk="1" fontAlgn="auto" latinLnBrk="0" hangingPunct="1">
+              <a:lnSpc>
+                <a:spcPct val="100000"/>
+              </a:lnSpc>
+              <a:spcBef>
+                <a:spcPts val="0"/>
+              </a:spcBef>
+              <a:spcAft>
+                <a:spcPts val="0"/>
+              </a:spcAft>
+              <a:buClrTx/>
+              <a:buSzTx/>
+              <a:buFontTx/>
+              <a:buNone/>
+              <a:tabLst/>
+              <a:defRPr/>
+            </a:pPr>
+            <a:r>
+              <a:rPr lang="ru-RU" baseline="0" dirty="0" smtClean="0"/>
+              <a:t>Уточнить про коллекции</a:t>
+            </a:r>
+            <a:endParaRPr lang="en-US" baseline="0" dirty="0" smtClean="0"/>
+          </a:p>
+          <a:p>
+            <a:pPr marL="0" marR="0" lvl="0" indent="0" algn="l" defTabSz="914400" rtl="0" eaLnBrk="1" fontAlgn="auto" latinLnBrk="0" hangingPunct="1">
+              <a:lnSpc>
+                <a:spcPct val="100000"/>
+              </a:lnSpc>
+              <a:spcBef>
+                <a:spcPts val="0"/>
+              </a:spcBef>
+              <a:spcAft>
+                <a:spcPts val="0"/>
+              </a:spcAft>
+              <a:buClrTx/>
+              <a:buSzTx/>
+              <a:buFontTx/>
+              <a:buNone/>
+              <a:tabLst/>
+              <a:defRPr/>
+            </a:pPr>
+            <a:endParaRPr lang="en-US" baseline="0" dirty="0" smtClean="0"/>
+          </a:p>
+          <a:p>
+            <a:pPr marL="0" marR="0" lvl="0" indent="0" algn="l" defTabSz="914400" rtl="0" eaLnBrk="1" fontAlgn="auto" latinLnBrk="0" hangingPunct="1">
+              <a:lnSpc>
+                <a:spcPct val="100000"/>
+              </a:lnSpc>
+              <a:spcBef>
+                <a:spcPts val="0"/>
+              </a:spcBef>
+              <a:spcAft>
+                <a:spcPts val="0"/>
+              </a:spcAft>
+              <a:buClrTx/>
+              <a:buSzTx/>
+              <a:buFontTx/>
+              <a:buNone/>
+              <a:tabLst/>
+              <a:defRPr/>
+            </a:pPr>
+            <a:r>
+              <a:rPr lang="en-US" baseline="0" dirty="0" smtClean="0"/>
+              <a:t>Binding </a:t>
+            </a:r>
+            <a:r>
+              <a:rPr lang="ru-RU" baseline="0" dirty="0" smtClean="0"/>
+              <a:t>на свойство </a:t>
+            </a:r>
+            <a:r>
+              <a:rPr lang="en-US" baseline="0" dirty="0" smtClean="0"/>
+              <a:t>UI </a:t>
+            </a:r>
+            <a:r>
+              <a:rPr lang="ru-RU" baseline="0" dirty="0" smtClean="0"/>
+              <a:t>элемента, которое не </a:t>
             </a:r>
             <a:r>
               <a:rPr lang="en-US" baseline="0" dirty="0" err="1" smtClean="0"/>
-              <a:t>Idisposable</a:t>
+              <a:t>DependencyProperty</a:t>
             </a:r>
             <a:r>
               <a:rPr lang="en-US" baseline="0" dirty="0" smtClean="0"/>
-              <a:t> </a:t>
-            </a:r>
-            <a:r>
-              <a:rPr lang="ru-RU" baseline="0" dirty="0" smtClean="0"/>
-              <a:t>в </a:t>
+              <a:t> – </a:t>
+            </a:r>
+            <a:r>
+              <a:rPr lang="en-US" baseline="0" dirty="0" err="1" smtClean="0"/>
+              <a:t>DataBinding</a:t>
             </a:r>
             <a:r>
               <a:rPr lang="en-US" baseline="0" dirty="0" smtClean="0"/>
-              <a:t>Code-behind</a:t>
-            </a:r>
-            <a:endParaRPr lang="ru-RU" baseline="0" dirty="0" smtClean="0"/>
-          </a:p>
-          <a:p>
-            <a:endParaRPr lang="ru-RU" baseline="0" dirty="0" smtClean="0"/>
-          </a:p>
-          <a:p>
-            <a:pPr fontAlgn="base"/>
-            <a:r>
-              <a:rPr lang="en-US" sz="1200" b="0" i="0" kern="1200" dirty="0" smtClean="0">
-                <a:solidFill>
-                  <a:schemeClr val="tx1"/>
-                </a:solidFill>
-                <a:effectLst/>
-                <a:latin typeface="+mn-lt"/>
-                <a:ea typeface="+mn-ea"/>
-                <a:cs typeface="+mn-cs"/>
-              </a:rPr>
-              <a:t>x:Name is a </a:t>
-            </a:r>
-            <a:r>
-              <a:rPr lang="en-US" sz="1200" b="0" i="0" kern="1200" dirty="0" err="1" smtClean="0">
-                <a:solidFill>
-                  <a:schemeClr val="tx1"/>
-                </a:solidFill>
-                <a:effectLst/>
-                <a:latin typeface="+mn-lt"/>
-                <a:ea typeface="+mn-ea"/>
-                <a:cs typeface="+mn-cs"/>
-              </a:rPr>
-              <a:t>xaml</a:t>
-            </a:r>
-            <a:r>
-              <a:rPr lang="en-US" sz="1200" b="0" i="0" kern="1200" dirty="0" smtClean="0">
-                <a:solidFill>
-                  <a:schemeClr val="tx1"/>
-                </a:solidFill>
-                <a:effectLst/>
-                <a:latin typeface="+mn-lt"/>
-                <a:ea typeface="+mn-ea"/>
-                <a:cs typeface="+mn-cs"/>
-              </a:rPr>
-              <a:t> concept, used mainly to reference elements. When you give an element the x:Name </a:t>
-            </a:r>
-            <a:r>
-              <a:rPr lang="en-US" sz="1200" b="0" i="0" kern="1200" dirty="0" err="1" smtClean="0">
-                <a:solidFill>
-                  <a:schemeClr val="tx1"/>
-                </a:solidFill>
-                <a:effectLst/>
-                <a:latin typeface="+mn-lt"/>
-                <a:ea typeface="+mn-ea"/>
-                <a:cs typeface="+mn-cs"/>
-              </a:rPr>
-              <a:t>xaml</a:t>
-            </a:r>
-            <a:r>
-              <a:rPr lang="en-US" sz="1200" b="0" i="0" kern="1200" dirty="0" smtClean="0">
-                <a:solidFill>
-                  <a:schemeClr val="tx1"/>
-                </a:solidFill>
-                <a:effectLst/>
-                <a:latin typeface="+mn-lt"/>
-                <a:ea typeface="+mn-ea"/>
-                <a:cs typeface="+mn-cs"/>
-              </a:rPr>
-              <a:t> attribute, "the specified x:Name becomes the name of a field that is created in the underlying code when </a:t>
-            </a:r>
-            <a:r>
-              <a:rPr lang="en-US" sz="1200" b="0" i="0" kern="1200" dirty="0" err="1" smtClean="0">
-                <a:solidFill>
-                  <a:schemeClr val="tx1"/>
-                </a:solidFill>
-                <a:effectLst/>
-                <a:latin typeface="+mn-lt"/>
-                <a:ea typeface="+mn-ea"/>
-                <a:cs typeface="+mn-cs"/>
-              </a:rPr>
-              <a:t>xaml</a:t>
-            </a:r>
-            <a:r>
-              <a:rPr lang="en-US" sz="1200" b="0" i="0" kern="1200" dirty="0" smtClean="0">
-                <a:solidFill>
-                  <a:schemeClr val="tx1"/>
-                </a:solidFill>
-                <a:effectLst/>
-                <a:latin typeface="+mn-lt"/>
-                <a:ea typeface="+mn-ea"/>
-                <a:cs typeface="+mn-cs"/>
-              </a:rPr>
-              <a:t> is processed, and that field holds a reference to the object." (</a:t>
-            </a:r>
-            <a:r>
-              <a:rPr lang="en-US" sz="1200" b="0" i="0" u="sng" kern="1200" dirty="0" smtClean="0">
-                <a:solidFill>
-                  <a:schemeClr val="tx1"/>
-                </a:solidFill>
-                <a:effectLst/>
-                <a:latin typeface="+mn-lt"/>
-                <a:ea typeface="+mn-ea"/>
-                <a:cs typeface="+mn-cs"/>
-                <a:hlinkClick r:id="rId3"/>
-              </a:rPr>
-              <a:t>MSDN</a:t>
-            </a:r>
-            <a:r>
-              <a:rPr lang="en-US" sz="1200" b="0" i="0" kern="1200" dirty="0" smtClean="0">
-                <a:solidFill>
-                  <a:schemeClr val="tx1"/>
-                </a:solidFill>
-                <a:effectLst/>
-                <a:latin typeface="+mn-lt"/>
-                <a:ea typeface="+mn-ea"/>
-                <a:cs typeface="+mn-cs"/>
-              </a:rPr>
-              <a:t>) So, it's a designer-generated field, which has internal access by default.</a:t>
-            </a:r>
+              <a:t> Leak</a:t>
+            </a:r>
+            <a:endParaRPr lang="en-US" baseline="0" dirty="0" smtClean="0"/>
+          </a:p>
+          <a:p>
+            <a:pPr marL="0" marR="0" lvl="0" indent="0" algn="l" defTabSz="914400" rtl="0" eaLnBrk="1" fontAlgn="auto" latinLnBrk="0" hangingPunct="1">
+              <a:lnSpc>
+                <a:spcPct val="100000"/>
+              </a:lnSpc>
+              <a:spcBef>
+                <a:spcPts val="0"/>
+              </a:spcBef>
+              <a:spcAft>
+                <a:spcPts val="0"/>
+              </a:spcAft>
+              <a:buClrTx/>
+              <a:buSzTx/>
+              <a:buFontTx/>
+              <a:buNone/>
+              <a:tabLst/>
+              <a:defRPr/>
+            </a:pPr>
             <a:endParaRPr lang="ru-RU" sz="1200" b="0" i="0" kern="1200" dirty="0" smtClean="0">
               <a:solidFill>
                 <a:schemeClr val="tx1"/>
@@ -1876,7 +3101,203 @@
             </a:endParaRPr>
           </a:p>
           <a:p>
-            <a:pPr fontAlgn="base"/>
+            <a:pPr marL="0" marR="0" lvl="0" indent="0" algn="l" defTabSz="914400" rtl="0" eaLnBrk="1" fontAlgn="auto" latinLnBrk="0" hangingPunct="1">
+              <a:lnSpc>
+                <a:spcPct val="100000"/>
+              </a:lnSpc>
+              <a:spcBef>
+                <a:spcPts val="0"/>
+              </a:spcBef>
+              <a:spcAft>
+                <a:spcPts val="0"/>
+              </a:spcAft>
+              <a:buClrTx/>
+              <a:buSzTx/>
+              <a:buFontTx/>
+              <a:buNone/>
+              <a:tabLst/>
+              <a:defRPr/>
+            </a:pPr>
+            <a:r>
+              <a:rPr lang="ru-RU" sz="1200" b="0" i="0" kern="1200" dirty="0" smtClean="0">
+                <a:solidFill>
+                  <a:schemeClr val="tx1"/>
+                </a:solidFill>
+                <a:effectLst/>
+                <a:latin typeface="+mn-lt"/>
+                <a:ea typeface="+mn-ea"/>
+                <a:cs typeface="+mn-cs"/>
+              </a:rPr>
+              <a:t>Если свойство, к которому идет привязка, не является </a:t>
+            </a:r>
+            <a:r>
+              <a:rPr lang="ru-RU" sz="1200" b="0" i="0" kern="1200" dirty="0" err="1" smtClean="0">
+                <a:solidFill>
+                  <a:schemeClr val="tx1"/>
+                </a:solidFill>
+                <a:effectLst/>
+                <a:latin typeface="+mn-lt"/>
+                <a:ea typeface="+mn-ea"/>
+                <a:cs typeface="+mn-cs"/>
+              </a:rPr>
+              <a:t>DependencyProperty</a:t>
+            </a:r>
+            <a:r>
+              <a:rPr lang="ru-RU" sz="1200" b="0" i="0" kern="1200" dirty="0" smtClean="0">
+                <a:solidFill>
+                  <a:schemeClr val="tx1"/>
+                </a:solidFill>
+                <a:effectLst/>
+                <a:latin typeface="+mn-lt"/>
+                <a:ea typeface="+mn-ea"/>
+                <a:cs typeface="+mn-cs"/>
+              </a:rPr>
+              <a:t>, либо объект, содержащий его, не реализует </a:t>
+            </a:r>
+            <a:r>
+              <a:rPr lang="ru-RU" sz="1200" b="0" i="0" kern="1200" dirty="0" err="1" smtClean="0">
+                <a:solidFill>
+                  <a:schemeClr val="tx1"/>
+                </a:solidFill>
+                <a:effectLst/>
+                <a:latin typeface="+mn-lt"/>
+                <a:ea typeface="+mn-ea"/>
+                <a:cs typeface="+mn-cs"/>
+              </a:rPr>
+              <a:t>INotifyPropertyChanged</a:t>
+            </a:r>
+            <a:r>
+              <a:rPr lang="ru-RU" sz="1200" b="0" i="0" kern="1200" dirty="0" smtClean="0">
+                <a:solidFill>
+                  <a:schemeClr val="tx1"/>
+                </a:solidFill>
+                <a:effectLst/>
+                <a:latin typeface="+mn-lt"/>
+                <a:ea typeface="+mn-ea"/>
+                <a:cs typeface="+mn-cs"/>
+              </a:rPr>
+              <a:t> — механизм </a:t>
+            </a:r>
+            <a:r>
+              <a:rPr lang="ru-RU" sz="1200" b="0" i="0" kern="1200" dirty="0" err="1" smtClean="0">
+                <a:solidFill>
+                  <a:schemeClr val="tx1"/>
+                </a:solidFill>
+                <a:effectLst/>
+                <a:latin typeface="+mn-lt"/>
+                <a:ea typeface="+mn-ea"/>
+                <a:cs typeface="+mn-cs"/>
+              </a:rPr>
+              <a:t>байндинга</a:t>
+            </a:r>
+            <a:r>
+              <a:rPr lang="ru-RU" sz="1200" b="0" i="0" kern="1200" dirty="0" smtClean="0">
+                <a:solidFill>
+                  <a:schemeClr val="tx1"/>
+                </a:solidFill>
+                <a:effectLst/>
+                <a:latin typeface="+mn-lt"/>
+                <a:ea typeface="+mn-ea"/>
+                <a:cs typeface="+mn-cs"/>
+              </a:rPr>
+              <a:t> использует событие </a:t>
+            </a:r>
+            <a:r>
+              <a:rPr lang="ru-RU" sz="1200" b="0" i="0" kern="1200" dirty="0" err="1" smtClean="0">
+                <a:solidFill>
+                  <a:schemeClr val="tx1"/>
+                </a:solidFill>
+                <a:effectLst/>
+                <a:latin typeface="+mn-lt"/>
+                <a:ea typeface="+mn-ea"/>
+                <a:cs typeface="+mn-cs"/>
+              </a:rPr>
+              <a:t>ValueChanged</a:t>
+            </a:r>
+            <a:r>
+              <a:rPr lang="ru-RU" sz="1200" b="0" i="0" kern="1200" dirty="0" smtClean="0">
+                <a:solidFill>
+                  <a:schemeClr val="tx1"/>
+                </a:solidFill>
+                <a:effectLst/>
+                <a:latin typeface="+mn-lt"/>
+                <a:ea typeface="+mn-ea"/>
+                <a:cs typeface="+mn-cs"/>
+              </a:rPr>
+              <a:t> класса </a:t>
+            </a:r>
+            <a:r>
+              <a:rPr lang="ru-RU" sz="1200" b="0" i="0" kern="1200" dirty="0" err="1" smtClean="0">
+                <a:solidFill>
+                  <a:schemeClr val="tx1"/>
+                </a:solidFill>
+                <a:effectLst/>
+                <a:latin typeface="+mn-lt"/>
+                <a:ea typeface="+mn-ea"/>
+                <a:cs typeface="+mn-cs"/>
+              </a:rPr>
+              <a:t>System.ComponentModel.PropertyDescriptor</a:t>
+            </a:r>
+            <a:r>
+              <a:rPr lang="ru-RU" sz="1200" b="0" i="0" kern="1200" dirty="0" smtClean="0">
+                <a:solidFill>
+                  <a:schemeClr val="tx1"/>
+                </a:solidFill>
+                <a:effectLst/>
+                <a:latin typeface="+mn-lt"/>
+                <a:ea typeface="+mn-ea"/>
+                <a:cs typeface="+mn-cs"/>
+              </a:rPr>
+              <a:t> для отслеживания изменений. Проблема здесь в том, что </a:t>
+            </a:r>
+            <a:r>
+              <a:rPr lang="ru-RU" sz="1200" b="0" i="0" kern="1200" dirty="0" err="1" smtClean="0">
+                <a:solidFill>
+                  <a:schemeClr val="tx1"/>
+                </a:solidFill>
+                <a:effectLst/>
+                <a:latin typeface="+mn-lt"/>
+                <a:ea typeface="+mn-ea"/>
+                <a:cs typeface="+mn-cs"/>
+              </a:rPr>
+              <a:t>фреймворк</a:t>
+            </a:r>
+            <a:r>
+              <a:rPr lang="ru-RU" sz="1200" b="0" i="0" kern="1200" dirty="0" smtClean="0">
+                <a:solidFill>
+                  <a:schemeClr val="tx1"/>
+                </a:solidFill>
+                <a:effectLst/>
+                <a:latin typeface="+mn-lt"/>
+                <a:ea typeface="+mn-ea"/>
+                <a:cs typeface="+mn-cs"/>
+              </a:rPr>
+              <a:t> держит у себя ссылку на экземпляр </a:t>
+            </a:r>
+            <a:r>
+              <a:rPr lang="ru-RU" sz="1200" b="0" i="0" kern="1200" dirty="0" err="1" smtClean="0">
+                <a:solidFill>
+                  <a:schemeClr val="tx1"/>
+                </a:solidFill>
+                <a:effectLst/>
+                <a:latin typeface="+mn-lt"/>
+                <a:ea typeface="+mn-ea"/>
+                <a:cs typeface="+mn-cs"/>
+              </a:rPr>
+              <a:t>PropertyDescriptor</a:t>
+            </a:r>
+            <a:r>
+              <a:rPr lang="ru-RU" sz="1200" b="0" i="0" kern="1200" dirty="0" smtClean="0">
+                <a:solidFill>
+                  <a:schemeClr val="tx1"/>
+                </a:solidFill>
+                <a:effectLst/>
+                <a:latin typeface="+mn-lt"/>
+                <a:ea typeface="+mn-ea"/>
+                <a:cs typeface="+mn-cs"/>
+              </a:rPr>
+              <a:t>, который в свою очередь ссылается на исходный объект, и неясно, когда этот экземпляр можно будет удалить..</a:t>
+            </a:r>
             <a:endParaRPr lang="en-US" sz="1200" b="0" i="0" kern="1200" dirty="0" smtClean="0">
               <a:solidFill>
                 <a:schemeClr val="tx1"/>
@@ -1888,9 +3309,53 @@
             </a:endParaRPr>
           </a:p>
           <a:p>
-            <a:pPr fontAlgn="base"/>
-            <a:r>
-              <a:rPr lang="en-US" sz="1200" b="0" i="0" kern="1200" dirty="0" smtClean="0">
+            <a:pPr marL="0" marR="0" lvl="0" indent="0" algn="l" defTabSz="914400" rtl="0" eaLnBrk="1" fontAlgn="auto" latinLnBrk="0" hangingPunct="1">
+              <a:lnSpc>
+                <a:spcPct val="100000"/>
+              </a:lnSpc>
+              <a:spcBef>
+                <a:spcPts val="0"/>
+              </a:spcBef>
+              <a:spcAft>
+                <a:spcPts val="0"/>
+              </a:spcAft>
+              <a:buClrTx/>
+              <a:buSzTx/>
+              <a:buFontTx/>
+              <a:buNone/>
+              <a:tabLst/>
+              <a:defRPr/>
+            </a:pPr>
+            <a:endParaRPr lang="en-US" sz="1200" b="0" i="0" kern="1200" dirty="0" smtClean="0">
+              <a:solidFill>
+                <a:schemeClr val="tx1"/>
+              </a:solidFill>
+              <a:effectLst/>
+              <a:latin typeface="+mn-lt"/>
+              <a:ea typeface="+mn-ea"/>
+              <a:cs typeface="+mn-cs"/>
+            </a:endParaRPr>
+          </a:p>
+          <a:p>
+            <a:pPr marL="0" marR="0" lvl="0" indent="0" algn="l" defTabSz="914400" rtl="0" eaLnBrk="1" fontAlgn="auto" latinLnBrk="0" hangingPunct="1">
+              <a:lnSpc>
+                <a:spcPct val="100000"/>
+              </a:lnSpc>
+              <a:spcBef>
+                <a:spcPts val="0"/>
+              </a:spcBef>
+              <a:spcAft>
+                <a:spcPts val="0"/>
+              </a:spcAft>
+              <a:buClrTx/>
+              <a:buSzTx/>
+              <a:buFontTx/>
+              <a:buNone/>
+              <a:tabLst/>
+              <a:defRPr/>
+            </a:pPr>
+            <a:r>
+              <a:rPr lang="ru-RU" sz="1200" b="0" i="0" kern="1200" dirty="0" smtClean="0">
                 <a:solidFill>
                   <a:schemeClr val="tx1"/>
                 </a:solidFill>
@@ -1899,10 +3364,10 @@
                 <a:ea typeface="+mn-ea"/>
                 <a:cs typeface="+mn-cs"/>
               </a:rPr>
-              <a:t>Name is the existing string property of a </a:t>
-            </a:r>
-            <a:r>
-              <a:rPr lang="en-US" sz="1200" b="0" i="0" kern="1200" dirty="0" err="1" smtClean="0">
+              <a:t>Другая возможная проблема при установке </a:t>
+            </a:r>
+            <a:r>
+              <a:rPr lang="ru-RU" sz="1200" b="0" i="0" kern="1200" dirty="0" err="1" smtClean="0">
                 <a:solidFill>
                   <a:schemeClr val="tx1"/>
                 </a:solidFill>
@@ -1911,10 +3376,10 @@
                 <a:ea typeface="+mn-ea"/>
                 <a:cs typeface="+mn-cs"/>
               </a:rPr>
-              <a:t>FrameworkElement</a:t>
-            </a:r>
-            <a:r>
-              <a:rPr lang="en-US" sz="1200" b="0" i="0" kern="1200" dirty="0" smtClean="0">
+              <a:t>байндингов</a:t>
+            </a:r>
+            <a:r>
+              <a:rPr lang="ru-RU" sz="1200" b="0" i="0" kern="1200" dirty="0" smtClean="0">
                 <a:solidFill>
                   <a:schemeClr val="tx1"/>
                 </a:solidFill>
@@ -1923,10 +3388,10 @@
                 <a:ea typeface="+mn-ea"/>
                 <a:cs typeface="+mn-cs"/>
               </a:rPr>
-              <a:t>, listed as any other </a:t>
-            </a:r>
-            <a:r>
-              <a:rPr lang="en-US" sz="1200" b="0" i="0" kern="1200" dirty="0" err="1" smtClean="0">
+              <a:t> — привязка к коллекциям, которые не реализуют интерфейс </a:t>
+            </a:r>
+            <a:r>
+              <a:rPr lang="ru-RU" sz="1200" b="0" i="0" kern="1200" dirty="0" err="1" smtClean="0">
                 <a:solidFill>
                   <a:schemeClr val="tx1"/>
                 </a:solidFill>
@@ -1935,10 +3400,10 @@
                 <a:ea typeface="+mn-ea"/>
                 <a:cs typeface="+mn-cs"/>
               </a:rPr>
-              <a:t>wpf</a:t>
-            </a:r>
-            <a:r>
-              <a:rPr lang="en-US" sz="1200" b="0" i="0" kern="1200" dirty="0" smtClean="0">
+              <a:t>INotifyCollectionChanged</a:t>
+            </a:r>
+            <a:r>
+              <a:rPr lang="ru-RU" sz="1200" b="0" i="0" kern="1200" dirty="0" smtClean="0">
                 <a:solidFill>
                   <a:schemeClr val="tx1"/>
                 </a:solidFill>
@@ -1947,10 +3412,10 @@
                 <a:ea typeface="+mn-ea"/>
                 <a:cs typeface="+mn-cs"/>
               </a:rPr>
-              <a:t> element property in the form of a </a:t>
-            </a:r>
-            <a:r>
-              <a:rPr lang="en-US" sz="1200" b="0" i="0" kern="1200" dirty="0" err="1" smtClean="0">
+              <a:t>. Механизм возникновения утечек в этом случае очень похож на предыдущий. Способ борьбы очевиден — нужно либо явно указывать </a:t>
+            </a:r>
+            <a:r>
+              <a:rPr lang="ru-RU" sz="1200" b="0" i="0" kern="1200" dirty="0" err="1" smtClean="0">
                 <a:solidFill>
                   <a:schemeClr val="tx1"/>
                 </a:solidFill>
@@ -1959,10 +3424,10 @@
                 <a:ea typeface="+mn-ea"/>
                 <a:cs typeface="+mn-cs"/>
               </a:rPr>
-              <a:t>xaml</a:t>
-            </a:r>
-            <a:r>
-              <a:rPr lang="en-US" sz="1200" b="0" i="0" kern="1200" dirty="0" smtClean="0">
+              <a:t>OneTime</a:t>
+            </a:r>
+            <a:r>
+              <a:rPr lang="ru-RU" sz="1200" b="0" i="0" kern="1200" dirty="0" smtClean="0">
                 <a:solidFill>
                   <a:schemeClr val="tx1"/>
                 </a:solidFill>
@@ -1971,13 +3436,10 @@
                 <a:ea typeface="+mn-ea"/>
                 <a:cs typeface="+mn-cs"/>
               </a:rPr>
-              <a:t> attribute.</a:t>
-            </a:r>
-          </a:p>
-          <a:p>
-            <a:pPr fontAlgn="base"/>
-            <a:r>
-              <a:rPr lang="en-US" sz="1200" b="0" i="0" kern="1200" dirty="0" smtClean="0">
+              <a:t> режим привязки, либо использовать коллекции, реализующие </a:t>
+            </a:r>
+            <a:r>
+              <a:rPr lang="ru-RU" sz="1200" b="0" i="0" kern="1200" dirty="0" err="1" smtClean="0">
                 <a:solidFill>
                   <a:schemeClr val="tx1"/>
                 </a:solidFill>
@@ -1986,10 +3448,10 @@
                 <a:ea typeface="+mn-ea"/>
                 <a:cs typeface="+mn-cs"/>
               </a:rPr>
-              <a:t>As a consequence, this also means x:Name can be used on a wider range of objects. This is a technique to enable anything in </a:t>
-            </a:r>
-            <a:r>
-              <a:rPr lang="en-US" sz="1200" b="0" i="0" kern="1200" dirty="0" err="1" smtClean="0">
+              <a:t>INotifyCollectionChanged</a:t>
+            </a:r>
+            <a:r>
+              <a:rPr lang="ru-RU" sz="1200" b="0" i="0" kern="1200" dirty="0" smtClean="0">
                 <a:solidFill>
                   <a:schemeClr val="tx1"/>
                 </a:solidFill>
@@ -1998,10 +3460,10 @@
                 <a:ea typeface="+mn-ea"/>
                 <a:cs typeface="+mn-cs"/>
               </a:rPr>
-              <a:t>xaml</a:t>
-            </a:r>
-            <a:r>
-              <a:rPr lang="en-US" sz="1200" b="0" i="0" kern="1200" dirty="0" smtClean="0">
+              <a:t> — например, </a:t>
+            </a:r>
+            <a:r>
+              <a:rPr lang="ru-RU" sz="1200" b="0" i="0" kern="1200" dirty="0" err="1" smtClean="0">
                 <a:solidFill>
                   <a:schemeClr val="tx1"/>
                 </a:solidFill>
@@ -2010,11 +3472,21 @@
                 <a:ea typeface="+mn-ea"/>
                 <a:cs typeface="+mn-cs"/>
               </a:rPr>
-              <a:t> to be referenced by a given name.</a:t>
-            </a:r>
-          </a:p>
-          <a:p>
-            <a:endParaRPr lang="ru-RU" dirty="0"/>
+              <a:t>ObservableCollection</a:t>
+            </a:r>
+            <a:r>
+              <a:rPr lang="ru-RU" sz="1200" b="0" i="0" kern="1200" dirty="0" smtClean="0">
+                <a:solidFill>
+                  <a:schemeClr val="tx1"/>
+                </a:solidFill>
+                <a:effectLst/>
+                <a:latin typeface="+mn-lt"/>
+                <a:ea typeface="+mn-ea"/>
+                <a:cs typeface="+mn-cs"/>
+              </a:rPr>
+              <a:t>.</a:t>
+            </a:r>
+            <a:endParaRPr lang="ru-RU" dirty="0" smtClean="0"/>
           </a:p>
         </p:txBody>
       </p:sp>
@@ -2035,7 +3507,7 @@
           <a:p>
             <a:fld id="{01B998F4-8103-417C-AF3C-B5E3C74782CC}" type="slidenum">
               <a:rPr lang="ru-RU" smtClean="0"/>
-              <a:t>9</a:t>
+              <a:t>7</a:t>
             </a:fld>
             <a:endParaRPr lang="ru-RU"/>
           </a:p>
@@ -2044,7 +3516,7 @@
     </p:spTree>
     <p:extLst>
       <p:ext uri="{BB962C8B-B14F-4D97-AF65-F5344CB8AC3E}">
-        <p14:creationId xmlns:p14="http://schemas.microsoft.com/office/powerpoint/2010/main" val="4265487058"/>
+        <p14:creationId xmlns:p14="http://schemas.microsoft.com/office/powerpoint/2010/main" val="825020462"/>
       </p:ext>
     </p:extLst>
   </p:cSld>
@@ -2098,6 +3570,292 @@
           <a:bodyPr/>
           <a:lstStyle/>
           <a:p>
+            <a:endParaRPr lang="en-US" baseline="0" dirty="0" smtClean="0"/>
+          </a:p>
+          <a:p>
+            <a:r>
+              <a:rPr lang="ru-RU" sz="1200" b="0" i="0" kern="1200" dirty="0" smtClean="0">
+                <a:solidFill>
+                  <a:schemeClr val="tx1"/>
+                </a:solidFill>
+                <a:effectLst/>
+                <a:latin typeface="+mn-lt"/>
+                <a:ea typeface="+mn-ea"/>
+                <a:cs typeface="+mn-cs"/>
+              </a:rPr>
+              <a:t>В</a:t>
+            </a:r>
+            <a:r>
+              <a:rPr lang="ru-RU" sz="1200" b="0" i="0" kern="1200" baseline="0" dirty="0" smtClean="0">
+                <a:solidFill>
+                  <a:schemeClr val="tx1"/>
+                </a:solidFill>
+                <a:effectLst/>
+                <a:latin typeface="+mn-lt"/>
+                <a:ea typeface="+mn-ea"/>
+                <a:cs typeface="+mn-cs"/>
+              </a:rPr>
+              <a:t> </a:t>
+            </a:r>
+            <a:r>
+              <a:rPr lang="ru-RU" sz="1200" b="0" i="0" kern="1200" dirty="0" smtClean="0">
+                <a:solidFill>
+                  <a:schemeClr val="tx1"/>
+                </a:solidFill>
+                <a:effectLst/>
+                <a:latin typeface="+mn-lt"/>
+                <a:ea typeface="+mn-ea"/>
+                <a:cs typeface="+mn-cs"/>
+              </a:rPr>
+              <a:t>случае с </a:t>
+            </a:r>
+            <a:r>
+              <a:rPr lang="ru-RU" sz="1200" b="0" i="0" kern="1200" dirty="0" err="1" smtClean="0">
+                <a:solidFill>
+                  <a:schemeClr val="tx1"/>
+                </a:solidFill>
+                <a:effectLst/>
+                <a:latin typeface="+mn-lt"/>
+                <a:ea typeface="+mn-ea"/>
+                <a:cs typeface="+mn-cs"/>
+              </a:rPr>
+              <a:t>OneTime</a:t>
+            </a:r>
+            <a:r>
+              <a:rPr lang="ru-RU" sz="1200" b="0" i="0" kern="1200" dirty="0" smtClean="0">
+                <a:solidFill>
+                  <a:schemeClr val="tx1"/>
+                </a:solidFill>
+                <a:effectLst/>
+                <a:latin typeface="+mn-lt"/>
+                <a:ea typeface="+mn-ea"/>
+                <a:cs typeface="+mn-cs"/>
+              </a:rPr>
+              <a:t> </a:t>
+            </a:r>
+            <a:r>
+              <a:rPr lang="ru-RU" sz="1200" b="0" i="0" kern="1200" dirty="0" err="1" smtClean="0">
+                <a:solidFill>
+                  <a:schemeClr val="tx1"/>
+                </a:solidFill>
+                <a:effectLst/>
+                <a:latin typeface="+mn-lt"/>
+                <a:ea typeface="+mn-ea"/>
+                <a:cs typeface="+mn-cs"/>
+              </a:rPr>
+              <a:t>байндингом</a:t>
+            </a:r>
+            <a:r>
+              <a:rPr lang="ru-RU" sz="1200" b="0" i="0" kern="1200" dirty="0" smtClean="0">
+                <a:solidFill>
+                  <a:schemeClr val="tx1"/>
+                </a:solidFill>
+                <a:effectLst/>
+                <a:latin typeface="+mn-lt"/>
+                <a:ea typeface="+mn-ea"/>
+                <a:cs typeface="+mn-cs"/>
+              </a:rPr>
+              <a:t> проблема не актуальна, так как не нужно отслеживать изменения</a:t>
+            </a:r>
+            <a:endParaRPr lang="en-US" sz="1200" b="0" i="0" kern="1200" dirty="0" smtClean="0">
+              <a:solidFill>
+                <a:schemeClr val="tx1"/>
+              </a:solidFill>
+              <a:effectLst/>
+              <a:latin typeface="+mn-lt"/>
+              <a:ea typeface="+mn-ea"/>
+              <a:cs typeface="+mn-cs"/>
+            </a:endParaRPr>
+          </a:p>
+          <a:p>
+            <a:pPr marL="0" marR="0" lvl="0" indent="0" algn="l" defTabSz="914400" rtl="0" eaLnBrk="1" fontAlgn="auto" latinLnBrk="0" hangingPunct="1">
+              <a:lnSpc>
+                <a:spcPct val="100000"/>
+              </a:lnSpc>
+              <a:spcBef>
+                <a:spcPts val="0"/>
+              </a:spcBef>
+              <a:spcAft>
+                <a:spcPts val="0"/>
+              </a:spcAft>
+              <a:buClrTx/>
+              <a:buSzTx/>
+              <a:buFontTx/>
+              <a:buNone/>
+              <a:tabLst/>
+              <a:defRPr/>
+            </a:pPr>
+            <a:r>
+              <a:rPr lang="ru-RU" sz="1200" b="0" i="0" kern="1200" dirty="0" smtClean="0">
+                <a:solidFill>
+                  <a:schemeClr val="tx1"/>
+                </a:solidFill>
+                <a:effectLst/>
+                <a:latin typeface="+mn-lt"/>
+                <a:ea typeface="+mn-ea"/>
+                <a:cs typeface="+mn-cs"/>
+              </a:rPr>
+              <a:t>Коллекции -  нужно либо явно указывать </a:t>
+            </a:r>
+            <a:r>
+              <a:rPr lang="ru-RU" sz="1200" b="0" i="0" kern="1200" dirty="0" err="1" smtClean="0">
+                <a:solidFill>
+                  <a:schemeClr val="tx1"/>
+                </a:solidFill>
+                <a:effectLst/>
+                <a:latin typeface="+mn-lt"/>
+                <a:ea typeface="+mn-ea"/>
+                <a:cs typeface="+mn-cs"/>
+              </a:rPr>
+              <a:t>OneTime</a:t>
+            </a:r>
+            <a:r>
+              <a:rPr lang="ru-RU" sz="1200" b="0" i="0" kern="1200" dirty="0" smtClean="0">
+                <a:solidFill>
+                  <a:schemeClr val="tx1"/>
+                </a:solidFill>
+                <a:effectLst/>
+                <a:latin typeface="+mn-lt"/>
+                <a:ea typeface="+mn-ea"/>
+                <a:cs typeface="+mn-cs"/>
+              </a:rPr>
+              <a:t> режим привязки, либо использовать коллекции, реализующие </a:t>
+            </a:r>
+            <a:r>
+              <a:rPr lang="ru-RU" sz="1200" b="0" i="0" kern="1200" dirty="0" err="1" smtClean="0">
+                <a:solidFill>
+                  <a:schemeClr val="tx1"/>
+                </a:solidFill>
+                <a:effectLst/>
+                <a:latin typeface="+mn-lt"/>
+                <a:ea typeface="+mn-ea"/>
+                <a:cs typeface="+mn-cs"/>
+              </a:rPr>
+              <a:t>INotifyCollectionChanged</a:t>
+            </a:r>
+            <a:r>
+              <a:rPr lang="ru-RU" sz="1200" b="0" i="0" kern="1200" dirty="0" smtClean="0">
+                <a:solidFill>
+                  <a:schemeClr val="tx1"/>
+                </a:solidFill>
+                <a:effectLst/>
+                <a:latin typeface="+mn-lt"/>
+                <a:ea typeface="+mn-ea"/>
+                <a:cs typeface="+mn-cs"/>
+              </a:rPr>
+              <a:t> — например, </a:t>
+            </a:r>
+            <a:r>
+              <a:rPr lang="ru-RU" sz="1200" b="0" i="0" kern="1200" dirty="0" err="1" smtClean="0">
+                <a:solidFill>
+                  <a:schemeClr val="tx1"/>
+                </a:solidFill>
+                <a:effectLst/>
+                <a:latin typeface="+mn-lt"/>
+                <a:ea typeface="+mn-ea"/>
+                <a:cs typeface="+mn-cs"/>
+              </a:rPr>
+              <a:t>ObservableCollection</a:t>
+            </a:r>
+            <a:r>
+              <a:rPr lang="ru-RU" sz="1200" b="0" i="0" kern="1200" dirty="0" smtClean="0">
+                <a:solidFill>
+                  <a:schemeClr val="tx1"/>
+                </a:solidFill>
+                <a:effectLst/>
+                <a:latin typeface="+mn-lt"/>
+                <a:ea typeface="+mn-ea"/>
+                <a:cs typeface="+mn-cs"/>
+              </a:rPr>
+              <a:t>.</a:t>
+            </a:r>
+            <a:endParaRPr lang="ru-RU" dirty="0" smtClean="0"/>
+          </a:p>
+          <a:p>
+            <a:endParaRPr lang="ru-RU" dirty="0"/>
+          </a:p>
+        </p:txBody>
+      </p:sp>
+      <p:sp>
+        <p:nvSpPr>
+          <p:cNvPr id="4" name="Номер слайда 3"/>
+          <p:cNvSpPr>
+            <a:spLocks noGrp="1"/>
+          </p:cNvSpPr>
+          <p:nvPr>
+            <p:ph type="sldNum" sz="quarter" idx="10"/>
+          </p:nvPr>
+        </p:nvSpPr>
+        <p:spPr/>
+        <p:txBody>
+          <a:bodyPr/>
+          <a:lstStyle/>
+          <a:p>
+            <a:fld id="{01B998F4-8103-417C-AF3C-B5E3C74782CC}" type="slidenum">
+              <a:rPr lang="ru-RU" smtClean="0"/>
+              <a:t>8</a:t>
+            </a:fld>
+            <a:endParaRPr lang="ru-RU"/>
+          </a:p>
+        </p:txBody>
+      </p:sp>
+    </p:spTree>
+    <p:extLst>
+      <p:ext uri="{BB962C8B-B14F-4D97-AF65-F5344CB8AC3E}">
+        <p14:creationId xmlns:p14="http://schemas.microsoft.com/office/powerpoint/2010/main" val="2508786773"/>
+      </p:ext>
+    </p:extLst>
+  </p:cSld>
+  <p:clrMapOvr>
+    <a:masterClrMapping/>
+  </p:clrMapOvr>
+</p:notes>
+</file>
+
+<file path=ppt/notesSlides/notesSlide8.xml><?xml version="1.0" encoding="utf-8"?>
+<p:notes xmlns:a="http://schemas.openxmlformats.org/drawingml/2006/main" xmlns:r="http://schemas.openxmlformats.org/officeDocument/2006/relationships" xmlns:p="http://schemas.openxmlformats.org/presentationml/2006/main">
+  <p:cSld>
+    <p:spTree>
+      <p:nvGrpSpPr>
+        <p:cNvPr id="1" name=""/>
+        <p:cNvGrpSpPr/>
+        <p:nvPr/>
+      </p:nvGrpSpPr>
+      <p:grpSpPr>
+        <a:xfrm>
+          <a:off x="0" y="0"/>
+          <a:ext cx="0" cy="0"/>
+          <a:chOff x="0" y="0"/>
+          <a:chExt cx="0" cy="0"/>
+        </a:xfrm>
+      </p:grpSpPr>
+      <p:sp>
+        <p:nvSpPr>
+          <p:cNvPr id="2" name="Образ слайда 1"/>
+          <p:cNvSpPr>
+            <a:spLocks noGrp="1" noRot="1" noChangeAspect="1"/>
+          </p:cNvSpPr>
+          <p:nvPr>
+            <p:ph type="sldImg"/>
+          </p:nvPr>
+        </p:nvSpPr>
+        <p:spPr/>
+      </p:sp>
+      <p:sp>
+        <p:nvSpPr>
+          <p:cNvPr id="3" name="Заметки 2"/>
+          <p:cNvSpPr>
+            <a:spLocks noGrp="1"/>
+          </p:cNvSpPr>
+          <p:nvPr>
+            <p:ph type="body" idx="1"/>
+          </p:nvPr>
+        </p:nvSpPr>
+        <p:spPr/>
+        <p:txBody>
+          <a:bodyPr/>
+          <a:lstStyle/>
+          <a:p>
             <a:pPr marL="0" marR="0" indent="0" algn="l" defTabSz="914400" rtl="0" eaLnBrk="1" fontAlgn="auto" latinLnBrk="0" hangingPunct="1">
               <a:lnSpc>
                 <a:spcPct val="100000"/>
@@ -2346,7 +4104,7 @@
           <a:p>
             <a:fld id="{01B998F4-8103-417C-AF3C-B5E3C74782CC}" type="slidenum">
               <a:rPr lang="ru-RU" smtClean="0"/>
-              <a:t>10</a:t>
+              <a:t>9</a:t>
             </a:fld>
             <a:endParaRPr lang="ru-RU"/>
           </a:p>
@@ -2356,111 +4114,6 @@
     <p:extLst>
       <p:ext uri="{BB962C8B-B14F-4D97-AF65-F5344CB8AC3E}">
         <p14:creationId xmlns:p14="http://schemas.microsoft.com/office/powerpoint/2010/main" val="1809880400"/>
-      </p:ext>
-    </p:extLst>
-  </p:cSld>
-  <p:clrMapOvr>
-    <a:masterClrMapping/>
-  </p:clrMapOvr>
-</p:notes>
-</file>
-
-<file path=ppt/notesSlides/notesSlide8.xml><?xml version="1.0" encoding="utf-8"?>
-<p:notes xmlns:a="http://schemas.openxmlformats.org/drawingml/2006/main" xmlns:r="http://schemas.openxmlformats.org/officeDocument/2006/relationships" xmlns:p="http://schemas.openxmlformats.org/presentationml/2006/main">
-  <p:cSld>
-    <p:spTree>
-      <p:nvGrpSpPr>
-        <p:cNvPr id="1" name=""/>
-        <p:cNvGrpSpPr/>
-        <p:nvPr/>
-      </p:nvGrpSpPr>
-      <p:grpSpPr>
-        <a:xfrm>
-          <a:off x="0" y="0"/>
-          <a:ext cx="0" cy="0"/>
-          <a:chOff x="0" y="0"/>
-          <a:chExt cx="0" cy="0"/>
-        </a:xfrm>
-      </p:grpSpPr>
-      <p:sp>
-        <p:nvSpPr>
-          <p:cNvPr id="2" name="Образ слайда 1"/>
-          <p:cNvSpPr>
-            <a:spLocks noGrp="1" noRot="1" noChangeAspect="1"/>
-          </p:cNvSpPr>
-          <p:nvPr>
-            <p:ph type="sldImg"/>
-          </p:nvPr>
-        </p:nvSpPr>
-        <p:spPr/>
-      </p:sp>
-      <p:sp>
-        <p:nvSpPr>
-          <p:cNvPr id="3" name="Заметки 2"/>
-          <p:cNvSpPr>
-            <a:spLocks noGrp="1"/>
-          </p:cNvSpPr>
-          <p:nvPr>
-            <p:ph type="body" idx="1"/>
-          </p:nvPr>
-        </p:nvSpPr>
-        <p:spPr/>
-        <p:txBody>
-          <a:bodyPr/>
-          <a:lstStyle/>
-          <a:p>
-            <a:r>
-              <a:rPr lang="ru-RU" dirty="0" smtClean="0"/>
-              <a:t>Подробный разбор того,</a:t>
-            </a:r>
-            <a:r>
-              <a:rPr lang="ru-RU" baseline="0" dirty="0" smtClean="0"/>
-              <a:t> как бороться с утечками памяти при работе с событиями, тянет на отдельный доклад. Я же сосредоточусь на той части, которая явно касается </a:t>
-            </a:r>
-            <a:r>
-              <a:rPr lang="en-US" baseline="0" dirty="0" smtClean="0"/>
-              <a:t>WPF.</a:t>
-            </a:r>
-          </a:p>
-          <a:p>
-            <a:endParaRPr lang="en-US" baseline="0" dirty="0" smtClean="0"/>
-          </a:p>
-          <a:p>
-            <a:r>
-              <a:rPr lang="ru-RU" baseline="0" dirty="0" smtClean="0"/>
-              <a:t>С отпиской от события есть проблема – не всегда можно явно определить момент, когда ресурс не нужен.</a:t>
-            </a:r>
-            <a:endParaRPr lang="ru-RU" dirty="0"/>
-          </a:p>
-        </p:txBody>
-      </p:sp>
-      <p:sp>
-        <p:nvSpPr>
-          <p:cNvPr id="4" name="Номер слайда 3"/>
-          <p:cNvSpPr>
-            <a:spLocks noGrp="1"/>
-          </p:cNvSpPr>
-          <p:nvPr>
-            <p:ph type="sldNum" sz="quarter" idx="10"/>
-          </p:nvPr>
-        </p:nvSpPr>
-        <p:spPr/>
-        <p:txBody>
-          <a:bodyPr/>
-          <a:lstStyle/>
-          <a:p>
-            <a:fld id="{01B998F4-8103-417C-AF3C-B5E3C74782CC}" type="slidenum">
-              <a:rPr lang="ru-RU" smtClean="0"/>
-              <a:t>11</a:t>
-            </a:fld>
-            <a:endParaRPr lang="ru-RU"/>
-          </a:p>
-        </p:txBody>
-      </p:sp>
-    </p:spTree>
-    <p:extLst>
-      <p:ext uri="{BB962C8B-B14F-4D97-AF65-F5344CB8AC3E}">
-        <p14:creationId xmlns:p14="http://schemas.microsoft.com/office/powerpoint/2010/main" val="2085352155"/>
       </p:ext>
     </p:extLst>
   </p:cSld>
@@ -2515,20 +4168,75 @@
           <a:lstStyle/>
           <a:p>
             <a:r>
-              <a:rPr lang="en-US" dirty="0" err="1" smtClean="0"/>
-              <a:t>CommandBinding</a:t>
-            </a:r>
-            <a:r>
-              <a:rPr lang="en-US" dirty="0" smtClean="0"/>
-              <a:t> – </a:t>
-            </a:r>
-            <a:r>
-              <a:rPr lang="ru-RU" dirty="0" smtClean="0"/>
-              <a:t>частный случай</a:t>
+              <a:rPr lang="ru-RU" dirty="0" smtClean="0"/>
+              <a:t>Подробный разбор того,</a:t>
             </a:r>
             <a:r>
               <a:rPr lang="ru-RU" baseline="0" dirty="0" smtClean="0"/>
-              <a:t> привязки к свойству другого класса (окна)</a:t>
+              <a:t> как бороться с утечками памяти при работе с событиями, тянет на отдельный доклад. Я же сосредоточусь на той части, которая явно касается </a:t>
+            </a:r>
+            <a:r>
+              <a:rPr lang="en-US" baseline="0" dirty="0" smtClean="0"/>
+              <a:t>WPF.</a:t>
+            </a:r>
+          </a:p>
+          <a:p>
+            <a:endParaRPr lang="en-US" baseline="0" dirty="0" smtClean="0"/>
+          </a:p>
+          <a:p>
+            <a:r>
+              <a:rPr lang="ru-RU" baseline="0" dirty="0" smtClean="0"/>
+              <a:t>С отпиской от события есть проблема – не всегда можно явно определить момент, когда ресурс не нужен</a:t>
+            </a:r>
+            <a:r>
+              <a:rPr lang="ru-RU" baseline="0" dirty="0" smtClean="0"/>
+              <a:t>.</a:t>
+            </a:r>
+          </a:p>
+          <a:p>
+            <a:endParaRPr lang="ru-RU" baseline="0" dirty="0" smtClean="0"/>
+          </a:p>
+          <a:p>
+            <a:r>
+              <a:rPr lang="ru-RU" baseline="0" dirty="0" smtClean="0"/>
+              <a:t>Реализация </a:t>
+            </a:r>
+            <a:r>
+              <a:rPr lang="en-US" baseline="0" dirty="0" err="1" smtClean="0"/>
+              <a:t>WeakEventPattern</a:t>
+            </a:r>
+            <a:r>
+              <a:rPr lang="en-US" baseline="0" dirty="0" smtClean="0"/>
+              <a:t> </a:t>
+            </a:r>
+            <a:r>
+              <a:rPr lang="ru-RU" baseline="0" dirty="0" smtClean="0"/>
+              <a:t>выходит за рамки доклада. Даже больше – эта тема тянет на полноценный доклад</a:t>
+            </a:r>
+          </a:p>
+          <a:p>
+            <a:endParaRPr lang="ru-RU" baseline="0" dirty="0" smtClean="0"/>
+          </a:p>
+          <a:p>
+            <a:r>
+              <a:rPr lang="en-US" baseline="0" dirty="0" err="1" smtClean="0"/>
+              <a:t>WeakEventManager</a:t>
+            </a:r>
+            <a:r>
+              <a:rPr lang="en-US" baseline="0" dirty="0" smtClean="0"/>
+              <a:t> </a:t>
+            </a:r>
+            <a:r>
+              <a:rPr lang="ru-RU" baseline="0" dirty="0" smtClean="0"/>
+              <a:t>используется в </a:t>
+            </a:r>
+            <a:r>
+              <a:rPr lang="en-US" baseline="0" dirty="0" smtClean="0"/>
+              <a:t>WPF </a:t>
+            </a:r>
+            <a:r>
+              <a:rPr lang="ru-RU" baseline="0" dirty="0" smtClean="0"/>
+              <a:t>по умолчанию</a:t>
             </a:r>
             <a:endParaRPr lang="ru-RU" dirty="0"/>
           </a:p>
@@ -2551,7 +4259,7 @@
           <a:p>
             <a:fld id="{01B998F4-8103-417C-AF3C-B5E3C74782CC}" type="slidenum">
               <a:rPr lang="ru-RU" smtClean="0"/>
-              <a:t>13</a:t>
+              <a:t>10</a:t>
             </a:fld>
             <a:endParaRPr lang="ru-RU"/>
           </a:p>
@@ -2560,7 +4268,7 @@
     </p:spTree>
     <p:extLst>
       <p:ext uri="{BB962C8B-B14F-4D97-AF65-F5344CB8AC3E}">
-        <p14:creationId xmlns:p14="http://schemas.microsoft.com/office/powerpoint/2010/main" val="939303470"/>
+        <p14:creationId xmlns:p14="http://schemas.microsoft.com/office/powerpoint/2010/main" val="2085352155"/>
       </p:ext>
     </p:extLst>
   </p:cSld>
@@ -5569,10 +7277,25 @@
           <a:lstStyle/>
           <a:p>
             <a:r>
+              <a:rPr lang="ru-RU" b="1" dirty="0" smtClean="0"/>
+              <a:t>Как лечить </a:t>
+            </a:r>
+            <a:r>
               <a:rPr lang="en-US" b="1" dirty="0" smtClean="0"/>
-              <a:t>Event Handler leak</a:t>
-            </a:r>
-            <a:endParaRPr lang="ru-RU" b="1" dirty="0"/>
+              <a:t>Event </a:t>
+            </a:r>
+            <a:r>
+              <a:rPr lang="en-US" b="1" dirty="0"/>
+              <a:t>Handler </a:t>
+            </a:r>
+            <a:r>
+              <a:rPr lang="en-US" b="1" dirty="0" smtClean="0"/>
+              <a:t>leak</a:t>
+            </a:r>
+            <a:r>
+              <a:rPr lang="ru-RU" b="1" dirty="0"/>
+              <a:t>?</a:t>
+            </a:r>
           </a:p>
         </p:txBody>
       </p:sp>
@@ -5586,16 +7309,9 @@
             <p:ph idx="1"/>
           </p:nvPr>
         </p:nvSpPr>
-        <p:spPr>
-          <a:xfrm>
-            <a:off x="838200" y="1825625"/>
-            <a:ext cx="10515600" cy="4634810"/>
-          </a:xfrm>
-        </p:spPr>
-        <p:txBody>
-          <a:bodyPr>
-            <a:normAutofit/>
-          </a:bodyPr>
+        <p:spPr/>
+        <p:txBody>
+          <a:bodyPr/>
           <a:lstStyle/>
           <a:p>
             <a:pPr>
@@ -5605,13 +7321,17 @@
             </a:pPr>
             <a:r>
               <a:rPr lang="ru-RU" dirty="0" smtClean="0"/>
-              <a:t>Проблема не только в </a:t>
-            </a:r>
-            <a:r>
-              <a:rPr lang="en-US" dirty="0" smtClean="0"/>
-              <a:t>WPF</a:t>
-            </a:r>
-            <a:endParaRPr lang="ru-RU" dirty="0"/>
+              <a:t>Явная </a:t>
+            </a:r>
+            <a:r>
+              <a:rPr lang="ru-RU" dirty="0" smtClean="0"/>
+              <a:t>отписка от </a:t>
+            </a:r>
+            <a:r>
+              <a:rPr lang="ru-RU" dirty="0" smtClean="0"/>
+              <a:t>событий </a:t>
+            </a:r>
+            <a:endParaRPr lang="ru-RU" dirty="0" smtClean="0"/>
           </a:p>
           <a:p>
             <a:pPr>
@@ -5620,10 +7340,18 @@
               </a:lnSpc>
             </a:pPr>
             <a:r>
-              <a:rPr lang="ru-RU" dirty="0"/>
-              <a:t>Издатель живет дольше подписчика – риск получить утечки</a:t>
-            </a:r>
-            <a:endParaRPr lang="en-US" dirty="0" smtClean="0"/>
+              <a:rPr lang="en-US" b="1" dirty="0" err="1"/>
+              <a:t>IDisposable</a:t>
+            </a:r>
+            <a:r>
+              <a:rPr lang="en-US" dirty="0"/>
+              <a:t> </a:t>
+            </a:r>
+            <a:r>
+              <a:rPr lang="en-US" dirty="0" smtClean="0"/>
+              <a:t>pattern</a:t>
+            </a:r>
+            <a:endParaRPr lang="ru-RU" dirty="0"/>
           </a:p>
           <a:p>
             <a:pPr>
@@ -5632,14 +7360,26 @@
               </a:lnSpc>
             </a:pPr>
             <a:r>
-              <a:rPr lang="ru-RU" dirty="0" err="1" smtClean="0"/>
-              <a:t>Экземплярный</a:t>
-            </a:r>
-            <a:r>
-              <a:rPr lang="ru-RU" dirty="0" smtClean="0"/>
-              <a:t> метод ссылается на класс, в котором находится</a:t>
-            </a:r>
-            <a:endParaRPr lang="en-US" dirty="0" smtClean="0"/>
+              <a:rPr lang="en-US" dirty="0" smtClean="0"/>
+              <a:t>Behavior</a:t>
+            </a:r>
+            <a:r>
+              <a:rPr lang="en-US" dirty="0"/>
+              <a:t>, Trigger </a:t>
+            </a:r>
+            <a:r>
+              <a:rPr lang="ru-RU" dirty="0"/>
+              <a:t>и </a:t>
+            </a:r>
+            <a:r>
+              <a:rPr lang="ru-RU" dirty="0" smtClean="0"/>
+              <a:t>прочие «дополнения» к </a:t>
+            </a:r>
+            <a:r>
+              <a:rPr lang="en-US" dirty="0" smtClean="0"/>
+              <a:t>View</a:t>
+            </a:r>
+            <a:endParaRPr lang="ru-RU" dirty="0" smtClean="0"/>
           </a:p>
           <a:p>
             <a:pPr>
@@ -5648,29 +7388,18 @@
               </a:lnSpc>
             </a:pPr>
             <a:r>
-              <a:rPr lang="en-US" dirty="0" smtClean="0"/>
-              <a:t>Static event – </a:t>
-            </a:r>
-            <a:r>
-              <a:rPr lang="ru-RU" dirty="0" smtClean="0"/>
-              <a:t>наш злейший враг</a:t>
-            </a:r>
-            <a:endParaRPr lang="en-US" dirty="0"/>
-          </a:p>
-          <a:p>
-            <a:pPr>
-              <a:lnSpc>
-                <a:spcPct val="150000"/>
-              </a:lnSpc>
-            </a:pPr>
-            <a:r>
-              <a:rPr lang="ru-RU" dirty="0" smtClean="0"/>
-              <a:t>От лямбды нельзя отписаться</a:t>
-            </a:r>
-            <a:endParaRPr lang="en-US" dirty="0"/>
-          </a:p>
-          <a:p>
-            <a:endParaRPr lang="ru-RU" dirty="0"/>
+              <a:rPr lang="ru-RU" dirty="0" smtClean="0"/>
+              <a:t>Нельзя точно определить момент отписки – используем </a:t>
+            </a:r>
+            <a:r>
+              <a:rPr lang="en-US" b="1" dirty="0" err="1" smtClean="0"/>
+              <a:t>WeakEventManager</a:t>
+            </a:r>
+            <a:r>
+              <a:rPr lang="en-US" b="1" dirty="0" smtClean="0"/>
+              <a:t>/Weak event pattern</a:t>
+            </a:r>
+            <a:endParaRPr lang="ru-RU" b="1" dirty="0"/>
           </a:p>
         </p:txBody>
       </p:sp>
@@ -5700,13 +7429,20 @@
     </p:spTree>
     <p:extLst>
       <p:ext uri="{BB962C8B-B14F-4D97-AF65-F5344CB8AC3E}">
-        <p14:creationId xmlns:p14="http://schemas.microsoft.com/office/powerpoint/2010/main" val="2538111150"/>
+        <p14:creationId xmlns:p14="http://schemas.microsoft.com/office/powerpoint/2010/main" val="563520572"/>
       </p:ext>
     </p:extLst>
   </p:cSld>
   <p:clrMapOvr>
     <a:masterClrMapping/>
   </p:clrMapOvr>
+  <p:timing>
+    <p:tnLst>
+      <p:par>
+        <p:cTn id="1" dur="indefinite" restart="never" nodeType="tmRoot"/>
+      </p:par>
+    </p:tnLst>
+  </p:timing>
 </p:sld>
 </file>
 
@@ -5743,25 +7479,10 @@
           <a:lstStyle/>
           <a:p>
             <a:r>
-              <a:rPr lang="ru-RU" b="1" dirty="0" smtClean="0"/>
-              <a:t>Как лечить </a:t>
-            </a:r>
-            <a:r>
               <a:rPr lang="en-US" b="1" dirty="0" smtClean="0"/>
-              <a:t>Event </a:t>
-            </a:r>
-            <a:r>
-              <a:rPr lang="en-US" b="1" dirty="0"/>
-              <a:t>Handler </a:t>
-            </a:r>
-            <a:r>
-              <a:rPr lang="en-US" b="1" dirty="0" smtClean="0"/>
-              <a:t>leak</a:t>
-            </a:r>
-            <a:r>
-              <a:rPr lang="ru-RU" b="1" dirty="0"/>
-              <a:t>?</a:t>
-            </a:r>
+              <a:t>Weak event</a:t>
+            </a:r>
+            <a:endParaRPr lang="ru-RU" b="1" dirty="0"/>
           </a:p>
         </p:txBody>
       </p:sp>
@@ -5787,19 +7508,40 @@
             </a:pPr>
             <a:r>
               <a:rPr lang="ru-RU" dirty="0" smtClean="0"/>
-              <a:t>Простейший способ борьбы с </a:t>
-            </a:r>
-            <a:r>
-              <a:rPr lang="en-US" b="1" dirty="0" smtClean="0"/>
-              <a:t>event handler leak </a:t>
-            </a:r>
+              <a:t>Пример для реализаций </a:t>
+            </a:r>
+            <a:r>
+              <a:rPr lang="en-US" b="1" dirty="0" err="1" smtClean="0"/>
+              <a:t>ICommand</a:t>
+            </a:r>
+            <a:endParaRPr lang="en-US" dirty="0"/>
+          </a:p>
+          <a:p>
+            <a:pPr marL="0" indent="0">
+              <a:lnSpc>
+                <a:spcPct val="150000"/>
+              </a:lnSpc>
+              <a:buNone/>
+            </a:pPr>
             <a:r>
               <a:rPr lang="en-US" dirty="0" smtClean="0"/>
-              <a:t>- </a:t>
-            </a:r>
-            <a:r>
-              <a:rPr lang="ru-RU" dirty="0" smtClean="0"/>
-              <a:t>явная отписка от событий</a:t>
+              <a:t>	</a:t>
+            </a:r>
+            <a:r>
+              <a:rPr lang="en-US" i="1" dirty="0" err="1" smtClean="0"/>
+              <a:t>CommandManager.InvalidateRequery</a:t>
+            </a:r>
+            <a:r>
+              <a:rPr lang="en-US" i="1" dirty="0" smtClean="0"/>
+              <a:t> += </a:t>
+            </a:r>
+            <a:r>
+              <a:rPr lang="en-US" i="1" dirty="0" err="1" smtClean="0"/>
+              <a:t>OnInvalidateRequery</a:t>
+            </a:r>
+            <a:r>
+              <a:rPr lang="en-US" i="1" dirty="0" smtClean="0"/>
+              <a:t>;</a:t>
             </a:r>
           </a:p>
           <a:p>
@@ -5809,14 +7551,17 @@
               </a:lnSpc>
             </a:pPr>
             <a:r>
-              <a:rPr lang="en-US" b="1" dirty="0" err="1"/>
-              <a:t>IDisposable</a:t>
-            </a:r>
-            <a:r>
-              <a:rPr lang="en-US" dirty="0"/>
-              <a:t> pattern</a:t>
-            </a:r>
-            <a:endParaRPr lang="ru-RU" dirty="0"/>
+              <a:rPr lang="en-US" dirty="0" err="1" smtClean="0"/>
+              <a:t>InvalidateRequery</a:t>
+            </a:r>
+            <a:r>
+              <a:rPr lang="en-US" dirty="0" smtClean="0"/>
+              <a:t> </a:t>
+            </a:r>
+            <a:r>
+              <a:rPr lang="ru-RU" dirty="0" smtClean="0"/>
+              <a:t>использует слабую ссылку</a:t>
+            </a:r>
           </a:p>
           <a:p>
             <a:pPr>
@@ -5825,46 +7570,10 @@
               </a:lnSpc>
             </a:pPr>
             <a:r>
-              <a:rPr lang="en-US" dirty="0" smtClean="0"/>
-              <a:t>Behavior</a:t>
-            </a:r>
-            <a:r>
-              <a:rPr lang="en-US" dirty="0"/>
-              <a:t>, Trigger </a:t>
-            </a:r>
-            <a:r>
-              <a:rPr lang="ru-RU" dirty="0"/>
-              <a:t>и </a:t>
-            </a:r>
-            <a:r>
-              <a:rPr lang="ru-RU" dirty="0" smtClean="0"/>
-              <a:t>прочие «дополнения» к </a:t>
-            </a:r>
-            <a:r>
-              <a:rPr lang="en-US" dirty="0" smtClean="0"/>
-              <a:t>View</a:t>
-            </a:r>
-            <a:endParaRPr lang="ru-RU" dirty="0" smtClean="0"/>
-          </a:p>
-          <a:p>
-            <a:pPr>
-              <a:lnSpc>
-                <a:spcPct val="150000"/>
-              </a:lnSpc>
-            </a:pPr>
-            <a:r>
-              <a:rPr lang="ru-RU" dirty="0" smtClean="0"/>
-              <a:t>Нельзя точно определить момент отписки – используем </a:t>
-            </a:r>
-            <a:r>
-              <a:rPr lang="en-US" b="1" dirty="0" err="1" smtClean="0"/>
-              <a:t>WeakEventManager</a:t>
-            </a:r>
-            <a:r>
-              <a:rPr lang="en-US" b="1" dirty="0" smtClean="0"/>
-              <a:t>/Weak event pattern</a:t>
-            </a:r>
-            <a:endParaRPr lang="ru-RU" b="1" dirty="0"/>
+              <a:rPr lang="ru-RU" dirty="0" smtClean="0"/>
+              <a:t>Может привести к преждевременной сборке мусора для обработчика события</a:t>
+            </a:r>
+            <a:endParaRPr lang="ru-RU" dirty="0"/>
           </a:p>
         </p:txBody>
       </p:sp>
@@ -5894,20 +7603,13 @@
     </p:spTree>
     <p:extLst>
       <p:ext uri="{BB962C8B-B14F-4D97-AF65-F5344CB8AC3E}">
-        <p14:creationId xmlns:p14="http://schemas.microsoft.com/office/powerpoint/2010/main" val="563520572"/>
+        <p14:creationId xmlns:p14="http://schemas.microsoft.com/office/powerpoint/2010/main" val="3609930348"/>
       </p:ext>
     </p:extLst>
   </p:cSld>
   <p:clrMapOvr>
     <a:masterClrMapping/>
   </p:clrMapOvr>
-  <p:timing>
-    <p:tnLst>
-      <p:par>
-        <p:cTn id="1" dur="indefinite" restart="never" nodeType="tmRoot"/>
-      </p:par>
-    </p:tnLst>
-  </p:timing>
 </p:sld>
 </file>
 
@@ -6039,15 +7741,7 @@
             </a:pPr>
             <a:r>
               <a:rPr lang="ru-RU" dirty="0" smtClean="0"/>
-              <a:t>Второй вариант – другой </a:t>
-            </a:r>
-            <a:r>
-              <a:rPr lang="ru-RU" dirty="0" smtClean="0"/>
-              <a:t>тип таймера </a:t>
-            </a:r>
-            <a:r>
-              <a:rPr lang="ru-RU" dirty="0" smtClean="0"/>
-              <a:t>+ </a:t>
+              <a:t>Второй вариант – другой тип таймера + </a:t>
             </a:r>
             <a:r>
               <a:rPr lang="en-US" b="1" dirty="0" err="1" smtClean="0"/>
@@ -6255,15 +7949,11 @@
             </a:r>
             <a:r>
               <a:rPr lang="ru-RU" dirty="0" smtClean="0"/>
-              <a:t> – </a:t>
-            </a:r>
-            <a:r>
-              <a:rPr lang="en-US" dirty="0" err="1" smtClean="0"/>
-              <a:t>PropertyChangedEventManager</a:t>
-            </a:r>
-            <a:r>
-              <a:rPr lang="ru-RU" dirty="0" smtClean="0"/>
-              <a:t>, </a:t>
+              <a:t> </a:t>
+            </a:r>
+            <a:r>
+              <a:rPr lang="ru-RU" dirty="0" smtClean="0"/>
+              <a:t>– </a:t>
             </a:r>
             <a:r>
               <a:rPr lang="en-US" b="1" dirty="0" err="1" smtClean="0"/>
@@ -6354,7 +8044,11 @@
           <a:p>
             <a:r>
               <a:rPr lang="en-US" b="1" dirty="0" smtClean="0"/>
-              <a:t>Textbox undo</a:t>
+              <a:t>Many instances of </a:t>
+            </a:r>
+            <a:r>
+              <a:rPr lang="en-US" b="1" dirty="0" err="1" smtClean="0"/>
+              <a:t>ResourceDictionaries</a:t>
             </a:r>
             <a:endParaRPr lang="ru-RU" b="1" dirty="0"/>
           </a:p>
@@ -6372,9 +8066,7 @@
         </p:nvSpPr>
         <p:spPr/>
         <p:txBody>
-          <a:bodyPr>
-            <a:normAutofit/>
-          </a:bodyPr>
+          <a:bodyPr/>
           <a:lstStyle/>
           <a:p>
             <a:pPr>
@@ -6383,14 +8075,18 @@
               </a:lnSpc>
             </a:pPr>
             <a:r>
-              <a:rPr lang="en-US" dirty="0" smtClean="0"/>
-              <a:t>Undo </a:t>
-            </a:r>
-            <a:r>
-              <a:rPr lang="ru-RU" dirty="0" smtClean="0"/>
-              <a:t>– включено по умолчанию</a:t>
-            </a:r>
-            <a:endParaRPr lang="en-US" dirty="0" smtClean="0"/>
+              <a:rPr lang="ru-RU" dirty="0" smtClean="0"/>
+              <a:t>Не использовать </a:t>
+            </a:r>
+            <a:r>
+              <a:rPr lang="en-US" dirty="0" err="1" smtClean="0"/>
+              <a:t>ResourceDictionary</a:t>
+            </a:r>
+            <a:r>
+              <a:rPr lang="ru-RU" dirty="0" smtClean="0"/>
+              <a:t> = выстрелить себе в ногу</a:t>
+            </a:r>
+            <a:endParaRPr lang="ru-RU" dirty="0" smtClean="0"/>
           </a:p>
           <a:p>
             <a:pPr>
@@ -6400,16 +8096,17 @@
             </a:pPr>
             <a:r>
               <a:rPr lang="ru-RU" dirty="0" smtClean="0"/>
-              <a:t>Отмена ввода – не баг, а </a:t>
-            </a:r>
-            <a:r>
-              <a:rPr lang="ru-RU" dirty="0" err="1" smtClean="0"/>
-              <a:t>фича</a:t>
-            </a:r>
-            <a:r>
-              <a:rPr lang="ru-RU" dirty="0"/>
-              <a:t>?</a:t>
-            </a:r>
+              <a:t>Множество экземпляров </a:t>
+            </a:r>
+            <a:r>
+              <a:rPr lang="en-US" dirty="0" err="1" smtClean="0"/>
+              <a:t>ResourceDictionary</a:t>
+            </a:r>
+            <a:r>
+              <a:rPr lang="ru-RU" dirty="0" smtClean="0"/>
+              <a:t> во время жизни приложения</a:t>
+            </a:r>
+            <a:endParaRPr lang="ru-RU" dirty="0" smtClean="0"/>
           </a:p>
           <a:p>
             <a:pPr>
@@ -6418,16 +8115,16 @@
               </a:lnSpc>
             </a:pPr>
             <a:r>
-              <a:rPr lang="en-US" dirty="0" err="1"/>
-              <a:t>UndoManager</a:t>
-            </a:r>
-            <a:r>
-              <a:rPr lang="ru-RU" dirty="0"/>
-              <a:t> – корень всех </a:t>
-            </a:r>
-            <a:r>
-              <a:rPr lang="ru-RU" dirty="0" smtClean="0"/>
-              <a:t>зол</a:t>
+              <a:rPr lang="ru-RU" b="1" dirty="0" smtClean="0"/>
+              <a:t>Лечение - </a:t>
+            </a:r>
+            <a:r>
+              <a:rPr lang="en-US" dirty="0" err="1" smtClean="0"/>
+              <a:t>SharedResourceDictionary</a:t>
+            </a:r>
+            <a:r>
+              <a:rPr lang="ru-RU" dirty="0" smtClean="0"/>
+              <a:t> </a:t>
             </a:r>
           </a:p>
           <a:p>
@@ -6437,48 +8134,40 @@
               </a:lnSpc>
             </a:pPr>
             <a:r>
-              <a:rPr lang="ru-RU" b="1" dirty="0" smtClean="0"/>
-              <a:t>Лечение</a:t>
-            </a:r>
-            <a:r>
-              <a:rPr lang="ru-RU" dirty="0" smtClean="0"/>
-              <a:t> – ограничить или отключить операцию </a:t>
-            </a:r>
-            <a:r>
               <a:rPr lang="en-US" dirty="0" smtClean="0"/>
-              <a:t>Undo</a:t>
-            </a:r>
-          </a:p>
-          <a:p>
-            <a:pPr marL="457200" lvl="1" indent="0">
-              <a:lnSpc>
-                <a:spcPct val="150000"/>
-              </a:lnSpc>
-              <a:buNone/>
-            </a:pPr>
+              <a:t>[Obsolete] </a:t>
+            </a:r>
+            <a:r>
+              <a:rPr lang="ru-RU" dirty="0" smtClean="0"/>
+              <a:t>В</a:t>
+            </a:r>
+            <a:r>
+              <a:rPr lang="en-US" dirty="0" smtClean="0"/>
+              <a:t> </a:t>
+            </a:r>
             <a:r>
               <a:rPr lang="en-US" dirty="0" err="1" smtClean="0"/>
-              <a:t>IsUndoEnabled</a:t>
+              <a:t>.Net</a:t>
             </a:r>
             <a:r>
               <a:rPr lang="en-US" dirty="0" smtClean="0"/>
-              <a:t>=“False”</a:t>
-            </a:r>
-          </a:p>
-          <a:p>
-            <a:pPr marL="457200" lvl="1" indent="0">
-              <a:lnSpc>
-                <a:spcPct val="150000"/>
-              </a:lnSpc>
-              <a:buNone/>
-            </a:pPr>
-            <a:r>
-              <a:rPr lang="en-US" dirty="0" err="1" smtClean="0"/>
-              <a:t>UndoLimit</a:t>
+              <a:t> Framework 3.5 </a:t>
+            </a:r>
+            <a:r>
+              <a:rPr lang="ru-RU" dirty="0" smtClean="0"/>
+              <a:t>– явный обход всех </a:t>
+            </a:r>
+            <a:r>
+              <a:rPr lang="en-US" b="1" dirty="0" err="1" smtClean="0"/>
+              <a:t>MergedDictionaries</a:t>
             </a:r>
             <a:r>
               <a:rPr lang="en-US" dirty="0" smtClean="0"/>
-              <a:t>=“10”</a:t>
+              <a:t> </a:t>
+            </a:r>
+            <a:r>
+              <a:rPr lang="ru-RU" dirty="0" smtClean="0"/>
+              <a:t>при старте приложения</a:t>
             </a:r>
             <a:endParaRPr lang="ru-RU" dirty="0"/>
           </a:p>
@@ -6510,20 +8199,13 @@
     </p:spTree>
     <p:extLst>
       <p:ext uri="{BB962C8B-B14F-4D97-AF65-F5344CB8AC3E}">
-        <p14:creationId xmlns:p14="http://schemas.microsoft.com/office/powerpoint/2010/main" val="3782083779"/>
+        <p14:creationId xmlns:p14="http://schemas.microsoft.com/office/powerpoint/2010/main" val="2760842793"/>
       </p:ext>
     </p:extLst>
   </p:cSld>
   <p:clrMapOvr>
     <a:masterClrMapping/>
   </p:clrMapOvr>
-  <p:timing>
-    <p:tnLst>
-      <p:par>
-        <p:cTn id="1" dur="indefinite" restart="never" nodeType="tmRoot"/>
-      </p:par>
-    </p:tnLst>
-  </p:timing>
 </p:sld>
 </file>
 
@@ -6561,7 +8243,7 @@
           <a:p>
             <a:r>
               <a:rPr lang="en-US" b="1" dirty="0" smtClean="0"/>
-              <a:t>Media effect resource leak</a:t>
+              <a:t>Textbox undo</a:t>
             </a:r>
             <a:endParaRPr lang="ru-RU" b="1" dirty="0"/>
           </a:p>
@@ -6586,89 +8268,108 @@
           <a:p>
             <a:pPr>
               <a:lnSpc>
-                <a:spcPct val="160000"/>
+                <a:spcPct val="150000"/>
               </a:lnSpc>
             </a:pPr>
             <a:r>
-              <a:rPr lang="ru-RU" dirty="0" smtClean="0"/>
-              <a:t>Стиль определен в </a:t>
-            </a:r>
-            <a:r>
-              <a:rPr lang="en-US" b="1" dirty="0" err="1" smtClean="0"/>
-              <a:t>ResourceDictionary</a:t>
-            </a:r>
-            <a:endParaRPr lang="en-US" b="1" dirty="0" smtClean="0"/>
+              <a:rPr lang="en-US" dirty="0" smtClean="0"/>
+              <a:t>Undo </a:t>
+            </a:r>
+            <a:r>
+              <a:rPr lang="ru-RU" dirty="0" smtClean="0"/>
+              <a:t>– включено по умолчанию</a:t>
+            </a:r>
+            <a:endParaRPr lang="en-US" dirty="0" smtClean="0"/>
           </a:p>
           <a:p>
             <a:pPr>
               <a:lnSpc>
-                <a:spcPct val="160000"/>
+                <a:spcPct val="150000"/>
               </a:lnSpc>
             </a:pPr>
             <a:r>
               <a:rPr lang="ru-RU" dirty="0" smtClean="0"/>
-              <a:t>Стиль использует </a:t>
-            </a:r>
-            <a:r>
-              <a:rPr lang="en-US" b="1" dirty="0" err="1" smtClean="0"/>
-              <a:t>ControlTemplate</a:t>
-            </a:r>
-            <a:r>
-              <a:rPr lang="en-US" dirty="0" smtClean="0"/>
-              <a:t> </a:t>
-            </a:r>
-            <a:r>
-              <a:rPr lang="ru-RU" dirty="0" smtClean="0"/>
-              <a:t>с медиа эффектом (</a:t>
-            </a:r>
-            <a:r>
-              <a:rPr lang="en-US" b="1" dirty="0" err="1" smtClean="0"/>
-              <a:t>DropShadowEffect</a:t>
-            </a:r>
-            <a:r>
-              <a:rPr lang="en-US" dirty="0" smtClean="0"/>
-              <a:t>)</a:t>
+              <a:t>Отмена ввода – не баг, а </a:t>
+            </a:r>
+            <a:r>
+              <a:rPr lang="ru-RU" dirty="0" err="1" smtClean="0"/>
+              <a:t>фича</a:t>
+            </a:r>
+            <a:r>
+              <a:rPr lang="ru-RU" dirty="0"/>
+              <a:t>?</a:t>
             </a:r>
           </a:p>
           <a:p>
             <a:pPr>
               <a:lnSpc>
-                <a:spcPct val="160000"/>
+                <a:spcPct val="150000"/>
               </a:lnSpc>
             </a:pPr>
             <a:r>
-              <a:rPr lang="ru-RU" dirty="0" smtClean="0"/>
-              <a:t>Медиа эффект используется через </a:t>
-            </a:r>
-            <a:r>
-              <a:rPr lang="en-US" b="1" dirty="0" err="1" smtClean="0"/>
-              <a:t>StaticResource</a:t>
-            </a:r>
-            <a:endParaRPr lang="en-US" b="1" dirty="0"/>
+              <a:rPr lang="en-US" dirty="0" err="1"/>
+              <a:t>UndoManager</a:t>
+            </a:r>
+            <a:r>
+              <a:rPr lang="ru-RU" dirty="0"/>
+              <a:t> – корень всех </a:t>
+            </a:r>
+            <a:r>
+              <a:rPr lang="ru-RU" dirty="0" smtClean="0"/>
+              <a:t>зол</a:t>
+            </a:r>
           </a:p>
           <a:p>
             <a:pPr>
               <a:lnSpc>
-                <a:spcPct val="160000"/>
+                <a:spcPct val="150000"/>
               </a:lnSpc>
             </a:pPr>
             <a:r>
-              <a:rPr lang="ru-RU" dirty="0" smtClean="0"/>
-              <a:t>Срабатывание трех условий одновременно – </a:t>
-            </a:r>
-            <a:r>
-              <a:rPr lang="ru-RU" dirty="0" err="1" smtClean="0"/>
-              <a:t>джекпот</a:t>
+              <a:rPr lang="ru-RU" b="1" dirty="0" smtClean="0"/>
+              <a:t>Лечение</a:t>
+            </a:r>
+            <a:r>
+              <a:rPr lang="ru-RU" dirty="0" smtClean="0"/>
+              <a:t> – ограничить или отключить операцию </a:t>
             </a:r>
             <a:r>
               <a:rPr lang="en-US" dirty="0" smtClean="0"/>
-              <a:t>! (</a:t>
-            </a:r>
-            <a:r>
-              <a:rPr lang="ru-RU" dirty="0" smtClean="0"/>
-              <a:t>Иногда)</a:t>
-            </a:r>
-            <a:endParaRPr lang="en-US" dirty="0" smtClean="0"/>
+              <a:t>Undo</a:t>
+            </a:r>
+          </a:p>
+          <a:p>
+            <a:pPr marL="457200" lvl="1" indent="0">
+              <a:lnSpc>
+                <a:spcPct val="150000"/>
+              </a:lnSpc>
+              <a:buNone/>
+            </a:pPr>
+            <a:r>
+              <a:rPr lang="en-US" dirty="0" err="1" smtClean="0"/>
+              <a:t>IsUndoEnabled</a:t>
+            </a:r>
+            <a:r>
+              <a:rPr lang="en-US" dirty="0" smtClean="0"/>
+              <a:t>=“False”</a:t>
+            </a:r>
+          </a:p>
+          <a:p>
+            <a:pPr marL="457200" lvl="1" indent="0">
+              <a:lnSpc>
+                <a:spcPct val="150000"/>
+              </a:lnSpc>
+              <a:buNone/>
+            </a:pPr>
+            <a:r>
+              <a:rPr lang="en-US" dirty="0" err="1" smtClean="0"/>
+              <a:t>UndoLimit</a:t>
+            </a:r>
+            <a:r>
+              <a:rPr lang="en-US" dirty="0" smtClean="0"/>
+              <a:t>=“10”</a:t>
+            </a:r>
+            <a:endParaRPr lang="ru-RU" dirty="0"/>
           </a:p>
         </p:txBody>
       </p:sp>
@@ -6698,7 +8399,7 @@
     </p:spTree>
     <p:extLst>
       <p:ext uri="{BB962C8B-B14F-4D97-AF65-F5344CB8AC3E}">
-        <p14:creationId xmlns:p14="http://schemas.microsoft.com/office/powerpoint/2010/main" val="1416765959"/>
+        <p14:creationId xmlns:p14="http://schemas.microsoft.com/office/powerpoint/2010/main" val="3782083779"/>
       </p:ext>
     </p:extLst>
   </p:cSld>
@@ -6748,22 +8449,10 @@
           <a:lstStyle/>
           <a:p>
             <a:r>
-              <a:rPr lang="ru-RU" b="1" dirty="0" smtClean="0"/>
-              <a:t>Как лечить </a:t>
-            </a:r>
-            <a:r>
-              <a:rPr lang="en-US" b="1" dirty="0"/>
-              <a:t>Media effect resource </a:t>
-            </a:r>
-            <a:r>
               <a:rPr lang="en-US" b="1" dirty="0" smtClean="0"/>
-              <a:t>leak</a:t>
-            </a:r>
-            <a:r>
-              <a:rPr lang="ru-RU" b="1" dirty="0" smtClean="0"/>
-              <a:t>?</a:t>
-            </a:r>
-            <a:endParaRPr lang="ru-RU" dirty="0"/>
+              <a:t>Media effect resource leak</a:t>
+            </a:r>
+            <a:endParaRPr lang="ru-RU" b="1" dirty="0"/>
           </a:p>
         </p:txBody>
       </p:sp>
@@ -6779,44 +8468,39 @@
         </p:nvSpPr>
         <p:spPr/>
         <p:txBody>
-          <a:bodyPr/>
-          <a:lstStyle/>
-          <a:p>
-            <a:pPr marL="228600" lvl="1">
-              <a:lnSpc>
-                <a:spcPct val="150000"/>
-              </a:lnSpc>
-              <a:spcBef>
-                <a:spcPts val="1000"/>
-              </a:spcBef>
-            </a:pPr>
-            <a:r>
-              <a:rPr lang="en-US" dirty="0" smtClean="0"/>
-              <a:t>“</a:t>
-            </a:r>
-            <a:r>
-              <a:rPr lang="en-US" dirty="0" err="1" smtClean="0"/>
-              <a:t>PresentationOptions:Freeze</a:t>
-            </a:r>
-            <a:r>
-              <a:rPr lang="en-US" dirty="0" smtClean="0"/>
-              <a:t>=True”</a:t>
-            </a:r>
-            <a:endParaRPr lang="en-US" dirty="0"/>
-          </a:p>
+          <a:bodyPr>
+            <a:normAutofit/>
+          </a:bodyPr>
+          <a:lstStyle/>
           <a:p>
             <a:pPr>
               <a:lnSpc>
-                <a:spcPct val="150000"/>
+                <a:spcPct val="160000"/>
               </a:lnSpc>
             </a:pPr>
             <a:r>
               <a:rPr lang="ru-RU" dirty="0" smtClean="0"/>
-              <a:t>Атрибут </a:t>
-            </a:r>
-            <a:r>
-              <a:rPr lang="en-US" b="1" dirty="0" smtClean="0"/>
-              <a:t>Freeze</a:t>
+              <a:t>Стиль определен в </a:t>
+            </a:r>
+            <a:r>
+              <a:rPr lang="en-US" b="1" dirty="0" err="1" smtClean="0"/>
+              <a:t>ResourceDictionary</a:t>
+            </a:r>
+            <a:endParaRPr lang="en-US" b="1" dirty="0" smtClean="0"/>
+          </a:p>
+          <a:p>
+            <a:pPr>
+              <a:lnSpc>
+                <a:spcPct val="160000"/>
+              </a:lnSpc>
+            </a:pPr>
+            <a:r>
+              <a:rPr lang="ru-RU" dirty="0" smtClean="0"/>
+              <a:t>Стиль использует </a:t>
+            </a:r>
+            <a:r>
+              <a:rPr lang="en-US" b="1" dirty="0" err="1" smtClean="0"/>
+              <a:t>ControlTemplate</a:t>
             </a:r>
             <a:r>
               <a:rPr lang="en-US" dirty="0" smtClean="0"/>
@@ -6824,40 +8508,60 @@
             </a:r>
             <a:r>
               <a:rPr lang="ru-RU" dirty="0" smtClean="0"/>
-              <a:t>для неизменяемых в </a:t>
-            </a:r>
-            <a:r>
-              <a:rPr lang="ru-RU" dirty="0" err="1" smtClean="0"/>
-              <a:t>рантайме</a:t>
-            </a:r>
-            <a:r>
-              <a:rPr lang="ru-RU" dirty="0" smtClean="0"/>
-              <a:t> эффектов</a:t>
+              <a:t>с медиа эффектом (</a:t>
+            </a:r>
+            <a:r>
+              <a:rPr lang="en-US" b="1" dirty="0" err="1" smtClean="0"/>
+              <a:t>DropShadowEffect</a:t>
+            </a:r>
+            <a:r>
+              <a:rPr lang="en-US" dirty="0" smtClean="0"/>
+              <a:t>)</a:t>
             </a:r>
           </a:p>
           <a:p>
             <a:pPr>
               <a:lnSpc>
-                <a:spcPct val="150000"/>
+                <a:spcPct val="160000"/>
               </a:lnSpc>
             </a:pPr>
             <a:r>
+              <a:rPr lang="ru-RU" dirty="0" smtClean="0"/>
+              <a:t>Медиа эффект используется через </a:t>
+            </a:r>
+            <a:r>
+              <a:rPr lang="en-US" b="1" dirty="0" err="1" smtClean="0"/>
+              <a:t>StaticResource</a:t>
+            </a:r>
+            <a:endParaRPr lang="en-US" b="1" dirty="0"/>
+          </a:p>
+          <a:p>
+            <a:pPr>
+              <a:lnSpc>
+                <a:spcPct val="160000"/>
+              </a:lnSpc>
+            </a:pPr>
+            <a:r>
+              <a:rPr lang="ru-RU" dirty="0" smtClean="0"/>
+              <a:t>Срабатывание трех условий одновременно – </a:t>
+            </a:r>
+            <a:r>
+              <a:rPr lang="ru-RU" dirty="0" err="1" smtClean="0"/>
+              <a:t>джекпот</a:t>
+            </a:r>
+            <a:r>
               <a:rPr lang="en-US" dirty="0" smtClean="0"/>
-              <a:t>Application </a:t>
-            </a:r>
-            <a:r>
-              <a:rPr lang="en-US" b="1" dirty="0" err="1" smtClean="0"/>
-              <a:t>ResourceDictionary</a:t>
+              <a:t>! </a:t>
             </a:r>
             <a:r>
               <a:rPr lang="en-US" dirty="0" smtClean="0"/>
-              <a:t> -&gt; View </a:t>
-            </a:r>
-            <a:r>
-              <a:rPr lang="en-US" b="1" dirty="0" err="1"/>
-              <a:t>ResourceDictionary</a:t>
-            </a:r>
-            <a:endParaRPr lang="ru-RU" b="1" dirty="0"/>
+              <a:t>(</a:t>
+            </a:r>
+            <a:r>
+              <a:rPr lang="ru-RU" dirty="0" smtClean="0"/>
+              <a:t>Не всегда)</a:t>
+            </a:r>
+            <a:endParaRPr lang="en-US" dirty="0" smtClean="0"/>
           </a:p>
         </p:txBody>
       </p:sp>
@@ -6887,13 +8591,20 @@
     </p:spTree>
     <p:extLst>
       <p:ext uri="{BB962C8B-B14F-4D97-AF65-F5344CB8AC3E}">
-        <p14:creationId xmlns:p14="http://schemas.microsoft.com/office/powerpoint/2010/main" val="185660273"/>
+        <p14:creationId xmlns:p14="http://schemas.microsoft.com/office/powerpoint/2010/main" val="1416765959"/>
       </p:ext>
     </p:extLst>
   </p:cSld>
   <p:clrMapOvr>
     <a:masterClrMapping/>
   </p:clrMapOvr>
+  <p:timing>
+    <p:tnLst>
+      <p:par>
+        <p:cTn id="1" dur="indefinite" restart="never" nodeType="tmRoot"/>
+      </p:par>
+    </p:tnLst>
+  </p:timing>
 </p:sld>
 </file>
 
@@ -6930,14 +8641,22 @@
           <a:lstStyle/>
           <a:p>
             <a:r>
+              <a:rPr lang="ru-RU" b="1" dirty="0" smtClean="0"/>
+              <a:t>Как лечить </a:t>
+            </a:r>
+            <a:r>
+              <a:rPr lang="en-US" b="1" dirty="0"/>
+              <a:t>Media effect resource </a:t>
+            </a:r>
+            <a:r>
               <a:rPr lang="en-US" b="1" dirty="0" smtClean="0"/>
-              <a:t>Many instances of </a:t>
-            </a:r>
-            <a:r>
-              <a:rPr lang="en-US" b="1" dirty="0" err="1" smtClean="0"/>
-              <a:t>ResourceDictionaries</a:t>
-            </a:r>
-            <a:endParaRPr lang="ru-RU" b="1" dirty="0"/>
+              <a:t>leak</a:t>
+            </a:r>
+            <a:r>
+              <a:rPr lang="ru-RU" b="1" dirty="0" smtClean="0"/>
+              <a:t>?</a:t>
+            </a:r>
+            <a:endParaRPr lang="ru-RU" dirty="0"/>
           </a:p>
         </p:txBody>
       </p:sp>
@@ -6955,6 +8674,29 @@
         <p:txBody>
           <a:bodyPr/>
           <a:lstStyle/>
+          <a:p>
+            <a:pPr marL="228600" lvl="1">
+              <a:lnSpc>
+                <a:spcPct val="150000"/>
+              </a:lnSpc>
+              <a:spcBef>
+                <a:spcPts val="1000"/>
+              </a:spcBef>
+            </a:pPr>
+            <a:r>
+              <a:rPr lang="en-US" dirty="0" smtClean="0"/>
+              <a:t>“</a:t>
+            </a:r>
+            <a:r>
+              <a:rPr lang="en-US" dirty="0" err="1" smtClean="0"/>
+              <a:t>PresentationOptions:Freeze</a:t>
+            </a:r>
+            <a:r>
+              <a:rPr lang="en-US" dirty="0" smtClean="0"/>
+              <a:t>=True”</a:t>
+            </a:r>
+            <a:endParaRPr lang="en-US" dirty="0"/>
+          </a:p>
           <a:p>
             <a:pPr>
               <a:lnSpc>
@@ -6963,7 +8705,27 @@
             </a:pPr>
             <a:r>
               <a:rPr lang="ru-RU" dirty="0" smtClean="0"/>
-              <a:t>Без общих ресурсов приложения далеко не убежишь</a:t>
+              <a:t>Атрибут </a:t>
+            </a:r>
+            <a:r>
+              <a:rPr lang="en-US" b="1" dirty="0" smtClean="0"/>
+              <a:t>Freeze</a:t>
+            </a:r>
+            <a:r>
+              <a:rPr lang="en-US" dirty="0" smtClean="0"/>
+              <a:t> </a:t>
+            </a:r>
+            <a:r>
+              <a:rPr lang="ru-RU" dirty="0" smtClean="0"/>
+              <a:t>для неизменяемых в </a:t>
+            </a:r>
+            <a:r>
+              <a:rPr lang="ru-RU" dirty="0" err="1" smtClean="0"/>
+              <a:t>рантайме</a:t>
+            </a:r>
+            <a:r>
+              <a:rPr lang="ru-RU" dirty="0" smtClean="0"/>
+              <a:t> эффектов</a:t>
             </a:r>
           </a:p>
           <a:p>
@@ -6973,73 +8735,22 @@
               </a:lnSpc>
             </a:pPr>
             <a:r>
-              <a:rPr lang="ru-RU" dirty="0" smtClean="0"/>
-              <a:t>По умолчанию каждое обращение к содержимому </a:t>
+              <a:rPr lang="en-US" dirty="0" smtClean="0"/>
+              <a:t>Application </a:t>
             </a:r>
             <a:r>
               <a:rPr lang="en-US" b="1" dirty="0" err="1" smtClean="0"/>
               <a:t>ResourceDictionary</a:t>
             </a:r>
             <a:r>
-              <a:rPr lang="ru-RU" dirty="0" smtClean="0"/>
-              <a:t> загружает его копию в память</a:t>
-            </a:r>
-          </a:p>
-          <a:p>
-            <a:pPr>
-              <a:lnSpc>
-                <a:spcPct val="150000"/>
-              </a:lnSpc>
-            </a:pPr>
-            <a:r>
-              <a:rPr lang="en-US" b="1" dirty="0" err="1" smtClean="0"/>
-              <a:t>SharedResourceDictionary</a:t>
-            </a:r>
-            <a:r>
-              <a:rPr lang="ru-RU" dirty="0" smtClean="0"/>
-              <a:t> – кэширование</a:t>
-            </a:r>
-            <a:endParaRPr lang="en-US" dirty="0" smtClean="0"/>
-          </a:p>
-          <a:p>
-            <a:pPr>
-              <a:lnSpc>
-                <a:spcPct val="150000"/>
-              </a:lnSpc>
-            </a:pPr>
-            <a:r>
-              <a:rPr lang="ru-RU" dirty="0"/>
-              <a:t>В</a:t>
-            </a:r>
-            <a:r>
               <a:rPr lang="en-US" dirty="0" smtClean="0"/>
-              <a:t> </a:t>
-            </a:r>
-            <a:r>
-              <a:rPr lang="en-US" dirty="0" err="1" smtClean="0"/>
-              <a:t>.Net</a:t>
-            </a:r>
-            <a:r>
-              <a:rPr lang="en-US" dirty="0" smtClean="0"/>
-              <a:t> Framework 3.5 </a:t>
-            </a:r>
-            <a:r>
-              <a:rPr lang="ru-RU" dirty="0" smtClean="0"/>
-              <a:t>– явный обход всех </a:t>
-            </a:r>
-            <a:r>
-              <a:rPr lang="en-US" b="1" dirty="0" err="1" smtClean="0"/>
-              <a:t>MergedDictionaries</a:t>
-            </a:r>
-            <a:r>
-              <a:rPr lang="en-US" dirty="0" smtClean="0"/>
-              <a:t> </a:t>
-            </a:r>
-            <a:r>
-              <a:rPr lang="ru-RU" dirty="0" smtClean="0"/>
-              <a:t>при старте приложения</a:t>
-            </a:r>
-            <a:endParaRPr lang="ru-RU" dirty="0"/>
+              <a:t> -&gt; View </a:t>
+            </a:r>
+            <a:r>
+              <a:rPr lang="en-US" b="1" dirty="0" err="1"/>
+              <a:t>ResourceDictionary</a:t>
+            </a:r>
+            <a:endParaRPr lang="ru-RU" b="1" dirty="0"/>
           </a:p>
         </p:txBody>
       </p:sp>
@@ -7069,7 +8780,7 @@
     </p:spTree>
     <p:extLst>
       <p:ext uri="{BB962C8B-B14F-4D97-AF65-F5344CB8AC3E}">
-        <p14:creationId xmlns:p14="http://schemas.microsoft.com/office/powerpoint/2010/main" val="2760842793"/>
+        <p14:creationId xmlns:p14="http://schemas.microsoft.com/office/powerpoint/2010/main" val="185660273"/>
       </p:ext>
     </p:extLst>
   </p:cSld>
@@ -7113,7 +8824,7 @@
           <a:p>
             <a:r>
               <a:rPr lang="en-US" b="1" dirty="0" smtClean="0"/>
-              <a:t>Third-party libraries</a:t>
+              <a:t>x:Name</a:t>
             </a:r>
             <a:endParaRPr lang="ru-RU" b="1" dirty="0"/>
           </a:p>
@@ -7132,7 +8843,7 @@
         <p:spPr/>
         <p:txBody>
           <a:bodyPr>
-            <a:normAutofit lnSpcReduction="10000"/>
+            <a:normAutofit/>
           </a:bodyPr>
           <a:lstStyle/>
           <a:p>
@@ -7143,16 +8854,29 @@
             </a:pPr>
             <a:r>
               <a:rPr lang="ru-RU" dirty="0" smtClean="0"/>
-              <a:t>Сторонние </a:t>
-            </a:r>
-            <a:r>
-              <a:rPr lang="ru-RU" dirty="0" err="1" smtClean="0"/>
-              <a:t>контролы</a:t>
-            </a:r>
-            <a:r>
-              <a:rPr lang="ru-RU" dirty="0" smtClean="0"/>
-              <a:t> могут быть причинами утечек памяти</a:t>
-            </a:r>
+              <a:t>Позволяет сослаться на </a:t>
+            </a:r>
+            <a:r>
+              <a:rPr lang="en-US" dirty="0" smtClean="0"/>
+              <a:t>control </a:t>
+            </a:r>
+            <a:r>
+              <a:rPr lang="ru-RU" dirty="0" smtClean="0"/>
+              <a:t>по </a:t>
+            </a:r>
+            <a:r>
+              <a:rPr lang="en-US" b="1" dirty="0" err="1" smtClean="0"/>
+              <a:t>ElementName</a:t>
+            </a:r>
+            <a:r>
+              <a:rPr lang="ru-RU" dirty="0" smtClean="0"/>
+              <a:t> или в </a:t>
+            </a:r>
+            <a:r>
+              <a:rPr lang="en-US" dirty="0" smtClean="0"/>
+              <a:t>code-behind</a:t>
+            </a:r>
+            <a:endParaRPr lang="ru-RU" dirty="0" smtClean="0"/>
           </a:p>
           <a:p>
             <a:pPr>
@@ -7160,7 +8884,18 @@
                 <a:spcPct val="150000"/>
               </a:lnSpc>
             </a:pPr>
-            <a:endParaRPr lang="ru-RU" dirty="0"/>
+            <a:r>
+              <a:rPr lang="ru-RU" dirty="0" smtClean="0"/>
+              <a:t>Создает строгую глобальную ссылку на </a:t>
+            </a:r>
+            <a:r>
+              <a:rPr lang="en-US" dirty="0" smtClean="0"/>
+              <a:t>UI </a:t>
+            </a:r>
+            <a:r>
+              <a:rPr lang="ru-RU" dirty="0" smtClean="0"/>
+              <a:t>элемент</a:t>
+            </a:r>
           </a:p>
           <a:p>
             <a:pPr>
@@ -7169,13 +8904,18 @@
               </a:lnSpc>
             </a:pPr>
             <a:r>
-              <a:rPr lang="ru-RU" b="1" dirty="0" smtClean="0"/>
-              <a:t>Лечение</a:t>
-            </a:r>
-            <a:r>
-              <a:rPr lang="ru-RU" dirty="0" smtClean="0"/>
-              <a:t>:</a:t>
-            </a:r>
+              <a:rPr lang="en-US" b="1" dirty="0" smtClean="0"/>
+              <a:t>Name</a:t>
+            </a:r>
+            <a:r>
+              <a:rPr lang="en-US" dirty="0" smtClean="0"/>
+              <a:t> VS </a:t>
+            </a:r>
+            <a:r>
+              <a:rPr lang="en-US" b="1" dirty="0" smtClean="0"/>
+              <a:t>x:Name</a:t>
+            </a:r>
+            <a:endParaRPr lang="ru-RU" b="1" dirty="0"/>
           </a:p>
           <a:p>
             <a:pPr>
@@ -7184,19 +8924,52 @@
               </a:lnSpc>
             </a:pPr>
             <a:r>
-              <a:rPr lang="ru-RU" dirty="0" smtClean="0"/>
-              <a:t>1) Если есть исходный код – профилируйте!</a:t>
-            </a:r>
-          </a:p>
-          <a:p>
-            <a:pPr>
-              <a:lnSpc>
-                <a:spcPct val="150000"/>
-              </a:lnSpc>
-            </a:pPr>
-            <a:r>
-              <a:rPr lang="ru-RU" dirty="0" smtClean="0"/>
-              <a:t>2) Если исходного кода нет – обрадуйте разработчика баг-репортом</a:t>
+              <a:rPr lang="ru-RU" b="1" dirty="0" smtClean="0"/>
+              <a:t>Лечение</a:t>
+            </a:r>
+            <a:r>
+              <a:rPr lang="ru-RU" dirty="0" smtClean="0"/>
+              <a:t> - </a:t>
+            </a:r>
+            <a:r>
+              <a:rPr lang="en-US" dirty="0" err="1" smtClean="0"/>
+              <a:t>UnregisterName</a:t>
+            </a:r>
+            <a:r>
+              <a:rPr lang="en-US" dirty="0" smtClean="0"/>
+              <a:t>(“</a:t>
+            </a:r>
+            <a:r>
+              <a:rPr lang="en-US" dirty="0" err="1" smtClean="0"/>
+              <a:t>elementName</a:t>
+            </a:r>
+            <a:r>
+              <a:rPr lang="en-US" dirty="0" smtClean="0"/>
+              <a:t>”)</a:t>
+            </a:r>
+            <a:r>
+              <a:rPr lang="ru-RU" dirty="0" smtClean="0"/>
+              <a:t> при уничтожении </a:t>
+            </a:r>
+            <a:r>
+              <a:rPr lang="en-US" dirty="0" smtClean="0"/>
+              <a:t>View</a:t>
+            </a:r>
+            <a:r>
+              <a:rPr lang="ru-RU" dirty="0" smtClean="0"/>
+              <a:t>, </a:t>
+            </a:r>
+            <a:r>
+              <a:rPr lang="en-US" b="1" dirty="0" err="1"/>
+              <a:t>IDisposable</a:t>
+            </a:r>
+            <a:r>
+              <a:rPr lang="en-US" dirty="0"/>
+              <a:t> </a:t>
+            </a:r>
+            <a:r>
+              <a:rPr lang="en-US" dirty="0" smtClean="0"/>
+              <a:t>pattern</a:t>
             </a:r>
             <a:endParaRPr lang="ru-RU" dirty="0"/>
           </a:p>
@@ -7228,20 +9001,13 @@
     </p:spTree>
     <p:extLst>
       <p:ext uri="{BB962C8B-B14F-4D97-AF65-F5344CB8AC3E}">
-        <p14:creationId xmlns:p14="http://schemas.microsoft.com/office/powerpoint/2010/main" val="1830352415"/>
+        <p14:creationId xmlns:p14="http://schemas.microsoft.com/office/powerpoint/2010/main" val="1894424396"/>
       </p:ext>
     </p:extLst>
   </p:cSld>
   <p:clrMapOvr>
     <a:masterClrMapping/>
   </p:clrMapOvr>
-  <p:timing>
-    <p:tnLst>
-      <p:par>
-        <p:cTn id="1" dur="indefinite" restart="never" nodeType="tmRoot"/>
-      </p:par>
-    </p:tnLst>
-  </p:timing>
 </p:sld>
 </file>
 
@@ -7278,8 +9044,8 @@
           <a:lstStyle/>
           <a:p>
             <a:r>
-              <a:rPr lang="ru-RU" b="1" dirty="0" smtClean="0"/>
-              <a:t>Выводы</a:t>
+              <a:rPr lang="en-US" b="1" dirty="0" smtClean="0"/>
+              <a:t>Third-party libraries</a:t>
             </a:r>
             <a:endParaRPr lang="ru-RU" b="1" dirty="0"/>
           </a:p>
@@ -7297,7 +9063,9 @@
         </p:nvSpPr>
         <p:spPr/>
         <p:txBody>
-          <a:bodyPr/>
+          <a:bodyPr>
+            <a:normAutofit lnSpcReduction="10000"/>
+          </a:bodyPr>
           <a:lstStyle/>
           <a:p>
             <a:pPr>
@@ -7306,16 +9074,16 @@
               </a:lnSpc>
             </a:pPr>
             <a:r>
-              <a:rPr lang="en-US" dirty="0" smtClean="0"/>
-              <a:t>Static – </a:t>
-            </a:r>
-            <a:r>
-              <a:rPr lang="ru-RU" dirty="0" smtClean="0"/>
-              <a:t>очень большое зло (</a:t>
-            </a:r>
-            <a:r>
-              <a:rPr lang="en-US" dirty="0" smtClean="0"/>
-              <a:t>Binding + event handlers)</a:t>
+              <a:rPr lang="ru-RU" dirty="0" smtClean="0"/>
+              <a:t>Сторонние </a:t>
+            </a:r>
+            <a:r>
+              <a:rPr lang="ru-RU" dirty="0" err="1" smtClean="0"/>
+              <a:t>контролы</a:t>
+            </a:r>
+            <a:r>
+              <a:rPr lang="ru-RU" dirty="0" smtClean="0"/>
+              <a:t> могут быть причинами утечек памяти</a:t>
             </a:r>
           </a:p>
           <a:p>
@@ -7324,18 +9092,7 @@
                 <a:spcPct val="150000"/>
               </a:lnSpc>
             </a:pPr>
-            <a:r>
-              <a:rPr lang="en-US" dirty="0" err="1" smtClean="0"/>
-              <a:t>IDisposable</a:t>
-            </a:r>
-            <a:r>
-              <a:rPr lang="en-US" dirty="0" smtClean="0"/>
-              <a:t> – </a:t>
-            </a:r>
-            <a:r>
-              <a:rPr lang="ru-RU" dirty="0" smtClean="0"/>
-              <a:t>наш верный друг в борьбе с утечками памяти</a:t>
-            </a:r>
+            <a:endParaRPr lang="ru-RU" dirty="0"/>
           </a:p>
           <a:p>
             <a:pPr>
@@ -7344,16 +9101,12 @@
               </a:lnSpc>
             </a:pPr>
             <a:r>
-              <a:rPr lang="ru-RU" dirty="0" smtClean="0"/>
-              <a:t>Грамотная архитектура</a:t>
-            </a:r>
-            <a:r>
-              <a:rPr lang="en-US" dirty="0" smtClean="0"/>
-              <a:t> </a:t>
-            </a:r>
-            <a:r>
-              <a:rPr lang="ru-RU" dirty="0" smtClean="0"/>
-              <a:t>спасает от большинства проблем</a:t>
+              <a:rPr lang="ru-RU" b="1" dirty="0" smtClean="0"/>
+              <a:t>Лечение</a:t>
+            </a:r>
+            <a:r>
+              <a:rPr lang="ru-RU" dirty="0" smtClean="0"/>
+              <a:t>:</a:t>
             </a:r>
           </a:p>
           <a:p>
@@ -7364,16 +9117,20 @@
             </a:pPr>
             <a:r>
               <a:rPr lang="ru-RU" dirty="0" smtClean="0"/>
-              <a:t>Слабая связанность</a:t>
-            </a:r>
-            <a:r>
-              <a:rPr lang="en-US" dirty="0" smtClean="0"/>
-              <a:t> </a:t>
-            </a:r>
-            <a:r>
-              <a:rPr lang="ru-RU" dirty="0" smtClean="0"/>
-              <a:t>для событий и их обработчиков</a:t>
-            </a:r>
+              <a:t>1) Если есть исходный код – профилируйте!</a:t>
+            </a:r>
+          </a:p>
+          <a:p>
+            <a:pPr>
+              <a:lnSpc>
+                <a:spcPct val="150000"/>
+              </a:lnSpc>
+            </a:pPr>
+            <a:r>
+              <a:rPr lang="ru-RU" dirty="0" smtClean="0"/>
+              <a:t>2) Если исходного кода нет – обрадуйте разработчика баг-репортом</a:t>
+            </a:r>
+            <a:endParaRPr lang="ru-RU" dirty="0"/>
           </a:p>
         </p:txBody>
       </p:sp>
@@ -7403,7 +9160,7 @@
     </p:spTree>
     <p:extLst>
       <p:ext uri="{BB962C8B-B14F-4D97-AF65-F5344CB8AC3E}">
-        <p14:creationId xmlns:p14="http://schemas.microsoft.com/office/powerpoint/2010/main" val="722939208"/>
+        <p14:creationId xmlns:p14="http://schemas.microsoft.com/office/powerpoint/2010/main" val="1830352415"/>
       </p:ext>
     </p:extLst>
   </p:cSld>
@@ -7534,7 +9291,7 @@
             </a:pPr>
             <a:r>
               <a:rPr lang="ru-RU" dirty="0" smtClean="0"/>
-              <a:t>Как искать и находить?</a:t>
+              <a:t>Инструменты для поиска утечек</a:t>
             </a:r>
             <a:endParaRPr lang="ru-RU" dirty="0"/>
           </a:p>
@@ -7616,6 +9373,329 @@
           <a:lstStyle/>
           <a:p>
             <a:r>
+              <a:rPr lang="ru-RU" b="1" dirty="0" smtClean="0"/>
+              <a:t>Выводы</a:t>
+            </a:r>
+            <a:endParaRPr lang="ru-RU" b="1" dirty="0"/>
+          </a:p>
+        </p:txBody>
+      </p:sp>
+      <p:sp>
+        <p:nvSpPr>
+          <p:cNvPr id="3" name="Объект 2"/>
+          <p:cNvSpPr>
+            <a:spLocks noGrp="1"/>
+          </p:cNvSpPr>
+          <p:nvPr>
+            <p:ph idx="1"/>
+          </p:nvPr>
+        </p:nvSpPr>
+        <p:spPr/>
+        <p:txBody>
+          <a:bodyPr/>
+          <a:lstStyle/>
+          <a:p>
+            <a:pPr>
+              <a:lnSpc>
+                <a:spcPct val="150000"/>
+              </a:lnSpc>
+            </a:pPr>
+            <a:r>
+              <a:rPr lang="en-US" dirty="0" smtClean="0"/>
+              <a:t>Binding </a:t>
+            </a:r>
+            <a:r>
+              <a:rPr lang="ru-RU" dirty="0" smtClean="0"/>
+              <a:t>всегда с </a:t>
+            </a:r>
+            <a:r>
+              <a:rPr lang="en-US" dirty="0" err="1" smtClean="0"/>
+              <a:t>INotifyPropertyChanged</a:t>
+            </a:r>
+            <a:endParaRPr lang="en-US" dirty="0" smtClean="0"/>
+          </a:p>
+          <a:p>
+            <a:pPr>
+              <a:lnSpc>
+                <a:spcPct val="150000"/>
+              </a:lnSpc>
+            </a:pPr>
+            <a:r>
+              <a:rPr lang="ru-RU" dirty="0" smtClean="0"/>
+              <a:t>Отписываемся от событий</a:t>
+            </a:r>
+          </a:p>
+          <a:p>
+            <a:pPr>
+              <a:lnSpc>
+                <a:spcPct val="150000"/>
+              </a:lnSpc>
+            </a:pPr>
+            <a:r>
+              <a:rPr lang="en-US" dirty="0" err="1" smtClean="0"/>
+              <a:t>I</a:t>
+            </a:r>
+            <a:r>
+              <a:rPr lang="en-US" dirty="0" err="1" smtClean="0"/>
+              <a:t>D</a:t>
+            </a:r>
+            <a:r>
+              <a:rPr lang="en-US" dirty="0" err="1" smtClean="0"/>
+              <a:t>isposable</a:t>
+            </a:r>
+            <a:endParaRPr lang="ru-RU" dirty="0" smtClean="0"/>
+          </a:p>
+          <a:p>
+            <a:pPr>
+              <a:lnSpc>
+                <a:spcPct val="150000"/>
+              </a:lnSpc>
+            </a:pPr>
+            <a:r>
+              <a:rPr lang="ru-RU" dirty="0" smtClean="0"/>
+              <a:t>Меньше работы со </a:t>
+            </a:r>
+            <a:r>
+              <a:rPr lang="en-US" dirty="0" smtClean="0"/>
+              <a:t>static</a:t>
+            </a:r>
+            <a:endParaRPr lang="ru-RU" dirty="0"/>
+          </a:p>
+          <a:p>
+            <a:pPr>
+              <a:lnSpc>
+                <a:spcPct val="150000"/>
+              </a:lnSpc>
+            </a:pPr>
+            <a:r>
+              <a:rPr lang="ru-RU" dirty="0" smtClean="0"/>
+              <a:t>Грамотная архитектура</a:t>
+            </a:r>
+            <a:endParaRPr lang="ru-RU" dirty="0" smtClean="0"/>
+          </a:p>
+        </p:txBody>
+      </p:sp>
+      <p:sp>
+        <p:nvSpPr>
+          <p:cNvPr id="4" name="Номер слайда 3"/>
+          <p:cNvSpPr>
+            <a:spLocks noGrp="1"/>
+          </p:cNvSpPr>
+          <p:nvPr>
+            <p:ph type="sldNum" sz="quarter" idx="12"/>
+          </p:nvPr>
+        </p:nvSpPr>
+        <p:spPr/>
+        <p:txBody>
+          <a:bodyPr/>
+          <a:lstStyle/>
+          <a:p>
+            <a:fld id="{4341117B-7091-4FB7-97F8-A6CA9A2FE1D4}" type="slidenum">
+              <a:rPr lang="ru-RU" smtClean="0"/>
+              <a:t>20</a:t>
+            </a:fld>
+            <a:endParaRPr lang="ru-RU"/>
+          </a:p>
+        </p:txBody>
+      </p:sp>
+    </p:spTree>
+    <p:extLst>
+      <p:ext uri="{BB962C8B-B14F-4D97-AF65-F5344CB8AC3E}">
+        <p14:creationId xmlns:p14="http://schemas.microsoft.com/office/powerpoint/2010/main" val="722939208"/>
+      </p:ext>
+    </p:extLst>
+  </p:cSld>
+  <p:clrMapOvr>
+    <a:masterClrMapping/>
+  </p:clrMapOvr>
+  <p:timing>
+    <p:tnLst>
+      <p:par>
+        <p:cTn id="1" dur="indefinite" restart="never" nodeType="tmRoot"/>
+      </p:par>
+    </p:tnLst>
+  </p:timing>
+</p:sld>
+</file>
+
+<file path=ppt/slides/slide21.xml><?xml version="1.0" encoding="utf-8"?>
+<p:sld xmlns:a="http://schemas.openxmlformats.org/drawingml/2006/main" xmlns:r="http://schemas.openxmlformats.org/officeDocument/2006/relationships" xmlns:p="http://schemas.openxmlformats.org/presentationml/2006/main">
+  <p:cSld>
+    <p:spTree>
+      <p:nvGrpSpPr>
+        <p:cNvPr id="1" name=""/>
+        <p:cNvGrpSpPr/>
+        <p:nvPr/>
+      </p:nvGrpSpPr>
+      <p:grpSpPr>
+        <a:xfrm>
+          <a:off x="0" y="0"/>
+          <a:ext cx="0" cy="0"/>
+          <a:chOff x="0" y="0"/>
+          <a:chExt cx="0" cy="0"/>
+        </a:xfrm>
+      </p:grpSpPr>
+      <p:sp>
+        <p:nvSpPr>
+          <p:cNvPr id="2" name="Заголовок 1"/>
+          <p:cNvSpPr>
+            <a:spLocks noGrp="1"/>
+          </p:cNvSpPr>
+          <p:nvPr>
+            <p:ph type="title"/>
+          </p:nvPr>
+        </p:nvSpPr>
+        <p:spPr/>
+        <p:txBody>
+          <a:bodyPr/>
+          <a:lstStyle/>
+          <a:p>
+            <a:r>
+              <a:rPr lang="ru-RU" b="1" dirty="0" smtClean="0"/>
+              <a:t>Как искать утечки памяти?</a:t>
+            </a:r>
+            <a:endParaRPr lang="ru-RU" b="1" dirty="0"/>
+          </a:p>
+        </p:txBody>
+      </p:sp>
+      <p:sp>
+        <p:nvSpPr>
+          <p:cNvPr id="3" name="Объект 2"/>
+          <p:cNvSpPr>
+            <a:spLocks noGrp="1"/>
+          </p:cNvSpPr>
+          <p:nvPr>
+            <p:ph idx="1"/>
+          </p:nvPr>
+        </p:nvSpPr>
+        <p:spPr/>
+        <p:txBody>
+          <a:bodyPr/>
+          <a:lstStyle/>
+          <a:p>
+            <a:pPr>
+              <a:lnSpc>
+                <a:spcPct val="150000"/>
+              </a:lnSpc>
+            </a:pPr>
+            <a:r>
+              <a:rPr lang="ru-RU" dirty="0" smtClean="0"/>
+              <a:t>Запускаем профилировщик</a:t>
+            </a:r>
+          </a:p>
+          <a:p>
+            <a:pPr>
+              <a:lnSpc>
+                <a:spcPct val="150000"/>
+              </a:lnSpc>
+            </a:pPr>
+            <a:r>
+              <a:rPr lang="ru-RU" dirty="0" smtClean="0"/>
+              <a:t>Делаем </a:t>
+            </a:r>
+            <a:r>
+              <a:rPr lang="en-US" dirty="0" smtClean="0"/>
+              <a:t>snapshot </a:t>
+            </a:r>
+            <a:r>
+              <a:rPr lang="ru-RU" dirty="0" smtClean="0"/>
+              <a:t>используемой памяти</a:t>
+            </a:r>
+          </a:p>
+          <a:p>
+            <a:pPr>
+              <a:lnSpc>
+                <a:spcPct val="150000"/>
+              </a:lnSpc>
+            </a:pPr>
+            <a:r>
+              <a:rPr lang="ru-RU" dirty="0" smtClean="0"/>
+              <a:t>Следуем рекомендациям профилировщика</a:t>
+            </a:r>
+          </a:p>
+          <a:p>
+            <a:pPr>
+              <a:lnSpc>
+                <a:spcPct val="150000"/>
+              </a:lnSpc>
+            </a:pPr>
+            <a:r>
+              <a:rPr lang="ru-RU" dirty="0" smtClean="0"/>
+              <a:t>Повторить до полного устранения утечек памяти</a:t>
+            </a:r>
+            <a:endParaRPr lang="ru-RU" dirty="0"/>
+          </a:p>
+        </p:txBody>
+      </p:sp>
+      <p:sp>
+        <p:nvSpPr>
+          <p:cNvPr id="4" name="Номер слайда 3"/>
+          <p:cNvSpPr>
+            <a:spLocks noGrp="1"/>
+          </p:cNvSpPr>
+          <p:nvPr>
+            <p:ph type="sldNum" sz="quarter" idx="12"/>
+          </p:nvPr>
+        </p:nvSpPr>
+        <p:spPr/>
+        <p:txBody>
+          <a:bodyPr/>
+          <a:lstStyle/>
+          <a:p>
+            <a:fld id="{4341117B-7091-4FB7-97F8-A6CA9A2FE1D4}" type="slidenum">
+              <a:rPr lang="ru-RU" smtClean="0"/>
+              <a:t>21</a:t>
+            </a:fld>
+            <a:endParaRPr lang="ru-RU"/>
+          </a:p>
+        </p:txBody>
+      </p:sp>
+    </p:spTree>
+    <p:extLst>
+      <p:ext uri="{BB962C8B-B14F-4D97-AF65-F5344CB8AC3E}">
+        <p14:creationId xmlns:p14="http://schemas.microsoft.com/office/powerpoint/2010/main" val="418660911"/>
+      </p:ext>
+    </p:extLst>
+  </p:cSld>
+  <p:clrMapOvr>
+    <a:masterClrMapping/>
+  </p:clrMapOvr>
+</p:sld>
+</file>
+
+<file path=ppt/slides/slide22.xml><?xml version="1.0" encoding="utf-8"?>
+<p:sld xmlns:a="http://schemas.openxmlformats.org/drawingml/2006/main" xmlns:r="http://schemas.openxmlformats.org/officeDocument/2006/relationships" xmlns:p="http://schemas.openxmlformats.org/presentationml/2006/main">
+  <p:cSld>
+    <p:spTree>
+      <p:nvGrpSpPr>
+        <p:cNvPr id="1" name=""/>
+        <p:cNvGrpSpPr/>
+        <p:nvPr/>
+      </p:nvGrpSpPr>
+      <p:grpSpPr>
+        <a:xfrm>
+          <a:off x="0" y="0"/>
+          <a:ext cx="0" cy="0"/>
+          <a:chOff x="0" y="0"/>
+          <a:chExt cx="0" cy="0"/>
+        </a:xfrm>
+      </p:grpSpPr>
+      <p:sp>
+        <p:nvSpPr>
+          <p:cNvPr id="2" name="Заголовок 1"/>
+          <p:cNvSpPr>
+            <a:spLocks noGrp="1"/>
+          </p:cNvSpPr>
+          <p:nvPr>
+            <p:ph type="title"/>
+          </p:nvPr>
+        </p:nvSpPr>
+        <p:spPr/>
+        <p:txBody>
+          <a:bodyPr/>
+          <a:lstStyle/>
+          <a:p>
+            <a:r>
               <a:rPr lang="ru-RU" b="1" dirty="0"/>
               <a:t>Чем искать утечки памяти в </a:t>
             </a:r>
@@ -7637,14 +9717,14 @@
             <p:ph idx="1"/>
             <p:extLst>
               <p:ext uri="{D42A27DB-BD31-4B8C-83A1-F6EECF244321}">
-                <p14:modId xmlns:p14="http://schemas.microsoft.com/office/powerpoint/2010/main" val="1421623452"/>
+                <p14:modId xmlns:p14="http://schemas.microsoft.com/office/powerpoint/2010/main" val="2742843021"/>
               </p:ext>
             </p:extLst>
           </p:nvPr>
         </p:nvGraphicFramePr>
         <p:xfrm>
           <a:off x="838200" y="1825625"/>
-          <a:ext cx="10515600" cy="4638040"/>
+          <a:ext cx="10515600" cy="3784600"/>
         </p:xfrm>
         <a:graphic>
           <a:graphicData uri="http://schemas.openxmlformats.org/drawingml/2006/table">
@@ -7962,8 +10042,13 @@
                       </a:pPr>
                       <a:r>
                         <a:rPr lang="en-US" sz="2000" b="1" dirty="0" smtClean="0"/>
-                        <a:t>ANTS Memory profiler</a:t>
+                        <a:t>ANTS Memory </a:t>
                       </a:r>
+                      <a:r>
+                        <a:rPr lang="en-US" sz="2000" b="1" dirty="0" smtClean="0"/>
+                        <a:t>Profiler</a:t>
+                      </a:r>
+                      <a:endParaRPr lang="en-US" sz="2000" b="1" dirty="0" smtClean="0"/>
                     </a:p>
                   </a:txBody>
                   <a:tcPr/>
@@ -8004,74 +10089,6 @@
                   </a:ext>
                 </a:extLst>
               </a:tr>
-              <a:tr h="370840">
-                <a:tc>
-                  <a:txBody>
-                    <a:bodyPr/>
-                    <a:lstStyle/>
-                    <a:p>
-                      <a:pPr marL="0" marR="0" indent="0" algn="ctr" defTabSz="914400" rtl="0" eaLnBrk="1" fontAlgn="auto" latinLnBrk="0" hangingPunct="1">
-                        <a:lnSpc>
-                          <a:spcPct val="250000"/>
-                        </a:lnSpc>
-                        <a:spcBef>
-                          <a:spcPts val="0"/>
-                        </a:spcBef>
-                        <a:spcAft>
-                          <a:spcPts val="0"/>
-                        </a:spcAft>
-                        <a:buClrTx/>
-                        <a:buSzTx/>
-                        <a:buFontTx/>
-                        <a:buNone/>
-                        <a:tabLst/>
-                        <a:defRPr/>
-                      </a:pPr>
-                      <a:r>
-                        <a:rPr lang="en-US" sz="2000" b="1" dirty="0" err="1" smtClean="0"/>
-                        <a:t>JustTrace</a:t>
-                      </a:r>
-                      <a:endParaRPr lang="en-US" sz="2000" b="1" dirty="0" smtClean="0"/>
-                    </a:p>
-                  </a:txBody>
-                  <a:tcPr/>
-                </a:tc>
-                <a:tc>
-                  <a:txBody>
-                    <a:bodyPr/>
-                    <a:lstStyle/>
-                    <a:p>
-                      <a:pPr algn="ctr"/>
-                      <a:r>
-                        <a:rPr lang="en-US" b="1" dirty="0" smtClean="0"/>
-                        <a:t>399$</a:t>
-                      </a:r>
-                      <a:endParaRPr lang="ru-RU" b="1" dirty="0"/>
-                    </a:p>
-                  </a:txBody>
-                  <a:tcPr/>
-                </a:tc>
-                <a:tc>
-                  <a:txBody>
-                    <a:bodyPr/>
-                    <a:lstStyle/>
-                    <a:p>
-                      <a:pPr algn="ctr"/>
-                      <a:r>
-                        <a:rPr lang="en-US" b="1" dirty="0" smtClean="0"/>
-                        <a:t>+</a:t>
-                      </a:r>
-                      <a:endParaRPr lang="ru-RU" b="1" dirty="0"/>
-                    </a:p>
-                  </a:txBody>
-                  <a:tcPr/>
-                </a:tc>
-                <a:extLst>
-                  <a:ext uri="{0D108BD9-81ED-4DB2-BD59-A6C34878D82A}">
-                    <a16:rowId xmlns:a16="http://schemas.microsoft.com/office/drawing/2014/main" val="2166379237"/>
-                  </a:ext>
-                </a:extLst>
-              </a:tr>
             </a:tbl>
           </a:graphicData>
         </a:graphic>
@@ -8089,7 +10106,7 @@
 </p:sld>
 </file>
 
-<file path=ppt/slides/slide21.xml><?xml version="1.0" encoding="utf-8"?>
+<file path=ppt/slides/slide23.xml><?xml version="1.0" encoding="utf-8"?>
 <p:sld xmlns:a="http://schemas.openxmlformats.org/drawingml/2006/main" xmlns:r="http://schemas.openxmlformats.org/officeDocument/2006/relationships" xmlns:p="http://schemas.openxmlformats.org/presentationml/2006/main">
   <p:cSld>
     <p:spTree>
@@ -8184,28 +10201,30 @@
               </a:lnSpc>
             </a:pPr>
             <a:r>
+              <a:rPr lang="en-US" dirty="0" smtClean="0">
+                <a:hlinkClick r:id="rId3"/>
+              </a:rPr>
+              <a:t>https</a:t>
+            </a:r>
+            <a:r>
+              <a:rPr lang="en-US" dirty="0">
+                <a:hlinkClick r:id="rId3"/>
+              </a:rPr>
+              <a:t>://</a:t>
+            </a:r>
+            <a:r>
+              <a:rPr lang="en-US" dirty="0" smtClean="0">
+                <a:hlinkClick r:id="rId3"/>
+              </a:rPr>
+              <a:t>github.com/Talrandel/MemoryLeak</a:t>
+            </a:r>
+            <a:r>
+              <a:rPr lang="en-US" dirty="0" smtClean="0"/>
+              <a:t> - </a:t>
+            </a:r>
+            <a:r>
               <a:rPr lang="ru-RU" dirty="0" err="1" smtClean="0"/>
-              <a:t>Демо</a:t>
-            </a:r>
-            <a:r>
-              <a:rPr lang="ru-RU" dirty="0" smtClean="0"/>
-              <a:t> на </a:t>
-            </a:r>
-            <a:r>
-              <a:rPr lang="en-US" dirty="0" err="1" smtClean="0"/>
-              <a:t>github</a:t>
-            </a:r>
-            <a:r>
-              <a:rPr lang="en-US" dirty="0" smtClean="0"/>
-              <a:t> -&gt; </a:t>
-            </a:r>
-            <a:r>
-              <a:rPr lang="ru-RU" dirty="0" smtClean="0"/>
-              <a:t>будет </a:t>
-            </a:r>
-            <a:r>
-              <a:rPr lang="ru-RU" smtClean="0"/>
-              <a:t>вставлено позднее</a:t>
+              <a:t>демо</a:t>
             </a:r>
             <a:endParaRPr lang="ru-RU" dirty="0"/>
           </a:p>
@@ -8221,7 +10240,7 @@
           <p:nvPr/>
         </p:nvPicPr>
         <p:blipFill>
-          <a:blip r:embed="rId3" cstate="print">
+          <a:blip r:embed="rId4" cstate="print">
             <a:extLst>
               <a:ext uri="{28A0092B-C50C-407E-A947-70E740481C1C}">
                 <a14:useLocalDpi xmlns:a14="http://schemas.microsoft.com/office/drawing/2010/main" val="0"/>
@@ -8270,7 +10289,7 @@
           <a:p>
             <a:fld id="{4341117B-7091-4FB7-97F8-A6CA9A2FE1D4}" type="slidenum">
               <a:rPr lang="ru-RU" smtClean="0"/>
-              <a:t>21</a:t>
+              <a:t>23</a:t>
             </a:fld>
             <a:endParaRPr lang="ru-RU"/>
           </a:p>
@@ -8289,7 +10308,7 @@
 </p:sld>
 </file>
 
-<file path=ppt/slides/slide22.xml><?xml version="1.0" encoding="utf-8"?>
+<file path=ppt/slides/slide24.xml><?xml version="1.0" encoding="utf-8"?>
 <p:sld xmlns:a="http://schemas.openxmlformats.org/drawingml/2006/main" xmlns:r="http://schemas.openxmlformats.org/officeDocument/2006/relationships" xmlns:p="http://schemas.openxmlformats.org/presentationml/2006/main">
   <p:cSld>
     <p:spTree>
@@ -8355,7 +10374,7 @@
           <a:p>
             <a:fld id="{4341117B-7091-4FB7-97F8-A6CA9A2FE1D4}" type="slidenum">
               <a:rPr lang="ru-RU" smtClean="0"/>
-              <a:t>22</a:t>
+              <a:t>24</a:t>
             </a:fld>
             <a:endParaRPr lang="ru-RU"/>
           </a:p>
@@ -8432,7 +10451,7 @@
           </p:nvPr>
         </p:nvPicPr>
         <p:blipFill>
-          <a:blip r:embed="rId2">
+          <a:blip r:embed="rId3">
             <a:extLst>
               <a:ext uri="{28A0092B-C50C-407E-A947-70E740481C1C}">
                 <a14:useLocalDpi xmlns:a14="http://schemas.microsoft.com/office/drawing/2010/main" val="0"/>
@@ -8559,7 +10578,9 @@
         </p:nvSpPr>
         <p:spPr/>
         <p:txBody>
-          <a:bodyPr/>
+          <a:bodyPr>
+            <a:normAutofit lnSpcReduction="10000"/>
+          </a:bodyPr>
           <a:lstStyle/>
           <a:p>
             <a:pPr>
@@ -8611,16 +10632,33 @@
             </a:r>
             <a:r>
               <a:rPr lang="en-US" dirty="0" smtClean="0"/>
-              <a:t>~</a:t>
-            </a:r>
-            <a:r>
-              <a:rPr lang="ru-RU" dirty="0" smtClean="0"/>
-              <a:t>50 </a:t>
+              <a:t>36</a:t>
+            </a:r>
+            <a:r>
+              <a:rPr lang="ru-RU" dirty="0" smtClean="0"/>
+              <a:t> </a:t>
             </a:r>
             <a:r>
               <a:rPr lang="en-US" dirty="0" smtClean="0"/>
-              <a:t>View</a:t>
-            </a:r>
+              <a:t>View, </a:t>
+            </a:r>
+            <a:r>
+              <a:rPr lang="ru-RU" dirty="0" smtClean="0"/>
+              <a:t>и</a:t>
+            </a:r>
+            <a:r>
+              <a:rPr lang="ru-RU" dirty="0" smtClean="0"/>
+              <a:t>з </a:t>
+            </a:r>
+            <a:r>
+              <a:rPr lang="ru-RU" dirty="0"/>
+              <a:t>них «протекало» больше </a:t>
+            </a:r>
+            <a:r>
+              <a:rPr lang="ru-RU" dirty="0" smtClean="0"/>
+              <a:t>половины</a:t>
+            </a:r>
+            <a:endParaRPr lang="ru-RU" dirty="0" smtClean="0"/>
           </a:p>
           <a:p>
             <a:pPr>
@@ -8630,15 +10668,27 @@
             </a:pPr>
             <a:r>
               <a:rPr lang="ru-RU" dirty="0" smtClean="0"/>
-              <a:t>В обычном состоянии потребление памяти </a:t>
+              <a:t>При старте </a:t>
+            </a:r>
+            <a:r>
+              <a:rPr lang="ru-RU" dirty="0" smtClean="0"/>
+              <a:t>потребление </a:t>
+            </a:r>
+            <a:r>
+              <a:rPr lang="ru-RU" dirty="0" smtClean="0"/>
+              <a:t>памяти </a:t>
             </a:r>
             <a:r>
               <a:rPr lang="en-US" dirty="0" smtClean="0"/>
-              <a:t>~</a:t>
-            </a:r>
-            <a:r>
-              <a:rPr lang="ru-RU" dirty="0" smtClean="0"/>
-              <a:t>160 </a:t>
+              <a:t>~1</a:t>
+            </a:r>
+            <a:r>
+              <a:rPr lang="en-US" dirty="0" smtClean="0"/>
+              <a:t>5</a:t>
+            </a:r>
+            <a:r>
+              <a:rPr lang="ru-RU" dirty="0" smtClean="0"/>
+              <a:t>0 </a:t>
             </a:r>
             <a:r>
               <a:rPr lang="ru-RU" dirty="0" err="1" smtClean="0"/>
@@ -8667,6 +10717,34 @@
             <a:r>
               <a:rPr lang="ru-RU" dirty="0" err="1" smtClean="0"/>
               <a:t>гб</a:t>
+            </a:r>
+            <a:endParaRPr lang="ru-RU" dirty="0" smtClean="0"/>
+          </a:p>
+          <a:p>
+            <a:pPr>
+              <a:lnSpc>
+                <a:spcPct val="150000"/>
+              </a:lnSpc>
+            </a:pPr>
+            <a:r>
+              <a:rPr lang="ru-RU" dirty="0" smtClean="0"/>
+              <a:t>После лечения </a:t>
+            </a:r>
+            <a:r>
+              <a:rPr lang="en-US" dirty="0" smtClean="0"/>
+              <a:t>~</a:t>
+            </a:r>
+            <a:r>
+              <a:rPr lang="ru-RU" dirty="0" smtClean="0"/>
+              <a:t>300-350 </a:t>
+            </a:r>
+            <a:r>
+              <a:rPr lang="ru-RU" dirty="0" err="1" smtClean="0"/>
+              <a:t>мб</a:t>
+            </a:r>
+            <a:r>
+              <a:rPr lang="ru-RU" dirty="0" smtClean="0"/>
+              <a:t> в пике</a:t>
             </a:r>
             <a:endParaRPr lang="ru-RU" dirty="0" smtClean="0"/>
           </a:p>
@@ -8857,7 +10935,7 @@
           <p:nvPr/>
         </p:nvPicPr>
         <p:blipFill>
-          <a:blip r:embed="rId2"/>
+          <a:blip r:embed="rId3"/>
           <a:stretch>
             <a:fillRect/>
           </a:stretch>
@@ -8987,9 +11065,10 @@
               </a:lnSpc>
             </a:pPr>
             <a:r>
-              <a:rPr lang="en-US" dirty="0"/>
-              <a:t>x:Name</a:t>
-            </a:r>
+              <a:rPr lang="en-US" dirty="0" smtClean="0"/>
+              <a:t>Event Handler Leak</a:t>
+            </a:r>
+            <a:endParaRPr lang="ru-RU" dirty="0" smtClean="0"/>
           </a:p>
           <a:p>
             <a:pPr>
@@ -8998,8 +11077,8 @@
               </a:lnSpc>
             </a:pPr>
             <a:r>
-              <a:rPr lang="en-US" dirty="0" smtClean="0"/>
-              <a:t>Event Handler Leak</a:t>
+              <a:rPr lang="en-US" dirty="0" err="1" smtClean="0"/>
+              <a:t>DispatcherTimer</a:t>
             </a:r>
             <a:endParaRPr lang="ru-RU" dirty="0" smtClean="0"/>
           </a:p>
@@ -9010,8 +11089,16 @@
               </a:lnSpc>
             </a:pPr>
             <a:r>
-              <a:rPr lang="en-US" dirty="0" err="1" smtClean="0"/>
-              <a:t>DispatcherTimer</a:t>
+              <a:rPr lang="en-US" dirty="0" smtClean="0"/>
+              <a:t>Links </a:t>
+            </a:r>
+            <a:r>
+              <a:rPr lang="en-US" dirty="0"/>
+              <a:t>to objects in parent </a:t>
+            </a:r>
+            <a:r>
+              <a:rPr lang="en-US" dirty="0" smtClean="0"/>
+              <a:t>windows</a:t>
             </a:r>
             <a:endParaRPr lang="ru-RU" dirty="0" smtClean="0"/>
           </a:p>
@@ -9023,11 +11110,7 @@
             </a:pPr>
             <a:r>
               <a:rPr lang="en-US" dirty="0" smtClean="0"/>
-              <a:t>Links </a:t>
-            </a:r>
-            <a:r>
-              <a:rPr lang="en-US" dirty="0"/>
-              <a:t>to objects in parent windows</a:t>
+              <a:t>Many instances of resource dictionaries</a:t>
             </a:r>
             <a:endParaRPr lang="ru-RU" dirty="0" smtClean="0"/>
           </a:p>
@@ -9183,9 +11266,26 @@
               </a:lnSpc>
             </a:pPr>
             <a:r>
-              <a:rPr lang="ru-RU" dirty="0" smtClean="0"/>
-              <a:t>Объект привязки можно изменять</a:t>
-            </a:r>
+              <a:rPr lang="en-US" dirty="0" err="1" smtClean="0"/>
+              <a:t>System.ComponentModel.PropertyDesctiptor</a:t>
+            </a:r>
+            <a:r>
+              <a:rPr lang="ru-RU" dirty="0" smtClean="0"/>
+              <a:t> – </a:t>
+            </a:r>
+            <a:r>
+              <a:rPr lang="en-US" b="1" dirty="0" err="1" smtClean="0"/>
+              <a:t>ValueChanged</a:t>
+            </a:r>
+            <a:r>
+              <a:rPr lang="ru-RU" dirty="0" smtClean="0"/>
+              <a:t> </a:t>
+            </a:r>
+            <a:r>
+              <a:rPr lang="en-US" dirty="0" smtClean="0"/>
+              <a:t>event</a:t>
+            </a:r>
+            <a:endParaRPr lang="ru-RU" dirty="0" smtClean="0"/>
           </a:p>
           <a:p>
             <a:pPr>
@@ -9194,24 +11294,8 @@
               </a:lnSpc>
             </a:pPr>
             <a:r>
-              <a:rPr lang="en-US" dirty="0" err="1" smtClean="0"/>
-              <a:t>System.ComponentModel.PropertyDesctiptor</a:t>
-            </a:r>
-            <a:r>
-              <a:rPr lang="ru-RU" dirty="0" smtClean="0"/>
-              <a:t> – </a:t>
-            </a:r>
-            <a:r>
-              <a:rPr lang="en-US" b="1" dirty="0" err="1" smtClean="0"/>
-              <a:t>ValueChanged</a:t>
-            </a:r>
-            <a:r>
-              <a:rPr lang="ru-RU" dirty="0" smtClean="0"/>
-              <a:t> </a:t>
-            </a:r>
-            <a:r>
-              <a:rPr lang="en-US" dirty="0" smtClean="0"/>
-              <a:t>event</a:t>
+              <a:rPr lang="ru-RU" dirty="0"/>
+              <a:t>Объект привязки можно изменять</a:t>
             </a:r>
           </a:p>
           <a:p>
@@ -9465,6 +11549,22 @@
               <a:rPr lang="en-US" dirty="0" err="1" smtClean="0"/>
               <a:t>BindingOperations.ClearBinding</a:t>
             </a:r>
+            <a:r>
+              <a:rPr lang="ru-RU" dirty="0" smtClean="0"/>
+              <a:t> =</a:t>
+            </a:r>
+            <a:r>
+              <a:rPr lang="en-US" dirty="0" smtClean="0"/>
+              <a:t>&gt; </a:t>
+            </a:r>
+            <a:r>
+              <a:rPr lang="en-US" b="1" dirty="0" err="1" smtClean="0"/>
+              <a:t>IDisposable</a:t>
+            </a:r>
+            <a:r>
+              <a:rPr lang="en-US" dirty="0" smtClean="0"/>
+              <a:t> pattern</a:t>
+            </a:r>
             <a:endParaRPr lang="ru-RU" dirty="0"/>
           </a:p>
         </p:txBody>
@@ -9546,7 +11646,7 @@
           <a:p>
             <a:r>
               <a:rPr lang="en-US" b="1" dirty="0" smtClean="0"/>
-              <a:t>x:Name</a:t>
+              <a:t>Event Handler leak</a:t>
             </a:r>
             <a:endParaRPr lang="ru-RU" b="1" dirty="0"/>
           </a:p>
@@ -9562,7 +11662,12 @@
             <p:ph idx="1"/>
           </p:nvPr>
         </p:nvSpPr>
-        <p:spPr/>
+        <p:spPr>
+          <a:xfrm>
+            <a:off x="838200" y="1825625"/>
+            <a:ext cx="10515600" cy="4634810"/>
+          </a:xfrm>
+        </p:spPr>
         <p:txBody>
           <a:bodyPr>
             <a:normAutofit/>
@@ -9576,29 +11681,12 @@
             </a:pPr>
             <a:r>
               <a:rPr lang="ru-RU" dirty="0" smtClean="0"/>
-              <a:t>Позволяет сослаться на </a:t>
+              <a:t>Проблема не только в </a:t>
             </a:r>
             <a:r>
               <a:rPr lang="en-US" dirty="0" smtClean="0"/>
-              <a:t>control </a:t>
-            </a:r>
-            <a:r>
-              <a:rPr lang="ru-RU" dirty="0" smtClean="0"/>
-              <a:t>по </a:t>
-            </a:r>
-            <a:r>
-              <a:rPr lang="en-US" b="1" dirty="0" err="1" smtClean="0"/>
-              <a:t>ElementName</a:t>
-            </a:r>
-            <a:r>
-              <a:rPr lang="ru-RU" dirty="0" smtClean="0"/>
-              <a:t> или в </a:t>
-            </a:r>
-            <a:r>
-              <a:rPr lang="en-US" dirty="0" smtClean="0"/>
-              <a:t>code-behind</a:t>
-            </a:r>
-            <a:endParaRPr lang="ru-RU" dirty="0" smtClean="0"/>
+              <a:t>WPF</a:t>
+            </a:r>
           </a:p>
           <a:p>
             <a:pPr>
@@ -9607,16 +11695,20 @@
               </a:lnSpc>
             </a:pPr>
             <a:r>
-              <a:rPr lang="ru-RU" dirty="0" smtClean="0"/>
-              <a:t>Создает строгую глобальную ссылку на </a:t>
-            </a:r>
-            <a:r>
-              <a:rPr lang="en-US" dirty="0" smtClean="0"/>
-              <a:t>UI </a:t>
-            </a:r>
-            <a:r>
-              <a:rPr lang="ru-RU" dirty="0" smtClean="0"/>
-              <a:t>элемент</a:t>
+              <a:rPr lang="ru-RU" dirty="0" err="1" smtClean="0"/>
+              <a:t>Экземплярный</a:t>
+            </a:r>
+            <a:r>
+              <a:rPr lang="ru-RU" dirty="0" smtClean="0"/>
+              <a:t> </a:t>
+            </a:r>
+            <a:r>
+              <a:rPr lang="ru-RU" dirty="0" smtClean="0"/>
+              <a:t>метод ссылается на класс, в котором </a:t>
+            </a:r>
+            <a:r>
+              <a:rPr lang="ru-RU" dirty="0"/>
+              <a:t>находится</a:t>
             </a:r>
           </a:p>
           <a:p>
@@ -9626,18 +11718,14 @@
               </a:lnSpc>
             </a:pPr>
             <a:r>
-              <a:rPr lang="en-US" b="1" dirty="0" smtClean="0"/>
-              <a:t>Name</a:t>
-            </a:r>
-            <a:r>
-              <a:rPr lang="en-US" dirty="0" smtClean="0"/>
-              <a:t> VS </a:t>
-            </a:r>
-            <a:r>
-              <a:rPr lang="en-US" b="1" dirty="0" smtClean="0"/>
-              <a:t>x:Name</a:t>
-            </a:r>
-            <a:endParaRPr lang="ru-RU" b="1" dirty="0"/>
+              <a:rPr lang="ru-RU" dirty="0"/>
+              <a:t>Издатель живет дольше подписчика – риск получить </a:t>
+            </a:r>
+            <a:r>
+              <a:rPr lang="ru-RU" dirty="0" smtClean="0"/>
+              <a:t>утечки</a:t>
+            </a:r>
+            <a:endParaRPr lang="en-US" dirty="0" smtClean="0"/>
           </a:p>
           <a:p>
             <a:pPr>
@@ -9646,53 +11734,28 @@
               </a:lnSpc>
             </a:pPr>
             <a:r>
-              <a:rPr lang="ru-RU" b="1" dirty="0" smtClean="0"/>
-              <a:t>Лечение</a:t>
-            </a:r>
-            <a:r>
-              <a:rPr lang="ru-RU" dirty="0" smtClean="0"/>
-              <a:t> - </a:t>
-            </a:r>
-            <a:r>
-              <a:rPr lang="en-US" dirty="0" err="1" smtClean="0"/>
-              <a:t>UnregisterName</a:t>
-            </a:r>
-            <a:r>
               <a:rPr lang="en-US" dirty="0" smtClean="0"/>
-              <a:t>(“</a:t>
-            </a:r>
-            <a:r>
-              <a:rPr lang="en-US" dirty="0" err="1" smtClean="0"/>
-              <a:t>elementName</a:t>
-            </a:r>
-            <a:r>
-              <a:rPr lang="en-US" dirty="0" smtClean="0"/>
-              <a:t>”)</a:t>
-            </a:r>
-            <a:r>
-              <a:rPr lang="ru-RU" dirty="0" smtClean="0"/>
-              <a:t> при уничтожении </a:t>
-            </a:r>
-            <a:r>
-              <a:rPr lang="en-US" dirty="0" smtClean="0"/>
-              <a:t>View</a:t>
-            </a:r>
-            <a:r>
-              <a:rPr lang="ru-RU" dirty="0" smtClean="0"/>
-              <a:t>, </a:t>
-            </a:r>
-            <a:r>
-              <a:rPr lang="en-US" b="1" dirty="0" err="1"/>
-              <a:t>IDisposable</a:t>
-            </a:r>
-            <a:r>
-              <a:rPr lang="en-US" dirty="0"/>
-              <a:t> </a:t>
-            </a:r>
-            <a:r>
-              <a:rPr lang="en-US" dirty="0" smtClean="0"/>
-              <a:t>pattern</a:t>
-            </a:r>
+              <a:t>Static event – </a:t>
+            </a:r>
+            <a:r>
+              <a:rPr lang="ru-RU" dirty="0" smtClean="0"/>
+              <a:t>зло в чистом виде</a:t>
+            </a:r>
+            <a:endParaRPr lang="en-US" dirty="0"/>
+          </a:p>
+          <a:p>
+            <a:pPr>
+              <a:lnSpc>
+                <a:spcPct val="150000"/>
+              </a:lnSpc>
+            </a:pPr>
+            <a:r>
+              <a:rPr lang="ru-RU" dirty="0" smtClean="0"/>
+              <a:t>От лямбды нельзя отписаться</a:t>
+            </a:r>
+            <a:endParaRPr lang="en-US" dirty="0"/>
+          </a:p>
+          <a:p>
             <a:endParaRPr lang="ru-RU" dirty="0"/>
           </a:p>
         </p:txBody>
@@ -9723,7 +11786,7 @@
     </p:spTree>
     <p:extLst>
       <p:ext uri="{BB962C8B-B14F-4D97-AF65-F5344CB8AC3E}">
-        <p14:creationId xmlns:p14="http://schemas.microsoft.com/office/powerpoint/2010/main" val="1894424396"/>
+        <p14:creationId xmlns:p14="http://schemas.microsoft.com/office/powerpoint/2010/main" val="2538111150"/>
       </p:ext>
     </p:extLst>
   </p:cSld>

--- a/Утечки памяти.pptx
+++ b/Утечки памяти.pptx
@@ -5,7 +5,7 @@
     <p:sldMasterId id="2147483648" r:id="rId1"/>
   </p:sldMasterIdLst>
   <p:notesMasterIdLst>
-    <p:notesMasterId r:id="rId26"/>
+    <p:notesMasterId r:id="rId27"/>
   </p:notesMasterIdLst>
   <p:sldIdLst>
     <p:sldId id="256" r:id="rId2"/>
@@ -30,8 +30,9 @@
     <p:sldId id="272" r:id="rId21"/>
     <p:sldId id="288" r:id="rId22"/>
     <p:sldId id="276" r:id="rId23"/>
-    <p:sldId id="277" r:id="rId24"/>
-    <p:sldId id="278" r:id="rId25"/>
+    <p:sldId id="290" r:id="rId24"/>
+    <p:sldId id="277" r:id="rId25"/>
+    <p:sldId id="278" r:id="rId26"/>
   </p:sldIdLst>
   <p:sldSz cx="12192000" cy="6858000"/>
   <p:notesSz cx="6858000" cy="9144000"/>
@@ -896,11 +897,7 @@
             </a:r>
             <a:r>
               <a:rPr lang="ru-RU" baseline="0" dirty="0" smtClean="0"/>
-              <a:t>подразумевается отписка от событий и очистка привязки </a:t>
-            </a:r>
-            <a:r>
-              <a:rPr lang="ru-RU" baseline="0" smtClean="0"/>
-              <a:t>к команде</a:t>
+              <a:t>подразумевается отписка от событий и очистка привязки к команде</a:t>
             </a:r>
             <a:endParaRPr lang="ru-RU" dirty="0"/>
           </a:p>
@@ -1407,9 +1404,21 @@
             </a:r>
           </a:p>
           <a:p>
-            <a:endParaRPr lang="ru-RU" baseline="0" dirty="0" smtClean="0"/>
-          </a:p>
-          <a:p>
+            <a:endParaRPr lang="en-US" baseline="0" dirty="0" smtClean="0"/>
+          </a:p>
+          <a:p>
+            <a:r>
+              <a:rPr lang="ru-RU" baseline="0" dirty="0" smtClean="0"/>
+              <a:t>Часто упоминается как пример утечки памяти, однако в моем </a:t>
+            </a:r>
+            <a:r>
+              <a:rPr lang="ru-RU" baseline="0" dirty="0" err="1" smtClean="0"/>
+              <a:t>демо</a:t>
+            </a:r>
+            <a:r>
+              <a:rPr lang="ru-RU" baseline="0" dirty="0" smtClean="0"/>
+              <a:t> такой проблемы не наблюдается</a:t>
+            </a:r>
             <a:endParaRPr lang="en-US" baseline="0" dirty="0" smtClean="0"/>
           </a:p>
           <a:p>
@@ -2722,6 +2731,15 @@
             <a:r>
               <a:rPr lang="ru-RU" baseline="0" dirty="0" smtClean="0"/>
               <a:t> можно заметить сразу</a:t>
+            </a:r>
+          </a:p>
+          <a:p>
+            <a:endParaRPr lang="ru-RU" baseline="0" dirty="0" smtClean="0"/>
+          </a:p>
+          <a:p>
+            <a:r>
+              <a:rPr lang="ru-RU" baseline="0" dirty="0" smtClean="0"/>
+              <a:t>Сперва разберемся с презентацией, а уже после нее </a:t>
             </a:r>
             <a:endParaRPr lang="ru-RU" dirty="0"/>
           </a:p>
@@ -10133,6 +10151,92 @@
             <p:ph type="title"/>
           </p:nvPr>
         </p:nvSpPr>
+        <p:spPr>
+          <a:xfrm>
+            <a:off x="838200" y="2785836"/>
+            <a:ext cx="10515600" cy="1325563"/>
+          </a:xfrm>
+        </p:spPr>
+        <p:txBody>
+          <a:bodyPr/>
+          <a:lstStyle/>
+          <a:p>
+            <a:pPr algn="ctr"/>
+            <a:r>
+              <a:rPr lang="ru-RU" dirty="0" smtClean="0"/>
+              <a:t>Самое время для </a:t>
+            </a:r>
+            <a:r>
+              <a:rPr lang="ru-RU" dirty="0" err="1" smtClean="0"/>
+              <a:t>демо</a:t>
+            </a:r>
+            <a:endParaRPr lang="ru-RU" dirty="0"/>
+          </a:p>
+        </p:txBody>
+      </p:sp>
+      <p:sp>
+        <p:nvSpPr>
+          <p:cNvPr id="4" name="Номер слайда 3"/>
+          <p:cNvSpPr>
+            <a:spLocks noGrp="1"/>
+          </p:cNvSpPr>
+          <p:nvPr>
+            <p:ph type="sldNum" sz="quarter" idx="12"/>
+          </p:nvPr>
+        </p:nvSpPr>
+        <p:spPr/>
+        <p:txBody>
+          <a:bodyPr/>
+          <a:lstStyle/>
+          <a:p>
+            <a:fld id="{4341117B-7091-4FB7-97F8-A6CA9A2FE1D4}" type="slidenum">
+              <a:rPr lang="ru-RU" smtClean="0"/>
+              <a:t>23</a:t>
+            </a:fld>
+            <a:endParaRPr lang="ru-RU"/>
+          </a:p>
+        </p:txBody>
+      </p:sp>
+    </p:spTree>
+    <p:extLst>
+      <p:ext uri="{BB962C8B-B14F-4D97-AF65-F5344CB8AC3E}">
+        <p14:creationId xmlns:p14="http://schemas.microsoft.com/office/powerpoint/2010/main" val="159244758"/>
+      </p:ext>
+    </p:extLst>
+  </p:cSld>
+  <p:clrMapOvr>
+    <a:masterClrMapping/>
+  </p:clrMapOvr>
+</p:sld>
+</file>
+
+<file path=ppt/slides/slide24.xml><?xml version="1.0" encoding="utf-8"?>
+<p:sld xmlns:a="http://schemas.openxmlformats.org/drawingml/2006/main" xmlns:r="http://schemas.openxmlformats.org/officeDocument/2006/relationships" xmlns:p="http://schemas.openxmlformats.org/presentationml/2006/main">
+  <p:cSld>
+    <p:spTree>
+      <p:nvGrpSpPr>
+        <p:cNvPr id="1" name=""/>
+        <p:cNvGrpSpPr/>
+        <p:nvPr/>
+      </p:nvGrpSpPr>
+      <p:grpSpPr>
+        <a:xfrm>
+          <a:off x="0" y="0"/>
+          <a:ext cx="0" cy="0"/>
+          <a:chOff x="0" y="0"/>
+          <a:chExt cx="0" cy="0"/>
+        </a:xfrm>
+      </p:grpSpPr>
+      <p:sp>
+        <p:nvSpPr>
+          <p:cNvPr id="2" name="Заголовок 1"/>
+          <p:cNvSpPr>
+            <a:spLocks noGrp="1"/>
+          </p:cNvSpPr>
+          <p:nvPr>
+            <p:ph type="title"/>
+          </p:nvPr>
+        </p:nvSpPr>
         <p:spPr/>
         <p:txBody>
           <a:bodyPr/>
@@ -10289,7 +10393,7 @@
           <a:p>
             <a:fld id="{4341117B-7091-4FB7-97F8-A6CA9A2FE1D4}" type="slidenum">
               <a:rPr lang="ru-RU" smtClean="0"/>
-              <a:t>23</a:t>
+              <a:t>24</a:t>
             </a:fld>
             <a:endParaRPr lang="ru-RU"/>
           </a:p>
@@ -10308,7 +10412,7 @@
 </p:sld>
 </file>
 
-<file path=ppt/slides/slide24.xml><?xml version="1.0" encoding="utf-8"?>
+<file path=ppt/slides/slide25.xml><?xml version="1.0" encoding="utf-8"?>
 <p:sld xmlns:a="http://schemas.openxmlformats.org/drawingml/2006/main" xmlns:r="http://schemas.openxmlformats.org/officeDocument/2006/relationships" xmlns:p="http://schemas.openxmlformats.org/presentationml/2006/main">
   <p:cSld>
     <p:spTree>
@@ -10374,7 +10478,7 @@
           <a:p>
             <a:fld id="{4341117B-7091-4FB7-97F8-A6CA9A2FE1D4}" type="slidenum">
               <a:rPr lang="ru-RU" smtClean="0"/>
-              <a:t>24</a:t>
+              <a:t>25</a:t>
             </a:fld>
             <a:endParaRPr lang="ru-RU"/>
           </a:p>
@@ -10832,16 +10936,8 @@
           <a:lstStyle/>
           <a:p>
             <a:r>
-              <a:rPr lang="en-US" b="1" dirty="0" smtClean="0"/>
-              <a:t>Heavy </a:t>
-            </a:r>
-            <a:r>
-              <a:rPr lang="en-US" b="1" strike="sngStrike" dirty="0" smtClean="0"/>
-              <a:t>metal</a:t>
-            </a:r>
-            <a:r>
-              <a:rPr lang="en-US" b="1" dirty="0" smtClean="0"/>
-              <a:t> model</a:t>
+              <a:rPr lang="ru-RU" b="1" dirty="0" smtClean="0"/>
+              <a:t>Перед началом</a:t>
             </a:r>
             <a:endParaRPr lang="ru-RU" b="1" dirty="0"/>
           </a:p>
@@ -10881,18 +10977,30 @@
             <a:endParaRPr lang="ru-RU" dirty="0" smtClean="0"/>
           </a:p>
           <a:p>
+            <a:endParaRPr lang="ru-RU" dirty="0" smtClean="0"/>
+          </a:p>
+          <a:p>
             <a:endParaRPr lang="ru-RU" dirty="0"/>
           </a:p>
           <a:p>
             <a:endParaRPr lang="ru-RU" dirty="0" smtClean="0"/>
           </a:p>
           <a:p>
-            <a:endParaRPr lang="ru-RU" dirty="0"/>
-          </a:p>
-          <a:p>
             <a:endParaRPr lang="ru-RU" dirty="0" smtClean="0"/>
           </a:p>
           <a:p>
+            <a:r>
+              <a:rPr lang="ru-RU" dirty="0" smtClean="0"/>
+              <a:t>Теория </a:t>
+            </a:r>
+            <a:r>
+              <a:rPr lang="en-US" dirty="0" smtClean="0"/>
+              <a:t>-&gt; </a:t>
+            </a:r>
+            <a:r>
+              <a:rPr lang="ru-RU" dirty="0" err="1" smtClean="0"/>
+              <a:t>демо</a:t>
+            </a:r>
             <a:endParaRPr lang="en-US" dirty="0" smtClean="0"/>
           </a:p>
           <a:p>
@@ -10942,7 +11050,7 @@
         </p:blipFill>
         <p:spPr>
           <a:xfrm>
-            <a:off x="838200" y="2774052"/>
+            <a:off x="952500" y="2564502"/>
             <a:ext cx="7896225" cy="1647825"/>
           </a:xfrm>
           <a:prstGeom prst="rect">
@@ -11046,17 +11154,16 @@
             </a:pPr>
             <a:r>
               <a:rPr lang="en-US" dirty="0" smtClean="0"/>
-              <a:t>Binding </a:t>
-            </a:r>
-            <a:r>
-              <a:rPr lang="ru-RU" dirty="0" smtClean="0"/>
-              <a:t>без </a:t>
-            </a:r>
-            <a:r>
-              <a:rPr lang="en-US" dirty="0" err="1" smtClean="0"/>
-              <a:t>INotifyPropertyChanged</a:t>
-            </a:r>
-            <a:endParaRPr lang="en-US" dirty="0" smtClean="0"/>
+              <a:t>Incorrect</a:t>
+            </a:r>
+            <a:r>
+              <a:rPr lang="ru-RU" dirty="0" smtClean="0"/>
+              <a:t> </a:t>
+            </a:r>
+            <a:r>
+              <a:rPr lang="en-US" dirty="0" smtClean="0"/>
+              <a:t>Binding</a:t>
+            </a:r>
           </a:p>
           <a:p>
             <a:pPr>
@@ -11098,7 +11205,7 @@
             </a:r>
             <a:r>
               <a:rPr lang="en-US" dirty="0" smtClean="0"/>
-              <a:t>windows</a:t>
+              <a:t>windows/views</a:t>
             </a:r>
             <a:endParaRPr lang="ru-RU" dirty="0" smtClean="0"/>
           </a:p>

--- a/Утечки памяти.pptx
+++ b/Утечки памяти.pptx
@@ -5,34 +5,32 @@
     <p:sldMasterId id="2147483648" r:id="rId1"/>
   </p:sldMasterIdLst>
   <p:notesMasterIdLst>
-    <p:notesMasterId r:id="rId27"/>
+    <p:notesMasterId r:id="rId25"/>
   </p:notesMasterIdLst>
   <p:sldIdLst>
     <p:sldId id="256" r:id="rId2"/>
     <p:sldId id="257" r:id="rId3"/>
     <p:sldId id="279" r:id="rId4"/>
     <p:sldId id="286" r:id="rId5"/>
-    <p:sldId id="284" r:id="rId6"/>
-    <p:sldId id="258" r:id="rId7"/>
-    <p:sldId id="267" r:id="rId8"/>
-    <p:sldId id="268" r:id="rId9"/>
-    <p:sldId id="271" r:id="rId10"/>
-    <p:sldId id="282" r:id="rId11"/>
-    <p:sldId id="289" r:id="rId12"/>
-    <p:sldId id="265" r:id="rId13"/>
-    <p:sldId id="275" r:id="rId14"/>
-    <p:sldId id="281" r:id="rId15"/>
-    <p:sldId id="270" r:id="rId16"/>
-    <p:sldId id="280" r:id="rId17"/>
-    <p:sldId id="285" r:id="rId18"/>
-    <p:sldId id="269" r:id="rId19"/>
-    <p:sldId id="287" r:id="rId20"/>
-    <p:sldId id="272" r:id="rId21"/>
-    <p:sldId id="288" r:id="rId22"/>
-    <p:sldId id="276" r:id="rId23"/>
-    <p:sldId id="290" r:id="rId24"/>
-    <p:sldId id="277" r:id="rId25"/>
-    <p:sldId id="278" r:id="rId26"/>
+    <p:sldId id="258" r:id="rId6"/>
+    <p:sldId id="267" r:id="rId7"/>
+    <p:sldId id="268" r:id="rId8"/>
+    <p:sldId id="271" r:id="rId9"/>
+    <p:sldId id="282" r:id="rId10"/>
+    <p:sldId id="289" r:id="rId11"/>
+    <p:sldId id="265" r:id="rId12"/>
+    <p:sldId id="275" r:id="rId13"/>
+    <p:sldId id="281" r:id="rId14"/>
+    <p:sldId id="270" r:id="rId15"/>
+    <p:sldId id="280" r:id="rId16"/>
+    <p:sldId id="285" r:id="rId17"/>
+    <p:sldId id="269" r:id="rId18"/>
+    <p:sldId id="272" r:id="rId19"/>
+    <p:sldId id="288" r:id="rId20"/>
+    <p:sldId id="276" r:id="rId21"/>
+    <p:sldId id="290" r:id="rId22"/>
+    <p:sldId id="277" r:id="rId23"/>
+    <p:sldId id="278" r:id="rId24"/>
   </p:sldIdLst>
   <p:sldSz cx="12192000" cy="6858000"/>
   <p:notesSz cx="6858000" cy="9144000"/>
@@ -221,7 +219,7 @@
           <a:p>
             <a:fld id="{7E32760C-D076-4A5B-AE14-FF54E2D8759C}" type="datetimeFigureOut">
               <a:rPr lang="ru-RU" smtClean="0"/>
-              <a:t>14.12.2018</a:t>
+              <a:t>15.12.2018</a:t>
             </a:fld>
             <a:endParaRPr lang="ru-RU"/>
           </a:p>
@@ -619,32 +617,46 @@
           <a:p>
             <a:r>
               <a:rPr lang="ru-RU" dirty="0" smtClean="0"/>
-              <a:t>Простой пример паттерна </a:t>
-            </a:r>
-            <a:r>
-              <a:rPr lang="en-US" dirty="0" smtClean="0"/>
-              <a:t>Weak Event (Weak Reference)</a:t>
-            </a:r>
-          </a:p>
-          <a:p>
-            <a:r>
-              <a:rPr lang="ru-RU" dirty="0" smtClean="0"/>
-              <a:t>Используется во</a:t>
+              <a:t>На</a:t>
             </a:r>
             <a:r>
               <a:rPr lang="ru-RU" baseline="0" dirty="0" smtClean="0"/>
-              <a:t> многих реализациях </a:t>
-            </a:r>
-            <a:r>
-              <a:rPr lang="ru-RU" baseline="0" dirty="0" err="1" smtClean="0"/>
-              <a:t>комманд</a:t>
-            </a:r>
+              <a:t> самом деле нужно четко понимать, когда возникает реальная потребность в использовании </a:t>
+            </a:r>
+            <a:r>
+              <a:rPr lang="en-US" baseline="0" dirty="0" err="1" smtClean="0"/>
+              <a:t>DispatcherTimer</a:t>
+            </a:r>
+            <a:r>
+              <a:rPr lang="en-US" baseline="0" dirty="0" smtClean="0"/>
+              <a:t>.</a:t>
+            </a:r>
+          </a:p>
+          <a:p>
+            <a:r>
+              <a:rPr lang="ru-RU" baseline="0" dirty="0" smtClean="0"/>
+              <a:t>Далеко не весь код нужно выполнять в </a:t>
+            </a:r>
+            <a:r>
+              <a:rPr lang="en-US" baseline="0" dirty="0" smtClean="0"/>
+              <a:t>UI </a:t>
+            </a:r>
+            <a:r>
+              <a:rPr lang="ru-RU" baseline="0" dirty="0" smtClean="0"/>
+              <a:t>потоке</a:t>
+            </a:r>
+          </a:p>
+          <a:p>
             <a:endParaRPr lang="ru-RU" baseline="0" dirty="0" smtClean="0"/>
           </a:p>
           <a:p>
             <a:r>
               <a:rPr lang="ru-RU" baseline="0" dirty="0" smtClean="0"/>
-              <a:t>Если подписчик не хранит никакой ссылки на делегат, то делегат/обработчик события будет поглощен при первой же сборке мусора</a:t>
+              <a:t>Если не остановить таймер, то убрать саму ссылку на него будет не так просто – нет прямого доступа к </a:t>
+            </a:r>
+            <a:r>
+              <a:rPr lang="en-US" baseline="0" dirty="0" err="1" smtClean="0"/>
+              <a:t>DispatcherTimers</a:t>
             </a:r>
             <a:endParaRPr lang="ru-RU" dirty="0"/>
           </a:p>
@@ -676,7 +688,7 @@
     </p:spTree>
     <p:extLst>
       <p:ext uri="{BB962C8B-B14F-4D97-AF65-F5344CB8AC3E}">
-        <p14:creationId xmlns:p14="http://schemas.microsoft.com/office/powerpoint/2010/main" val="1030474530"/>
+        <p14:creationId xmlns:p14="http://schemas.microsoft.com/office/powerpoint/2010/main" val="4066531469"/>
       </p:ext>
     </p:extLst>
   </p:cSld>
@@ -731,47 +743,42 @@
           <a:lstStyle/>
           <a:p>
             <a:r>
-              <a:rPr lang="ru-RU" dirty="0" smtClean="0"/>
-              <a:t>На</a:t>
+              <a:rPr lang="en-US" dirty="0" err="1" smtClean="0"/>
+              <a:t>CommandBinding</a:t>
+            </a:r>
+            <a:r>
+              <a:rPr lang="en-US" dirty="0" smtClean="0"/>
+              <a:t> – </a:t>
+            </a:r>
+            <a:r>
+              <a:rPr lang="ru-RU" dirty="0" smtClean="0"/>
+              <a:t>частный случай</a:t>
             </a:r>
             <a:r>
               <a:rPr lang="ru-RU" baseline="0" dirty="0" smtClean="0"/>
-              <a:t> самом деле нужно четко понимать, когда возникает реальная потребность в использовании </a:t>
+              <a:t> привязки к свойству другого класса (окна)</a:t>
+            </a:r>
+            <a:endParaRPr lang="en-US" baseline="0" dirty="0" smtClean="0"/>
+          </a:p>
+          <a:p>
+            <a:endParaRPr lang="en-US" baseline="0" dirty="0" smtClean="0"/>
+          </a:p>
+          <a:p>
+            <a:r>
+              <a:rPr lang="ru-RU" baseline="0" dirty="0" smtClean="0"/>
+              <a:t>Под </a:t>
             </a:r>
             <a:r>
               <a:rPr lang="en-US" baseline="0" dirty="0" err="1" smtClean="0"/>
-              <a:t>DispatcherTimer</a:t>
+              <a:t>IDisposable</a:t>
             </a:r>
             <a:r>
               <a:rPr lang="en-US" baseline="0" dirty="0" smtClean="0"/>
-              <a:t>.</a:t>
-            </a:r>
-          </a:p>
-          <a:p>
+              <a:t> </a:t>
+            </a:r>
             <a:r>
               <a:rPr lang="ru-RU" baseline="0" dirty="0" smtClean="0"/>
-              <a:t>Далеко не весь код нужно выполнять в </a:t>
-            </a:r>
-            <a:r>
-              <a:rPr lang="en-US" baseline="0" dirty="0" smtClean="0"/>
-              <a:t>UI </a:t>
-            </a:r>
-            <a:r>
-              <a:rPr lang="ru-RU" baseline="0" dirty="0" smtClean="0"/>
-              <a:t>потоке</a:t>
-            </a:r>
-          </a:p>
-          <a:p>
-            <a:endParaRPr lang="ru-RU" baseline="0" dirty="0" smtClean="0"/>
-          </a:p>
-          <a:p>
-            <a:r>
-              <a:rPr lang="ru-RU" baseline="0" dirty="0" smtClean="0"/>
-              <a:t>Если не остановить таймер, то убрать саму ссылку на него будет не так просто – нет прямого доступа к </a:t>
-            </a:r>
-            <a:r>
-              <a:rPr lang="en-US" baseline="0" dirty="0" err="1" smtClean="0"/>
-              <a:t>DispatcherTimers</a:t>
+              <a:t>подразумевается отписка от событий и очистка привязки к команде</a:t>
             </a:r>
             <a:endParaRPr lang="ru-RU" dirty="0"/>
           </a:p>
@@ -803,7 +810,7 @@
     </p:spTree>
     <p:extLst>
       <p:ext uri="{BB962C8B-B14F-4D97-AF65-F5344CB8AC3E}">
-        <p14:creationId xmlns:p14="http://schemas.microsoft.com/office/powerpoint/2010/main" val="4066531469"/>
+        <p14:creationId xmlns:p14="http://schemas.microsoft.com/office/powerpoint/2010/main" val="939303470"/>
       </p:ext>
     </p:extLst>
   </p:cSld>
@@ -857,49 +864,90 @@
           <a:bodyPr/>
           <a:lstStyle/>
           <a:p>
+            <a:pPr>
+              <a:lnSpc>
+                <a:spcPct val="150000"/>
+              </a:lnSpc>
+            </a:pPr>
+            <a:r>
+              <a:rPr lang="ru-RU" dirty="0" smtClean="0"/>
+              <a:t>В</a:t>
+            </a:r>
+            <a:r>
+              <a:rPr lang="ru-RU" baseline="0" dirty="0" smtClean="0"/>
+              <a:t> крупных приложениях без словарей уж точно придется стрелять себе в ногу и дублировать огромное количество кода</a:t>
+            </a:r>
+            <a:endParaRPr lang="ru-RU" dirty="0" smtClean="0"/>
+          </a:p>
+          <a:p>
+            <a:pPr>
+              <a:lnSpc>
+                <a:spcPct val="150000"/>
+              </a:lnSpc>
+            </a:pPr>
+            <a:endParaRPr lang="ru-RU" dirty="0" smtClean="0"/>
+          </a:p>
+          <a:p>
+            <a:pPr>
+              <a:lnSpc>
+                <a:spcPct val="150000"/>
+              </a:lnSpc>
+            </a:pPr>
             <a:r>
               <a:rPr lang="en-US" dirty="0" err="1" smtClean="0"/>
-              <a:t>CommandBinding</a:t>
+              <a:t>SharedResourceDictionary</a:t>
             </a:r>
             <a:r>
               <a:rPr lang="en-US" dirty="0" smtClean="0"/>
-              <a:t> – </a:t>
-            </a:r>
-            <a:r>
-              <a:rPr lang="ru-RU" dirty="0" smtClean="0"/>
-              <a:t>частный случай</a:t>
-            </a:r>
-            <a:r>
-              <a:rPr lang="ru-RU" baseline="0" dirty="0" smtClean="0"/>
-              <a:t> привязки к свойству другого класса (окна</a:t>
-            </a:r>
-            <a:r>
-              <a:rPr lang="ru-RU" baseline="0" dirty="0" smtClean="0"/>
-              <a:t>)</a:t>
-            </a:r>
-            <a:endParaRPr lang="en-US" baseline="0" dirty="0" smtClean="0"/>
-          </a:p>
-          <a:p>
-            <a:endParaRPr lang="en-US" baseline="0" dirty="0" smtClean="0"/>
-          </a:p>
-          <a:p>
-            <a:r>
-              <a:rPr lang="ru-RU" baseline="0" dirty="0" smtClean="0"/>
-              <a:t>Под </a:t>
-            </a:r>
-            <a:r>
-              <a:rPr lang="en-US" baseline="0" dirty="0" err="1" smtClean="0"/>
-              <a:t>IDisposable</a:t>
-            </a:r>
-            <a:r>
-              <a:rPr lang="en-US" baseline="0" dirty="0" smtClean="0"/>
               <a:t> </a:t>
             </a:r>
             <a:r>
-              <a:rPr lang="ru-RU" baseline="0" dirty="0" smtClean="0"/>
-              <a:t>подразумевается отписка от событий и очистка привязки к команде</a:t>
-            </a:r>
-            <a:endParaRPr lang="ru-RU" dirty="0"/>
+              <a:rPr lang="en-US" dirty="0" smtClean="0"/>
+              <a:t>– </a:t>
+            </a:r>
+            <a:r>
+              <a:rPr lang="ru-RU" dirty="0" smtClean="0"/>
+              <a:t>кэширование</a:t>
+            </a:r>
+          </a:p>
+          <a:p>
+            <a:pPr>
+              <a:lnSpc>
+                <a:spcPct val="150000"/>
+              </a:lnSpc>
+            </a:pPr>
+            <a:endParaRPr lang="ru-RU" dirty="0" smtClean="0"/>
+          </a:p>
+          <a:p>
+            <a:pPr marL="0" marR="0" indent="0" algn="l" defTabSz="914400" rtl="0" eaLnBrk="1" fontAlgn="auto" latinLnBrk="0" hangingPunct="1">
+              <a:lnSpc>
+                <a:spcPct val="150000"/>
+              </a:lnSpc>
+              <a:spcBef>
+                <a:spcPts val="0"/>
+              </a:spcBef>
+              <a:spcAft>
+                <a:spcPts val="0"/>
+              </a:spcAft>
+              <a:buClrTx/>
+              <a:buSzTx/>
+              <a:buFontTx/>
+              <a:buNone/>
+              <a:tabLst/>
+              <a:defRPr/>
+            </a:pPr>
+            <a:r>
+              <a:rPr lang="ru-RU" dirty="0" smtClean="0"/>
+              <a:t>По умолчанию каждое обращение к содержимому </a:t>
+            </a:r>
+            <a:r>
+              <a:rPr lang="en-US" b="1" dirty="0" err="1" smtClean="0"/>
+              <a:t>ResourceDictionary</a:t>
+            </a:r>
+            <a:r>
+              <a:rPr lang="ru-RU" dirty="0" smtClean="0"/>
+              <a:t> загружает его копию в память</a:t>
+            </a:r>
           </a:p>
         </p:txBody>
       </p:sp>
@@ -929,7 +977,7 @@
     </p:spTree>
     <p:extLst>
       <p:ext uri="{BB962C8B-B14F-4D97-AF65-F5344CB8AC3E}">
-        <p14:creationId xmlns:p14="http://schemas.microsoft.com/office/powerpoint/2010/main" val="939303470"/>
+        <p14:creationId xmlns:p14="http://schemas.microsoft.com/office/powerpoint/2010/main" val="4214944097"/>
       </p:ext>
     </p:extLst>
   </p:cSld>
@@ -983,66 +1031,52 @@
           <a:bodyPr/>
           <a:lstStyle/>
           <a:p>
-            <a:pPr>
-              <a:lnSpc>
-                <a:spcPct val="150000"/>
-              </a:lnSpc>
-            </a:pPr>
             <a:r>
               <a:rPr lang="en-US" dirty="0" err="1" smtClean="0"/>
-              <a:t>SharedResourceDictionary</a:t>
+              <a:t>UndoManager</a:t>
+            </a:r>
+            <a:r>
+              <a:rPr lang="ru-RU" dirty="0" smtClean="0"/>
+              <a:t> хранит ссылку на </a:t>
             </a:r>
             <a:r>
               <a:rPr lang="en-US" dirty="0" smtClean="0"/>
-              <a:t> </a:t>
-            </a:r>
-            <a:r>
-              <a:rPr lang="en-US" dirty="0" smtClean="0"/>
-              <a:t>– </a:t>
-            </a:r>
-            <a:r>
-              <a:rPr lang="ru-RU" dirty="0" smtClean="0"/>
-              <a:t>кэширование</a:t>
-            </a:r>
-          </a:p>
-          <a:p>
-            <a:pPr>
-              <a:lnSpc>
-                <a:spcPct val="150000"/>
-              </a:lnSpc>
-            </a:pPr>
+              <a:t>char[] </a:t>
+            </a:r>
+            <a:r>
+              <a:rPr lang="ru-RU" dirty="0" smtClean="0"/>
+              <a:t>для каждого введенного </a:t>
+            </a:r>
+            <a:r>
+              <a:rPr lang="ru-RU" dirty="0" smtClean="0"/>
+              <a:t>текста</a:t>
+            </a:r>
+          </a:p>
+          <a:p>
             <a:endParaRPr lang="ru-RU" dirty="0" smtClean="0"/>
           </a:p>
           <a:p>
-            <a:pPr marL="0" marR="0" indent="0" algn="l" defTabSz="914400" rtl="0" eaLnBrk="1" fontAlgn="auto" latinLnBrk="0" hangingPunct="1">
-              <a:lnSpc>
-                <a:spcPct val="150000"/>
-              </a:lnSpc>
-              <a:spcBef>
-                <a:spcPts val="0"/>
-              </a:spcBef>
-              <a:spcAft>
-                <a:spcPts val="0"/>
-              </a:spcAft>
-              <a:buClrTx/>
-              <a:buSzTx/>
-              <a:buFontTx/>
-              <a:buNone/>
-              <a:tabLst/>
-              <a:defRPr/>
-            </a:pPr>
-            <a:r>
-              <a:rPr lang="ru-RU" dirty="0" smtClean="0"/>
-              <a:t>По умолчанию каждое обращение к содержимому </a:t>
-            </a:r>
-            <a:r>
-              <a:rPr lang="en-US" b="1" dirty="0" err="1" smtClean="0"/>
-              <a:t>ResourceDictionary</a:t>
-            </a:r>
-            <a:r>
-              <a:rPr lang="ru-RU" dirty="0" smtClean="0"/>
-              <a:t> загружает его копию в память</a:t>
-            </a:r>
+            <a:r>
+              <a:rPr lang="ru-RU" dirty="0" smtClean="0"/>
+              <a:t>Хоть сборщик мусора и уберет</a:t>
+            </a:r>
+            <a:r>
+              <a:rPr lang="ru-RU" baseline="0" dirty="0" smtClean="0"/>
+              <a:t> за </a:t>
+            </a:r>
+            <a:r>
+              <a:rPr lang="en-US" baseline="0" dirty="0" err="1" smtClean="0"/>
+              <a:t>UndoManager</a:t>
+            </a:r>
+            <a:r>
+              <a:rPr lang="en-US" baseline="0" dirty="0" smtClean="0"/>
+              <a:t>, </a:t>
+            </a:r>
+            <a:r>
+              <a:rPr lang="ru-RU" baseline="0" dirty="0" smtClean="0"/>
+              <a:t>до его вызова память может забиваться без явной на то причины</a:t>
+            </a:r>
+            <a:endParaRPr lang="ru-RU" dirty="0"/>
           </a:p>
         </p:txBody>
       </p:sp>
@@ -1072,7 +1106,7 @@
     </p:spTree>
     <p:extLst>
       <p:ext uri="{BB962C8B-B14F-4D97-AF65-F5344CB8AC3E}">
-        <p14:creationId xmlns:p14="http://schemas.microsoft.com/office/powerpoint/2010/main" val="4214944097"/>
+        <p14:creationId xmlns:p14="http://schemas.microsoft.com/office/powerpoint/2010/main" val="2564489975"/>
       </p:ext>
     </p:extLst>
   </p:cSld>
@@ -1127,42 +1161,21 @@
           <a:lstStyle/>
           <a:p>
             <a:r>
-              <a:rPr lang="en-US" dirty="0" err="1" smtClean="0"/>
-              <a:t>UndoManager</a:t>
-            </a:r>
-            <a:r>
-              <a:rPr lang="ru-RU" dirty="0" smtClean="0"/>
-              <a:t> хранит ссылку на </a:t>
-            </a:r>
-            <a:r>
-              <a:rPr lang="en-US" dirty="0" smtClean="0"/>
-              <a:t>char[] </a:t>
-            </a:r>
-            <a:r>
-              <a:rPr lang="ru-RU" dirty="0" smtClean="0"/>
-              <a:t>для каждого введенного текста</a:t>
-            </a:r>
-          </a:p>
-          <a:p>
-            <a:r>
-              <a:rPr lang="ru-RU" dirty="0" smtClean="0"/>
-              <a:t>Хоть сборщик мусора и уберет</a:t>
+              <a:rPr lang="ru-RU" dirty="0" smtClean="0"/>
+              <a:t>Крайне</a:t>
             </a:r>
             <a:r>
               <a:rPr lang="ru-RU" baseline="0" dirty="0" smtClean="0"/>
-              <a:t> за </a:t>
-            </a:r>
-            <a:r>
-              <a:rPr lang="en-US" baseline="0" dirty="0" err="1" smtClean="0"/>
-              <a:t>UndoManager</a:t>
-            </a:r>
-            <a:r>
-              <a:rPr lang="en-US" baseline="0" dirty="0" smtClean="0"/>
-              <a:t>, </a:t>
-            </a:r>
+              <a:t> необычный пример утечки</a:t>
+            </a:r>
+          </a:p>
+          <a:p>
+            <a:endParaRPr lang="ru-RU" baseline="0" dirty="0" smtClean="0"/>
+          </a:p>
+          <a:p>
             <a:r>
               <a:rPr lang="ru-RU" baseline="0" dirty="0" smtClean="0"/>
-              <a:t>до его вызова память может забиваться без явной на то причины</a:t>
+              <a:t>Мне так и не удалось его воспроизвести. Интернет в данном вопросе разделился на два лагеря – кто-то смог воспроизвести баг, а кто-то нет</a:t>
             </a:r>
             <a:endParaRPr lang="ru-RU" dirty="0"/>
           </a:p>
@@ -1194,7 +1207,7 @@
     </p:spTree>
     <p:extLst>
       <p:ext uri="{BB962C8B-B14F-4D97-AF65-F5344CB8AC3E}">
-        <p14:creationId xmlns:p14="http://schemas.microsoft.com/office/powerpoint/2010/main" val="2564489975"/>
+        <p14:creationId xmlns:p14="http://schemas.microsoft.com/office/powerpoint/2010/main" val="4214872850"/>
       </p:ext>
     </p:extLst>
   </p:cSld>
@@ -1250,20 +1263,19 @@
           <a:p>
             <a:r>
               <a:rPr lang="ru-RU" dirty="0" smtClean="0"/>
-              <a:t>Крайне</a:t>
+              <a:t>Как</a:t>
             </a:r>
             <a:r>
               <a:rPr lang="ru-RU" baseline="0" dirty="0" smtClean="0"/>
-              <a:t> необычный пример утечки</a:t>
-            </a:r>
-          </a:p>
-          <a:p>
-            <a:endParaRPr lang="ru-RU" baseline="0" dirty="0" smtClean="0"/>
-          </a:p>
-          <a:p>
+              <a:t> ни странно, перемещение ресурса из словаря в </a:t>
+            </a:r>
+            <a:r>
+              <a:rPr lang="en-US" baseline="0" dirty="0" smtClean="0"/>
+              <a:t>Application </a:t>
+            </a:r>
             <a:r>
               <a:rPr lang="ru-RU" baseline="0" dirty="0" smtClean="0"/>
-              <a:t>Мне так и не удалось его воспроизвести. Интернет в данном вопросе разделился на два лагеря – кто-то смог воспроизвести баг, а кто-то нет</a:t>
+              <a:t>на уровень конкретного представления, в котором используется проблемный стиль, решает проблему</a:t>
             </a:r>
             <a:endParaRPr lang="ru-RU" dirty="0"/>
           </a:p>
@@ -1295,7 +1307,7 @@
     </p:spTree>
     <p:extLst>
       <p:ext uri="{BB962C8B-B14F-4D97-AF65-F5344CB8AC3E}">
-        <p14:creationId xmlns:p14="http://schemas.microsoft.com/office/powerpoint/2010/main" val="4214872850"/>
+        <p14:creationId xmlns:p14="http://schemas.microsoft.com/office/powerpoint/2010/main" val="1314886909"/>
       </p:ext>
     </p:extLst>
   </p:cSld>
@@ -1373,8 +1385,6 @@
               <a:rPr lang="en-US" baseline="0" dirty="0" smtClean="0"/>
               <a:t>Code-behind</a:t>
             </a:r>
-          </a:p>
-          <a:p>
             <a:endParaRPr lang="en-US" baseline="0" dirty="0" smtClean="0"/>
           </a:p>
           <a:p>
@@ -1417,11 +1427,12 @@
             </a:r>
             <a:r>
               <a:rPr lang="ru-RU" baseline="0" dirty="0" smtClean="0"/>
-              <a:t> такой проблемы не наблюдается</a:t>
-            </a:r>
-            <a:endParaRPr lang="en-US" baseline="0" dirty="0" smtClean="0"/>
-          </a:p>
-          <a:p>
+              <a:t> такой проблемы не </a:t>
+            </a:r>
+            <a:r>
+              <a:rPr lang="ru-RU" baseline="0" dirty="0" smtClean="0"/>
+              <a:t>наблюдается</a:t>
+            </a:r>
             <a:endParaRPr lang="ru-RU" baseline="0" dirty="0" smtClean="0"/>
           </a:p>
           <a:p>
@@ -1536,20 +1547,20 @@
                 <a:ea typeface="+mn-ea"/>
                 <a:cs typeface="+mn-cs"/>
               </a:rPr>
-              <a:t>) So, it's a designer-generated field, which has internal access by default.</a:t>
-            </a:r>
-            <a:endParaRPr lang="ru-RU" sz="1200" b="0" i="0" kern="1200" dirty="0" smtClean="0">
-              <a:solidFill>
-                <a:schemeClr val="tx1"/>
-              </a:solidFill>
-              <a:effectLst/>
-              <a:latin typeface="+mn-lt"/>
-              <a:ea typeface="+mn-ea"/>
-              <a:cs typeface="+mn-cs"/>
-            </a:endParaRPr>
-          </a:p>
-          <a:p>
-            <a:pPr fontAlgn="base"/>
+              <a:t>) So, it's a designer-generated field, which has internal access by default</a:t>
+            </a:r>
+            <a:r>
+              <a:rPr lang="en-US" sz="1200" b="0" i="0" kern="1200" dirty="0" smtClean="0">
+                <a:solidFill>
+                  <a:schemeClr val="tx1"/>
+                </a:solidFill>
+                <a:effectLst/>
+                <a:latin typeface="+mn-lt"/>
+                <a:ea typeface="+mn-ea"/>
+                <a:cs typeface="+mn-cs"/>
+              </a:rPr>
+              <a:t>.</a:t>
+            </a:r>
             <a:endParaRPr lang="en-US" sz="1200" b="0" i="0" kern="1200" dirty="0" smtClean="0">
               <a:solidFill>
                 <a:schemeClr val="tx1"/>
@@ -1708,7 +1719,7 @@
           <a:p>
             <a:fld id="{01B998F4-8103-417C-AF3C-B5E3C74782CC}" type="slidenum">
               <a:rPr lang="ru-RU" smtClean="0"/>
-              <a:t>18</a:t>
+              <a:t>17</a:t>
             </a:fld>
             <a:endParaRPr lang="ru-RU"/>
           </a:p>
@@ -1771,60 +1782,155 @@
           <a:bodyPr/>
           <a:lstStyle/>
           <a:p>
-            <a:r>
-              <a:rPr lang="ru-RU" dirty="0" smtClean="0"/>
-              <a:t>Пример из практики</a:t>
-            </a:r>
-          </a:p>
-          <a:p>
+            <a:pPr>
+              <a:lnSpc>
+                <a:spcPct val="150000"/>
+              </a:lnSpc>
+            </a:pPr>
+            <a:r>
+              <a:rPr lang="ru-RU" dirty="0" smtClean="0"/>
+              <a:t>Добавьте</a:t>
+            </a:r>
+            <a:r>
+              <a:rPr lang="ru-RU" baseline="0" dirty="0" smtClean="0"/>
+              <a:t> реализацию </a:t>
+            </a:r>
+            <a:r>
+              <a:rPr lang="en-US" baseline="0" dirty="0" smtClean="0"/>
+              <a:t>INPC </a:t>
+            </a:r>
+            <a:r>
+              <a:rPr lang="ru-RU" baseline="0" dirty="0" smtClean="0"/>
+              <a:t>для классов модели, которые планируется отображать на представлении. Как именно это будет сделано – отдельный вопрос. Тут и </a:t>
+            </a:r>
+            <a:r>
+              <a:rPr lang="ru-RU" baseline="0" dirty="0" err="1" smtClean="0"/>
+              <a:t>реактивки</a:t>
+            </a:r>
+            <a:r>
+              <a:rPr lang="ru-RU" baseline="0" dirty="0" smtClean="0"/>
+              <a:t>, и промежуточные инфраструктурные классы.</a:t>
+            </a:r>
             <a:endParaRPr lang="ru-RU" dirty="0" smtClean="0"/>
           </a:p>
           <a:p>
-            <a:r>
-              <a:rPr lang="ru-RU" dirty="0" smtClean="0"/>
-              <a:t>Используем</a:t>
+            <a:pPr>
+              <a:lnSpc>
+                <a:spcPct val="150000"/>
+              </a:lnSpc>
+            </a:pPr>
+            <a:r>
+              <a:rPr lang="en-US" dirty="0" smtClean="0"/>
+              <a:t>Static </a:t>
+            </a:r>
+            <a:r>
+              <a:rPr lang="en-US" dirty="0" smtClean="0"/>
+              <a:t>– </a:t>
+            </a:r>
+            <a:r>
+              <a:rPr lang="ru-RU" dirty="0" smtClean="0"/>
+              <a:t>очень большое </a:t>
+            </a:r>
+            <a:r>
+              <a:rPr lang="ru-RU" dirty="0" smtClean="0"/>
+              <a:t>зло.</a:t>
             </a:r>
             <a:r>
               <a:rPr lang="ru-RU" baseline="0" dirty="0" smtClean="0"/>
+              <a:t> Сведите использование этого модификатора к минимуму.</a:t>
+            </a:r>
+            <a:endParaRPr lang="ru-RU" dirty="0" smtClean="0"/>
+          </a:p>
+          <a:p>
+            <a:pPr>
+              <a:lnSpc>
+                <a:spcPct val="150000"/>
+              </a:lnSpc>
+            </a:pPr>
+            <a:r>
+              <a:rPr lang="en-US" dirty="0" err="1" smtClean="0"/>
+              <a:t>IDisposable</a:t>
+            </a:r>
+            <a:r>
+              <a:rPr lang="en-US" dirty="0" smtClean="0"/>
+              <a:t> – </a:t>
+            </a:r>
+            <a:r>
+              <a:rPr lang="ru-RU" dirty="0" smtClean="0"/>
+              <a:t>наш верный друг и </a:t>
+            </a:r>
+            <a:r>
+              <a:rPr lang="ru-RU" dirty="0" smtClean="0"/>
+              <a:t>помощник. Привыкайте</a:t>
+            </a:r>
+            <a:r>
+              <a:rPr lang="ru-RU" baseline="0" dirty="0" smtClean="0"/>
+              <a:t> к тому, что во многих частях вашего приложения вам придется руками освобождать/очищать проблемные ресурсы. </a:t>
+            </a:r>
+            <a:endParaRPr lang="ru-RU" dirty="0" smtClean="0"/>
+          </a:p>
+          <a:p>
+            <a:pPr>
+              <a:lnSpc>
+                <a:spcPct val="150000"/>
+              </a:lnSpc>
+            </a:pPr>
+            <a:r>
+              <a:rPr lang="ru-RU" dirty="0" smtClean="0"/>
+              <a:t>Грамотная архитектура</a:t>
+            </a:r>
+            <a:r>
+              <a:rPr lang="en-US" dirty="0" smtClean="0"/>
               <a:t> </a:t>
             </a:r>
             <a:r>
-              <a:rPr lang="en-US" baseline="0" dirty="0" err="1" smtClean="0"/>
-              <a:t>EventAggregator</a:t>
-            </a:r>
-            <a:r>
-              <a:rPr lang="en-US" baseline="0" dirty="0" smtClean="0"/>
-              <a:t>, </a:t>
+              <a:rPr lang="ru-RU" dirty="0" smtClean="0"/>
+              <a:t>спасает от большинства проблем – пример с </a:t>
+            </a:r>
+            <a:r>
+              <a:rPr lang="en-US" dirty="0" err="1" smtClean="0"/>
+              <a:t>CommandBinding</a:t>
+            </a:r>
+            <a:r>
+              <a:rPr lang="en-US" dirty="0" smtClean="0"/>
+              <a:t> </a:t>
+            </a:r>
+            <a:r>
+              <a:rPr lang="ru-RU" dirty="0" smtClean="0"/>
+              <a:t>и явной</a:t>
             </a:r>
             <a:r>
               <a:rPr lang="ru-RU" baseline="0" dirty="0" smtClean="0"/>
-              <a:t>регистрируем единственный экземпляр в </a:t>
-            </a:r>
-            <a:r>
-              <a:rPr lang="en-US" baseline="0" dirty="0" smtClean="0"/>
-              <a:t>DI </a:t>
-            </a:r>
-            <a:r>
-              <a:rPr lang="ru-RU" baseline="0" dirty="0" smtClean="0"/>
-              <a:t>контейнере. В одной </a:t>
-            </a:r>
-            <a:r>
-              <a:rPr lang="en-US" baseline="0" dirty="0" smtClean="0"/>
-              <a:t>View </a:t>
-            </a:r>
-            <a:r>
-              <a:rPr lang="ru-RU" baseline="0" dirty="0" smtClean="0"/>
-              <a:t>подписывались на получение сообщений через </a:t>
-            </a:r>
-            <a:r>
-              <a:rPr lang="en-US" baseline="0" dirty="0" err="1" smtClean="0"/>
-              <a:t>EventAggregator</a:t>
-            </a:r>
-            <a:r>
-              <a:rPr lang="en-US" baseline="0" dirty="0" smtClean="0"/>
-              <a:t>, </a:t>
-            </a:r>
-            <a:endParaRPr lang="ru-RU" dirty="0"/>
+              <a:t> ссылкой одного представления на другое</a:t>
+            </a:r>
+            <a:endParaRPr lang="ru-RU" dirty="0" smtClean="0"/>
+          </a:p>
+          <a:p>
+            <a:pPr>
+              <a:lnSpc>
+                <a:spcPct val="150000"/>
+              </a:lnSpc>
+            </a:pPr>
+            <a:r>
+              <a:rPr lang="ru-RU" dirty="0" smtClean="0"/>
+              <a:t>Следим за событиями</a:t>
+            </a:r>
+            <a:r>
+              <a:rPr lang="en-US" dirty="0" smtClean="0"/>
+              <a:t> </a:t>
+            </a:r>
+            <a:r>
+              <a:rPr lang="ru-RU" dirty="0" smtClean="0"/>
+              <a:t>и отписываемся от них, если возможно. Если невозможно – </a:t>
+            </a:r>
+            <a:r>
+              <a:rPr lang="en-US" dirty="0" smtClean="0"/>
+              <a:t>Weak Event pattern </a:t>
+            </a:r>
+            <a:r>
+              <a:rPr lang="ru-RU" dirty="0" smtClean="0"/>
+              <a:t>вам в помощь</a:t>
+            </a:r>
           </a:p>
         </p:txBody>
       </p:sp>
@@ -1845,7 +1951,7 @@
           <a:p>
             <a:fld id="{01B998F4-8103-417C-AF3C-B5E3C74782CC}" type="slidenum">
               <a:rPr lang="ru-RU" smtClean="0"/>
-              <a:t>19</a:t>
+              <a:t>18</a:t>
             </a:fld>
             <a:endParaRPr lang="ru-RU"/>
           </a:p>
@@ -1854,7 +1960,7 @@
     </p:spTree>
     <p:extLst>
       <p:ext uri="{BB962C8B-B14F-4D97-AF65-F5344CB8AC3E}">
-        <p14:creationId xmlns:p14="http://schemas.microsoft.com/office/powerpoint/2010/main" val="2826734776"/>
+        <p14:creationId xmlns:p14="http://schemas.microsoft.com/office/powerpoint/2010/main" val="2892617012"/>
       </p:ext>
     </p:extLst>
   </p:cSld>
@@ -1908,102 +2014,23 @@
           <a:bodyPr/>
           <a:lstStyle/>
           <a:p>
-            <a:pPr>
-              <a:lnSpc>
-                <a:spcPct val="150000"/>
-              </a:lnSpc>
-            </a:pPr>
-            <a:r>
-              <a:rPr lang="en-US" dirty="0" smtClean="0"/>
-              <a:t>Static – </a:t>
-            </a:r>
-            <a:r>
-              <a:rPr lang="ru-RU" dirty="0" smtClean="0"/>
-              <a:t>очень большое зло </a:t>
-            </a:r>
-          </a:p>
-          <a:p>
-            <a:pPr>
-              <a:lnSpc>
-                <a:spcPct val="150000"/>
-              </a:lnSpc>
-            </a:pPr>
-            <a:r>
-              <a:rPr lang="en-US" dirty="0" err="1" smtClean="0"/>
-              <a:t>IDisposable</a:t>
-            </a:r>
-            <a:r>
-              <a:rPr lang="en-US" dirty="0" smtClean="0"/>
-              <a:t> – </a:t>
-            </a:r>
-            <a:r>
-              <a:rPr lang="ru-RU" dirty="0" smtClean="0"/>
-              <a:t>наш верный друг и помощник</a:t>
-            </a:r>
-          </a:p>
-          <a:p>
-            <a:pPr>
-              <a:lnSpc>
-                <a:spcPct val="150000"/>
-              </a:lnSpc>
-            </a:pPr>
-            <a:r>
-              <a:rPr lang="ru-RU" dirty="0" smtClean="0"/>
-              <a:t>Грамотная архитектура</a:t>
-            </a:r>
-            <a:r>
-              <a:rPr lang="en-US" dirty="0" smtClean="0"/>
-              <a:t> </a:t>
-            </a:r>
-            <a:r>
-              <a:rPr lang="ru-RU" dirty="0" smtClean="0"/>
-              <a:t>спасает от большинства проблем – пример с </a:t>
-            </a:r>
-            <a:r>
-              <a:rPr lang="en-US" dirty="0" err="1" smtClean="0"/>
-              <a:t>CommandBinding</a:t>
-            </a:r>
-            <a:r>
-              <a:rPr lang="en-US" dirty="0" smtClean="0"/>
-              <a:t> </a:t>
-            </a:r>
-            <a:r>
-              <a:rPr lang="ru-RU" dirty="0" smtClean="0"/>
-              <a:t>и явной</a:t>
+            <a:r>
+              <a:rPr lang="ru-RU" dirty="0" smtClean="0"/>
+              <a:t>Желательно выбирать профилировщик, который дает</a:t>
             </a:r>
             <a:r>
               <a:rPr lang="ru-RU" baseline="0" dirty="0" smtClean="0"/>
-              <a:t> ссылкой одного представления на другое</a:t>
-            </a:r>
-            <a:endParaRPr lang="ru-RU" dirty="0" smtClean="0"/>
-          </a:p>
-          <a:p>
-            <a:pPr>
-              <a:lnSpc>
-                <a:spcPct val="150000"/>
-              </a:lnSpc>
-            </a:pPr>
-            <a:r>
-              <a:rPr lang="ru-RU" dirty="0" smtClean="0"/>
-              <a:t>Следим за событиями</a:t>
-            </a:r>
-            <a:r>
-              <a:rPr lang="en-US" dirty="0" smtClean="0"/>
-              <a:t> </a:t>
-            </a:r>
-            <a:r>
-              <a:rPr lang="ru-RU" dirty="0" smtClean="0"/>
-              <a:t>и отписываемся от них, если возможно. Если невозможно – </a:t>
-            </a:r>
-            <a:r>
-              <a:rPr lang="en-US" dirty="0" smtClean="0"/>
-              <a:t>Weak Event pattern </a:t>
-            </a:r>
-            <a:r>
-              <a:rPr lang="ru-RU" dirty="0" smtClean="0"/>
-              <a:t>вам в помощь</a:t>
-            </a:r>
-            <a:endParaRPr lang="ru-RU" dirty="0" smtClean="0"/>
+              <a:t> подсказки для </a:t>
+            </a:r>
+            <a:r>
+              <a:rPr lang="en-US" baseline="0" dirty="0" smtClean="0"/>
+              <a:t>WPF </a:t>
+            </a:r>
+            <a:r>
+              <a:rPr lang="ru-RU" baseline="0" dirty="0" smtClean="0"/>
+              <a:t>приложений или же позволяет построить граф зависимостей, чтобы увидеть конкретную утечку</a:t>
+            </a:r>
+            <a:endParaRPr lang="ru-RU" dirty="0"/>
           </a:p>
         </p:txBody>
       </p:sp>
@@ -2024,7 +2051,7 @@
           <a:p>
             <a:fld id="{01B998F4-8103-417C-AF3C-B5E3C74782CC}" type="slidenum">
               <a:rPr lang="ru-RU" smtClean="0"/>
-              <a:t>20</a:t>
+              <a:t>19</a:t>
             </a:fld>
             <a:endParaRPr lang="ru-RU"/>
           </a:p>
@@ -2033,7 +2060,7 @@
     </p:spTree>
     <p:extLst>
       <p:ext uri="{BB962C8B-B14F-4D97-AF65-F5344CB8AC3E}">
-        <p14:creationId xmlns:p14="http://schemas.microsoft.com/office/powerpoint/2010/main" val="2892617012"/>
+        <p14:creationId xmlns:p14="http://schemas.microsoft.com/office/powerpoint/2010/main" val="289175959"/>
       </p:ext>
     </p:extLst>
   </p:cSld>
@@ -2088,20 +2115,85 @@
           <a:lstStyle/>
           <a:p>
             <a:r>
-              <a:rPr lang="ru-RU" dirty="0" smtClean="0"/>
-              <a:t>Желательно выбирать профилировщик, который дает</a:t>
-            </a:r>
-            <a:r>
               <a:rPr lang="ru-RU" baseline="0" dirty="0" smtClean="0"/>
-              <a:t> подсказки для </a:t>
+              <a:t>Существует куда больше инструментов для профилировки памяти, но доклад все же посвящен не сравнению профилировщиков </a:t>
+            </a:r>
+            <a:r>
+              <a:rPr lang="ru-RU" baseline="0" dirty="0" smtClean="0">
+                <a:sym typeface="Wingdings" panose="05000000000000000000" pitchFamily="2" charset="2"/>
+              </a:rPr>
+              <a:t></a:t>
+            </a:r>
+          </a:p>
+          <a:p>
+            <a:endParaRPr lang="ru-RU" baseline="0" dirty="0" smtClean="0">
+              <a:sym typeface="Wingdings" panose="05000000000000000000" pitchFamily="2" charset="2"/>
+            </a:endParaRPr>
+          </a:p>
+          <a:p>
+            <a:pPr marL="0" marR="0" indent="0" algn="l" defTabSz="914400" rtl="0" eaLnBrk="1" fontAlgn="auto" latinLnBrk="0" hangingPunct="1">
+              <a:lnSpc>
+                <a:spcPct val="100000"/>
+              </a:lnSpc>
+              <a:spcBef>
+                <a:spcPts val="0"/>
+              </a:spcBef>
+              <a:spcAft>
+                <a:spcPts val="0"/>
+              </a:spcAft>
+              <a:buClrTx/>
+              <a:buSzTx/>
+              <a:buFontTx/>
+              <a:buNone/>
+              <a:tabLst/>
+              <a:defRPr/>
+            </a:pPr>
+            <a:r>
+              <a:rPr lang="ru-RU" dirty="0" smtClean="0"/>
+              <a:t>На</a:t>
+            </a:r>
+            <a:r>
+              <a:rPr lang="ru-RU" baseline="0" dirty="0" smtClean="0"/>
+              <a:t> боевом приложении тестировались: </a:t>
+            </a:r>
+            <a:r>
+              <a:rPr lang="en-US" baseline="0" dirty="0" err="1" smtClean="0"/>
+              <a:t>dotMemory</a:t>
             </a:r>
             <a:r>
               <a:rPr lang="en-US" baseline="0" dirty="0" smtClean="0"/>
-              <a:t>WPF </a:t>
+              <a:t>, </a:t>
+            </a:r>
+            <a:r>
+              <a:rPr lang="en-US" baseline="0" dirty="0" err="1" smtClean="0"/>
+              <a:t>dotNet</a:t>
+            </a:r>
+            <a:r>
+              <a:rPr lang="en-US" baseline="0" dirty="0" smtClean="0"/>
+              <a:t> Memory Profiler, ANTS Memory Profiler</a:t>
             </a:r>
             <a:r>
               <a:rPr lang="ru-RU" baseline="0" dirty="0" smtClean="0"/>
-              <a:t>приложений или же позволяет построить граф зависимостей, чтобы увидеть конкретную утечку</a:t>
+              <a:t>. Конечно же </a:t>
+            </a:r>
+            <a:r>
+              <a:rPr lang="ru-RU" baseline="0" dirty="0" err="1" smtClean="0"/>
+              <a:t>триальные</a:t>
+            </a:r>
+            <a:r>
+              <a:rPr lang="ru-RU" baseline="0" dirty="0" smtClean="0"/>
+              <a:t> версии</a:t>
+            </a:r>
+            <a:endParaRPr lang="en-US" baseline="0" dirty="0" smtClean="0"/>
+          </a:p>
+          <a:p>
+            <a:r>
+              <a:rPr lang="ru-RU" dirty="0" smtClean="0"/>
+              <a:t>На</a:t>
+            </a:r>
+            <a:r>
+              <a:rPr lang="ru-RU" baseline="0" dirty="0" smtClean="0"/>
+              <a:t> практике они давали одинаковые результаты – не было ситуации, при которой один профилировщик нашел утечку, а другой нет</a:t>
             </a:r>
             <a:endParaRPr lang="ru-RU" dirty="0"/>
           </a:p>
@@ -2124,7 +2216,7 @@
           <a:p>
             <a:fld id="{01B998F4-8103-417C-AF3C-B5E3C74782CC}" type="slidenum">
               <a:rPr lang="ru-RU" smtClean="0"/>
-              <a:t>21</a:t>
+              <a:t>20</a:t>
             </a:fld>
             <a:endParaRPr lang="ru-RU"/>
           </a:p>
@@ -2133,7 +2225,7 @@
     </p:spTree>
     <p:extLst>
       <p:ext uri="{BB962C8B-B14F-4D97-AF65-F5344CB8AC3E}">
-        <p14:creationId xmlns:p14="http://schemas.microsoft.com/office/powerpoint/2010/main" val="289175959"/>
+        <p14:creationId xmlns:p14="http://schemas.microsoft.com/office/powerpoint/2010/main" val="3657678531"/>
       </p:ext>
     </p:extLst>
   </p:cSld>
@@ -2257,171 +2349,6 @@
 </p:notes>
 </file>
 
-<file path=ppt/notesSlides/notesSlide20.xml><?xml version="1.0" encoding="utf-8"?>
-<p:notes xmlns:a="http://schemas.openxmlformats.org/drawingml/2006/main" xmlns:r="http://schemas.openxmlformats.org/officeDocument/2006/relationships" xmlns:p="http://schemas.openxmlformats.org/presentationml/2006/main">
-  <p:cSld>
-    <p:spTree>
-      <p:nvGrpSpPr>
-        <p:cNvPr id="1" name=""/>
-        <p:cNvGrpSpPr/>
-        <p:nvPr/>
-      </p:nvGrpSpPr>
-      <p:grpSpPr>
-        <a:xfrm>
-          <a:off x="0" y="0"/>
-          <a:ext cx="0" cy="0"/>
-          <a:chOff x="0" y="0"/>
-          <a:chExt cx="0" cy="0"/>
-        </a:xfrm>
-      </p:grpSpPr>
-      <p:sp>
-        <p:nvSpPr>
-          <p:cNvPr id="2" name="Образ слайда 1"/>
-          <p:cNvSpPr>
-            <a:spLocks noGrp="1" noRot="1" noChangeAspect="1"/>
-          </p:cNvSpPr>
-          <p:nvPr>
-            <p:ph type="sldImg"/>
-          </p:nvPr>
-        </p:nvSpPr>
-        <p:spPr/>
-      </p:sp>
-      <p:sp>
-        <p:nvSpPr>
-          <p:cNvPr id="3" name="Заметки 2"/>
-          <p:cNvSpPr>
-            <a:spLocks noGrp="1"/>
-          </p:cNvSpPr>
-          <p:nvPr>
-            <p:ph type="body" idx="1"/>
-          </p:nvPr>
-        </p:nvSpPr>
-        <p:spPr/>
-        <p:txBody>
-          <a:bodyPr/>
-          <a:lstStyle/>
-          <a:p>
-            <a:r>
-              <a:rPr lang="ru-RU" baseline="0" dirty="0" smtClean="0"/>
-              <a:t>Существует куда больше инструментов для профилировки памяти, но доклад все же посвящен не сравнению профилировщиков </a:t>
-            </a:r>
-            <a:r>
-              <a:rPr lang="ru-RU" baseline="0" dirty="0" smtClean="0">
-                <a:sym typeface="Wingdings" panose="05000000000000000000" pitchFamily="2" charset="2"/>
-              </a:rPr>
-              <a:t></a:t>
-            </a:r>
-          </a:p>
-          <a:p>
-            <a:endParaRPr lang="ru-RU" baseline="0" dirty="0" smtClean="0">
-              <a:sym typeface="Wingdings" panose="05000000000000000000" pitchFamily="2" charset="2"/>
-            </a:endParaRPr>
-          </a:p>
-          <a:p>
-            <a:pPr marL="0" marR="0" indent="0" algn="l" defTabSz="914400" rtl="0" eaLnBrk="1" fontAlgn="auto" latinLnBrk="0" hangingPunct="1">
-              <a:lnSpc>
-                <a:spcPct val="100000"/>
-              </a:lnSpc>
-              <a:spcBef>
-                <a:spcPts val="0"/>
-              </a:spcBef>
-              <a:spcAft>
-                <a:spcPts val="0"/>
-              </a:spcAft>
-              <a:buClrTx/>
-              <a:buSzTx/>
-              <a:buFontTx/>
-              <a:buNone/>
-              <a:tabLst/>
-              <a:defRPr/>
-            </a:pPr>
-            <a:r>
-              <a:rPr lang="ru-RU" dirty="0" smtClean="0"/>
-              <a:t>На</a:t>
-            </a:r>
-            <a:r>
-              <a:rPr lang="ru-RU" baseline="0" dirty="0" smtClean="0"/>
-              <a:t> боевом приложении тестировались: </a:t>
-            </a:r>
-            <a:r>
-              <a:rPr lang="en-US" baseline="0" dirty="0" err="1" smtClean="0"/>
-              <a:t>dotMemory</a:t>
-            </a:r>
-            <a:r>
-              <a:rPr lang="en-US" baseline="0" dirty="0" smtClean="0"/>
-              <a:t>, </a:t>
-            </a:r>
-            <a:r>
-              <a:rPr lang="en-US" baseline="0" dirty="0" err="1" smtClean="0"/>
-              <a:t>dotNet</a:t>
-            </a:r>
-            <a:r>
-              <a:rPr lang="en-US" baseline="0" dirty="0" smtClean="0"/>
-              <a:t> Memory Profiler, ANTS Memory Profiler</a:t>
-            </a:r>
-            <a:r>
-              <a:rPr lang="ru-RU" baseline="0" dirty="0" smtClean="0"/>
-              <a:t>. Конечно же </a:t>
-            </a:r>
-            <a:r>
-              <a:rPr lang="ru-RU" baseline="0" dirty="0" err="1" smtClean="0"/>
-              <a:t>триальные</a:t>
-            </a:r>
-            <a:r>
-              <a:rPr lang="ru-RU" baseline="0" dirty="0" smtClean="0"/>
-              <a:t> версии</a:t>
-            </a:r>
-            <a:endParaRPr lang="en-US" baseline="0" dirty="0" smtClean="0"/>
-          </a:p>
-          <a:p>
-            <a:r>
-              <a:rPr lang="ru-RU" dirty="0" smtClean="0"/>
-              <a:t>На</a:t>
-            </a:r>
-            <a:r>
-              <a:rPr lang="ru-RU" baseline="0" dirty="0" smtClean="0"/>
-              <a:t> практике они давали одинаковые результаты – не было ситуации, при которой один профилировщик нашел утечку, а другой нет</a:t>
-            </a:r>
-            <a:endParaRPr lang="ru-RU" dirty="0"/>
-          </a:p>
-        </p:txBody>
-      </p:sp>
-      <p:sp>
-        <p:nvSpPr>
-          <p:cNvPr id="4" name="Номер слайда 3"/>
-          <p:cNvSpPr>
-            <a:spLocks noGrp="1"/>
-          </p:cNvSpPr>
-          <p:nvPr>
-            <p:ph type="sldNum" sz="quarter" idx="10"/>
-          </p:nvPr>
-        </p:nvSpPr>
-        <p:spPr/>
-        <p:txBody>
-          <a:bodyPr/>
-          <a:lstStyle/>
-          <a:p>
-            <a:fld id="{01B998F4-8103-417C-AF3C-B5E3C74782CC}" type="slidenum">
-              <a:rPr lang="ru-RU" smtClean="0"/>
-              <a:t>22</a:t>
-            </a:fld>
-            <a:endParaRPr lang="ru-RU"/>
-          </a:p>
-        </p:txBody>
-      </p:sp>
-    </p:spTree>
-    <p:extLst>
-      <p:ext uri="{BB962C8B-B14F-4D97-AF65-F5344CB8AC3E}">
-        <p14:creationId xmlns:p14="http://schemas.microsoft.com/office/powerpoint/2010/main" val="3657678531"/>
-      </p:ext>
-    </p:extLst>
-  </p:cSld>
-  <p:clrMapOvr>
-    <a:masterClrMapping/>
-  </p:clrMapOvr>
-</p:notes>
-</file>
-
 <file path=ppt/notesSlides/notesSlide3.xml><?xml version="1.0" encoding="utf-8"?>
 <p:notes xmlns:a="http://schemas.openxmlformats.org/drawingml/2006/main" xmlns:r="http://schemas.openxmlformats.org/officeDocument/2006/relationships" xmlns:p="http://schemas.openxmlformats.org/presentationml/2006/main">
   <p:cSld>
@@ -2477,15 +2404,7 @@
             </a:pPr>
             <a:r>
               <a:rPr lang="ru-RU" dirty="0" smtClean="0"/>
-              <a:t>Загрузить </a:t>
-            </a:r>
-            <a:r>
-              <a:rPr lang="ru-RU" dirty="0" smtClean="0"/>
-              <a:t>объект </a:t>
-            </a:r>
-            <a:r>
-              <a:rPr lang="ru-RU" dirty="0" smtClean="0"/>
-              <a:t>из </a:t>
+              <a:t>Загрузить объект из </a:t>
             </a:r>
             <a:r>
               <a:rPr lang="ru-RU" dirty="0" err="1" smtClean="0"/>
@@ -2515,11 +2434,7 @@
             </a:pPr>
             <a:r>
               <a:rPr lang="ru-RU" baseline="0" dirty="0" smtClean="0"/>
-              <a:t>Показать много объектов</a:t>
-            </a:r>
-            <a:r>
-              <a:rPr lang="ru-RU" baseline="0" dirty="0" smtClean="0"/>
-              <a:t>;</a:t>
+              <a:t>Показать много объектов;</a:t>
             </a:r>
           </a:p>
           <a:p>
@@ -2716,31 +2631,6 @@
           <a:bodyPr/>
           <a:lstStyle/>
           <a:p>
-            <a:r>
-              <a:rPr lang="ru-RU" dirty="0" smtClean="0"/>
-              <a:t>В своих примерах я использую данный «тяжелый» объект,</a:t>
-            </a:r>
-            <a:r>
-              <a:rPr lang="ru-RU" baseline="0" dirty="0" smtClean="0"/>
-              <a:t> чтобы проще было отслеживать утечки памяти. Все же 50 </a:t>
-            </a:r>
-            <a:r>
-              <a:rPr lang="ru-RU" baseline="0" dirty="0" err="1" smtClean="0"/>
-              <a:t>мб</a:t>
-            </a:r>
-            <a:r>
-              <a:rPr lang="ru-RU" baseline="0" dirty="0" smtClean="0"/>
-              <a:t> можно заметить сразу</a:t>
-            </a:r>
-          </a:p>
-          <a:p>
-            <a:endParaRPr lang="ru-RU" baseline="0" dirty="0" smtClean="0"/>
-          </a:p>
-          <a:p>
-            <a:r>
-              <a:rPr lang="ru-RU" baseline="0" dirty="0" smtClean="0"/>
-              <a:t>Сперва разберемся с презентацией, а уже после нее </a:t>
-            </a:r>
             <a:endParaRPr lang="ru-RU" dirty="0"/>
           </a:p>
         </p:txBody>
@@ -2771,7 +2661,7 @@
     </p:spTree>
     <p:extLst>
       <p:ext uri="{BB962C8B-B14F-4D97-AF65-F5344CB8AC3E}">
-        <p14:creationId xmlns:p14="http://schemas.microsoft.com/office/powerpoint/2010/main" val="383324712"/>
+        <p14:creationId xmlns:p14="http://schemas.microsoft.com/office/powerpoint/2010/main" val="2121009862"/>
       </p:ext>
     </p:extLst>
   </p:cSld>
@@ -2825,7 +2715,557 @@
           <a:bodyPr/>
           <a:lstStyle/>
           <a:p>
-            <a:endParaRPr lang="ru-RU" dirty="0"/>
+            <a:pPr marL="0" marR="0" lvl="0" indent="0" algn="l" defTabSz="914400" rtl="0" eaLnBrk="1" fontAlgn="auto" latinLnBrk="0" hangingPunct="1">
+              <a:lnSpc>
+                <a:spcPct val="100000"/>
+              </a:lnSpc>
+              <a:spcBef>
+                <a:spcPts val="0"/>
+              </a:spcBef>
+              <a:spcAft>
+                <a:spcPts val="0"/>
+              </a:spcAft>
+              <a:buClrTx/>
+              <a:buSzTx/>
+              <a:buFontTx/>
+              <a:buNone/>
+              <a:tabLst/>
+              <a:defRPr/>
+            </a:pPr>
+            <a:r>
+              <a:rPr lang="en-US" dirty="0" smtClean="0"/>
+              <a:t>Binding – </a:t>
+            </a:r>
+            <a:r>
+              <a:rPr lang="ru-RU" dirty="0" smtClean="0"/>
+              <a:t>декларативная</a:t>
+            </a:r>
+            <a:r>
+              <a:rPr lang="ru-RU" baseline="0" dirty="0" smtClean="0"/>
+              <a:t> реализация паттерна </a:t>
+            </a:r>
+            <a:r>
+              <a:rPr lang="en-US" baseline="0" dirty="0" smtClean="0"/>
+              <a:t>Observer</a:t>
+            </a:r>
+          </a:p>
+          <a:p>
+            <a:pPr marL="0" marR="0" lvl="0" indent="0" algn="l" defTabSz="914400" rtl="0" eaLnBrk="1" fontAlgn="auto" latinLnBrk="0" hangingPunct="1">
+              <a:lnSpc>
+                <a:spcPct val="100000"/>
+              </a:lnSpc>
+              <a:spcBef>
+                <a:spcPts val="0"/>
+              </a:spcBef>
+              <a:spcAft>
+                <a:spcPts val="0"/>
+              </a:spcAft>
+              <a:buClrTx/>
+              <a:buSzTx/>
+              <a:buFontTx/>
+              <a:buNone/>
+              <a:tabLst/>
+              <a:defRPr/>
+            </a:pPr>
+            <a:r>
+              <a:rPr lang="ru-RU" baseline="0" dirty="0" smtClean="0"/>
+              <a:t>Объект -  источник</a:t>
+            </a:r>
+          </a:p>
+          <a:p>
+            <a:pPr marL="0" marR="0" lvl="0" indent="0" algn="l" defTabSz="914400" rtl="0" eaLnBrk="1" fontAlgn="auto" latinLnBrk="0" hangingPunct="1">
+              <a:lnSpc>
+                <a:spcPct val="100000"/>
+              </a:lnSpc>
+              <a:spcBef>
+                <a:spcPts val="0"/>
+              </a:spcBef>
+              <a:spcAft>
+                <a:spcPts val="0"/>
+              </a:spcAft>
+              <a:buClrTx/>
+              <a:buSzTx/>
+              <a:buFontTx/>
+              <a:buNone/>
+              <a:tabLst/>
+              <a:defRPr/>
+            </a:pPr>
+            <a:r>
+              <a:rPr lang="ru-RU" baseline="0" dirty="0" smtClean="0"/>
+              <a:t>Подписант – </a:t>
+            </a:r>
+            <a:r>
+              <a:rPr lang="ru-RU" baseline="0" dirty="0" err="1" smtClean="0"/>
+              <a:t>вьюха</a:t>
+            </a:r>
+            <a:endParaRPr lang="en-US" baseline="0" dirty="0" smtClean="0"/>
+          </a:p>
+          <a:p>
+            <a:pPr marL="0" marR="0" lvl="0" indent="0" algn="l" defTabSz="914400" rtl="0" eaLnBrk="1" fontAlgn="auto" latinLnBrk="0" hangingPunct="1">
+              <a:lnSpc>
+                <a:spcPct val="100000"/>
+              </a:lnSpc>
+              <a:spcBef>
+                <a:spcPts val="0"/>
+              </a:spcBef>
+              <a:spcAft>
+                <a:spcPts val="0"/>
+              </a:spcAft>
+              <a:buClrTx/>
+              <a:buSzTx/>
+              <a:buFontTx/>
+              <a:buNone/>
+              <a:tabLst/>
+              <a:defRPr/>
+            </a:pPr>
+            <a:r>
+              <a:rPr lang="en-US" baseline="0" dirty="0" smtClean="0"/>
+              <a:t>Binding </a:t>
+            </a:r>
+            <a:r>
+              <a:rPr lang="ru-RU" baseline="0" dirty="0" smtClean="0"/>
+              <a:t>на свойство </a:t>
+            </a:r>
+            <a:r>
+              <a:rPr lang="en-US" baseline="0" dirty="0" smtClean="0"/>
+              <a:t>UI </a:t>
+            </a:r>
+            <a:r>
+              <a:rPr lang="ru-RU" baseline="0" dirty="0" smtClean="0"/>
+              <a:t>элемента, которое не </a:t>
+            </a:r>
+            <a:r>
+              <a:rPr lang="en-US" baseline="0" dirty="0" err="1" smtClean="0"/>
+              <a:t>DependencyProperty</a:t>
+            </a:r>
+            <a:r>
+              <a:rPr lang="en-US" baseline="0" dirty="0" smtClean="0"/>
+              <a:t> – </a:t>
+            </a:r>
+            <a:r>
+              <a:rPr lang="en-US" baseline="0" dirty="0" err="1" smtClean="0"/>
+              <a:t>DataBinding</a:t>
+            </a:r>
+            <a:r>
+              <a:rPr lang="en-US" baseline="0" dirty="0" smtClean="0"/>
+              <a:t> Leak</a:t>
+            </a:r>
+          </a:p>
+          <a:p>
+            <a:pPr marL="0" marR="0" lvl="0" indent="0" algn="l" defTabSz="914400" rtl="0" eaLnBrk="1" fontAlgn="auto" latinLnBrk="0" hangingPunct="1">
+              <a:lnSpc>
+                <a:spcPct val="100000"/>
+              </a:lnSpc>
+              <a:spcBef>
+                <a:spcPts val="0"/>
+              </a:spcBef>
+              <a:spcAft>
+                <a:spcPts val="0"/>
+              </a:spcAft>
+              <a:buClrTx/>
+              <a:buSzTx/>
+              <a:buFontTx/>
+              <a:buNone/>
+              <a:tabLst/>
+              <a:defRPr/>
+            </a:pPr>
+            <a:endParaRPr lang="ru-RU" sz="1200" b="0" i="0" kern="1200" dirty="0" smtClean="0">
+              <a:solidFill>
+                <a:schemeClr val="tx1"/>
+              </a:solidFill>
+              <a:effectLst/>
+              <a:latin typeface="+mn-lt"/>
+              <a:ea typeface="+mn-ea"/>
+              <a:cs typeface="+mn-cs"/>
+            </a:endParaRPr>
+          </a:p>
+          <a:p>
+            <a:pPr marL="0" marR="0" lvl="0" indent="0" algn="l" defTabSz="914400" rtl="0" eaLnBrk="1" fontAlgn="auto" latinLnBrk="0" hangingPunct="1">
+              <a:lnSpc>
+                <a:spcPct val="100000"/>
+              </a:lnSpc>
+              <a:spcBef>
+                <a:spcPts val="0"/>
+              </a:spcBef>
+              <a:spcAft>
+                <a:spcPts val="0"/>
+              </a:spcAft>
+              <a:buClrTx/>
+              <a:buSzTx/>
+              <a:buFontTx/>
+              <a:buNone/>
+              <a:tabLst/>
+              <a:defRPr/>
+            </a:pPr>
+            <a:r>
+              <a:rPr lang="ru-RU" sz="1200" b="0" i="0" kern="1200" dirty="0" smtClean="0">
+                <a:solidFill>
+                  <a:schemeClr val="tx1"/>
+                </a:solidFill>
+                <a:effectLst/>
+                <a:latin typeface="+mn-lt"/>
+                <a:ea typeface="+mn-ea"/>
+                <a:cs typeface="+mn-cs"/>
+              </a:rPr>
+              <a:t>Если свойство, к которому идет привязка, не является </a:t>
+            </a:r>
+            <a:r>
+              <a:rPr lang="ru-RU" sz="1200" b="0" i="0" kern="1200" dirty="0" err="1" smtClean="0">
+                <a:solidFill>
+                  <a:schemeClr val="tx1"/>
+                </a:solidFill>
+                <a:effectLst/>
+                <a:latin typeface="+mn-lt"/>
+                <a:ea typeface="+mn-ea"/>
+                <a:cs typeface="+mn-cs"/>
+              </a:rPr>
+              <a:t>DependencyProperty</a:t>
+            </a:r>
+            <a:r>
+              <a:rPr lang="ru-RU" sz="1200" b="0" i="0" kern="1200" dirty="0" smtClean="0">
+                <a:solidFill>
+                  <a:schemeClr val="tx1"/>
+                </a:solidFill>
+                <a:effectLst/>
+                <a:latin typeface="+mn-lt"/>
+                <a:ea typeface="+mn-ea"/>
+                <a:cs typeface="+mn-cs"/>
+              </a:rPr>
+              <a:t>, либо объект, содержащий его, не реализует </a:t>
+            </a:r>
+            <a:r>
+              <a:rPr lang="ru-RU" sz="1200" b="0" i="0" kern="1200" dirty="0" err="1" smtClean="0">
+                <a:solidFill>
+                  <a:schemeClr val="tx1"/>
+                </a:solidFill>
+                <a:effectLst/>
+                <a:latin typeface="+mn-lt"/>
+                <a:ea typeface="+mn-ea"/>
+                <a:cs typeface="+mn-cs"/>
+              </a:rPr>
+              <a:t>INotifyPropertyChanged</a:t>
+            </a:r>
+            <a:r>
+              <a:rPr lang="ru-RU" sz="1200" b="0" i="0" kern="1200" dirty="0" smtClean="0">
+                <a:solidFill>
+                  <a:schemeClr val="tx1"/>
+                </a:solidFill>
+                <a:effectLst/>
+                <a:latin typeface="+mn-lt"/>
+                <a:ea typeface="+mn-ea"/>
+                <a:cs typeface="+mn-cs"/>
+              </a:rPr>
+              <a:t> — механизм </a:t>
+            </a:r>
+            <a:r>
+              <a:rPr lang="ru-RU" sz="1200" b="0" i="0" kern="1200" dirty="0" err="1" smtClean="0">
+                <a:solidFill>
+                  <a:schemeClr val="tx1"/>
+                </a:solidFill>
+                <a:effectLst/>
+                <a:latin typeface="+mn-lt"/>
+                <a:ea typeface="+mn-ea"/>
+                <a:cs typeface="+mn-cs"/>
+              </a:rPr>
+              <a:t>байндинга</a:t>
+            </a:r>
+            <a:r>
+              <a:rPr lang="ru-RU" sz="1200" b="0" i="0" kern="1200" dirty="0" smtClean="0">
+                <a:solidFill>
+                  <a:schemeClr val="tx1"/>
+                </a:solidFill>
+                <a:effectLst/>
+                <a:latin typeface="+mn-lt"/>
+                <a:ea typeface="+mn-ea"/>
+                <a:cs typeface="+mn-cs"/>
+              </a:rPr>
+              <a:t> использует событие </a:t>
+            </a:r>
+            <a:r>
+              <a:rPr lang="ru-RU" sz="1200" b="0" i="0" kern="1200" dirty="0" err="1" smtClean="0">
+                <a:solidFill>
+                  <a:schemeClr val="tx1"/>
+                </a:solidFill>
+                <a:effectLst/>
+                <a:latin typeface="+mn-lt"/>
+                <a:ea typeface="+mn-ea"/>
+                <a:cs typeface="+mn-cs"/>
+              </a:rPr>
+              <a:t>ValueChanged</a:t>
+            </a:r>
+            <a:r>
+              <a:rPr lang="ru-RU" sz="1200" b="0" i="0" kern="1200" dirty="0" smtClean="0">
+                <a:solidFill>
+                  <a:schemeClr val="tx1"/>
+                </a:solidFill>
+                <a:effectLst/>
+                <a:latin typeface="+mn-lt"/>
+                <a:ea typeface="+mn-ea"/>
+                <a:cs typeface="+mn-cs"/>
+              </a:rPr>
+              <a:t> класса </a:t>
+            </a:r>
+            <a:r>
+              <a:rPr lang="ru-RU" sz="1200" b="0" i="0" kern="1200" dirty="0" err="1" smtClean="0">
+                <a:solidFill>
+                  <a:schemeClr val="tx1"/>
+                </a:solidFill>
+                <a:effectLst/>
+                <a:latin typeface="+mn-lt"/>
+                <a:ea typeface="+mn-ea"/>
+                <a:cs typeface="+mn-cs"/>
+              </a:rPr>
+              <a:t>System.ComponentModel.PropertyDescriptor</a:t>
+            </a:r>
+            <a:r>
+              <a:rPr lang="ru-RU" sz="1200" b="0" i="0" kern="1200" dirty="0" smtClean="0">
+                <a:solidFill>
+                  <a:schemeClr val="tx1"/>
+                </a:solidFill>
+                <a:effectLst/>
+                <a:latin typeface="+mn-lt"/>
+                <a:ea typeface="+mn-ea"/>
+                <a:cs typeface="+mn-cs"/>
+              </a:rPr>
+              <a:t> для отслеживания изменений. Проблема здесь в том, что </a:t>
+            </a:r>
+            <a:r>
+              <a:rPr lang="ru-RU" sz="1200" b="0" i="0" kern="1200" dirty="0" err="1" smtClean="0">
+                <a:solidFill>
+                  <a:schemeClr val="tx1"/>
+                </a:solidFill>
+                <a:effectLst/>
+                <a:latin typeface="+mn-lt"/>
+                <a:ea typeface="+mn-ea"/>
+                <a:cs typeface="+mn-cs"/>
+              </a:rPr>
+              <a:t>фреймворк</a:t>
+            </a:r>
+            <a:r>
+              <a:rPr lang="ru-RU" sz="1200" b="0" i="0" kern="1200" dirty="0" smtClean="0">
+                <a:solidFill>
+                  <a:schemeClr val="tx1"/>
+                </a:solidFill>
+                <a:effectLst/>
+                <a:latin typeface="+mn-lt"/>
+                <a:ea typeface="+mn-ea"/>
+                <a:cs typeface="+mn-cs"/>
+              </a:rPr>
+              <a:t> держит у себя ссылку на экземпляр </a:t>
+            </a:r>
+            <a:r>
+              <a:rPr lang="ru-RU" sz="1200" b="0" i="0" kern="1200" dirty="0" err="1" smtClean="0">
+                <a:solidFill>
+                  <a:schemeClr val="tx1"/>
+                </a:solidFill>
+                <a:effectLst/>
+                <a:latin typeface="+mn-lt"/>
+                <a:ea typeface="+mn-ea"/>
+                <a:cs typeface="+mn-cs"/>
+              </a:rPr>
+              <a:t>PropertyDescriptor</a:t>
+            </a:r>
+            <a:r>
+              <a:rPr lang="ru-RU" sz="1200" b="0" i="0" kern="1200" dirty="0" smtClean="0">
+                <a:solidFill>
+                  <a:schemeClr val="tx1"/>
+                </a:solidFill>
+                <a:effectLst/>
+                <a:latin typeface="+mn-lt"/>
+                <a:ea typeface="+mn-ea"/>
+                <a:cs typeface="+mn-cs"/>
+              </a:rPr>
+              <a:t>, который в свою очередь ссылается на исходный объект, и неясно, когда этот экземпляр можно будет удалить..</a:t>
+            </a:r>
+            <a:endParaRPr lang="en-US" sz="1200" b="0" i="0" kern="1200" dirty="0" smtClean="0">
+              <a:solidFill>
+                <a:schemeClr val="tx1"/>
+              </a:solidFill>
+              <a:effectLst/>
+              <a:latin typeface="+mn-lt"/>
+              <a:ea typeface="+mn-ea"/>
+              <a:cs typeface="+mn-cs"/>
+            </a:endParaRPr>
+          </a:p>
+          <a:p>
+            <a:pPr marL="0" marR="0" lvl="0" indent="0" algn="l" defTabSz="914400" rtl="0" eaLnBrk="1" fontAlgn="auto" latinLnBrk="0" hangingPunct="1">
+              <a:lnSpc>
+                <a:spcPct val="100000"/>
+              </a:lnSpc>
+              <a:spcBef>
+                <a:spcPts val="0"/>
+              </a:spcBef>
+              <a:spcAft>
+                <a:spcPts val="0"/>
+              </a:spcAft>
+              <a:buClrTx/>
+              <a:buSzTx/>
+              <a:buFontTx/>
+              <a:buNone/>
+              <a:tabLst/>
+              <a:defRPr/>
+            </a:pPr>
+            <a:endParaRPr lang="en-US" sz="1200" b="0" i="0" kern="1200" dirty="0" smtClean="0">
+              <a:solidFill>
+                <a:schemeClr val="tx1"/>
+              </a:solidFill>
+              <a:effectLst/>
+              <a:latin typeface="+mn-lt"/>
+              <a:ea typeface="+mn-ea"/>
+              <a:cs typeface="+mn-cs"/>
+            </a:endParaRPr>
+          </a:p>
+          <a:p>
+            <a:pPr marL="0" marR="0" lvl="0" indent="0" algn="l" defTabSz="914400" rtl="0" eaLnBrk="1" fontAlgn="auto" latinLnBrk="0" hangingPunct="1">
+              <a:lnSpc>
+                <a:spcPct val="100000"/>
+              </a:lnSpc>
+              <a:spcBef>
+                <a:spcPts val="0"/>
+              </a:spcBef>
+              <a:spcAft>
+                <a:spcPts val="0"/>
+              </a:spcAft>
+              <a:buClrTx/>
+              <a:buSzTx/>
+              <a:buFontTx/>
+              <a:buNone/>
+              <a:tabLst/>
+              <a:defRPr/>
+            </a:pPr>
+            <a:r>
+              <a:rPr lang="ru-RU" sz="1200" b="0" i="0" kern="1200" dirty="0" smtClean="0">
+                <a:solidFill>
+                  <a:schemeClr val="tx1"/>
+                </a:solidFill>
+                <a:effectLst/>
+                <a:latin typeface="+mn-lt"/>
+                <a:ea typeface="+mn-ea"/>
+                <a:cs typeface="+mn-cs"/>
+              </a:rPr>
+              <a:t>Другая возможная проблема при установке </a:t>
+            </a:r>
+            <a:r>
+              <a:rPr lang="ru-RU" sz="1200" b="0" i="0" kern="1200" dirty="0" err="1" smtClean="0">
+                <a:solidFill>
+                  <a:schemeClr val="tx1"/>
+                </a:solidFill>
+                <a:effectLst/>
+                <a:latin typeface="+mn-lt"/>
+                <a:ea typeface="+mn-ea"/>
+                <a:cs typeface="+mn-cs"/>
+              </a:rPr>
+              <a:t>байндингов</a:t>
+            </a:r>
+            <a:r>
+              <a:rPr lang="ru-RU" sz="1200" b="0" i="0" kern="1200" dirty="0" smtClean="0">
+                <a:solidFill>
+                  <a:schemeClr val="tx1"/>
+                </a:solidFill>
+                <a:effectLst/>
+                <a:latin typeface="+mn-lt"/>
+                <a:ea typeface="+mn-ea"/>
+                <a:cs typeface="+mn-cs"/>
+              </a:rPr>
+              <a:t> — привязка к коллекциям, которые не реализуют интерфейс </a:t>
+            </a:r>
+            <a:r>
+              <a:rPr lang="ru-RU" sz="1200" b="0" i="0" kern="1200" dirty="0" err="1" smtClean="0">
+                <a:solidFill>
+                  <a:schemeClr val="tx1"/>
+                </a:solidFill>
+                <a:effectLst/>
+                <a:latin typeface="+mn-lt"/>
+                <a:ea typeface="+mn-ea"/>
+                <a:cs typeface="+mn-cs"/>
+              </a:rPr>
+              <a:t>INotifyCollectionChanged</a:t>
+            </a:r>
+            <a:r>
+              <a:rPr lang="ru-RU" sz="1200" b="0" i="0" kern="1200" dirty="0" smtClean="0">
+                <a:solidFill>
+                  <a:schemeClr val="tx1"/>
+                </a:solidFill>
+                <a:effectLst/>
+                <a:latin typeface="+mn-lt"/>
+                <a:ea typeface="+mn-ea"/>
+                <a:cs typeface="+mn-cs"/>
+              </a:rPr>
+              <a:t>. Механизм возникновения утечек в этом случае очень похож на предыдущий. Способ борьбы очевиден — нужно либо явно указывать </a:t>
+            </a:r>
+            <a:r>
+              <a:rPr lang="ru-RU" sz="1200" b="0" i="0" kern="1200" dirty="0" err="1" smtClean="0">
+                <a:solidFill>
+                  <a:schemeClr val="tx1"/>
+                </a:solidFill>
+                <a:effectLst/>
+                <a:latin typeface="+mn-lt"/>
+                <a:ea typeface="+mn-ea"/>
+                <a:cs typeface="+mn-cs"/>
+              </a:rPr>
+              <a:t>OneTime</a:t>
+            </a:r>
+            <a:r>
+              <a:rPr lang="ru-RU" sz="1200" b="0" i="0" kern="1200" dirty="0" smtClean="0">
+                <a:solidFill>
+                  <a:schemeClr val="tx1"/>
+                </a:solidFill>
+                <a:effectLst/>
+                <a:latin typeface="+mn-lt"/>
+                <a:ea typeface="+mn-ea"/>
+                <a:cs typeface="+mn-cs"/>
+              </a:rPr>
+              <a:t> режим привязки, либо использовать коллекции, реализующие </a:t>
+            </a:r>
+            <a:r>
+              <a:rPr lang="ru-RU" sz="1200" b="0" i="0" kern="1200" dirty="0" err="1" smtClean="0">
+                <a:solidFill>
+                  <a:schemeClr val="tx1"/>
+                </a:solidFill>
+                <a:effectLst/>
+                <a:latin typeface="+mn-lt"/>
+                <a:ea typeface="+mn-ea"/>
+                <a:cs typeface="+mn-cs"/>
+              </a:rPr>
+              <a:t>INotifyCollectionChanged</a:t>
+            </a:r>
+            <a:r>
+              <a:rPr lang="ru-RU" sz="1200" b="0" i="0" kern="1200" dirty="0" smtClean="0">
+                <a:solidFill>
+                  <a:schemeClr val="tx1"/>
+                </a:solidFill>
+                <a:effectLst/>
+                <a:latin typeface="+mn-lt"/>
+                <a:ea typeface="+mn-ea"/>
+                <a:cs typeface="+mn-cs"/>
+              </a:rPr>
+              <a:t> — например, </a:t>
+            </a:r>
+            <a:r>
+              <a:rPr lang="ru-RU" sz="1200" b="0" i="0" kern="1200" dirty="0" err="1" smtClean="0">
+                <a:solidFill>
+                  <a:schemeClr val="tx1"/>
+                </a:solidFill>
+                <a:effectLst/>
+                <a:latin typeface="+mn-lt"/>
+                <a:ea typeface="+mn-ea"/>
+                <a:cs typeface="+mn-cs"/>
+              </a:rPr>
+              <a:t>ObservableCollection</a:t>
+            </a:r>
+            <a:r>
+              <a:rPr lang="ru-RU" sz="1200" b="0" i="0" kern="1200" dirty="0" smtClean="0">
+                <a:solidFill>
+                  <a:schemeClr val="tx1"/>
+                </a:solidFill>
+                <a:effectLst/>
+                <a:latin typeface="+mn-lt"/>
+                <a:ea typeface="+mn-ea"/>
+                <a:cs typeface="+mn-cs"/>
+              </a:rPr>
+              <a:t>.</a:t>
+            </a:r>
+            <a:endParaRPr lang="ru-RU" dirty="0" smtClean="0"/>
           </a:p>
         </p:txBody>
       </p:sp>
@@ -2855,7 +3295,7 @@
     </p:spTree>
     <p:extLst>
       <p:ext uri="{BB962C8B-B14F-4D97-AF65-F5344CB8AC3E}">
-        <p14:creationId xmlns:p14="http://schemas.microsoft.com/office/powerpoint/2010/main" val="2121009862"/>
+        <p14:creationId xmlns:p14="http://schemas.microsoft.com/office/powerpoint/2010/main" val="825020462"/>
       </p:ext>
     </p:extLst>
   </p:cSld>
@@ -2909,6 +3349,104 @@
           <a:bodyPr/>
           <a:lstStyle/>
           <a:p>
+            <a:endParaRPr lang="en-US" baseline="0" dirty="0" smtClean="0"/>
+          </a:p>
+          <a:p>
+            <a:r>
+              <a:rPr lang="ru-RU" sz="1200" b="0" i="0" kern="1200" dirty="0" smtClean="0">
+                <a:solidFill>
+                  <a:schemeClr val="tx1"/>
+                </a:solidFill>
+                <a:effectLst/>
+                <a:latin typeface="+mn-lt"/>
+                <a:ea typeface="+mn-ea"/>
+                <a:cs typeface="+mn-cs"/>
+              </a:rPr>
+              <a:t>В</a:t>
+            </a:r>
+            <a:r>
+              <a:rPr lang="ru-RU" sz="1200" b="0" i="0" kern="1200" baseline="0" dirty="0" smtClean="0">
+                <a:solidFill>
+                  <a:schemeClr val="tx1"/>
+                </a:solidFill>
+                <a:effectLst/>
+                <a:latin typeface="+mn-lt"/>
+                <a:ea typeface="+mn-ea"/>
+                <a:cs typeface="+mn-cs"/>
+              </a:rPr>
+              <a:t> </a:t>
+            </a:r>
+            <a:r>
+              <a:rPr lang="ru-RU" sz="1200" b="0" i="0" kern="1200" dirty="0" smtClean="0">
+                <a:solidFill>
+                  <a:schemeClr val="tx1"/>
+                </a:solidFill>
+                <a:effectLst/>
+                <a:latin typeface="+mn-lt"/>
+                <a:ea typeface="+mn-ea"/>
+                <a:cs typeface="+mn-cs"/>
+              </a:rPr>
+              <a:t>случае с </a:t>
+            </a:r>
+            <a:r>
+              <a:rPr lang="ru-RU" sz="1200" b="0" i="0" kern="1200" dirty="0" err="1" smtClean="0">
+                <a:solidFill>
+                  <a:schemeClr val="tx1"/>
+                </a:solidFill>
+                <a:effectLst/>
+                <a:latin typeface="+mn-lt"/>
+                <a:ea typeface="+mn-ea"/>
+                <a:cs typeface="+mn-cs"/>
+              </a:rPr>
+              <a:t>OneTime</a:t>
+            </a:r>
+            <a:r>
+              <a:rPr lang="ru-RU" sz="1200" b="0" i="0" kern="1200" dirty="0" smtClean="0">
+                <a:solidFill>
+                  <a:schemeClr val="tx1"/>
+                </a:solidFill>
+                <a:effectLst/>
+                <a:latin typeface="+mn-lt"/>
+                <a:ea typeface="+mn-ea"/>
+                <a:cs typeface="+mn-cs"/>
+              </a:rPr>
+              <a:t> </a:t>
+            </a:r>
+            <a:r>
+              <a:rPr lang="ru-RU" sz="1200" b="0" i="0" kern="1200" dirty="0" err="1" smtClean="0">
+                <a:solidFill>
+                  <a:schemeClr val="tx1"/>
+                </a:solidFill>
+                <a:effectLst/>
+                <a:latin typeface="+mn-lt"/>
+                <a:ea typeface="+mn-ea"/>
+                <a:cs typeface="+mn-cs"/>
+              </a:rPr>
+              <a:t>байндингом</a:t>
+            </a:r>
+            <a:r>
+              <a:rPr lang="ru-RU" sz="1200" b="0" i="0" kern="1200" dirty="0" smtClean="0">
+                <a:solidFill>
+                  <a:schemeClr val="tx1"/>
+                </a:solidFill>
+                <a:effectLst/>
+                <a:latin typeface="+mn-lt"/>
+                <a:ea typeface="+mn-ea"/>
+                <a:cs typeface="+mn-cs"/>
+              </a:rPr>
+              <a:t> проблема не актуальна, так как не нужно отслеживать изменения</a:t>
+            </a:r>
+            <a:endParaRPr lang="en-US" sz="1200" b="0" i="0" kern="1200" dirty="0" smtClean="0">
+              <a:solidFill>
+                <a:schemeClr val="tx1"/>
+              </a:solidFill>
+              <a:effectLst/>
+              <a:latin typeface="+mn-lt"/>
+              <a:ea typeface="+mn-ea"/>
+              <a:cs typeface="+mn-cs"/>
+            </a:endParaRPr>
+          </a:p>
+          <a:p>
             <a:pPr marL="0" marR="0" lvl="0" indent="0" algn="l" defTabSz="914400" rtl="0" eaLnBrk="1" fontAlgn="auto" latinLnBrk="0" hangingPunct="1">
               <a:lnSpc>
                 <a:spcPct val="100000"/>
@@ -2927,216 +3465,6 @@
               <a:defRPr/>
             </a:pPr>
             <a:r>
-              <a:rPr lang="en-US" dirty="0" smtClean="0"/>
-              <a:t>Binding – </a:t>
-            </a:r>
-            <a:r>
-              <a:rPr lang="ru-RU" dirty="0" smtClean="0"/>
-              <a:t>декларативная</a:t>
-            </a:r>
-            <a:r>
-              <a:rPr lang="ru-RU" baseline="0" dirty="0" smtClean="0"/>
-              <a:t> реализация паттерна </a:t>
-            </a:r>
-            <a:r>
-              <a:rPr lang="en-US" baseline="0" dirty="0" smtClean="0"/>
-              <a:t>Observer</a:t>
-            </a:r>
-          </a:p>
-          <a:p>
-            <a:pPr marL="0" marR="0" lvl="0" indent="0" algn="l" defTabSz="914400" rtl="0" eaLnBrk="1" fontAlgn="auto" latinLnBrk="0" hangingPunct="1">
-              <a:lnSpc>
-                <a:spcPct val="100000"/>
-              </a:lnSpc>
-              <a:spcBef>
-                <a:spcPts val="0"/>
-              </a:spcBef>
-              <a:spcAft>
-                <a:spcPts val="0"/>
-              </a:spcAft>
-              <a:buClrTx/>
-              <a:buSzTx/>
-              <a:buFontTx/>
-              <a:buNone/>
-              <a:tabLst/>
-              <a:defRPr/>
-            </a:pPr>
-            <a:r>
-              <a:rPr lang="ru-RU" baseline="0" dirty="0" smtClean="0"/>
-              <a:t>Объект -  источник</a:t>
-            </a:r>
-          </a:p>
-          <a:p>
-            <a:pPr marL="0" marR="0" lvl="0" indent="0" algn="l" defTabSz="914400" rtl="0" eaLnBrk="1" fontAlgn="auto" latinLnBrk="0" hangingPunct="1">
-              <a:lnSpc>
-                <a:spcPct val="100000"/>
-              </a:lnSpc>
-              <a:spcBef>
-                <a:spcPts val="0"/>
-              </a:spcBef>
-              <a:spcAft>
-                <a:spcPts val="0"/>
-              </a:spcAft>
-              <a:buClrTx/>
-              <a:buSzTx/>
-              <a:buFontTx/>
-              <a:buNone/>
-              <a:tabLst/>
-              <a:defRPr/>
-            </a:pPr>
-            <a:r>
-              <a:rPr lang="ru-RU" baseline="0" dirty="0" smtClean="0"/>
-              <a:t>Подписант – </a:t>
-            </a:r>
-            <a:r>
-              <a:rPr lang="ru-RU" baseline="0" dirty="0" err="1" smtClean="0"/>
-              <a:t>вьюха</a:t>
-            </a:r>
-            <a:endParaRPr lang="ru-RU" baseline="0" dirty="0" smtClean="0"/>
-          </a:p>
-          <a:p>
-            <a:pPr marL="0" marR="0" lvl="0" indent="0" algn="l" defTabSz="914400" rtl="0" eaLnBrk="1" fontAlgn="auto" latinLnBrk="0" hangingPunct="1">
-              <a:lnSpc>
-                <a:spcPct val="100000"/>
-              </a:lnSpc>
-              <a:spcBef>
-                <a:spcPts val="0"/>
-              </a:spcBef>
-              <a:spcAft>
-                <a:spcPts val="0"/>
-              </a:spcAft>
-              <a:buClrTx/>
-              <a:buSzTx/>
-              <a:buFontTx/>
-              <a:buNone/>
-              <a:tabLst/>
-              <a:defRPr/>
-            </a:pPr>
-            <a:r>
-              <a:rPr lang="ru-RU" baseline="0" dirty="0" smtClean="0"/>
-              <a:t>Уточнить про коллекции</a:t>
-            </a:r>
-            <a:endParaRPr lang="en-US" baseline="0" dirty="0" smtClean="0"/>
-          </a:p>
-          <a:p>
-            <a:pPr marL="0" marR="0" lvl="0" indent="0" algn="l" defTabSz="914400" rtl="0" eaLnBrk="1" fontAlgn="auto" latinLnBrk="0" hangingPunct="1">
-              <a:lnSpc>
-                <a:spcPct val="100000"/>
-              </a:lnSpc>
-              <a:spcBef>
-                <a:spcPts val="0"/>
-              </a:spcBef>
-              <a:spcAft>
-                <a:spcPts val="0"/>
-              </a:spcAft>
-              <a:buClrTx/>
-              <a:buSzTx/>
-              <a:buFontTx/>
-              <a:buNone/>
-              <a:tabLst/>
-              <a:defRPr/>
-            </a:pPr>
-            <a:endParaRPr lang="en-US" baseline="0" dirty="0" smtClean="0"/>
-          </a:p>
-          <a:p>
-            <a:pPr marL="0" marR="0" lvl="0" indent="0" algn="l" defTabSz="914400" rtl="0" eaLnBrk="1" fontAlgn="auto" latinLnBrk="0" hangingPunct="1">
-              <a:lnSpc>
-                <a:spcPct val="100000"/>
-              </a:lnSpc>
-              <a:spcBef>
-                <a:spcPts val="0"/>
-              </a:spcBef>
-              <a:spcAft>
-                <a:spcPts val="0"/>
-              </a:spcAft>
-              <a:buClrTx/>
-              <a:buSzTx/>
-              <a:buFontTx/>
-              <a:buNone/>
-              <a:tabLst/>
-              <a:defRPr/>
-            </a:pPr>
-            <a:r>
-              <a:rPr lang="en-US" baseline="0" dirty="0" smtClean="0"/>
-              <a:t>Binding </a:t>
-            </a:r>
-            <a:r>
-              <a:rPr lang="ru-RU" baseline="0" dirty="0" smtClean="0"/>
-              <a:t>на свойство </a:t>
-            </a:r>
-            <a:r>
-              <a:rPr lang="en-US" baseline="0" dirty="0" smtClean="0"/>
-              <a:t>UI </a:t>
-            </a:r>
-            <a:r>
-              <a:rPr lang="ru-RU" baseline="0" dirty="0" smtClean="0"/>
-              <a:t>элемента, которое не </a:t>
-            </a:r>
-            <a:r>
-              <a:rPr lang="en-US" baseline="0" dirty="0" err="1" smtClean="0"/>
-              <a:t>DependencyProperty</a:t>
-            </a:r>
-            <a:r>
-              <a:rPr lang="en-US" baseline="0" dirty="0" smtClean="0"/>
-              <a:t> – </a:t>
-            </a:r>
-            <a:r>
-              <a:rPr lang="en-US" baseline="0" dirty="0" err="1" smtClean="0"/>
-              <a:t>DataBinding</a:t>
-            </a:r>
-            <a:r>
-              <a:rPr lang="en-US" baseline="0" dirty="0" smtClean="0"/>
-              <a:t> Leak</a:t>
-            </a:r>
-            <a:endParaRPr lang="en-US" baseline="0" dirty="0" smtClean="0"/>
-          </a:p>
-          <a:p>
-            <a:pPr marL="0" marR="0" lvl="0" indent="0" algn="l" defTabSz="914400" rtl="0" eaLnBrk="1" fontAlgn="auto" latinLnBrk="0" hangingPunct="1">
-              <a:lnSpc>
-                <a:spcPct val="100000"/>
-              </a:lnSpc>
-              <a:spcBef>
-                <a:spcPts val="0"/>
-              </a:spcBef>
-              <a:spcAft>
-                <a:spcPts val="0"/>
-              </a:spcAft>
-              <a:buClrTx/>
-              <a:buSzTx/>
-              <a:buFontTx/>
-              <a:buNone/>
-              <a:tabLst/>
-              <a:defRPr/>
-            </a:pPr>
-            <a:endParaRPr lang="ru-RU" sz="1200" b="0" i="0" kern="1200" dirty="0" smtClean="0">
-              <a:solidFill>
-                <a:schemeClr val="tx1"/>
-              </a:solidFill>
-              <a:effectLst/>
-              <a:latin typeface="+mn-lt"/>
-              <a:ea typeface="+mn-ea"/>
-              <a:cs typeface="+mn-cs"/>
-            </a:endParaRPr>
-          </a:p>
-          <a:p>
-            <a:pPr marL="0" marR="0" lvl="0" indent="0" algn="l" defTabSz="914400" rtl="0" eaLnBrk="1" fontAlgn="auto" latinLnBrk="0" hangingPunct="1">
-              <a:lnSpc>
-                <a:spcPct val="100000"/>
-              </a:lnSpc>
-              <a:spcBef>
-                <a:spcPts val="0"/>
-              </a:spcBef>
-              <a:spcAft>
-                <a:spcPts val="0"/>
-              </a:spcAft>
-              <a:buClrTx/>
-              <a:buSzTx/>
-              <a:buFontTx/>
-              <a:buNone/>
-              <a:tabLst/>
-              <a:defRPr/>
-            </a:pPr>
-            <a:r>
               <a:rPr lang="ru-RU" sz="1200" b="0" i="0" kern="1200" dirty="0" smtClean="0">
                 <a:solidFill>
                   <a:schemeClr val="tx1"/>
@@ -3146,7 +3474,7 @@
                 <a:ea typeface="+mn-ea"/>
                 <a:cs typeface="+mn-cs"/>
               </a:rPr>
-              <a:t>Если свойство, к которому идет привязка, не является </a:t>
+              <a:t>Коллекции -  нужно либо явно указывать </a:t>
             </a:r>
             <a:r>
               <a:rPr lang="ru-RU" sz="1200" b="0" i="0" kern="1200" dirty="0" err="1" smtClean="0">
@@ -3158,7 +3486,7 @@
                 <a:ea typeface="+mn-ea"/>
                 <a:cs typeface="+mn-cs"/>
               </a:rPr>
-              <a:t>DependencyProperty</a:t>
+              <a:t>OneTime</a:t>
             </a:r>
             <a:r>
               <a:rPr lang="ru-RU" sz="1200" b="0" i="0" kern="1200" dirty="0" smtClean="0">
@@ -3170,243 +3498,7 @@
                 <a:ea typeface="+mn-ea"/>
                 <a:cs typeface="+mn-cs"/>
               </a:rPr>
-              <a:t>, либо объект, содержащий его, не реализует </a:t>
-            </a:r>
-            <a:r>
-              <a:rPr lang="ru-RU" sz="1200" b="0" i="0" kern="1200" dirty="0" err="1" smtClean="0">
-                <a:solidFill>
-                  <a:schemeClr val="tx1"/>
-                </a:solidFill>
-                <a:effectLst/>
-                <a:latin typeface="+mn-lt"/>
-                <a:ea typeface="+mn-ea"/>
-                <a:cs typeface="+mn-cs"/>
-              </a:rPr>
-              <a:t>INotifyPropertyChanged</a:t>
-            </a:r>
-            <a:r>
-              <a:rPr lang="ru-RU" sz="1200" b="0" i="0" kern="1200" dirty="0" smtClean="0">
-                <a:solidFill>
-                  <a:schemeClr val="tx1"/>
-                </a:solidFill>
-                <a:effectLst/>
-                <a:latin typeface="+mn-lt"/>
-                <a:ea typeface="+mn-ea"/>
-                <a:cs typeface="+mn-cs"/>
-              </a:rPr>
-              <a:t> — механизм </a:t>
-            </a:r>
-            <a:r>
-              <a:rPr lang="ru-RU" sz="1200" b="0" i="0" kern="1200" dirty="0" err="1" smtClean="0">
-                <a:solidFill>
-                  <a:schemeClr val="tx1"/>
-                </a:solidFill>
-                <a:effectLst/>
-                <a:latin typeface="+mn-lt"/>
-                <a:ea typeface="+mn-ea"/>
-                <a:cs typeface="+mn-cs"/>
-              </a:rPr>
-              <a:t>байндинга</a:t>
-            </a:r>
-            <a:r>
-              <a:rPr lang="ru-RU" sz="1200" b="0" i="0" kern="1200" dirty="0" smtClean="0">
-                <a:solidFill>
-                  <a:schemeClr val="tx1"/>
-                </a:solidFill>
-                <a:effectLst/>
-                <a:latin typeface="+mn-lt"/>
-                <a:ea typeface="+mn-ea"/>
-                <a:cs typeface="+mn-cs"/>
-              </a:rPr>
-              <a:t> использует событие </a:t>
-            </a:r>
-            <a:r>
-              <a:rPr lang="ru-RU" sz="1200" b="0" i="0" kern="1200" dirty="0" err="1" smtClean="0">
-                <a:solidFill>
-                  <a:schemeClr val="tx1"/>
-                </a:solidFill>
-                <a:effectLst/>
-                <a:latin typeface="+mn-lt"/>
-                <a:ea typeface="+mn-ea"/>
-                <a:cs typeface="+mn-cs"/>
-              </a:rPr>
-              <a:t>ValueChanged</a:t>
-            </a:r>
-            <a:r>
-              <a:rPr lang="ru-RU" sz="1200" b="0" i="0" kern="1200" dirty="0" smtClean="0">
-                <a:solidFill>
-                  <a:schemeClr val="tx1"/>
-                </a:solidFill>
-                <a:effectLst/>
-                <a:latin typeface="+mn-lt"/>
-                <a:ea typeface="+mn-ea"/>
-                <a:cs typeface="+mn-cs"/>
-              </a:rPr>
-              <a:t> класса </a:t>
-            </a:r>
-            <a:r>
-              <a:rPr lang="ru-RU" sz="1200" b="0" i="0" kern="1200" dirty="0" err="1" smtClean="0">
-                <a:solidFill>
-                  <a:schemeClr val="tx1"/>
-                </a:solidFill>
-                <a:effectLst/>
-                <a:latin typeface="+mn-lt"/>
-                <a:ea typeface="+mn-ea"/>
-                <a:cs typeface="+mn-cs"/>
-              </a:rPr>
-              <a:t>System.ComponentModel.PropertyDescriptor</a:t>
-            </a:r>
-            <a:r>
-              <a:rPr lang="ru-RU" sz="1200" b="0" i="0" kern="1200" dirty="0" smtClean="0">
-                <a:solidFill>
-                  <a:schemeClr val="tx1"/>
-                </a:solidFill>
-                <a:effectLst/>
-                <a:latin typeface="+mn-lt"/>
-                <a:ea typeface="+mn-ea"/>
-                <a:cs typeface="+mn-cs"/>
-              </a:rPr>
-              <a:t> для отслеживания изменений. Проблема здесь в том, что </a:t>
-            </a:r>
-            <a:r>
-              <a:rPr lang="ru-RU" sz="1200" b="0" i="0" kern="1200" dirty="0" err="1" smtClean="0">
-                <a:solidFill>
-                  <a:schemeClr val="tx1"/>
-                </a:solidFill>
-                <a:effectLst/>
-                <a:latin typeface="+mn-lt"/>
-                <a:ea typeface="+mn-ea"/>
-                <a:cs typeface="+mn-cs"/>
-              </a:rPr>
-              <a:t>фреймворк</a:t>
-            </a:r>
-            <a:r>
-              <a:rPr lang="ru-RU" sz="1200" b="0" i="0" kern="1200" dirty="0" smtClean="0">
-                <a:solidFill>
-                  <a:schemeClr val="tx1"/>
-                </a:solidFill>
-                <a:effectLst/>
-                <a:latin typeface="+mn-lt"/>
-                <a:ea typeface="+mn-ea"/>
-                <a:cs typeface="+mn-cs"/>
-              </a:rPr>
-              <a:t> держит у себя ссылку на экземпляр </a:t>
-            </a:r>
-            <a:r>
-              <a:rPr lang="ru-RU" sz="1200" b="0" i="0" kern="1200" dirty="0" err="1" smtClean="0">
-                <a:solidFill>
-                  <a:schemeClr val="tx1"/>
-                </a:solidFill>
-                <a:effectLst/>
-                <a:latin typeface="+mn-lt"/>
-                <a:ea typeface="+mn-ea"/>
-                <a:cs typeface="+mn-cs"/>
-              </a:rPr>
-              <a:t>PropertyDescriptor</a:t>
-            </a:r>
-            <a:r>
-              <a:rPr lang="ru-RU" sz="1200" b="0" i="0" kern="1200" dirty="0" smtClean="0">
-                <a:solidFill>
-                  <a:schemeClr val="tx1"/>
-                </a:solidFill>
-                <a:effectLst/>
-                <a:latin typeface="+mn-lt"/>
-                <a:ea typeface="+mn-ea"/>
-                <a:cs typeface="+mn-cs"/>
-              </a:rPr>
-              <a:t>, который в свою очередь ссылается на исходный объект, и неясно, когда этот экземпляр можно будет удалить..</a:t>
-            </a:r>
-            <a:endParaRPr lang="en-US" sz="1200" b="0" i="0" kern="1200" dirty="0" smtClean="0">
-              <a:solidFill>
-                <a:schemeClr val="tx1"/>
-              </a:solidFill>
-              <a:effectLst/>
-              <a:latin typeface="+mn-lt"/>
-              <a:ea typeface="+mn-ea"/>
-              <a:cs typeface="+mn-cs"/>
-            </a:endParaRPr>
-          </a:p>
-          <a:p>
-            <a:pPr marL="0" marR="0" lvl="0" indent="0" algn="l" defTabSz="914400" rtl="0" eaLnBrk="1" fontAlgn="auto" latinLnBrk="0" hangingPunct="1">
-              <a:lnSpc>
-                <a:spcPct val="100000"/>
-              </a:lnSpc>
-              <a:spcBef>
-                <a:spcPts val="0"/>
-              </a:spcBef>
-              <a:spcAft>
-                <a:spcPts val="0"/>
-              </a:spcAft>
-              <a:buClrTx/>
-              <a:buSzTx/>
-              <a:buFontTx/>
-              <a:buNone/>
-              <a:tabLst/>
-              <a:defRPr/>
-            </a:pPr>
-            <a:endParaRPr lang="en-US" sz="1200" b="0" i="0" kern="1200" dirty="0" smtClean="0">
-              <a:solidFill>
-                <a:schemeClr val="tx1"/>
-              </a:solidFill>
-              <a:effectLst/>
-              <a:latin typeface="+mn-lt"/>
-              <a:ea typeface="+mn-ea"/>
-              <a:cs typeface="+mn-cs"/>
-            </a:endParaRPr>
-          </a:p>
-          <a:p>
-            <a:pPr marL="0" marR="0" lvl="0" indent="0" algn="l" defTabSz="914400" rtl="0" eaLnBrk="1" fontAlgn="auto" latinLnBrk="0" hangingPunct="1">
-              <a:lnSpc>
-                <a:spcPct val="100000"/>
-              </a:lnSpc>
-              <a:spcBef>
-                <a:spcPts val="0"/>
-              </a:spcBef>
-              <a:spcAft>
-                <a:spcPts val="0"/>
-              </a:spcAft>
-              <a:buClrTx/>
-              <a:buSzTx/>
-              <a:buFontTx/>
-              <a:buNone/>
-              <a:tabLst/>
-              <a:defRPr/>
-            </a:pPr>
-            <a:r>
-              <a:rPr lang="ru-RU" sz="1200" b="0" i="0" kern="1200" dirty="0" smtClean="0">
-                <a:solidFill>
-                  <a:schemeClr val="tx1"/>
-                </a:solidFill>
-                <a:effectLst/>
-                <a:latin typeface="+mn-lt"/>
-                <a:ea typeface="+mn-ea"/>
-                <a:cs typeface="+mn-cs"/>
-              </a:rPr>
-              <a:t>Другая возможная проблема при установке </a:t>
-            </a:r>
-            <a:r>
-              <a:rPr lang="ru-RU" sz="1200" b="0" i="0" kern="1200" dirty="0" err="1" smtClean="0">
-                <a:solidFill>
-                  <a:schemeClr val="tx1"/>
-                </a:solidFill>
-                <a:effectLst/>
-                <a:latin typeface="+mn-lt"/>
-                <a:ea typeface="+mn-ea"/>
-                <a:cs typeface="+mn-cs"/>
-              </a:rPr>
-              <a:t>байндингов</a:t>
-            </a:r>
-            <a:r>
-              <a:rPr lang="ru-RU" sz="1200" b="0" i="0" kern="1200" dirty="0" smtClean="0">
-                <a:solidFill>
-                  <a:schemeClr val="tx1"/>
-                </a:solidFill>
-                <a:effectLst/>
-                <a:latin typeface="+mn-lt"/>
-                <a:ea typeface="+mn-ea"/>
-                <a:cs typeface="+mn-cs"/>
-              </a:rPr>
-              <a:t> — привязка к коллекциям, которые не реализуют интерфейс </a:t>
+              <a:t> режим привязки, либо использовать коллекции, реализующие </a:t>
             </a:r>
             <a:r>
               <a:rPr lang="ru-RU" sz="1200" b="0" i="0" kern="1200" dirty="0" err="1" smtClean="0">
@@ -3430,54 +3522,6 @@
                 <a:ea typeface="+mn-ea"/>
                 <a:cs typeface="+mn-cs"/>
               </a:rPr>
-              <a:t>. Механизм возникновения утечек в этом случае очень похож на предыдущий. Способ борьбы очевиден — нужно либо явно указывать </a:t>
-            </a:r>
-            <a:r>
-              <a:rPr lang="ru-RU" sz="1200" b="0" i="0" kern="1200" dirty="0" err="1" smtClean="0">
-                <a:solidFill>
-                  <a:schemeClr val="tx1"/>
-                </a:solidFill>
-                <a:effectLst/>
-                <a:latin typeface="+mn-lt"/>
-                <a:ea typeface="+mn-ea"/>
-                <a:cs typeface="+mn-cs"/>
-              </a:rPr>
-              <a:t>OneTime</a:t>
-            </a:r>
-            <a:r>
-              <a:rPr lang="ru-RU" sz="1200" b="0" i="0" kern="1200" dirty="0" smtClean="0">
-                <a:solidFill>
-                  <a:schemeClr val="tx1"/>
-                </a:solidFill>
-                <a:effectLst/>
-                <a:latin typeface="+mn-lt"/>
-                <a:ea typeface="+mn-ea"/>
-                <a:cs typeface="+mn-cs"/>
-              </a:rPr>
-              <a:t> режим привязки, либо использовать коллекции, реализующие </a:t>
-            </a:r>
-            <a:r>
-              <a:rPr lang="ru-RU" sz="1200" b="0" i="0" kern="1200" dirty="0" err="1" smtClean="0">
-                <a:solidFill>
-                  <a:schemeClr val="tx1"/>
-                </a:solidFill>
-                <a:effectLst/>
-                <a:latin typeface="+mn-lt"/>
-                <a:ea typeface="+mn-ea"/>
-                <a:cs typeface="+mn-cs"/>
-              </a:rPr>
-              <a:t>INotifyCollectionChanged</a:t>
-            </a:r>
-            <a:r>
-              <a:rPr lang="ru-RU" sz="1200" b="0" i="0" kern="1200" dirty="0" smtClean="0">
-                <a:solidFill>
-                  <a:schemeClr val="tx1"/>
-                </a:solidFill>
-                <a:effectLst/>
-                <a:latin typeface="+mn-lt"/>
-                <a:ea typeface="+mn-ea"/>
-                <a:cs typeface="+mn-cs"/>
-              </a:rPr>
               <a:t> — например, </a:t>
             </a:r>
             <a:r>
@@ -3506,6 +3550,9 @@
             </a:r>
             <a:endParaRPr lang="ru-RU" dirty="0" smtClean="0"/>
           </a:p>
+          <a:p>
+            <a:endParaRPr lang="ru-RU" dirty="0"/>
+          </a:p>
         </p:txBody>
       </p:sp>
       <p:sp>
@@ -3534,7 +3581,7 @@
     </p:spTree>
     <p:extLst>
       <p:ext uri="{BB962C8B-B14F-4D97-AF65-F5344CB8AC3E}">
-        <p14:creationId xmlns:p14="http://schemas.microsoft.com/office/powerpoint/2010/main" val="825020462"/>
+        <p14:creationId xmlns:p14="http://schemas.microsoft.com/office/powerpoint/2010/main" val="2508786773"/>
       </p:ext>
     </p:extLst>
   </p:cSld>
@@ -3588,105 +3635,7 @@
           <a:bodyPr/>
           <a:lstStyle/>
           <a:p>
-            <a:endParaRPr lang="en-US" baseline="0" dirty="0" smtClean="0"/>
-          </a:p>
-          <a:p>
-            <a:r>
-              <a:rPr lang="ru-RU" sz="1200" b="0" i="0" kern="1200" dirty="0" smtClean="0">
-                <a:solidFill>
-                  <a:schemeClr val="tx1"/>
-                </a:solidFill>
-                <a:effectLst/>
-                <a:latin typeface="+mn-lt"/>
-                <a:ea typeface="+mn-ea"/>
-                <a:cs typeface="+mn-cs"/>
-              </a:rPr>
-              <a:t>В</a:t>
-            </a:r>
-            <a:r>
-              <a:rPr lang="ru-RU" sz="1200" b="0" i="0" kern="1200" baseline="0" dirty="0" smtClean="0">
-                <a:solidFill>
-                  <a:schemeClr val="tx1"/>
-                </a:solidFill>
-                <a:effectLst/>
-                <a:latin typeface="+mn-lt"/>
-                <a:ea typeface="+mn-ea"/>
-                <a:cs typeface="+mn-cs"/>
-              </a:rPr>
-              <a:t> </a:t>
-            </a:r>
-            <a:r>
-              <a:rPr lang="ru-RU" sz="1200" b="0" i="0" kern="1200" dirty="0" smtClean="0">
-                <a:solidFill>
-                  <a:schemeClr val="tx1"/>
-                </a:solidFill>
-                <a:effectLst/>
-                <a:latin typeface="+mn-lt"/>
-                <a:ea typeface="+mn-ea"/>
-                <a:cs typeface="+mn-cs"/>
-              </a:rPr>
-              <a:t>случае с </a:t>
-            </a:r>
-            <a:r>
-              <a:rPr lang="ru-RU" sz="1200" b="0" i="0" kern="1200" dirty="0" err="1" smtClean="0">
-                <a:solidFill>
-                  <a:schemeClr val="tx1"/>
-                </a:solidFill>
-                <a:effectLst/>
-                <a:latin typeface="+mn-lt"/>
-                <a:ea typeface="+mn-ea"/>
-                <a:cs typeface="+mn-cs"/>
-              </a:rPr>
-              <a:t>OneTime</a:t>
-            </a:r>
-            <a:r>
-              <a:rPr lang="ru-RU" sz="1200" b="0" i="0" kern="1200" dirty="0" smtClean="0">
-                <a:solidFill>
-                  <a:schemeClr val="tx1"/>
-                </a:solidFill>
-                <a:effectLst/>
-                <a:latin typeface="+mn-lt"/>
-                <a:ea typeface="+mn-ea"/>
-                <a:cs typeface="+mn-cs"/>
-              </a:rPr>
-              <a:t> </a:t>
-            </a:r>
-            <a:r>
-              <a:rPr lang="ru-RU" sz="1200" b="0" i="0" kern="1200" dirty="0" err="1" smtClean="0">
-                <a:solidFill>
-                  <a:schemeClr val="tx1"/>
-                </a:solidFill>
-                <a:effectLst/>
-                <a:latin typeface="+mn-lt"/>
-                <a:ea typeface="+mn-ea"/>
-                <a:cs typeface="+mn-cs"/>
-              </a:rPr>
-              <a:t>байндингом</a:t>
-            </a:r>
-            <a:r>
-              <a:rPr lang="ru-RU" sz="1200" b="0" i="0" kern="1200" dirty="0" smtClean="0">
-                <a:solidFill>
-                  <a:schemeClr val="tx1"/>
-                </a:solidFill>
-                <a:effectLst/>
-                <a:latin typeface="+mn-lt"/>
-                <a:ea typeface="+mn-ea"/>
-                <a:cs typeface="+mn-cs"/>
-              </a:rPr>
-              <a:t> проблема не актуальна, так как не нужно отслеживать изменения</a:t>
-            </a:r>
-            <a:endParaRPr lang="en-US" sz="1200" b="0" i="0" kern="1200" dirty="0" smtClean="0">
-              <a:solidFill>
-                <a:schemeClr val="tx1"/>
-              </a:solidFill>
-              <a:effectLst/>
-              <a:latin typeface="+mn-lt"/>
-              <a:ea typeface="+mn-ea"/>
-              <a:cs typeface="+mn-cs"/>
-            </a:endParaRPr>
-          </a:p>
-          <a:p>
-            <a:pPr marL="0" marR="0" lvl="0" indent="0" algn="l" defTabSz="914400" rtl="0" eaLnBrk="1" fontAlgn="auto" latinLnBrk="0" hangingPunct="1">
+            <a:pPr marL="0" marR="0" indent="0" algn="l" defTabSz="914400" rtl="0" eaLnBrk="1" fontAlgn="auto" latinLnBrk="0" hangingPunct="1">
               <a:lnSpc>
                 <a:spcPct val="100000"/>
               </a:lnSpc>
@@ -3704,6 +3653,30 @@
               <a:defRPr/>
             </a:pPr>
             <a:r>
+              <a:rPr lang="ru-RU" dirty="0" smtClean="0"/>
+              <a:t>Про</a:t>
+            </a:r>
+            <a:r>
+              <a:rPr lang="ru-RU" baseline="0" dirty="0" smtClean="0"/>
+              <a:t> боль от </a:t>
+            </a:r>
+            <a:r>
+              <a:rPr lang="ru-RU" baseline="0" dirty="0" smtClean="0"/>
+              <a:t>отсутствия отписки </a:t>
+            </a:r>
+            <a:r>
+              <a:rPr lang="ru-RU" baseline="0" dirty="0" smtClean="0"/>
+              <a:t>от событий говорил и Кирилл </a:t>
+            </a:r>
+            <a:r>
+              <a:rPr lang="ru-RU" baseline="0" dirty="0" err="1" smtClean="0"/>
+              <a:t>Маурин</a:t>
+            </a:r>
+            <a:r>
+              <a:rPr lang="ru-RU" baseline="0" dirty="0" smtClean="0"/>
+              <a:t> в своем докладе </a:t>
+            </a:r>
+            <a:r>
               <a:rPr lang="ru-RU" sz="1200" b="0" i="0" kern="1200" dirty="0" smtClean="0">
                 <a:solidFill>
                   <a:schemeClr val="tx1"/>
@@ -3713,7 +3686,7 @@
                 <a:ea typeface="+mn-ea"/>
                 <a:cs typeface="+mn-cs"/>
               </a:rPr>
-              <a:t>Коллекции -  нужно либо явно указывать </a:t>
+              <a:t>«Масштабирование паттерна </a:t>
             </a:r>
             <a:r>
               <a:rPr lang="ru-RU" sz="1200" b="0" i="0" kern="1200" dirty="0" err="1" smtClean="0">
@@ -3725,7 +3698,7 @@
                 <a:ea typeface="+mn-ea"/>
                 <a:cs typeface="+mn-cs"/>
               </a:rPr>
-              <a:t>OneTime</a:t>
+              <a:t>Disposable</a:t>
             </a:r>
             <a:r>
               <a:rPr lang="ru-RU" sz="1200" b="0" i="0" kern="1200" dirty="0" smtClean="0">
@@ -3737,57 +3710,164 @@
                 <a:ea typeface="+mn-ea"/>
                 <a:cs typeface="+mn-cs"/>
               </a:rPr>
-              <a:t> режим привязки, либо использовать коллекции, реализующие </a:t>
-            </a:r>
-            <a:r>
-              <a:rPr lang="ru-RU" sz="1200" b="0" i="0" kern="1200" dirty="0" err="1" smtClean="0">
-                <a:solidFill>
-                  <a:schemeClr val="tx1"/>
-                </a:solidFill>
-                <a:effectLst/>
-                <a:latin typeface="+mn-lt"/>
-                <a:ea typeface="+mn-ea"/>
-                <a:cs typeface="+mn-cs"/>
-              </a:rPr>
-              <a:t>INotifyCollectionChanged</a:t>
-            </a:r>
-            <a:r>
-              <a:rPr lang="ru-RU" sz="1200" b="0" i="0" kern="1200" dirty="0" smtClean="0">
-                <a:solidFill>
-                  <a:schemeClr val="tx1"/>
-                </a:solidFill>
-                <a:effectLst/>
-                <a:latin typeface="+mn-lt"/>
-                <a:ea typeface="+mn-ea"/>
-                <a:cs typeface="+mn-cs"/>
-              </a:rPr>
-              <a:t> — например, </a:t>
-            </a:r>
-            <a:r>
-              <a:rPr lang="ru-RU" sz="1200" b="0" i="0" kern="1200" dirty="0" err="1" smtClean="0">
-                <a:solidFill>
-                  <a:schemeClr val="tx1"/>
-                </a:solidFill>
-                <a:effectLst/>
-                <a:latin typeface="+mn-lt"/>
-                <a:ea typeface="+mn-ea"/>
-                <a:cs typeface="+mn-cs"/>
-              </a:rPr>
-              <a:t>ObservableCollection</a:t>
-            </a:r>
-            <a:r>
-              <a:rPr lang="ru-RU" sz="1200" b="0" i="0" kern="1200" dirty="0" smtClean="0">
-                <a:solidFill>
-                  <a:schemeClr val="tx1"/>
-                </a:solidFill>
-                <a:effectLst/>
-                <a:latin typeface="+mn-lt"/>
-                <a:ea typeface="+mn-ea"/>
-                <a:cs typeface="+mn-cs"/>
-              </a:rPr>
-              <a:t>.</a:t>
-            </a:r>
-            <a:endParaRPr lang="ru-RU" dirty="0" smtClean="0"/>
+              <a:t> в рамках проекта» </a:t>
+            </a:r>
+            <a:endParaRPr lang="en-US" sz="1200" b="0" i="0" kern="1200" dirty="0" smtClean="0">
+              <a:solidFill>
+                <a:schemeClr val="tx1"/>
+              </a:solidFill>
+              <a:effectLst/>
+              <a:latin typeface="+mn-lt"/>
+              <a:ea typeface="+mn-ea"/>
+              <a:cs typeface="+mn-cs"/>
+            </a:endParaRPr>
+          </a:p>
+          <a:p>
+            <a:pPr marL="0" marR="0" indent="0" algn="l" defTabSz="914400" rtl="0" eaLnBrk="1" fontAlgn="auto" latinLnBrk="0" hangingPunct="1">
+              <a:lnSpc>
+                <a:spcPct val="100000"/>
+              </a:lnSpc>
+              <a:spcBef>
+                <a:spcPts val="0"/>
+              </a:spcBef>
+              <a:spcAft>
+                <a:spcPts val="0"/>
+              </a:spcAft>
+              <a:buClrTx/>
+              <a:buSzTx/>
+              <a:buFontTx/>
+              <a:buNone/>
+              <a:tabLst/>
+              <a:defRPr/>
+            </a:pPr>
+            <a:r>
+              <a:rPr lang="en-US" dirty="0" err="1" smtClean="0"/>
+              <a:t>ICommand</a:t>
+            </a:r>
+            <a:r>
+              <a:rPr lang="en-US" dirty="0" smtClean="0"/>
+              <a:t> without </a:t>
+            </a:r>
+            <a:r>
+              <a:rPr lang="en-US" dirty="0" err="1" smtClean="0"/>
+              <a:t>WeakReference</a:t>
+            </a:r>
+            <a:r>
+              <a:rPr lang="en-US" dirty="0" smtClean="0"/>
+              <a:t> – </a:t>
+            </a:r>
+            <a:r>
+              <a:rPr lang="ru-RU" dirty="0" smtClean="0"/>
+              <a:t>будет</a:t>
+            </a:r>
+            <a:r>
+              <a:rPr lang="ru-RU" baseline="0" dirty="0" smtClean="0"/>
+              <a:t> очень плохо</a:t>
+            </a:r>
+            <a:endParaRPr lang="en-US" baseline="0" dirty="0" smtClean="0"/>
+          </a:p>
+          <a:p>
+            <a:pPr marL="0" marR="0" indent="0" algn="l" defTabSz="914400" rtl="0" eaLnBrk="1" fontAlgn="auto" latinLnBrk="0" hangingPunct="1">
+              <a:lnSpc>
+                <a:spcPct val="100000"/>
+              </a:lnSpc>
+              <a:spcBef>
+                <a:spcPts val="0"/>
+              </a:spcBef>
+              <a:spcAft>
+                <a:spcPts val="0"/>
+              </a:spcAft>
+              <a:buClrTx/>
+              <a:buSzTx/>
+              <a:buFontTx/>
+              <a:buNone/>
+              <a:tabLst/>
+              <a:defRPr/>
+            </a:pPr>
+            <a:r>
+              <a:rPr lang="en-US" dirty="0" smtClean="0"/>
+              <a:t>http://csharpindepth.com/articles/chapter2/events.aspx - </a:t>
+            </a:r>
+            <a:r>
+              <a:rPr lang="ru-RU" dirty="0" smtClean="0"/>
+              <a:t>проверить,</a:t>
+            </a:r>
+            <a:r>
+              <a:rPr lang="ru-RU" baseline="0" dirty="0" smtClean="0"/>
+              <a:t> что говорит </a:t>
+            </a:r>
+            <a:r>
+              <a:rPr lang="en-US" baseline="0" dirty="0" smtClean="0"/>
+              <a:t>Jon Skeet</a:t>
+            </a:r>
+          </a:p>
+          <a:p>
+            <a:pPr marL="0" marR="0" indent="0" algn="l" defTabSz="914400" rtl="0" eaLnBrk="1" fontAlgn="auto" latinLnBrk="0" hangingPunct="1">
+              <a:lnSpc>
+                <a:spcPct val="100000"/>
+              </a:lnSpc>
+              <a:spcBef>
+                <a:spcPts val="0"/>
+              </a:spcBef>
+              <a:spcAft>
+                <a:spcPts val="0"/>
+              </a:spcAft>
+              <a:buClrTx/>
+              <a:buSzTx/>
+              <a:buFontTx/>
+              <a:buNone/>
+              <a:tabLst/>
+              <a:defRPr/>
+            </a:pPr>
+            <a:endParaRPr lang="en-US" baseline="0" dirty="0" smtClean="0"/>
+          </a:p>
+          <a:p>
+            <a:pPr marL="0" marR="0" indent="0" algn="l" defTabSz="914400" rtl="0" eaLnBrk="1" fontAlgn="auto" latinLnBrk="0" hangingPunct="1">
+              <a:lnSpc>
+                <a:spcPct val="100000"/>
+              </a:lnSpc>
+              <a:spcBef>
+                <a:spcPts val="0"/>
+              </a:spcBef>
+              <a:spcAft>
+                <a:spcPts val="0"/>
+              </a:spcAft>
+              <a:buClrTx/>
+              <a:buSzTx/>
+              <a:buFontTx/>
+              <a:buNone/>
+              <a:tabLst/>
+              <a:defRPr/>
+            </a:pPr>
+            <a:endParaRPr lang="en-US" dirty="0" smtClean="0"/>
+          </a:p>
+          <a:p>
+            <a:pPr marL="0" marR="0" indent="0" algn="l" defTabSz="914400" rtl="0" eaLnBrk="1" fontAlgn="auto" latinLnBrk="0" hangingPunct="1">
+              <a:lnSpc>
+                <a:spcPct val="100000"/>
+              </a:lnSpc>
+              <a:spcBef>
+                <a:spcPts val="0"/>
+              </a:spcBef>
+              <a:spcAft>
+                <a:spcPts val="0"/>
+              </a:spcAft>
+              <a:buClrTx/>
+              <a:buSzTx/>
+              <a:buFontTx/>
+              <a:buNone/>
+              <a:tabLst/>
+              <a:defRPr/>
+            </a:pPr>
+            <a:endParaRPr lang="ru-RU" sz="1200" b="0" i="0" kern="1200" dirty="0" smtClean="0">
+              <a:solidFill>
+                <a:schemeClr val="tx1"/>
+              </a:solidFill>
+              <a:effectLst/>
+              <a:latin typeface="+mn-lt"/>
+              <a:ea typeface="+mn-ea"/>
+              <a:cs typeface="+mn-cs"/>
+            </a:endParaRPr>
           </a:p>
           <a:p>
             <a:endParaRPr lang="ru-RU" dirty="0"/>
@@ -3820,7 +3900,7 @@
     </p:spTree>
     <p:extLst>
       <p:ext uri="{BB962C8B-B14F-4D97-AF65-F5344CB8AC3E}">
-        <p14:creationId xmlns:p14="http://schemas.microsoft.com/office/powerpoint/2010/main" val="2508786773"/>
+        <p14:creationId xmlns:p14="http://schemas.microsoft.com/office/powerpoint/2010/main" val="1809880400"/>
       </p:ext>
     </p:extLst>
   </p:cSld>
@@ -3874,233 +3954,73 @@
           <a:bodyPr/>
           <a:lstStyle/>
           <a:p>
-            <a:pPr marL="0" marR="0" indent="0" algn="l" defTabSz="914400" rtl="0" eaLnBrk="1" fontAlgn="auto" latinLnBrk="0" hangingPunct="1">
-              <a:lnSpc>
-                <a:spcPct val="100000"/>
-              </a:lnSpc>
-              <a:spcBef>
-                <a:spcPts val="0"/>
-              </a:spcBef>
-              <a:spcAft>
-                <a:spcPts val="0"/>
-              </a:spcAft>
-              <a:buClrTx/>
-              <a:buSzTx/>
-              <a:buFontTx/>
-              <a:buNone/>
-              <a:tabLst/>
-              <a:defRPr/>
-            </a:pPr>
-            <a:r>
-              <a:rPr lang="ru-RU" dirty="0" smtClean="0"/>
-              <a:t>Про</a:t>
+            <a:r>
+              <a:rPr lang="ru-RU" dirty="0" smtClean="0"/>
+              <a:t>Подробный разбор того,</a:t>
             </a:r>
             <a:r>
               <a:rPr lang="ru-RU" baseline="0" dirty="0" smtClean="0"/>
-              <a:t> боль от отписки от событий говорил и Кирилл </a:t>
-            </a:r>
-            <a:r>
-              <a:rPr lang="ru-RU" baseline="0" dirty="0" err="1" smtClean="0"/>
-              <a:t>Маурин</a:t>
-            </a:r>
+              <a:t> как бороться с утечками памяти при работе с событиями, тянет на отдельный доклад. Я же сосредоточусь на той части, которая явно касается </a:t>
+            </a:r>
+            <a:r>
+              <a:rPr lang="en-US" baseline="0" dirty="0" smtClean="0"/>
+              <a:t>WPF.</a:t>
+            </a:r>
+          </a:p>
+          <a:p>
+            <a:endParaRPr lang="en-US" baseline="0" dirty="0" smtClean="0"/>
+          </a:p>
+          <a:p>
             <a:r>
               <a:rPr lang="ru-RU" baseline="0" dirty="0" smtClean="0"/>
-              <a:t> в своем докладе </a:t>
-            </a:r>
-            <a:r>
-              <a:rPr lang="ru-RU" sz="1200" b="0" i="0" kern="1200" dirty="0" smtClean="0">
-                <a:solidFill>
-                  <a:schemeClr val="tx1"/>
-                </a:solidFill>
-                <a:effectLst/>
-                <a:latin typeface="+mn-lt"/>
-                <a:ea typeface="+mn-ea"/>
-                <a:cs typeface="+mn-cs"/>
-              </a:rPr>
-              <a:t>«Масштабирование паттерна </a:t>
-            </a:r>
-            <a:r>
-              <a:rPr lang="ru-RU" sz="1200" b="0" i="0" kern="1200" dirty="0" err="1" smtClean="0">
-                <a:solidFill>
-                  <a:schemeClr val="tx1"/>
-                </a:solidFill>
-                <a:effectLst/>
-                <a:latin typeface="+mn-lt"/>
-                <a:ea typeface="+mn-ea"/>
-                <a:cs typeface="+mn-cs"/>
-              </a:rPr>
-              <a:t>Disposable</a:t>
-            </a:r>
-            <a:r>
-              <a:rPr lang="ru-RU" sz="1200" b="0" i="0" kern="1200" dirty="0" smtClean="0">
-                <a:solidFill>
-                  <a:schemeClr val="tx1"/>
-                </a:solidFill>
-                <a:effectLst/>
-                <a:latin typeface="+mn-lt"/>
-                <a:ea typeface="+mn-ea"/>
-                <a:cs typeface="+mn-cs"/>
-              </a:rPr>
-              <a:t> в рамках проекта» </a:t>
-            </a:r>
-            <a:endParaRPr lang="en-US" sz="1200" b="0" i="0" kern="1200" dirty="0" smtClean="0">
-              <a:solidFill>
-                <a:schemeClr val="tx1"/>
-              </a:solidFill>
-              <a:effectLst/>
-              <a:latin typeface="+mn-lt"/>
-              <a:ea typeface="+mn-ea"/>
-              <a:cs typeface="+mn-cs"/>
-            </a:endParaRPr>
-          </a:p>
-          <a:p>
-            <a:pPr marL="0" marR="0" indent="0" algn="l" defTabSz="914400" rtl="0" eaLnBrk="1" fontAlgn="auto" latinLnBrk="0" hangingPunct="1">
-              <a:lnSpc>
-                <a:spcPct val="100000"/>
-              </a:lnSpc>
-              <a:spcBef>
-                <a:spcPts val="0"/>
-              </a:spcBef>
-              <a:spcAft>
-                <a:spcPts val="0"/>
-              </a:spcAft>
-              <a:buClrTx/>
-              <a:buSzTx/>
-              <a:buFontTx/>
-              <a:buNone/>
-              <a:tabLst/>
-              <a:defRPr/>
-            </a:pPr>
-            <a:r>
-              <a:rPr lang="en-US" dirty="0" err="1" smtClean="0"/>
-              <a:t>ICommand</a:t>
-            </a:r>
-            <a:r>
-              <a:rPr lang="en-US" dirty="0" smtClean="0"/>
-              <a:t> without </a:t>
-            </a:r>
-            <a:r>
-              <a:rPr lang="en-US" dirty="0" err="1" smtClean="0"/>
-              <a:t>WeakReference</a:t>
-            </a:r>
-            <a:r>
-              <a:rPr lang="en-US" dirty="0" smtClean="0"/>
-              <a:t> – </a:t>
-            </a:r>
-            <a:r>
-              <a:rPr lang="ru-RU" dirty="0" smtClean="0"/>
-              <a:t>будет</a:t>
-            </a:r>
+              <a:t>С отпиской от события есть проблема – не всегда можно явно определить момент, когда ресурс не нужен.</a:t>
+            </a:r>
+          </a:p>
+          <a:p>
+            <a:endParaRPr lang="ru-RU" baseline="0" dirty="0" smtClean="0"/>
+          </a:p>
+          <a:p>
             <a:r>
               <a:rPr lang="ru-RU" baseline="0" dirty="0" smtClean="0"/>
-              <a:t> очень плохо</a:t>
-            </a:r>
-            <a:endParaRPr lang="en-US" baseline="0" dirty="0" smtClean="0"/>
-          </a:p>
-          <a:p>
-            <a:pPr marL="0" marR="0" indent="0" algn="l" defTabSz="914400" rtl="0" eaLnBrk="1" fontAlgn="auto" latinLnBrk="0" hangingPunct="1">
-              <a:lnSpc>
-                <a:spcPct val="100000"/>
-              </a:lnSpc>
-              <a:spcBef>
-                <a:spcPts val="0"/>
-              </a:spcBef>
-              <a:spcAft>
-                <a:spcPts val="0"/>
-              </a:spcAft>
-              <a:buClrTx/>
-              <a:buSzTx/>
-              <a:buFontTx/>
-              <a:buNone/>
-              <a:tabLst/>
-              <a:defRPr/>
-            </a:pPr>
-            <a:r>
-              <a:rPr lang="en-US" dirty="0" smtClean="0"/>
-              <a:t>http://csharpindepth.com/articles/chapter2/events.aspx - </a:t>
-            </a:r>
-            <a:r>
-              <a:rPr lang="ru-RU" dirty="0" smtClean="0"/>
-              <a:t>проверить,</a:t>
+              <a:t>Реализация </a:t>
+            </a:r>
+            <a:r>
+              <a:rPr lang="en-US" baseline="0" dirty="0" err="1" smtClean="0"/>
+              <a:t>WeakEventPattern</a:t>
+            </a:r>
+            <a:r>
+              <a:rPr lang="en-US" baseline="0" dirty="0" smtClean="0"/>
+              <a:t> </a:t>
             </a:r>
             <a:r>
               <a:rPr lang="ru-RU" baseline="0" dirty="0" smtClean="0"/>
-              <a:t> что говорит </a:t>
+              <a:t>выходит за рамки доклада. Даже больше – эта тема тянет на полноценный доклад</a:t>
+            </a:r>
+          </a:p>
+          <a:p>
+            <a:endParaRPr lang="ru-RU" baseline="0" dirty="0" smtClean="0"/>
+          </a:p>
+          <a:p>
+            <a:r>
+              <a:rPr lang="en-US" baseline="0" dirty="0" err="1" smtClean="0"/>
+              <a:t>WeakEventManager</a:t>
             </a:r>
             <a:r>
               <a:rPr lang="en-US" baseline="0" dirty="0" smtClean="0"/>
-              <a:t>Jon Skeet</a:t>
-            </a:r>
-          </a:p>
-          <a:p>
-            <a:pPr marL="0" marR="0" indent="0" algn="l" defTabSz="914400" rtl="0" eaLnBrk="1" fontAlgn="auto" latinLnBrk="0" hangingPunct="1">
-              <a:lnSpc>
-                <a:spcPct val="100000"/>
-              </a:lnSpc>
-              <a:spcBef>
-                <a:spcPts val="0"/>
-              </a:spcBef>
-              <a:spcAft>
-                <a:spcPts val="0"/>
-              </a:spcAft>
-              <a:buClrTx/>
-              <a:buSzTx/>
-              <a:buFontTx/>
-              <a:buNone/>
-              <a:tabLst/>
-              <a:defRPr/>
-            </a:pPr>
-            <a:endParaRPr lang="en-US" baseline="0" dirty="0" smtClean="0"/>
-          </a:p>
-          <a:p>
-            <a:pPr marL="0" marR="0" indent="0" algn="l" defTabSz="914400" rtl="0" eaLnBrk="1" fontAlgn="auto" latinLnBrk="0" hangingPunct="1">
-              <a:lnSpc>
-                <a:spcPct val="100000"/>
-              </a:lnSpc>
-              <a:spcBef>
-                <a:spcPts val="0"/>
-              </a:spcBef>
-              <a:spcAft>
-                <a:spcPts val="0"/>
-              </a:spcAft>
-              <a:buClrTx/>
-              <a:buSzTx/>
-              <a:buFontTx/>
-              <a:buNone/>
-              <a:tabLst/>
-              <a:defRPr/>
-            </a:pPr>
-            <a:endParaRPr lang="en-US" dirty="0" smtClean="0"/>
-          </a:p>
-          <a:p>
-            <a:pPr marL="0" marR="0" indent="0" algn="l" defTabSz="914400" rtl="0" eaLnBrk="1" fontAlgn="auto" latinLnBrk="0" hangingPunct="1">
-              <a:lnSpc>
-                <a:spcPct val="100000"/>
-              </a:lnSpc>
-              <a:spcBef>
-                <a:spcPts val="0"/>
-              </a:spcBef>
-              <a:spcAft>
-                <a:spcPts val="0"/>
-              </a:spcAft>
-              <a:buClrTx/>
-              <a:buSzTx/>
-              <a:buFontTx/>
-              <a:buNone/>
-              <a:tabLst/>
-              <a:defRPr/>
-            </a:pPr>
-            <a:endParaRPr lang="ru-RU" sz="1200" b="0" i="0" kern="1200" dirty="0" smtClean="0">
-              <a:solidFill>
-                <a:schemeClr val="tx1"/>
-              </a:solidFill>
-              <a:effectLst/>
-              <a:latin typeface="+mn-lt"/>
-              <a:ea typeface="+mn-ea"/>
-              <a:cs typeface="+mn-cs"/>
-            </a:endParaRPr>
-          </a:p>
-          <a:p>
+              <a:t> </a:t>
+            </a:r>
+            <a:r>
+              <a:rPr lang="ru-RU" baseline="0" dirty="0" smtClean="0"/>
+              <a:t>используется в </a:t>
+            </a:r>
+            <a:r>
+              <a:rPr lang="en-US" baseline="0" dirty="0" smtClean="0"/>
+              <a:t>WPF </a:t>
+            </a:r>
+            <a:r>
+              <a:rPr lang="ru-RU" baseline="0" dirty="0" smtClean="0"/>
+              <a:t>по умолчанию</a:t>
+            </a:r>
             <a:endParaRPr lang="ru-RU" dirty="0"/>
           </a:p>
         </p:txBody>
@@ -4131,7 +4051,7 @@
     </p:spTree>
     <p:extLst>
       <p:ext uri="{BB962C8B-B14F-4D97-AF65-F5344CB8AC3E}">
-        <p14:creationId xmlns:p14="http://schemas.microsoft.com/office/powerpoint/2010/main" val="1809880400"/>
+        <p14:creationId xmlns:p14="http://schemas.microsoft.com/office/powerpoint/2010/main" val="2085352155"/>
       </p:ext>
     </p:extLst>
   </p:cSld>
@@ -4187,74 +4107,41 @@
           <a:p>
             <a:r>
               <a:rPr lang="ru-RU" dirty="0" smtClean="0"/>
-              <a:t>Подробный разбор того,</a:t>
+              <a:t>Простой пример паттерна </a:t>
+            </a:r>
+            <a:r>
+              <a:rPr lang="en-US" dirty="0" smtClean="0"/>
+              <a:t>Weak Event (Weak Reference</a:t>
+            </a:r>
+            <a:r>
+              <a:rPr lang="en-US" dirty="0" smtClean="0"/>
+              <a:t>)</a:t>
+            </a:r>
+            <a:r>
+              <a:rPr lang="ru-RU" dirty="0" smtClean="0"/>
+              <a:t> на стороне издателя/источника события</a:t>
+            </a:r>
+            <a:endParaRPr lang="en-US" dirty="0" smtClean="0"/>
+          </a:p>
+          <a:p>
+            <a:r>
+              <a:rPr lang="ru-RU" dirty="0" smtClean="0"/>
+              <a:t>Используется во</a:t>
             </a:r>
             <a:r>
               <a:rPr lang="ru-RU" baseline="0" dirty="0" smtClean="0"/>
-              <a:t> как бороться с утечками памяти при работе с событиями, тянет на отдельный доклад. Я же сосредоточусь на той части, которая явно касается </a:t>
-            </a:r>
-            <a:r>
-              <a:rPr lang="en-US" baseline="0" dirty="0" smtClean="0"/>
-              <a:t>WPF.</a:t>
-            </a:r>
-          </a:p>
-          <a:p>
-            <a:endParaRPr lang="en-US" baseline="0" dirty="0" smtClean="0"/>
+              <a:t> многих реализациях </a:t>
+            </a:r>
+            <a:r>
+              <a:rPr lang="ru-RU" baseline="0" dirty="0" err="1" smtClean="0"/>
+              <a:t>комманд</a:t>
+            </a:r>
+            <a:endParaRPr lang="ru-RU" baseline="0" dirty="0" smtClean="0"/>
           </a:p>
           <a:p>
             <a:r>
               <a:rPr lang="ru-RU" baseline="0" dirty="0" smtClean="0"/>
-              <a:t>С отпиской от события есть проблема – не всегда можно явно определить момент, когда ресурс не нужен</a:t>
-            </a:r>
-            <a:r>
-              <a:rPr lang="ru-RU" baseline="0" dirty="0" smtClean="0"/>
-              <a:t>.</a:t>
-            </a:r>
-          </a:p>
-          <a:p>
-            <a:endParaRPr lang="ru-RU" baseline="0" dirty="0" smtClean="0"/>
-          </a:p>
-          <a:p>
-            <a:r>
-              <a:rPr lang="ru-RU" baseline="0" dirty="0" smtClean="0"/>
-              <a:t>Реализация </a:t>
-            </a:r>
-            <a:r>
-              <a:rPr lang="en-US" baseline="0" dirty="0" err="1" smtClean="0"/>
-              <a:t>WeakEventPattern</a:t>
-            </a:r>
-            <a:r>
-              <a:rPr lang="en-US" baseline="0" dirty="0" smtClean="0"/>
-              <a:t> </a:t>
-            </a:r>
-            <a:r>
-              <a:rPr lang="ru-RU" baseline="0" dirty="0" smtClean="0"/>
-              <a:t>выходит за рамки доклада. Даже больше – эта тема тянет на полноценный доклад</a:t>
-            </a:r>
-          </a:p>
-          <a:p>
-            <a:endParaRPr lang="ru-RU" baseline="0" dirty="0" smtClean="0"/>
-          </a:p>
-          <a:p>
-            <a:r>
-              <a:rPr lang="en-US" baseline="0" dirty="0" err="1" smtClean="0"/>
-              <a:t>WeakEventManager</a:t>
-            </a:r>
-            <a:r>
-              <a:rPr lang="en-US" baseline="0" dirty="0" smtClean="0"/>
-              <a:t> </a:t>
-            </a:r>
-            <a:r>
-              <a:rPr lang="ru-RU" baseline="0" dirty="0" smtClean="0"/>
-              <a:t>используется в </a:t>
-            </a:r>
-            <a:r>
-              <a:rPr lang="en-US" baseline="0" dirty="0" smtClean="0"/>
-              <a:t>WPF </a:t>
-            </a:r>
-            <a:r>
-              <a:rPr lang="ru-RU" baseline="0" dirty="0" smtClean="0"/>
-              <a:t>по умолчанию</a:t>
+              <a:t>Если подписчик не хранит никакой ссылки на делегат, то делегат/обработчик события будет поглощен при первой же сборке мусора</a:t>
             </a:r>
             <a:endParaRPr lang="ru-RU" dirty="0"/>
           </a:p>
@@ -4286,7 +4173,7 @@
     </p:spTree>
     <p:extLst>
       <p:ext uri="{BB962C8B-B14F-4D97-AF65-F5344CB8AC3E}">
-        <p14:creationId xmlns:p14="http://schemas.microsoft.com/office/powerpoint/2010/main" val="2085352155"/>
+        <p14:creationId xmlns:p14="http://schemas.microsoft.com/office/powerpoint/2010/main" val="1030474530"/>
       </p:ext>
     </p:extLst>
   </p:cSld>
@@ -4425,9 +4312,9 @@
           <a:bodyPr/>
           <a:lstStyle/>
           <a:p>
-            <a:fld id="{AE6C4412-5328-4A60-B238-7673F4E7F8FA}" type="datetime1">
-              <a:rPr lang="ru-RU" smtClean="0"/>
-              <a:t>14.12.2018</a:t>
+            <a:fld id="{C6AFD4B5-933E-4C11-A352-8B2524AE7449}" type="datetime1">
+              <a:rPr lang="ru-RU" smtClean="0"/>
+              <a:t>15.12.2018</a:t>
             </a:fld>
             <a:endParaRPr lang="ru-RU"/>
           </a:p>
@@ -4595,9 +4482,9 @@
           <a:bodyPr/>
           <a:lstStyle/>
           <a:p>
-            <a:fld id="{5D0FC03A-A74A-4A08-84B7-F802F5A721F7}" type="datetime1">
-              <a:rPr lang="ru-RU" smtClean="0"/>
-              <a:t>14.12.2018</a:t>
+            <a:fld id="{9784117B-75FF-4E0B-8615-1E647EFA4B96}" type="datetime1">
+              <a:rPr lang="ru-RU" smtClean="0"/>
+              <a:t>15.12.2018</a:t>
             </a:fld>
             <a:endParaRPr lang="ru-RU"/>
           </a:p>
@@ -4775,9 +4662,9 @@
           <a:bodyPr/>
           <a:lstStyle/>
           <a:p>
-            <a:fld id="{1499B3F4-D165-4990-A87C-5FC246BAC9F7}" type="datetime1">
-              <a:rPr lang="ru-RU" smtClean="0"/>
-              <a:t>14.12.2018</a:t>
+            <a:fld id="{470DBA4C-5AD7-470A-BF79-8970D6712759}" type="datetime1">
+              <a:rPr lang="ru-RU" smtClean="0"/>
+              <a:t>15.12.2018</a:t>
             </a:fld>
             <a:endParaRPr lang="ru-RU"/>
           </a:p>
@@ -4945,9 +4832,9 @@
           <a:bodyPr/>
           <a:lstStyle/>
           <a:p>
-            <a:fld id="{C1A3FD44-8A7F-486D-B8EA-13B1016D83BF}" type="datetime1">
-              <a:rPr lang="ru-RU" smtClean="0"/>
-              <a:t>14.12.2018</a:t>
+            <a:fld id="{7C061E8B-44BC-45F7-874C-70875C7B9127}" type="datetime1">
+              <a:rPr lang="ru-RU" smtClean="0"/>
+              <a:t>15.12.2018</a:t>
             </a:fld>
             <a:endParaRPr lang="ru-RU"/>
           </a:p>
@@ -5191,9 +5078,9 @@
           <a:bodyPr/>
           <a:lstStyle/>
           <a:p>
-            <a:fld id="{B971FEFC-ED50-4C04-BBDE-15C16ACF7308}" type="datetime1">
-              <a:rPr lang="ru-RU" smtClean="0"/>
-              <a:t>14.12.2018</a:t>
+            <a:fld id="{7BAD0495-0212-486F-8469-0B245B7D9FF8}" type="datetime1">
+              <a:rPr lang="ru-RU" smtClean="0"/>
+              <a:t>15.12.2018</a:t>
             </a:fld>
             <a:endParaRPr lang="ru-RU"/>
           </a:p>
@@ -5423,9 +5310,9 @@
           <a:bodyPr/>
           <a:lstStyle/>
           <a:p>
-            <a:fld id="{BEF22659-FB18-44D2-BF07-7BF469712B3B}" type="datetime1">
-              <a:rPr lang="ru-RU" smtClean="0"/>
-              <a:t>14.12.2018</a:t>
+            <a:fld id="{18BAE722-7B84-4889-9131-D23B52F97DE5}" type="datetime1">
+              <a:rPr lang="ru-RU" smtClean="0"/>
+              <a:t>15.12.2018</a:t>
             </a:fld>
             <a:endParaRPr lang="ru-RU"/>
           </a:p>
@@ -5790,9 +5677,9 @@
           <a:bodyPr/>
           <a:lstStyle/>
           <a:p>
-            <a:fld id="{03910110-E1C8-429C-91B4-AB898427B913}" type="datetime1">
-              <a:rPr lang="ru-RU" smtClean="0"/>
-              <a:t>14.12.2018</a:t>
+            <a:fld id="{7E509210-15BF-446E-B6B8-BED026807CA4}" type="datetime1">
+              <a:rPr lang="ru-RU" smtClean="0"/>
+              <a:t>15.12.2018</a:t>
             </a:fld>
             <a:endParaRPr lang="ru-RU"/>
           </a:p>
@@ -5908,9 +5795,9 @@
           <a:bodyPr/>
           <a:lstStyle/>
           <a:p>
-            <a:fld id="{E1C97F68-3117-4A8D-AFF3-306AF9D7829E}" type="datetime1">
-              <a:rPr lang="ru-RU" smtClean="0"/>
-              <a:t>14.12.2018</a:t>
+            <a:fld id="{B326AB31-5BA2-4DD6-9CB4-A517F65142A5}" type="datetime1">
+              <a:rPr lang="ru-RU" smtClean="0"/>
+              <a:t>15.12.2018</a:t>
             </a:fld>
             <a:endParaRPr lang="ru-RU"/>
           </a:p>
@@ -6003,9 +5890,9 @@
           <a:bodyPr/>
           <a:lstStyle/>
           <a:p>
-            <a:fld id="{DBF3FFE3-77EB-4E4A-87B9-448AFDF8564D}" type="datetime1">
-              <a:rPr lang="ru-RU" smtClean="0"/>
-              <a:t>14.12.2018</a:t>
+            <a:fld id="{EECAA796-8F68-4D24-8ED4-8E007C892AC5}" type="datetime1">
+              <a:rPr lang="ru-RU" smtClean="0"/>
+              <a:t>15.12.2018</a:t>
             </a:fld>
             <a:endParaRPr lang="ru-RU"/>
           </a:p>
@@ -6280,9 +6167,9 @@
           <a:bodyPr/>
           <a:lstStyle/>
           <a:p>
-            <a:fld id="{92F2FF54-7038-45D9-AD90-3481CC163A1C}" type="datetime1">
-              <a:rPr lang="ru-RU" smtClean="0"/>
-              <a:t>14.12.2018</a:t>
+            <a:fld id="{6357AEC7-5842-4C9E-BDB6-75FE6CCB1486}" type="datetime1">
+              <a:rPr lang="ru-RU" smtClean="0"/>
+              <a:t>15.12.2018</a:t>
             </a:fld>
             <a:endParaRPr lang="ru-RU"/>
           </a:p>
@@ -6533,9 +6420,9 @@
           <a:bodyPr/>
           <a:lstStyle/>
           <a:p>
-            <a:fld id="{637E5B95-744C-44CB-83B3-2FA06C8C0785}" type="datetime1">
-              <a:rPr lang="ru-RU" smtClean="0"/>
-              <a:t>14.12.2018</a:t>
+            <a:fld id="{C9DE6A4B-6AF1-4E00-BAD5-7D2617035EF8}" type="datetime1">
+              <a:rPr lang="ru-RU" smtClean="0"/>
+              <a:t>15.12.2018</a:t>
             </a:fld>
             <a:endParaRPr lang="ru-RU"/>
           </a:p>
@@ -6746,9 +6633,9 @@
             </a:lvl1pPr>
           </a:lstStyle>
           <a:p>
-            <a:fld id="{E9CF887D-F3FB-4CDB-A944-6D708F6CCD29}" type="datetime1">
-              <a:rPr lang="ru-RU" smtClean="0"/>
-              <a:t>14.12.2018</a:t>
+            <a:fld id="{1C363885-3080-45A2-871D-1A00A65F2387}" type="datetime1">
+              <a:rPr lang="ru-RU" smtClean="0"/>
+              <a:t>15.12.2018</a:t>
             </a:fld>
             <a:endParaRPr lang="ru-RU"/>
           </a:p>
@@ -7295,25 +7182,22 @@
           <a:lstStyle/>
           <a:p>
             <a:r>
+              <a:rPr lang="en-US" b="1" dirty="0" smtClean="0"/>
+              <a:t>Weak </a:t>
+            </a:r>
+            <a:r>
+              <a:rPr lang="en-US" b="1" dirty="0" smtClean="0"/>
+              <a:t>event</a:t>
+            </a:r>
+            <a:r>
               <a:rPr lang="ru-RU" b="1" dirty="0" smtClean="0"/>
-              <a:t>Как лечить </a:t>
+              <a:t> </a:t>
             </a:r>
             <a:r>
               <a:rPr lang="en-US" b="1" dirty="0" smtClean="0"/>
-              <a:t>Event </a:t>
-            </a:r>
-            <a:r>
-              <a:rPr lang="en-US" b="1" dirty="0"/>
-              <a:t>Handler </a:t>
-            </a:r>
-            <a:r>
-              <a:rPr lang="en-US" b="1" dirty="0" smtClean="0"/>
-              <a:t>leak</a:t>
-            </a:r>
-            <a:r>
-              <a:rPr lang="ru-RU" b="1" dirty="0"/>
-              <a:t>?</a:t>
-            </a:r>
+              <a:t>example</a:t>
+            </a:r>
+            <a:endParaRPr lang="ru-RU" b="1" dirty="0"/>
           </a:p>
         </p:txBody>
       </p:sp>
@@ -7339,17 +7223,53 @@
             </a:pPr>
             <a:r>
               <a:rPr lang="ru-RU" dirty="0" smtClean="0"/>
-              <a:t>Явная </a:t>
-            </a:r>
-            <a:r>
-              <a:rPr lang="ru-RU" dirty="0" smtClean="0"/>
-              <a:t>отписка от </a:t>
-            </a:r>
-            <a:r>
-              <a:rPr lang="ru-RU" dirty="0" smtClean="0"/>
-              <a:t>событий </a:t>
-            </a:r>
-            <a:endParaRPr lang="ru-RU" dirty="0" smtClean="0"/>
+              <a:t>Пример для реализаций </a:t>
+            </a:r>
+            <a:r>
+              <a:rPr lang="en-US" b="1" dirty="0" err="1" smtClean="0"/>
+              <a:t>I</a:t>
+            </a:r>
+            <a:r>
+              <a:rPr lang="en-US" b="1" dirty="0" err="1"/>
+              <a:t>C</a:t>
+            </a:r>
+            <a:r>
+              <a:rPr lang="en-US" b="1" dirty="0" err="1" smtClean="0"/>
+              <a:t>ommand</a:t>
+            </a:r>
+            <a:r>
+              <a:rPr lang="ru-RU" b="1" dirty="0" smtClean="0"/>
+              <a:t>:</a:t>
+            </a:r>
+            <a:endParaRPr lang="en-US" dirty="0"/>
+          </a:p>
+          <a:p>
+            <a:pPr marL="0" indent="0">
+              <a:lnSpc>
+                <a:spcPct val="150000"/>
+              </a:lnSpc>
+              <a:buNone/>
+            </a:pPr>
+            <a:r>
+              <a:rPr lang="en-US" dirty="0" smtClean="0"/>
+              <a:t>	</a:t>
+            </a:r>
+            <a:r>
+              <a:rPr lang="en-US" i="1" dirty="0" err="1" smtClean="0"/>
+              <a:t>CommandManager.InvalidateRequery</a:t>
+            </a:r>
+            <a:r>
+              <a:rPr lang="en-US" i="1" dirty="0" smtClean="0"/>
+              <a:t> += </a:t>
+            </a:r>
+            <a:r>
+              <a:rPr lang="en-US" i="1" dirty="0" err="1" smtClean="0"/>
+              <a:t>OnInvalidateRequery</a:t>
+            </a:r>
+            <a:r>
+              <a:rPr lang="en-US" i="1" dirty="0" smtClean="0"/>
+              <a:t>;</a:t>
+            </a:r>
           </a:p>
           <a:p>
             <a:pPr>
@@ -7358,18 +7278,14 @@
               </a:lnSpc>
             </a:pPr>
             <a:r>
-              <a:rPr lang="en-US" b="1" dirty="0" err="1"/>
-              <a:t>IDisposable</a:t>
-            </a:r>
-            <a:r>
-              <a:rPr lang="en-US" dirty="0"/>
-              <a:t> </a:t>
-            </a:r>
-            <a:r>
               <a:rPr lang="en-US" dirty="0" smtClean="0"/>
-              <a:t>pattern</a:t>
-            </a:r>
-            <a:endParaRPr lang="ru-RU" dirty="0"/>
+              <a:t>Weak Reference </a:t>
+            </a:r>
+            <a:r>
+              <a:rPr lang="ru-RU" dirty="0" smtClean="0"/>
+              <a:t>для обработчика события</a:t>
+            </a:r>
+            <a:endParaRPr lang="ru-RU" dirty="0" smtClean="0"/>
           </a:p>
           <a:p>
             <a:pPr>
@@ -7378,46 +7294,30 @@
               </a:lnSpc>
             </a:pPr>
             <a:r>
-              <a:rPr lang="en-US" dirty="0" smtClean="0"/>
-              <a:t>Behavior</a:t>
-            </a:r>
-            <a:r>
-              <a:rPr lang="en-US" dirty="0"/>
-              <a:t>, Trigger </a:t>
-            </a:r>
-            <a:r>
-              <a:rPr lang="ru-RU" dirty="0"/>
-              <a:t>и </a:t>
-            </a:r>
-            <a:r>
-              <a:rPr lang="ru-RU" dirty="0" smtClean="0"/>
-              <a:t>прочие «дополнения» к </a:t>
-            </a:r>
-            <a:r>
-              <a:rPr lang="en-US" dirty="0" smtClean="0"/>
-              <a:t>View</a:t>
-            </a:r>
-            <a:endParaRPr lang="ru-RU" dirty="0" smtClean="0"/>
-          </a:p>
-          <a:p>
-            <a:pPr>
-              <a:lnSpc>
-                <a:spcPct val="150000"/>
-              </a:lnSpc>
-            </a:pPr>
-            <a:r>
-              <a:rPr lang="ru-RU" dirty="0" smtClean="0"/>
-              <a:t>Нельзя точно определить момент отписки – используем </a:t>
-            </a:r>
-            <a:r>
-              <a:rPr lang="en-US" b="1" dirty="0" err="1" smtClean="0"/>
-              <a:t>WeakEventManager</a:t>
-            </a:r>
-            <a:r>
-              <a:rPr lang="en-US" b="1" dirty="0" smtClean="0"/>
-              <a:t>/Weak event pattern</a:t>
-            </a:r>
-            <a:endParaRPr lang="ru-RU" b="1" dirty="0"/>
+              <a:rPr lang="ru-RU" dirty="0" smtClean="0"/>
+              <a:t>Может привести к </a:t>
+            </a:r>
+            <a:r>
+              <a:rPr lang="ru-RU" dirty="0" smtClean="0"/>
+              <a:t>преждевременному </a:t>
+            </a:r>
+            <a:r>
+              <a:rPr lang="ru-RU" dirty="0" smtClean="0"/>
+              <a:t>уничтожению</a:t>
+            </a:r>
+            <a:r>
+              <a:rPr lang="ru-RU" dirty="0" smtClean="0"/>
+              <a:t> </a:t>
+            </a:r>
+            <a:r>
+              <a:rPr lang="ru-RU" dirty="0" smtClean="0"/>
+              <a:t>обработчика </a:t>
+            </a:r>
+            <a:r>
+              <a:rPr lang="ru-RU" dirty="0" smtClean="0"/>
+              <a:t>события сборщиком мусора</a:t>
+            </a:r>
+            <a:endParaRPr lang="ru-RU" dirty="0"/>
           </a:p>
         </p:txBody>
       </p:sp>
@@ -7447,7 +7347,7 @@
     </p:spTree>
     <p:extLst>
       <p:ext uri="{BB962C8B-B14F-4D97-AF65-F5344CB8AC3E}">
-        <p14:creationId xmlns:p14="http://schemas.microsoft.com/office/powerpoint/2010/main" val="563520572"/>
+        <p14:creationId xmlns:p14="http://schemas.microsoft.com/office/powerpoint/2010/main" val="3609930348"/>
       </p:ext>
     </p:extLst>
   </p:cSld>
@@ -7497,8 +7397,8 @@
           <a:lstStyle/>
           <a:p>
             <a:r>
-              <a:rPr lang="en-US" b="1" dirty="0" smtClean="0"/>
-              <a:t>Weak event</a:t>
+              <a:rPr lang="en-US" b="1" dirty="0" err="1" smtClean="0"/>
+              <a:t>DispatcherTimer</a:t>
             </a:r>
             <a:endParaRPr lang="ru-RU" b="1" dirty="0"/>
           </a:p>
@@ -7525,14 +7425,80 @@
               </a:lnSpc>
             </a:pPr>
             <a:r>
-              <a:rPr lang="ru-RU" dirty="0" smtClean="0"/>
-              <a:t>Пример для реализаций </a:t>
+              <a:rPr lang="ru-RU" dirty="0"/>
+              <a:t>Частный случай </a:t>
+            </a:r>
+            <a:r>
+              <a:rPr lang="en-US" dirty="0"/>
+              <a:t>Event Handler Leak</a:t>
+            </a:r>
+          </a:p>
+          <a:p>
+            <a:pPr>
+              <a:lnSpc>
+                <a:spcPct val="150000"/>
+              </a:lnSpc>
+            </a:pPr>
+            <a:r>
+              <a:rPr lang="en-US" dirty="0" smtClean="0"/>
+              <a:t>Dispatcher </a:t>
+            </a:r>
+            <a:r>
+              <a:rPr lang="ru-RU" dirty="0" smtClean="0"/>
+              <a:t>ссылается на коллекцию </a:t>
+            </a:r>
+            <a:r>
+              <a:rPr lang="en-US" dirty="0" err="1" smtClean="0"/>
+              <a:t>DispatcherTimers</a:t>
+            </a:r>
+            <a:endParaRPr lang="ru-RU" dirty="0" smtClean="0"/>
+          </a:p>
+          <a:p>
+            <a:pPr>
+              <a:lnSpc>
+                <a:spcPct val="150000"/>
+              </a:lnSpc>
+            </a:pPr>
+            <a:r>
+              <a:rPr lang="ru-RU" b="1" dirty="0" smtClean="0"/>
+              <a:t>Лечение</a:t>
+            </a:r>
+            <a:r>
+              <a:rPr lang="ru-RU" dirty="0" smtClean="0"/>
+              <a:t> – остановка таймера + отписка от события </a:t>
+            </a:r>
+            <a:r>
+              <a:rPr lang="en-US" dirty="0" smtClean="0"/>
+              <a:t>Tick,</a:t>
+            </a:r>
+            <a:r>
+              <a:rPr lang="en-US" dirty="0"/>
+              <a:t> </a:t>
             </a:r>
             <a:r>
               <a:rPr lang="en-US" b="1" dirty="0" err="1" smtClean="0"/>
-              <a:t>ICommand</a:t>
-            </a:r>
-            <a:endParaRPr lang="en-US" dirty="0"/>
+              <a:t>IDisposable</a:t>
+            </a:r>
+            <a:r>
+              <a:rPr lang="en-US" dirty="0" smtClean="0"/>
+              <a:t> pattern</a:t>
+            </a:r>
+          </a:p>
+          <a:p>
+            <a:pPr>
+              <a:lnSpc>
+                <a:spcPct val="150000"/>
+              </a:lnSpc>
+            </a:pPr>
+            <a:r>
+              <a:rPr lang="ru-RU" dirty="0" smtClean="0"/>
+              <a:t>Второй вариант – другой тип таймера + </a:t>
+            </a:r>
+            <a:r>
+              <a:rPr lang="en-US" b="1" dirty="0" err="1" smtClean="0"/>
+              <a:t>Dispatcher.BeginInvoke</a:t>
+            </a:r>
+            <a:endParaRPr lang="ru-RU" b="1" dirty="0"/>
           </a:p>
           <a:p>
             <a:pPr marL="0" indent="0">
@@ -7541,57 +7507,7 @@
               </a:lnSpc>
               <a:buNone/>
             </a:pPr>
-            <a:r>
-              <a:rPr lang="en-US" dirty="0" smtClean="0"/>
-              <a:t>	</a:t>
-            </a:r>
-            <a:r>
-              <a:rPr lang="en-US" i="1" dirty="0" err="1" smtClean="0"/>
-              <a:t>CommandManager.InvalidateRequery</a:t>
-            </a:r>
-            <a:r>
-              <a:rPr lang="en-US" i="1" dirty="0" smtClean="0"/>
-              <a:t> += </a:t>
-            </a:r>
-            <a:r>
-              <a:rPr lang="en-US" i="1" dirty="0" err="1" smtClean="0"/>
-              <a:t>OnInvalidateRequery</a:t>
-            </a:r>
-            <a:r>
-              <a:rPr lang="en-US" i="1" dirty="0" smtClean="0"/>
-              <a:t>;</a:t>
-            </a:r>
-          </a:p>
-          <a:p>
-            <a:pPr>
-              <a:lnSpc>
-                <a:spcPct val="150000"/>
-              </a:lnSpc>
-            </a:pPr>
-            <a:r>
-              <a:rPr lang="en-US" dirty="0" err="1" smtClean="0"/>
-              <a:t>InvalidateRequery</a:t>
-            </a:r>
-            <a:r>
-              <a:rPr lang="en-US" dirty="0" smtClean="0"/>
-              <a:t> </a:t>
-            </a:r>
-            <a:r>
-              <a:rPr lang="ru-RU" dirty="0" smtClean="0"/>
-              <a:t>использует слабую ссылку</a:t>
-            </a:r>
-          </a:p>
-          <a:p>
-            <a:pPr>
-              <a:lnSpc>
-                <a:spcPct val="150000"/>
-              </a:lnSpc>
-            </a:pPr>
-            <a:r>
-              <a:rPr lang="ru-RU" dirty="0" smtClean="0"/>
-              <a:t>Может привести к преждевременной сборке мусора для обработчика события</a:t>
-            </a:r>
-            <a:endParaRPr lang="ru-RU" dirty="0"/>
+            <a:endParaRPr lang="en-US" dirty="0" smtClean="0"/>
           </a:p>
         </p:txBody>
       </p:sp>
@@ -7621,13 +7537,20 @@
     </p:spTree>
     <p:extLst>
       <p:ext uri="{BB962C8B-B14F-4D97-AF65-F5344CB8AC3E}">
-        <p14:creationId xmlns:p14="http://schemas.microsoft.com/office/powerpoint/2010/main" val="3609930348"/>
+        <p14:creationId xmlns:p14="http://schemas.microsoft.com/office/powerpoint/2010/main" val="791737739"/>
       </p:ext>
     </p:extLst>
   </p:cSld>
   <p:clrMapOvr>
     <a:masterClrMapping/>
   </p:clrMapOvr>
+  <p:timing>
+    <p:tnLst>
+      <p:par>
+        <p:cTn id="1" dur="indefinite" restart="never" nodeType="tmRoot"/>
+      </p:par>
+    </p:tnLst>
+  </p:timing>
 </p:sld>
 </file>
 
@@ -7664,8 +7587,8 @@
           <a:lstStyle/>
           <a:p>
             <a:r>
-              <a:rPr lang="en-US" b="1" dirty="0" err="1" smtClean="0"/>
-              <a:t>DispatcherTimer</a:t>
+              <a:rPr lang="en-US" b="1" dirty="0" smtClean="0"/>
+              <a:t>Links to objects in parent windows</a:t>
             </a:r>
             <a:endParaRPr lang="ru-RU" b="1" dirty="0"/>
           </a:p>
@@ -7692,13 +7615,22 @@
               </a:lnSpc>
             </a:pPr>
             <a:r>
+              <a:rPr lang="en-US" dirty="0" smtClean="0"/>
+              <a:t>View1 </a:t>
+            </a:r>
+            <a:r>
+              <a:rPr lang="ru-RU" dirty="0" smtClean="0"/>
+              <a:t>явно ссылается на свойство или подписывается на событие</a:t>
+            </a:r>
+            <a:r>
+              <a:rPr lang="en-US" dirty="0"/>
+              <a:t> View2</a:t>
+            </a:r>
+            <a:r>
               <a:rPr lang="ru-RU" dirty="0"/>
-              <a:t>Частный случай </a:t>
-            </a:r>
-            <a:r>
-              <a:rPr lang="en-US" dirty="0"/>
-              <a:t>Event Handler Leak</a:t>
-            </a:r>
+              <a:t> </a:t>
+            </a:r>
+            <a:endParaRPr lang="ru-RU" dirty="0" smtClean="0"/>
           </a:p>
           <a:p>
             <a:pPr>
@@ -7707,18 +7639,18 @@
               </a:lnSpc>
             </a:pPr>
             <a:r>
+              <a:rPr lang="ru-RU" dirty="0" smtClean="0"/>
+              <a:t>При закрытии </a:t>
+            </a:r>
+            <a:r>
               <a:rPr lang="en-US" dirty="0" smtClean="0"/>
-              <a:t>Dispatcher </a:t>
-            </a:r>
-            <a:r>
-              <a:rPr lang="ru-RU" dirty="0" smtClean="0"/>
-              <a:t>ссылается на коллекцию </a:t>
-            </a:r>
-            <a:r>
-              <a:rPr lang="en-US" dirty="0" err="1" smtClean="0"/>
-              <a:t>DispatcherTimers</a:t>
-            </a:r>
-            <a:endParaRPr lang="ru-RU" dirty="0" smtClean="0"/>
+              <a:t>View2 </a:t>
+            </a:r>
+            <a:r>
+              <a:rPr lang="ru-RU" dirty="0" smtClean="0"/>
+              <a:t>память не освободится</a:t>
+            </a:r>
+            <a:endParaRPr lang="en-US" dirty="0" smtClean="0"/>
           </a:p>
           <a:p>
             <a:pPr>
@@ -7727,29 +7659,34 @@
               </a:lnSpc>
             </a:pPr>
             <a:r>
-              <a:rPr lang="ru-RU" b="1" dirty="0" smtClean="0"/>
-              <a:t>Лечение</a:t>
-            </a:r>
-            <a:r>
-              <a:rPr lang="ru-RU" dirty="0" smtClean="0"/>
-              <a:t> – остановка таймера + отписка от события </a:t>
+              <a:rPr lang="ru-RU" dirty="0" smtClean="0"/>
+              <a:t>Частный случай – </a:t>
+            </a:r>
+            <a:r>
+              <a:rPr lang="en-US" b="1" dirty="0" err="1" smtClean="0"/>
+              <a:t>CommandBinding</a:t>
             </a:r>
             <a:r>
               <a:rPr lang="en-US" dirty="0" smtClean="0"/>
-              <a:t>Tick,</a:t>
-            </a:r>
-            <a:r>
-              <a:rPr lang="en-US" dirty="0"/>
               <a:t> </a:t>
             </a:r>
             <a:r>
-              <a:rPr lang="en-US" b="1" dirty="0" err="1" smtClean="0"/>
-              <a:t>IDisposable</a:t>
+              <a:rPr lang="ru-RU" dirty="0" smtClean="0"/>
+              <a:t>(команда определена в </a:t>
             </a:r>
             <a:r>
               <a:rPr lang="en-US" dirty="0" smtClean="0"/>
-              <a:t> pattern</a:t>
-            </a:r>
+              <a:t>View1, </a:t>
+            </a:r>
+            <a:r>
+              <a:rPr lang="ru-RU" dirty="0" smtClean="0"/>
+              <a:t>обработчик определен в </a:t>
+            </a:r>
+            <a:r>
+              <a:rPr lang="en-US" dirty="0" smtClean="0"/>
+              <a:t>View2)</a:t>
+            </a:r>
+            <a:endParaRPr lang="en-US" dirty="0"/>
           </a:p>
           <a:p>
             <a:pPr>
@@ -7758,29 +7695,28 @@
               </a:lnSpc>
             </a:pPr>
             <a:r>
-              <a:rPr lang="ru-RU" dirty="0" smtClean="0"/>
-              <a:t>Второй вариант – другой тип таймера + </a:t>
+              <a:rPr lang="ru-RU" b="1" dirty="0" smtClean="0"/>
+              <a:t>Лечение</a:t>
+            </a:r>
+            <a:r>
+              <a:rPr lang="ru-RU" dirty="0" smtClean="0"/>
+              <a:t> – </a:t>
             </a:r>
             <a:r>
               <a:rPr lang="en-US" b="1" dirty="0" err="1" smtClean="0"/>
-              <a:t>Dispatcher.BeginInvoke</a:t>
-            </a:r>
-            <a:endParaRPr lang="ru-RU" b="1" dirty="0"/>
-          </a:p>
-          <a:p>
-            <a:pPr marL="0" indent="0">
-              <a:lnSpc>
-                <a:spcPct val="150000"/>
-              </a:lnSpc>
-              <a:buNone/>
-            </a:pPr>
-            <a:endParaRPr lang="en-US" dirty="0" smtClean="0"/>
-          </a:p>
-        </p:txBody>
-      </p:sp>
-      <p:sp>
-        <p:nvSpPr>
-          <p:cNvPr id="4" name="Номер слайда 3"/>
+              <a:t>IDisposable</a:t>
+            </a:r>
+            <a:r>
+              <a:rPr lang="en-US" dirty="0" smtClean="0"/>
+              <a:t> pattern</a:t>
+            </a:r>
+            <a:endParaRPr lang="ru-RU" dirty="0"/>
+          </a:p>
+        </p:txBody>
+      </p:sp>
+      <p:sp>
+        <p:nvSpPr>
+          <p:cNvPr id="5" name="Номер слайда 4"/>
           <p:cNvSpPr>
             <a:spLocks noGrp="1"/>
           </p:cNvSpPr>
@@ -7804,7 +7740,7 @@
     </p:spTree>
     <p:extLst>
       <p:ext uri="{BB962C8B-B14F-4D97-AF65-F5344CB8AC3E}">
-        <p14:creationId xmlns:p14="http://schemas.microsoft.com/office/powerpoint/2010/main" val="791737739"/>
+        <p14:creationId xmlns:p14="http://schemas.microsoft.com/office/powerpoint/2010/main" val="1847520887"/>
       </p:ext>
     </p:extLst>
   </p:cSld>
@@ -7855,7 +7791,11 @@
           <a:p>
             <a:r>
               <a:rPr lang="en-US" b="1" dirty="0" smtClean="0"/>
-              <a:t>Links to objects in parent windows</a:t>
+              <a:t>Many instances of </a:t>
+            </a:r>
+            <a:r>
+              <a:rPr lang="en-US" b="1" dirty="0" err="1" smtClean="0"/>
+              <a:t>ResourceDictionaries</a:t>
             </a:r>
             <a:endParaRPr lang="ru-RU" b="1" dirty="0"/>
           </a:p>
@@ -7882,22 +7822,17 @@
               </a:lnSpc>
             </a:pPr>
             <a:r>
-              <a:rPr lang="en-US" dirty="0" smtClean="0"/>
-              <a:t>View1 </a:t>
-            </a:r>
-            <a:r>
-              <a:rPr lang="ru-RU" dirty="0" smtClean="0"/>
-              <a:t>явно ссылается на свойство или подписывается на событие</a:t>
-            </a:r>
-            <a:r>
-              <a:rPr lang="en-US" dirty="0"/>
-              <a:t> View2</a:t>
-            </a:r>
-            <a:r>
-              <a:rPr lang="ru-RU" dirty="0"/>
-              <a:t> </a:t>
-            </a:r>
-            <a:endParaRPr lang="ru-RU" dirty="0" smtClean="0"/>
+              <a:rPr lang="ru-RU" dirty="0" smtClean="0"/>
+              <a:t>Не использовать </a:t>
+            </a:r>
+            <a:r>
+              <a:rPr lang="en-US" dirty="0" err="1" smtClean="0"/>
+              <a:t>ResourceDictionary</a:t>
+            </a:r>
+            <a:r>
+              <a:rPr lang="ru-RU" dirty="0" smtClean="0"/>
+              <a:t> = выстрелить себе в ногу</a:t>
+            </a:r>
           </a:p>
           <a:p>
             <a:pPr>
@@ -7907,17 +7842,16 @@
             </a:pPr>
             <a:r>
               <a:rPr lang="ru-RU" dirty="0" smtClean="0"/>
-              <a:t>При закрытии </a:t>
-            </a:r>
-            <a:r>
-              <a:rPr lang="en-US" dirty="0" smtClean="0"/>
-              <a:t>View2 </a:t>
-            </a:r>
-            <a:r>
-              <a:rPr lang="ru-RU" dirty="0" smtClean="0"/>
-              <a:t>память не освободится</a:t>
-            </a:r>
-            <a:endParaRPr lang="en-US" dirty="0" smtClean="0"/>
+              <a:t>Множество экземпляров </a:t>
+            </a:r>
+            <a:r>
+              <a:rPr lang="en-US" dirty="0" err="1" smtClean="0"/>
+              <a:t>ResourceDictionary</a:t>
+            </a:r>
+            <a:r>
+              <a:rPr lang="ru-RU" dirty="0" smtClean="0"/>
+              <a:t> во время жизни приложения</a:t>
+            </a:r>
           </a:p>
           <a:p>
             <a:pPr>
@@ -7926,34 +7860,17 @@
               </a:lnSpc>
             </a:pPr>
             <a:r>
-              <a:rPr lang="ru-RU" dirty="0" smtClean="0"/>
-              <a:t>Частный случай – </a:t>
-            </a:r>
-            <a:r>
-              <a:rPr lang="en-US" b="1" dirty="0" err="1" smtClean="0"/>
-              <a:t>CommandBinding</a:t>
-            </a:r>
-            <a:r>
-              <a:rPr lang="en-US" dirty="0" smtClean="0"/>
+              <a:rPr lang="ru-RU" b="1" dirty="0" smtClean="0"/>
+              <a:t>Лечение - </a:t>
+            </a:r>
+            <a:r>
+              <a:rPr lang="en-US" dirty="0" err="1" smtClean="0"/>
+              <a:t>SharedResourceDictionary</a:t>
+            </a:r>
+            <a:r>
+              <a:rPr lang="ru-RU" dirty="0" smtClean="0"/>
               <a:t> </a:t>
             </a:r>
-            <a:r>
-              <a:rPr lang="ru-RU" dirty="0" smtClean="0"/>
-              <a:t>(команда определена в </a:t>
-            </a:r>
-            <a:r>
-              <a:rPr lang="en-US" dirty="0" smtClean="0"/>
-              <a:t>View1, </a:t>
-            </a:r>
-            <a:r>
-              <a:rPr lang="ru-RU" dirty="0" smtClean="0"/>
-              <a:t>обработчик определен в </a:t>
-            </a:r>
-            <a:r>
-              <a:rPr lang="en-US" dirty="0" smtClean="0"/>
-              <a:t>View2)</a:t>
-            </a:r>
-            <a:endParaRPr lang="en-US" dirty="0"/>
           </a:p>
           <a:p>
             <a:pPr>
@@ -7962,24 +7879,40 @@
               </a:lnSpc>
             </a:pPr>
             <a:r>
-              <a:rPr lang="ru-RU" b="1" dirty="0" smtClean="0"/>
-              <a:t>Лечение</a:t>
-            </a:r>
-            <a:r>
-              <a:rPr lang="ru-RU" dirty="0" smtClean="0"/>
+              <a:rPr lang="en-US" dirty="0" smtClean="0"/>
+              <a:t>[Obsolete] </a:t>
+            </a:r>
+            <a:r>
+              <a:rPr lang="ru-RU" dirty="0" smtClean="0"/>
+              <a:t>В</a:t>
+            </a:r>
+            <a:r>
+              <a:rPr lang="en-US" dirty="0" smtClean="0"/>
               <a:t> </a:t>
             </a:r>
             <a:r>
-              <a:rPr lang="ru-RU" dirty="0" smtClean="0"/>
-              <a:t>– </a:t>
+              <a:rPr lang="en-US" dirty="0" err="1" smtClean="0"/>
+              <a:t>.Net</a:t>
+            </a:r>
+            <a:r>
+              <a:rPr lang="en-US" dirty="0" smtClean="0"/>
+              <a:t> Framework 3.5 </a:t>
+            </a:r>
+            <a:r>
+              <a:rPr lang="ru-RU" dirty="0" smtClean="0"/>
+              <a:t>– явный обход всех </a:t>
             </a:r>
             <a:r>
               <a:rPr lang="en-US" b="1" dirty="0" err="1" smtClean="0"/>
-              <a:t>IDisposable</a:t>
+              <a:t>MergedDictionaries</a:t>
             </a:r>
             <a:r>
               <a:rPr lang="en-US" dirty="0" smtClean="0"/>
-              <a:t> pattern</a:t>
+              <a:t> </a:t>
+            </a:r>
+            <a:r>
+              <a:rPr lang="ru-RU" dirty="0" smtClean="0"/>
+              <a:t>при старте приложения</a:t>
             </a:r>
             <a:endParaRPr lang="ru-RU" dirty="0"/>
           </a:p>
@@ -7987,7 +7920,7 @@
       </p:sp>
       <p:sp>
         <p:nvSpPr>
-          <p:cNvPr id="5" name="Номер слайда 4"/>
+          <p:cNvPr id="4" name="Номер слайда 3"/>
           <p:cNvSpPr>
             <a:spLocks noGrp="1"/>
           </p:cNvSpPr>
@@ -8011,7 +7944,7 @@
     </p:spTree>
     <p:extLst>
       <p:ext uri="{BB962C8B-B14F-4D97-AF65-F5344CB8AC3E}">
-        <p14:creationId xmlns:p14="http://schemas.microsoft.com/office/powerpoint/2010/main" val="1847520887"/>
+        <p14:creationId xmlns:p14="http://schemas.microsoft.com/office/powerpoint/2010/main" val="2760842793"/>
       </p:ext>
     </p:extLst>
   </p:cSld>
@@ -8055,18 +7988,19 @@
             <p:ph type="title"/>
           </p:nvPr>
         </p:nvSpPr>
-        <p:spPr/>
+        <p:spPr>
+          <a:xfrm>
+            <a:off x="838200" y="410368"/>
+            <a:ext cx="10515600" cy="1325563"/>
+          </a:xfrm>
+        </p:spPr>
         <p:txBody>
           <a:bodyPr/>
           <a:lstStyle/>
           <a:p>
             <a:r>
               <a:rPr lang="en-US" b="1" dirty="0" smtClean="0"/>
-              <a:t>Many instances of </a:t>
-            </a:r>
-            <a:r>
-              <a:rPr lang="en-US" b="1" dirty="0" err="1" smtClean="0"/>
-              <a:t>ResourceDictionaries</a:t>
+              <a:t>Textbox undo</a:t>
             </a:r>
             <a:endParaRPr lang="ru-RU" b="1" dirty="0"/>
           </a:p>
@@ -8084,7 +8018,9 @@
         </p:nvSpPr>
         <p:spPr/>
         <p:txBody>
-          <a:bodyPr/>
+          <a:bodyPr>
+            <a:normAutofit/>
+          </a:bodyPr>
           <a:lstStyle/>
           <a:p>
             <a:pPr>
@@ -8093,18 +8029,17 @@
               </a:lnSpc>
             </a:pPr>
             <a:r>
-              <a:rPr lang="ru-RU" dirty="0" smtClean="0"/>
-              <a:t>Не использовать </a:t>
-            </a:r>
-            <a:r>
-              <a:rPr lang="en-US" dirty="0" err="1" smtClean="0"/>
-              <a:t>ResourceDictionary</a:t>
-            </a:r>
-            <a:r>
-              <a:rPr lang="ru-RU" dirty="0" smtClean="0"/>
-              <a:t> = выстрелить себе в ногу</a:t>
-            </a:r>
-            <a:endParaRPr lang="ru-RU" dirty="0" smtClean="0"/>
+              <a:rPr lang="en-US" dirty="0" smtClean="0"/>
+              <a:t>Undo </a:t>
+            </a:r>
+            <a:r>
+              <a:rPr lang="ru-RU" dirty="0" smtClean="0"/>
+              <a:t>– включено по </a:t>
+            </a:r>
+            <a:r>
+              <a:rPr lang="ru-RU" dirty="0" smtClean="0"/>
+              <a:t>умолчанию</a:t>
+            </a:r>
           </a:p>
           <a:p>
             <a:pPr>
@@ -8113,16 +8048,28 @@
               </a:lnSpc>
             </a:pPr>
             <a:r>
-              <a:rPr lang="ru-RU" dirty="0" smtClean="0"/>
-              <a:t>Множество экземпляров </a:t>
-            </a:r>
-            <a:r>
               <a:rPr lang="en-US" dirty="0" err="1" smtClean="0"/>
-              <a:t>ResourceDictionary</a:t>
-            </a:r>
-            <a:r>
-              <a:rPr lang="ru-RU" dirty="0" smtClean="0"/>
-              <a:t> во время жизни приложения</a:t>
+              <a:t>UndoManager</a:t>
+            </a:r>
+            <a:r>
+              <a:rPr lang="ru-RU" dirty="0" smtClean="0"/>
+              <a:t> </a:t>
+            </a:r>
+            <a:r>
+              <a:rPr lang="ru-RU" dirty="0"/>
+              <a:t>– </a:t>
+            </a:r>
+            <a:r>
+              <a:rPr lang="ru-RU" dirty="0" smtClean="0"/>
+              <a:t>хранит </a:t>
+            </a:r>
+            <a:r>
+              <a:rPr lang="ru-RU" b="1" dirty="0" smtClean="0"/>
+              <a:t>весь</a:t>
+            </a:r>
+            <a:r>
+              <a:rPr lang="ru-RU" dirty="0" smtClean="0"/>
+              <a:t> вводимый текст </a:t>
             </a:r>
             <a:endParaRPr lang="ru-RU" dirty="0" smtClean="0"/>
           </a:p>
@@ -8134,58 +8081,47 @@
             </a:pPr>
             <a:r>
               <a:rPr lang="ru-RU" b="1" dirty="0" smtClean="0"/>
-              <a:t>Лечение - </a:t>
-            </a:r>
-            <a:r>
-              <a:rPr lang="en-US" dirty="0" err="1" smtClean="0"/>
-              <a:t>SharedResourceDictionary</a:t>
-            </a:r>
-            <a:r>
-              <a:rPr lang="ru-RU" dirty="0" smtClean="0"/>
-              <a:t> </a:t>
-            </a:r>
-          </a:p>
-          <a:p>
-            <a:pPr>
+              <a:t>Лечение</a:t>
+            </a:r>
+            <a:r>
+              <a:rPr lang="ru-RU" dirty="0" smtClean="0"/>
+              <a:t> – ограничить или отключить операцию </a:t>
+            </a:r>
+            <a:r>
+              <a:rPr lang="en-US" dirty="0" smtClean="0"/>
+              <a:t>Undo</a:t>
+            </a:r>
+          </a:p>
+          <a:p>
+            <a:pPr marL="457200" lvl="1" indent="0">
               <a:lnSpc>
                 <a:spcPct val="150000"/>
               </a:lnSpc>
+              <a:buNone/>
             </a:pPr>
             <a:r>
+              <a:rPr lang="en-US" dirty="0" err="1" smtClean="0"/>
+              <a:t>IsUndoEnabled</a:t>
+            </a:r>
+            <a:r>
               <a:rPr lang="en-US" dirty="0" smtClean="0"/>
-              <a:t>[Obsolete] </a:t>
-            </a:r>
-            <a:r>
-              <a:rPr lang="ru-RU" dirty="0" smtClean="0"/>
-              <a:t>В</a:t>
+              <a:t>=“False”</a:t>
+            </a:r>
+          </a:p>
+          <a:p>
+            <a:pPr marL="457200" lvl="1" indent="0">
+              <a:lnSpc>
+                <a:spcPct val="150000"/>
+              </a:lnSpc>
+              <a:buNone/>
+            </a:pPr>
+            <a:r>
+              <a:rPr lang="en-US" dirty="0" err="1" smtClean="0"/>
+              <a:t>UndoLimit</a:t>
             </a:r>
             <a:r>
               <a:rPr lang="en-US" dirty="0" smtClean="0"/>
-              <a:t> </a:t>
-            </a:r>
-            <a:r>
-              <a:rPr lang="en-US" dirty="0" err="1" smtClean="0"/>
-              <a:t>.Net</a:t>
-            </a:r>
-            <a:r>
-              <a:rPr lang="en-US" dirty="0" smtClean="0"/>
-              <a:t> Framework 3.5 </a:t>
-            </a:r>
-            <a:r>
-              <a:rPr lang="ru-RU" dirty="0" smtClean="0"/>
-              <a:t>– явный обход всех </a:t>
-            </a:r>
-            <a:r>
-              <a:rPr lang="en-US" b="1" dirty="0" err="1" smtClean="0"/>
-              <a:t>MergedDictionaries</a:t>
-            </a:r>
-            <a:r>
-              <a:rPr lang="en-US" dirty="0" smtClean="0"/>
-              <a:t> </a:t>
-            </a:r>
-            <a:r>
-              <a:rPr lang="ru-RU" dirty="0" smtClean="0"/>
-              <a:t>при старте приложения</a:t>
+              <a:t>=“10”</a:t>
             </a:r>
             <a:endParaRPr lang="ru-RU" dirty="0"/>
           </a:p>
@@ -8217,13 +8153,20 @@
     </p:spTree>
     <p:extLst>
       <p:ext uri="{BB962C8B-B14F-4D97-AF65-F5344CB8AC3E}">
-        <p14:creationId xmlns:p14="http://schemas.microsoft.com/office/powerpoint/2010/main" val="2760842793"/>
+        <p14:creationId xmlns:p14="http://schemas.microsoft.com/office/powerpoint/2010/main" val="3782083779"/>
       </p:ext>
     </p:extLst>
   </p:cSld>
   <p:clrMapOvr>
     <a:masterClrMapping/>
   </p:clrMapOvr>
+  <p:timing>
+    <p:tnLst>
+      <p:par>
+        <p:cTn id="1" dur="indefinite" restart="never" nodeType="tmRoot"/>
+      </p:par>
+    </p:tnLst>
+  </p:timing>
 </p:sld>
 </file>
 
@@ -8261,7 +8204,7 @@
           <a:p>
             <a:r>
               <a:rPr lang="en-US" b="1" dirty="0" smtClean="0"/>
-              <a:t>Textbox undo</a:t>
+              <a:t>Media effect resource leak</a:t>
             </a:r>
             <a:endParaRPr lang="ru-RU" b="1" dirty="0"/>
           </a:p>
@@ -8286,108 +8229,89 @@
           <a:p>
             <a:pPr>
               <a:lnSpc>
-                <a:spcPct val="150000"/>
+                <a:spcPct val="160000"/>
               </a:lnSpc>
             </a:pPr>
             <a:r>
-              <a:rPr lang="en-US" dirty="0" smtClean="0"/>
-              <a:t>Undo </a:t>
-            </a:r>
-            <a:r>
-              <a:rPr lang="ru-RU" dirty="0" smtClean="0"/>
-              <a:t>– включено по умолчанию</a:t>
-            </a:r>
-            <a:endParaRPr lang="en-US" dirty="0" smtClean="0"/>
+              <a:rPr lang="ru-RU" dirty="0" smtClean="0"/>
+              <a:t>Стиль определен в </a:t>
+            </a:r>
+            <a:r>
+              <a:rPr lang="en-US" b="1" dirty="0" err="1" smtClean="0"/>
+              <a:t>ResourceDictionary</a:t>
+            </a:r>
+            <a:endParaRPr lang="en-US" b="1" dirty="0" smtClean="0"/>
           </a:p>
           <a:p>
             <a:pPr>
               <a:lnSpc>
-                <a:spcPct val="150000"/>
+                <a:spcPct val="160000"/>
               </a:lnSpc>
             </a:pPr>
             <a:r>
               <a:rPr lang="ru-RU" dirty="0" smtClean="0"/>
-              <a:t>Отмена ввода – не баг, а </a:t>
-            </a:r>
-            <a:r>
-              <a:rPr lang="ru-RU" dirty="0" err="1" smtClean="0"/>
-              <a:t>фича</a:t>
-            </a:r>
-            <a:r>
-              <a:rPr lang="ru-RU" dirty="0"/>
-              <a:t>?</a:t>
+              <a:t>Стиль использует </a:t>
+            </a:r>
+            <a:r>
+              <a:rPr lang="en-US" b="1" dirty="0" err="1" smtClean="0"/>
+              <a:t>ControlTemplate</a:t>
+            </a:r>
+            <a:r>
+              <a:rPr lang="en-US" dirty="0" smtClean="0"/>
+              <a:t> </a:t>
+            </a:r>
+            <a:r>
+              <a:rPr lang="ru-RU" dirty="0" smtClean="0"/>
+              <a:t>с медиа эффектом (</a:t>
+            </a:r>
+            <a:r>
+              <a:rPr lang="en-US" b="1" dirty="0" err="1" smtClean="0"/>
+              <a:t>DropShadowEffect</a:t>
+            </a:r>
+            <a:r>
+              <a:rPr lang="en-US" dirty="0" smtClean="0"/>
+              <a:t>)</a:t>
             </a:r>
           </a:p>
           <a:p>
             <a:pPr>
               <a:lnSpc>
-                <a:spcPct val="150000"/>
+                <a:spcPct val="160000"/>
               </a:lnSpc>
             </a:pPr>
             <a:r>
-              <a:rPr lang="en-US" dirty="0" err="1"/>
-              <a:t>UndoManager</a:t>
-            </a:r>
-            <a:r>
-              <a:rPr lang="ru-RU" dirty="0"/>
-              <a:t> – корень всех </a:t>
-            </a:r>
-            <a:r>
-              <a:rPr lang="ru-RU" dirty="0" smtClean="0"/>
-              <a:t>зол</a:t>
-            </a:r>
+              <a:rPr lang="ru-RU" dirty="0" smtClean="0"/>
+              <a:t>Медиа эффект используется через </a:t>
+            </a:r>
+            <a:r>
+              <a:rPr lang="en-US" b="1" dirty="0" err="1" smtClean="0"/>
+              <a:t>StaticResource</a:t>
+            </a:r>
+            <a:endParaRPr lang="en-US" b="1" dirty="0"/>
           </a:p>
           <a:p>
             <a:pPr>
               <a:lnSpc>
-                <a:spcPct val="150000"/>
+                <a:spcPct val="160000"/>
               </a:lnSpc>
             </a:pPr>
             <a:r>
-              <a:rPr lang="ru-RU" b="1" dirty="0" smtClean="0"/>
-              <a:t>Лечение</a:t>
-            </a:r>
-            <a:r>
-              <a:rPr lang="ru-RU" dirty="0" smtClean="0"/>
-              <a:t> – ограничить или отключить операцию </a:t>
+              <a:rPr lang="ru-RU" dirty="0" smtClean="0"/>
+              <a:t>Срабатывание трех условий одновременно – </a:t>
+            </a:r>
+            <a:r>
+              <a:rPr lang="ru-RU" dirty="0" err="1" smtClean="0"/>
+              <a:t>джекпот</a:t>
             </a:r>
             <a:r>
               <a:rPr lang="en-US" dirty="0" smtClean="0"/>
-              <a:t>Undo</a:t>
-            </a:r>
-          </a:p>
-          <a:p>
-            <a:pPr marL="457200" lvl="1" indent="0">
-              <a:lnSpc>
-                <a:spcPct val="150000"/>
-              </a:lnSpc>
-              <a:buNone/>
-            </a:pPr>
-            <a:r>
-              <a:rPr lang="en-US" dirty="0" err="1" smtClean="0"/>
-              <a:t>IsUndoEnabled</a:t>
-            </a:r>
-            <a:r>
-              <a:rPr lang="en-US" dirty="0" smtClean="0"/>
-              <a:t>=“False”</a:t>
-            </a:r>
-          </a:p>
-          <a:p>
-            <a:pPr marL="457200" lvl="1" indent="0">
-              <a:lnSpc>
-                <a:spcPct val="150000"/>
-              </a:lnSpc>
-              <a:buNone/>
-            </a:pPr>
-            <a:r>
-              <a:rPr lang="en-US" dirty="0" err="1" smtClean="0"/>
-              <a:t>UndoLimit</a:t>
-            </a:r>
-            <a:r>
-              <a:rPr lang="en-US" dirty="0" smtClean="0"/>
-              <a:t>=“10”</a:t>
-            </a:r>
-            <a:endParaRPr lang="ru-RU" dirty="0"/>
+              <a:t>! (</a:t>
+            </a:r>
+            <a:r>
+              <a:rPr lang="ru-RU" dirty="0" smtClean="0"/>
+              <a:t>Не всегда)</a:t>
+            </a:r>
+            <a:endParaRPr lang="en-US" dirty="0" smtClean="0"/>
           </a:p>
         </p:txBody>
       </p:sp>
@@ -8417,7 +8341,7 @@
     </p:spTree>
     <p:extLst>
       <p:ext uri="{BB962C8B-B14F-4D97-AF65-F5344CB8AC3E}">
-        <p14:creationId xmlns:p14="http://schemas.microsoft.com/office/powerpoint/2010/main" val="3782083779"/>
+        <p14:creationId xmlns:p14="http://schemas.microsoft.com/office/powerpoint/2010/main" val="1416765959"/>
       </p:ext>
     </p:extLst>
   </p:cSld>
@@ -8467,10 +8391,22 @@
           <a:lstStyle/>
           <a:p>
             <a:r>
+              <a:rPr lang="ru-RU" b="1" dirty="0" smtClean="0"/>
+              <a:t>Как лечить </a:t>
+            </a:r>
+            <a:r>
+              <a:rPr lang="en-US" b="1" dirty="0"/>
+              <a:t>Media effect resource </a:t>
+            </a:r>
+            <a:r>
               <a:rPr lang="en-US" b="1" dirty="0" smtClean="0"/>
-              <a:t>Media effect resource leak</a:t>
-            </a:r>
-            <a:endParaRPr lang="ru-RU" b="1" dirty="0"/>
+              <a:t>leak</a:t>
+            </a:r>
+            <a:r>
+              <a:rPr lang="ru-RU" b="1" dirty="0" smtClean="0"/>
+              <a:t>?</a:t>
+            </a:r>
+            <a:endParaRPr lang="ru-RU" dirty="0"/>
           </a:p>
         </p:txBody>
       </p:sp>
@@ -8486,100 +8422,109 @@
         </p:nvSpPr>
         <p:spPr/>
         <p:txBody>
-          <a:bodyPr>
-            <a:normAutofit/>
-          </a:bodyPr>
-          <a:lstStyle/>
+          <a:bodyPr/>
+          <a:lstStyle/>
+          <a:p>
+            <a:pPr marL="228600" lvl="1">
+              <a:lnSpc>
+                <a:spcPct val="150000"/>
+              </a:lnSpc>
+              <a:spcBef>
+                <a:spcPts val="1000"/>
+              </a:spcBef>
+            </a:pPr>
+            <a:r>
+              <a:rPr lang="ru-RU" sz="2800" dirty="0" smtClean="0"/>
+              <a:t>Необходимо следить за обновлением состояния незамороженного эффекта</a:t>
+            </a:r>
+            <a:endParaRPr lang="en-US" sz="2800" dirty="0" smtClean="0"/>
+          </a:p>
           <a:p>
             <a:pPr>
               <a:lnSpc>
-                <a:spcPct val="160000"/>
+                <a:spcPct val="150000"/>
               </a:lnSpc>
             </a:pPr>
             <a:r>
               <a:rPr lang="ru-RU" dirty="0" smtClean="0"/>
-              <a:t>Стиль определен в </a:t>
+              <a:t>Атрибут </a:t>
+            </a:r>
+            <a:r>
+              <a:rPr lang="en-US" b="1" dirty="0" smtClean="0"/>
+              <a:t>Freeze</a:t>
+            </a:r>
+            <a:r>
+              <a:rPr lang="en-US" dirty="0" smtClean="0"/>
+              <a:t> </a:t>
+            </a:r>
+            <a:r>
+              <a:rPr lang="ru-RU" dirty="0" smtClean="0"/>
+              <a:t>для неизменяемых в </a:t>
+            </a:r>
+            <a:r>
+              <a:rPr lang="ru-RU" dirty="0" err="1" smtClean="0"/>
+              <a:t>рантайме</a:t>
+            </a:r>
+            <a:r>
+              <a:rPr lang="ru-RU" dirty="0" smtClean="0"/>
+              <a:t> </a:t>
+            </a:r>
+            <a:r>
+              <a:rPr lang="ru-RU" dirty="0" smtClean="0"/>
+              <a:t>эффектов</a:t>
+            </a:r>
+            <a:endParaRPr lang="en-US" dirty="0" smtClean="0"/>
+          </a:p>
+          <a:p>
+            <a:pPr marL="0" lvl="1" indent="0">
+              <a:lnSpc>
+                <a:spcPct val="150000"/>
+              </a:lnSpc>
+              <a:spcBef>
+                <a:spcPts val="1000"/>
+              </a:spcBef>
+              <a:buNone/>
+            </a:pPr>
+            <a:r>
+              <a:rPr lang="ru-RU" dirty="0" smtClean="0"/>
+              <a:t>	</a:t>
+            </a:r>
+            <a:r>
+              <a:rPr lang="en-US" dirty="0" smtClean="0"/>
+              <a:t>“</a:t>
+            </a:r>
+            <a:r>
+              <a:rPr lang="en-US" dirty="0" err="1"/>
+              <a:t>PresentationOptions:Freeze</a:t>
+            </a:r>
+            <a:r>
+              <a:rPr lang="en-US" dirty="0"/>
+              <a:t>=True”</a:t>
+            </a:r>
+          </a:p>
+          <a:p>
+            <a:pPr>
+              <a:lnSpc>
+                <a:spcPct val="150000"/>
+              </a:lnSpc>
+            </a:pPr>
+            <a:r>
+              <a:rPr lang="en-US" dirty="0" smtClean="0"/>
+              <a:t>Application </a:t>
             </a:r>
             <a:r>
               <a:rPr lang="en-US" b="1" dirty="0" err="1" smtClean="0"/>
               <a:t>ResourceDictionary</a:t>
             </a:r>
-            <a:endParaRPr lang="en-US" b="1" dirty="0" smtClean="0"/>
-          </a:p>
-          <a:p>
-            <a:pPr>
-              <a:lnSpc>
-                <a:spcPct val="160000"/>
-              </a:lnSpc>
-            </a:pPr>
-            <a:r>
-              <a:rPr lang="ru-RU" dirty="0" smtClean="0"/>
-              <a:t>Стиль использует </a:t>
-            </a:r>
-            <a:r>
-              <a:rPr lang="en-US" b="1" dirty="0" err="1" smtClean="0"/>
-              <a:t>ControlTemplate</a:t>
-            </a:r>
             <a:r>
               <a:rPr lang="en-US" dirty="0" smtClean="0"/>
-              <a:t> </a:t>
-            </a:r>
-            <a:r>
-              <a:rPr lang="ru-RU" dirty="0" smtClean="0"/>
-              <a:t>с медиа эффектом (</a:t>
-            </a:r>
-            <a:r>
-              <a:rPr lang="en-US" b="1" dirty="0" err="1" smtClean="0"/>
-              <a:t>DropShadowEffect</a:t>
-            </a:r>
-            <a:r>
-              <a:rPr lang="en-US" dirty="0" smtClean="0"/>
-              <a:t>)</a:t>
-            </a:r>
-          </a:p>
-          <a:p>
-            <a:pPr>
-              <a:lnSpc>
-                <a:spcPct val="160000"/>
-              </a:lnSpc>
-            </a:pPr>
-            <a:r>
-              <a:rPr lang="ru-RU" dirty="0" smtClean="0"/>
-              <a:t>Медиа эффект используется через </a:t>
-            </a:r>
-            <a:r>
-              <a:rPr lang="en-US" b="1" dirty="0" err="1" smtClean="0"/>
-              <a:t>StaticResource</a:t>
-            </a:r>
-            <a:endParaRPr lang="en-US" b="1" dirty="0"/>
-          </a:p>
-          <a:p>
-            <a:pPr>
-              <a:lnSpc>
-                <a:spcPct val="160000"/>
-              </a:lnSpc>
-            </a:pPr>
-            <a:r>
-              <a:rPr lang="ru-RU" dirty="0" smtClean="0"/>
-              <a:t>Срабатывание трех условий одновременно – </a:t>
-            </a:r>
-            <a:r>
-              <a:rPr lang="ru-RU" dirty="0" err="1" smtClean="0"/>
-              <a:t>джекпот</a:t>
-            </a:r>
-            <a:r>
-              <a:rPr lang="en-US" dirty="0" smtClean="0"/>
-              <a:t>! </a:t>
-            </a:r>
-            <a:r>
-              <a:rPr lang="en-US" dirty="0" smtClean="0"/>
-              <a:t>(</a:t>
-            </a:r>
-            <a:r>
-              <a:rPr lang="ru-RU" dirty="0" smtClean="0"/>
-              <a:t>Не всегда)</a:t>
-            </a:r>
-            <a:endParaRPr lang="en-US" dirty="0" smtClean="0"/>
+              <a:t> -&gt; View </a:t>
+            </a:r>
+            <a:r>
+              <a:rPr lang="en-US" b="1" dirty="0" err="1"/>
+              <a:t>ResourceDictionary</a:t>
+            </a:r>
+            <a:endParaRPr lang="ru-RU" b="1" dirty="0"/>
           </a:p>
         </p:txBody>
       </p:sp>
@@ -8609,7 +8554,7 @@
     </p:spTree>
     <p:extLst>
       <p:ext uri="{BB962C8B-B14F-4D97-AF65-F5344CB8AC3E}">
-        <p14:creationId xmlns:p14="http://schemas.microsoft.com/office/powerpoint/2010/main" val="1416765959"/>
+        <p14:creationId xmlns:p14="http://schemas.microsoft.com/office/powerpoint/2010/main" val="185660273"/>
       </p:ext>
     </p:extLst>
   </p:cSld>
@@ -8659,22 +8604,10 @@
           <a:lstStyle/>
           <a:p>
             <a:r>
-              <a:rPr lang="ru-RU" b="1" dirty="0" smtClean="0"/>
-              <a:t>Как лечить </a:t>
-            </a:r>
-            <a:r>
-              <a:rPr lang="en-US" b="1" dirty="0"/>
-              <a:t>Media effect resource </a:t>
-            </a:r>
-            <a:r>
               <a:rPr lang="en-US" b="1" dirty="0" smtClean="0"/>
-              <a:t>leak</a:t>
-            </a:r>
-            <a:r>
-              <a:rPr lang="ru-RU" b="1" dirty="0" smtClean="0"/>
-              <a:t>?</a:t>
-            </a:r>
-            <a:endParaRPr lang="ru-RU" dirty="0"/>
+              <a:t>x:Name</a:t>
+            </a:r>
+            <a:endParaRPr lang="ru-RU" b="1" dirty="0"/>
           </a:p>
         </p:txBody>
       </p:sp>
@@ -8690,31 +8623,10 @@
         </p:nvSpPr>
         <p:spPr/>
         <p:txBody>
-          <a:bodyPr/>
-          <a:lstStyle/>
-          <a:p>
-            <a:pPr marL="228600" lvl="1">
-              <a:lnSpc>
-                <a:spcPct val="150000"/>
-              </a:lnSpc>
-              <a:spcBef>
-                <a:spcPts val="1000"/>
-              </a:spcBef>
-            </a:pPr>
-            <a:r>
-              <a:rPr lang="en-US" dirty="0" smtClean="0"/>
-              <a:t>“</a:t>
-            </a:r>
-            <a:r>
-              <a:rPr lang="en-US" dirty="0" err="1" smtClean="0"/>
-              <a:t>PresentationOptions:Freeze</a:t>
-            </a:r>
-            <a:r>
-              <a:rPr lang="en-US" dirty="0" smtClean="0"/>
-              <a:t>=True”</a:t>
-            </a:r>
-            <a:endParaRPr lang="en-US" dirty="0"/>
-          </a:p>
+          <a:bodyPr>
+            <a:normAutofit lnSpcReduction="10000"/>
+          </a:bodyPr>
+          <a:lstStyle/>
           <a:p>
             <a:pPr>
               <a:lnSpc>
@@ -8723,28 +8635,29 @@
             </a:pPr>
             <a:r>
               <a:rPr lang="ru-RU" dirty="0" smtClean="0"/>
-              <a:t>Атрибут </a:t>
-            </a:r>
-            <a:r>
-              <a:rPr lang="en-US" b="1" dirty="0" smtClean="0"/>
-              <a:t>Freeze</a:t>
+              <a:t>Позволяет сослаться на </a:t>
             </a:r>
             <a:r>
               <a:rPr lang="en-US" dirty="0" smtClean="0"/>
-              <a:t> </a:t>
-            </a:r>
-            <a:r>
-              <a:rPr lang="ru-RU" dirty="0" smtClean="0"/>
-              <a:t>для неизменяемых в </a:t>
-            </a:r>
-            <a:r>
-              <a:rPr lang="ru-RU" dirty="0" err="1" smtClean="0"/>
-              <a:t>рантайме</a:t>
-            </a:r>
-            <a:r>
-              <a:rPr lang="ru-RU" dirty="0" smtClean="0"/>
-              <a:t> эффектов</a:t>
-            </a:r>
+              <a:t>control </a:t>
+            </a:r>
+            <a:r>
+              <a:rPr lang="ru-RU" dirty="0" smtClean="0"/>
+              <a:t>по </a:t>
+            </a:r>
+            <a:r>
+              <a:rPr lang="en-US" b="1" dirty="0" err="1" smtClean="0"/>
+              <a:t>ElementName</a:t>
+            </a:r>
+            <a:r>
+              <a:rPr lang="ru-RU" dirty="0" smtClean="0"/>
+              <a:t> или в </a:t>
+            </a:r>
+            <a:r>
+              <a:rPr lang="en-US" dirty="0" smtClean="0"/>
+              <a:t>code-behind</a:t>
+            </a:r>
+            <a:endParaRPr lang="ru-RU" dirty="0" smtClean="0"/>
           </a:p>
           <a:p>
             <a:pPr>
@@ -8753,22 +8666,100 @@
               </a:lnSpc>
             </a:pPr>
             <a:r>
+              <a:rPr lang="ru-RU" dirty="0" smtClean="0"/>
+              <a:t>Создает строгую глобальную ссылку на </a:t>
+            </a:r>
+            <a:r>
               <a:rPr lang="en-US" dirty="0" smtClean="0"/>
-              <a:t>Application </a:t>
-            </a:r>
-            <a:r>
-              <a:rPr lang="en-US" b="1" dirty="0" err="1" smtClean="0"/>
-              <a:t>ResourceDictionary</a:t>
-            </a:r>
+              <a:t>UI </a:t>
+            </a:r>
+            <a:r>
+              <a:rPr lang="ru-RU" dirty="0" smtClean="0"/>
+              <a:t>элемент</a:t>
+            </a:r>
+          </a:p>
+          <a:p>
+            <a:pPr>
+              <a:lnSpc>
+                <a:spcPct val="150000"/>
+              </a:lnSpc>
+            </a:pPr>
             <a:r>
               <a:rPr lang="en-US" dirty="0" smtClean="0"/>
-              <a:t> -&gt; View </a:t>
+              <a:t>Name VS x:Name</a:t>
+            </a:r>
+            <a:endParaRPr lang="ru-RU" dirty="0"/>
+          </a:p>
+          <a:p>
+            <a:pPr>
+              <a:lnSpc>
+                <a:spcPct val="150000"/>
+              </a:lnSpc>
+            </a:pPr>
+            <a:r>
+              <a:rPr lang="ru-RU" b="1" dirty="0" smtClean="0"/>
+              <a:t>Лечение</a:t>
+            </a:r>
+            <a:r>
+              <a:rPr lang="ru-RU" dirty="0" smtClean="0"/>
+              <a:t> - </a:t>
+            </a:r>
+            <a:r>
+              <a:rPr lang="en-US" dirty="0" err="1" smtClean="0"/>
+              <a:t>UnregisterName</a:t>
+            </a:r>
+            <a:r>
+              <a:rPr lang="en-US" dirty="0" smtClean="0"/>
+              <a:t>(“</a:t>
+            </a:r>
+            <a:r>
+              <a:rPr lang="en-US" dirty="0" err="1" smtClean="0"/>
+              <a:t>elementName</a:t>
+            </a:r>
+            <a:r>
+              <a:rPr lang="en-US" dirty="0" smtClean="0"/>
+              <a:t>”)</a:t>
+            </a:r>
+            <a:r>
+              <a:rPr lang="ru-RU" dirty="0" smtClean="0"/>
+              <a:t> при уничтожении </a:t>
+            </a:r>
+            <a:r>
+              <a:rPr lang="en-US" dirty="0" smtClean="0"/>
+              <a:t>View</a:t>
+            </a:r>
+            <a:r>
+              <a:rPr lang="ru-RU" dirty="0" smtClean="0"/>
+              <a:t>, </a:t>
             </a:r>
             <a:r>
               <a:rPr lang="en-US" b="1" dirty="0" err="1"/>
-              <a:t>ResourceDictionary</a:t>
-            </a:r>
-            <a:endParaRPr lang="ru-RU" b="1" dirty="0"/>
+              <a:t>IDisposable</a:t>
+            </a:r>
+            <a:r>
+              <a:rPr lang="en-US" dirty="0"/>
+              <a:t> </a:t>
+            </a:r>
+            <a:r>
+              <a:rPr lang="en-US" dirty="0" smtClean="0"/>
+              <a:t>pattern</a:t>
+            </a:r>
+          </a:p>
+          <a:p>
+            <a:pPr>
+              <a:lnSpc>
+                <a:spcPct val="150000"/>
+              </a:lnSpc>
+            </a:pPr>
+            <a:r>
+              <a:rPr lang="ru-RU" dirty="0" smtClean="0"/>
+              <a:t>Второй вариант – использовать свойство </a:t>
+            </a:r>
+            <a:r>
+              <a:rPr lang="en-US" dirty="0" smtClean="0"/>
+              <a:t>Name</a:t>
+            </a:r>
+            <a:endParaRPr lang="ru-RU" dirty="0"/>
           </a:p>
         </p:txBody>
       </p:sp>
@@ -8798,13 +8789,20 @@
     </p:spTree>
     <p:extLst>
       <p:ext uri="{BB962C8B-B14F-4D97-AF65-F5344CB8AC3E}">
-        <p14:creationId xmlns:p14="http://schemas.microsoft.com/office/powerpoint/2010/main" val="185660273"/>
+        <p14:creationId xmlns:p14="http://schemas.microsoft.com/office/powerpoint/2010/main" val="1894424396"/>
       </p:ext>
     </p:extLst>
   </p:cSld>
   <p:clrMapOvr>
     <a:masterClrMapping/>
   </p:clrMapOvr>
+  <p:timing>
+    <p:tnLst>
+      <p:par>
+        <p:cTn id="1" dur="indefinite" restart="never" nodeType="tmRoot"/>
+      </p:par>
+    </p:tnLst>
+  </p:timing>
 </p:sld>
 </file>
 
@@ -8841,8 +8839,8 @@
           <a:lstStyle/>
           <a:p>
             <a:r>
-              <a:rPr lang="en-US" b="1" dirty="0" smtClean="0"/>
-              <a:t>x:Name</a:t>
+              <a:rPr lang="ru-RU" b="1" dirty="0" smtClean="0"/>
+              <a:t>Выводы</a:t>
             </a:r>
             <a:endParaRPr lang="ru-RU" b="1" dirty="0"/>
           </a:p>
@@ -8860,9 +8858,7 @@
         </p:nvSpPr>
         <p:spPr/>
         <p:txBody>
-          <a:bodyPr>
-            <a:normAutofit/>
-          </a:bodyPr>
+          <a:bodyPr/>
           <a:lstStyle/>
           <a:p>
             <a:pPr>
@@ -8871,30 +8867,18 @@
               </a:lnSpc>
             </a:pPr>
             <a:r>
-              <a:rPr lang="ru-RU" dirty="0" smtClean="0"/>
-              <a:t>Позволяет сослаться на </a:t>
-            </a:r>
-            <a:r>
               <a:rPr lang="en-US" dirty="0" smtClean="0"/>
-              <a:t>control </a:t>
-            </a:r>
-            <a:r>
-              <a:rPr lang="ru-RU" dirty="0" smtClean="0"/>
-              <a:t>по </a:t>
+              <a:t>Binding </a:t>
+            </a:r>
+            <a:r>
+              <a:rPr lang="ru-RU" dirty="0" smtClean="0"/>
+              <a:t>всегда с </a:t>
             </a:r>
             <a:r>
               <a:rPr lang="en-US" b="1" dirty="0" err="1" smtClean="0"/>
-              <a:t>ElementName</a:t>
-            </a:r>
-            <a:r>
-              <a:rPr lang="ru-RU" dirty="0" smtClean="0"/>
-              <a:t> или в </a:t>
-            </a:r>
-            <a:r>
-              <a:rPr lang="en-US" dirty="0" smtClean="0"/>
-              <a:t>code-behind</a:t>
-            </a:r>
-            <a:endParaRPr lang="ru-RU" dirty="0" smtClean="0"/>
+              <a:t>INotifyPropertyChanged</a:t>
+            </a:r>
+            <a:endParaRPr lang="en-US" b="1" dirty="0" smtClean="0"/>
           </a:p>
           <a:p>
             <a:pPr>
@@ -8904,16 +8888,13 @@
             </a:pPr>
             <a:r>
               <a:rPr lang="ru-RU" dirty="0" smtClean="0"/>
-              <a:t>Создает строгую глобальную ссылку на </a:t>
-            </a:r>
-            <a:r>
-              <a:rPr lang="en-US" dirty="0" smtClean="0"/>
-              <a:t>UI </a:t>
-            </a:r>
-            <a:r>
-              <a:rPr lang="ru-RU" dirty="0" smtClean="0"/>
-              <a:t>элемент</a:t>
-            </a:r>
+              <a:t>Отписываемся от </a:t>
+            </a:r>
+            <a:r>
+              <a:rPr lang="ru-RU" dirty="0" smtClean="0"/>
+              <a:t>всех событий</a:t>
+            </a:r>
+            <a:endParaRPr lang="ru-RU" dirty="0" smtClean="0"/>
           </a:p>
           <a:p>
             <a:pPr>
@@ -8922,18 +8903,10 @@
               </a:lnSpc>
             </a:pPr>
             <a:r>
-              <a:rPr lang="en-US" b="1" dirty="0" smtClean="0"/>
-              <a:t>Name</a:t>
-            </a:r>
-            <a:r>
-              <a:rPr lang="en-US" dirty="0" smtClean="0"/>
-              <a:t> VS </a:t>
-            </a:r>
-            <a:r>
-              <a:rPr lang="en-US" b="1" dirty="0" smtClean="0"/>
-              <a:t>x:Name</a:t>
-            </a:r>
-            <a:endParaRPr lang="ru-RU" b="1" dirty="0"/>
+              <a:rPr lang="en-US" b="1" dirty="0" err="1" smtClean="0"/>
+              <a:t>IDisposable</a:t>
+            </a:r>
+            <a:endParaRPr lang="ru-RU" b="1" dirty="0" smtClean="0"/>
           </a:p>
           <a:p>
             <a:pPr>
@@ -8942,54 +8915,22 @@
               </a:lnSpc>
             </a:pPr>
             <a:r>
-              <a:rPr lang="ru-RU" b="1" dirty="0" smtClean="0"/>
-              <a:t>Лечение</a:t>
-            </a:r>
-            <a:r>
-              <a:rPr lang="ru-RU" dirty="0" smtClean="0"/>
-              <a:t> - </a:t>
-            </a:r>
-            <a:r>
-              <a:rPr lang="en-US" dirty="0" err="1" smtClean="0"/>
-              <a:t>UnregisterName</a:t>
-            </a:r>
-            <a:r>
-              <a:rPr lang="en-US" dirty="0" smtClean="0"/>
-              <a:t>(“</a:t>
-            </a:r>
-            <a:r>
-              <a:rPr lang="en-US" dirty="0" err="1" smtClean="0"/>
-              <a:t>elementName</a:t>
-            </a:r>
-            <a:r>
-              <a:rPr lang="en-US" dirty="0" smtClean="0"/>
-              <a:t>”)</a:t>
-            </a:r>
-            <a:r>
-              <a:rPr lang="ru-RU" dirty="0" smtClean="0"/>
-              <a:t> при уничтожении </a:t>
-            </a:r>
-            <a:r>
-              <a:rPr lang="en-US" dirty="0" smtClean="0"/>
-              <a:t>View</a:t>
-            </a:r>
-            <a:r>
-              <a:rPr lang="ru-RU" dirty="0" smtClean="0"/>
-              <a:t>, </a:t>
-            </a:r>
-            <a:r>
-              <a:rPr lang="en-US" b="1" dirty="0" err="1"/>
-              <a:t>IDisposable</a:t>
-            </a:r>
-            <a:r>
-              <a:rPr lang="en-US" dirty="0"/>
+              <a:rPr lang="ru-RU" dirty="0" smtClean="0"/>
+              <a:t>Меньше </a:t>
+            </a:r>
+            <a:r>
+              <a:rPr lang="ru-RU" dirty="0" smtClean="0"/>
+              <a:t>используйте</a:t>
+            </a:r>
+            <a:r>
+              <a:rPr lang="ru-RU" dirty="0" smtClean="0"/>
               <a:t> </a:t>
             </a:r>
             <a:r>
-              <a:rPr lang="en-US" dirty="0" smtClean="0"/>
-              <a:t>pattern</a:t>
-            </a:r>
-            <a:endParaRPr lang="ru-RU" dirty="0"/>
+              <a:rPr lang="en-US" b="1" dirty="0" smtClean="0"/>
+              <a:t>static</a:t>
+            </a:r>
+            <a:endParaRPr lang="ru-RU" dirty="0" smtClean="0"/>
           </a:p>
         </p:txBody>
       </p:sp>
@@ -9019,13 +8960,20 @@
     </p:spTree>
     <p:extLst>
       <p:ext uri="{BB962C8B-B14F-4D97-AF65-F5344CB8AC3E}">
-        <p14:creationId xmlns:p14="http://schemas.microsoft.com/office/powerpoint/2010/main" val="1894424396"/>
+        <p14:creationId xmlns:p14="http://schemas.microsoft.com/office/powerpoint/2010/main" val="722939208"/>
       </p:ext>
     </p:extLst>
   </p:cSld>
   <p:clrMapOvr>
     <a:masterClrMapping/>
   </p:clrMapOvr>
+  <p:timing>
+    <p:tnLst>
+      <p:par>
+        <p:cTn id="1" dur="indefinite" restart="never" nodeType="tmRoot"/>
+      </p:par>
+    </p:tnLst>
+  </p:timing>
 </p:sld>
 </file>
 
@@ -9062,8 +9010,8 @@
           <a:lstStyle/>
           <a:p>
             <a:r>
-              <a:rPr lang="en-US" b="1" dirty="0" smtClean="0"/>
-              <a:t>Third-party libraries</a:t>
+              <a:rPr lang="ru-RU" b="1" dirty="0" smtClean="0"/>
+              <a:t>Как искать утечки памяти?</a:t>
             </a:r>
             <a:endParaRPr lang="ru-RU" b="1" dirty="0"/>
           </a:p>
@@ -9081,9 +9029,7 @@
         </p:nvSpPr>
         <p:spPr/>
         <p:txBody>
-          <a:bodyPr>
-            <a:normAutofit lnSpcReduction="10000"/>
-          </a:bodyPr>
+          <a:bodyPr/>
           <a:lstStyle/>
           <a:p>
             <a:pPr>
@@ -9093,15 +9039,7 @@
             </a:pPr>
             <a:r>
               <a:rPr lang="ru-RU" dirty="0" smtClean="0"/>
-              <a:t>Сторонние </a:t>
-            </a:r>
-            <a:r>
-              <a:rPr lang="ru-RU" dirty="0" err="1" smtClean="0"/>
-              <a:t>контролы</a:t>
-            </a:r>
-            <a:r>
-              <a:rPr lang="ru-RU" dirty="0" smtClean="0"/>
-              <a:t> могут быть причинами утечек памяти</a:t>
+              <a:t>Запускаем профилировщик и выбранное приложение</a:t>
             </a:r>
           </a:p>
           <a:p>
@@ -9110,7 +9048,22 @@
                 <a:spcPct val="150000"/>
               </a:lnSpc>
             </a:pPr>
-            <a:endParaRPr lang="ru-RU" dirty="0"/>
+            <a:r>
+              <a:rPr lang="ru-RU" dirty="0" smtClean="0"/>
+              <a:t>Делаем </a:t>
+            </a:r>
+            <a:r>
+              <a:rPr lang="ru-RU" dirty="0" smtClean="0"/>
+              <a:t>снимок</a:t>
+            </a:r>
+            <a:r>
+              <a:rPr lang="en-US" dirty="0" smtClean="0"/>
+              <a:t> </a:t>
+            </a:r>
+            <a:r>
+              <a:rPr lang="ru-RU" dirty="0" smtClean="0"/>
+              <a:t>используемой памяти</a:t>
+            </a:r>
           </a:p>
           <a:p>
             <a:pPr>
@@ -9119,12 +9072,8 @@
               </a:lnSpc>
             </a:pPr>
             <a:r>
-              <a:rPr lang="ru-RU" b="1" dirty="0" smtClean="0"/>
-              <a:t>Лечение</a:t>
-            </a:r>
-            <a:r>
-              <a:rPr lang="ru-RU" dirty="0" smtClean="0"/>
-              <a:t>:</a:t>
+              <a:rPr lang="ru-RU" dirty="0" smtClean="0"/>
+              <a:t>Следуем рекомендациям профилировщика</a:t>
             </a:r>
           </a:p>
           <a:p>
@@ -9135,18 +9084,19 @@
             </a:pPr>
             <a:r>
               <a:rPr lang="ru-RU" dirty="0" smtClean="0"/>
-              <a:t>1) Если есть исходный код – профилируйте!</a:t>
-            </a:r>
-          </a:p>
-          <a:p>
-            <a:pPr>
-              <a:lnSpc>
-                <a:spcPct val="150000"/>
-              </a:lnSpc>
-            </a:pPr>
-            <a:r>
-              <a:rPr lang="ru-RU" dirty="0" smtClean="0"/>
-              <a:t>2) Если исходного кода нет – обрадуйте разработчика баг-репортом</a:t>
+              <a:t>Повторять </a:t>
+            </a:r>
+            <a:r>
+              <a:rPr lang="ru-RU" dirty="0" smtClean="0"/>
+              <a:t>до </a:t>
+            </a:r>
+            <a:r>
+              <a:rPr lang="ru-RU" dirty="0" smtClean="0"/>
+              <a:t>«полного» </a:t>
+            </a:r>
+            <a:r>
+              <a:rPr lang="ru-RU" dirty="0" smtClean="0"/>
+              <a:t>устранения утечек памяти</a:t>
             </a:r>
             <a:endParaRPr lang="ru-RU" dirty="0"/>
           </a:p>
@@ -9178,7 +9128,7 @@
     </p:spTree>
     <p:extLst>
       <p:ext uri="{BB962C8B-B14F-4D97-AF65-F5344CB8AC3E}">
-        <p14:creationId xmlns:p14="http://schemas.microsoft.com/office/powerpoint/2010/main" val="1830352415"/>
+        <p14:creationId xmlns:p14="http://schemas.microsoft.com/office/powerpoint/2010/main" val="418660911"/>
       </p:ext>
     </p:extLst>
   </p:cSld>
@@ -9247,7 +9197,9 @@
         </p:nvSpPr>
         <p:spPr/>
         <p:txBody>
-          <a:bodyPr/>
+          <a:bodyPr>
+            <a:normAutofit lnSpcReduction="10000"/>
+          </a:bodyPr>
           <a:lstStyle/>
           <a:p>
             <a:pPr>
@@ -9309,7 +9261,22 @@
             </a:pPr>
             <a:r>
               <a:rPr lang="ru-RU" dirty="0" smtClean="0"/>
-              <a:t>Инструменты для поиска утечек</a:t>
+              <a:t>Инструменты для поиска </a:t>
+            </a:r>
+            <a:r>
+              <a:rPr lang="ru-RU" dirty="0" smtClean="0"/>
+              <a:t>утечек</a:t>
+            </a:r>
+          </a:p>
+          <a:p>
+            <a:pPr>
+              <a:lnSpc>
+                <a:spcPct val="150000"/>
+              </a:lnSpc>
+            </a:pPr>
+            <a:r>
+              <a:rPr lang="ru-RU" dirty="0" err="1" smtClean="0"/>
+              <a:t>Демо</a:t>
             </a:r>
             <a:endParaRPr lang="ru-RU" dirty="0"/>
           </a:p>
@@ -9391,329 +9358,6 @@
           <a:lstStyle/>
           <a:p>
             <a:r>
-              <a:rPr lang="ru-RU" b="1" dirty="0" smtClean="0"/>
-              <a:t>Выводы</a:t>
-            </a:r>
-            <a:endParaRPr lang="ru-RU" b="1" dirty="0"/>
-          </a:p>
-        </p:txBody>
-      </p:sp>
-      <p:sp>
-        <p:nvSpPr>
-          <p:cNvPr id="3" name="Объект 2"/>
-          <p:cNvSpPr>
-            <a:spLocks noGrp="1"/>
-          </p:cNvSpPr>
-          <p:nvPr>
-            <p:ph idx="1"/>
-          </p:nvPr>
-        </p:nvSpPr>
-        <p:spPr/>
-        <p:txBody>
-          <a:bodyPr/>
-          <a:lstStyle/>
-          <a:p>
-            <a:pPr>
-              <a:lnSpc>
-                <a:spcPct val="150000"/>
-              </a:lnSpc>
-            </a:pPr>
-            <a:r>
-              <a:rPr lang="en-US" dirty="0" smtClean="0"/>
-              <a:t>Binding </a:t>
-            </a:r>
-            <a:r>
-              <a:rPr lang="ru-RU" dirty="0" smtClean="0"/>
-              <a:t>всегда с </a:t>
-            </a:r>
-            <a:r>
-              <a:rPr lang="en-US" dirty="0" err="1" smtClean="0"/>
-              <a:t>INotifyPropertyChanged</a:t>
-            </a:r>
-            <a:endParaRPr lang="en-US" dirty="0" smtClean="0"/>
-          </a:p>
-          <a:p>
-            <a:pPr>
-              <a:lnSpc>
-                <a:spcPct val="150000"/>
-              </a:lnSpc>
-            </a:pPr>
-            <a:r>
-              <a:rPr lang="ru-RU" dirty="0" smtClean="0"/>
-              <a:t>Отписываемся от событий</a:t>
-            </a:r>
-          </a:p>
-          <a:p>
-            <a:pPr>
-              <a:lnSpc>
-                <a:spcPct val="150000"/>
-              </a:lnSpc>
-            </a:pPr>
-            <a:r>
-              <a:rPr lang="en-US" dirty="0" err="1" smtClean="0"/>
-              <a:t>I</a:t>
-            </a:r>
-            <a:r>
-              <a:rPr lang="en-US" dirty="0" err="1" smtClean="0"/>
-              <a:t>D</a:t>
-            </a:r>
-            <a:r>
-              <a:rPr lang="en-US" dirty="0" err="1" smtClean="0"/>
-              <a:t>isposable</a:t>
-            </a:r>
-            <a:endParaRPr lang="ru-RU" dirty="0" smtClean="0"/>
-          </a:p>
-          <a:p>
-            <a:pPr>
-              <a:lnSpc>
-                <a:spcPct val="150000"/>
-              </a:lnSpc>
-            </a:pPr>
-            <a:r>
-              <a:rPr lang="ru-RU" dirty="0" smtClean="0"/>
-              <a:t>Меньше работы со </a:t>
-            </a:r>
-            <a:r>
-              <a:rPr lang="en-US" dirty="0" smtClean="0"/>
-              <a:t>static</a:t>
-            </a:r>
-            <a:endParaRPr lang="ru-RU" dirty="0"/>
-          </a:p>
-          <a:p>
-            <a:pPr>
-              <a:lnSpc>
-                <a:spcPct val="150000"/>
-              </a:lnSpc>
-            </a:pPr>
-            <a:r>
-              <a:rPr lang="ru-RU" dirty="0" smtClean="0"/>
-              <a:t>Грамотная архитектура</a:t>
-            </a:r>
-            <a:endParaRPr lang="ru-RU" dirty="0" smtClean="0"/>
-          </a:p>
-        </p:txBody>
-      </p:sp>
-      <p:sp>
-        <p:nvSpPr>
-          <p:cNvPr id="4" name="Номер слайда 3"/>
-          <p:cNvSpPr>
-            <a:spLocks noGrp="1"/>
-          </p:cNvSpPr>
-          <p:nvPr>
-            <p:ph type="sldNum" sz="quarter" idx="12"/>
-          </p:nvPr>
-        </p:nvSpPr>
-        <p:spPr/>
-        <p:txBody>
-          <a:bodyPr/>
-          <a:lstStyle/>
-          <a:p>
-            <a:fld id="{4341117B-7091-4FB7-97F8-A6CA9A2FE1D4}" type="slidenum">
-              <a:rPr lang="ru-RU" smtClean="0"/>
-              <a:t>20</a:t>
-            </a:fld>
-            <a:endParaRPr lang="ru-RU"/>
-          </a:p>
-        </p:txBody>
-      </p:sp>
-    </p:spTree>
-    <p:extLst>
-      <p:ext uri="{BB962C8B-B14F-4D97-AF65-F5344CB8AC3E}">
-        <p14:creationId xmlns:p14="http://schemas.microsoft.com/office/powerpoint/2010/main" val="722939208"/>
-      </p:ext>
-    </p:extLst>
-  </p:cSld>
-  <p:clrMapOvr>
-    <a:masterClrMapping/>
-  </p:clrMapOvr>
-  <p:timing>
-    <p:tnLst>
-      <p:par>
-        <p:cTn id="1" dur="indefinite" restart="never" nodeType="tmRoot"/>
-      </p:par>
-    </p:tnLst>
-  </p:timing>
-</p:sld>
-</file>
-
-<file path=ppt/slides/slide21.xml><?xml version="1.0" encoding="utf-8"?>
-<p:sld xmlns:a="http://schemas.openxmlformats.org/drawingml/2006/main" xmlns:r="http://schemas.openxmlformats.org/officeDocument/2006/relationships" xmlns:p="http://schemas.openxmlformats.org/presentationml/2006/main">
-  <p:cSld>
-    <p:spTree>
-      <p:nvGrpSpPr>
-        <p:cNvPr id="1" name=""/>
-        <p:cNvGrpSpPr/>
-        <p:nvPr/>
-      </p:nvGrpSpPr>
-      <p:grpSpPr>
-        <a:xfrm>
-          <a:off x="0" y="0"/>
-          <a:ext cx="0" cy="0"/>
-          <a:chOff x="0" y="0"/>
-          <a:chExt cx="0" cy="0"/>
-        </a:xfrm>
-      </p:grpSpPr>
-      <p:sp>
-        <p:nvSpPr>
-          <p:cNvPr id="2" name="Заголовок 1"/>
-          <p:cNvSpPr>
-            <a:spLocks noGrp="1"/>
-          </p:cNvSpPr>
-          <p:nvPr>
-            <p:ph type="title"/>
-          </p:nvPr>
-        </p:nvSpPr>
-        <p:spPr/>
-        <p:txBody>
-          <a:bodyPr/>
-          <a:lstStyle/>
-          <a:p>
-            <a:r>
-              <a:rPr lang="ru-RU" b="1" dirty="0" smtClean="0"/>
-              <a:t>Как искать утечки памяти?</a:t>
-            </a:r>
-            <a:endParaRPr lang="ru-RU" b="1" dirty="0"/>
-          </a:p>
-        </p:txBody>
-      </p:sp>
-      <p:sp>
-        <p:nvSpPr>
-          <p:cNvPr id="3" name="Объект 2"/>
-          <p:cNvSpPr>
-            <a:spLocks noGrp="1"/>
-          </p:cNvSpPr>
-          <p:nvPr>
-            <p:ph idx="1"/>
-          </p:nvPr>
-        </p:nvSpPr>
-        <p:spPr/>
-        <p:txBody>
-          <a:bodyPr/>
-          <a:lstStyle/>
-          <a:p>
-            <a:pPr>
-              <a:lnSpc>
-                <a:spcPct val="150000"/>
-              </a:lnSpc>
-            </a:pPr>
-            <a:r>
-              <a:rPr lang="ru-RU" dirty="0" smtClean="0"/>
-              <a:t>Запускаем профилировщик</a:t>
-            </a:r>
-          </a:p>
-          <a:p>
-            <a:pPr>
-              <a:lnSpc>
-                <a:spcPct val="150000"/>
-              </a:lnSpc>
-            </a:pPr>
-            <a:r>
-              <a:rPr lang="ru-RU" dirty="0" smtClean="0"/>
-              <a:t>Делаем </a:t>
-            </a:r>
-            <a:r>
-              <a:rPr lang="en-US" dirty="0" smtClean="0"/>
-              <a:t>snapshot </a:t>
-            </a:r>
-            <a:r>
-              <a:rPr lang="ru-RU" dirty="0" smtClean="0"/>
-              <a:t>используемой памяти</a:t>
-            </a:r>
-          </a:p>
-          <a:p>
-            <a:pPr>
-              <a:lnSpc>
-                <a:spcPct val="150000"/>
-              </a:lnSpc>
-            </a:pPr>
-            <a:r>
-              <a:rPr lang="ru-RU" dirty="0" smtClean="0"/>
-              <a:t>Следуем рекомендациям профилировщика</a:t>
-            </a:r>
-          </a:p>
-          <a:p>
-            <a:pPr>
-              <a:lnSpc>
-                <a:spcPct val="150000"/>
-              </a:lnSpc>
-            </a:pPr>
-            <a:r>
-              <a:rPr lang="ru-RU" dirty="0" smtClean="0"/>
-              <a:t>Повторить до полного устранения утечек памяти</a:t>
-            </a:r>
-            <a:endParaRPr lang="ru-RU" dirty="0"/>
-          </a:p>
-        </p:txBody>
-      </p:sp>
-      <p:sp>
-        <p:nvSpPr>
-          <p:cNvPr id="4" name="Номер слайда 3"/>
-          <p:cNvSpPr>
-            <a:spLocks noGrp="1"/>
-          </p:cNvSpPr>
-          <p:nvPr>
-            <p:ph type="sldNum" sz="quarter" idx="12"/>
-          </p:nvPr>
-        </p:nvSpPr>
-        <p:spPr/>
-        <p:txBody>
-          <a:bodyPr/>
-          <a:lstStyle/>
-          <a:p>
-            <a:fld id="{4341117B-7091-4FB7-97F8-A6CA9A2FE1D4}" type="slidenum">
-              <a:rPr lang="ru-RU" smtClean="0"/>
-              <a:t>21</a:t>
-            </a:fld>
-            <a:endParaRPr lang="ru-RU"/>
-          </a:p>
-        </p:txBody>
-      </p:sp>
-    </p:spTree>
-    <p:extLst>
-      <p:ext uri="{BB962C8B-B14F-4D97-AF65-F5344CB8AC3E}">
-        <p14:creationId xmlns:p14="http://schemas.microsoft.com/office/powerpoint/2010/main" val="418660911"/>
-      </p:ext>
-    </p:extLst>
-  </p:cSld>
-  <p:clrMapOvr>
-    <a:masterClrMapping/>
-  </p:clrMapOvr>
-</p:sld>
-</file>
-
-<file path=ppt/slides/slide22.xml><?xml version="1.0" encoding="utf-8"?>
-<p:sld xmlns:a="http://schemas.openxmlformats.org/drawingml/2006/main" xmlns:r="http://schemas.openxmlformats.org/officeDocument/2006/relationships" xmlns:p="http://schemas.openxmlformats.org/presentationml/2006/main">
-  <p:cSld>
-    <p:spTree>
-      <p:nvGrpSpPr>
-        <p:cNvPr id="1" name=""/>
-        <p:cNvGrpSpPr/>
-        <p:nvPr/>
-      </p:nvGrpSpPr>
-      <p:grpSpPr>
-        <a:xfrm>
-          <a:off x="0" y="0"/>
-          <a:ext cx="0" cy="0"/>
-          <a:chOff x="0" y="0"/>
-          <a:chExt cx="0" cy="0"/>
-        </a:xfrm>
-      </p:grpSpPr>
-      <p:sp>
-        <p:nvSpPr>
-          <p:cNvPr id="2" name="Заголовок 1"/>
-          <p:cNvSpPr>
-            <a:spLocks noGrp="1"/>
-          </p:cNvSpPr>
-          <p:nvPr>
-            <p:ph type="title"/>
-          </p:nvPr>
-        </p:nvSpPr>
-        <p:spPr/>
-        <p:txBody>
-          <a:bodyPr/>
-          <a:lstStyle/>
-          <a:p>
-            <a:r>
               <a:rPr lang="ru-RU" b="1" dirty="0"/>
               <a:t>Чем искать утечки памяти в </a:t>
             </a:r>
@@ -9742,7 +9386,7 @@
         </p:nvGraphicFramePr>
         <p:xfrm>
           <a:off x="838200" y="1825625"/>
-          <a:ext cx="10515600" cy="3784600"/>
+          <a:ext cx="10515600" cy="3290824"/>
         </p:xfrm>
         <a:graphic>
           <a:graphicData uri="http://schemas.openxmlformats.org/drawingml/2006/table">
@@ -10060,13 +9704,8 @@
                       </a:pPr>
                       <a:r>
                         <a:rPr lang="en-US" sz="2000" b="1" dirty="0" smtClean="0"/>
-                        <a:t>ANTS Memory </a:t>
+                        <a:t>ANTS Memory Profiler</a:t>
                       </a:r>
-                      <a:r>
-                        <a:rPr lang="en-US" sz="2000" b="1" dirty="0" smtClean="0"/>
-                        <a:t>Profiler</a:t>
-                      </a:r>
-                      <a:endParaRPr lang="en-US" sz="2000" b="1" dirty="0" smtClean="0"/>
                     </a:p>
                   </a:txBody>
                   <a:tcPr/>
@@ -10111,6 +9750,29 @@
           </a:graphicData>
         </a:graphic>
       </p:graphicFrame>
+      <p:sp>
+        <p:nvSpPr>
+          <p:cNvPr id="3" name="Номер слайда 2"/>
+          <p:cNvSpPr>
+            <a:spLocks noGrp="1"/>
+          </p:cNvSpPr>
+          <p:nvPr>
+            <p:ph type="sldNum" sz="quarter" idx="12"/>
+          </p:nvPr>
+        </p:nvSpPr>
+        <p:spPr/>
+        <p:txBody>
+          <a:bodyPr/>
+          <a:lstStyle/>
+          <a:p>
+            <a:fld id="{4341117B-7091-4FB7-97F8-A6CA9A2FE1D4}" type="slidenum">
+              <a:rPr lang="ru-RU" smtClean="0"/>
+              <a:t>20</a:t>
+            </a:fld>
+            <a:endParaRPr lang="ru-RU"/>
+          </a:p>
+        </p:txBody>
+      </p:sp>
     </p:spTree>
     <p:extLst>
       <p:ext uri="{BB962C8B-B14F-4D97-AF65-F5344CB8AC3E}">
@@ -10121,10 +9783,17 @@
   <p:clrMapOvr>
     <a:masterClrMapping/>
   </p:clrMapOvr>
+  <p:timing>
+    <p:tnLst>
+      <p:par>
+        <p:cTn id="1" dur="indefinite" restart="never" nodeType="tmRoot"/>
+      </p:par>
+    </p:tnLst>
+  </p:timing>
 </p:sld>
 </file>
 
-<file path=ppt/slides/slide23.xml><?xml version="1.0" encoding="utf-8"?>
+<file path=ppt/slides/slide21.xml><?xml version="1.0" encoding="utf-8"?>
 <p:sld xmlns:a="http://schemas.openxmlformats.org/drawingml/2006/main" xmlns:r="http://schemas.openxmlformats.org/officeDocument/2006/relationships" xmlns:p="http://schemas.openxmlformats.org/presentationml/2006/main">
   <p:cSld>
     <p:spTree>
@@ -10163,14 +9832,18 @@
           <a:p>
             <a:pPr algn="ctr"/>
             <a:r>
-              <a:rPr lang="ru-RU" dirty="0" smtClean="0"/>
+              <a:rPr lang="ru-RU" b="1" dirty="0" smtClean="0"/>
               <a:t>Самое время для </a:t>
             </a:r>
             <a:r>
-              <a:rPr lang="ru-RU" dirty="0" err="1" smtClean="0"/>
+              <a:rPr lang="ru-RU" b="1" dirty="0" err="1" smtClean="0"/>
               <a:t>демо</a:t>
             </a:r>
-            <a:endParaRPr lang="ru-RU" dirty="0"/>
+            <a:r>
+              <a:rPr lang="ru-RU" b="1" dirty="0" smtClean="0"/>
+              <a:t>!</a:t>
+            </a:r>
+            <a:endParaRPr lang="ru-RU" b="1" dirty="0"/>
           </a:p>
         </p:txBody>
       </p:sp>
@@ -10191,7 +9864,7 @@
           <a:p>
             <a:fld id="{4341117B-7091-4FB7-97F8-A6CA9A2FE1D4}" type="slidenum">
               <a:rPr lang="ru-RU" smtClean="0"/>
-              <a:t>23</a:t>
+              <a:t>21</a:t>
             </a:fld>
             <a:endParaRPr lang="ru-RU"/>
           </a:p>
@@ -10207,10 +9880,17 @@
   <p:clrMapOvr>
     <a:masterClrMapping/>
   </p:clrMapOvr>
+  <p:timing>
+    <p:tnLst>
+      <p:par>
+        <p:cTn id="1" dur="indefinite" restart="never" nodeType="tmRoot"/>
+      </p:par>
+    </p:tnLst>
+  </p:timing>
 </p:sld>
 </file>
 
-<file path=ppt/slides/slide24.xml><?xml version="1.0" encoding="utf-8"?>
+<file path=ppt/slides/slide22.xml><?xml version="1.0" encoding="utf-8"?>
 <p:sld xmlns:a="http://schemas.openxmlformats.org/drawingml/2006/main" xmlns:r="http://schemas.openxmlformats.org/officeDocument/2006/relationships" xmlns:p="http://schemas.openxmlformats.org/presentationml/2006/main">
   <p:cSld>
     <p:spTree>
@@ -10393,7 +10073,7 @@
           <a:p>
             <a:fld id="{4341117B-7091-4FB7-97F8-A6CA9A2FE1D4}" type="slidenum">
               <a:rPr lang="ru-RU" smtClean="0"/>
-              <a:t>24</a:t>
+              <a:t>22</a:t>
             </a:fld>
             <a:endParaRPr lang="ru-RU"/>
           </a:p>
@@ -10409,10 +10089,17 @@
   <p:clrMapOvr>
     <a:masterClrMapping/>
   </p:clrMapOvr>
+  <p:timing>
+    <p:tnLst>
+      <p:par>
+        <p:cTn id="1" dur="indefinite" restart="never" nodeType="tmRoot"/>
+      </p:par>
+    </p:tnLst>
+  </p:timing>
 </p:sld>
 </file>
 
-<file path=ppt/slides/slide25.xml><?xml version="1.0" encoding="utf-8"?>
+<file path=ppt/slides/slide23.xml><?xml version="1.0" encoding="utf-8"?>
 <p:sld xmlns:a="http://schemas.openxmlformats.org/drawingml/2006/main" xmlns:r="http://schemas.openxmlformats.org/officeDocument/2006/relationships" xmlns:p="http://schemas.openxmlformats.org/presentationml/2006/main">
   <p:cSld>
     <p:spTree>
@@ -10478,7 +10165,7 @@
           <a:p>
             <a:fld id="{4341117B-7091-4FB7-97F8-A6CA9A2FE1D4}" type="slidenum">
               <a:rPr lang="ru-RU" smtClean="0"/>
-              <a:t>25</a:t>
+              <a:t>23</a:t>
             </a:fld>
             <a:endParaRPr lang="ru-RU"/>
           </a:p>
@@ -10683,7 +10370,7 @@
         <p:spPr/>
         <p:txBody>
           <a:bodyPr>
-            <a:normAutofit lnSpcReduction="10000"/>
+            <a:normAutofit/>
           </a:bodyPr>
           <a:lstStyle/>
           <a:p>
@@ -10694,7 +10381,31 @@
             </a:pPr>
             <a:r>
               <a:rPr lang="ru-RU" dirty="0" smtClean="0"/>
-              <a:t>Стандартный набор действий над данными в приложении</a:t>
+              <a:t>Суммарно </a:t>
+            </a:r>
+            <a:r>
+              <a:rPr lang="en-US" dirty="0" smtClean="0"/>
+              <a:t>36</a:t>
+            </a:r>
+            <a:r>
+              <a:rPr lang="ru-RU" dirty="0" smtClean="0"/>
+              <a:t> </a:t>
+            </a:r>
+            <a:r>
+              <a:rPr lang="en-US" dirty="0" smtClean="0"/>
+              <a:t>View, </a:t>
+            </a:r>
+            <a:r>
+              <a:rPr lang="ru-RU" dirty="0" smtClean="0"/>
+              <a:t>из </a:t>
+            </a:r>
+            <a:r>
+              <a:rPr lang="ru-RU" dirty="0"/>
+              <a:t>них «протекало» больше </a:t>
+            </a:r>
+            <a:r>
+              <a:rPr lang="ru-RU" dirty="0" smtClean="0"/>
+              <a:t>половины</a:t>
             </a:r>
           </a:p>
           <a:p>
@@ -10705,24 +10416,21 @@
             </a:pPr>
             <a:r>
               <a:rPr lang="ru-RU" dirty="0" smtClean="0"/>
-              <a:t>Архитектура </a:t>
+              <a:t>При старте потребление памяти </a:t>
             </a:r>
             <a:r>
               <a:rPr lang="en-US" dirty="0" smtClean="0"/>
-              <a:t>UI – </a:t>
-            </a:r>
-            <a:r>
-              <a:rPr lang="ru-RU" dirty="0" smtClean="0"/>
-              <a:t>вкладки, </a:t>
+              <a:t>~15</a:t>
+            </a:r>
+            <a:r>
+              <a:rPr lang="ru-RU" dirty="0" smtClean="0"/>
+              <a:t>0 </a:t>
             </a:r>
             <a:r>
               <a:rPr lang="ru-RU" dirty="0" err="1" smtClean="0"/>
-              <a:t>хостовые</a:t>
-            </a:r>
-            <a:r>
-              <a:rPr lang="ru-RU" dirty="0" smtClean="0"/>
-              <a:t> вкладки, «диалоговые» окна</a:t>
-            </a:r>
+              <a:t>мб</a:t>
+            </a:r>
+            <a:endParaRPr lang="ru-RU" dirty="0" smtClean="0"/>
           </a:p>
           <a:p>
             <a:pPr>
@@ -10732,35 +10440,19 @@
             </a:pPr>
             <a:r>
               <a:rPr lang="ru-RU" dirty="0" smtClean="0"/>
-              <a:t>Суммарно </a:t>
+              <a:t>Зафиксированный предел потребления памяти </a:t>
             </a:r>
             <a:r>
               <a:rPr lang="en-US" dirty="0" smtClean="0"/>
-              <a:t>36</a:t>
-            </a:r>
-            <a:r>
-              <a:rPr lang="ru-RU" dirty="0" smtClean="0"/>
-              <a:t> </a:t>
-            </a:r>
-            <a:r>
-              <a:rPr lang="en-US" dirty="0" smtClean="0"/>
-              <a:t>View, </a:t>
-            </a:r>
-            <a:r>
-              <a:rPr lang="ru-RU" dirty="0" smtClean="0"/>
-              <a:t>и</a:t>
-            </a:r>
-            <a:r>
-              <a:rPr lang="ru-RU" dirty="0" smtClean="0"/>
-              <a:t>з </a:t>
-            </a:r>
-            <a:r>
-              <a:rPr lang="ru-RU" dirty="0"/>
-              <a:t>них «протекало» больше </a:t>
-            </a:r>
-            <a:r>
-              <a:rPr lang="ru-RU" dirty="0" smtClean="0"/>
-              <a:t>половины</a:t>
+              <a:t>~</a:t>
+            </a:r>
+            <a:r>
+              <a:rPr lang="ru-RU" dirty="0" smtClean="0"/>
+              <a:t>1.5 </a:t>
+            </a:r>
+            <a:r>
+              <a:rPr lang="ru-RU" dirty="0" err="1" smtClean="0"/>
+              <a:t>гб</a:t>
             </a:r>
             <a:endParaRPr lang="ru-RU" dirty="0" smtClean="0"/>
           </a:p>
@@ -10772,85 +10464,24 @@
             </a:pPr>
             <a:r>
               <a:rPr lang="ru-RU" dirty="0" smtClean="0"/>
-              <a:t>При старте </a:t>
-            </a:r>
-            <a:r>
-              <a:rPr lang="ru-RU" dirty="0" smtClean="0"/>
-              <a:t>потребление </a:t>
-            </a:r>
-            <a:r>
-              <a:rPr lang="ru-RU" dirty="0" smtClean="0"/>
-              <a:t>памяти </a:t>
+              <a:t>После лечения </a:t>
             </a:r>
             <a:r>
               <a:rPr lang="en-US" dirty="0" smtClean="0"/>
-              <a:t>~1</a:t>
-            </a:r>
-            <a:r>
-              <a:rPr lang="en-US" dirty="0" smtClean="0"/>
-              <a:t>5</a:t>
-            </a:r>
-            <a:r>
-              <a:rPr lang="ru-RU" dirty="0" smtClean="0"/>
-              <a:t>0 </a:t>
+              <a:t>~</a:t>
+            </a:r>
+            <a:r>
+              <a:rPr lang="ru-RU" dirty="0" smtClean="0"/>
+              <a:t>300-350 </a:t>
             </a:r>
             <a:r>
               <a:rPr lang="ru-RU" dirty="0" err="1" smtClean="0"/>
               <a:t>мб</a:t>
             </a:r>
-            <a:endParaRPr lang="ru-RU" dirty="0" smtClean="0"/>
-          </a:p>
-          <a:p>
-            <a:pPr>
-              <a:lnSpc>
-                <a:spcPct val="150000"/>
-              </a:lnSpc>
-            </a:pPr>
-            <a:r>
-              <a:rPr lang="ru-RU" dirty="0" smtClean="0"/>
-              <a:t>Зафиксированный предел потребления памяти </a:t>
-            </a:r>
-            <a:r>
-              <a:rPr lang="en-US" dirty="0" smtClean="0"/>
-              <a:t>~</a:t>
-            </a:r>
-            <a:r>
-              <a:rPr lang="ru-RU" dirty="0" smtClean="0"/>
-              <a:t>1.5 </a:t>
-            </a:r>
-            <a:r>
-              <a:rPr lang="ru-RU" dirty="0" err="1" smtClean="0"/>
-              <a:t>гб</a:t>
-            </a:r>
-            <a:endParaRPr lang="ru-RU" dirty="0" smtClean="0"/>
-          </a:p>
-          <a:p>
-            <a:pPr>
-              <a:lnSpc>
-                <a:spcPct val="150000"/>
-              </a:lnSpc>
-            </a:pPr>
-            <a:r>
-              <a:rPr lang="ru-RU" dirty="0" smtClean="0"/>
-              <a:t>После лечения </a:t>
-            </a:r>
-            <a:r>
-              <a:rPr lang="en-US" dirty="0" smtClean="0"/>
-              <a:t>~</a:t>
-            </a:r>
-            <a:r>
-              <a:rPr lang="ru-RU" dirty="0" smtClean="0"/>
-              <a:t>300-350 </a:t>
-            </a:r>
-            <a:r>
-              <a:rPr lang="ru-RU" dirty="0" err="1" smtClean="0"/>
-              <a:t>мб</a:t>
-            </a:r>
             <a:r>
               <a:rPr lang="ru-RU" dirty="0" smtClean="0"/>
               <a:t> в пике</a:t>
             </a:r>
-            <a:endParaRPr lang="ru-RU" dirty="0" smtClean="0"/>
           </a:p>
           <a:p>
             <a:endParaRPr lang="ru-RU" dirty="0" smtClean="0"/>
@@ -10937,7 +10568,19 @@
           <a:p>
             <a:r>
               <a:rPr lang="ru-RU" b="1" dirty="0" smtClean="0"/>
-              <a:t>Перед началом</a:t>
+              <a:t>Основные причины утечек памяти</a:t>
+            </a:r>
+            <a:r>
+              <a:rPr lang="en-US" b="1" dirty="0" smtClean="0"/>
+              <a:t> </a:t>
+            </a:r>
+            <a:r>
+              <a:rPr lang="ru-RU" b="1" dirty="0" smtClean="0"/>
+              <a:t>в </a:t>
+            </a:r>
+            <a:r>
+              <a:rPr lang="en-US" b="1" dirty="0" smtClean="0"/>
+              <a:t>WPF</a:t>
             </a:r>
             <a:endParaRPr lang="ru-RU" b="1" dirty="0"/>
           </a:p>
@@ -10955,56 +10598,84 @@
         </p:nvSpPr>
         <p:spPr/>
         <p:txBody>
-          <a:bodyPr/>
-          <a:lstStyle/>
-          <a:p>
-            <a:r>
-              <a:rPr lang="ru-RU" dirty="0" smtClean="0"/>
-              <a:t>Объект для утяжеления </a:t>
-            </a:r>
+          <a:bodyPr>
+            <a:normAutofit/>
+          </a:bodyPr>
+          <a:lstStyle/>
+          <a:p>
+            <a:pPr>
+              <a:lnSpc>
+                <a:spcPct val="150000"/>
+              </a:lnSpc>
+            </a:pPr>
             <a:r>
               <a:rPr lang="en-US" dirty="0" smtClean="0"/>
-              <a:t>View</a:t>
-            </a:r>
-            <a:r>
-              <a:rPr lang="ru-RU" dirty="0" smtClean="0"/>
-              <a:t> и/или </a:t>
-            </a:r>
+              <a:t>Incorrect</a:t>
+            </a:r>
+            <a:r>
+              <a:rPr lang="ru-RU" dirty="0" smtClean="0"/>
+              <a:t> </a:t>
+            </a:r>
+            <a:r>
+              <a:rPr lang="en-US" dirty="0" smtClean="0"/>
+              <a:t>Binding</a:t>
+            </a:r>
+          </a:p>
+          <a:p>
+            <a:pPr>
+              <a:lnSpc>
+                <a:spcPct val="150000"/>
+              </a:lnSpc>
+            </a:pPr>
+            <a:r>
+              <a:rPr lang="en-US" dirty="0" smtClean="0"/>
+              <a:t>Event Handler Leak</a:t>
+            </a:r>
+            <a:endParaRPr lang="ru-RU" dirty="0" smtClean="0"/>
+          </a:p>
+          <a:p>
+            <a:pPr>
+              <a:lnSpc>
+                <a:spcPct val="150000"/>
+              </a:lnSpc>
+            </a:pPr>
             <a:r>
               <a:rPr lang="en-US" dirty="0" err="1" smtClean="0"/>
-              <a:t>ViewModel</a:t>
+              <a:t>DispatcherTimer</a:t>
             </a:r>
             <a:endParaRPr lang="ru-RU" dirty="0" smtClean="0"/>
           </a:p>
           <a:p>
+            <a:pPr>
+              <a:lnSpc>
+                <a:spcPct val="150000"/>
+              </a:lnSpc>
+            </a:pPr>
+            <a:r>
+              <a:rPr lang="en-US" dirty="0" smtClean="0"/>
+              <a:t>Links </a:t>
+            </a:r>
+            <a:r>
+              <a:rPr lang="en-US" dirty="0"/>
+              <a:t>to objects in parent </a:t>
+            </a:r>
+            <a:r>
+              <a:rPr lang="en-US" dirty="0" smtClean="0"/>
+              <a:t>windows/views</a:t>
+            </a:r>
             <a:endParaRPr lang="ru-RU" dirty="0" smtClean="0"/>
           </a:p>
           <a:p>
-            <a:endParaRPr lang="ru-RU" dirty="0"/>
-          </a:p>
-          <a:p>
+            <a:pPr>
+              <a:lnSpc>
+                <a:spcPct val="150000"/>
+              </a:lnSpc>
+            </a:pPr>
+            <a:r>
+              <a:rPr lang="en-US" dirty="0" smtClean="0"/>
+              <a:t>Many instances of resource dictionaries</a:t>
+            </a:r>
             <a:endParaRPr lang="ru-RU" dirty="0" smtClean="0"/>
-          </a:p>
-          <a:p>
-            <a:endParaRPr lang="ru-RU" dirty="0" smtClean="0"/>
-          </a:p>
-          <a:p>
-            <a:r>
-              <a:rPr lang="ru-RU" dirty="0" smtClean="0"/>
-              <a:t>Теория </a:t>
-            </a:r>
-            <a:r>
-              <a:rPr lang="en-US" dirty="0" smtClean="0"/>
-              <a:t>-&gt; </a:t>
-            </a:r>
-            <a:r>
-              <a:rPr lang="ru-RU" dirty="0" err="1" smtClean="0"/>
-              <a:t>демо</a:t>
-            </a:r>
-            <a:endParaRPr lang="en-US" dirty="0" smtClean="0"/>
-          </a:p>
-          <a:p>
-            <a:endParaRPr lang="en-US" dirty="0"/>
           </a:p>
           <a:p>
             <a:endParaRPr lang="ru-RU" dirty="0"/>
@@ -11034,34 +10705,10 @@
           </a:p>
         </p:txBody>
       </p:sp>
-      <p:pic>
-        <p:nvPicPr>
-          <p:cNvPr id="6" name="Рисунок 5"/>
-          <p:cNvPicPr>
-            <a:picLocks noChangeAspect="1"/>
-          </p:cNvPicPr>
-          <p:nvPr/>
-        </p:nvPicPr>
-        <p:blipFill>
-          <a:blip r:embed="rId3"/>
-          <a:stretch>
-            <a:fillRect/>
-          </a:stretch>
-        </p:blipFill>
-        <p:spPr>
-          <a:xfrm>
-            <a:off x="952500" y="2564502"/>
-            <a:ext cx="7896225" cy="1647825"/>
-          </a:xfrm>
-          <a:prstGeom prst="rect">
-            <a:avLst/>
-          </a:prstGeom>
-        </p:spPr>
-      </p:pic>
     </p:spTree>
     <p:extLst>
       <p:ext uri="{BB962C8B-B14F-4D97-AF65-F5344CB8AC3E}">
-        <p14:creationId xmlns:p14="http://schemas.microsoft.com/office/powerpoint/2010/main" val="3108876247"/>
+        <p14:creationId xmlns:p14="http://schemas.microsoft.com/office/powerpoint/2010/main" val="168605117"/>
       </p:ext>
     </p:extLst>
   </p:cSld>
@@ -11112,19 +10759,11 @@
           <a:p>
             <a:r>
               <a:rPr lang="ru-RU" b="1" dirty="0" smtClean="0"/>
-              <a:t>Основные причины утечек памяти</a:t>
+              <a:t>Неправильный </a:t>
             </a:r>
             <a:r>
               <a:rPr lang="en-US" b="1" dirty="0" smtClean="0"/>
-              <a:t> </a:t>
-            </a:r>
-            <a:r>
-              <a:rPr lang="ru-RU" b="1" dirty="0" smtClean="0"/>
-              <a:t>в </a:t>
-            </a:r>
-            <a:r>
-              <a:rPr lang="en-US" b="1" dirty="0" smtClean="0"/>
-              <a:t>WPF</a:t>
+              <a:t>Binding</a:t>
             </a:r>
             <a:endParaRPr lang="ru-RU" b="1" dirty="0"/>
           </a:p>
@@ -11140,7 +10779,12 @@
             <p:ph idx="1"/>
           </p:nvPr>
         </p:nvSpPr>
-        <p:spPr/>
+        <p:spPr>
+          <a:xfrm>
+            <a:off x="838199" y="1825625"/>
+            <a:ext cx="10600113" cy="4351338"/>
+          </a:xfrm>
+        </p:spPr>
         <p:txBody>
           <a:bodyPr>
             <a:normAutofit/>
@@ -11153,17 +10797,14 @@
               </a:lnSpc>
             </a:pPr>
             <a:r>
-              <a:rPr lang="en-US" dirty="0" smtClean="0"/>
-              <a:t>Incorrect</a:t>
-            </a:r>
-            <a:r>
-              <a:rPr lang="ru-RU" dirty="0" smtClean="0"/>
-              <a:t> </a:t>
-            </a:r>
-            <a:r>
-              <a:rPr lang="en-US" dirty="0" smtClean="0"/>
-              <a:t>Binding</a:t>
-            </a:r>
+              <a:rPr lang="ru-RU" dirty="0" smtClean="0"/>
+              <a:t>Класс не реализует </a:t>
+            </a:r>
+            <a:r>
+              <a:rPr lang="en-US" b="1" dirty="0" err="1" smtClean="0"/>
+              <a:t>INotifyPropertyChanged</a:t>
+            </a:r>
+            <a:endParaRPr lang="en-US" b="1" dirty="0" smtClean="0"/>
           </a:p>
           <a:p>
             <a:pPr>
@@ -11172,10 +10813,14 @@
               </a:lnSpc>
             </a:pPr>
             <a:r>
-              <a:rPr lang="en-US" dirty="0" smtClean="0"/>
-              <a:t>Event Handler Leak</a:t>
-            </a:r>
-            <a:endParaRPr lang="ru-RU" dirty="0" smtClean="0"/>
+              <a:rPr lang="ru-RU" dirty="0" smtClean="0"/>
+              <a:t>Свойство привязки не является </a:t>
+            </a:r>
+            <a:r>
+              <a:rPr lang="en-US" b="1" dirty="0" err="1" smtClean="0"/>
+              <a:t>DependencyProperty</a:t>
+            </a:r>
+            <a:endParaRPr lang="en-US" b="1" dirty="0" smtClean="0"/>
           </a:p>
           <a:p>
             <a:pPr>
@@ -11185,7 +10830,23 @@
             </a:pPr>
             <a:r>
               <a:rPr lang="en-US" dirty="0" err="1" smtClean="0"/>
-              <a:t>DispatcherTimer</a:t>
+              <a:t>System.ComponentModel.PropertyDesctiptor</a:t>
+            </a:r>
+            <a:r>
+              <a:rPr lang="ru-RU" dirty="0" smtClean="0"/>
+              <a:t> – </a:t>
+            </a:r>
+            <a:r>
+              <a:rPr lang="en-US" b="1" dirty="0" err="1" smtClean="0"/>
+              <a:t>ValueChanged</a:t>
+            </a:r>
+            <a:r>
+              <a:rPr lang="ru-RU" dirty="0" smtClean="0"/>
+              <a:t> </a:t>
+            </a:r>
+            <a:r>
+              <a:rPr lang="en-US" dirty="0" smtClean="0"/>
+              <a:t>event</a:t>
             </a:r>
             <a:endParaRPr lang="ru-RU" dirty="0" smtClean="0"/>
           </a:p>
@@ -11196,18 +10857,9 @@
               </a:lnSpc>
             </a:pPr>
             <a:r>
-              <a:rPr lang="en-US" dirty="0" smtClean="0"/>
-              <a:t>Links </a:t>
-            </a:r>
-            <a:r>
-              <a:rPr lang="en-US" dirty="0"/>
-              <a:t>to objects in parent </a:t>
-            </a:r>
-            <a:r>
-              <a:rPr lang="en-US" dirty="0" smtClean="0"/>
-              <a:t>windows/views</a:t>
-            </a:r>
-            <a:endParaRPr lang="ru-RU" dirty="0" smtClean="0"/>
+              <a:rPr lang="ru-RU" dirty="0"/>
+              <a:t>Объект привязки можно изменять</a:t>
+            </a:r>
           </a:p>
           <a:p>
             <a:pPr>
@@ -11217,11 +10869,29 @@
             </a:pPr>
             <a:r>
               <a:rPr lang="en-US" dirty="0" smtClean="0"/>
-              <a:t>Many instances of resource dictionaries</a:t>
-            </a:r>
-            <a:endParaRPr lang="ru-RU" dirty="0" smtClean="0"/>
-          </a:p>
-          <a:p>
+              <a:t>Binding </a:t>
+            </a:r>
+            <a:r>
+              <a:rPr lang="ru-RU" dirty="0" smtClean="0"/>
+              <a:t>к коллекции </a:t>
+            </a:r>
+            <a:r>
+              <a:rPr lang="ru-RU" dirty="0"/>
+              <a:t>без </a:t>
+            </a:r>
+            <a:r>
+              <a:rPr lang="en-US" b="1" dirty="0" err="1"/>
+              <a:t>INotifyCollectionChanged</a:t>
+            </a:r>
+            <a:endParaRPr lang="en-US" b="1" dirty="0"/>
+          </a:p>
+          <a:p>
+            <a:pPr marL="0" indent="0">
+              <a:lnSpc>
+                <a:spcPct val="150000"/>
+              </a:lnSpc>
+              <a:buNone/>
+            </a:pPr>
             <a:endParaRPr lang="ru-RU" dirty="0"/>
           </a:p>
         </p:txBody>
@@ -11252,7 +10922,7 @@
     </p:spTree>
     <p:extLst>
       <p:ext uri="{BB962C8B-B14F-4D97-AF65-F5344CB8AC3E}">
-        <p14:creationId xmlns:p14="http://schemas.microsoft.com/office/powerpoint/2010/main" val="168605117"/>
+        <p14:creationId xmlns:p14="http://schemas.microsoft.com/office/powerpoint/2010/main" val="119885656"/>
       </p:ext>
     </p:extLst>
   </p:cSld>
@@ -11303,13 +10973,24 @@
           <a:p>
             <a:r>
               <a:rPr lang="ru-RU" b="1" dirty="0" smtClean="0"/>
-              <a:t>Неправильный </a:t>
+              <a:t>Как лечить </a:t>
+            </a:r>
+            <a:r>
+              <a:rPr lang="ru-RU" b="1" dirty="0"/>
+              <a:t>н</a:t>
+            </a:r>
+            <a:r>
+              <a:rPr lang="ru-RU" b="1" dirty="0" smtClean="0"/>
+              <a:t>еправильный </a:t>
             </a:r>
             <a:r>
               <a:rPr lang="en-US" b="1" dirty="0" smtClean="0"/>
               <a:t>Binding</a:t>
             </a:r>
-            <a:endParaRPr lang="ru-RU" b="1" dirty="0"/>
+            <a:r>
+              <a:rPr lang="ru-RU" b="1" dirty="0"/>
+              <a:t>?</a:t>
+            </a:r>
           </a:p>
         </p:txBody>
       </p:sp>
@@ -11323,15 +11004,10 @@
             <p:ph idx="1"/>
           </p:nvPr>
         </p:nvSpPr>
-        <p:spPr>
-          <a:xfrm>
-            <a:off x="838199" y="1825625"/>
-            <a:ext cx="10600113" cy="4351338"/>
-          </a:xfrm>
-        </p:spPr>
+        <p:spPr/>
         <p:txBody>
           <a:bodyPr>
-            <a:normAutofit/>
+            <a:normAutofit lnSpcReduction="10000"/>
           </a:bodyPr>
           <a:lstStyle/>
           <a:p>
@@ -11341,14 +11017,22 @@
               </a:lnSpc>
             </a:pPr>
             <a:r>
-              <a:rPr lang="ru-RU" dirty="0" smtClean="0"/>
-              <a:t>Класс не реализует </a:t>
-            </a:r>
-            <a:r>
               <a:rPr lang="en-US" b="1" dirty="0" err="1" smtClean="0"/>
               <a:t>INotifyPropertyChanged</a:t>
             </a:r>
-            <a:endParaRPr lang="en-US" b="1" dirty="0" smtClean="0"/>
+            <a:r>
+              <a:rPr lang="en-US" dirty="0" smtClean="0"/>
+              <a:t> </a:t>
+            </a:r>
+            <a:r>
+              <a:rPr lang="ru-RU" dirty="0" smtClean="0"/>
+              <a:t>или </a:t>
+            </a:r>
+            <a:r>
+              <a:rPr lang="en-US" b="1" dirty="0" err="1" smtClean="0"/>
+              <a:t>DependencyProperty</a:t>
+            </a:r>
+            <a:endParaRPr lang="ru-RU" b="1" dirty="0" smtClean="0"/>
           </a:p>
           <a:p>
             <a:pPr>
@@ -11357,14 +11041,18 @@
               </a:lnSpc>
             </a:pPr>
             <a:r>
-              <a:rPr lang="ru-RU" dirty="0" smtClean="0"/>
-              <a:t>Свойство привязки не является </a:t>
+              <a:rPr lang="en-US" dirty="0" smtClean="0"/>
+              <a:t>Binding Mode=“</a:t>
             </a:r>
             <a:r>
               <a:rPr lang="en-US" b="1" dirty="0" err="1" smtClean="0"/>
-              <a:t>DependencyProperty</a:t>
-            </a:r>
-            <a:endParaRPr lang="en-US" b="1" dirty="0" smtClean="0"/>
+              <a:t>OneTime</a:t>
+            </a:r>
+            <a:r>
+              <a:rPr lang="en-US" dirty="0" smtClean="0"/>
+              <a:t>”</a:t>
+            </a:r>
+            <a:endParaRPr lang="en-US" dirty="0"/>
           </a:p>
           <a:p>
             <a:pPr>
@@ -11373,24 +11061,16 @@
               </a:lnSpc>
             </a:pPr>
             <a:r>
-              <a:rPr lang="en-US" dirty="0" err="1" smtClean="0"/>
-              <a:t>System.ComponentModel.PropertyDesctiptor</a:t>
-            </a:r>
-            <a:r>
-              <a:rPr lang="ru-RU" dirty="0" smtClean="0"/>
-              <a:t> – </a:t>
+              <a:rPr lang="ru-RU" dirty="0" smtClean="0"/>
+              <a:t>Декоратор для </a:t>
             </a:r>
             <a:r>
               <a:rPr lang="en-US" b="1" dirty="0" err="1" smtClean="0"/>
-              <a:t>ValueChanged</a:t>
-            </a:r>
-            <a:r>
-              <a:rPr lang="ru-RU" dirty="0" smtClean="0"/>
-              <a:t> </a:t>
+              <a:t>OneTime</a:t>
             </a:r>
             <a:r>
               <a:rPr lang="en-US" dirty="0" smtClean="0"/>
-              <a:t>event</a:t>
+              <a:t> Binding</a:t>
             </a:r>
             <a:endParaRPr lang="ru-RU" dirty="0" smtClean="0"/>
           </a:p>
@@ -11401,9 +11081,30 @@
               </a:lnSpc>
             </a:pPr>
             <a:r>
-              <a:rPr lang="ru-RU" dirty="0"/>
-              <a:t>Объект привязки можно изменять</a:t>
-            </a:r>
+              <a:rPr lang="en-US" dirty="0" err="1" smtClean="0"/>
+              <a:t>ObservableCollection</a:t>
+            </a:r>
+            <a:r>
+              <a:rPr lang="en-US" dirty="0" smtClean="0"/>
+              <a:t> </a:t>
+            </a:r>
+            <a:r>
+              <a:rPr lang="ru-RU" dirty="0" smtClean="0"/>
+              <a:t>или любая имплементация </a:t>
+            </a:r>
+            <a:r>
+              <a:rPr lang="en-US" b="1" dirty="0" err="1" smtClean="0"/>
+              <a:t>INotifyCollectionChanged</a:t>
+            </a:r>
+            <a:r>
+              <a:rPr lang="en-US" dirty="0" smtClean="0"/>
+              <a:t> </a:t>
+            </a:r>
+            <a:r>
+              <a:rPr lang="ru-RU" dirty="0" smtClean="0"/>
+              <a:t>для коллекции</a:t>
+            </a:r>
+            <a:endParaRPr lang="en-US" dirty="0" smtClean="0"/>
           </a:p>
           <a:p>
             <a:pPr>
@@ -11412,26 +11113,25 @@
               </a:lnSpc>
             </a:pPr>
             <a:r>
+              <a:rPr lang="en-US" dirty="0" err="1" smtClean="0"/>
+              <a:t>BindingOperations.ClearBinding</a:t>
+            </a:r>
+            <a:r>
+              <a:rPr lang="ru-RU" dirty="0" smtClean="0"/>
+              <a:t> =</a:t>
+            </a:r>
+            <a:r>
               <a:rPr lang="en-US" dirty="0" smtClean="0"/>
-              <a:t>Binding </a:t>
-            </a:r>
-            <a:r>
-              <a:rPr lang="ru-RU" dirty="0"/>
-              <a:t>коллекции без </a:t>
-            </a:r>
-            <a:r>
-              <a:rPr lang="en-US" b="1" dirty="0" err="1"/>
-              <a:t>INotifyCollectionChanged</a:t>
-            </a:r>
-            <a:endParaRPr lang="en-US" b="1" dirty="0"/>
-          </a:p>
-          <a:p>
-            <a:pPr marL="0" indent="0">
-              <a:lnSpc>
-                <a:spcPct val="150000"/>
-              </a:lnSpc>
-              <a:buNone/>
-            </a:pPr>
+              <a:t>&gt; </a:t>
+            </a:r>
+            <a:r>
+              <a:rPr lang="en-US" b="1" dirty="0" err="1" smtClean="0"/>
+              <a:t>IDisposable</a:t>
+            </a:r>
+            <a:r>
+              <a:rPr lang="en-US" dirty="0" smtClean="0"/>
+              <a:t> pattern</a:t>
+            </a:r>
             <a:endParaRPr lang="ru-RU" dirty="0"/>
           </a:p>
         </p:txBody>
@@ -11462,7 +11162,7 @@
     </p:spTree>
     <p:extLst>
       <p:ext uri="{BB962C8B-B14F-4D97-AF65-F5344CB8AC3E}">
-        <p14:creationId xmlns:p14="http://schemas.microsoft.com/office/powerpoint/2010/main" val="119885656"/>
+        <p14:creationId xmlns:p14="http://schemas.microsoft.com/office/powerpoint/2010/main" val="1426775934"/>
       </p:ext>
     </p:extLst>
   </p:cSld>
@@ -11512,25 +11212,10 @@
           <a:lstStyle/>
           <a:p>
             <a:r>
-              <a:rPr lang="ru-RU" b="1" dirty="0" smtClean="0"/>
-              <a:t>Как лечить </a:t>
-            </a:r>
-            <a:r>
-              <a:rPr lang="ru-RU" b="1" dirty="0"/>
-              <a:t>н</a:t>
-            </a:r>
-            <a:r>
-              <a:rPr lang="ru-RU" b="1" dirty="0" smtClean="0"/>
-              <a:t>еправильный </a:t>
-            </a:r>
-            <a:r>
               <a:rPr lang="en-US" b="1" dirty="0" smtClean="0"/>
-              <a:t>Binding</a:t>
-            </a:r>
-            <a:r>
-              <a:rPr lang="ru-RU" b="1" dirty="0"/>
-              <a:t>?</a:t>
-            </a:r>
+              <a:t>Event Handler leak</a:t>
+            </a:r>
+            <a:endParaRPr lang="ru-RU" b="1" dirty="0"/>
           </a:p>
         </p:txBody>
       </p:sp>
@@ -11544,10 +11229,15 @@
             <p:ph idx="1"/>
           </p:nvPr>
         </p:nvSpPr>
-        <p:spPr/>
+        <p:spPr>
+          <a:xfrm>
+            <a:off x="838200" y="1825625"/>
+            <a:ext cx="10515600" cy="4634810"/>
+          </a:xfrm>
+        </p:spPr>
         <p:txBody>
           <a:bodyPr>
-            <a:normAutofit lnSpcReduction="10000"/>
+            <a:normAutofit/>
           </a:bodyPr>
           <a:lstStyle/>
           <a:p>
@@ -11557,22 +11247,13 @@
               </a:lnSpc>
             </a:pPr>
             <a:r>
-              <a:rPr lang="en-US" b="1" dirty="0" err="1" smtClean="0"/>
-              <a:t>INotifyPropertyChanged</a:t>
+              <a:rPr lang="ru-RU" dirty="0" smtClean="0"/>
+              <a:t>Проблема не только в </a:t>
             </a:r>
             <a:r>
               <a:rPr lang="en-US" dirty="0" smtClean="0"/>
-              <a:t> </a:t>
-            </a:r>
-            <a:r>
-              <a:rPr lang="ru-RU" dirty="0" smtClean="0"/>
-              <a:t>или </a:t>
-            </a:r>
-            <a:r>
-              <a:rPr lang="en-US" b="1" dirty="0" err="1" smtClean="0"/>
-              <a:t>DependencyProperty</a:t>
-            </a:r>
-            <a:endParaRPr lang="ru-RU" b="1" dirty="0" smtClean="0"/>
+              <a:t>WPF</a:t>
+            </a:r>
           </a:p>
           <a:p>
             <a:pPr>
@@ -11581,18 +11262,17 @@
               </a:lnSpc>
             </a:pPr>
             <a:r>
-              <a:rPr lang="en-US" dirty="0" smtClean="0"/>
-              <a:t>Binding Mode=“</a:t>
-            </a:r>
-            <a:r>
-              <a:rPr lang="en-US" b="1" dirty="0" err="1" smtClean="0"/>
-              <a:t>OneTime</a:t>
-            </a:r>
-            <a:r>
-              <a:rPr lang="en-US" dirty="0" smtClean="0"/>
-              <a:t>”</a:t>
-            </a:r>
-            <a:endParaRPr lang="en-US" dirty="0"/>
+              <a:rPr lang="ru-RU" dirty="0" err="1" smtClean="0"/>
+              <a:t>Экземплярный</a:t>
+            </a:r>
+            <a:r>
+              <a:rPr lang="ru-RU" dirty="0" smtClean="0"/>
+              <a:t> метод ссылается на класс, в котором </a:t>
+            </a:r>
+            <a:r>
+              <a:rPr lang="ru-RU" dirty="0"/>
+              <a:t>находится</a:t>
+            </a:r>
           </a:p>
           <a:p>
             <a:pPr>
@@ -11601,18 +11281,14 @@
               </a:lnSpc>
             </a:pPr>
             <a:r>
-              <a:rPr lang="ru-RU" dirty="0" smtClean="0"/>
-              <a:t>Декоратор для </a:t>
-            </a:r>
-            <a:r>
-              <a:rPr lang="en-US" b="1" dirty="0" err="1" smtClean="0"/>
-              <a:t>OneTime</a:t>
-            </a:r>
-            <a:r>
-              <a:rPr lang="en-US" dirty="0" smtClean="0"/>
-              <a:t> Binding</a:t>
-            </a:r>
-            <a:endParaRPr lang="ru-RU" dirty="0" smtClean="0"/>
+              <a:rPr lang="ru-RU" dirty="0"/>
+              <a:t>Издатель живет дольше подписчика – риск получить </a:t>
+            </a:r>
+            <a:r>
+              <a:rPr lang="ru-RU" dirty="0" smtClean="0"/>
+              <a:t>утечки</a:t>
+            </a:r>
+            <a:endParaRPr lang="en-US" dirty="0" smtClean="0"/>
           </a:p>
           <a:p>
             <a:pPr>
@@ -11621,30 +11297,14 @@
               </a:lnSpc>
             </a:pPr>
             <a:r>
-              <a:rPr lang="en-US" dirty="0" err="1" smtClean="0"/>
-              <a:t>ObservableCollection</a:t>
-            </a:r>
-            <a:r>
               <a:rPr lang="en-US" dirty="0" smtClean="0"/>
-              <a:t> </a:t>
-            </a:r>
-            <a:r>
-              <a:rPr lang="ru-RU" dirty="0" smtClean="0"/>
-              <a:t>или любая имплементация </a:t>
-            </a:r>
-            <a:r>
-              <a:rPr lang="en-US" b="1" dirty="0" err="1" smtClean="0"/>
-              <a:t>INotifyCollectionChanged</a:t>
-            </a:r>
-            <a:r>
-              <a:rPr lang="en-US" dirty="0" smtClean="0"/>
-              <a:t> </a:t>
-            </a:r>
-            <a:r>
-              <a:rPr lang="ru-RU" dirty="0" smtClean="0"/>
-              <a:t>для коллекции</a:t>
-            </a:r>
-            <a:endParaRPr lang="en-US" dirty="0" smtClean="0"/>
+              <a:t>Static event – </a:t>
+            </a:r>
+            <a:r>
+              <a:rPr lang="ru-RU" dirty="0" smtClean="0"/>
+              <a:t>зло в чистом виде</a:t>
+            </a:r>
+            <a:endParaRPr lang="en-US" dirty="0"/>
           </a:p>
           <a:p>
             <a:pPr>
@@ -11653,25 +11313,12 @@
               </a:lnSpc>
             </a:pPr>
             <a:r>
-              <a:rPr lang="en-US" dirty="0" err="1" smtClean="0"/>
-              <a:t>BindingOperations.ClearBinding</a:t>
-            </a:r>
-            <a:r>
-              <a:rPr lang="ru-RU" dirty="0" smtClean="0"/>
-              <a:t> =</a:t>
-            </a:r>
-            <a:r>
-              <a:rPr lang="en-US" dirty="0" smtClean="0"/>
-              <a:t>&gt; </a:t>
-            </a:r>
-            <a:r>
-              <a:rPr lang="en-US" b="1" dirty="0" err="1" smtClean="0"/>
-              <a:t>IDisposable</a:t>
-            </a:r>
-            <a:r>
-              <a:rPr lang="en-US" dirty="0" smtClean="0"/>
-              <a:t> pattern</a:t>
-            </a:r>
+              <a:rPr lang="ru-RU" dirty="0" smtClean="0"/>
+              <a:t>От лямбды нельзя отписаться</a:t>
+            </a:r>
+            <a:endParaRPr lang="en-US" dirty="0"/>
+          </a:p>
+          <a:p>
             <a:endParaRPr lang="ru-RU" dirty="0"/>
           </a:p>
         </p:txBody>
@@ -11702,7 +11349,7 @@
     </p:spTree>
     <p:extLst>
       <p:ext uri="{BB962C8B-B14F-4D97-AF65-F5344CB8AC3E}">
-        <p14:creationId xmlns:p14="http://schemas.microsoft.com/office/powerpoint/2010/main" val="1426775934"/>
+        <p14:creationId xmlns:p14="http://schemas.microsoft.com/office/powerpoint/2010/main" val="2538111150"/>
       </p:ext>
     </p:extLst>
   </p:cSld>
@@ -11752,10 +11399,25 @@
           <a:lstStyle/>
           <a:p>
             <a:r>
+              <a:rPr lang="ru-RU" b="1" dirty="0" smtClean="0"/>
+              <a:t>Как лечить </a:t>
+            </a:r>
+            <a:r>
               <a:rPr lang="en-US" b="1" dirty="0" smtClean="0"/>
-              <a:t>Event Handler leak</a:t>
-            </a:r>
-            <a:endParaRPr lang="ru-RU" b="1" dirty="0"/>
+              <a:t>Event </a:t>
+            </a:r>
+            <a:r>
+              <a:rPr lang="en-US" b="1" dirty="0"/>
+              <a:t>Handler </a:t>
+            </a:r>
+            <a:r>
+              <a:rPr lang="en-US" b="1" dirty="0" smtClean="0"/>
+              <a:t>leak</a:t>
+            </a:r>
+            <a:r>
+              <a:rPr lang="ru-RU" b="1" dirty="0"/>
+              <a:t>?</a:t>
+            </a:r>
           </a:p>
         </p:txBody>
       </p:sp>
@@ -11769,16 +11431,9 @@
             <p:ph idx="1"/>
           </p:nvPr>
         </p:nvSpPr>
-        <p:spPr>
-          <a:xfrm>
-            <a:off x="838200" y="1825625"/>
-            <a:ext cx="10515600" cy="4634810"/>
-          </a:xfrm>
-        </p:spPr>
-        <p:txBody>
-          <a:bodyPr>
-            <a:normAutofit/>
-          </a:bodyPr>
+        <p:spPr/>
+        <p:txBody>
+          <a:bodyPr/>
           <a:lstStyle/>
           <a:p>
             <a:pPr>
@@ -11788,11 +11443,7 @@
             </a:pPr>
             <a:r>
               <a:rPr lang="ru-RU" dirty="0" smtClean="0"/>
-              <a:t>Проблема не только в </a:t>
-            </a:r>
-            <a:r>
-              <a:rPr lang="en-US" dirty="0" smtClean="0"/>
-              <a:t>WPF</a:t>
+              <a:t>Явная отписка от событий </a:t>
             </a:r>
           </a:p>
           <a:p>
@@ -11802,21 +11453,18 @@
               </a:lnSpc>
             </a:pPr>
             <a:r>
-              <a:rPr lang="ru-RU" dirty="0" err="1" smtClean="0"/>
-              <a:t>Экземплярный</a:t>
-            </a:r>
-            <a:r>
-              <a:rPr lang="ru-RU" dirty="0" smtClean="0"/>
+              <a:rPr lang="en-US" b="1" dirty="0" err="1"/>
+              <a:t>IDisposable</a:t>
+            </a:r>
+            <a:r>
+              <a:rPr lang="en-US" dirty="0"/>
               <a:t> </a:t>
             </a:r>
             <a:r>
-              <a:rPr lang="ru-RU" dirty="0" smtClean="0"/>
-              <a:t>метод ссылается на класс, в котором </a:t>
-            </a:r>
-            <a:r>
-              <a:rPr lang="ru-RU" dirty="0"/>
-              <a:t>находится</a:t>
-            </a:r>
+              <a:rPr lang="en-US" dirty="0" smtClean="0"/>
+              <a:t>pattern</a:t>
+            </a:r>
+            <a:endParaRPr lang="ru-RU" dirty="0"/>
           </a:p>
           <a:p>
             <a:pPr>
@@ -11825,14 +11473,26 @@
               </a:lnSpc>
             </a:pPr>
             <a:r>
+              <a:rPr lang="en-US" dirty="0" smtClean="0"/>
+              <a:t>Behavior</a:t>
+            </a:r>
+            <a:r>
+              <a:rPr lang="en-US" dirty="0"/>
+              <a:t>, Trigger </a:t>
+            </a:r>
+            <a:r>
               <a:rPr lang="ru-RU" dirty="0"/>
-              <a:t>Издатель живет дольше подписчика – риск получить </a:t>
-            </a:r>
-            <a:r>
-              <a:rPr lang="ru-RU" dirty="0" smtClean="0"/>
-              <a:t>утечки</a:t>
-            </a:r>
-            <a:endParaRPr lang="en-US" dirty="0" smtClean="0"/>
+              <a:t>и </a:t>
+            </a:r>
+            <a:r>
+              <a:rPr lang="ru-RU" dirty="0" smtClean="0"/>
+              <a:t>прочие «дополнения» к </a:t>
+            </a:r>
+            <a:r>
+              <a:rPr lang="en-US" dirty="0" smtClean="0"/>
+              <a:t>View</a:t>
+            </a:r>
+            <a:endParaRPr lang="ru-RU" dirty="0" smtClean="0"/>
           </a:p>
           <a:p>
             <a:pPr>
@@ -11841,29 +11501,18 @@
               </a:lnSpc>
             </a:pPr>
             <a:r>
-              <a:rPr lang="en-US" dirty="0" smtClean="0"/>
-              <a:t>Static event – </a:t>
-            </a:r>
-            <a:r>
-              <a:rPr lang="ru-RU" dirty="0" smtClean="0"/>
-              <a:t>зло в чистом виде</a:t>
-            </a:r>
-            <a:endParaRPr lang="en-US" dirty="0"/>
-          </a:p>
-          <a:p>
-            <a:pPr>
-              <a:lnSpc>
-                <a:spcPct val="150000"/>
-              </a:lnSpc>
-            </a:pPr>
-            <a:r>
-              <a:rPr lang="ru-RU" dirty="0" smtClean="0"/>
-              <a:t>От лямбды нельзя отписаться</a:t>
-            </a:r>
-            <a:endParaRPr lang="en-US" dirty="0"/>
-          </a:p>
-          <a:p>
-            <a:endParaRPr lang="ru-RU" dirty="0"/>
+              <a:rPr lang="ru-RU" dirty="0" smtClean="0"/>
+              <a:t>Нельзя точно определить момент отписки – используем </a:t>
+            </a:r>
+            <a:r>
+              <a:rPr lang="en-US" b="1" dirty="0" err="1" smtClean="0"/>
+              <a:t>WeakEventManager</a:t>
+            </a:r>
+            <a:r>
+              <a:rPr lang="en-US" b="1" dirty="0" smtClean="0"/>
+              <a:t>/Weak event pattern</a:t>
+            </a:r>
+            <a:endParaRPr lang="ru-RU" b="1" dirty="0"/>
           </a:p>
         </p:txBody>
       </p:sp>
@@ -11893,13 +11542,20 @@
     </p:spTree>
     <p:extLst>
       <p:ext uri="{BB962C8B-B14F-4D97-AF65-F5344CB8AC3E}">
-        <p14:creationId xmlns:p14="http://schemas.microsoft.com/office/powerpoint/2010/main" val="2538111150"/>
+        <p14:creationId xmlns:p14="http://schemas.microsoft.com/office/powerpoint/2010/main" val="563520572"/>
       </p:ext>
     </p:extLst>
   </p:cSld>
   <p:clrMapOvr>
     <a:masterClrMapping/>
   </p:clrMapOvr>
+  <p:timing>
+    <p:tnLst>
+      <p:par>
+        <p:cTn id="1" dur="indefinite" restart="never" nodeType="tmRoot"/>
+      </p:par>
+    </p:tnLst>
+  </p:timing>
 </p:sld>
 </file>
 
